--- a/doc/designDoc.pptx
+++ b/doc/designDoc.pptx
@@ -6,6 +6,7 @@
   </p:sldMasterIdLst>
   <p:sldIdLst>
     <p:sldId id="256" r:id="rId2"/>
+    <p:sldId id="257" r:id="rId3"/>
   </p:sldIdLst>
   <p:sldSz cx="12192000" cy="6858000"/>
   <p:notesSz cx="6858000" cy="9144000"/>
@@ -104,6 +105,11 @@
       </a:defRPr>
     </a:lvl9pPr>
   </p:defaultTextStyle>
+  <p:extLst>
+    <p:ext uri="{EFAFB233-063F-42B5-8137-9DF3F51BA10A}">
+      <p15:sldGuideLst xmlns:p15="http://schemas.microsoft.com/office/powerpoint/2012/main"/>
+    </p:ext>
+  </p:extLst>
 </p:presentation>
 </file>
 
@@ -256,7 +262,7 @@
           <a:p>
             <a:fld id="{E7602038-B3F0-4825-ABDA-D66CE1C4CFDA}" type="datetimeFigureOut">
               <a:rPr lang="en-SG" smtClean="0"/>
-              <a:t>24/10/2024</a:t>
+              <a:t>7/11/2024</a:t>
             </a:fld>
             <a:endParaRPr lang="en-SG"/>
           </a:p>
@@ -456,7 +462,7 @@
           <a:p>
             <a:fld id="{E7602038-B3F0-4825-ABDA-D66CE1C4CFDA}" type="datetimeFigureOut">
               <a:rPr lang="en-SG" smtClean="0"/>
-              <a:t>24/10/2024</a:t>
+              <a:t>7/11/2024</a:t>
             </a:fld>
             <a:endParaRPr lang="en-SG"/>
           </a:p>
@@ -666,7 +672,7 @@
           <a:p>
             <a:fld id="{E7602038-B3F0-4825-ABDA-D66CE1C4CFDA}" type="datetimeFigureOut">
               <a:rPr lang="en-SG" smtClean="0"/>
-              <a:t>24/10/2024</a:t>
+              <a:t>7/11/2024</a:t>
             </a:fld>
             <a:endParaRPr lang="en-SG"/>
           </a:p>
@@ -866,7 +872,7 @@
           <a:p>
             <a:fld id="{E7602038-B3F0-4825-ABDA-D66CE1C4CFDA}" type="datetimeFigureOut">
               <a:rPr lang="en-SG" smtClean="0"/>
-              <a:t>24/10/2024</a:t>
+              <a:t>7/11/2024</a:t>
             </a:fld>
             <a:endParaRPr lang="en-SG"/>
           </a:p>
@@ -1142,7 +1148,7 @@
           <a:p>
             <a:fld id="{E7602038-B3F0-4825-ABDA-D66CE1C4CFDA}" type="datetimeFigureOut">
               <a:rPr lang="en-SG" smtClean="0"/>
-              <a:t>24/10/2024</a:t>
+              <a:t>7/11/2024</a:t>
             </a:fld>
             <a:endParaRPr lang="en-SG"/>
           </a:p>
@@ -1410,7 +1416,7 @@
           <a:p>
             <a:fld id="{E7602038-B3F0-4825-ABDA-D66CE1C4CFDA}" type="datetimeFigureOut">
               <a:rPr lang="en-SG" smtClean="0"/>
-              <a:t>24/10/2024</a:t>
+              <a:t>7/11/2024</a:t>
             </a:fld>
             <a:endParaRPr lang="en-SG"/>
           </a:p>
@@ -1825,7 +1831,7 @@
           <a:p>
             <a:fld id="{E7602038-B3F0-4825-ABDA-D66CE1C4CFDA}" type="datetimeFigureOut">
               <a:rPr lang="en-SG" smtClean="0"/>
-              <a:t>24/10/2024</a:t>
+              <a:t>7/11/2024</a:t>
             </a:fld>
             <a:endParaRPr lang="en-SG"/>
           </a:p>
@@ -1967,7 +1973,7 @@
           <a:p>
             <a:fld id="{E7602038-B3F0-4825-ABDA-D66CE1C4CFDA}" type="datetimeFigureOut">
               <a:rPr lang="en-SG" smtClean="0"/>
-              <a:t>24/10/2024</a:t>
+              <a:t>7/11/2024</a:t>
             </a:fld>
             <a:endParaRPr lang="en-SG"/>
           </a:p>
@@ -2080,7 +2086,7 @@
           <a:p>
             <a:fld id="{E7602038-B3F0-4825-ABDA-D66CE1C4CFDA}" type="datetimeFigureOut">
               <a:rPr lang="en-SG" smtClean="0"/>
-              <a:t>24/10/2024</a:t>
+              <a:t>7/11/2024</a:t>
             </a:fld>
             <a:endParaRPr lang="en-SG"/>
           </a:p>
@@ -2393,7 +2399,7 @@
           <a:p>
             <a:fld id="{E7602038-B3F0-4825-ABDA-D66CE1C4CFDA}" type="datetimeFigureOut">
               <a:rPr lang="en-SG" smtClean="0"/>
-              <a:t>24/10/2024</a:t>
+              <a:t>7/11/2024</a:t>
             </a:fld>
             <a:endParaRPr lang="en-SG"/>
           </a:p>
@@ -2682,7 +2688,7 @@
           <a:p>
             <a:fld id="{E7602038-B3F0-4825-ABDA-D66CE1C4CFDA}" type="datetimeFigureOut">
               <a:rPr lang="en-SG" smtClean="0"/>
-              <a:t>24/10/2024</a:t>
+              <a:t>7/11/2024</a:t>
             </a:fld>
             <a:endParaRPr lang="en-SG"/>
           </a:p>
@@ -2925,7 +2931,7 @@
           <a:p>
             <a:fld id="{E7602038-B3F0-4825-ABDA-D66CE1C4CFDA}" type="datetimeFigureOut">
               <a:rPr lang="en-SG" smtClean="0"/>
-              <a:t>24/10/2024</a:t>
+              <a:t>7/11/2024</a:t>
             </a:fld>
             <a:endParaRPr lang="en-SG"/>
           </a:p>
@@ -3457,6 +3463,3271 @@
     <p:extLst>
       <p:ext uri="{BB962C8B-B14F-4D97-AF65-F5344CB8AC3E}">
         <p14:creationId xmlns:p14="http://schemas.microsoft.com/office/powerpoint/2010/main" val="826880150"/>
+      </p:ext>
+    </p:extLst>
+  </p:cSld>
+  <p:clrMapOvr>
+    <a:masterClrMapping/>
+  </p:clrMapOvr>
+</p:sld>
+</file>
+
+<file path=ppt/slides/slide2.xml><?xml version="1.0" encoding="utf-8"?>
+<p:sld xmlns:a="http://schemas.openxmlformats.org/drawingml/2006/main" xmlns:r="http://schemas.openxmlformats.org/officeDocument/2006/relationships" xmlns:p="http://schemas.openxmlformats.org/presentationml/2006/main">
+  <p:cSld>
+    <p:spTree>
+      <p:nvGrpSpPr>
+        <p:cNvPr id="1" name=""/>
+        <p:cNvGrpSpPr/>
+        <p:nvPr/>
+      </p:nvGrpSpPr>
+      <p:grpSpPr>
+        <a:xfrm>
+          <a:off x="0" y="0"/>
+          <a:ext cx="0" cy="0"/>
+          <a:chOff x="0" y="0"/>
+          <a:chExt cx="0" cy="0"/>
+        </a:xfrm>
+      </p:grpSpPr>
+      <p:pic>
+        <p:nvPicPr>
+          <p:cNvPr id="4" name="Picture 3">
+            <a:extLst>
+              <a:ext uri="{FF2B5EF4-FFF2-40B4-BE49-F238E27FC236}">
+                <a16:creationId xmlns:a16="http://schemas.microsoft.com/office/drawing/2014/main" id="{D8DB1189-D179-78C0-71E2-AF77D30BD84C}"/>
+              </a:ext>
+            </a:extLst>
+          </p:cNvPr>
+          <p:cNvPicPr>
+            <a:picLocks noChangeAspect="1"/>
+          </p:cNvPicPr>
+          <p:nvPr/>
+        </p:nvPicPr>
+        <p:blipFill>
+          <a:blip r:embed="rId2">
+            <a:extLst>
+              <a:ext uri="{28A0092B-C50C-407E-A947-70E740481C1C}">
+                <a14:useLocalDpi xmlns:a14="http://schemas.microsoft.com/office/drawing/2010/main" val="0"/>
+              </a:ext>
+            </a:extLst>
+          </a:blip>
+          <a:stretch>
+            <a:fillRect/>
+          </a:stretch>
+        </p:blipFill>
+        <p:spPr>
+          <a:xfrm>
+            <a:off x="2195520" y="558327"/>
+            <a:ext cx="409524" cy="323810"/>
+          </a:xfrm>
+          <a:prstGeom prst="rect">
+            <a:avLst/>
+          </a:prstGeom>
+        </p:spPr>
+      </p:pic>
+      <p:cxnSp>
+        <p:nvCxnSpPr>
+          <p:cNvPr id="5" name="Straight Connector 4">
+            <a:extLst>
+              <a:ext uri="{FF2B5EF4-FFF2-40B4-BE49-F238E27FC236}">
+                <a16:creationId xmlns:a16="http://schemas.microsoft.com/office/drawing/2014/main" id="{2E1CFD8C-6A10-2BB9-CD68-62EA15F53103}"/>
+              </a:ext>
+            </a:extLst>
+          </p:cNvPr>
+          <p:cNvCxnSpPr>
+            <a:cxnSpLocks/>
+          </p:cNvCxnSpPr>
+          <p:nvPr/>
+        </p:nvCxnSpPr>
+        <p:spPr>
+          <a:xfrm flipV="1">
+            <a:off x="2594770" y="709957"/>
+            <a:ext cx="5460169" cy="1"/>
+          </a:xfrm>
+          <a:prstGeom prst="line">
+            <a:avLst/>
+          </a:prstGeom>
+        </p:spPr>
+        <p:style>
+          <a:lnRef idx="2">
+            <a:schemeClr val="dk1"/>
+          </a:lnRef>
+          <a:fillRef idx="0">
+            <a:schemeClr val="dk1"/>
+          </a:fillRef>
+          <a:effectRef idx="1">
+            <a:schemeClr val="dk1"/>
+          </a:effectRef>
+          <a:fontRef idx="minor">
+            <a:schemeClr val="tx1"/>
+          </a:fontRef>
+        </p:style>
+      </p:cxnSp>
+      <p:pic>
+        <p:nvPicPr>
+          <p:cNvPr id="6" name="Picture 5">
+            <a:extLst>
+              <a:ext uri="{FF2B5EF4-FFF2-40B4-BE49-F238E27FC236}">
+                <a16:creationId xmlns:a16="http://schemas.microsoft.com/office/drawing/2014/main" id="{B5BFBE8F-417C-7DEC-5D38-9B33F159D76B}"/>
+              </a:ext>
+            </a:extLst>
+          </p:cNvPr>
+          <p:cNvPicPr>
+            <a:picLocks noChangeAspect="1"/>
+          </p:cNvPicPr>
+          <p:nvPr/>
+        </p:nvPicPr>
+        <p:blipFill>
+          <a:blip r:embed="rId3">
+            <a:extLst>
+              <a:ext uri="{28A0092B-C50C-407E-A947-70E740481C1C}">
+                <a14:useLocalDpi xmlns:a14="http://schemas.microsoft.com/office/drawing/2010/main" val="0"/>
+              </a:ext>
+            </a:extLst>
+          </a:blip>
+          <a:stretch>
+            <a:fillRect/>
+          </a:stretch>
+        </p:blipFill>
+        <p:spPr>
+          <a:xfrm>
+            <a:off x="8054602" y="548802"/>
+            <a:ext cx="438095" cy="342857"/>
+          </a:xfrm>
+          <a:prstGeom prst="rect">
+            <a:avLst/>
+          </a:prstGeom>
+        </p:spPr>
+      </p:pic>
+      <p:pic>
+        <p:nvPicPr>
+          <p:cNvPr id="9" name="Picture 8">
+            <a:extLst>
+              <a:ext uri="{FF2B5EF4-FFF2-40B4-BE49-F238E27FC236}">
+                <a16:creationId xmlns:a16="http://schemas.microsoft.com/office/drawing/2014/main" id="{A4D576EC-ED9A-646A-21BC-7CF303346F83}"/>
+              </a:ext>
+            </a:extLst>
+          </p:cNvPr>
+          <p:cNvPicPr>
+            <a:picLocks noChangeAspect="1"/>
+          </p:cNvPicPr>
+          <p:nvPr/>
+        </p:nvPicPr>
+        <p:blipFill>
+          <a:blip r:embed="rId2">
+            <a:extLst>
+              <a:ext uri="{28A0092B-C50C-407E-A947-70E740481C1C}">
+                <a14:useLocalDpi xmlns:a14="http://schemas.microsoft.com/office/drawing/2010/main" val="0"/>
+              </a:ext>
+            </a:extLst>
+          </a:blip>
+          <a:stretch>
+            <a:fillRect/>
+          </a:stretch>
+        </p:blipFill>
+        <p:spPr>
+          <a:xfrm>
+            <a:off x="3213708" y="558327"/>
+            <a:ext cx="409524" cy="323810"/>
+          </a:xfrm>
+          <a:prstGeom prst="rect">
+            <a:avLst/>
+          </a:prstGeom>
+        </p:spPr>
+      </p:pic>
+      <p:sp>
+        <p:nvSpPr>
+          <p:cNvPr id="12" name="TextBox 11">
+            <a:extLst>
+              <a:ext uri="{FF2B5EF4-FFF2-40B4-BE49-F238E27FC236}">
+                <a16:creationId xmlns:a16="http://schemas.microsoft.com/office/drawing/2014/main" id="{E9B4FDF6-64A4-EDBA-E86C-ADA3EDD92C65}"/>
+              </a:ext>
+            </a:extLst>
+          </p:cNvPr>
+          <p:cNvSpPr txBox="1"/>
+          <p:nvPr/>
+        </p:nvSpPr>
+        <p:spPr>
+          <a:xfrm>
+            <a:off x="2170455" y="327817"/>
+            <a:ext cx="646455" cy="261610"/>
+          </a:xfrm>
+          <a:prstGeom prst="rect">
+            <a:avLst/>
+          </a:prstGeom>
+          <a:noFill/>
+        </p:spPr>
+        <p:txBody>
+          <a:bodyPr wrap="square" rtlCol="0">
+            <a:spAutoFit/>
+          </a:bodyPr>
+          <a:lstStyle/>
+          <a:p>
+            <a:r>
+              <a:rPr lang="en-US" sz="1100" b="1" dirty="0"/>
+              <a:t>HR0.0</a:t>
+            </a:r>
+            <a:endParaRPr lang="en-SG" sz="1100" b="1" dirty="0"/>
+          </a:p>
+        </p:txBody>
+      </p:sp>
+      <p:sp>
+        <p:nvSpPr>
+          <p:cNvPr id="13" name="TextBox 12">
+            <a:extLst>
+              <a:ext uri="{FF2B5EF4-FFF2-40B4-BE49-F238E27FC236}">
+                <a16:creationId xmlns:a16="http://schemas.microsoft.com/office/drawing/2014/main" id="{A362ABF2-8839-6091-0B5A-9CCBEFFA0CCB}"/>
+              </a:ext>
+            </a:extLst>
+          </p:cNvPr>
+          <p:cNvSpPr txBox="1"/>
+          <p:nvPr/>
+        </p:nvSpPr>
+        <p:spPr>
+          <a:xfrm>
+            <a:off x="3193160" y="322956"/>
+            <a:ext cx="646455" cy="261610"/>
+          </a:xfrm>
+          <a:prstGeom prst="rect">
+            <a:avLst/>
+          </a:prstGeom>
+          <a:noFill/>
+        </p:spPr>
+        <p:txBody>
+          <a:bodyPr wrap="square" rtlCol="0">
+            <a:spAutoFit/>
+          </a:bodyPr>
+          <a:lstStyle/>
+          <a:p>
+            <a:r>
+              <a:rPr lang="en-US" sz="1100" b="1" dirty="0"/>
+              <a:t>HR0.7</a:t>
+            </a:r>
+            <a:endParaRPr lang="en-SG" sz="1100" b="1" dirty="0"/>
+          </a:p>
+        </p:txBody>
+      </p:sp>
+      <p:sp>
+        <p:nvSpPr>
+          <p:cNvPr id="14" name="TextBox 13">
+            <a:extLst>
+              <a:ext uri="{FF2B5EF4-FFF2-40B4-BE49-F238E27FC236}">
+                <a16:creationId xmlns:a16="http://schemas.microsoft.com/office/drawing/2014/main" id="{F5E8A41E-ABF9-06DB-2BB0-7F6A94228580}"/>
+              </a:ext>
+            </a:extLst>
+          </p:cNvPr>
+          <p:cNvSpPr txBox="1"/>
+          <p:nvPr/>
+        </p:nvSpPr>
+        <p:spPr>
+          <a:xfrm>
+            <a:off x="8054602" y="322956"/>
+            <a:ext cx="646455" cy="261610"/>
+          </a:xfrm>
+          <a:prstGeom prst="rect">
+            <a:avLst/>
+          </a:prstGeom>
+          <a:noFill/>
+        </p:spPr>
+        <p:txBody>
+          <a:bodyPr wrap="square" rtlCol="0">
+            <a:spAutoFit/>
+          </a:bodyPr>
+          <a:lstStyle/>
+          <a:p>
+            <a:r>
+              <a:rPr lang="en-US" sz="1100" b="1" dirty="0"/>
+              <a:t>C0.0</a:t>
+            </a:r>
+            <a:endParaRPr lang="en-SG" sz="1100" b="1" dirty="0"/>
+          </a:p>
+        </p:txBody>
+      </p:sp>
+      <p:cxnSp>
+        <p:nvCxnSpPr>
+          <p:cNvPr id="16" name="Straight Connector 15">
+            <a:extLst>
+              <a:ext uri="{FF2B5EF4-FFF2-40B4-BE49-F238E27FC236}">
+                <a16:creationId xmlns:a16="http://schemas.microsoft.com/office/drawing/2014/main" id="{91374AB1-CB06-5FAD-F458-FA19E71F08B8}"/>
+              </a:ext>
+            </a:extLst>
+          </p:cNvPr>
+          <p:cNvCxnSpPr>
+            <a:cxnSpLocks/>
+          </p:cNvCxnSpPr>
+          <p:nvPr/>
+        </p:nvCxnSpPr>
+        <p:spPr>
+          <a:xfrm flipV="1">
+            <a:off x="2609561" y="1297766"/>
+            <a:ext cx="5460169" cy="1"/>
+          </a:xfrm>
+          <a:prstGeom prst="line">
+            <a:avLst/>
+          </a:prstGeom>
+        </p:spPr>
+        <p:style>
+          <a:lnRef idx="2">
+            <a:schemeClr val="dk1"/>
+          </a:lnRef>
+          <a:fillRef idx="0">
+            <a:schemeClr val="dk1"/>
+          </a:fillRef>
+          <a:effectRef idx="1">
+            <a:schemeClr val="dk1"/>
+          </a:effectRef>
+          <a:fontRef idx="minor">
+            <a:schemeClr val="tx1"/>
+          </a:fontRef>
+        </p:style>
+      </p:cxnSp>
+      <p:pic>
+        <p:nvPicPr>
+          <p:cNvPr id="17" name="Picture 16">
+            <a:extLst>
+              <a:ext uri="{FF2B5EF4-FFF2-40B4-BE49-F238E27FC236}">
+                <a16:creationId xmlns:a16="http://schemas.microsoft.com/office/drawing/2014/main" id="{16DA9926-3E2F-F874-AF08-876923FD17A9}"/>
+              </a:ext>
+            </a:extLst>
+          </p:cNvPr>
+          <p:cNvPicPr>
+            <a:picLocks noChangeAspect="1"/>
+          </p:cNvPicPr>
+          <p:nvPr/>
+        </p:nvPicPr>
+        <p:blipFill>
+          <a:blip r:embed="rId3">
+            <a:extLst>
+              <a:ext uri="{28A0092B-C50C-407E-A947-70E740481C1C}">
+                <a14:useLocalDpi xmlns:a14="http://schemas.microsoft.com/office/drawing/2010/main" val="0"/>
+              </a:ext>
+            </a:extLst>
+          </a:blip>
+          <a:stretch>
+            <a:fillRect/>
+          </a:stretch>
+        </p:blipFill>
+        <p:spPr>
+          <a:xfrm>
+            <a:off x="8079667" y="1126337"/>
+            <a:ext cx="438095" cy="342857"/>
+          </a:xfrm>
+          <a:prstGeom prst="rect">
+            <a:avLst/>
+          </a:prstGeom>
+        </p:spPr>
+      </p:pic>
+      <p:sp>
+        <p:nvSpPr>
+          <p:cNvPr id="19" name="TextBox 18">
+            <a:extLst>
+              <a:ext uri="{FF2B5EF4-FFF2-40B4-BE49-F238E27FC236}">
+                <a16:creationId xmlns:a16="http://schemas.microsoft.com/office/drawing/2014/main" id="{7EA9A03C-C05E-AF32-9842-0897BFFC2F07}"/>
+              </a:ext>
+            </a:extLst>
+          </p:cNvPr>
+          <p:cNvSpPr txBox="1"/>
+          <p:nvPr/>
+        </p:nvSpPr>
+        <p:spPr>
+          <a:xfrm>
+            <a:off x="2195520" y="895078"/>
+            <a:ext cx="646455" cy="261610"/>
+          </a:xfrm>
+          <a:prstGeom prst="rect">
+            <a:avLst/>
+          </a:prstGeom>
+          <a:noFill/>
+        </p:spPr>
+        <p:txBody>
+          <a:bodyPr wrap="square" rtlCol="0">
+            <a:spAutoFit/>
+          </a:bodyPr>
+          <a:lstStyle/>
+          <a:p>
+            <a:r>
+              <a:rPr lang="en-US" sz="1100" b="1" dirty="0"/>
+              <a:t>HR0.1</a:t>
+            </a:r>
+            <a:endParaRPr lang="en-SG" sz="1100" b="1" dirty="0"/>
+          </a:p>
+        </p:txBody>
+      </p:sp>
+      <p:sp>
+        <p:nvSpPr>
+          <p:cNvPr id="21" name="TextBox 20">
+            <a:extLst>
+              <a:ext uri="{FF2B5EF4-FFF2-40B4-BE49-F238E27FC236}">
+                <a16:creationId xmlns:a16="http://schemas.microsoft.com/office/drawing/2014/main" id="{67B69EDC-62BC-4686-503F-A94F4D5D5EE1}"/>
+              </a:ext>
+            </a:extLst>
+          </p:cNvPr>
+          <p:cNvSpPr txBox="1"/>
+          <p:nvPr/>
+        </p:nvSpPr>
+        <p:spPr>
+          <a:xfrm>
+            <a:off x="8079667" y="890217"/>
+            <a:ext cx="646455" cy="261610"/>
+          </a:xfrm>
+          <a:prstGeom prst="rect">
+            <a:avLst/>
+          </a:prstGeom>
+          <a:noFill/>
+        </p:spPr>
+        <p:txBody>
+          <a:bodyPr wrap="square" rtlCol="0">
+            <a:spAutoFit/>
+          </a:bodyPr>
+          <a:lstStyle/>
+          <a:p>
+            <a:r>
+              <a:rPr lang="en-US" sz="1100" b="1" dirty="0"/>
+              <a:t>C0.1</a:t>
+            </a:r>
+            <a:endParaRPr lang="en-SG" sz="1100" b="1" dirty="0"/>
+          </a:p>
+        </p:txBody>
+      </p:sp>
+      <p:pic>
+        <p:nvPicPr>
+          <p:cNvPr id="22" name="Picture 21">
+            <a:extLst>
+              <a:ext uri="{FF2B5EF4-FFF2-40B4-BE49-F238E27FC236}">
+                <a16:creationId xmlns:a16="http://schemas.microsoft.com/office/drawing/2014/main" id="{C3B21278-7FDC-FB34-D63F-50136795E5FF}"/>
+              </a:ext>
+            </a:extLst>
+          </p:cNvPr>
+          <p:cNvPicPr>
+            <a:picLocks noChangeAspect="1"/>
+          </p:cNvPicPr>
+          <p:nvPr/>
+        </p:nvPicPr>
+        <p:blipFill>
+          <a:blip r:embed="rId4">
+            <a:extLst>
+              <a:ext uri="{28A0092B-C50C-407E-A947-70E740481C1C}">
+                <a14:useLocalDpi xmlns:a14="http://schemas.microsoft.com/office/drawing/2010/main" val="0"/>
+              </a:ext>
+            </a:extLst>
+          </a:blip>
+          <a:stretch>
+            <a:fillRect/>
+          </a:stretch>
+        </p:blipFill>
+        <p:spPr>
+          <a:xfrm>
+            <a:off x="3213708" y="1110696"/>
+            <a:ext cx="409524" cy="323810"/>
+          </a:xfrm>
+          <a:prstGeom prst="rect">
+            <a:avLst/>
+          </a:prstGeom>
+        </p:spPr>
+      </p:pic>
+      <p:pic>
+        <p:nvPicPr>
+          <p:cNvPr id="23" name="Picture 22">
+            <a:extLst>
+              <a:ext uri="{FF2B5EF4-FFF2-40B4-BE49-F238E27FC236}">
+                <a16:creationId xmlns:a16="http://schemas.microsoft.com/office/drawing/2014/main" id="{F9288E58-5C67-4139-40C8-86854FF71165}"/>
+              </a:ext>
+            </a:extLst>
+          </p:cNvPr>
+          <p:cNvPicPr>
+            <a:picLocks noChangeAspect="1"/>
+          </p:cNvPicPr>
+          <p:nvPr/>
+        </p:nvPicPr>
+        <p:blipFill>
+          <a:blip r:embed="rId2">
+            <a:extLst>
+              <a:ext uri="{28A0092B-C50C-407E-A947-70E740481C1C}">
+                <a14:useLocalDpi xmlns:a14="http://schemas.microsoft.com/office/drawing/2010/main" val="0"/>
+              </a:ext>
+            </a:extLst>
+          </a:blip>
+          <a:stretch>
+            <a:fillRect/>
+          </a:stretch>
+        </p:blipFill>
+        <p:spPr>
+          <a:xfrm>
+            <a:off x="2215994" y="1128675"/>
+            <a:ext cx="409524" cy="323810"/>
+          </a:xfrm>
+          <a:prstGeom prst="rect">
+            <a:avLst/>
+          </a:prstGeom>
+        </p:spPr>
+      </p:pic>
+      <p:cxnSp>
+        <p:nvCxnSpPr>
+          <p:cNvPr id="24" name="Straight Connector 23">
+            <a:extLst>
+              <a:ext uri="{FF2B5EF4-FFF2-40B4-BE49-F238E27FC236}">
+                <a16:creationId xmlns:a16="http://schemas.microsoft.com/office/drawing/2014/main" id="{7D641BF7-7125-D3DF-D513-F57AEF034C3F}"/>
+              </a:ext>
+            </a:extLst>
+          </p:cNvPr>
+          <p:cNvCxnSpPr>
+            <a:cxnSpLocks/>
+          </p:cNvCxnSpPr>
+          <p:nvPr/>
+        </p:nvCxnSpPr>
+        <p:spPr>
+          <a:xfrm flipV="1">
+            <a:off x="2630035" y="1817629"/>
+            <a:ext cx="5460169" cy="1"/>
+          </a:xfrm>
+          <a:prstGeom prst="line">
+            <a:avLst/>
+          </a:prstGeom>
+        </p:spPr>
+        <p:style>
+          <a:lnRef idx="2">
+            <a:schemeClr val="dk1"/>
+          </a:lnRef>
+          <a:fillRef idx="0">
+            <a:schemeClr val="dk1"/>
+          </a:fillRef>
+          <a:effectRef idx="1">
+            <a:schemeClr val="dk1"/>
+          </a:effectRef>
+          <a:fontRef idx="minor">
+            <a:schemeClr val="tx1"/>
+          </a:fontRef>
+        </p:style>
+      </p:cxnSp>
+      <p:pic>
+        <p:nvPicPr>
+          <p:cNvPr id="25" name="Picture 24">
+            <a:extLst>
+              <a:ext uri="{FF2B5EF4-FFF2-40B4-BE49-F238E27FC236}">
+                <a16:creationId xmlns:a16="http://schemas.microsoft.com/office/drawing/2014/main" id="{3E8CC5E2-B4CC-8889-84A5-DE1B8B990217}"/>
+              </a:ext>
+            </a:extLst>
+          </p:cNvPr>
+          <p:cNvPicPr>
+            <a:picLocks noChangeAspect="1"/>
+          </p:cNvPicPr>
+          <p:nvPr/>
+        </p:nvPicPr>
+        <p:blipFill>
+          <a:blip r:embed="rId3">
+            <a:extLst>
+              <a:ext uri="{28A0092B-C50C-407E-A947-70E740481C1C}">
+                <a14:useLocalDpi xmlns:a14="http://schemas.microsoft.com/office/drawing/2010/main" val="0"/>
+              </a:ext>
+            </a:extLst>
+          </a:blip>
+          <a:stretch>
+            <a:fillRect/>
+          </a:stretch>
+        </p:blipFill>
+        <p:spPr>
+          <a:xfrm>
+            <a:off x="8089867" y="1656474"/>
+            <a:ext cx="438095" cy="342857"/>
+          </a:xfrm>
+          <a:prstGeom prst="rect">
+            <a:avLst/>
+          </a:prstGeom>
+        </p:spPr>
+      </p:pic>
+      <p:sp>
+        <p:nvSpPr>
+          <p:cNvPr id="26" name="TextBox 25">
+            <a:extLst>
+              <a:ext uri="{FF2B5EF4-FFF2-40B4-BE49-F238E27FC236}">
+                <a16:creationId xmlns:a16="http://schemas.microsoft.com/office/drawing/2014/main" id="{7C0EAD9F-3FB3-1970-56B7-B9B3EFAC1459}"/>
+              </a:ext>
+            </a:extLst>
+          </p:cNvPr>
+          <p:cNvSpPr txBox="1"/>
+          <p:nvPr/>
+        </p:nvSpPr>
+        <p:spPr>
+          <a:xfrm>
+            <a:off x="2205720" y="1435489"/>
+            <a:ext cx="646455" cy="261610"/>
+          </a:xfrm>
+          <a:prstGeom prst="rect">
+            <a:avLst/>
+          </a:prstGeom>
+          <a:noFill/>
+        </p:spPr>
+        <p:txBody>
+          <a:bodyPr wrap="square" rtlCol="0">
+            <a:spAutoFit/>
+          </a:bodyPr>
+          <a:lstStyle/>
+          <a:p>
+            <a:r>
+              <a:rPr lang="en-US" sz="1100" b="1" dirty="0"/>
+              <a:t>HR0.2</a:t>
+            </a:r>
+            <a:endParaRPr lang="en-SG" sz="1100" b="1" dirty="0"/>
+          </a:p>
+        </p:txBody>
+      </p:sp>
+      <p:sp>
+        <p:nvSpPr>
+          <p:cNvPr id="27" name="TextBox 26">
+            <a:extLst>
+              <a:ext uri="{FF2B5EF4-FFF2-40B4-BE49-F238E27FC236}">
+                <a16:creationId xmlns:a16="http://schemas.microsoft.com/office/drawing/2014/main" id="{0847455A-5907-5928-C74E-77ABB4E21351}"/>
+              </a:ext>
+            </a:extLst>
+          </p:cNvPr>
+          <p:cNvSpPr txBox="1"/>
+          <p:nvPr/>
+        </p:nvSpPr>
+        <p:spPr>
+          <a:xfrm>
+            <a:off x="8089867" y="1430628"/>
+            <a:ext cx="646455" cy="261610"/>
+          </a:xfrm>
+          <a:prstGeom prst="rect">
+            <a:avLst/>
+          </a:prstGeom>
+          <a:noFill/>
+        </p:spPr>
+        <p:txBody>
+          <a:bodyPr wrap="square" rtlCol="0">
+            <a:spAutoFit/>
+          </a:bodyPr>
+          <a:lstStyle/>
+          <a:p>
+            <a:r>
+              <a:rPr lang="en-US" sz="1100" b="1" dirty="0"/>
+              <a:t>C0.2</a:t>
+            </a:r>
+            <a:endParaRPr lang="en-SG" sz="1100" b="1" dirty="0"/>
+          </a:p>
+        </p:txBody>
+      </p:sp>
+      <p:pic>
+        <p:nvPicPr>
+          <p:cNvPr id="29" name="Picture 28">
+            <a:extLst>
+              <a:ext uri="{FF2B5EF4-FFF2-40B4-BE49-F238E27FC236}">
+                <a16:creationId xmlns:a16="http://schemas.microsoft.com/office/drawing/2014/main" id="{753E07E0-8E10-890A-9BF4-19C5E6E81038}"/>
+              </a:ext>
+            </a:extLst>
+          </p:cNvPr>
+          <p:cNvPicPr>
+            <a:picLocks noChangeAspect="1"/>
+          </p:cNvPicPr>
+          <p:nvPr/>
+        </p:nvPicPr>
+        <p:blipFill>
+          <a:blip r:embed="rId2">
+            <a:extLst>
+              <a:ext uri="{28A0092B-C50C-407E-A947-70E740481C1C}">
+                <a14:useLocalDpi xmlns:a14="http://schemas.microsoft.com/office/drawing/2010/main" val="0"/>
+              </a:ext>
+            </a:extLst>
+          </a:blip>
+          <a:stretch>
+            <a:fillRect/>
+          </a:stretch>
+        </p:blipFill>
+        <p:spPr>
+          <a:xfrm>
+            <a:off x="2226194" y="1658812"/>
+            <a:ext cx="409524" cy="323810"/>
+          </a:xfrm>
+          <a:prstGeom prst="rect">
+            <a:avLst/>
+          </a:prstGeom>
+        </p:spPr>
+      </p:pic>
+      <p:pic>
+        <p:nvPicPr>
+          <p:cNvPr id="30" name="Picture 29">
+            <a:extLst>
+              <a:ext uri="{FF2B5EF4-FFF2-40B4-BE49-F238E27FC236}">
+                <a16:creationId xmlns:a16="http://schemas.microsoft.com/office/drawing/2014/main" id="{01BDB0AE-9C1C-B742-ED95-05ABC47B3ED6}"/>
+              </a:ext>
+            </a:extLst>
+          </p:cNvPr>
+          <p:cNvPicPr>
+            <a:picLocks noChangeAspect="1"/>
+          </p:cNvPicPr>
+          <p:nvPr/>
+        </p:nvPicPr>
+        <p:blipFill>
+          <a:blip r:embed="rId2">
+            <a:extLst>
+              <a:ext uri="{28A0092B-C50C-407E-A947-70E740481C1C}">
+                <a14:useLocalDpi xmlns:a14="http://schemas.microsoft.com/office/drawing/2010/main" val="0"/>
+              </a:ext>
+            </a:extLst>
+          </a:blip>
+          <a:stretch>
+            <a:fillRect/>
+          </a:stretch>
+        </p:blipFill>
+        <p:spPr>
+          <a:xfrm>
+            <a:off x="3182886" y="1665247"/>
+            <a:ext cx="409524" cy="323810"/>
+          </a:xfrm>
+          <a:prstGeom prst="rect">
+            <a:avLst/>
+          </a:prstGeom>
+        </p:spPr>
+      </p:pic>
+      <p:pic>
+        <p:nvPicPr>
+          <p:cNvPr id="31" name="Picture 30">
+            <a:extLst>
+              <a:ext uri="{FF2B5EF4-FFF2-40B4-BE49-F238E27FC236}">
+                <a16:creationId xmlns:a16="http://schemas.microsoft.com/office/drawing/2014/main" id="{E41B07D9-48C9-9D4C-BEA4-821AC9B3517E}"/>
+              </a:ext>
+            </a:extLst>
+          </p:cNvPr>
+          <p:cNvPicPr>
+            <a:picLocks noChangeAspect="1"/>
+          </p:cNvPicPr>
+          <p:nvPr/>
+        </p:nvPicPr>
+        <p:blipFill>
+          <a:blip r:embed="rId2">
+            <a:extLst>
+              <a:ext uri="{28A0092B-C50C-407E-A947-70E740481C1C}">
+                <a14:useLocalDpi xmlns:a14="http://schemas.microsoft.com/office/drawing/2010/main" val="0"/>
+              </a:ext>
+            </a:extLst>
+          </a:blip>
+          <a:stretch>
+            <a:fillRect/>
+          </a:stretch>
+        </p:blipFill>
+        <p:spPr>
+          <a:xfrm>
+            <a:off x="4103576" y="1665247"/>
+            <a:ext cx="409524" cy="323810"/>
+          </a:xfrm>
+          <a:prstGeom prst="rect">
+            <a:avLst/>
+          </a:prstGeom>
+        </p:spPr>
+      </p:pic>
+      <p:sp>
+        <p:nvSpPr>
+          <p:cNvPr id="32" name="TextBox 31">
+            <a:extLst>
+              <a:ext uri="{FF2B5EF4-FFF2-40B4-BE49-F238E27FC236}">
+                <a16:creationId xmlns:a16="http://schemas.microsoft.com/office/drawing/2014/main" id="{C4A10D51-4DFB-5715-1695-16069DB7D549}"/>
+              </a:ext>
+            </a:extLst>
+          </p:cNvPr>
+          <p:cNvSpPr txBox="1"/>
+          <p:nvPr/>
+        </p:nvSpPr>
+        <p:spPr>
+          <a:xfrm>
+            <a:off x="3158222" y="1433895"/>
+            <a:ext cx="646455" cy="261610"/>
+          </a:xfrm>
+          <a:prstGeom prst="rect">
+            <a:avLst/>
+          </a:prstGeom>
+          <a:noFill/>
+        </p:spPr>
+        <p:txBody>
+          <a:bodyPr wrap="square" rtlCol="0">
+            <a:spAutoFit/>
+          </a:bodyPr>
+          <a:lstStyle/>
+          <a:p>
+            <a:r>
+              <a:rPr lang="en-US" sz="1100" b="1" dirty="0"/>
+              <a:t>HR0.3</a:t>
+            </a:r>
+            <a:endParaRPr lang="en-SG" sz="1100" b="1" dirty="0"/>
+          </a:p>
+        </p:txBody>
+      </p:sp>
+      <p:sp>
+        <p:nvSpPr>
+          <p:cNvPr id="33" name="TextBox 32">
+            <a:extLst>
+              <a:ext uri="{FF2B5EF4-FFF2-40B4-BE49-F238E27FC236}">
+                <a16:creationId xmlns:a16="http://schemas.microsoft.com/office/drawing/2014/main" id="{DC0727E2-8FC3-E955-378F-DB1F696AAD51}"/>
+              </a:ext>
+            </a:extLst>
+          </p:cNvPr>
+          <p:cNvSpPr txBox="1"/>
+          <p:nvPr/>
+        </p:nvSpPr>
+        <p:spPr>
+          <a:xfrm>
+            <a:off x="4099461" y="1421716"/>
+            <a:ext cx="646455" cy="261610"/>
+          </a:xfrm>
+          <a:prstGeom prst="rect">
+            <a:avLst/>
+          </a:prstGeom>
+          <a:noFill/>
+        </p:spPr>
+        <p:txBody>
+          <a:bodyPr wrap="square" rtlCol="0">
+            <a:spAutoFit/>
+          </a:bodyPr>
+          <a:lstStyle/>
+          <a:p>
+            <a:r>
+              <a:rPr lang="en-US" sz="1100" b="1" dirty="0"/>
+              <a:t>HR0.4</a:t>
+            </a:r>
+            <a:endParaRPr lang="en-SG" sz="1100" b="1" dirty="0"/>
+          </a:p>
+        </p:txBody>
+      </p:sp>
+      <p:cxnSp>
+        <p:nvCxnSpPr>
+          <p:cNvPr id="44" name="Straight Connector 43">
+            <a:extLst>
+              <a:ext uri="{FF2B5EF4-FFF2-40B4-BE49-F238E27FC236}">
+                <a16:creationId xmlns:a16="http://schemas.microsoft.com/office/drawing/2014/main" id="{CF8F2605-64A8-6143-9476-A9E0AFBBF53D}"/>
+              </a:ext>
+            </a:extLst>
+          </p:cNvPr>
+          <p:cNvCxnSpPr>
+            <a:cxnSpLocks/>
+          </p:cNvCxnSpPr>
+          <p:nvPr/>
+        </p:nvCxnSpPr>
+        <p:spPr>
+          <a:xfrm flipV="1">
+            <a:off x="2635718" y="2468783"/>
+            <a:ext cx="5460169" cy="1"/>
+          </a:xfrm>
+          <a:prstGeom prst="line">
+            <a:avLst/>
+          </a:prstGeom>
+        </p:spPr>
+        <p:style>
+          <a:lnRef idx="2">
+            <a:schemeClr val="dk1"/>
+          </a:lnRef>
+          <a:fillRef idx="0">
+            <a:schemeClr val="dk1"/>
+          </a:fillRef>
+          <a:effectRef idx="1">
+            <a:schemeClr val="dk1"/>
+          </a:effectRef>
+          <a:fontRef idx="minor">
+            <a:schemeClr val="tx1"/>
+          </a:fontRef>
+        </p:style>
+      </p:cxnSp>
+      <p:pic>
+        <p:nvPicPr>
+          <p:cNvPr id="45" name="Picture 44">
+            <a:extLst>
+              <a:ext uri="{FF2B5EF4-FFF2-40B4-BE49-F238E27FC236}">
+                <a16:creationId xmlns:a16="http://schemas.microsoft.com/office/drawing/2014/main" id="{EECED77F-560D-F201-B28E-BACF13B94868}"/>
+              </a:ext>
+            </a:extLst>
+          </p:cNvPr>
+          <p:cNvPicPr>
+            <a:picLocks noChangeAspect="1"/>
+          </p:cNvPicPr>
+          <p:nvPr/>
+        </p:nvPicPr>
+        <p:blipFill>
+          <a:blip r:embed="rId3">
+            <a:extLst>
+              <a:ext uri="{28A0092B-C50C-407E-A947-70E740481C1C}">
+                <a14:useLocalDpi xmlns:a14="http://schemas.microsoft.com/office/drawing/2010/main" val="0"/>
+              </a:ext>
+            </a:extLst>
+          </a:blip>
+          <a:stretch>
+            <a:fillRect/>
+          </a:stretch>
+        </p:blipFill>
+        <p:spPr>
+          <a:xfrm>
+            <a:off x="8095550" y="2307628"/>
+            <a:ext cx="438095" cy="342857"/>
+          </a:xfrm>
+          <a:prstGeom prst="rect">
+            <a:avLst/>
+          </a:prstGeom>
+        </p:spPr>
+      </p:pic>
+      <p:sp>
+        <p:nvSpPr>
+          <p:cNvPr id="46" name="TextBox 45">
+            <a:extLst>
+              <a:ext uri="{FF2B5EF4-FFF2-40B4-BE49-F238E27FC236}">
+                <a16:creationId xmlns:a16="http://schemas.microsoft.com/office/drawing/2014/main" id="{EAC17F6D-0E7A-2CCC-3C0B-316AFC7CB33E}"/>
+              </a:ext>
+            </a:extLst>
+          </p:cNvPr>
+          <p:cNvSpPr txBox="1"/>
+          <p:nvPr/>
+        </p:nvSpPr>
+        <p:spPr>
+          <a:xfrm>
+            <a:off x="2211403" y="2086643"/>
+            <a:ext cx="646455" cy="261610"/>
+          </a:xfrm>
+          <a:prstGeom prst="rect">
+            <a:avLst/>
+          </a:prstGeom>
+          <a:noFill/>
+        </p:spPr>
+        <p:txBody>
+          <a:bodyPr wrap="square" rtlCol="0">
+            <a:spAutoFit/>
+          </a:bodyPr>
+          <a:lstStyle/>
+          <a:p>
+            <a:r>
+              <a:rPr lang="en-US" sz="1100" b="1" dirty="0"/>
+              <a:t>HR0.0</a:t>
+            </a:r>
+            <a:endParaRPr lang="en-SG" sz="1100" b="1" dirty="0"/>
+          </a:p>
+        </p:txBody>
+      </p:sp>
+      <p:sp>
+        <p:nvSpPr>
+          <p:cNvPr id="47" name="TextBox 46">
+            <a:extLst>
+              <a:ext uri="{FF2B5EF4-FFF2-40B4-BE49-F238E27FC236}">
+                <a16:creationId xmlns:a16="http://schemas.microsoft.com/office/drawing/2014/main" id="{A1D12ED7-0B86-150C-F1AA-094F187C9BE3}"/>
+              </a:ext>
+            </a:extLst>
+          </p:cNvPr>
+          <p:cNvSpPr txBox="1"/>
+          <p:nvPr/>
+        </p:nvSpPr>
+        <p:spPr>
+          <a:xfrm>
+            <a:off x="8095550" y="2081782"/>
+            <a:ext cx="646455" cy="261610"/>
+          </a:xfrm>
+          <a:prstGeom prst="rect">
+            <a:avLst/>
+          </a:prstGeom>
+          <a:noFill/>
+        </p:spPr>
+        <p:txBody>
+          <a:bodyPr wrap="square" rtlCol="0">
+            <a:spAutoFit/>
+          </a:bodyPr>
+          <a:lstStyle/>
+          <a:p>
+            <a:r>
+              <a:rPr lang="en-US" sz="1100" b="1" dirty="0"/>
+              <a:t>C0.3</a:t>
+            </a:r>
+            <a:endParaRPr lang="en-SG" sz="1100" b="1" dirty="0"/>
+          </a:p>
+        </p:txBody>
+      </p:sp>
+      <p:pic>
+        <p:nvPicPr>
+          <p:cNvPr id="48" name="Picture 47">
+            <a:extLst>
+              <a:ext uri="{FF2B5EF4-FFF2-40B4-BE49-F238E27FC236}">
+                <a16:creationId xmlns:a16="http://schemas.microsoft.com/office/drawing/2014/main" id="{F0541607-EC1E-7645-3A7F-236B4C358C89}"/>
+              </a:ext>
+            </a:extLst>
+          </p:cNvPr>
+          <p:cNvPicPr>
+            <a:picLocks noChangeAspect="1"/>
+          </p:cNvPicPr>
+          <p:nvPr/>
+        </p:nvPicPr>
+        <p:blipFill>
+          <a:blip r:embed="rId2">
+            <a:extLst>
+              <a:ext uri="{28A0092B-C50C-407E-A947-70E740481C1C}">
+                <a14:useLocalDpi xmlns:a14="http://schemas.microsoft.com/office/drawing/2010/main" val="0"/>
+              </a:ext>
+            </a:extLst>
+          </a:blip>
+          <a:stretch>
+            <a:fillRect/>
+          </a:stretch>
+        </p:blipFill>
+        <p:spPr>
+          <a:xfrm>
+            <a:off x="2231877" y="2309966"/>
+            <a:ext cx="409524" cy="323810"/>
+          </a:xfrm>
+          <a:prstGeom prst="rect">
+            <a:avLst/>
+          </a:prstGeom>
+        </p:spPr>
+      </p:pic>
+      <p:pic>
+        <p:nvPicPr>
+          <p:cNvPr id="49" name="Picture 48">
+            <a:extLst>
+              <a:ext uri="{FF2B5EF4-FFF2-40B4-BE49-F238E27FC236}">
+                <a16:creationId xmlns:a16="http://schemas.microsoft.com/office/drawing/2014/main" id="{B14BDFBB-8B33-6DF7-9540-C32FED119416}"/>
+              </a:ext>
+            </a:extLst>
+          </p:cNvPr>
+          <p:cNvPicPr>
+            <a:picLocks noChangeAspect="1"/>
+          </p:cNvPicPr>
+          <p:nvPr/>
+        </p:nvPicPr>
+        <p:blipFill>
+          <a:blip r:embed="rId2">
+            <a:extLst>
+              <a:ext uri="{28A0092B-C50C-407E-A947-70E740481C1C}">
+                <a14:useLocalDpi xmlns:a14="http://schemas.microsoft.com/office/drawing/2010/main" val="0"/>
+              </a:ext>
+            </a:extLst>
+          </a:blip>
+          <a:stretch>
+            <a:fillRect/>
+          </a:stretch>
+        </p:blipFill>
+        <p:spPr>
+          <a:xfrm>
+            <a:off x="2221940" y="2807068"/>
+            <a:ext cx="409524" cy="323810"/>
+          </a:xfrm>
+          <a:prstGeom prst="rect">
+            <a:avLst/>
+          </a:prstGeom>
+        </p:spPr>
+      </p:pic>
+      <p:sp>
+        <p:nvSpPr>
+          <p:cNvPr id="53" name="TextBox 52">
+            <a:extLst>
+              <a:ext uri="{FF2B5EF4-FFF2-40B4-BE49-F238E27FC236}">
+                <a16:creationId xmlns:a16="http://schemas.microsoft.com/office/drawing/2014/main" id="{2ECD3735-AC13-11B3-3F35-88023483DFCE}"/>
+              </a:ext>
+            </a:extLst>
+          </p:cNvPr>
+          <p:cNvSpPr txBox="1"/>
+          <p:nvPr/>
+        </p:nvSpPr>
+        <p:spPr>
+          <a:xfrm>
+            <a:off x="2186477" y="2611365"/>
+            <a:ext cx="646455" cy="261610"/>
+          </a:xfrm>
+          <a:prstGeom prst="rect">
+            <a:avLst/>
+          </a:prstGeom>
+          <a:noFill/>
+        </p:spPr>
+        <p:txBody>
+          <a:bodyPr wrap="square" rtlCol="0">
+            <a:spAutoFit/>
+          </a:bodyPr>
+          <a:lstStyle/>
+          <a:p>
+            <a:r>
+              <a:rPr lang="en-US" sz="1100" b="1" dirty="0"/>
+              <a:t>HR0.6</a:t>
+            </a:r>
+            <a:endParaRPr lang="en-SG" sz="1100" b="1" dirty="0"/>
+          </a:p>
+        </p:txBody>
+      </p:sp>
+      <p:pic>
+        <p:nvPicPr>
+          <p:cNvPr id="54" name="Picture 53">
+            <a:extLst>
+              <a:ext uri="{FF2B5EF4-FFF2-40B4-BE49-F238E27FC236}">
+                <a16:creationId xmlns:a16="http://schemas.microsoft.com/office/drawing/2014/main" id="{126E59F2-C28C-9B8C-62EC-9413C9083165}"/>
+              </a:ext>
+            </a:extLst>
+          </p:cNvPr>
+          <p:cNvPicPr>
+            <a:picLocks noChangeAspect="1"/>
+          </p:cNvPicPr>
+          <p:nvPr/>
+        </p:nvPicPr>
+        <p:blipFill>
+          <a:blip r:embed="rId4">
+            <a:extLst>
+              <a:ext uri="{28A0092B-C50C-407E-A947-70E740481C1C}">
+                <a14:useLocalDpi xmlns:a14="http://schemas.microsoft.com/office/drawing/2010/main" val="0"/>
+              </a:ext>
+            </a:extLst>
+          </a:blip>
+          <a:stretch>
+            <a:fillRect/>
+          </a:stretch>
+        </p:blipFill>
+        <p:spPr>
+          <a:xfrm>
+            <a:off x="3236657" y="2291072"/>
+            <a:ext cx="409524" cy="323810"/>
+          </a:xfrm>
+          <a:prstGeom prst="rect">
+            <a:avLst/>
+          </a:prstGeom>
+        </p:spPr>
+      </p:pic>
+      <p:cxnSp>
+        <p:nvCxnSpPr>
+          <p:cNvPr id="56" name="Connector: Elbow 55">
+            <a:extLst>
+              <a:ext uri="{FF2B5EF4-FFF2-40B4-BE49-F238E27FC236}">
+                <a16:creationId xmlns:a16="http://schemas.microsoft.com/office/drawing/2014/main" id="{081E5E5F-0466-D9C3-C447-A80B09BE173A}"/>
+              </a:ext>
+            </a:extLst>
+          </p:cNvPr>
+          <p:cNvCxnSpPr>
+            <a:cxnSpLocks/>
+            <a:stCxn id="49" idx="3"/>
+          </p:cNvCxnSpPr>
+          <p:nvPr/>
+        </p:nvCxnSpPr>
+        <p:spPr>
+          <a:xfrm flipV="1">
+            <a:off x="2631464" y="2479056"/>
+            <a:ext cx="1807444" cy="489917"/>
+          </a:xfrm>
+          <a:prstGeom prst="bentConnector3">
+            <a:avLst>
+              <a:gd name="adj1" fmla="val 98885"/>
+            </a:avLst>
+          </a:prstGeom>
+        </p:spPr>
+        <p:style>
+          <a:lnRef idx="2">
+            <a:schemeClr val="dk1"/>
+          </a:lnRef>
+          <a:fillRef idx="0">
+            <a:schemeClr val="dk1"/>
+          </a:fillRef>
+          <a:effectRef idx="1">
+            <a:schemeClr val="dk1"/>
+          </a:effectRef>
+          <a:fontRef idx="minor">
+            <a:schemeClr val="tx1"/>
+          </a:fontRef>
+        </p:style>
+      </p:cxnSp>
+      <p:cxnSp>
+        <p:nvCxnSpPr>
+          <p:cNvPr id="59" name="Straight Connector 58">
+            <a:extLst>
+              <a:ext uri="{FF2B5EF4-FFF2-40B4-BE49-F238E27FC236}">
+                <a16:creationId xmlns:a16="http://schemas.microsoft.com/office/drawing/2014/main" id="{8354FBA8-A7D3-6C5D-E0C2-7001C7A52115}"/>
+              </a:ext>
+            </a:extLst>
+          </p:cNvPr>
+          <p:cNvCxnSpPr>
+            <a:cxnSpLocks/>
+          </p:cNvCxnSpPr>
+          <p:nvPr/>
+        </p:nvCxnSpPr>
+        <p:spPr>
+          <a:xfrm flipV="1">
+            <a:off x="2635718" y="3537506"/>
+            <a:ext cx="5460169" cy="1"/>
+          </a:xfrm>
+          <a:prstGeom prst="line">
+            <a:avLst/>
+          </a:prstGeom>
+        </p:spPr>
+        <p:style>
+          <a:lnRef idx="2">
+            <a:schemeClr val="dk1"/>
+          </a:lnRef>
+          <a:fillRef idx="0">
+            <a:schemeClr val="dk1"/>
+          </a:fillRef>
+          <a:effectRef idx="1">
+            <a:schemeClr val="dk1"/>
+          </a:effectRef>
+          <a:fontRef idx="minor">
+            <a:schemeClr val="tx1"/>
+          </a:fontRef>
+        </p:style>
+      </p:cxnSp>
+      <p:pic>
+        <p:nvPicPr>
+          <p:cNvPr id="60" name="Picture 59">
+            <a:extLst>
+              <a:ext uri="{FF2B5EF4-FFF2-40B4-BE49-F238E27FC236}">
+                <a16:creationId xmlns:a16="http://schemas.microsoft.com/office/drawing/2014/main" id="{78CDE7BF-BB0A-FA0B-B20E-93F756DE5AFE}"/>
+              </a:ext>
+            </a:extLst>
+          </p:cNvPr>
+          <p:cNvPicPr>
+            <a:picLocks noChangeAspect="1"/>
+          </p:cNvPicPr>
+          <p:nvPr/>
+        </p:nvPicPr>
+        <p:blipFill>
+          <a:blip r:embed="rId3">
+            <a:extLst>
+              <a:ext uri="{28A0092B-C50C-407E-A947-70E740481C1C}">
+                <a14:useLocalDpi xmlns:a14="http://schemas.microsoft.com/office/drawing/2010/main" val="0"/>
+              </a:ext>
+            </a:extLst>
+          </a:blip>
+          <a:stretch>
+            <a:fillRect/>
+          </a:stretch>
+        </p:blipFill>
+        <p:spPr>
+          <a:xfrm>
+            <a:off x="8095550" y="3366077"/>
+            <a:ext cx="438095" cy="342857"/>
+          </a:xfrm>
+          <a:prstGeom prst="rect">
+            <a:avLst/>
+          </a:prstGeom>
+        </p:spPr>
+      </p:pic>
+      <p:sp>
+        <p:nvSpPr>
+          <p:cNvPr id="61" name="TextBox 60">
+            <a:extLst>
+              <a:ext uri="{FF2B5EF4-FFF2-40B4-BE49-F238E27FC236}">
+                <a16:creationId xmlns:a16="http://schemas.microsoft.com/office/drawing/2014/main" id="{F63120C1-96CA-7C60-E55C-322028963BE4}"/>
+              </a:ext>
+            </a:extLst>
+          </p:cNvPr>
+          <p:cNvSpPr txBox="1"/>
+          <p:nvPr/>
+        </p:nvSpPr>
+        <p:spPr>
+          <a:xfrm>
+            <a:off x="2211403" y="3155366"/>
+            <a:ext cx="646455" cy="261610"/>
+          </a:xfrm>
+          <a:prstGeom prst="rect">
+            <a:avLst/>
+          </a:prstGeom>
+          <a:noFill/>
+        </p:spPr>
+        <p:txBody>
+          <a:bodyPr wrap="square" rtlCol="0">
+            <a:spAutoFit/>
+          </a:bodyPr>
+          <a:lstStyle/>
+          <a:p>
+            <a:r>
+              <a:rPr lang="en-US" sz="1100" b="1" dirty="0"/>
+              <a:t>HR0.4</a:t>
+            </a:r>
+            <a:endParaRPr lang="en-SG" sz="1100" b="1" dirty="0"/>
+          </a:p>
+        </p:txBody>
+      </p:sp>
+      <p:sp>
+        <p:nvSpPr>
+          <p:cNvPr id="62" name="TextBox 61">
+            <a:extLst>
+              <a:ext uri="{FF2B5EF4-FFF2-40B4-BE49-F238E27FC236}">
+                <a16:creationId xmlns:a16="http://schemas.microsoft.com/office/drawing/2014/main" id="{2B505649-9726-5616-3F0B-D80DC1A70F41}"/>
+              </a:ext>
+            </a:extLst>
+          </p:cNvPr>
+          <p:cNvSpPr txBox="1"/>
+          <p:nvPr/>
+        </p:nvSpPr>
+        <p:spPr>
+          <a:xfrm>
+            <a:off x="8095550" y="3150505"/>
+            <a:ext cx="646455" cy="261610"/>
+          </a:xfrm>
+          <a:prstGeom prst="rect">
+            <a:avLst/>
+          </a:prstGeom>
+          <a:noFill/>
+        </p:spPr>
+        <p:txBody>
+          <a:bodyPr wrap="square" rtlCol="0">
+            <a:spAutoFit/>
+          </a:bodyPr>
+          <a:lstStyle/>
+          <a:p>
+            <a:r>
+              <a:rPr lang="en-US" sz="1100" b="1" dirty="0"/>
+              <a:t>C0.4</a:t>
+            </a:r>
+            <a:endParaRPr lang="en-SG" sz="1100" b="1" dirty="0"/>
+          </a:p>
+        </p:txBody>
+      </p:sp>
+      <p:pic>
+        <p:nvPicPr>
+          <p:cNvPr id="63" name="Picture 62">
+            <a:extLst>
+              <a:ext uri="{FF2B5EF4-FFF2-40B4-BE49-F238E27FC236}">
+                <a16:creationId xmlns:a16="http://schemas.microsoft.com/office/drawing/2014/main" id="{28DA31A7-865B-04A1-04B8-972F85171E32}"/>
+              </a:ext>
+            </a:extLst>
+          </p:cNvPr>
+          <p:cNvPicPr>
+            <a:picLocks noChangeAspect="1"/>
+          </p:cNvPicPr>
+          <p:nvPr/>
+        </p:nvPicPr>
+        <p:blipFill>
+          <a:blip r:embed="rId2">
+            <a:extLst>
+              <a:ext uri="{28A0092B-C50C-407E-A947-70E740481C1C}">
+                <a14:useLocalDpi xmlns:a14="http://schemas.microsoft.com/office/drawing/2010/main" val="0"/>
+              </a:ext>
+            </a:extLst>
+          </a:blip>
+          <a:stretch>
+            <a:fillRect/>
+          </a:stretch>
+        </p:blipFill>
+        <p:spPr>
+          <a:xfrm>
+            <a:off x="2231877" y="3378689"/>
+            <a:ext cx="409524" cy="323810"/>
+          </a:xfrm>
+          <a:prstGeom prst="rect">
+            <a:avLst/>
+          </a:prstGeom>
+        </p:spPr>
+      </p:pic>
+      <p:pic>
+        <p:nvPicPr>
+          <p:cNvPr id="64" name="Picture 63">
+            <a:extLst>
+              <a:ext uri="{FF2B5EF4-FFF2-40B4-BE49-F238E27FC236}">
+                <a16:creationId xmlns:a16="http://schemas.microsoft.com/office/drawing/2014/main" id="{21FE3B7C-D332-2190-B0CF-EC82C4DBEAE1}"/>
+              </a:ext>
+            </a:extLst>
+          </p:cNvPr>
+          <p:cNvPicPr>
+            <a:picLocks noChangeAspect="1"/>
+          </p:cNvPicPr>
+          <p:nvPr/>
+        </p:nvPicPr>
+        <p:blipFill>
+          <a:blip r:embed="rId2">
+            <a:extLst>
+              <a:ext uri="{28A0092B-C50C-407E-A947-70E740481C1C}">
+                <a14:useLocalDpi xmlns:a14="http://schemas.microsoft.com/office/drawing/2010/main" val="0"/>
+              </a:ext>
+            </a:extLst>
+          </a:blip>
+          <a:stretch>
+            <a:fillRect/>
+          </a:stretch>
+        </p:blipFill>
+        <p:spPr>
+          <a:xfrm>
+            <a:off x="2221940" y="3875791"/>
+            <a:ext cx="409524" cy="323810"/>
+          </a:xfrm>
+          <a:prstGeom prst="rect">
+            <a:avLst/>
+          </a:prstGeom>
+        </p:spPr>
+      </p:pic>
+      <p:sp>
+        <p:nvSpPr>
+          <p:cNvPr id="65" name="TextBox 64">
+            <a:extLst>
+              <a:ext uri="{FF2B5EF4-FFF2-40B4-BE49-F238E27FC236}">
+                <a16:creationId xmlns:a16="http://schemas.microsoft.com/office/drawing/2014/main" id="{C94C2C39-351F-17FB-6CF6-48D86D7CD2FC}"/>
+              </a:ext>
+            </a:extLst>
+          </p:cNvPr>
+          <p:cNvSpPr txBox="1"/>
+          <p:nvPr/>
+        </p:nvSpPr>
+        <p:spPr>
+          <a:xfrm>
+            <a:off x="2186477" y="3680088"/>
+            <a:ext cx="646455" cy="261610"/>
+          </a:xfrm>
+          <a:prstGeom prst="rect">
+            <a:avLst/>
+          </a:prstGeom>
+          <a:noFill/>
+        </p:spPr>
+        <p:txBody>
+          <a:bodyPr wrap="square" rtlCol="0">
+            <a:spAutoFit/>
+          </a:bodyPr>
+          <a:lstStyle/>
+          <a:p>
+            <a:r>
+              <a:rPr lang="en-US" sz="1100" b="1" dirty="0"/>
+              <a:t>HR0.5</a:t>
+            </a:r>
+            <a:endParaRPr lang="en-SG" sz="1100" b="1" dirty="0"/>
+          </a:p>
+        </p:txBody>
+      </p:sp>
+      <p:pic>
+        <p:nvPicPr>
+          <p:cNvPr id="66" name="Picture 65">
+            <a:extLst>
+              <a:ext uri="{FF2B5EF4-FFF2-40B4-BE49-F238E27FC236}">
+                <a16:creationId xmlns:a16="http://schemas.microsoft.com/office/drawing/2014/main" id="{E8BD0504-41C3-D062-2515-04E47EBFF1AC}"/>
+              </a:ext>
+            </a:extLst>
+          </p:cNvPr>
+          <p:cNvPicPr>
+            <a:picLocks noChangeAspect="1"/>
+          </p:cNvPicPr>
+          <p:nvPr/>
+        </p:nvPicPr>
+        <p:blipFill>
+          <a:blip r:embed="rId4">
+            <a:extLst>
+              <a:ext uri="{28A0092B-C50C-407E-A947-70E740481C1C}">
+                <a14:useLocalDpi xmlns:a14="http://schemas.microsoft.com/office/drawing/2010/main" val="0"/>
+              </a:ext>
+            </a:extLst>
+          </a:blip>
+          <a:stretch>
+            <a:fillRect/>
+          </a:stretch>
+        </p:blipFill>
+        <p:spPr>
+          <a:xfrm>
+            <a:off x="7279344" y="3357699"/>
+            <a:ext cx="409524" cy="323810"/>
+          </a:xfrm>
+          <a:prstGeom prst="rect">
+            <a:avLst/>
+          </a:prstGeom>
+        </p:spPr>
+      </p:pic>
+      <p:cxnSp>
+        <p:nvCxnSpPr>
+          <p:cNvPr id="67" name="Connector: Elbow 66">
+            <a:extLst>
+              <a:ext uri="{FF2B5EF4-FFF2-40B4-BE49-F238E27FC236}">
+                <a16:creationId xmlns:a16="http://schemas.microsoft.com/office/drawing/2014/main" id="{1E4238B8-13E5-62A0-15D6-335C61AEC2AA}"/>
+              </a:ext>
+            </a:extLst>
+          </p:cNvPr>
+          <p:cNvCxnSpPr>
+            <a:cxnSpLocks/>
+            <a:stCxn id="64" idx="3"/>
+          </p:cNvCxnSpPr>
+          <p:nvPr/>
+        </p:nvCxnSpPr>
+        <p:spPr>
+          <a:xfrm flipV="1">
+            <a:off x="2631464" y="3547779"/>
+            <a:ext cx="1807444" cy="489917"/>
+          </a:xfrm>
+          <a:prstGeom prst="bentConnector3">
+            <a:avLst>
+              <a:gd name="adj1" fmla="val 98885"/>
+            </a:avLst>
+          </a:prstGeom>
+        </p:spPr>
+        <p:style>
+          <a:lnRef idx="2">
+            <a:schemeClr val="dk1"/>
+          </a:lnRef>
+          <a:fillRef idx="0">
+            <a:schemeClr val="dk1"/>
+          </a:fillRef>
+          <a:effectRef idx="1">
+            <a:schemeClr val="dk1"/>
+          </a:effectRef>
+          <a:fontRef idx="minor">
+            <a:schemeClr val="tx1"/>
+          </a:fontRef>
+        </p:style>
+      </p:cxnSp>
+      <p:cxnSp>
+        <p:nvCxnSpPr>
+          <p:cNvPr id="72" name="Straight Connector 71">
+            <a:extLst>
+              <a:ext uri="{FF2B5EF4-FFF2-40B4-BE49-F238E27FC236}">
+                <a16:creationId xmlns:a16="http://schemas.microsoft.com/office/drawing/2014/main" id="{AE936A74-FBD2-F3B1-F7D8-E49CDF8CB688}"/>
+              </a:ext>
+            </a:extLst>
+          </p:cNvPr>
+          <p:cNvCxnSpPr>
+            <a:cxnSpLocks/>
+          </p:cNvCxnSpPr>
+          <p:nvPr/>
+        </p:nvCxnSpPr>
+        <p:spPr>
+          <a:xfrm flipV="1">
+            <a:off x="2640235" y="4636819"/>
+            <a:ext cx="5460169" cy="1"/>
+          </a:xfrm>
+          <a:prstGeom prst="line">
+            <a:avLst/>
+          </a:prstGeom>
+        </p:spPr>
+        <p:style>
+          <a:lnRef idx="2">
+            <a:schemeClr val="dk1"/>
+          </a:lnRef>
+          <a:fillRef idx="0">
+            <a:schemeClr val="dk1"/>
+          </a:fillRef>
+          <a:effectRef idx="1">
+            <a:schemeClr val="dk1"/>
+          </a:effectRef>
+          <a:fontRef idx="minor">
+            <a:schemeClr val="tx1"/>
+          </a:fontRef>
+        </p:style>
+      </p:cxnSp>
+      <p:pic>
+        <p:nvPicPr>
+          <p:cNvPr id="73" name="Picture 72">
+            <a:extLst>
+              <a:ext uri="{FF2B5EF4-FFF2-40B4-BE49-F238E27FC236}">
+                <a16:creationId xmlns:a16="http://schemas.microsoft.com/office/drawing/2014/main" id="{147E8098-F170-5A1A-2384-EEECA323A0FE}"/>
+              </a:ext>
+            </a:extLst>
+          </p:cNvPr>
+          <p:cNvPicPr>
+            <a:picLocks noChangeAspect="1"/>
+          </p:cNvPicPr>
+          <p:nvPr/>
+        </p:nvPicPr>
+        <p:blipFill>
+          <a:blip r:embed="rId3">
+            <a:extLst>
+              <a:ext uri="{28A0092B-C50C-407E-A947-70E740481C1C}">
+                <a14:useLocalDpi xmlns:a14="http://schemas.microsoft.com/office/drawing/2010/main" val="0"/>
+              </a:ext>
+            </a:extLst>
+          </a:blip>
+          <a:stretch>
+            <a:fillRect/>
+          </a:stretch>
+        </p:blipFill>
+        <p:spPr>
+          <a:xfrm>
+            <a:off x="8110341" y="4465390"/>
+            <a:ext cx="438095" cy="342857"/>
+          </a:xfrm>
+          <a:prstGeom prst="rect">
+            <a:avLst/>
+          </a:prstGeom>
+        </p:spPr>
+      </p:pic>
+      <p:sp>
+        <p:nvSpPr>
+          <p:cNvPr id="74" name="TextBox 73">
+            <a:extLst>
+              <a:ext uri="{FF2B5EF4-FFF2-40B4-BE49-F238E27FC236}">
+                <a16:creationId xmlns:a16="http://schemas.microsoft.com/office/drawing/2014/main" id="{321A9DB0-9F5E-7CBF-4241-414106193B49}"/>
+              </a:ext>
+            </a:extLst>
+          </p:cNvPr>
+          <p:cNvSpPr txBox="1"/>
+          <p:nvPr/>
+        </p:nvSpPr>
+        <p:spPr>
+          <a:xfrm>
+            <a:off x="2226194" y="4234131"/>
+            <a:ext cx="646455" cy="261610"/>
+          </a:xfrm>
+          <a:prstGeom prst="rect">
+            <a:avLst/>
+          </a:prstGeom>
+          <a:noFill/>
+        </p:spPr>
+        <p:txBody>
+          <a:bodyPr wrap="square" rtlCol="0">
+            <a:spAutoFit/>
+          </a:bodyPr>
+          <a:lstStyle/>
+          <a:p>
+            <a:r>
+              <a:rPr lang="en-US" sz="1100" b="1" dirty="0"/>
+              <a:t>HR0.2</a:t>
+            </a:r>
+            <a:endParaRPr lang="en-SG" sz="1100" b="1" dirty="0"/>
+          </a:p>
+        </p:txBody>
+      </p:sp>
+      <p:sp>
+        <p:nvSpPr>
+          <p:cNvPr id="75" name="TextBox 74">
+            <a:extLst>
+              <a:ext uri="{FF2B5EF4-FFF2-40B4-BE49-F238E27FC236}">
+                <a16:creationId xmlns:a16="http://schemas.microsoft.com/office/drawing/2014/main" id="{C13EDB13-E0F2-B2F5-9AEF-B154CA21F9EF}"/>
+              </a:ext>
+            </a:extLst>
+          </p:cNvPr>
+          <p:cNvSpPr txBox="1"/>
+          <p:nvPr/>
+        </p:nvSpPr>
+        <p:spPr>
+          <a:xfrm>
+            <a:off x="8110341" y="4229270"/>
+            <a:ext cx="646455" cy="261610"/>
+          </a:xfrm>
+          <a:prstGeom prst="rect">
+            <a:avLst/>
+          </a:prstGeom>
+          <a:noFill/>
+        </p:spPr>
+        <p:txBody>
+          <a:bodyPr wrap="square" rtlCol="0">
+            <a:spAutoFit/>
+          </a:bodyPr>
+          <a:lstStyle/>
+          <a:p>
+            <a:r>
+              <a:rPr lang="en-US" sz="1100" b="1" dirty="0"/>
+              <a:t>C0.5</a:t>
+            </a:r>
+            <a:endParaRPr lang="en-SG" sz="1100" b="1" dirty="0"/>
+          </a:p>
+        </p:txBody>
+      </p:sp>
+      <p:pic>
+        <p:nvPicPr>
+          <p:cNvPr id="76" name="Picture 75">
+            <a:extLst>
+              <a:ext uri="{FF2B5EF4-FFF2-40B4-BE49-F238E27FC236}">
+                <a16:creationId xmlns:a16="http://schemas.microsoft.com/office/drawing/2014/main" id="{47E05B35-BCC3-D981-3422-805C230C919A}"/>
+              </a:ext>
+            </a:extLst>
+          </p:cNvPr>
+          <p:cNvPicPr>
+            <a:picLocks noChangeAspect="1"/>
+          </p:cNvPicPr>
+          <p:nvPr/>
+        </p:nvPicPr>
+        <p:blipFill>
+          <a:blip r:embed="rId4">
+            <a:extLst>
+              <a:ext uri="{28A0092B-C50C-407E-A947-70E740481C1C}">
+                <a14:useLocalDpi xmlns:a14="http://schemas.microsoft.com/office/drawing/2010/main" val="0"/>
+              </a:ext>
+            </a:extLst>
+          </a:blip>
+          <a:stretch>
+            <a:fillRect/>
+          </a:stretch>
+        </p:blipFill>
+        <p:spPr>
+          <a:xfrm>
+            <a:off x="3244382" y="4449749"/>
+            <a:ext cx="409524" cy="323810"/>
+          </a:xfrm>
+          <a:prstGeom prst="rect">
+            <a:avLst/>
+          </a:prstGeom>
+        </p:spPr>
+      </p:pic>
+      <p:pic>
+        <p:nvPicPr>
+          <p:cNvPr id="77" name="Picture 76">
+            <a:extLst>
+              <a:ext uri="{FF2B5EF4-FFF2-40B4-BE49-F238E27FC236}">
+                <a16:creationId xmlns:a16="http://schemas.microsoft.com/office/drawing/2014/main" id="{BF9FEF88-6F91-7958-D48D-F1F27C84BEBE}"/>
+              </a:ext>
+            </a:extLst>
+          </p:cNvPr>
+          <p:cNvPicPr>
+            <a:picLocks noChangeAspect="1"/>
+          </p:cNvPicPr>
+          <p:nvPr/>
+        </p:nvPicPr>
+        <p:blipFill>
+          <a:blip r:embed="rId2">
+            <a:extLst>
+              <a:ext uri="{28A0092B-C50C-407E-A947-70E740481C1C}">
+                <a14:useLocalDpi xmlns:a14="http://schemas.microsoft.com/office/drawing/2010/main" val="0"/>
+              </a:ext>
+            </a:extLst>
+          </a:blip>
+          <a:stretch>
+            <a:fillRect/>
+          </a:stretch>
+        </p:blipFill>
+        <p:spPr>
+          <a:xfrm>
+            <a:off x="2246668" y="4467728"/>
+            <a:ext cx="409524" cy="323810"/>
+          </a:xfrm>
+          <a:prstGeom prst="rect">
+            <a:avLst/>
+          </a:prstGeom>
+        </p:spPr>
+      </p:pic>
+      <p:pic>
+        <p:nvPicPr>
+          <p:cNvPr id="78" name="Picture 77">
+            <a:extLst>
+              <a:ext uri="{FF2B5EF4-FFF2-40B4-BE49-F238E27FC236}">
+                <a16:creationId xmlns:a16="http://schemas.microsoft.com/office/drawing/2014/main" id="{7E220B16-91B3-7352-43BA-E091B8868824}"/>
+              </a:ext>
+            </a:extLst>
+          </p:cNvPr>
+          <p:cNvPicPr>
+            <a:picLocks noChangeAspect="1"/>
+          </p:cNvPicPr>
+          <p:nvPr/>
+        </p:nvPicPr>
+        <p:blipFill>
+          <a:blip r:embed="rId2">
+            <a:extLst>
+              <a:ext uri="{28A0092B-C50C-407E-A947-70E740481C1C}">
+                <a14:useLocalDpi xmlns:a14="http://schemas.microsoft.com/office/drawing/2010/main" val="0"/>
+              </a:ext>
+            </a:extLst>
+          </a:blip>
+          <a:stretch>
+            <a:fillRect/>
+          </a:stretch>
+        </p:blipFill>
+        <p:spPr>
+          <a:xfrm>
+            <a:off x="4336392" y="4474913"/>
+            <a:ext cx="409524" cy="323810"/>
+          </a:xfrm>
+          <a:prstGeom prst="rect">
+            <a:avLst/>
+          </a:prstGeom>
+        </p:spPr>
+      </p:pic>
+      <p:sp>
+        <p:nvSpPr>
+          <p:cNvPr id="79" name="TextBox 78">
+            <a:extLst>
+              <a:ext uri="{FF2B5EF4-FFF2-40B4-BE49-F238E27FC236}">
+                <a16:creationId xmlns:a16="http://schemas.microsoft.com/office/drawing/2014/main" id="{15E7B6D3-99F7-0697-7E92-3537D500DC9F}"/>
+              </a:ext>
+            </a:extLst>
+          </p:cNvPr>
+          <p:cNvSpPr txBox="1"/>
+          <p:nvPr/>
+        </p:nvSpPr>
+        <p:spPr>
+          <a:xfrm>
+            <a:off x="4308338" y="4220491"/>
+            <a:ext cx="646455" cy="261610"/>
+          </a:xfrm>
+          <a:prstGeom prst="rect">
+            <a:avLst/>
+          </a:prstGeom>
+          <a:noFill/>
+        </p:spPr>
+        <p:txBody>
+          <a:bodyPr wrap="square" rtlCol="0">
+            <a:spAutoFit/>
+          </a:bodyPr>
+          <a:lstStyle/>
+          <a:p>
+            <a:r>
+              <a:rPr lang="en-US" sz="1100" b="1" dirty="0"/>
+              <a:t>HR0.6</a:t>
+            </a:r>
+            <a:endParaRPr lang="en-SG" sz="1100" b="1" dirty="0"/>
+          </a:p>
+        </p:txBody>
+      </p:sp>
+      <p:cxnSp>
+        <p:nvCxnSpPr>
+          <p:cNvPr id="80" name="Straight Connector 79">
+            <a:extLst>
+              <a:ext uri="{FF2B5EF4-FFF2-40B4-BE49-F238E27FC236}">
+                <a16:creationId xmlns:a16="http://schemas.microsoft.com/office/drawing/2014/main" id="{9518BC95-4BFD-F785-3709-85EB9C7BF65E}"/>
+              </a:ext>
+            </a:extLst>
+          </p:cNvPr>
+          <p:cNvCxnSpPr>
+            <a:cxnSpLocks/>
+          </p:cNvCxnSpPr>
+          <p:nvPr/>
+        </p:nvCxnSpPr>
+        <p:spPr>
+          <a:xfrm flipV="1">
+            <a:off x="2695909" y="5238819"/>
+            <a:ext cx="5460169" cy="1"/>
+          </a:xfrm>
+          <a:prstGeom prst="line">
+            <a:avLst/>
+          </a:prstGeom>
+        </p:spPr>
+        <p:style>
+          <a:lnRef idx="2">
+            <a:schemeClr val="dk1"/>
+          </a:lnRef>
+          <a:fillRef idx="0">
+            <a:schemeClr val="dk1"/>
+          </a:fillRef>
+          <a:effectRef idx="1">
+            <a:schemeClr val="dk1"/>
+          </a:effectRef>
+          <a:fontRef idx="minor">
+            <a:schemeClr val="tx1"/>
+          </a:fontRef>
+        </p:style>
+      </p:cxnSp>
+      <p:pic>
+        <p:nvPicPr>
+          <p:cNvPr id="81" name="Picture 80">
+            <a:extLst>
+              <a:ext uri="{FF2B5EF4-FFF2-40B4-BE49-F238E27FC236}">
+                <a16:creationId xmlns:a16="http://schemas.microsoft.com/office/drawing/2014/main" id="{79EDA7F7-214D-F540-8942-A02029E95C61}"/>
+              </a:ext>
+            </a:extLst>
+          </p:cNvPr>
+          <p:cNvPicPr>
+            <a:picLocks noChangeAspect="1"/>
+          </p:cNvPicPr>
+          <p:nvPr/>
+        </p:nvPicPr>
+        <p:blipFill>
+          <a:blip r:embed="rId3">
+            <a:extLst>
+              <a:ext uri="{28A0092B-C50C-407E-A947-70E740481C1C}">
+                <a14:useLocalDpi xmlns:a14="http://schemas.microsoft.com/office/drawing/2010/main" val="0"/>
+              </a:ext>
+            </a:extLst>
+          </a:blip>
+          <a:stretch>
+            <a:fillRect/>
+          </a:stretch>
+        </p:blipFill>
+        <p:spPr>
+          <a:xfrm>
+            <a:off x="8155741" y="5077664"/>
+            <a:ext cx="438095" cy="342857"/>
+          </a:xfrm>
+          <a:prstGeom prst="rect">
+            <a:avLst/>
+          </a:prstGeom>
+        </p:spPr>
+      </p:pic>
+      <p:sp>
+        <p:nvSpPr>
+          <p:cNvPr id="82" name="TextBox 81">
+            <a:extLst>
+              <a:ext uri="{FF2B5EF4-FFF2-40B4-BE49-F238E27FC236}">
+                <a16:creationId xmlns:a16="http://schemas.microsoft.com/office/drawing/2014/main" id="{B7B6C43D-DDE3-D4C0-729F-51C7B0E1AFBA}"/>
+              </a:ext>
+            </a:extLst>
+          </p:cNvPr>
+          <p:cNvSpPr txBox="1"/>
+          <p:nvPr/>
+        </p:nvSpPr>
+        <p:spPr>
+          <a:xfrm>
+            <a:off x="2271594" y="4856679"/>
+            <a:ext cx="646455" cy="261610"/>
+          </a:xfrm>
+          <a:prstGeom prst="rect">
+            <a:avLst/>
+          </a:prstGeom>
+          <a:noFill/>
+        </p:spPr>
+        <p:txBody>
+          <a:bodyPr wrap="square" rtlCol="0">
+            <a:spAutoFit/>
+          </a:bodyPr>
+          <a:lstStyle/>
+          <a:p>
+            <a:r>
+              <a:rPr lang="en-US" sz="1100" b="1" dirty="0"/>
+              <a:t>HR0.3</a:t>
+            </a:r>
+            <a:endParaRPr lang="en-SG" sz="1100" b="1" dirty="0"/>
+          </a:p>
+        </p:txBody>
+      </p:sp>
+      <p:sp>
+        <p:nvSpPr>
+          <p:cNvPr id="83" name="TextBox 82">
+            <a:extLst>
+              <a:ext uri="{FF2B5EF4-FFF2-40B4-BE49-F238E27FC236}">
+                <a16:creationId xmlns:a16="http://schemas.microsoft.com/office/drawing/2014/main" id="{79F8B0E2-4E48-B748-703D-552881CDF771}"/>
+              </a:ext>
+            </a:extLst>
+          </p:cNvPr>
+          <p:cNvSpPr txBox="1"/>
+          <p:nvPr/>
+        </p:nvSpPr>
+        <p:spPr>
+          <a:xfrm>
+            <a:off x="8155741" y="4851818"/>
+            <a:ext cx="646455" cy="261610"/>
+          </a:xfrm>
+          <a:prstGeom prst="rect">
+            <a:avLst/>
+          </a:prstGeom>
+          <a:noFill/>
+        </p:spPr>
+        <p:txBody>
+          <a:bodyPr wrap="square" rtlCol="0">
+            <a:spAutoFit/>
+          </a:bodyPr>
+          <a:lstStyle/>
+          <a:p>
+            <a:r>
+              <a:rPr lang="en-US" sz="1100" b="1" dirty="0"/>
+              <a:t>C0.6</a:t>
+            </a:r>
+            <a:endParaRPr lang="en-SG" sz="1100" b="1" dirty="0"/>
+          </a:p>
+        </p:txBody>
+      </p:sp>
+      <p:pic>
+        <p:nvPicPr>
+          <p:cNvPr id="84" name="Picture 83">
+            <a:extLst>
+              <a:ext uri="{FF2B5EF4-FFF2-40B4-BE49-F238E27FC236}">
+                <a16:creationId xmlns:a16="http://schemas.microsoft.com/office/drawing/2014/main" id="{B34A569C-C459-1438-FFFE-842B66F79755}"/>
+              </a:ext>
+            </a:extLst>
+          </p:cNvPr>
+          <p:cNvPicPr>
+            <a:picLocks noChangeAspect="1"/>
+          </p:cNvPicPr>
+          <p:nvPr/>
+        </p:nvPicPr>
+        <p:blipFill>
+          <a:blip r:embed="rId2">
+            <a:extLst>
+              <a:ext uri="{28A0092B-C50C-407E-A947-70E740481C1C}">
+                <a14:useLocalDpi xmlns:a14="http://schemas.microsoft.com/office/drawing/2010/main" val="0"/>
+              </a:ext>
+            </a:extLst>
+          </a:blip>
+          <a:stretch>
+            <a:fillRect/>
+          </a:stretch>
+        </p:blipFill>
+        <p:spPr>
+          <a:xfrm>
+            <a:off x="2292068" y="5080002"/>
+            <a:ext cx="409524" cy="323810"/>
+          </a:xfrm>
+          <a:prstGeom prst="rect">
+            <a:avLst/>
+          </a:prstGeom>
+        </p:spPr>
+      </p:pic>
+      <p:pic>
+        <p:nvPicPr>
+          <p:cNvPr id="85" name="Picture 84">
+            <a:extLst>
+              <a:ext uri="{FF2B5EF4-FFF2-40B4-BE49-F238E27FC236}">
+                <a16:creationId xmlns:a16="http://schemas.microsoft.com/office/drawing/2014/main" id="{4A0370C9-CF5B-E58E-4993-8B49EC374C37}"/>
+              </a:ext>
+            </a:extLst>
+          </p:cNvPr>
+          <p:cNvPicPr>
+            <a:picLocks noChangeAspect="1"/>
+          </p:cNvPicPr>
+          <p:nvPr/>
+        </p:nvPicPr>
+        <p:blipFill>
+          <a:blip r:embed="rId2">
+            <a:extLst>
+              <a:ext uri="{28A0092B-C50C-407E-A947-70E740481C1C}">
+                <a14:useLocalDpi xmlns:a14="http://schemas.microsoft.com/office/drawing/2010/main" val="0"/>
+              </a:ext>
+            </a:extLst>
+          </a:blip>
+          <a:stretch>
+            <a:fillRect/>
+          </a:stretch>
+        </p:blipFill>
+        <p:spPr>
+          <a:xfrm>
+            <a:off x="2282131" y="5577104"/>
+            <a:ext cx="409524" cy="323810"/>
+          </a:xfrm>
+          <a:prstGeom prst="rect">
+            <a:avLst/>
+          </a:prstGeom>
+        </p:spPr>
+      </p:pic>
+      <p:sp>
+        <p:nvSpPr>
+          <p:cNvPr id="86" name="TextBox 85">
+            <a:extLst>
+              <a:ext uri="{FF2B5EF4-FFF2-40B4-BE49-F238E27FC236}">
+                <a16:creationId xmlns:a16="http://schemas.microsoft.com/office/drawing/2014/main" id="{2E803D53-C3A4-4DA3-7CC4-BE52301B1356}"/>
+              </a:ext>
+            </a:extLst>
+          </p:cNvPr>
+          <p:cNvSpPr txBox="1"/>
+          <p:nvPr/>
+        </p:nvSpPr>
+        <p:spPr>
+          <a:xfrm>
+            <a:off x="2246668" y="5381401"/>
+            <a:ext cx="646455" cy="261610"/>
+          </a:xfrm>
+          <a:prstGeom prst="rect">
+            <a:avLst/>
+          </a:prstGeom>
+          <a:noFill/>
+        </p:spPr>
+        <p:txBody>
+          <a:bodyPr wrap="square" rtlCol="0">
+            <a:spAutoFit/>
+          </a:bodyPr>
+          <a:lstStyle/>
+          <a:p>
+            <a:r>
+              <a:rPr lang="en-US" sz="1100" b="1" dirty="0"/>
+              <a:t>HR0.7</a:t>
+            </a:r>
+            <a:endParaRPr lang="en-SG" sz="1100" b="1" dirty="0"/>
+          </a:p>
+        </p:txBody>
+      </p:sp>
+      <p:pic>
+        <p:nvPicPr>
+          <p:cNvPr id="87" name="Picture 86">
+            <a:extLst>
+              <a:ext uri="{FF2B5EF4-FFF2-40B4-BE49-F238E27FC236}">
+                <a16:creationId xmlns:a16="http://schemas.microsoft.com/office/drawing/2014/main" id="{AE52F10E-5C7E-3D6F-1FB2-2BD7B43BF9E2}"/>
+              </a:ext>
+            </a:extLst>
+          </p:cNvPr>
+          <p:cNvPicPr>
+            <a:picLocks noChangeAspect="1"/>
+          </p:cNvPicPr>
+          <p:nvPr/>
+        </p:nvPicPr>
+        <p:blipFill>
+          <a:blip r:embed="rId4">
+            <a:extLst>
+              <a:ext uri="{28A0092B-C50C-407E-A947-70E740481C1C}">
+                <a14:useLocalDpi xmlns:a14="http://schemas.microsoft.com/office/drawing/2010/main" val="0"/>
+              </a:ext>
+            </a:extLst>
+          </a:blip>
+          <a:stretch>
+            <a:fillRect/>
+          </a:stretch>
+        </p:blipFill>
+        <p:spPr>
+          <a:xfrm>
+            <a:off x="7339535" y="5059012"/>
+            <a:ext cx="409524" cy="323810"/>
+          </a:xfrm>
+          <a:prstGeom prst="rect">
+            <a:avLst/>
+          </a:prstGeom>
+        </p:spPr>
+      </p:pic>
+      <p:cxnSp>
+        <p:nvCxnSpPr>
+          <p:cNvPr id="88" name="Connector: Elbow 87">
+            <a:extLst>
+              <a:ext uri="{FF2B5EF4-FFF2-40B4-BE49-F238E27FC236}">
+                <a16:creationId xmlns:a16="http://schemas.microsoft.com/office/drawing/2014/main" id="{F4356CC1-4057-839B-1ED3-474126444DA2}"/>
+              </a:ext>
+            </a:extLst>
+          </p:cNvPr>
+          <p:cNvCxnSpPr>
+            <a:cxnSpLocks/>
+            <a:stCxn id="85" idx="3"/>
+          </p:cNvCxnSpPr>
+          <p:nvPr/>
+        </p:nvCxnSpPr>
+        <p:spPr>
+          <a:xfrm flipV="1">
+            <a:off x="2691655" y="5249092"/>
+            <a:ext cx="1807444" cy="489917"/>
+          </a:xfrm>
+          <a:prstGeom prst="bentConnector3">
+            <a:avLst>
+              <a:gd name="adj1" fmla="val 98885"/>
+            </a:avLst>
+          </a:prstGeom>
+        </p:spPr>
+        <p:style>
+          <a:lnRef idx="2">
+            <a:schemeClr val="dk1"/>
+          </a:lnRef>
+          <a:fillRef idx="0">
+            <a:schemeClr val="dk1"/>
+          </a:fillRef>
+          <a:effectRef idx="1">
+            <a:schemeClr val="dk1"/>
+          </a:effectRef>
+          <a:fontRef idx="minor">
+            <a:schemeClr val="tx1"/>
+          </a:fontRef>
+        </p:style>
+      </p:cxnSp>
+      <p:pic>
+        <p:nvPicPr>
+          <p:cNvPr id="89" name="Picture 88">
+            <a:extLst>
+              <a:ext uri="{FF2B5EF4-FFF2-40B4-BE49-F238E27FC236}">
+                <a16:creationId xmlns:a16="http://schemas.microsoft.com/office/drawing/2014/main" id="{6527A6DB-DF79-F737-E300-AF189C2AAAB8}"/>
+              </a:ext>
+            </a:extLst>
+          </p:cNvPr>
+          <p:cNvPicPr>
+            <a:picLocks noChangeAspect="1"/>
+          </p:cNvPicPr>
+          <p:nvPr/>
+        </p:nvPicPr>
+        <p:blipFill>
+          <a:blip r:embed="rId4">
+            <a:extLst>
+              <a:ext uri="{28A0092B-C50C-407E-A947-70E740481C1C}">
+                <a14:useLocalDpi xmlns:a14="http://schemas.microsoft.com/office/drawing/2010/main" val="0"/>
+              </a:ext>
+            </a:extLst>
+          </a:blip>
+          <a:stretch>
+            <a:fillRect/>
+          </a:stretch>
+        </p:blipFill>
+        <p:spPr>
+          <a:xfrm>
+            <a:off x="3338110" y="5554431"/>
+            <a:ext cx="409524" cy="323810"/>
+          </a:xfrm>
+          <a:prstGeom prst="rect">
+            <a:avLst/>
+          </a:prstGeom>
+        </p:spPr>
+      </p:pic>
+      <p:pic>
+        <p:nvPicPr>
+          <p:cNvPr id="90" name="Picture 89">
+            <a:extLst>
+              <a:ext uri="{FF2B5EF4-FFF2-40B4-BE49-F238E27FC236}">
+                <a16:creationId xmlns:a16="http://schemas.microsoft.com/office/drawing/2014/main" id="{53CF3916-1102-A835-31AA-E6CD32B0806D}"/>
+              </a:ext>
+            </a:extLst>
+          </p:cNvPr>
+          <p:cNvPicPr>
+            <a:picLocks noChangeAspect="1"/>
+          </p:cNvPicPr>
+          <p:nvPr/>
+        </p:nvPicPr>
+        <p:blipFill>
+          <a:blip r:embed="rId2">
+            <a:extLst>
+              <a:ext uri="{28A0092B-C50C-407E-A947-70E740481C1C}">
+                <a14:useLocalDpi xmlns:a14="http://schemas.microsoft.com/office/drawing/2010/main" val="0"/>
+              </a:ext>
+            </a:extLst>
+          </a:blip>
+          <a:stretch>
+            <a:fillRect/>
+          </a:stretch>
+        </p:blipFill>
+        <p:spPr>
+          <a:xfrm>
+            <a:off x="2271733" y="6084736"/>
+            <a:ext cx="409524" cy="323810"/>
+          </a:xfrm>
+          <a:prstGeom prst="rect">
+            <a:avLst/>
+          </a:prstGeom>
+        </p:spPr>
+      </p:pic>
+      <p:cxnSp>
+        <p:nvCxnSpPr>
+          <p:cNvPr id="91" name="Straight Connector 90">
+            <a:extLst>
+              <a:ext uri="{FF2B5EF4-FFF2-40B4-BE49-F238E27FC236}">
+                <a16:creationId xmlns:a16="http://schemas.microsoft.com/office/drawing/2014/main" id="{3AC9E2E0-827D-9511-9508-514E6D272FE6}"/>
+              </a:ext>
+            </a:extLst>
+          </p:cNvPr>
+          <p:cNvCxnSpPr>
+            <a:cxnSpLocks/>
+          </p:cNvCxnSpPr>
+          <p:nvPr/>
+        </p:nvCxnSpPr>
+        <p:spPr>
+          <a:xfrm flipV="1">
+            <a:off x="2670983" y="6236366"/>
+            <a:ext cx="5460169" cy="1"/>
+          </a:xfrm>
+          <a:prstGeom prst="line">
+            <a:avLst/>
+          </a:prstGeom>
+        </p:spPr>
+        <p:style>
+          <a:lnRef idx="2">
+            <a:schemeClr val="dk1"/>
+          </a:lnRef>
+          <a:fillRef idx="0">
+            <a:schemeClr val="dk1"/>
+          </a:fillRef>
+          <a:effectRef idx="1">
+            <a:schemeClr val="dk1"/>
+          </a:effectRef>
+          <a:fontRef idx="minor">
+            <a:schemeClr val="tx1"/>
+          </a:fontRef>
+        </p:style>
+      </p:cxnSp>
+      <p:pic>
+        <p:nvPicPr>
+          <p:cNvPr id="92" name="Picture 91">
+            <a:extLst>
+              <a:ext uri="{FF2B5EF4-FFF2-40B4-BE49-F238E27FC236}">
+                <a16:creationId xmlns:a16="http://schemas.microsoft.com/office/drawing/2014/main" id="{12E30A79-DCF2-86B2-6741-32C65A20FADA}"/>
+              </a:ext>
+            </a:extLst>
+          </p:cNvPr>
+          <p:cNvPicPr>
+            <a:picLocks noChangeAspect="1"/>
+          </p:cNvPicPr>
+          <p:nvPr/>
+        </p:nvPicPr>
+        <p:blipFill>
+          <a:blip r:embed="rId3">
+            <a:extLst>
+              <a:ext uri="{28A0092B-C50C-407E-A947-70E740481C1C}">
+                <a14:useLocalDpi xmlns:a14="http://schemas.microsoft.com/office/drawing/2010/main" val="0"/>
+              </a:ext>
+            </a:extLst>
+          </a:blip>
+          <a:stretch>
+            <a:fillRect/>
+          </a:stretch>
+        </p:blipFill>
+        <p:spPr>
+          <a:xfrm>
+            <a:off x="8130815" y="6075211"/>
+            <a:ext cx="438095" cy="342857"/>
+          </a:xfrm>
+          <a:prstGeom prst="rect">
+            <a:avLst/>
+          </a:prstGeom>
+        </p:spPr>
+      </p:pic>
+      <p:sp>
+        <p:nvSpPr>
+          <p:cNvPr id="94" name="TextBox 93">
+            <a:extLst>
+              <a:ext uri="{FF2B5EF4-FFF2-40B4-BE49-F238E27FC236}">
+                <a16:creationId xmlns:a16="http://schemas.microsoft.com/office/drawing/2014/main" id="{255DB9FB-34CF-9B71-4CBB-5830B311B59D}"/>
+              </a:ext>
+            </a:extLst>
+          </p:cNvPr>
+          <p:cNvSpPr txBox="1"/>
+          <p:nvPr/>
+        </p:nvSpPr>
+        <p:spPr>
+          <a:xfrm>
+            <a:off x="2246668" y="5854226"/>
+            <a:ext cx="646455" cy="261610"/>
+          </a:xfrm>
+          <a:prstGeom prst="rect">
+            <a:avLst/>
+          </a:prstGeom>
+          <a:noFill/>
+        </p:spPr>
+        <p:txBody>
+          <a:bodyPr wrap="square" rtlCol="0">
+            <a:spAutoFit/>
+          </a:bodyPr>
+          <a:lstStyle/>
+          <a:p>
+            <a:r>
+              <a:rPr lang="en-US" sz="1100" b="1" dirty="0"/>
+              <a:t>HR0.5</a:t>
+            </a:r>
+            <a:endParaRPr lang="en-SG" sz="1100" b="1" dirty="0"/>
+          </a:p>
+        </p:txBody>
+      </p:sp>
+      <p:sp>
+        <p:nvSpPr>
+          <p:cNvPr id="96" name="TextBox 95">
+            <a:extLst>
+              <a:ext uri="{FF2B5EF4-FFF2-40B4-BE49-F238E27FC236}">
+                <a16:creationId xmlns:a16="http://schemas.microsoft.com/office/drawing/2014/main" id="{200426B9-EB56-CECB-534B-80D8C0D30BE9}"/>
+              </a:ext>
+            </a:extLst>
+          </p:cNvPr>
+          <p:cNvSpPr txBox="1"/>
+          <p:nvPr/>
+        </p:nvSpPr>
+        <p:spPr>
+          <a:xfrm>
+            <a:off x="8130815" y="5849365"/>
+            <a:ext cx="646455" cy="261610"/>
+          </a:xfrm>
+          <a:prstGeom prst="rect">
+            <a:avLst/>
+          </a:prstGeom>
+          <a:noFill/>
+        </p:spPr>
+        <p:txBody>
+          <a:bodyPr wrap="square" rtlCol="0">
+            <a:spAutoFit/>
+          </a:bodyPr>
+          <a:lstStyle/>
+          <a:p>
+            <a:r>
+              <a:rPr lang="en-US" sz="1100" b="1" dirty="0"/>
+              <a:t>C0.7</a:t>
+            </a:r>
+            <a:endParaRPr lang="en-SG" sz="1100" b="1" dirty="0"/>
+          </a:p>
+        </p:txBody>
+      </p:sp>
+      <p:cxnSp>
+        <p:nvCxnSpPr>
+          <p:cNvPr id="97" name="Straight Connector 96">
+            <a:extLst>
+              <a:ext uri="{FF2B5EF4-FFF2-40B4-BE49-F238E27FC236}">
+                <a16:creationId xmlns:a16="http://schemas.microsoft.com/office/drawing/2014/main" id="{61BA9701-C852-8A91-AAB7-7B6F266DCB05}"/>
+              </a:ext>
+            </a:extLst>
+          </p:cNvPr>
+          <p:cNvCxnSpPr>
+            <a:cxnSpLocks/>
+          </p:cNvCxnSpPr>
+          <p:nvPr/>
+        </p:nvCxnSpPr>
+        <p:spPr>
+          <a:xfrm>
+            <a:off x="1538866" y="241545"/>
+            <a:ext cx="7266088" cy="0"/>
+          </a:xfrm>
+          <a:prstGeom prst="line">
+            <a:avLst/>
+          </a:prstGeom>
+          <a:ln>
+            <a:solidFill>
+              <a:schemeClr val="bg1">
+                <a:lumMod val="75000"/>
+              </a:schemeClr>
+            </a:solidFill>
+            <a:prstDash val="sysDash"/>
+          </a:ln>
+        </p:spPr>
+        <p:style>
+          <a:lnRef idx="2">
+            <a:schemeClr val="accent1"/>
+          </a:lnRef>
+          <a:fillRef idx="0">
+            <a:schemeClr val="accent1"/>
+          </a:fillRef>
+          <a:effectRef idx="1">
+            <a:schemeClr val="accent1"/>
+          </a:effectRef>
+          <a:fontRef idx="minor">
+            <a:schemeClr val="tx1"/>
+          </a:fontRef>
+        </p:style>
+      </p:cxnSp>
+      <p:cxnSp>
+        <p:nvCxnSpPr>
+          <p:cNvPr id="99" name="Straight Connector 98">
+            <a:extLst>
+              <a:ext uri="{FF2B5EF4-FFF2-40B4-BE49-F238E27FC236}">
+                <a16:creationId xmlns:a16="http://schemas.microsoft.com/office/drawing/2014/main" id="{04CC73EC-49F6-CB84-78A9-8CE8BDF12DE5}"/>
+              </a:ext>
+            </a:extLst>
+          </p:cNvPr>
+          <p:cNvCxnSpPr>
+            <a:cxnSpLocks/>
+          </p:cNvCxnSpPr>
+          <p:nvPr/>
+        </p:nvCxnSpPr>
+        <p:spPr>
+          <a:xfrm>
+            <a:off x="1538866" y="890217"/>
+            <a:ext cx="7266088" cy="0"/>
+          </a:xfrm>
+          <a:prstGeom prst="line">
+            <a:avLst/>
+          </a:prstGeom>
+          <a:ln>
+            <a:solidFill>
+              <a:schemeClr val="bg1">
+                <a:lumMod val="75000"/>
+              </a:schemeClr>
+            </a:solidFill>
+            <a:prstDash val="sysDash"/>
+          </a:ln>
+        </p:spPr>
+        <p:style>
+          <a:lnRef idx="2">
+            <a:schemeClr val="accent1"/>
+          </a:lnRef>
+          <a:fillRef idx="0">
+            <a:schemeClr val="accent1"/>
+          </a:fillRef>
+          <a:effectRef idx="1">
+            <a:schemeClr val="accent1"/>
+          </a:effectRef>
+          <a:fontRef idx="minor">
+            <a:schemeClr val="tx1"/>
+          </a:fontRef>
+        </p:style>
+      </p:cxnSp>
+      <p:cxnSp>
+        <p:nvCxnSpPr>
+          <p:cNvPr id="100" name="Straight Connector 99">
+            <a:extLst>
+              <a:ext uri="{FF2B5EF4-FFF2-40B4-BE49-F238E27FC236}">
+                <a16:creationId xmlns:a16="http://schemas.microsoft.com/office/drawing/2014/main" id="{DEF1D2A0-7770-56BD-EEE9-73B76A7B7E16}"/>
+              </a:ext>
+            </a:extLst>
+          </p:cNvPr>
+          <p:cNvCxnSpPr>
+            <a:cxnSpLocks/>
+          </p:cNvCxnSpPr>
+          <p:nvPr/>
+        </p:nvCxnSpPr>
+        <p:spPr>
+          <a:xfrm>
+            <a:off x="1500982" y="1472721"/>
+            <a:ext cx="7266088" cy="0"/>
+          </a:xfrm>
+          <a:prstGeom prst="line">
+            <a:avLst/>
+          </a:prstGeom>
+          <a:ln>
+            <a:solidFill>
+              <a:schemeClr val="bg1">
+                <a:lumMod val="75000"/>
+              </a:schemeClr>
+            </a:solidFill>
+            <a:prstDash val="sysDash"/>
+          </a:ln>
+        </p:spPr>
+        <p:style>
+          <a:lnRef idx="2">
+            <a:schemeClr val="accent1"/>
+          </a:lnRef>
+          <a:fillRef idx="0">
+            <a:schemeClr val="accent1"/>
+          </a:fillRef>
+          <a:effectRef idx="1">
+            <a:schemeClr val="accent1"/>
+          </a:effectRef>
+          <a:fontRef idx="minor">
+            <a:schemeClr val="tx1"/>
+          </a:fontRef>
+        </p:style>
+      </p:cxnSp>
+      <p:cxnSp>
+        <p:nvCxnSpPr>
+          <p:cNvPr id="101" name="Straight Connector 100">
+            <a:extLst>
+              <a:ext uri="{FF2B5EF4-FFF2-40B4-BE49-F238E27FC236}">
+                <a16:creationId xmlns:a16="http://schemas.microsoft.com/office/drawing/2014/main" id="{B63535E8-A21C-372B-CA3D-0CF2AE38D803}"/>
+              </a:ext>
+            </a:extLst>
+          </p:cNvPr>
+          <p:cNvCxnSpPr>
+            <a:cxnSpLocks/>
+          </p:cNvCxnSpPr>
+          <p:nvPr/>
+        </p:nvCxnSpPr>
+        <p:spPr>
+          <a:xfrm>
+            <a:off x="1490708" y="2064761"/>
+            <a:ext cx="7266088" cy="0"/>
+          </a:xfrm>
+          <a:prstGeom prst="line">
+            <a:avLst/>
+          </a:prstGeom>
+          <a:ln>
+            <a:solidFill>
+              <a:schemeClr val="bg1">
+                <a:lumMod val="75000"/>
+              </a:schemeClr>
+            </a:solidFill>
+            <a:prstDash val="sysDash"/>
+          </a:ln>
+        </p:spPr>
+        <p:style>
+          <a:lnRef idx="2">
+            <a:schemeClr val="accent1"/>
+          </a:lnRef>
+          <a:fillRef idx="0">
+            <a:schemeClr val="accent1"/>
+          </a:fillRef>
+          <a:effectRef idx="1">
+            <a:schemeClr val="accent1"/>
+          </a:effectRef>
+          <a:fontRef idx="minor">
+            <a:schemeClr val="tx1"/>
+          </a:fontRef>
+        </p:style>
+      </p:cxnSp>
+      <p:cxnSp>
+        <p:nvCxnSpPr>
+          <p:cNvPr id="102" name="Straight Connector 101">
+            <a:extLst>
+              <a:ext uri="{FF2B5EF4-FFF2-40B4-BE49-F238E27FC236}">
+                <a16:creationId xmlns:a16="http://schemas.microsoft.com/office/drawing/2014/main" id="{52661506-63DD-7670-4196-D59A168C33E6}"/>
+              </a:ext>
+            </a:extLst>
+          </p:cNvPr>
+          <p:cNvCxnSpPr>
+            <a:cxnSpLocks/>
+          </p:cNvCxnSpPr>
+          <p:nvPr/>
+        </p:nvCxnSpPr>
+        <p:spPr>
+          <a:xfrm>
+            <a:off x="1511182" y="3154032"/>
+            <a:ext cx="7266088" cy="0"/>
+          </a:xfrm>
+          <a:prstGeom prst="line">
+            <a:avLst/>
+          </a:prstGeom>
+          <a:ln>
+            <a:solidFill>
+              <a:schemeClr val="bg1">
+                <a:lumMod val="75000"/>
+              </a:schemeClr>
+            </a:solidFill>
+            <a:prstDash val="sysDash"/>
+          </a:ln>
+        </p:spPr>
+        <p:style>
+          <a:lnRef idx="2">
+            <a:schemeClr val="accent1"/>
+          </a:lnRef>
+          <a:fillRef idx="0">
+            <a:schemeClr val="accent1"/>
+          </a:fillRef>
+          <a:effectRef idx="1">
+            <a:schemeClr val="accent1"/>
+          </a:effectRef>
+          <a:fontRef idx="minor">
+            <a:schemeClr val="tx1"/>
+          </a:fontRef>
+        </p:style>
+      </p:cxnSp>
+      <p:cxnSp>
+        <p:nvCxnSpPr>
+          <p:cNvPr id="103" name="Straight Connector 102">
+            <a:extLst>
+              <a:ext uri="{FF2B5EF4-FFF2-40B4-BE49-F238E27FC236}">
+                <a16:creationId xmlns:a16="http://schemas.microsoft.com/office/drawing/2014/main" id="{DCE2BD88-E42B-760E-289C-D7F6E21BFC4B}"/>
+              </a:ext>
+            </a:extLst>
+          </p:cNvPr>
+          <p:cNvCxnSpPr>
+            <a:cxnSpLocks/>
+          </p:cNvCxnSpPr>
+          <p:nvPr/>
+        </p:nvCxnSpPr>
+        <p:spPr>
+          <a:xfrm>
+            <a:off x="1538866" y="4191700"/>
+            <a:ext cx="7266088" cy="0"/>
+          </a:xfrm>
+          <a:prstGeom prst="line">
+            <a:avLst/>
+          </a:prstGeom>
+          <a:ln>
+            <a:solidFill>
+              <a:schemeClr val="bg1">
+                <a:lumMod val="75000"/>
+              </a:schemeClr>
+            </a:solidFill>
+            <a:prstDash val="sysDash"/>
+          </a:ln>
+        </p:spPr>
+        <p:style>
+          <a:lnRef idx="2">
+            <a:schemeClr val="accent1"/>
+          </a:lnRef>
+          <a:fillRef idx="0">
+            <a:schemeClr val="accent1"/>
+          </a:fillRef>
+          <a:effectRef idx="1">
+            <a:schemeClr val="accent1"/>
+          </a:effectRef>
+          <a:fontRef idx="minor">
+            <a:schemeClr val="tx1"/>
+          </a:fontRef>
+        </p:style>
+      </p:cxnSp>
+      <p:cxnSp>
+        <p:nvCxnSpPr>
+          <p:cNvPr id="104" name="Straight Connector 103">
+            <a:extLst>
+              <a:ext uri="{FF2B5EF4-FFF2-40B4-BE49-F238E27FC236}">
+                <a16:creationId xmlns:a16="http://schemas.microsoft.com/office/drawing/2014/main" id="{E3F93813-F968-A102-9DB1-8C9FE99E4F8C}"/>
+              </a:ext>
+            </a:extLst>
+          </p:cNvPr>
+          <p:cNvCxnSpPr>
+            <a:cxnSpLocks/>
+          </p:cNvCxnSpPr>
+          <p:nvPr/>
+        </p:nvCxnSpPr>
+        <p:spPr>
+          <a:xfrm>
+            <a:off x="1538866" y="4851818"/>
+            <a:ext cx="7266088" cy="0"/>
+          </a:xfrm>
+          <a:prstGeom prst="line">
+            <a:avLst/>
+          </a:prstGeom>
+          <a:ln>
+            <a:solidFill>
+              <a:schemeClr val="bg1">
+                <a:lumMod val="75000"/>
+              </a:schemeClr>
+            </a:solidFill>
+            <a:prstDash val="sysDash"/>
+          </a:ln>
+        </p:spPr>
+        <p:style>
+          <a:lnRef idx="2">
+            <a:schemeClr val="accent1"/>
+          </a:lnRef>
+          <a:fillRef idx="0">
+            <a:schemeClr val="accent1"/>
+          </a:fillRef>
+          <a:effectRef idx="1">
+            <a:schemeClr val="accent1"/>
+          </a:effectRef>
+          <a:fontRef idx="minor">
+            <a:schemeClr val="tx1"/>
+          </a:fontRef>
+        </p:style>
+      </p:cxnSp>
+      <p:cxnSp>
+        <p:nvCxnSpPr>
+          <p:cNvPr id="105" name="Straight Connector 104">
+            <a:extLst>
+              <a:ext uri="{FF2B5EF4-FFF2-40B4-BE49-F238E27FC236}">
+                <a16:creationId xmlns:a16="http://schemas.microsoft.com/office/drawing/2014/main" id="{31F86C39-7C02-7C02-9025-A421E5E3BE58}"/>
+              </a:ext>
+            </a:extLst>
+          </p:cNvPr>
+          <p:cNvCxnSpPr>
+            <a:cxnSpLocks/>
+          </p:cNvCxnSpPr>
+          <p:nvPr/>
+        </p:nvCxnSpPr>
+        <p:spPr>
+          <a:xfrm>
+            <a:off x="1543238" y="5900914"/>
+            <a:ext cx="7266088" cy="0"/>
+          </a:xfrm>
+          <a:prstGeom prst="line">
+            <a:avLst/>
+          </a:prstGeom>
+          <a:ln>
+            <a:solidFill>
+              <a:schemeClr val="bg1">
+                <a:lumMod val="75000"/>
+              </a:schemeClr>
+            </a:solidFill>
+            <a:prstDash val="sysDash"/>
+          </a:ln>
+        </p:spPr>
+        <p:style>
+          <a:lnRef idx="2">
+            <a:schemeClr val="accent1"/>
+          </a:lnRef>
+          <a:fillRef idx="0">
+            <a:schemeClr val="accent1"/>
+          </a:fillRef>
+          <a:effectRef idx="1">
+            <a:schemeClr val="accent1"/>
+          </a:effectRef>
+          <a:fontRef idx="minor">
+            <a:schemeClr val="tx1"/>
+          </a:fontRef>
+        </p:style>
+      </p:cxnSp>
+      <p:cxnSp>
+        <p:nvCxnSpPr>
+          <p:cNvPr id="106" name="Straight Connector 105">
+            <a:extLst>
+              <a:ext uri="{FF2B5EF4-FFF2-40B4-BE49-F238E27FC236}">
+                <a16:creationId xmlns:a16="http://schemas.microsoft.com/office/drawing/2014/main" id="{F927E0BD-F8E1-B683-2953-94918D4D9873}"/>
+              </a:ext>
+            </a:extLst>
+          </p:cNvPr>
+          <p:cNvCxnSpPr>
+            <a:cxnSpLocks/>
+          </p:cNvCxnSpPr>
+          <p:nvPr/>
+        </p:nvCxnSpPr>
+        <p:spPr>
+          <a:xfrm>
+            <a:off x="1536108" y="6537891"/>
+            <a:ext cx="7266088" cy="0"/>
+          </a:xfrm>
+          <a:prstGeom prst="line">
+            <a:avLst/>
+          </a:prstGeom>
+          <a:ln>
+            <a:solidFill>
+              <a:schemeClr val="bg1">
+                <a:lumMod val="75000"/>
+              </a:schemeClr>
+            </a:solidFill>
+            <a:prstDash val="sysDash"/>
+          </a:ln>
+        </p:spPr>
+        <p:style>
+          <a:lnRef idx="2">
+            <a:schemeClr val="accent1"/>
+          </a:lnRef>
+          <a:fillRef idx="0">
+            <a:schemeClr val="accent1"/>
+          </a:fillRef>
+          <a:effectRef idx="1">
+            <a:schemeClr val="accent1"/>
+          </a:effectRef>
+          <a:fontRef idx="minor">
+            <a:schemeClr val="tx1"/>
+          </a:fontRef>
+        </p:style>
+      </p:cxnSp>
+      <p:cxnSp>
+        <p:nvCxnSpPr>
+          <p:cNvPr id="107" name="Straight Connector 106">
+            <a:extLst>
+              <a:ext uri="{FF2B5EF4-FFF2-40B4-BE49-F238E27FC236}">
+                <a16:creationId xmlns:a16="http://schemas.microsoft.com/office/drawing/2014/main" id="{8AC72FA9-D071-04A4-136F-B37CCFBFD992}"/>
+              </a:ext>
+            </a:extLst>
+          </p:cNvPr>
+          <p:cNvCxnSpPr>
+            <a:cxnSpLocks/>
+          </p:cNvCxnSpPr>
+          <p:nvPr/>
+        </p:nvCxnSpPr>
+        <p:spPr>
+          <a:xfrm>
+            <a:off x="8802196" y="241545"/>
+            <a:ext cx="0" cy="6296346"/>
+          </a:xfrm>
+          <a:prstGeom prst="line">
+            <a:avLst/>
+          </a:prstGeom>
+          <a:ln>
+            <a:solidFill>
+              <a:schemeClr val="bg1">
+                <a:lumMod val="75000"/>
+              </a:schemeClr>
+            </a:solidFill>
+            <a:prstDash val="sysDash"/>
+          </a:ln>
+        </p:spPr>
+        <p:style>
+          <a:lnRef idx="2">
+            <a:schemeClr val="accent1"/>
+          </a:lnRef>
+          <a:fillRef idx="0">
+            <a:schemeClr val="accent1"/>
+          </a:fillRef>
+          <a:effectRef idx="1">
+            <a:schemeClr val="accent1"/>
+          </a:effectRef>
+          <a:fontRef idx="minor">
+            <a:schemeClr val="tx1"/>
+          </a:fontRef>
+        </p:style>
+      </p:cxnSp>
+      <p:cxnSp>
+        <p:nvCxnSpPr>
+          <p:cNvPr id="110" name="Straight Connector 109">
+            <a:extLst>
+              <a:ext uri="{FF2B5EF4-FFF2-40B4-BE49-F238E27FC236}">
+                <a16:creationId xmlns:a16="http://schemas.microsoft.com/office/drawing/2014/main" id="{400099F4-B637-3765-1D60-7C471C896189}"/>
+              </a:ext>
+            </a:extLst>
+          </p:cNvPr>
+          <p:cNvCxnSpPr>
+            <a:cxnSpLocks/>
+          </p:cNvCxnSpPr>
+          <p:nvPr/>
+        </p:nvCxnSpPr>
+        <p:spPr>
+          <a:xfrm>
+            <a:off x="2135163" y="229548"/>
+            <a:ext cx="0" cy="6296346"/>
+          </a:xfrm>
+          <a:prstGeom prst="line">
+            <a:avLst/>
+          </a:prstGeom>
+          <a:ln>
+            <a:solidFill>
+              <a:schemeClr val="bg1">
+                <a:lumMod val="75000"/>
+              </a:schemeClr>
+            </a:solidFill>
+            <a:prstDash val="sysDash"/>
+          </a:ln>
+        </p:spPr>
+        <p:style>
+          <a:lnRef idx="2">
+            <a:schemeClr val="accent1"/>
+          </a:lnRef>
+          <a:fillRef idx="0">
+            <a:schemeClr val="accent1"/>
+          </a:fillRef>
+          <a:effectRef idx="1">
+            <a:schemeClr val="accent1"/>
+          </a:effectRef>
+          <a:fontRef idx="minor">
+            <a:schemeClr val="tx1"/>
+          </a:fontRef>
+        </p:style>
+      </p:cxnSp>
+      <p:cxnSp>
+        <p:nvCxnSpPr>
+          <p:cNvPr id="111" name="Straight Connector 110">
+            <a:extLst>
+              <a:ext uri="{FF2B5EF4-FFF2-40B4-BE49-F238E27FC236}">
+                <a16:creationId xmlns:a16="http://schemas.microsoft.com/office/drawing/2014/main" id="{7AD4F75F-EFA1-8DC5-74F1-34CD31646628}"/>
+              </a:ext>
+            </a:extLst>
+          </p:cNvPr>
+          <p:cNvCxnSpPr>
+            <a:cxnSpLocks/>
+          </p:cNvCxnSpPr>
+          <p:nvPr/>
+        </p:nvCxnSpPr>
+        <p:spPr>
+          <a:xfrm>
+            <a:off x="1511182" y="241545"/>
+            <a:ext cx="0" cy="6296346"/>
+          </a:xfrm>
+          <a:prstGeom prst="line">
+            <a:avLst/>
+          </a:prstGeom>
+          <a:ln>
+            <a:solidFill>
+              <a:schemeClr val="bg1">
+                <a:lumMod val="75000"/>
+              </a:schemeClr>
+            </a:solidFill>
+            <a:prstDash val="sysDash"/>
+          </a:ln>
+        </p:spPr>
+        <p:style>
+          <a:lnRef idx="2">
+            <a:schemeClr val="accent1"/>
+          </a:lnRef>
+          <a:fillRef idx="0">
+            <a:schemeClr val="accent1"/>
+          </a:fillRef>
+          <a:effectRef idx="1">
+            <a:schemeClr val="accent1"/>
+          </a:effectRef>
+          <a:fontRef idx="minor">
+            <a:schemeClr val="tx1"/>
+          </a:fontRef>
+        </p:style>
+      </p:cxnSp>
+      <p:sp>
+        <p:nvSpPr>
+          <p:cNvPr id="112" name="TextBox 111">
+            <a:extLst>
+              <a:ext uri="{FF2B5EF4-FFF2-40B4-BE49-F238E27FC236}">
+                <a16:creationId xmlns:a16="http://schemas.microsoft.com/office/drawing/2014/main" id="{75C727F9-3638-88C6-15A9-2FC37E9D2C4E}"/>
+              </a:ext>
+            </a:extLst>
+          </p:cNvPr>
+          <p:cNvSpPr txBox="1"/>
+          <p:nvPr/>
+        </p:nvSpPr>
+        <p:spPr>
+          <a:xfrm>
+            <a:off x="1490708" y="434439"/>
+            <a:ext cx="728433" cy="307777"/>
+          </a:xfrm>
+          <a:prstGeom prst="rect">
+            <a:avLst/>
+          </a:prstGeom>
+          <a:noFill/>
+        </p:spPr>
+        <p:txBody>
+          <a:bodyPr wrap="square" rtlCol="0">
+            <a:spAutoFit/>
+          </a:bodyPr>
+          <a:lstStyle/>
+          <a:p>
+            <a:r>
+              <a:rPr lang="en-US" sz="1400" b="1" dirty="0">
+                <a:solidFill>
+                  <a:schemeClr val="accent6">
+                    <a:lumMod val="50000"/>
+                  </a:schemeClr>
+                </a:solidFill>
+              </a:rPr>
+              <a:t>Rung0</a:t>
+            </a:r>
+            <a:endParaRPr lang="en-SG" sz="1400" b="1" dirty="0">
+              <a:solidFill>
+                <a:schemeClr val="accent6">
+                  <a:lumMod val="50000"/>
+                </a:schemeClr>
+              </a:solidFill>
+            </a:endParaRPr>
+          </a:p>
+        </p:txBody>
+      </p:sp>
+      <p:sp>
+        <p:nvSpPr>
+          <p:cNvPr id="114" name="TextBox 113">
+            <a:extLst>
+              <a:ext uri="{FF2B5EF4-FFF2-40B4-BE49-F238E27FC236}">
+                <a16:creationId xmlns:a16="http://schemas.microsoft.com/office/drawing/2014/main" id="{9B624322-C71C-8CCA-9D9D-196307A1D14B}"/>
+              </a:ext>
+            </a:extLst>
+          </p:cNvPr>
+          <p:cNvSpPr txBox="1"/>
+          <p:nvPr/>
+        </p:nvSpPr>
+        <p:spPr>
+          <a:xfrm>
+            <a:off x="1509856" y="1049215"/>
+            <a:ext cx="728433" cy="307777"/>
+          </a:xfrm>
+          <a:prstGeom prst="rect">
+            <a:avLst/>
+          </a:prstGeom>
+          <a:noFill/>
+        </p:spPr>
+        <p:txBody>
+          <a:bodyPr wrap="square" rtlCol="0">
+            <a:spAutoFit/>
+          </a:bodyPr>
+          <a:lstStyle/>
+          <a:p>
+            <a:r>
+              <a:rPr lang="en-US" sz="1400" b="1" dirty="0">
+                <a:solidFill>
+                  <a:schemeClr val="accent6">
+                    <a:lumMod val="50000"/>
+                  </a:schemeClr>
+                </a:solidFill>
+              </a:rPr>
+              <a:t>Rung1</a:t>
+            </a:r>
+            <a:endParaRPr lang="en-SG" sz="1400" b="1" dirty="0">
+              <a:solidFill>
+                <a:schemeClr val="accent6">
+                  <a:lumMod val="50000"/>
+                </a:schemeClr>
+              </a:solidFill>
+            </a:endParaRPr>
+          </a:p>
+        </p:txBody>
+      </p:sp>
+      <p:sp>
+        <p:nvSpPr>
+          <p:cNvPr id="115" name="TextBox 114">
+            <a:extLst>
+              <a:ext uri="{FF2B5EF4-FFF2-40B4-BE49-F238E27FC236}">
+                <a16:creationId xmlns:a16="http://schemas.microsoft.com/office/drawing/2014/main" id="{2E902922-CB2E-7D2A-5FE4-AA0B144A1969}"/>
+              </a:ext>
+            </a:extLst>
+          </p:cNvPr>
+          <p:cNvSpPr txBox="1"/>
+          <p:nvPr/>
+        </p:nvSpPr>
+        <p:spPr>
+          <a:xfrm>
+            <a:off x="1498766" y="1614674"/>
+            <a:ext cx="728433" cy="307777"/>
+          </a:xfrm>
+          <a:prstGeom prst="rect">
+            <a:avLst/>
+          </a:prstGeom>
+          <a:noFill/>
+        </p:spPr>
+        <p:txBody>
+          <a:bodyPr wrap="square" rtlCol="0">
+            <a:spAutoFit/>
+          </a:bodyPr>
+          <a:lstStyle/>
+          <a:p>
+            <a:r>
+              <a:rPr lang="en-US" sz="1400" b="1" dirty="0">
+                <a:solidFill>
+                  <a:schemeClr val="accent6">
+                    <a:lumMod val="50000"/>
+                  </a:schemeClr>
+                </a:solidFill>
+              </a:rPr>
+              <a:t>Rung2</a:t>
+            </a:r>
+            <a:endParaRPr lang="en-SG" sz="1400" b="1" dirty="0">
+              <a:solidFill>
+                <a:schemeClr val="accent6">
+                  <a:lumMod val="50000"/>
+                </a:schemeClr>
+              </a:solidFill>
+            </a:endParaRPr>
+          </a:p>
+        </p:txBody>
+      </p:sp>
+      <p:sp>
+        <p:nvSpPr>
+          <p:cNvPr id="116" name="TextBox 115">
+            <a:extLst>
+              <a:ext uri="{FF2B5EF4-FFF2-40B4-BE49-F238E27FC236}">
+                <a16:creationId xmlns:a16="http://schemas.microsoft.com/office/drawing/2014/main" id="{5CA7EBF7-455F-0BCB-5791-55C731783D2F}"/>
+              </a:ext>
+            </a:extLst>
+          </p:cNvPr>
+          <p:cNvSpPr txBox="1"/>
+          <p:nvPr/>
+        </p:nvSpPr>
+        <p:spPr>
+          <a:xfrm>
+            <a:off x="1487561" y="2415046"/>
+            <a:ext cx="728433" cy="307777"/>
+          </a:xfrm>
+          <a:prstGeom prst="rect">
+            <a:avLst/>
+          </a:prstGeom>
+          <a:noFill/>
+        </p:spPr>
+        <p:txBody>
+          <a:bodyPr wrap="square" rtlCol="0">
+            <a:spAutoFit/>
+          </a:bodyPr>
+          <a:lstStyle/>
+          <a:p>
+            <a:r>
+              <a:rPr lang="en-US" sz="1400" b="1" dirty="0">
+                <a:solidFill>
+                  <a:schemeClr val="accent6">
+                    <a:lumMod val="50000"/>
+                  </a:schemeClr>
+                </a:solidFill>
+              </a:rPr>
+              <a:t>Rung3</a:t>
+            </a:r>
+            <a:endParaRPr lang="en-SG" sz="1400" b="1" dirty="0">
+              <a:solidFill>
+                <a:schemeClr val="accent6">
+                  <a:lumMod val="50000"/>
+                </a:schemeClr>
+              </a:solidFill>
+            </a:endParaRPr>
+          </a:p>
+        </p:txBody>
+      </p:sp>
+      <p:sp>
+        <p:nvSpPr>
+          <p:cNvPr id="117" name="TextBox 116">
+            <a:extLst>
+              <a:ext uri="{FF2B5EF4-FFF2-40B4-BE49-F238E27FC236}">
+                <a16:creationId xmlns:a16="http://schemas.microsoft.com/office/drawing/2014/main" id="{4E8785CE-5D89-102F-3DAA-C73420DF4D14}"/>
+              </a:ext>
+            </a:extLst>
+          </p:cNvPr>
+          <p:cNvSpPr txBox="1"/>
+          <p:nvPr/>
+        </p:nvSpPr>
+        <p:spPr>
+          <a:xfrm>
+            <a:off x="1470507" y="3514202"/>
+            <a:ext cx="728433" cy="307777"/>
+          </a:xfrm>
+          <a:prstGeom prst="rect">
+            <a:avLst/>
+          </a:prstGeom>
+          <a:noFill/>
+        </p:spPr>
+        <p:txBody>
+          <a:bodyPr wrap="square" rtlCol="0">
+            <a:spAutoFit/>
+          </a:bodyPr>
+          <a:lstStyle/>
+          <a:p>
+            <a:r>
+              <a:rPr lang="en-US" sz="1400" b="1" dirty="0">
+                <a:solidFill>
+                  <a:schemeClr val="accent6">
+                    <a:lumMod val="50000"/>
+                  </a:schemeClr>
+                </a:solidFill>
+              </a:rPr>
+              <a:t>Rung4</a:t>
+            </a:r>
+            <a:endParaRPr lang="en-SG" sz="1400" b="1" dirty="0">
+              <a:solidFill>
+                <a:schemeClr val="accent6">
+                  <a:lumMod val="50000"/>
+                </a:schemeClr>
+              </a:solidFill>
+            </a:endParaRPr>
+          </a:p>
+        </p:txBody>
+      </p:sp>
+      <p:sp>
+        <p:nvSpPr>
+          <p:cNvPr id="118" name="TextBox 117">
+            <a:extLst>
+              <a:ext uri="{FF2B5EF4-FFF2-40B4-BE49-F238E27FC236}">
+                <a16:creationId xmlns:a16="http://schemas.microsoft.com/office/drawing/2014/main" id="{5FE6ED61-4390-C166-B226-68552B915792}"/>
+              </a:ext>
+            </a:extLst>
+          </p:cNvPr>
+          <p:cNvSpPr txBox="1"/>
+          <p:nvPr/>
+        </p:nvSpPr>
+        <p:spPr>
+          <a:xfrm>
+            <a:off x="1490244" y="4347236"/>
+            <a:ext cx="728433" cy="307777"/>
+          </a:xfrm>
+          <a:prstGeom prst="rect">
+            <a:avLst/>
+          </a:prstGeom>
+          <a:noFill/>
+        </p:spPr>
+        <p:txBody>
+          <a:bodyPr wrap="square" rtlCol="0">
+            <a:spAutoFit/>
+          </a:bodyPr>
+          <a:lstStyle/>
+          <a:p>
+            <a:r>
+              <a:rPr lang="en-US" sz="1400" b="1" dirty="0">
+                <a:solidFill>
+                  <a:schemeClr val="accent6">
+                    <a:lumMod val="50000"/>
+                  </a:schemeClr>
+                </a:solidFill>
+              </a:rPr>
+              <a:t>Rung5</a:t>
+            </a:r>
+            <a:endParaRPr lang="en-SG" sz="1400" b="1" dirty="0">
+              <a:solidFill>
+                <a:schemeClr val="accent6">
+                  <a:lumMod val="50000"/>
+                </a:schemeClr>
+              </a:solidFill>
+            </a:endParaRPr>
+          </a:p>
+        </p:txBody>
+      </p:sp>
+      <p:sp>
+        <p:nvSpPr>
+          <p:cNvPr id="119" name="TextBox 118">
+            <a:extLst>
+              <a:ext uri="{FF2B5EF4-FFF2-40B4-BE49-F238E27FC236}">
+                <a16:creationId xmlns:a16="http://schemas.microsoft.com/office/drawing/2014/main" id="{E389F72F-D904-FA53-198E-6CBBD2DC8420}"/>
+              </a:ext>
+            </a:extLst>
+          </p:cNvPr>
+          <p:cNvSpPr txBox="1"/>
+          <p:nvPr/>
+        </p:nvSpPr>
+        <p:spPr>
+          <a:xfrm>
+            <a:off x="1467665" y="5200071"/>
+            <a:ext cx="728433" cy="307777"/>
+          </a:xfrm>
+          <a:prstGeom prst="rect">
+            <a:avLst/>
+          </a:prstGeom>
+          <a:noFill/>
+        </p:spPr>
+        <p:txBody>
+          <a:bodyPr wrap="square" rtlCol="0">
+            <a:spAutoFit/>
+          </a:bodyPr>
+          <a:lstStyle/>
+          <a:p>
+            <a:r>
+              <a:rPr lang="en-US" sz="1400" b="1" dirty="0">
+                <a:solidFill>
+                  <a:schemeClr val="accent6">
+                    <a:lumMod val="50000"/>
+                  </a:schemeClr>
+                </a:solidFill>
+              </a:rPr>
+              <a:t>Rung6</a:t>
+            </a:r>
+            <a:endParaRPr lang="en-SG" sz="1400" b="1" dirty="0">
+              <a:solidFill>
+                <a:schemeClr val="accent6">
+                  <a:lumMod val="50000"/>
+                </a:schemeClr>
+              </a:solidFill>
+            </a:endParaRPr>
+          </a:p>
+        </p:txBody>
+      </p:sp>
+      <p:sp>
+        <p:nvSpPr>
+          <p:cNvPr id="120" name="TextBox 119">
+            <a:extLst>
+              <a:ext uri="{FF2B5EF4-FFF2-40B4-BE49-F238E27FC236}">
+                <a16:creationId xmlns:a16="http://schemas.microsoft.com/office/drawing/2014/main" id="{A90EA0AF-8B19-93F5-9022-782C51057847}"/>
+              </a:ext>
+            </a:extLst>
+          </p:cNvPr>
+          <p:cNvSpPr txBox="1"/>
+          <p:nvPr/>
+        </p:nvSpPr>
+        <p:spPr>
+          <a:xfrm>
+            <a:off x="1469758" y="6048550"/>
+            <a:ext cx="728433" cy="307777"/>
+          </a:xfrm>
+          <a:prstGeom prst="rect">
+            <a:avLst/>
+          </a:prstGeom>
+          <a:noFill/>
+        </p:spPr>
+        <p:txBody>
+          <a:bodyPr wrap="square" rtlCol="0">
+            <a:spAutoFit/>
+          </a:bodyPr>
+          <a:lstStyle/>
+          <a:p>
+            <a:r>
+              <a:rPr lang="en-US" sz="1400" b="1" dirty="0">
+                <a:solidFill>
+                  <a:schemeClr val="accent6">
+                    <a:lumMod val="50000"/>
+                  </a:schemeClr>
+                </a:solidFill>
+              </a:rPr>
+              <a:t>Rung7</a:t>
+            </a:r>
+            <a:endParaRPr lang="en-SG" sz="1400" b="1" dirty="0">
+              <a:solidFill>
+                <a:schemeClr val="accent6">
+                  <a:lumMod val="50000"/>
+                </a:schemeClr>
+              </a:solidFill>
+            </a:endParaRPr>
+          </a:p>
+        </p:txBody>
+      </p:sp>
+    </p:spTree>
+    <p:extLst>
+      <p:ext uri="{BB962C8B-B14F-4D97-AF65-F5344CB8AC3E}">
+        <p14:creationId xmlns:p14="http://schemas.microsoft.com/office/powerpoint/2010/main" val="233896769"/>
       </p:ext>
     </p:extLst>
   </p:cSld>

--- a/doc/designDoc.pptx
+++ b/doc/designDoc.pptx
@@ -7,6 +7,7 @@
   <p:sldIdLst>
     <p:sldId id="256" r:id="rId2"/>
     <p:sldId id="257" r:id="rId3"/>
+    <p:sldId id="258" r:id="rId4"/>
   </p:sldIdLst>
   <p:sldSz cx="12192000" cy="6858000"/>
   <p:notesSz cx="6858000" cy="9144000"/>
@@ -262,7 +263,7 @@
           <a:p>
             <a:fld id="{E7602038-B3F0-4825-ABDA-D66CE1C4CFDA}" type="datetimeFigureOut">
               <a:rPr lang="en-SG" smtClean="0"/>
-              <a:t>7/11/2024</a:t>
+              <a:t>14/11/2024</a:t>
             </a:fld>
             <a:endParaRPr lang="en-SG"/>
           </a:p>
@@ -462,7 +463,7 @@
           <a:p>
             <a:fld id="{E7602038-B3F0-4825-ABDA-D66CE1C4CFDA}" type="datetimeFigureOut">
               <a:rPr lang="en-SG" smtClean="0"/>
-              <a:t>7/11/2024</a:t>
+              <a:t>14/11/2024</a:t>
             </a:fld>
             <a:endParaRPr lang="en-SG"/>
           </a:p>
@@ -672,7 +673,7 @@
           <a:p>
             <a:fld id="{E7602038-B3F0-4825-ABDA-D66CE1C4CFDA}" type="datetimeFigureOut">
               <a:rPr lang="en-SG" smtClean="0"/>
-              <a:t>7/11/2024</a:t>
+              <a:t>14/11/2024</a:t>
             </a:fld>
             <a:endParaRPr lang="en-SG"/>
           </a:p>
@@ -872,7 +873,7 @@
           <a:p>
             <a:fld id="{E7602038-B3F0-4825-ABDA-D66CE1C4CFDA}" type="datetimeFigureOut">
               <a:rPr lang="en-SG" smtClean="0"/>
-              <a:t>7/11/2024</a:t>
+              <a:t>14/11/2024</a:t>
             </a:fld>
             <a:endParaRPr lang="en-SG"/>
           </a:p>
@@ -1148,7 +1149,7 @@
           <a:p>
             <a:fld id="{E7602038-B3F0-4825-ABDA-D66CE1C4CFDA}" type="datetimeFigureOut">
               <a:rPr lang="en-SG" smtClean="0"/>
-              <a:t>7/11/2024</a:t>
+              <a:t>14/11/2024</a:t>
             </a:fld>
             <a:endParaRPr lang="en-SG"/>
           </a:p>
@@ -1416,7 +1417,7 @@
           <a:p>
             <a:fld id="{E7602038-B3F0-4825-ABDA-D66CE1C4CFDA}" type="datetimeFigureOut">
               <a:rPr lang="en-SG" smtClean="0"/>
-              <a:t>7/11/2024</a:t>
+              <a:t>14/11/2024</a:t>
             </a:fld>
             <a:endParaRPr lang="en-SG"/>
           </a:p>
@@ -1831,7 +1832,7 @@
           <a:p>
             <a:fld id="{E7602038-B3F0-4825-ABDA-D66CE1C4CFDA}" type="datetimeFigureOut">
               <a:rPr lang="en-SG" smtClean="0"/>
-              <a:t>7/11/2024</a:t>
+              <a:t>14/11/2024</a:t>
             </a:fld>
             <a:endParaRPr lang="en-SG"/>
           </a:p>
@@ -1973,7 +1974,7 @@
           <a:p>
             <a:fld id="{E7602038-B3F0-4825-ABDA-D66CE1C4CFDA}" type="datetimeFigureOut">
               <a:rPr lang="en-SG" smtClean="0"/>
-              <a:t>7/11/2024</a:t>
+              <a:t>14/11/2024</a:t>
             </a:fld>
             <a:endParaRPr lang="en-SG"/>
           </a:p>
@@ -2086,7 +2087,7 @@
           <a:p>
             <a:fld id="{E7602038-B3F0-4825-ABDA-D66CE1C4CFDA}" type="datetimeFigureOut">
               <a:rPr lang="en-SG" smtClean="0"/>
-              <a:t>7/11/2024</a:t>
+              <a:t>14/11/2024</a:t>
             </a:fld>
             <a:endParaRPr lang="en-SG"/>
           </a:p>
@@ -2399,7 +2400,7 @@
           <a:p>
             <a:fld id="{E7602038-B3F0-4825-ABDA-D66CE1C4CFDA}" type="datetimeFigureOut">
               <a:rPr lang="en-SG" smtClean="0"/>
-              <a:t>7/11/2024</a:t>
+              <a:t>14/11/2024</a:t>
             </a:fld>
             <a:endParaRPr lang="en-SG"/>
           </a:p>
@@ -2688,7 +2689,7 @@
           <a:p>
             <a:fld id="{E7602038-B3F0-4825-ABDA-D66CE1C4CFDA}" type="datetimeFigureOut">
               <a:rPr lang="en-SG" smtClean="0"/>
-              <a:t>7/11/2024</a:t>
+              <a:t>14/11/2024</a:t>
             </a:fld>
             <a:endParaRPr lang="en-SG"/>
           </a:p>
@@ -2931,7 +2932,7 @@
           <a:p>
             <a:fld id="{E7602038-B3F0-4825-ABDA-D66CE1C4CFDA}" type="datetimeFigureOut">
               <a:rPr lang="en-SG" smtClean="0"/>
-              <a:t>7/11/2024</a:t>
+              <a:t>14/11/2024</a:t>
             </a:fld>
             <a:endParaRPr lang="en-SG"/>
           </a:p>
@@ -6728,6 +6729,596 @@
     <p:extLst>
       <p:ext uri="{BB962C8B-B14F-4D97-AF65-F5344CB8AC3E}">
         <p14:creationId xmlns:p14="http://schemas.microsoft.com/office/powerpoint/2010/main" val="233896769"/>
+      </p:ext>
+    </p:extLst>
+  </p:cSld>
+  <p:clrMapOvr>
+    <a:masterClrMapping/>
+  </p:clrMapOvr>
+</p:sld>
+</file>
+
+<file path=ppt/slides/slide3.xml><?xml version="1.0" encoding="utf-8"?>
+<p:sld xmlns:a="http://schemas.openxmlformats.org/drawingml/2006/main" xmlns:r="http://schemas.openxmlformats.org/officeDocument/2006/relationships" xmlns:p="http://schemas.openxmlformats.org/presentationml/2006/main">
+  <p:cSld>
+    <p:spTree>
+      <p:nvGrpSpPr>
+        <p:cNvPr id="1" name=""/>
+        <p:cNvGrpSpPr/>
+        <p:nvPr/>
+      </p:nvGrpSpPr>
+      <p:grpSpPr>
+        <a:xfrm>
+          <a:off x="0" y="0"/>
+          <a:ext cx="0" cy="0"/>
+          <a:chOff x="0" y="0"/>
+          <a:chExt cx="0" cy="0"/>
+        </a:xfrm>
+      </p:grpSpPr>
+      <p:sp>
+        <p:nvSpPr>
+          <p:cNvPr id="4" name="Rectangle: Rounded Corners 3">
+            <a:extLst>
+              <a:ext uri="{FF2B5EF4-FFF2-40B4-BE49-F238E27FC236}">
+                <a16:creationId xmlns:a16="http://schemas.microsoft.com/office/drawing/2014/main" id="{029A0EDA-1578-C4D0-8417-916255A285F0}"/>
+              </a:ext>
+            </a:extLst>
+          </p:cNvPr>
+          <p:cNvSpPr/>
+          <p:nvPr/>
+        </p:nvSpPr>
+        <p:spPr>
+          <a:xfrm>
+            <a:off x="2451500" y="1766386"/>
+            <a:ext cx="1324292" cy="3325227"/>
+          </a:xfrm>
+          <a:prstGeom prst="roundRect">
+            <a:avLst/>
+          </a:prstGeom>
+          <a:solidFill>
+            <a:srgbClr val="F4C54F"/>
+          </a:solidFill>
+          <a:ln>
+            <a:noFill/>
+          </a:ln>
+        </p:spPr>
+        <p:style>
+          <a:lnRef idx="2">
+            <a:schemeClr val="accent1">
+              <a:shade val="15000"/>
+            </a:schemeClr>
+          </a:lnRef>
+          <a:fillRef idx="1">
+            <a:schemeClr val="accent1"/>
+          </a:fillRef>
+          <a:effectRef idx="0">
+            <a:schemeClr val="accent1"/>
+          </a:effectRef>
+          <a:fontRef idx="minor">
+            <a:schemeClr val="lt1"/>
+          </a:fontRef>
+        </p:style>
+        <p:txBody>
+          <a:bodyPr rtlCol="0" anchor="ctr"/>
+          <a:lstStyle/>
+          <a:p>
+            <a:pPr marL="0" marR="0" lvl="0" indent="0" algn="ctr" defTabSz="914400" rtl="0" eaLnBrk="1" fontAlgn="auto" latinLnBrk="0" hangingPunct="1">
+              <a:lnSpc>
+                <a:spcPct val="100000"/>
+              </a:lnSpc>
+              <a:spcBef>
+                <a:spcPts val="0"/>
+              </a:spcBef>
+              <a:spcAft>
+                <a:spcPts val="0"/>
+              </a:spcAft>
+              <a:buClrTx/>
+              <a:buSzTx/>
+              <a:buFontTx/>
+              <a:buNone/>
+              <a:tabLst/>
+              <a:defRPr/>
+            </a:pPr>
+            <a:endParaRPr kumimoji="0" lang="en-SG" sz="1800" b="0" i="0" u="none" strike="noStrike" kern="1200" cap="none" spc="0" normalizeH="0" baseline="0" noProof="0" dirty="0">
+              <a:ln>
+                <a:noFill/>
+              </a:ln>
+              <a:solidFill>
+                <a:prstClr val="white"/>
+              </a:solidFill>
+              <a:effectLst/>
+              <a:uLnTx/>
+              <a:uFillTx/>
+              <a:latin typeface="Calibri" panose="020F0502020204030204"/>
+              <a:ea typeface="+mn-ea"/>
+              <a:cs typeface="+mn-cs"/>
+            </a:endParaRPr>
+          </a:p>
+        </p:txBody>
+      </p:sp>
+      <p:sp>
+        <p:nvSpPr>
+          <p:cNvPr id="5" name="Rectangle: Rounded Corners 4">
+            <a:extLst>
+              <a:ext uri="{FF2B5EF4-FFF2-40B4-BE49-F238E27FC236}">
+                <a16:creationId xmlns:a16="http://schemas.microsoft.com/office/drawing/2014/main" id="{281410E6-EDD4-32E9-F815-5ADD38C5AF6A}"/>
+              </a:ext>
+            </a:extLst>
+          </p:cNvPr>
+          <p:cNvSpPr/>
+          <p:nvPr/>
+        </p:nvSpPr>
+        <p:spPr>
+          <a:xfrm>
+            <a:off x="5609688" y="1766385"/>
+            <a:ext cx="1514845" cy="3325227"/>
+          </a:xfrm>
+          <a:prstGeom prst="roundRect">
+            <a:avLst/>
+          </a:prstGeom>
+          <a:solidFill>
+            <a:srgbClr val="D67A3B"/>
+          </a:solidFill>
+          <a:ln>
+            <a:noFill/>
+          </a:ln>
+        </p:spPr>
+        <p:style>
+          <a:lnRef idx="2">
+            <a:schemeClr val="accent1">
+              <a:shade val="15000"/>
+            </a:schemeClr>
+          </a:lnRef>
+          <a:fillRef idx="1">
+            <a:schemeClr val="accent1"/>
+          </a:fillRef>
+          <a:effectRef idx="0">
+            <a:schemeClr val="accent1"/>
+          </a:effectRef>
+          <a:fontRef idx="minor">
+            <a:schemeClr val="lt1"/>
+          </a:fontRef>
+        </p:style>
+        <p:txBody>
+          <a:bodyPr rtlCol="0" anchor="ctr"/>
+          <a:lstStyle/>
+          <a:p>
+            <a:pPr marL="0" marR="0" lvl="0" indent="0" algn="ctr" defTabSz="914400" rtl="0" eaLnBrk="1" fontAlgn="auto" latinLnBrk="0" hangingPunct="1">
+              <a:lnSpc>
+                <a:spcPct val="100000"/>
+              </a:lnSpc>
+              <a:spcBef>
+                <a:spcPts val="0"/>
+              </a:spcBef>
+              <a:spcAft>
+                <a:spcPts val="0"/>
+              </a:spcAft>
+              <a:buClrTx/>
+              <a:buSzTx/>
+              <a:buFontTx/>
+              <a:buNone/>
+              <a:tabLst/>
+              <a:defRPr/>
+            </a:pPr>
+            <a:endParaRPr kumimoji="0" lang="en-SG" sz="1800" b="0" i="0" u="none" strike="noStrike" kern="1200" cap="none" spc="0" normalizeH="0" baseline="0" noProof="0" dirty="0">
+              <a:ln>
+                <a:noFill/>
+              </a:ln>
+              <a:solidFill>
+                <a:prstClr val="white"/>
+              </a:solidFill>
+              <a:effectLst/>
+              <a:uLnTx/>
+              <a:uFillTx/>
+              <a:latin typeface="Calibri" panose="020F0502020204030204"/>
+              <a:ea typeface="+mn-ea"/>
+              <a:cs typeface="+mn-cs"/>
+            </a:endParaRPr>
+          </a:p>
+        </p:txBody>
+      </p:sp>
+      <p:sp>
+        <p:nvSpPr>
+          <p:cNvPr id="6" name="TextBox 5">
+            <a:extLst>
+              <a:ext uri="{FF2B5EF4-FFF2-40B4-BE49-F238E27FC236}">
+                <a16:creationId xmlns:a16="http://schemas.microsoft.com/office/drawing/2014/main" id="{50C72C3A-9AD7-11C9-7482-BC56F7F22455}"/>
+              </a:ext>
+            </a:extLst>
+          </p:cNvPr>
+          <p:cNvSpPr txBox="1"/>
+          <p:nvPr/>
+        </p:nvSpPr>
+        <p:spPr>
+          <a:xfrm>
+            <a:off x="2507969" y="1874554"/>
+            <a:ext cx="1324292" cy="738664"/>
+          </a:xfrm>
+          <a:prstGeom prst="rect">
+            <a:avLst/>
+          </a:prstGeom>
+          <a:noFill/>
+        </p:spPr>
+        <p:txBody>
+          <a:bodyPr wrap="square" rtlCol="0">
+            <a:spAutoFit/>
+          </a:bodyPr>
+          <a:lstStyle/>
+          <a:p>
+            <a:pPr marL="0" marR="0" lvl="0" indent="0" algn="l" defTabSz="914400" rtl="0" eaLnBrk="1" fontAlgn="auto" latinLnBrk="0" hangingPunct="1">
+              <a:lnSpc>
+                <a:spcPct val="100000"/>
+              </a:lnSpc>
+              <a:spcBef>
+                <a:spcPts val="0"/>
+              </a:spcBef>
+              <a:spcAft>
+                <a:spcPts val="0"/>
+              </a:spcAft>
+              <a:buClrTx/>
+              <a:buSzTx/>
+              <a:buFontTx/>
+              <a:buNone/>
+              <a:tabLst/>
+              <a:defRPr/>
+            </a:pPr>
+            <a:r>
+              <a:rPr kumimoji="0" lang="en-US" sz="1400" b="1" i="0" u="none" strike="noStrike" kern="1200" cap="none" spc="0" normalizeH="0" baseline="0" noProof="0" dirty="0">
+                <a:ln>
+                  <a:noFill/>
+                </a:ln>
+                <a:solidFill>
+                  <a:prstClr val="black"/>
+                </a:solidFill>
+                <a:effectLst/>
+                <a:uLnTx/>
+                <a:uFillTx/>
+                <a:ea typeface="+mn-ea"/>
+                <a:cs typeface="+mn-cs"/>
+              </a:rPr>
+              <a:t>Level 1</a:t>
+            </a:r>
+          </a:p>
+          <a:p>
+            <a:pPr marL="0" marR="0" lvl="0" indent="0" algn="l" defTabSz="914400" rtl="0" eaLnBrk="1" fontAlgn="auto" latinLnBrk="0" hangingPunct="1">
+              <a:lnSpc>
+                <a:spcPct val="100000"/>
+              </a:lnSpc>
+              <a:spcBef>
+                <a:spcPts val="0"/>
+              </a:spcBef>
+              <a:spcAft>
+                <a:spcPts val="0"/>
+              </a:spcAft>
+              <a:buClrTx/>
+              <a:buSzTx/>
+              <a:buFontTx/>
+              <a:buNone/>
+              <a:tabLst/>
+              <a:defRPr/>
+            </a:pPr>
+            <a:r>
+              <a:rPr kumimoji="0" lang="en-US" sz="1400" b="0" i="0" u="none" strike="noStrike" kern="1200" cap="none" spc="0" normalizeH="0" baseline="0" noProof="0" dirty="0">
+                <a:ln>
+                  <a:noFill/>
+                </a:ln>
+                <a:solidFill>
+                  <a:prstClr val="black"/>
+                </a:solidFill>
+                <a:effectLst/>
+                <a:uLnTx/>
+                <a:uFillTx/>
+                <a:ea typeface="+mn-ea"/>
+                <a:cs typeface="+mn-cs"/>
+              </a:rPr>
+              <a:t>OT </a:t>
+            </a:r>
+            <a:r>
+              <a:rPr lang="en-US" sz="1400" dirty="0">
+                <a:solidFill>
+                  <a:prstClr val="black"/>
+                </a:solidFill>
+              </a:rPr>
+              <a:t>Field </a:t>
+            </a:r>
+            <a:r>
+              <a:rPr kumimoji="0" lang="en-US" sz="1400" b="0" i="0" u="none" strike="noStrike" kern="1200" cap="none" spc="0" normalizeH="0" baseline="0" noProof="0" dirty="0">
+                <a:ln>
+                  <a:noFill/>
+                </a:ln>
+                <a:solidFill>
+                  <a:prstClr val="black"/>
+                </a:solidFill>
+                <a:effectLst/>
+                <a:uLnTx/>
+                <a:uFillTx/>
+                <a:ea typeface="+mn-ea"/>
+                <a:cs typeface="+mn-cs"/>
+              </a:rPr>
+              <a:t>PLCs Emulator LAN </a:t>
+            </a:r>
+            <a:endParaRPr kumimoji="0" lang="en-SG" sz="1400" b="0" i="0" u="none" strike="noStrike" kern="1200" cap="none" spc="0" normalizeH="0" baseline="0" noProof="0" dirty="0">
+              <a:ln>
+                <a:noFill/>
+              </a:ln>
+              <a:solidFill>
+                <a:prstClr val="black"/>
+              </a:solidFill>
+              <a:effectLst/>
+              <a:uLnTx/>
+              <a:uFillTx/>
+              <a:ea typeface="+mn-ea"/>
+              <a:cs typeface="+mn-cs"/>
+            </a:endParaRPr>
+          </a:p>
+        </p:txBody>
+      </p:sp>
+      <p:sp>
+        <p:nvSpPr>
+          <p:cNvPr id="7" name="TextBox 6">
+            <a:extLst>
+              <a:ext uri="{FF2B5EF4-FFF2-40B4-BE49-F238E27FC236}">
+                <a16:creationId xmlns:a16="http://schemas.microsoft.com/office/drawing/2014/main" id="{B66E0A50-3FA4-35DA-AA5B-899F0A0DBCE7}"/>
+              </a:ext>
+            </a:extLst>
+          </p:cNvPr>
+          <p:cNvSpPr txBox="1"/>
+          <p:nvPr/>
+        </p:nvSpPr>
+        <p:spPr>
+          <a:xfrm>
+            <a:off x="5671334" y="1832688"/>
+            <a:ext cx="1391555" cy="738664"/>
+          </a:xfrm>
+          <a:prstGeom prst="rect">
+            <a:avLst/>
+          </a:prstGeom>
+          <a:noFill/>
+        </p:spPr>
+        <p:txBody>
+          <a:bodyPr wrap="square" rtlCol="0">
+            <a:spAutoFit/>
+          </a:bodyPr>
+          <a:lstStyle/>
+          <a:p>
+            <a:pPr marL="0" marR="0" lvl="0" indent="0" algn="l" defTabSz="914400" rtl="0" eaLnBrk="1" fontAlgn="auto" latinLnBrk="0" hangingPunct="1">
+              <a:lnSpc>
+                <a:spcPct val="100000"/>
+              </a:lnSpc>
+              <a:spcBef>
+                <a:spcPts val="0"/>
+              </a:spcBef>
+              <a:spcAft>
+                <a:spcPts val="0"/>
+              </a:spcAft>
+              <a:buClrTx/>
+              <a:buSzTx/>
+              <a:buFontTx/>
+              <a:buNone/>
+              <a:tabLst/>
+              <a:defRPr/>
+            </a:pPr>
+            <a:r>
+              <a:rPr kumimoji="0" lang="en-US" sz="1400" b="1" i="0" u="none" strike="noStrike" kern="1200" cap="none" spc="0" normalizeH="0" baseline="0" noProof="0" dirty="0">
+                <a:ln>
+                  <a:noFill/>
+                </a:ln>
+                <a:solidFill>
+                  <a:prstClr val="white"/>
+                </a:solidFill>
+                <a:effectLst/>
+                <a:uLnTx/>
+                <a:uFillTx/>
+                <a:ea typeface="+mn-ea"/>
+                <a:cs typeface="+mn-cs"/>
+              </a:rPr>
+              <a:t>Level 2</a:t>
+            </a:r>
+          </a:p>
+          <a:p>
+            <a:pPr marL="0" marR="0" lvl="0" indent="0" algn="l" defTabSz="914400" rtl="0" eaLnBrk="1" fontAlgn="auto" latinLnBrk="0" hangingPunct="1">
+              <a:lnSpc>
+                <a:spcPct val="100000"/>
+              </a:lnSpc>
+              <a:spcBef>
+                <a:spcPts val="0"/>
+              </a:spcBef>
+              <a:spcAft>
+                <a:spcPts val="0"/>
+              </a:spcAft>
+              <a:buClrTx/>
+              <a:buSzTx/>
+              <a:buFontTx/>
+              <a:buNone/>
+              <a:tabLst/>
+              <a:defRPr/>
+            </a:pPr>
+            <a:r>
+              <a:rPr kumimoji="0" lang="en-US" sz="1400" b="1" i="0" u="none" strike="noStrike" kern="1200" cap="none" spc="0" normalizeH="0" baseline="0" noProof="0" dirty="0">
+                <a:ln>
+                  <a:noFill/>
+                </a:ln>
+                <a:solidFill>
+                  <a:prstClr val="white"/>
+                </a:solidFill>
+                <a:effectLst/>
+                <a:uLnTx/>
+                <a:uFillTx/>
+                <a:ea typeface="+mn-ea"/>
+                <a:cs typeface="+mn-cs"/>
+              </a:rPr>
+              <a:t>PLC Controller</a:t>
+            </a:r>
+          </a:p>
+          <a:p>
+            <a:pPr marL="0" marR="0" lvl="0" indent="0" algn="l" defTabSz="914400" rtl="0" eaLnBrk="1" fontAlgn="auto" latinLnBrk="0" hangingPunct="1">
+              <a:lnSpc>
+                <a:spcPct val="100000"/>
+              </a:lnSpc>
+              <a:spcBef>
+                <a:spcPts val="0"/>
+              </a:spcBef>
+              <a:spcAft>
+                <a:spcPts val="0"/>
+              </a:spcAft>
+              <a:buClrTx/>
+              <a:buSzTx/>
+              <a:buFontTx/>
+              <a:buNone/>
+              <a:tabLst/>
+              <a:defRPr/>
+            </a:pPr>
+            <a:r>
+              <a:rPr lang="en-US" sz="1400" b="1" dirty="0">
+                <a:solidFill>
+                  <a:prstClr val="white"/>
+                </a:solidFill>
+              </a:rPr>
+              <a:t>Program LAN</a:t>
+            </a:r>
+            <a:r>
+              <a:rPr kumimoji="0" lang="en-US" sz="1400" b="1" i="0" u="none" strike="noStrike" kern="1200" cap="none" spc="0" normalizeH="0" baseline="0" noProof="0" dirty="0">
+                <a:ln>
+                  <a:noFill/>
+                </a:ln>
+                <a:solidFill>
+                  <a:prstClr val="white"/>
+                </a:solidFill>
+                <a:effectLst/>
+                <a:uLnTx/>
+                <a:uFillTx/>
+                <a:ea typeface="+mn-ea"/>
+                <a:cs typeface="+mn-cs"/>
+              </a:rPr>
+              <a:t> </a:t>
+            </a:r>
+          </a:p>
+        </p:txBody>
+      </p:sp>
+      <p:pic>
+        <p:nvPicPr>
+          <p:cNvPr id="9" name="Picture 8">
+            <a:extLst>
+              <a:ext uri="{FF2B5EF4-FFF2-40B4-BE49-F238E27FC236}">
+                <a16:creationId xmlns:a16="http://schemas.microsoft.com/office/drawing/2014/main" id="{E801D70D-3CF6-83F3-ED4D-5E07C4D72B0A}"/>
+              </a:ext>
+            </a:extLst>
+          </p:cNvPr>
+          <p:cNvPicPr>
+            <a:picLocks noChangeAspect="1"/>
+          </p:cNvPicPr>
+          <p:nvPr/>
+        </p:nvPicPr>
+        <p:blipFill>
+          <a:blip r:embed="rId2"/>
+          <a:stretch>
+            <a:fillRect/>
+          </a:stretch>
+        </p:blipFill>
+        <p:spPr>
+          <a:xfrm>
+            <a:off x="3295162" y="2721385"/>
+            <a:ext cx="670663" cy="680147"/>
+          </a:xfrm>
+          <a:prstGeom prst="rect">
+            <a:avLst/>
+          </a:prstGeom>
+          <a:ln w="6350">
+            <a:solidFill>
+              <a:schemeClr val="tx1"/>
+            </a:solidFill>
+          </a:ln>
+        </p:spPr>
+      </p:pic>
+      <p:sp>
+        <p:nvSpPr>
+          <p:cNvPr id="10" name="TextBox 9">
+            <a:extLst>
+              <a:ext uri="{FF2B5EF4-FFF2-40B4-BE49-F238E27FC236}">
+                <a16:creationId xmlns:a16="http://schemas.microsoft.com/office/drawing/2014/main" id="{FF636A84-CA8D-0549-F361-AC8DD5042B56}"/>
+              </a:ext>
+            </a:extLst>
+          </p:cNvPr>
+          <p:cNvSpPr txBox="1"/>
+          <p:nvPr/>
+        </p:nvSpPr>
+        <p:spPr>
+          <a:xfrm>
+            <a:off x="2507969" y="2721385"/>
+            <a:ext cx="800310" cy="430887"/>
+          </a:xfrm>
+          <a:prstGeom prst="rect">
+            <a:avLst/>
+          </a:prstGeom>
+          <a:noFill/>
+        </p:spPr>
+        <p:txBody>
+          <a:bodyPr wrap="square" rtlCol="0">
+            <a:spAutoFit/>
+          </a:bodyPr>
+          <a:lstStyle/>
+          <a:p>
+            <a:pPr marL="0" marR="0" lvl="0" indent="0" algn="l" defTabSz="914400" rtl="0" eaLnBrk="1" fontAlgn="auto" latinLnBrk="0" hangingPunct="1">
+              <a:lnSpc>
+                <a:spcPct val="100000"/>
+              </a:lnSpc>
+              <a:spcBef>
+                <a:spcPts val="0"/>
+              </a:spcBef>
+              <a:spcAft>
+                <a:spcPts val="0"/>
+              </a:spcAft>
+              <a:buClrTx/>
+              <a:buSzTx/>
+              <a:buFontTx/>
+              <a:buNone/>
+              <a:tabLst/>
+              <a:defRPr/>
+            </a:pPr>
+            <a:r>
+              <a:rPr kumimoji="0" lang="en-US" sz="1100" b="1" i="0" u="none" strike="noStrike" kern="1200" cap="none" spc="0" normalizeH="0" baseline="0" noProof="0" dirty="0">
+                <a:ln>
+                  <a:noFill/>
+                </a:ln>
+                <a:solidFill>
+                  <a:schemeClr val="tx1">
+                    <a:lumMod val="65000"/>
+                    <a:lumOff val="35000"/>
+                  </a:schemeClr>
+                </a:solidFill>
+                <a:effectLst/>
+                <a:uLnTx/>
+                <a:uFillTx/>
+                <a:latin typeface="Calibri" panose="020F0502020204030204"/>
+                <a:ea typeface="+mn-ea"/>
+                <a:cs typeface="+mn-cs"/>
+              </a:rPr>
+              <a:t>M221 PLC Emulator</a:t>
+            </a:r>
+            <a:endParaRPr kumimoji="0" lang="en-SG" sz="1100" b="1" i="0" u="none" strike="noStrike" kern="1200" cap="none" spc="0" normalizeH="0" baseline="0" noProof="0" dirty="0">
+              <a:ln>
+                <a:noFill/>
+              </a:ln>
+              <a:solidFill>
+                <a:schemeClr val="tx1">
+                  <a:lumMod val="65000"/>
+                  <a:lumOff val="35000"/>
+                </a:schemeClr>
+              </a:solidFill>
+              <a:effectLst/>
+              <a:uLnTx/>
+              <a:uFillTx/>
+              <a:latin typeface="Calibri" panose="020F0502020204030204"/>
+              <a:ea typeface="+mn-ea"/>
+              <a:cs typeface="+mn-cs"/>
+            </a:endParaRPr>
+          </a:p>
+        </p:txBody>
+      </p:sp>
+    </p:spTree>
+    <p:extLst>
+      <p:ext uri="{BB962C8B-B14F-4D97-AF65-F5344CB8AC3E}">
+        <p14:creationId xmlns:p14="http://schemas.microsoft.com/office/powerpoint/2010/main" val="3765836271"/>
       </p:ext>
     </p:extLst>
   </p:cSld>

--- a/doc/designDoc.pptx
+++ b/doc/designDoc.pptx
@@ -263,7 +263,7 @@
           <a:p>
             <a:fld id="{E7602038-B3F0-4825-ABDA-D66CE1C4CFDA}" type="datetimeFigureOut">
               <a:rPr lang="en-SG" smtClean="0"/>
-              <a:t>14/11/2024</a:t>
+              <a:t>15/11/2024</a:t>
             </a:fld>
             <a:endParaRPr lang="en-SG"/>
           </a:p>
@@ -463,7 +463,7 @@
           <a:p>
             <a:fld id="{E7602038-B3F0-4825-ABDA-D66CE1C4CFDA}" type="datetimeFigureOut">
               <a:rPr lang="en-SG" smtClean="0"/>
-              <a:t>14/11/2024</a:t>
+              <a:t>15/11/2024</a:t>
             </a:fld>
             <a:endParaRPr lang="en-SG"/>
           </a:p>
@@ -673,7 +673,7 @@
           <a:p>
             <a:fld id="{E7602038-B3F0-4825-ABDA-D66CE1C4CFDA}" type="datetimeFigureOut">
               <a:rPr lang="en-SG" smtClean="0"/>
-              <a:t>14/11/2024</a:t>
+              <a:t>15/11/2024</a:t>
             </a:fld>
             <a:endParaRPr lang="en-SG"/>
           </a:p>
@@ -873,7 +873,7 @@
           <a:p>
             <a:fld id="{E7602038-B3F0-4825-ABDA-D66CE1C4CFDA}" type="datetimeFigureOut">
               <a:rPr lang="en-SG" smtClean="0"/>
-              <a:t>14/11/2024</a:t>
+              <a:t>15/11/2024</a:t>
             </a:fld>
             <a:endParaRPr lang="en-SG"/>
           </a:p>
@@ -1149,7 +1149,7 @@
           <a:p>
             <a:fld id="{E7602038-B3F0-4825-ABDA-D66CE1C4CFDA}" type="datetimeFigureOut">
               <a:rPr lang="en-SG" smtClean="0"/>
-              <a:t>14/11/2024</a:t>
+              <a:t>15/11/2024</a:t>
             </a:fld>
             <a:endParaRPr lang="en-SG"/>
           </a:p>
@@ -1417,7 +1417,7 @@
           <a:p>
             <a:fld id="{E7602038-B3F0-4825-ABDA-D66CE1C4CFDA}" type="datetimeFigureOut">
               <a:rPr lang="en-SG" smtClean="0"/>
-              <a:t>14/11/2024</a:t>
+              <a:t>15/11/2024</a:t>
             </a:fld>
             <a:endParaRPr lang="en-SG"/>
           </a:p>
@@ -1832,7 +1832,7 @@
           <a:p>
             <a:fld id="{E7602038-B3F0-4825-ABDA-D66CE1C4CFDA}" type="datetimeFigureOut">
               <a:rPr lang="en-SG" smtClean="0"/>
-              <a:t>14/11/2024</a:t>
+              <a:t>15/11/2024</a:t>
             </a:fld>
             <a:endParaRPr lang="en-SG"/>
           </a:p>
@@ -1974,7 +1974,7 @@
           <a:p>
             <a:fld id="{E7602038-B3F0-4825-ABDA-D66CE1C4CFDA}" type="datetimeFigureOut">
               <a:rPr lang="en-SG" smtClean="0"/>
-              <a:t>14/11/2024</a:t>
+              <a:t>15/11/2024</a:t>
             </a:fld>
             <a:endParaRPr lang="en-SG"/>
           </a:p>
@@ -2087,7 +2087,7 @@
           <a:p>
             <a:fld id="{E7602038-B3F0-4825-ABDA-D66CE1C4CFDA}" type="datetimeFigureOut">
               <a:rPr lang="en-SG" smtClean="0"/>
-              <a:t>14/11/2024</a:t>
+              <a:t>15/11/2024</a:t>
             </a:fld>
             <a:endParaRPr lang="en-SG"/>
           </a:p>
@@ -2400,7 +2400,7 @@
           <a:p>
             <a:fld id="{E7602038-B3F0-4825-ABDA-D66CE1C4CFDA}" type="datetimeFigureOut">
               <a:rPr lang="en-SG" smtClean="0"/>
-              <a:t>14/11/2024</a:t>
+              <a:t>15/11/2024</a:t>
             </a:fld>
             <a:endParaRPr lang="en-SG"/>
           </a:p>
@@ -2689,7 +2689,7 @@
           <a:p>
             <a:fld id="{E7602038-B3F0-4825-ABDA-D66CE1C4CFDA}" type="datetimeFigureOut">
               <a:rPr lang="en-SG" smtClean="0"/>
-              <a:t>14/11/2024</a:t>
+              <a:t>15/11/2024</a:t>
             </a:fld>
             <a:endParaRPr lang="en-SG"/>
           </a:p>
@@ -2932,7 +2932,7 @@
           <a:p>
             <a:fld id="{E7602038-B3F0-4825-ABDA-D66CE1C4CFDA}" type="datetimeFigureOut">
               <a:rPr lang="en-SG" smtClean="0"/>
-              <a:t>14/11/2024</a:t>
+              <a:t>15/11/2024</a:t>
             </a:fld>
             <a:endParaRPr lang="en-SG"/>
           </a:p>
@@ -6769,8 +6769,8 @@
         </p:nvSpPr>
         <p:spPr>
           <a:xfrm>
-            <a:off x="2451500" y="1766386"/>
-            <a:ext cx="1324292" cy="3325227"/>
+            <a:off x="2341772" y="1912690"/>
+            <a:ext cx="1324292" cy="3427406"/>
           </a:xfrm>
           <a:prstGeom prst="roundRect">
             <a:avLst/>
@@ -6850,8 +6850,8 @@
         </p:nvSpPr>
         <p:spPr>
           <a:xfrm>
-            <a:off x="5609688" y="1766385"/>
-            <a:ext cx="1514845" cy="3325227"/>
+            <a:off x="5741167" y="1912690"/>
+            <a:ext cx="1453201" cy="3427406"/>
           </a:xfrm>
           <a:prstGeom prst="roundRect">
             <a:avLst/>
@@ -6860,7 +6860,9 @@
             <a:srgbClr val="D67A3B"/>
           </a:solidFill>
           <a:ln>
-            <a:noFill/>
+            <a:solidFill>
+              <a:schemeClr val="bg1"/>
+            </a:solidFill>
           </a:ln>
         </p:spPr>
         <p:style>
@@ -6931,7 +6933,7 @@
         </p:nvSpPr>
         <p:spPr>
           <a:xfrm>
-            <a:off x="2507969" y="1874554"/>
+            <a:off x="2398241" y="2020858"/>
             <a:ext cx="1324292" cy="738664"/>
           </a:xfrm>
           <a:prstGeom prst="rect">
@@ -6998,7 +7000,7 @@
               <a:defRPr/>
             </a:pPr>
             <a:r>
-              <a:rPr kumimoji="0" lang="en-US" sz="1400" b="0" i="0" u="none" strike="noStrike" kern="1200" cap="none" spc="0" normalizeH="0" baseline="0" noProof="0" dirty="0">
+              <a:rPr kumimoji="0" lang="en-US" sz="1400" b="1" i="0" u="none" strike="noStrike" kern="1200" cap="none" spc="0" normalizeH="0" baseline="0" noProof="0" dirty="0">
                 <a:ln>
                   <a:noFill/>
                 </a:ln>
@@ -7014,7 +7016,7 @@
               <a:t>OT </a:t>
             </a:r>
             <a:r>
-              <a:rPr lang="en-US" sz="1400" dirty="0">
+              <a:rPr lang="en-US" sz="1400" b="1" dirty="0">
                 <a:solidFill>
                   <a:prstClr val="black"/>
                 </a:solidFill>
@@ -7022,7 +7024,7 @@
               <a:t>Field </a:t>
             </a:r>
             <a:r>
-              <a:rPr kumimoji="0" lang="en-US" sz="1400" b="0" i="0" u="none" strike="noStrike" kern="1200" cap="none" spc="0" normalizeH="0" baseline="0" noProof="0" dirty="0">
+              <a:rPr kumimoji="0" lang="en-US" sz="1400" b="1" i="0" u="none" strike="noStrike" kern="1200" cap="none" spc="0" normalizeH="0" baseline="0" noProof="0" dirty="0">
                 <a:ln>
                   <a:noFill/>
                 </a:ln>
@@ -7037,7 +7039,7 @@
               </a:rPr>
               <a:t>PLCs Emulator LAN </a:t>
             </a:r>
-            <a:endParaRPr kumimoji="0" lang="en-SG" sz="1400" b="0" i="0" u="none" strike="noStrike" kern="1200" cap="none" spc="0" normalizeH="0" baseline="0" noProof="0" dirty="0">
+            <a:endParaRPr kumimoji="0" lang="en-SG" sz="1400" b="1" i="0" u="none" strike="noStrike" kern="1200" cap="none" spc="0" normalizeH="0" baseline="0" noProof="0" dirty="0">
               <a:ln>
                 <a:noFill/>
               </a:ln>
@@ -7067,7 +7069,7 @@
         </p:nvSpPr>
         <p:spPr>
           <a:xfrm>
-            <a:off x="5671334" y="1832688"/>
+            <a:off x="5797636" y="2020858"/>
             <a:ext cx="1391555" cy="738664"/>
           </a:xfrm>
           <a:prstGeom prst="rect">
@@ -7217,8 +7219,8 @@
         </p:blipFill>
         <p:spPr>
           <a:xfrm>
-            <a:off x="3295162" y="2721385"/>
-            <a:ext cx="670663" cy="680147"/>
+            <a:off x="3060387" y="2938674"/>
+            <a:ext cx="553020" cy="560840"/>
           </a:xfrm>
           <a:prstGeom prst="rect">
             <a:avLst/>
@@ -7244,7 +7246,7 @@
         </p:nvSpPr>
         <p:spPr>
           <a:xfrm>
-            <a:off x="2507969" y="2721385"/>
+            <a:off x="2313537" y="2928349"/>
             <a:ext cx="800310" cy="430887"/>
           </a:xfrm>
           <a:prstGeom prst="rect">
@@ -7315,6 +7317,1764 @@
           </a:p>
         </p:txBody>
       </p:sp>
+      <p:pic>
+        <p:nvPicPr>
+          <p:cNvPr id="12" name="Picture 11">
+            <a:extLst>
+              <a:ext uri="{FF2B5EF4-FFF2-40B4-BE49-F238E27FC236}">
+                <a16:creationId xmlns:a16="http://schemas.microsoft.com/office/drawing/2014/main" id="{6ACD4B32-A58C-5A9D-518A-D404A10D44F5}"/>
+              </a:ext>
+            </a:extLst>
+          </p:cNvPr>
+          <p:cNvPicPr>
+            <a:picLocks noChangeAspect="1"/>
+          </p:cNvPicPr>
+          <p:nvPr/>
+        </p:nvPicPr>
+        <p:blipFill>
+          <a:blip r:embed="rId3"/>
+          <a:stretch>
+            <a:fillRect/>
+          </a:stretch>
+        </p:blipFill>
+        <p:spPr>
+          <a:xfrm>
+            <a:off x="3064118" y="4527404"/>
+            <a:ext cx="568419" cy="560840"/>
+          </a:xfrm>
+          <a:prstGeom prst="rect">
+            <a:avLst/>
+          </a:prstGeom>
+          <a:ln w="9525">
+            <a:solidFill>
+              <a:schemeClr val="tx1"/>
+            </a:solidFill>
+          </a:ln>
+        </p:spPr>
+      </p:pic>
+      <p:pic>
+        <p:nvPicPr>
+          <p:cNvPr id="13" name="Picture 12">
+            <a:extLst>
+              <a:ext uri="{FF2B5EF4-FFF2-40B4-BE49-F238E27FC236}">
+                <a16:creationId xmlns:a16="http://schemas.microsoft.com/office/drawing/2014/main" id="{D7D13C69-CCD4-544B-29BD-EA530DB89A3A}"/>
+              </a:ext>
+            </a:extLst>
+          </p:cNvPr>
+          <p:cNvPicPr>
+            <a:picLocks noChangeAspect="1"/>
+          </p:cNvPicPr>
+          <p:nvPr/>
+        </p:nvPicPr>
+        <p:blipFill>
+          <a:blip r:embed="rId2"/>
+          <a:stretch>
+            <a:fillRect/>
+          </a:stretch>
+        </p:blipFill>
+        <p:spPr>
+          <a:xfrm>
+            <a:off x="3071818" y="3733039"/>
+            <a:ext cx="553020" cy="560840"/>
+          </a:xfrm>
+          <a:prstGeom prst="rect">
+            <a:avLst/>
+          </a:prstGeom>
+          <a:ln w="6350">
+            <a:solidFill>
+              <a:schemeClr val="tx1"/>
+            </a:solidFill>
+          </a:ln>
+        </p:spPr>
+      </p:pic>
+      <p:sp>
+        <p:nvSpPr>
+          <p:cNvPr id="14" name="TextBox 13">
+            <a:extLst>
+              <a:ext uri="{FF2B5EF4-FFF2-40B4-BE49-F238E27FC236}">
+                <a16:creationId xmlns:a16="http://schemas.microsoft.com/office/drawing/2014/main" id="{B666EFE6-10B5-7F2D-F341-8877ED55B8CB}"/>
+              </a:ext>
+            </a:extLst>
+          </p:cNvPr>
+          <p:cNvSpPr txBox="1"/>
+          <p:nvPr/>
+        </p:nvSpPr>
+        <p:spPr>
+          <a:xfrm>
+            <a:off x="2302288" y="3752092"/>
+            <a:ext cx="800310" cy="430887"/>
+          </a:xfrm>
+          <a:prstGeom prst="rect">
+            <a:avLst/>
+          </a:prstGeom>
+          <a:noFill/>
+        </p:spPr>
+        <p:txBody>
+          <a:bodyPr wrap="square" rtlCol="0">
+            <a:spAutoFit/>
+          </a:bodyPr>
+          <a:lstStyle/>
+          <a:p>
+            <a:pPr marL="0" marR="0" lvl="0" indent="0" algn="l" defTabSz="914400" rtl="0" eaLnBrk="1" fontAlgn="auto" latinLnBrk="0" hangingPunct="1">
+              <a:lnSpc>
+                <a:spcPct val="100000"/>
+              </a:lnSpc>
+              <a:spcBef>
+                <a:spcPts val="0"/>
+              </a:spcBef>
+              <a:spcAft>
+                <a:spcPts val="0"/>
+              </a:spcAft>
+              <a:buClrTx/>
+              <a:buSzTx/>
+              <a:buFontTx/>
+              <a:buNone/>
+              <a:tabLst/>
+              <a:defRPr/>
+            </a:pPr>
+            <a:r>
+              <a:rPr kumimoji="0" lang="en-US" sz="1100" b="1" i="0" u="none" strike="noStrike" kern="1200" cap="none" spc="0" normalizeH="0" baseline="0" noProof="0" dirty="0">
+                <a:ln>
+                  <a:noFill/>
+                </a:ln>
+                <a:solidFill>
+                  <a:schemeClr val="tx1">
+                    <a:lumMod val="65000"/>
+                    <a:lumOff val="35000"/>
+                  </a:schemeClr>
+                </a:solidFill>
+                <a:effectLst/>
+                <a:uLnTx/>
+                <a:uFillTx/>
+                <a:latin typeface="Calibri" panose="020F0502020204030204"/>
+                <a:ea typeface="+mn-ea"/>
+                <a:cs typeface="+mn-cs"/>
+              </a:rPr>
+              <a:t>M221 PLC Emulator</a:t>
+            </a:r>
+            <a:endParaRPr kumimoji="0" lang="en-SG" sz="1100" b="1" i="0" u="none" strike="noStrike" kern="1200" cap="none" spc="0" normalizeH="0" baseline="0" noProof="0" dirty="0">
+              <a:ln>
+                <a:noFill/>
+              </a:ln>
+              <a:solidFill>
+                <a:schemeClr val="tx1">
+                  <a:lumMod val="65000"/>
+                  <a:lumOff val="35000"/>
+                </a:schemeClr>
+              </a:solidFill>
+              <a:effectLst/>
+              <a:uLnTx/>
+              <a:uFillTx/>
+              <a:latin typeface="Calibri" panose="020F0502020204030204"/>
+              <a:ea typeface="+mn-ea"/>
+              <a:cs typeface="+mn-cs"/>
+            </a:endParaRPr>
+          </a:p>
+        </p:txBody>
+      </p:sp>
+      <p:sp>
+        <p:nvSpPr>
+          <p:cNvPr id="15" name="TextBox 14">
+            <a:extLst>
+              <a:ext uri="{FF2B5EF4-FFF2-40B4-BE49-F238E27FC236}">
+                <a16:creationId xmlns:a16="http://schemas.microsoft.com/office/drawing/2014/main" id="{54D08E66-7029-B739-6509-55F67ABFED5E}"/>
+              </a:ext>
+            </a:extLst>
+          </p:cNvPr>
+          <p:cNvSpPr txBox="1"/>
+          <p:nvPr/>
+        </p:nvSpPr>
+        <p:spPr>
+          <a:xfrm>
+            <a:off x="2285303" y="4546094"/>
+            <a:ext cx="856779" cy="430887"/>
+          </a:xfrm>
+          <a:prstGeom prst="rect">
+            <a:avLst/>
+          </a:prstGeom>
+          <a:noFill/>
+        </p:spPr>
+        <p:txBody>
+          <a:bodyPr wrap="square" rtlCol="0">
+            <a:spAutoFit/>
+          </a:bodyPr>
+          <a:lstStyle/>
+          <a:p>
+            <a:pPr marL="0" marR="0" lvl="0" indent="0" algn="l" defTabSz="914400" rtl="0" eaLnBrk="1" fontAlgn="auto" latinLnBrk="0" hangingPunct="1">
+              <a:lnSpc>
+                <a:spcPct val="100000"/>
+              </a:lnSpc>
+              <a:spcBef>
+                <a:spcPts val="0"/>
+              </a:spcBef>
+              <a:spcAft>
+                <a:spcPts val="0"/>
+              </a:spcAft>
+              <a:buClrTx/>
+              <a:buSzTx/>
+              <a:buFontTx/>
+              <a:buNone/>
+              <a:tabLst/>
+              <a:defRPr/>
+            </a:pPr>
+            <a:r>
+              <a:rPr kumimoji="0" lang="en-US" sz="1100" b="1" i="0" u="none" strike="noStrike" kern="1200" cap="none" spc="0" normalizeH="0" baseline="0" noProof="0" dirty="0">
+                <a:ln>
+                  <a:noFill/>
+                </a:ln>
+                <a:solidFill>
+                  <a:schemeClr val="tx1">
+                    <a:lumMod val="65000"/>
+                    <a:lumOff val="35000"/>
+                  </a:schemeClr>
+                </a:solidFill>
+                <a:effectLst/>
+                <a:uLnTx/>
+                <a:uFillTx/>
+                <a:latin typeface="Calibri" panose="020F0502020204030204"/>
+                <a:ea typeface="+mn-ea"/>
+                <a:cs typeface="+mn-cs"/>
+              </a:rPr>
+              <a:t>S71200 PLC Emulator</a:t>
+            </a:r>
+            <a:endParaRPr kumimoji="0" lang="en-SG" sz="1100" b="1" i="0" u="none" strike="noStrike" kern="1200" cap="none" spc="0" normalizeH="0" baseline="0" noProof="0" dirty="0">
+              <a:ln>
+                <a:noFill/>
+              </a:ln>
+              <a:solidFill>
+                <a:schemeClr val="tx1">
+                  <a:lumMod val="65000"/>
+                  <a:lumOff val="35000"/>
+                </a:schemeClr>
+              </a:solidFill>
+              <a:effectLst/>
+              <a:uLnTx/>
+              <a:uFillTx/>
+              <a:latin typeface="Calibri" panose="020F0502020204030204"/>
+              <a:ea typeface="+mn-ea"/>
+              <a:cs typeface="+mn-cs"/>
+            </a:endParaRPr>
+          </a:p>
+        </p:txBody>
+      </p:sp>
+      <p:pic>
+        <p:nvPicPr>
+          <p:cNvPr id="16" name="Graphic 15" descr="Ui Ux with solid fill">
+            <a:extLst>
+              <a:ext uri="{FF2B5EF4-FFF2-40B4-BE49-F238E27FC236}">
+                <a16:creationId xmlns:a16="http://schemas.microsoft.com/office/drawing/2014/main" id="{77C791AE-9574-533A-CBB5-D5A37BF67D0D}"/>
+              </a:ext>
+            </a:extLst>
+          </p:cNvPr>
+          <p:cNvPicPr>
+            <a:picLocks noChangeAspect="1"/>
+          </p:cNvPicPr>
+          <p:nvPr/>
+        </p:nvPicPr>
+        <p:blipFill>
+          <a:blip r:embed="rId4">
+            <a:extLst>
+              <a:ext uri="{28A0092B-C50C-407E-A947-70E740481C1C}">
+                <a14:useLocalDpi xmlns:a14="http://schemas.microsoft.com/office/drawing/2010/main" val="0"/>
+              </a:ext>
+              <a:ext uri="{96DAC541-7B7A-43D3-8B79-37D633B846F1}">
+                <asvg:svgBlip xmlns:asvg="http://schemas.microsoft.com/office/drawing/2016/SVG/main" r:embed="rId5"/>
+              </a:ext>
+            </a:extLst>
+          </a:blip>
+          <a:stretch>
+            <a:fillRect/>
+          </a:stretch>
+        </p:blipFill>
+        <p:spPr>
+          <a:xfrm>
+            <a:off x="5911315" y="2917461"/>
+            <a:ext cx="540829" cy="540829"/>
+          </a:xfrm>
+          <a:prstGeom prst="rect">
+            <a:avLst/>
+          </a:prstGeom>
+        </p:spPr>
+      </p:pic>
+      <p:sp>
+        <p:nvSpPr>
+          <p:cNvPr id="19" name="TextBox 18">
+            <a:extLst>
+              <a:ext uri="{FF2B5EF4-FFF2-40B4-BE49-F238E27FC236}">
+                <a16:creationId xmlns:a16="http://schemas.microsoft.com/office/drawing/2014/main" id="{29A39506-BD38-A691-CE23-68C04683BD3D}"/>
+              </a:ext>
+            </a:extLst>
+          </p:cNvPr>
+          <p:cNvSpPr txBox="1"/>
+          <p:nvPr/>
+        </p:nvSpPr>
+        <p:spPr>
+          <a:xfrm>
+            <a:off x="6406896" y="2858126"/>
+            <a:ext cx="908304" cy="600164"/>
+          </a:xfrm>
+          <a:prstGeom prst="rect">
+            <a:avLst/>
+          </a:prstGeom>
+          <a:noFill/>
+        </p:spPr>
+        <p:txBody>
+          <a:bodyPr wrap="square" rtlCol="0">
+            <a:spAutoFit/>
+          </a:bodyPr>
+          <a:lstStyle/>
+          <a:p>
+            <a:pPr marL="0" marR="0" lvl="0" indent="0" algn="l" defTabSz="914400" rtl="0" eaLnBrk="1" fontAlgn="auto" latinLnBrk="0" hangingPunct="1">
+              <a:lnSpc>
+                <a:spcPct val="100000"/>
+              </a:lnSpc>
+              <a:spcBef>
+                <a:spcPts val="0"/>
+              </a:spcBef>
+              <a:spcAft>
+                <a:spcPts val="0"/>
+              </a:spcAft>
+              <a:buClrTx/>
+              <a:buSzTx/>
+              <a:buFontTx/>
+              <a:buNone/>
+              <a:tabLst/>
+              <a:defRPr/>
+            </a:pPr>
+            <a:r>
+              <a:rPr lang="en-US" sz="1100" b="1" dirty="0">
+                <a:solidFill>
+                  <a:schemeClr val="bg1"/>
+                </a:solidFill>
+                <a:latin typeface="Calibri" panose="020F0502020204030204"/>
+              </a:rPr>
+              <a:t>1 to 1 PLC controller</a:t>
+            </a:r>
+          </a:p>
+          <a:p>
+            <a:pPr marL="0" marR="0" lvl="0" indent="0" algn="l" defTabSz="914400" rtl="0" eaLnBrk="1" fontAlgn="auto" latinLnBrk="0" hangingPunct="1">
+              <a:lnSpc>
+                <a:spcPct val="100000"/>
+              </a:lnSpc>
+              <a:spcBef>
+                <a:spcPts val="0"/>
+              </a:spcBef>
+              <a:spcAft>
+                <a:spcPts val="0"/>
+              </a:spcAft>
+              <a:buClrTx/>
+              <a:buSzTx/>
+              <a:buFontTx/>
+              <a:buNone/>
+              <a:tabLst/>
+              <a:defRPr/>
+            </a:pPr>
+            <a:r>
+              <a:rPr kumimoji="0" lang="en-US" sz="1100" b="1" i="0" u="none" strike="noStrike" kern="1200" cap="none" spc="0" normalizeH="0" baseline="0" noProof="0" dirty="0">
+                <a:ln>
+                  <a:noFill/>
+                </a:ln>
+                <a:solidFill>
+                  <a:schemeClr val="bg1"/>
+                </a:solidFill>
+                <a:effectLst/>
+                <a:uLnTx/>
+                <a:uFillTx/>
+                <a:latin typeface="Calibri" panose="020F0502020204030204"/>
+                <a:ea typeface="+mn-ea"/>
+                <a:cs typeface="+mn-cs"/>
+              </a:rPr>
+              <a:t>[Modbus]</a:t>
+            </a:r>
+            <a:endParaRPr kumimoji="0" lang="en-SG" sz="1100" b="1" i="0" u="none" strike="noStrike" kern="1200" cap="none" spc="0" normalizeH="0" baseline="0" noProof="0" dirty="0">
+              <a:ln>
+                <a:noFill/>
+              </a:ln>
+              <a:solidFill>
+                <a:schemeClr val="bg1"/>
+              </a:solidFill>
+              <a:effectLst/>
+              <a:uLnTx/>
+              <a:uFillTx/>
+              <a:latin typeface="Calibri" panose="020F0502020204030204"/>
+              <a:ea typeface="+mn-ea"/>
+              <a:cs typeface="+mn-cs"/>
+            </a:endParaRPr>
+          </a:p>
+        </p:txBody>
+      </p:sp>
+      <p:pic>
+        <p:nvPicPr>
+          <p:cNvPr id="20" name="Graphic 19" descr="Ui Ux with solid fill">
+            <a:extLst>
+              <a:ext uri="{FF2B5EF4-FFF2-40B4-BE49-F238E27FC236}">
+                <a16:creationId xmlns:a16="http://schemas.microsoft.com/office/drawing/2014/main" id="{220EB893-E3ED-F778-F6D2-F388618BD1FC}"/>
+              </a:ext>
+            </a:extLst>
+          </p:cNvPr>
+          <p:cNvPicPr>
+            <a:picLocks noChangeAspect="1"/>
+          </p:cNvPicPr>
+          <p:nvPr/>
+        </p:nvPicPr>
+        <p:blipFill>
+          <a:blip r:embed="rId4">
+            <a:extLst>
+              <a:ext uri="{28A0092B-C50C-407E-A947-70E740481C1C}">
+                <a14:useLocalDpi xmlns:a14="http://schemas.microsoft.com/office/drawing/2010/main" val="0"/>
+              </a:ext>
+              <a:ext uri="{96DAC541-7B7A-43D3-8B79-37D633B846F1}">
+                <asvg:svgBlip xmlns:asvg="http://schemas.microsoft.com/office/drawing/2016/SVG/main" r:embed="rId5"/>
+              </a:ext>
+            </a:extLst>
+          </a:blip>
+          <a:stretch>
+            <a:fillRect/>
+          </a:stretch>
+        </p:blipFill>
+        <p:spPr>
+          <a:xfrm>
+            <a:off x="5911314" y="3642150"/>
+            <a:ext cx="540829" cy="540829"/>
+          </a:xfrm>
+          <a:prstGeom prst="rect">
+            <a:avLst/>
+          </a:prstGeom>
+        </p:spPr>
+      </p:pic>
+      <p:sp>
+        <p:nvSpPr>
+          <p:cNvPr id="28" name="TextBox 27">
+            <a:extLst>
+              <a:ext uri="{FF2B5EF4-FFF2-40B4-BE49-F238E27FC236}">
+                <a16:creationId xmlns:a16="http://schemas.microsoft.com/office/drawing/2014/main" id="{725CE597-95F1-31AC-9DAA-CA89765C16C5}"/>
+              </a:ext>
+            </a:extLst>
+          </p:cNvPr>
+          <p:cNvSpPr txBox="1"/>
+          <p:nvPr/>
+        </p:nvSpPr>
+        <p:spPr>
+          <a:xfrm>
+            <a:off x="6430040" y="3582815"/>
+            <a:ext cx="908304" cy="600164"/>
+          </a:xfrm>
+          <a:prstGeom prst="rect">
+            <a:avLst/>
+          </a:prstGeom>
+          <a:noFill/>
+        </p:spPr>
+        <p:txBody>
+          <a:bodyPr wrap="square" rtlCol="0">
+            <a:spAutoFit/>
+          </a:bodyPr>
+          <a:lstStyle/>
+          <a:p>
+            <a:pPr marL="0" marR="0" lvl="0" indent="0" algn="l" defTabSz="914400" rtl="0" eaLnBrk="1" fontAlgn="auto" latinLnBrk="0" hangingPunct="1">
+              <a:lnSpc>
+                <a:spcPct val="100000"/>
+              </a:lnSpc>
+              <a:spcBef>
+                <a:spcPts val="0"/>
+              </a:spcBef>
+              <a:spcAft>
+                <a:spcPts val="0"/>
+              </a:spcAft>
+              <a:buClrTx/>
+              <a:buSzTx/>
+              <a:buFontTx/>
+              <a:buNone/>
+              <a:tabLst/>
+              <a:defRPr/>
+            </a:pPr>
+            <a:r>
+              <a:rPr lang="en-US" sz="1100" b="1" dirty="0">
+                <a:solidFill>
+                  <a:schemeClr val="bg1"/>
+                </a:solidFill>
+                <a:latin typeface="Calibri" panose="020F0502020204030204"/>
+              </a:rPr>
+              <a:t>1 to N PLC controller {</a:t>
+            </a:r>
+            <a:r>
+              <a:rPr kumimoji="0" lang="en-US" sz="1100" b="1" i="0" u="none" strike="noStrike" kern="1200" cap="none" spc="0" normalizeH="0" baseline="0" noProof="0" dirty="0">
+                <a:ln>
+                  <a:noFill/>
+                </a:ln>
+                <a:solidFill>
+                  <a:schemeClr val="bg1"/>
+                </a:solidFill>
+                <a:effectLst/>
+                <a:uLnTx/>
+                <a:uFillTx/>
+                <a:latin typeface="Calibri" panose="020F0502020204030204"/>
+                <a:ea typeface="+mn-ea"/>
+                <a:cs typeface="+mn-cs"/>
+              </a:rPr>
+              <a:t>Modbus]</a:t>
+            </a:r>
+            <a:r>
+              <a:rPr lang="en-US" sz="1100" b="1" dirty="0">
+                <a:solidFill>
+                  <a:schemeClr val="bg1"/>
+                </a:solidFill>
+                <a:latin typeface="Calibri" panose="020F0502020204030204"/>
+              </a:rPr>
+              <a:t> </a:t>
+            </a:r>
+            <a:endParaRPr kumimoji="0" lang="en-SG" sz="1100" b="1" i="0" u="none" strike="noStrike" kern="1200" cap="none" spc="0" normalizeH="0" baseline="0" noProof="0" dirty="0">
+              <a:ln>
+                <a:noFill/>
+              </a:ln>
+              <a:solidFill>
+                <a:schemeClr val="bg1"/>
+              </a:solidFill>
+              <a:effectLst/>
+              <a:uLnTx/>
+              <a:uFillTx/>
+              <a:latin typeface="Calibri" panose="020F0502020204030204"/>
+              <a:ea typeface="+mn-ea"/>
+              <a:cs typeface="+mn-cs"/>
+            </a:endParaRPr>
+          </a:p>
+        </p:txBody>
+      </p:sp>
+      <p:pic>
+        <p:nvPicPr>
+          <p:cNvPr id="29" name="Graphic 28" descr="Ui Ux with solid fill">
+            <a:extLst>
+              <a:ext uri="{FF2B5EF4-FFF2-40B4-BE49-F238E27FC236}">
+                <a16:creationId xmlns:a16="http://schemas.microsoft.com/office/drawing/2014/main" id="{FF9E2967-87A5-3AFC-3F59-09FFA28EBE38}"/>
+              </a:ext>
+            </a:extLst>
+          </p:cNvPr>
+          <p:cNvPicPr>
+            <a:picLocks noChangeAspect="1"/>
+          </p:cNvPicPr>
+          <p:nvPr/>
+        </p:nvPicPr>
+        <p:blipFill>
+          <a:blip r:embed="rId4">
+            <a:extLst>
+              <a:ext uri="{28A0092B-C50C-407E-A947-70E740481C1C}">
+                <a14:useLocalDpi xmlns:a14="http://schemas.microsoft.com/office/drawing/2010/main" val="0"/>
+              </a:ext>
+              <a:ext uri="{96DAC541-7B7A-43D3-8B79-37D633B846F1}">
+                <asvg:svgBlip xmlns:asvg="http://schemas.microsoft.com/office/drawing/2016/SVG/main" r:embed="rId5"/>
+              </a:ext>
+            </a:extLst>
+          </a:blip>
+          <a:stretch>
+            <a:fillRect/>
+          </a:stretch>
+        </p:blipFill>
+        <p:spPr>
+          <a:xfrm>
+            <a:off x="5900004" y="4403726"/>
+            <a:ext cx="540829" cy="540829"/>
+          </a:xfrm>
+          <a:prstGeom prst="rect">
+            <a:avLst/>
+          </a:prstGeom>
+        </p:spPr>
+      </p:pic>
+      <p:sp>
+        <p:nvSpPr>
+          <p:cNvPr id="30" name="TextBox 29">
+            <a:extLst>
+              <a:ext uri="{FF2B5EF4-FFF2-40B4-BE49-F238E27FC236}">
+                <a16:creationId xmlns:a16="http://schemas.microsoft.com/office/drawing/2014/main" id="{52290C4B-6895-6490-8FE1-FA489733BD0B}"/>
+              </a:ext>
+            </a:extLst>
+          </p:cNvPr>
+          <p:cNvSpPr txBox="1"/>
+          <p:nvPr/>
+        </p:nvSpPr>
+        <p:spPr>
+          <a:xfrm>
+            <a:off x="6363449" y="4366839"/>
+            <a:ext cx="989756" cy="769441"/>
+          </a:xfrm>
+          <a:prstGeom prst="rect">
+            <a:avLst/>
+          </a:prstGeom>
+          <a:noFill/>
+        </p:spPr>
+        <p:txBody>
+          <a:bodyPr wrap="square" rtlCol="0">
+            <a:spAutoFit/>
+          </a:bodyPr>
+          <a:lstStyle/>
+          <a:p>
+            <a:pPr marL="0" marR="0" lvl="0" indent="0" algn="l" defTabSz="914400" rtl="0" eaLnBrk="1" fontAlgn="auto" latinLnBrk="0" hangingPunct="1">
+              <a:lnSpc>
+                <a:spcPct val="100000"/>
+              </a:lnSpc>
+              <a:spcBef>
+                <a:spcPts val="0"/>
+              </a:spcBef>
+              <a:spcAft>
+                <a:spcPts val="0"/>
+              </a:spcAft>
+              <a:buClrTx/>
+              <a:buSzTx/>
+              <a:buFontTx/>
+              <a:buNone/>
+              <a:tabLst/>
+              <a:defRPr/>
+            </a:pPr>
+            <a:r>
+              <a:rPr lang="en-US" sz="1100" b="1" dirty="0">
+                <a:solidFill>
+                  <a:schemeClr val="bg1"/>
+                </a:solidFill>
+                <a:latin typeface="Calibri" panose="020F0502020204030204"/>
+              </a:rPr>
+              <a:t>Mixed PLC controller [</a:t>
+            </a:r>
+            <a:r>
+              <a:rPr kumimoji="0" lang="en-US" sz="1100" b="1" i="0" u="none" strike="noStrike" kern="1200" cap="none" spc="0" normalizeH="0" baseline="0" noProof="0" dirty="0">
+                <a:ln>
+                  <a:noFill/>
+                </a:ln>
+                <a:solidFill>
+                  <a:schemeClr val="bg1"/>
+                </a:solidFill>
+                <a:effectLst/>
+                <a:uLnTx/>
+                <a:uFillTx/>
+                <a:latin typeface="Calibri" panose="020F0502020204030204"/>
+                <a:ea typeface="+mn-ea"/>
+                <a:cs typeface="+mn-cs"/>
+              </a:rPr>
+              <a:t>Modbus &amp; S7comm]</a:t>
+            </a:r>
+            <a:r>
+              <a:rPr lang="en-US" sz="1100" b="1" dirty="0">
+                <a:solidFill>
+                  <a:schemeClr val="bg1"/>
+                </a:solidFill>
+                <a:latin typeface="Calibri" panose="020F0502020204030204"/>
+              </a:rPr>
+              <a:t> </a:t>
+            </a:r>
+            <a:endParaRPr kumimoji="0" lang="en-SG" sz="1100" b="1" i="0" u="none" strike="noStrike" kern="1200" cap="none" spc="0" normalizeH="0" baseline="0" noProof="0" dirty="0">
+              <a:ln>
+                <a:noFill/>
+              </a:ln>
+              <a:solidFill>
+                <a:schemeClr val="bg1"/>
+              </a:solidFill>
+              <a:effectLst/>
+              <a:uLnTx/>
+              <a:uFillTx/>
+              <a:latin typeface="Calibri" panose="020F0502020204030204"/>
+              <a:ea typeface="+mn-ea"/>
+              <a:cs typeface="+mn-cs"/>
+            </a:endParaRPr>
+          </a:p>
+        </p:txBody>
+      </p:sp>
+      <p:cxnSp>
+        <p:nvCxnSpPr>
+          <p:cNvPr id="34" name="Straight Connector 33">
+            <a:extLst>
+              <a:ext uri="{FF2B5EF4-FFF2-40B4-BE49-F238E27FC236}">
+                <a16:creationId xmlns:a16="http://schemas.microsoft.com/office/drawing/2014/main" id="{37DAB555-2DBD-E50D-1CD0-F9AB32C67E07}"/>
+              </a:ext>
+            </a:extLst>
+          </p:cNvPr>
+          <p:cNvCxnSpPr>
+            <a:cxnSpLocks/>
+          </p:cNvCxnSpPr>
+          <p:nvPr/>
+        </p:nvCxnSpPr>
+        <p:spPr>
+          <a:xfrm>
+            <a:off x="4352544" y="2390190"/>
+            <a:ext cx="0" cy="2831034"/>
+          </a:xfrm>
+          <a:prstGeom prst="line">
+            <a:avLst/>
+          </a:prstGeom>
+          <a:ln>
+            <a:solidFill>
+              <a:schemeClr val="accent6">
+                <a:lumMod val="75000"/>
+              </a:schemeClr>
+            </a:solidFill>
+          </a:ln>
+        </p:spPr>
+        <p:style>
+          <a:lnRef idx="2">
+            <a:schemeClr val="accent1"/>
+          </a:lnRef>
+          <a:fillRef idx="0">
+            <a:schemeClr val="accent1"/>
+          </a:fillRef>
+          <a:effectRef idx="1">
+            <a:schemeClr val="accent1"/>
+          </a:effectRef>
+          <a:fontRef idx="minor">
+            <a:schemeClr val="tx1"/>
+          </a:fontRef>
+        </p:style>
+      </p:cxnSp>
+      <p:cxnSp>
+        <p:nvCxnSpPr>
+          <p:cNvPr id="43" name="Straight Connector 42">
+            <a:extLst>
+              <a:ext uri="{FF2B5EF4-FFF2-40B4-BE49-F238E27FC236}">
+                <a16:creationId xmlns:a16="http://schemas.microsoft.com/office/drawing/2014/main" id="{9F1BBDBD-F5CE-B0A5-E13C-77FD9C487A90}"/>
+              </a:ext>
+            </a:extLst>
+          </p:cNvPr>
+          <p:cNvCxnSpPr>
+            <a:cxnSpLocks/>
+          </p:cNvCxnSpPr>
+          <p:nvPr/>
+        </p:nvCxnSpPr>
+        <p:spPr>
+          <a:xfrm>
+            <a:off x="5062728" y="2390190"/>
+            <a:ext cx="0" cy="2831034"/>
+          </a:xfrm>
+          <a:prstGeom prst="line">
+            <a:avLst/>
+          </a:prstGeom>
+          <a:ln>
+            <a:solidFill>
+              <a:srgbClr val="0070C0"/>
+            </a:solidFill>
+          </a:ln>
+        </p:spPr>
+        <p:style>
+          <a:lnRef idx="2">
+            <a:schemeClr val="accent1"/>
+          </a:lnRef>
+          <a:fillRef idx="0">
+            <a:schemeClr val="accent1"/>
+          </a:fillRef>
+          <a:effectRef idx="1">
+            <a:schemeClr val="accent1"/>
+          </a:effectRef>
+          <a:fontRef idx="minor">
+            <a:schemeClr val="tx1"/>
+          </a:fontRef>
+        </p:style>
+      </p:cxnSp>
+      <p:sp>
+        <p:nvSpPr>
+          <p:cNvPr id="44" name="TextBox 43">
+            <a:extLst>
+              <a:ext uri="{FF2B5EF4-FFF2-40B4-BE49-F238E27FC236}">
+                <a16:creationId xmlns:a16="http://schemas.microsoft.com/office/drawing/2014/main" id="{9EAD237E-13D7-119C-6D24-B105E55F93DE}"/>
+              </a:ext>
+            </a:extLst>
+          </p:cNvPr>
+          <p:cNvSpPr txBox="1"/>
+          <p:nvPr/>
+        </p:nvSpPr>
+        <p:spPr>
+          <a:xfrm>
+            <a:off x="3972740" y="5221699"/>
+            <a:ext cx="823100" cy="430887"/>
+          </a:xfrm>
+          <a:prstGeom prst="rect">
+            <a:avLst/>
+          </a:prstGeom>
+          <a:noFill/>
+        </p:spPr>
+        <p:txBody>
+          <a:bodyPr wrap="square" rtlCol="0">
+            <a:spAutoFit/>
+          </a:bodyPr>
+          <a:lstStyle/>
+          <a:p>
+            <a:pPr marL="0" marR="0" lvl="0" indent="0" algn="l" defTabSz="914400" rtl="0" eaLnBrk="1" fontAlgn="auto" latinLnBrk="0" hangingPunct="1">
+              <a:lnSpc>
+                <a:spcPct val="100000"/>
+              </a:lnSpc>
+              <a:spcBef>
+                <a:spcPts val="0"/>
+              </a:spcBef>
+              <a:spcAft>
+                <a:spcPts val="0"/>
+              </a:spcAft>
+              <a:buClrTx/>
+              <a:buSzTx/>
+              <a:buFontTx/>
+              <a:buNone/>
+              <a:tabLst/>
+              <a:defRPr/>
+            </a:pPr>
+            <a:r>
+              <a:rPr kumimoji="0" lang="en-US" sz="1100" b="1" i="0" u="none" strike="noStrike" kern="1200" cap="none" spc="0" normalizeH="0" baseline="0" noProof="0" dirty="0">
+                <a:ln>
+                  <a:noFill/>
+                </a:ln>
+                <a:solidFill>
+                  <a:schemeClr val="accent6">
+                    <a:lumMod val="75000"/>
+                  </a:schemeClr>
+                </a:solidFill>
+                <a:effectLst/>
+                <a:uLnTx/>
+                <a:uFillTx/>
+                <a:latin typeface="Calibri" panose="020F0502020204030204"/>
+                <a:ea typeface="+mn-ea"/>
+                <a:cs typeface="+mn-cs"/>
+              </a:rPr>
+              <a:t>Modbus-TCP bus</a:t>
+            </a:r>
+            <a:endParaRPr kumimoji="0" lang="en-SG" sz="1100" b="1" i="0" u="none" strike="noStrike" kern="1200" cap="none" spc="0" normalizeH="0" baseline="0" noProof="0" dirty="0">
+              <a:ln>
+                <a:noFill/>
+              </a:ln>
+              <a:solidFill>
+                <a:schemeClr val="accent6">
+                  <a:lumMod val="75000"/>
+                </a:schemeClr>
+              </a:solidFill>
+              <a:effectLst/>
+              <a:uLnTx/>
+              <a:uFillTx/>
+              <a:latin typeface="Calibri" panose="020F0502020204030204"/>
+              <a:ea typeface="+mn-ea"/>
+              <a:cs typeface="+mn-cs"/>
+            </a:endParaRPr>
+          </a:p>
+        </p:txBody>
+      </p:sp>
+      <p:sp>
+        <p:nvSpPr>
+          <p:cNvPr id="45" name="TextBox 44">
+            <a:extLst>
+              <a:ext uri="{FF2B5EF4-FFF2-40B4-BE49-F238E27FC236}">
+                <a16:creationId xmlns:a16="http://schemas.microsoft.com/office/drawing/2014/main" id="{00943587-63F0-9746-A293-766BE7F63C12}"/>
+              </a:ext>
+            </a:extLst>
+          </p:cNvPr>
+          <p:cNvSpPr txBox="1"/>
+          <p:nvPr/>
+        </p:nvSpPr>
+        <p:spPr>
+          <a:xfrm>
+            <a:off x="4797235" y="5221699"/>
+            <a:ext cx="823100" cy="430887"/>
+          </a:xfrm>
+          <a:prstGeom prst="rect">
+            <a:avLst/>
+          </a:prstGeom>
+          <a:noFill/>
+        </p:spPr>
+        <p:txBody>
+          <a:bodyPr wrap="square" rtlCol="0">
+            <a:spAutoFit/>
+          </a:bodyPr>
+          <a:lstStyle/>
+          <a:p>
+            <a:pPr marL="0" marR="0" lvl="0" indent="0" algn="l" defTabSz="914400" rtl="0" eaLnBrk="1" fontAlgn="auto" latinLnBrk="0" hangingPunct="1">
+              <a:lnSpc>
+                <a:spcPct val="100000"/>
+              </a:lnSpc>
+              <a:spcBef>
+                <a:spcPts val="0"/>
+              </a:spcBef>
+              <a:spcAft>
+                <a:spcPts val="0"/>
+              </a:spcAft>
+              <a:buClrTx/>
+              <a:buSzTx/>
+              <a:buFontTx/>
+              <a:buNone/>
+              <a:tabLst/>
+              <a:defRPr/>
+            </a:pPr>
+            <a:r>
+              <a:rPr kumimoji="0" lang="en-US" sz="1100" b="1" i="0" u="none" strike="noStrike" kern="1200" cap="none" spc="0" normalizeH="0" baseline="0" noProof="0" dirty="0">
+                <a:ln>
+                  <a:noFill/>
+                </a:ln>
+                <a:solidFill>
+                  <a:srgbClr val="0070C0"/>
+                </a:solidFill>
+                <a:effectLst/>
+                <a:uLnTx/>
+                <a:uFillTx/>
+                <a:latin typeface="Calibri" panose="020F0502020204030204"/>
+                <a:ea typeface="+mn-ea"/>
+                <a:cs typeface="+mn-cs"/>
+              </a:rPr>
+              <a:t>S7Comm bus</a:t>
+            </a:r>
+            <a:endParaRPr kumimoji="0" lang="en-SG" sz="1100" b="1" i="0" u="none" strike="noStrike" kern="1200" cap="none" spc="0" normalizeH="0" baseline="0" noProof="0" dirty="0">
+              <a:ln>
+                <a:noFill/>
+              </a:ln>
+              <a:solidFill>
+                <a:srgbClr val="0070C0"/>
+              </a:solidFill>
+              <a:effectLst/>
+              <a:uLnTx/>
+              <a:uFillTx/>
+              <a:latin typeface="Calibri" panose="020F0502020204030204"/>
+              <a:ea typeface="+mn-ea"/>
+              <a:cs typeface="+mn-cs"/>
+            </a:endParaRPr>
+          </a:p>
+        </p:txBody>
+      </p:sp>
+      <p:cxnSp>
+        <p:nvCxnSpPr>
+          <p:cNvPr id="46" name="Straight Connector 45">
+            <a:extLst>
+              <a:ext uri="{FF2B5EF4-FFF2-40B4-BE49-F238E27FC236}">
+                <a16:creationId xmlns:a16="http://schemas.microsoft.com/office/drawing/2014/main" id="{FB367AA7-1DD6-36E6-B128-6D4E439D7272}"/>
+              </a:ext>
+            </a:extLst>
+          </p:cNvPr>
+          <p:cNvCxnSpPr>
+            <a:cxnSpLocks/>
+          </p:cNvCxnSpPr>
+          <p:nvPr/>
+        </p:nvCxnSpPr>
+        <p:spPr>
+          <a:xfrm>
+            <a:off x="3632537" y="3219094"/>
+            <a:ext cx="727797" cy="0"/>
+          </a:xfrm>
+          <a:prstGeom prst="line">
+            <a:avLst/>
+          </a:prstGeom>
+          <a:ln>
+            <a:solidFill>
+              <a:schemeClr val="accent6">
+                <a:lumMod val="75000"/>
+              </a:schemeClr>
+            </a:solidFill>
+          </a:ln>
+        </p:spPr>
+        <p:style>
+          <a:lnRef idx="2">
+            <a:schemeClr val="accent1"/>
+          </a:lnRef>
+          <a:fillRef idx="0">
+            <a:schemeClr val="accent1"/>
+          </a:fillRef>
+          <a:effectRef idx="1">
+            <a:schemeClr val="accent1"/>
+          </a:effectRef>
+          <a:fontRef idx="minor">
+            <a:schemeClr val="tx1"/>
+          </a:fontRef>
+        </p:style>
+      </p:cxnSp>
+      <p:cxnSp>
+        <p:nvCxnSpPr>
+          <p:cNvPr id="49" name="Straight Connector 48">
+            <a:extLst>
+              <a:ext uri="{FF2B5EF4-FFF2-40B4-BE49-F238E27FC236}">
+                <a16:creationId xmlns:a16="http://schemas.microsoft.com/office/drawing/2014/main" id="{7ACA5F07-2BB4-A9CA-FC78-571883AB6DE7}"/>
+              </a:ext>
+            </a:extLst>
+          </p:cNvPr>
+          <p:cNvCxnSpPr>
+            <a:cxnSpLocks/>
+            <a:stCxn id="13" idx="3"/>
+          </p:cNvCxnSpPr>
+          <p:nvPr/>
+        </p:nvCxnSpPr>
+        <p:spPr>
+          <a:xfrm>
+            <a:off x="3624838" y="4013459"/>
+            <a:ext cx="735495" cy="0"/>
+          </a:xfrm>
+          <a:prstGeom prst="line">
+            <a:avLst/>
+          </a:prstGeom>
+          <a:ln>
+            <a:solidFill>
+              <a:schemeClr val="accent6">
+                <a:lumMod val="75000"/>
+              </a:schemeClr>
+            </a:solidFill>
+          </a:ln>
+        </p:spPr>
+        <p:style>
+          <a:lnRef idx="2">
+            <a:schemeClr val="accent1"/>
+          </a:lnRef>
+          <a:fillRef idx="0">
+            <a:schemeClr val="accent1"/>
+          </a:fillRef>
+          <a:effectRef idx="1">
+            <a:schemeClr val="accent1"/>
+          </a:effectRef>
+          <a:fontRef idx="minor">
+            <a:schemeClr val="tx1"/>
+          </a:fontRef>
+        </p:style>
+      </p:cxnSp>
+      <p:cxnSp>
+        <p:nvCxnSpPr>
+          <p:cNvPr id="51" name="Straight Connector 50">
+            <a:extLst>
+              <a:ext uri="{FF2B5EF4-FFF2-40B4-BE49-F238E27FC236}">
+                <a16:creationId xmlns:a16="http://schemas.microsoft.com/office/drawing/2014/main" id="{A58F98DB-3A4B-72A8-F6AA-395588DAF576}"/>
+              </a:ext>
+            </a:extLst>
+          </p:cNvPr>
+          <p:cNvCxnSpPr>
+            <a:cxnSpLocks/>
+          </p:cNvCxnSpPr>
+          <p:nvPr/>
+        </p:nvCxnSpPr>
+        <p:spPr>
+          <a:xfrm>
+            <a:off x="4341234" y="3187875"/>
+            <a:ext cx="1558770" cy="0"/>
+          </a:xfrm>
+          <a:prstGeom prst="line">
+            <a:avLst/>
+          </a:prstGeom>
+          <a:ln>
+            <a:solidFill>
+              <a:schemeClr val="accent6">
+                <a:lumMod val="75000"/>
+              </a:schemeClr>
+            </a:solidFill>
+          </a:ln>
+        </p:spPr>
+        <p:style>
+          <a:lnRef idx="2">
+            <a:schemeClr val="accent1"/>
+          </a:lnRef>
+          <a:fillRef idx="0">
+            <a:schemeClr val="accent1"/>
+          </a:fillRef>
+          <a:effectRef idx="1">
+            <a:schemeClr val="accent1"/>
+          </a:effectRef>
+          <a:fontRef idx="minor">
+            <a:schemeClr val="tx1"/>
+          </a:fontRef>
+        </p:style>
+      </p:cxnSp>
+      <p:cxnSp>
+        <p:nvCxnSpPr>
+          <p:cNvPr id="53" name="Straight Connector 52">
+            <a:extLst>
+              <a:ext uri="{FF2B5EF4-FFF2-40B4-BE49-F238E27FC236}">
+                <a16:creationId xmlns:a16="http://schemas.microsoft.com/office/drawing/2014/main" id="{35665F5F-3552-FACD-BEE4-FE9DC3825689}"/>
+              </a:ext>
+            </a:extLst>
+          </p:cNvPr>
+          <p:cNvCxnSpPr>
+            <a:cxnSpLocks/>
+          </p:cNvCxnSpPr>
+          <p:nvPr/>
+        </p:nvCxnSpPr>
+        <p:spPr>
+          <a:xfrm>
+            <a:off x="4360333" y="3876468"/>
+            <a:ext cx="1558770" cy="0"/>
+          </a:xfrm>
+          <a:prstGeom prst="line">
+            <a:avLst/>
+          </a:prstGeom>
+          <a:ln>
+            <a:solidFill>
+              <a:schemeClr val="accent6">
+                <a:lumMod val="75000"/>
+              </a:schemeClr>
+            </a:solidFill>
+          </a:ln>
+        </p:spPr>
+        <p:style>
+          <a:lnRef idx="2">
+            <a:schemeClr val="accent1"/>
+          </a:lnRef>
+          <a:fillRef idx="0">
+            <a:schemeClr val="accent1"/>
+          </a:fillRef>
+          <a:effectRef idx="1">
+            <a:schemeClr val="accent1"/>
+          </a:effectRef>
+          <a:fontRef idx="minor">
+            <a:schemeClr val="tx1"/>
+          </a:fontRef>
+        </p:style>
+      </p:cxnSp>
+      <p:cxnSp>
+        <p:nvCxnSpPr>
+          <p:cNvPr id="54" name="Straight Connector 53">
+            <a:extLst>
+              <a:ext uri="{FF2B5EF4-FFF2-40B4-BE49-F238E27FC236}">
+                <a16:creationId xmlns:a16="http://schemas.microsoft.com/office/drawing/2014/main" id="{62DFAFC3-6641-5ACD-5216-9674CBD81155}"/>
+              </a:ext>
+            </a:extLst>
+          </p:cNvPr>
+          <p:cNvCxnSpPr>
+            <a:cxnSpLocks/>
+          </p:cNvCxnSpPr>
+          <p:nvPr/>
+        </p:nvCxnSpPr>
+        <p:spPr>
+          <a:xfrm>
+            <a:off x="3662341" y="4807824"/>
+            <a:ext cx="1400387" cy="0"/>
+          </a:xfrm>
+          <a:prstGeom prst="line">
+            <a:avLst/>
+          </a:prstGeom>
+          <a:ln>
+            <a:solidFill>
+              <a:schemeClr val="tx2">
+                <a:lumMod val="50000"/>
+                <a:lumOff val="50000"/>
+              </a:schemeClr>
+            </a:solidFill>
+          </a:ln>
+        </p:spPr>
+        <p:style>
+          <a:lnRef idx="2">
+            <a:schemeClr val="accent1"/>
+          </a:lnRef>
+          <a:fillRef idx="0">
+            <a:schemeClr val="accent1"/>
+          </a:fillRef>
+          <a:effectRef idx="1">
+            <a:schemeClr val="accent1"/>
+          </a:effectRef>
+          <a:fontRef idx="minor">
+            <a:schemeClr val="tx1"/>
+          </a:fontRef>
+        </p:style>
+      </p:cxnSp>
+      <p:cxnSp>
+        <p:nvCxnSpPr>
+          <p:cNvPr id="56" name="Straight Connector 55">
+            <a:extLst>
+              <a:ext uri="{FF2B5EF4-FFF2-40B4-BE49-F238E27FC236}">
+                <a16:creationId xmlns:a16="http://schemas.microsoft.com/office/drawing/2014/main" id="{C3BF8C6A-1468-CF7B-7270-730298792166}"/>
+              </a:ext>
+            </a:extLst>
+          </p:cNvPr>
+          <p:cNvCxnSpPr>
+            <a:cxnSpLocks/>
+          </p:cNvCxnSpPr>
+          <p:nvPr/>
+        </p:nvCxnSpPr>
+        <p:spPr>
+          <a:xfrm>
+            <a:off x="5062728" y="4762259"/>
+            <a:ext cx="867347" cy="0"/>
+          </a:xfrm>
+          <a:prstGeom prst="line">
+            <a:avLst/>
+          </a:prstGeom>
+          <a:ln>
+            <a:solidFill>
+              <a:schemeClr val="tx2">
+                <a:lumMod val="50000"/>
+                <a:lumOff val="50000"/>
+              </a:schemeClr>
+            </a:solidFill>
+          </a:ln>
+        </p:spPr>
+        <p:style>
+          <a:lnRef idx="2">
+            <a:schemeClr val="accent1"/>
+          </a:lnRef>
+          <a:fillRef idx="0">
+            <a:schemeClr val="accent1"/>
+          </a:fillRef>
+          <a:effectRef idx="1">
+            <a:schemeClr val="accent1"/>
+          </a:effectRef>
+          <a:fontRef idx="minor">
+            <a:schemeClr val="tx1"/>
+          </a:fontRef>
+        </p:style>
+      </p:cxnSp>
+      <p:cxnSp>
+        <p:nvCxnSpPr>
+          <p:cNvPr id="58" name="Straight Connector 57">
+            <a:extLst>
+              <a:ext uri="{FF2B5EF4-FFF2-40B4-BE49-F238E27FC236}">
+                <a16:creationId xmlns:a16="http://schemas.microsoft.com/office/drawing/2014/main" id="{78F46388-C7C8-5CB0-E8AD-C494FE5415CF}"/>
+              </a:ext>
+            </a:extLst>
+          </p:cNvPr>
+          <p:cNvCxnSpPr>
+            <a:cxnSpLocks/>
+          </p:cNvCxnSpPr>
+          <p:nvPr/>
+        </p:nvCxnSpPr>
+        <p:spPr>
+          <a:xfrm>
+            <a:off x="4352544" y="4633928"/>
+            <a:ext cx="1558770" cy="0"/>
+          </a:xfrm>
+          <a:prstGeom prst="line">
+            <a:avLst/>
+          </a:prstGeom>
+          <a:ln>
+            <a:solidFill>
+              <a:schemeClr val="accent6">
+                <a:lumMod val="75000"/>
+              </a:schemeClr>
+            </a:solidFill>
+          </a:ln>
+        </p:spPr>
+        <p:style>
+          <a:lnRef idx="2">
+            <a:schemeClr val="accent1"/>
+          </a:lnRef>
+          <a:fillRef idx="0">
+            <a:schemeClr val="accent1"/>
+          </a:fillRef>
+          <a:effectRef idx="1">
+            <a:schemeClr val="accent1"/>
+          </a:effectRef>
+          <a:fontRef idx="minor">
+            <a:schemeClr val="tx1"/>
+          </a:fontRef>
+        </p:style>
+      </p:cxnSp>
+      <p:cxnSp>
+        <p:nvCxnSpPr>
+          <p:cNvPr id="60" name="Straight Arrow Connector 59">
+            <a:extLst>
+              <a:ext uri="{FF2B5EF4-FFF2-40B4-BE49-F238E27FC236}">
+                <a16:creationId xmlns:a16="http://schemas.microsoft.com/office/drawing/2014/main" id="{D3E10998-B886-BED4-FDEE-8934F21CD327}"/>
+              </a:ext>
+            </a:extLst>
+          </p:cNvPr>
+          <p:cNvCxnSpPr>
+            <a:cxnSpLocks/>
+          </p:cNvCxnSpPr>
+          <p:nvPr/>
+        </p:nvCxnSpPr>
+        <p:spPr>
+          <a:xfrm flipH="1">
+            <a:off x="4384290" y="3123760"/>
+            <a:ext cx="1447868" cy="0"/>
+          </a:xfrm>
+          <a:prstGeom prst="straightConnector1">
+            <a:avLst/>
+          </a:prstGeom>
+          <a:ln w="9525">
+            <a:solidFill>
+              <a:srgbClr val="00B050"/>
+            </a:solidFill>
+            <a:prstDash val="sysDash"/>
+            <a:tailEnd type="triangle"/>
+          </a:ln>
+        </p:spPr>
+        <p:style>
+          <a:lnRef idx="2">
+            <a:schemeClr val="accent1"/>
+          </a:lnRef>
+          <a:fillRef idx="0">
+            <a:schemeClr val="accent1"/>
+          </a:fillRef>
+          <a:effectRef idx="1">
+            <a:schemeClr val="accent1"/>
+          </a:effectRef>
+          <a:fontRef idx="minor">
+            <a:schemeClr val="tx1"/>
+          </a:fontRef>
+        </p:style>
+      </p:cxnSp>
+      <p:cxnSp>
+        <p:nvCxnSpPr>
+          <p:cNvPr id="62" name="Straight Arrow Connector 61">
+            <a:extLst>
+              <a:ext uri="{FF2B5EF4-FFF2-40B4-BE49-F238E27FC236}">
+                <a16:creationId xmlns:a16="http://schemas.microsoft.com/office/drawing/2014/main" id="{22C6B17A-A86F-0EDB-5113-FA66728F0F19}"/>
+              </a:ext>
+            </a:extLst>
+          </p:cNvPr>
+          <p:cNvCxnSpPr>
+            <a:cxnSpLocks/>
+          </p:cNvCxnSpPr>
+          <p:nvPr/>
+        </p:nvCxnSpPr>
+        <p:spPr>
+          <a:xfrm flipH="1">
+            <a:off x="3636399" y="3126475"/>
+            <a:ext cx="633849" cy="0"/>
+          </a:xfrm>
+          <a:prstGeom prst="straightConnector1">
+            <a:avLst/>
+          </a:prstGeom>
+          <a:ln w="9525">
+            <a:solidFill>
+              <a:schemeClr val="accent6">
+                <a:lumMod val="75000"/>
+              </a:schemeClr>
+            </a:solidFill>
+            <a:prstDash val="sysDash"/>
+            <a:tailEnd type="triangle"/>
+          </a:ln>
+        </p:spPr>
+        <p:style>
+          <a:lnRef idx="2">
+            <a:schemeClr val="accent1"/>
+          </a:lnRef>
+          <a:fillRef idx="0">
+            <a:schemeClr val="accent1"/>
+          </a:fillRef>
+          <a:effectRef idx="1">
+            <a:schemeClr val="accent1"/>
+          </a:effectRef>
+          <a:fontRef idx="minor">
+            <a:schemeClr val="tx1"/>
+          </a:fontRef>
+        </p:style>
+      </p:cxnSp>
+      <p:cxnSp>
+        <p:nvCxnSpPr>
+          <p:cNvPr id="64" name="Straight Arrow Connector 63">
+            <a:extLst>
+              <a:ext uri="{FF2B5EF4-FFF2-40B4-BE49-F238E27FC236}">
+                <a16:creationId xmlns:a16="http://schemas.microsoft.com/office/drawing/2014/main" id="{DF12E1C7-F180-2C87-AB89-5B131FFD4466}"/>
+              </a:ext>
+            </a:extLst>
+          </p:cNvPr>
+          <p:cNvCxnSpPr>
+            <a:cxnSpLocks/>
+          </p:cNvCxnSpPr>
+          <p:nvPr/>
+        </p:nvCxnSpPr>
+        <p:spPr>
+          <a:xfrm flipH="1">
+            <a:off x="4384290" y="3945763"/>
+            <a:ext cx="1515714" cy="0"/>
+          </a:xfrm>
+          <a:prstGeom prst="straightConnector1">
+            <a:avLst/>
+          </a:prstGeom>
+          <a:ln w="9525">
+            <a:solidFill>
+              <a:srgbClr val="00B050"/>
+            </a:solidFill>
+            <a:prstDash val="sysDash"/>
+            <a:tailEnd type="triangle"/>
+          </a:ln>
+        </p:spPr>
+        <p:style>
+          <a:lnRef idx="2">
+            <a:schemeClr val="accent1"/>
+          </a:lnRef>
+          <a:fillRef idx="0">
+            <a:schemeClr val="accent1"/>
+          </a:fillRef>
+          <a:effectRef idx="1">
+            <a:schemeClr val="accent1"/>
+          </a:effectRef>
+          <a:fontRef idx="minor">
+            <a:schemeClr val="tx1"/>
+          </a:fontRef>
+        </p:style>
+      </p:cxnSp>
+      <p:cxnSp>
+        <p:nvCxnSpPr>
+          <p:cNvPr id="65" name="Straight Arrow Connector 64">
+            <a:extLst>
+              <a:ext uri="{FF2B5EF4-FFF2-40B4-BE49-F238E27FC236}">
+                <a16:creationId xmlns:a16="http://schemas.microsoft.com/office/drawing/2014/main" id="{214D8593-287B-D844-4C63-71FB76C07FFA}"/>
+              </a:ext>
+            </a:extLst>
+          </p:cNvPr>
+          <p:cNvCxnSpPr>
+            <a:cxnSpLocks/>
+          </p:cNvCxnSpPr>
+          <p:nvPr/>
+        </p:nvCxnSpPr>
+        <p:spPr>
+          <a:xfrm flipH="1">
+            <a:off x="3658343" y="3929943"/>
+            <a:ext cx="668483" cy="0"/>
+          </a:xfrm>
+          <a:prstGeom prst="straightConnector1">
+            <a:avLst/>
+          </a:prstGeom>
+          <a:ln w="9525">
+            <a:solidFill>
+              <a:srgbClr val="00B050"/>
+            </a:solidFill>
+            <a:prstDash val="sysDash"/>
+            <a:tailEnd type="triangle"/>
+          </a:ln>
+        </p:spPr>
+        <p:style>
+          <a:lnRef idx="2">
+            <a:schemeClr val="accent1"/>
+          </a:lnRef>
+          <a:fillRef idx="0">
+            <a:schemeClr val="accent1"/>
+          </a:fillRef>
+          <a:effectRef idx="1">
+            <a:schemeClr val="accent1"/>
+          </a:effectRef>
+          <a:fontRef idx="minor">
+            <a:schemeClr val="tx1"/>
+          </a:fontRef>
+        </p:style>
+      </p:cxnSp>
+      <p:cxnSp>
+        <p:nvCxnSpPr>
+          <p:cNvPr id="67" name="Straight Arrow Connector 66">
+            <a:extLst>
+              <a:ext uri="{FF2B5EF4-FFF2-40B4-BE49-F238E27FC236}">
+                <a16:creationId xmlns:a16="http://schemas.microsoft.com/office/drawing/2014/main" id="{F1B191F2-4CC3-A343-51CD-81D05DD2421D}"/>
+              </a:ext>
+            </a:extLst>
+          </p:cNvPr>
+          <p:cNvCxnSpPr>
+            <a:cxnSpLocks/>
+          </p:cNvCxnSpPr>
+          <p:nvPr/>
+        </p:nvCxnSpPr>
+        <p:spPr>
+          <a:xfrm flipV="1">
+            <a:off x="4279392" y="3288922"/>
+            <a:ext cx="0" cy="641021"/>
+          </a:xfrm>
+          <a:prstGeom prst="straightConnector1">
+            <a:avLst/>
+          </a:prstGeom>
+          <a:ln w="9525">
+            <a:solidFill>
+              <a:srgbClr val="00B050"/>
+            </a:solidFill>
+            <a:prstDash val="sysDash"/>
+            <a:tailEnd type="triangle"/>
+          </a:ln>
+        </p:spPr>
+        <p:style>
+          <a:lnRef idx="2">
+            <a:schemeClr val="accent1"/>
+          </a:lnRef>
+          <a:fillRef idx="0">
+            <a:schemeClr val="accent1"/>
+          </a:fillRef>
+          <a:effectRef idx="1">
+            <a:schemeClr val="accent1"/>
+          </a:effectRef>
+          <a:fontRef idx="minor">
+            <a:schemeClr val="tx1"/>
+          </a:fontRef>
+        </p:style>
+      </p:cxnSp>
+      <p:cxnSp>
+        <p:nvCxnSpPr>
+          <p:cNvPr id="71" name="Straight Arrow Connector 70">
+            <a:extLst>
+              <a:ext uri="{FF2B5EF4-FFF2-40B4-BE49-F238E27FC236}">
+                <a16:creationId xmlns:a16="http://schemas.microsoft.com/office/drawing/2014/main" id="{332A0291-6FB8-E23D-36B3-22A00C79A572}"/>
+              </a:ext>
+            </a:extLst>
+          </p:cNvPr>
+          <p:cNvCxnSpPr>
+            <a:cxnSpLocks/>
+          </p:cNvCxnSpPr>
+          <p:nvPr/>
+        </p:nvCxnSpPr>
+        <p:spPr>
+          <a:xfrm flipH="1" flipV="1">
+            <a:off x="3657610" y="3317519"/>
+            <a:ext cx="580893" cy="0"/>
+          </a:xfrm>
+          <a:prstGeom prst="straightConnector1">
+            <a:avLst/>
+          </a:prstGeom>
+          <a:ln w="9525">
+            <a:solidFill>
+              <a:srgbClr val="00B050"/>
+            </a:solidFill>
+            <a:prstDash val="sysDash"/>
+            <a:tailEnd type="triangle"/>
+          </a:ln>
+        </p:spPr>
+        <p:style>
+          <a:lnRef idx="2">
+            <a:schemeClr val="accent1"/>
+          </a:lnRef>
+          <a:fillRef idx="0">
+            <a:schemeClr val="accent1"/>
+          </a:fillRef>
+          <a:effectRef idx="1">
+            <a:schemeClr val="accent1"/>
+          </a:effectRef>
+          <a:fontRef idx="minor">
+            <a:schemeClr val="tx1"/>
+          </a:fontRef>
+        </p:style>
+      </p:cxnSp>
+      <p:cxnSp>
+        <p:nvCxnSpPr>
+          <p:cNvPr id="77" name="Straight Arrow Connector 76">
+            <a:extLst>
+              <a:ext uri="{FF2B5EF4-FFF2-40B4-BE49-F238E27FC236}">
+                <a16:creationId xmlns:a16="http://schemas.microsoft.com/office/drawing/2014/main" id="{06CBBFD1-2A69-2BBD-2E79-D2944A95B29B}"/>
+              </a:ext>
+            </a:extLst>
+          </p:cNvPr>
+          <p:cNvCxnSpPr>
+            <a:cxnSpLocks/>
+          </p:cNvCxnSpPr>
+          <p:nvPr/>
+        </p:nvCxnSpPr>
+        <p:spPr>
+          <a:xfrm flipH="1">
+            <a:off x="5070923" y="4843273"/>
+            <a:ext cx="840864" cy="0"/>
+          </a:xfrm>
+          <a:prstGeom prst="straightConnector1">
+            <a:avLst/>
+          </a:prstGeom>
+          <a:ln w="9525">
+            <a:solidFill>
+              <a:srgbClr val="0070C0"/>
+            </a:solidFill>
+            <a:prstDash val="sysDash"/>
+            <a:tailEnd type="triangle"/>
+          </a:ln>
+        </p:spPr>
+        <p:style>
+          <a:lnRef idx="2">
+            <a:schemeClr val="accent1"/>
+          </a:lnRef>
+          <a:fillRef idx="0">
+            <a:schemeClr val="accent1"/>
+          </a:fillRef>
+          <a:effectRef idx="1">
+            <a:schemeClr val="accent1"/>
+          </a:effectRef>
+          <a:fontRef idx="minor">
+            <a:schemeClr val="tx1"/>
+          </a:fontRef>
+        </p:style>
+      </p:cxnSp>
+      <p:cxnSp>
+        <p:nvCxnSpPr>
+          <p:cNvPr id="80" name="Straight Arrow Connector 79">
+            <a:extLst>
+              <a:ext uri="{FF2B5EF4-FFF2-40B4-BE49-F238E27FC236}">
+                <a16:creationId xmlns:a16="http://schemas.microsoft.com/office/drawing/2014/main" id="{E72A199A-DF02-07C6-DF8D-F6C58493DC32}"/>
+              </a:ext>
+            </a:extLst>
+          </p:cNvPr>
+          <p:cNvCxnSpPr>
+            <a:cxnSpLocks/>
+          </p:cNvCxnSpPr>
+          <p:nvPr/>
+        </p:nvCxnSpPr>
+        <p:spPr>
+          <a:xfrm flipH="1">
+            <a:off x="3657610" y="4871405"/>
+            <a:ext cx="1289984" cy="0"/>
+          </a:xfrm>
+          <a:prstGeom prst="straightConnector1">
+            <a:avLst/>
+          </a:prstGeom>
+          <a:ln w="9525">
+            <a:solidFill>
+              <a:srgbClr val="0070C0"/>
+            </a:solidFill>
+            <a:prstDash val="sysDash"/>
+            <a:tailEnd type="triangle"/>
+          </a:ln>
+        </p:spPr>
+        <p:style>
+          <a:lnRef idx="2">
+            <a:schemeClr val="accent1"/>
+          </a:lnRef>
+          <a:fillRef idx="0">
+            <a:schemeClr val="accent1"/>
+          </a:fillRef>
+          <a:effectRef idx="1">
+            <a:schemeClr val="accent1"/>
+          </a:effectRef>
+          <a:fontRef idx="minor">
+            <a:schemeClr val="tx1"/>
+          </a:fontRef>
+        </p:style>
+      </p:cxnSp>
+      <p:cxnSp>
+        <p:nvCxnSpPr>
+          <p:cNvPr id="83" name="Straight Arrow Connector 82">
+            <a:extLst>
+              <a:ext uri="{FF2B5EF4-FFF2-40B4-BE49-F238E27FC236}">
+                <a16:creationId xmlns:a16="http://schemas.microsoft.com/office/drawing/2014/main" id="{F0E5A962-352A-0266-9ADC-50B764C28829}"/>
+              </a:ext>
+            </a:extLst>
+          </p:cNvPr>
+          <p:cNvCxnSpPr>
+            <a:cxnSpLocks/>
+          </p:cNvCxnSpPr>
+          <p:nvPr/>
+        </p:nvCxnSpPr>
+        <p:spPr>
+          <a:xfrm flipH="1">
+            <a:off x="4374072" y="4712367"/>
+            <a:ext cx="1515714" cy="0"/>
+          </a:xfrm>
+          <a:prstGeom prst="straightConnector1">
+            <a:avLst/>
+          </a:prstGeom>
+          <a:ln w="9525">
+            <a:solidFill>
+              <a:schemeClr val="tx1"/>
+            </a:solidFill>
+            <a:prstDash val="sysDash"/>
+            <a:tailEnd type="triangle"/>
+          </a:ln>
+        </p:spPr>
+        <p:style>
+          <a:lnRef idx="2">
+            <a:schemeClr val="accent1"/>
+          </a:lnRef>
+          <a:fillRef idx="0">
+            <a:schemeClr val="accent1"/>
+          </a:fillRef>
+          <a:effectRef idx="1">
+            <a:schemeClr val="accent1"/>
+          </a:effectRef>
+          <a:fontRef idx="minor">
+            <a:schemeClr val="tx1"/>
+          </a:fontRef>
+        </p:style>
+      </p:cxnSp>
+      <p:cxnSp>
+        <p:nvCxnSpPr>
+          <p:cNvPr id="84" name="Straight Arrow Connector 83">
+            <a:extLst>
+              <a:ext uri="{FF2B5EF4-FFF2-40B4-BE49-F238E27FC236}">
+                <a16:creationId xmlns:a16="http://schemas.microsoft.com/office/drawing/2014/main" id="{E39B0937-3557-E7AE-FB2D-2BC5AAB50FD7}"/>
+              </a:ext>
+            </a:extLst>
+          </p:cNvPr>
+          <p:cNvCxnSpPr>
+            <a:cxnSpLocks/>
+          </p:cNvCxnSpPr>
+          <p:nvPr/>
+        </p:nvCxnSpPr>
+        <p:spPr>
+          <a:xfrm flipV="1">
+            <a:off x="4276344" y="4083215"/>
+            <a:ext cx="0" cy="641021"/>
+          </a:xfrm>
+          <a:prstGeom prst="straightConnector1">
+            <a:avLst/>
+          </a:prstGeom>
+          <a:ln w="9525">
+            <a:solidFill>
+              <a:schemeClr val="tx1"/>
+            </a:solidFill>
+            <a:prstDash val="sysDash"/>
+            <a:tailEnd type="triangle"/>
+          </a:ln>
+        </p:spPr>
+        <p:style>
+          <a:lnRef idx="2">
+            <a:schemeClr val="accent1"/>
+          </a:lnRef>
+          <a:fillRef idx="0">
+            <a:schemeClr val="accent1"/>
+          </a:fillRef>
+          <a:effectRef idx="1">
+            <a:schemeClr val="accent1"/>
+          </a:effectRef>
+          <a:fontRef idx="minor">
+            <a:schemeClr val="tx1"/>
+          </a:fontRef>
+        </p:style>
+      </p:cxnSp>
+      <p:cxnSp>
+        <p:nvCxnSpPr>
+          <p:cNvPr id="85" name="Straight Arrow Connector 84">
+            <a:extLst>
+              <a:ext uri="{FF2B5EF4-FFF2-40B4-BE49-F238E27FC236}">
+                <a16:creationId xmlns:a16="http://schemas.microsoft.com/office/drawing/2014/main" id="{0542FAAB-109D-1BFA-672C-609374F2E666}"/>
+              </a:ext>
+            </a:extLst>
+          </p:cNvPr>
+          <p:cNvCxnSpPr>
+            <a:cxnSpLocks/>
+          </p:cNvCxnSpPr>
+          <p:nvPr/>
+        </p:nvCxnSpPr>
+        <p:spPr>
+          <a:xfrm flipH="1">
+            <a:off x="3638498" y="4083215"/>
+            <a:ext cx="668483" cy="0"/>
+          </a:xfrm>
+          <a:prstGeom prst="straightConnector1">
+            <a:avLst/>
+          </a:prstGeom>
+          <a:ln w="9525">
+            <a:solidFill>
+              <a:schemeClr val="tx1"/>
+            </a:solidFill>
+            <a:prstDash val="sysDash"/>
+            <a:tailEnd type="triangle"/>
+          </a:ln>
+        </p:spPr>
+        <p:style>
+          <a:lnRef idx="2">
+            <a:schemeClr val="accent1"/>
+          </a:lnRef>
+          <a:fillRef idx="0">
+            <a:schemeClr val="accent1"/>
+          </a:fillRef>
+          <a:effectRef idx="1">
+            <a:schemeClr val="accent1"/>
+          </a:effectRef>
+          <a:fontRef idx="minor">
+            <a:schemeClr val="tx1"/>
+          </a:fontRef>
+        </p:style>
+      </p:cxnSp>
+      <p:pic>
+        <p:nvPicPr>
+          <p:cNvPr id="88" name="Picture 87">
+            <a:extLst>
+              <a:ext uri="{FF2B5EF4-FFF2-40B4-BE49-F238E27FC236}">
+                <a16:creationId xmlns:a16="http://schemas.microsoft.com/office/drawing/2014/main" id="{9075882E-C20F-E264-DE0A-7B90DC45239F}"/>
+              </a:ext>
+            </a:extLst>
+          </p:cNvPr>
+          <p:cNvPicPr>
+            <a:picLocks noChangeAspect="1"/>
+          </p:cNvPicPr>
+          <p:nvPr/>
+        </p:nvPicPr>
+        <p:blipFill>
+          <a:blip r:embed="rId6"/>
+          <a:stretch>
+            <a:fillRect/>
+          </a:stretch>
+        </p:blipFill>
+        <p:spPr>
+          <a:xfrm>
+            <a:off x="5108224" y="745743"/>
+            <a:ext cx="485714" cy="538509"/>
+          </a:xfrm>
+          <a:prstGeom prst="rect">
+            <a:avLst/>
+          </a:prstGeom>
+          <a:ln w="9525">
+            <a:solidFill>
+              <a:schemeClr val="tx1"/>
+            </a:solidFill>
+          </a:ln>
+        </p:spPr>
+      </p:pic>
     </p:spTree>
     <p:extLst>
       <p:ext uri="{BB962C8B-B14F-4D97-AF65-F5344CB8AC3E}">

--- a/doc/designDoc.pptx
+++ b/doc/designDoc.pptx
@@ -263,7 +263,7 @@
           <a:p>
             <a:fld id="{E7602038-B3F0-4825-ABDA-D66CE1C4CFDA}" type="datetimeFigureOut">
               <a:rPr lang="en-SG" smtClean="0"/>
-              <a:t>15/11/2024</a:t>
+              <a:t>18/11/2024</a:t>
             </a:fld>
             <a:endParaRPr lang="en-SG"/>
           </a:p>
@@ -463,7 +463,7 @@
           <a:p>
             <a:fld id="{E7602038-B3F0-4825-ABDA-D66CE1C4CFDA}" type="datetimeFigureOut">
               <a:rPr lang="en-SG" smtClean="0"/>
-              <a:t>15/11/2024</a:t>
+              <a:t>18/11/2024</a:t>
             </a:fld>
             <a:endParaRPr lang="en-SG"/>
           </a:p>
@@ -673,7 +673,7 @@
           <a:p>
             <a:fld id="{E7602038-B3F0-4825-ABDA-D66CE1C4CFDA}" type="datetimeFigureOut">
               <a:rPr lang="en-SG" smtClean="0"/>
-              <a:t>15/11/2024</a:t>
+              <a:t>18/11/2024</a:t>
             </a:fld>
             <a:endParaRPr lang="en-SG"/>
           </a:p>
@@ -873,7 +873,7 @@
           <a:p>
             <a:fld id="{E7602038-B3F0-4825-ABDA-D66CE1C4CFDA}" type="datetimeFigureOut">
               <a:rPr lang="en-SG" smtClean="0"/>
-              <a:t>15/11/2024</a:t>
+              <a:t>18/11/2024</a:t>
             </a:fld>
             <a:endParaRPr lang="en-SG"/>
           </a:p>
@@ -1149,7 +1149,7 @@
           <a:p>
             <a:fld id="{E7602038-B3F0-4825-ABDA-D66CE1C4CFDA}" type="datetimeFigureOut">
               <a:rPr lang="en-SG" smtClean="0"/>
-              <a:t>15/11/2024</a:t>
+              <a:t>18/11/2024</a:t>
             </a:fld>
             <a:endParaRPr lang="en-SG"/>
           </a:p>
@@ -1417,7 +1417,7 @@
           <a:p>
             <a:fld id="{E7602038-B3F0-4825-ABDA-D66CE1C4CFDA}" type="datetimeFigureOut">
               <a:rPr lang="en-SG" smtClean="0"/>
-              <a:t>15/11/2024</a:t>
+              <a:t>18/11/2024</a:t>
             </a:fld>
             <a:endParaRPr lang="en-SG"/>
           </a:p>
@@ -1832,7 +1832,7 @@
           <a:p>
             <a:fld id="{E7602038-B3F0-4825-ABDA-D66CE1C4CFDA}" type="datetimeFigureOut">
               <a:rPr lang="en-SG" smtClean="0"/>
-              <a:t>15/11/2024</a:t>
+              <a:t>18/11/2024</a:t>
             </a:fld>
             <a:endParaRPr lang="en-SG"/>
           </a:p>
@@ -1974,7 +1974,7 @@
           <a:p>
             <a:fld id="{E7602038-B3F0-4825-ABDA-D66CE1C4CFDA}" type="datetimeFigureOut">
               <a:rPr lang="en-SG" smtClean="0"/>
-              <a:t>15/11/2024</a:t>
+              <a:t>18/11/2024</a:t>
             </a:fld>
             <a:endParaRPr lang="en-SG"/>
           </a:p>
@@ -2087,7 +2087,7 @@
           <a:p>
             <a:fld id="{E7602038-B3F0-4825-ABDA-D66CE1C4CFDA}" type="datetimeFigureOut">
               <a:rPr lang="en-SG" smtClean="0"/>
-              <a:t>15/11/2024</a:t>
+              <a:t>18/11/2024</a:t>
             </a:fld>
             <a:endParaRPr lang="en-SG"/>
           </a:p>
@@ -2400,7 +2400,7 @@
           <a:p>
             <a:fld id="{E7602038-B3F0-4825-ABDA-D66CE1C4CFDA}" type="datetimeFigureOut">
               <a:rPr lang="en-SG" smtClean="0"/>
-              <a:t>15/11/2024</a:t>
+              <a:t>18/11/2024</a:t>
             </a:fld>
             <a:endParaRPr lang="en-SG"/>
           </a:p>
@@ -2689,7 +2689,7 @@
           <a:p>
             <a:fld id="{E7602038-B3F0-4825-ABDA-D66CE1C4CFDA}" type="datetimeFigureOut">
               <a:rPr lang="en-SG" smtClean="0"/>
-              <a:t>15/11/2024</a:t>
+              <a:t>18/11/2024</a:t>
             </a:fld>
             <a:endParaRPr lang="en-SG"/>
           </a:p>
@@ -2932,7 +2932,7 @@
           <a:p>
             <a:fld id="{E7602038-B3F0-4825-ABDA-D66CE1C4CFDA}" type="datetimeFigureOut">
               <a:rPr lang="en-SG" smtClean="0"/>
-              <a:t>15/11/2024</a:t>
+              <a:t>18/11/2024</a:t>
             </a:fld>
             <a:endParaRPr lang="en-SG"/>
           </a:p>

--- a/doc/designDoc.pptx
+++ b/doc/designDoc.pptx
@@ -6769,7 +6769,7 @@
         </p:nvSpPr>
         <p:spPr>
           <a:xfrm>
-            <a:off x="2341772" y="1912690"/>
+            <a:off x="2363038" y="1508653"/>
             <a:ext cx="1324292" cy="3427406"/>
           </a:xfrm>
           <a:prstGeom prst="roundRect">
@@ -6850,7 +6850,7 @@
         </p:nvSpPr>
         <p:spPr>
           <a:xfrm>
-            <a:off x="5741167" y="1912690"/>
+            <a:off x="5762433" y="1508653"/>
             <a:ext cx="1453201" cy="3427406"/>
           </a:xfrm>
           <a:prstGeom prst="roundRect">
@@ -6933,7 +6933,7 @@
         </p:nvSpPr>
         <p:spPr>
           <a:xfrm>
-            <a:off x="2398241" y="2020858"/>
+            <a:off x="2419507" y="1616821"/>
             <a:ext cx="1324292" cy="738664"/>
           </a:xfrm>
           <a:prstGeom prst="rect">
@@ -7069,7 +7069,7 @@
         </p:nvSpPr>
         <p:spPr>
           <a:xfrm>
-            <a:off x="5797636" y="2020858"/>
+            <a:off x="5818902" y="1616821"/>
             <a:ext cx="1391555" cy="738664"/>
           </a:xfrm>
           <a:prstGeom prst="rect">
@@ -7219,7 +7219,7 @@
         </p:blipFill>
         <p:spPr>
           <a:xfrm>
-            <a:off x="3060387" y="2938674"/>
+            <a:off x="3081653" y="2534637"/>
             <a:ext cx="553020" cy="560840"/>
           </a:xfrm>
           <a:prstGeom prst="rect">
@@ -7246,7 +7246,7 @@
         </p:nvSpPr>
         <p:spPr>
           <a:xfrm>
-            <a:off x="2313537" y="2928349"/>
+            <a:off x="2334803" y="2524312"/>
             <a:ext cx="800310" cy="430887"/>
           </a:xfrm>
           <a:prstGeom prst="rect">
@@ -7339,7 +7339,7 @@
         </p:blipFill>
         <p:spPr>
           <a:xfrm>
-            <a:off x="3064118" y="4527404"/>
+            <a:off x="3085384" y="4123367"/>
             <a:ext cx="568419" cy="560840"/>
           </a:xfrm>
           <a:prstGeom prst="rect">
@@ -7374,7 +7374,7 @@
         </p:blipFill>
         <p:spPr>
           <a:xfrm>
-            <a:off x="3071818" y="3733039"/>
+            <a:off x="3093084" y="3329002"/>
             <a:ext cx="553020" cy="560840"/>
           </a:xfrm>
           <a:prstGeom prst="rect">
@@ -7401,7 +7401,7 @@
         </p:nvSpPr>
         <p:spPr>
           <a:xfrm>
-            <a:off x="2302288" y="3752092"/>
+            <a:off x="2323554" y="3348055"/>
             <a:ext cx="800310" cy="430887"/>
           </a:xfrm>
           <a:prstGeom prst="rect">
@@ -7486,7 +7486,7 @@
         </p:nvSpPr>
         <p:spPr>
           <a:xfrm>
-            <a:off x="2285303" y="4546094"/>
+            <a:off x="2306569" y="4142057"/>
             <a:ext cx="856779" cy="430887"/>
           </a:xfrm>
           <a:prstGeom prst="rect">
@@ -7588,7 +7588,7 @@
         </p:blipFill>
         <p:spPr>
           <a:xfrm>
-            <a:off x="5911315" y="2917461"/>
+            <a:off x="5932581" y="2513424"/>
             <a:ext cx="540829" cy="540829"/>
           </a:xfrm>
           <a:prstGeom prst="rect">
@@ -7610,7 +7610,7 @@
         </p:nvSpPr>
         <p:spPr>
           <a:xfrm>
-            <a:off x="6406896" y="2858126"/>
+            <a:off x="6428162" y="2454089"/>
             <a:ext cx="908304" cy="600164"/>
           </a:xfrm>
           <a:prstGeom prst="rect">
@@ -7734,7 +7734,7 @@
         </p:blipFill>
         <p:spPr>
           <a:xfrm>
-            <a:off x="5911314" y="3642150"/>
+            <a:off x="5932580" y="3238113"/>
             <a:ext cx="540829" cy="540829"/>
           </a:xfrm>
           <a:prstGeom prst="rect">
@@ -7756,7 +7756,7 @@
         </p:nvSpPr>
         <p:spPr>
           <a:xfrm>
-            <a:off x="6430040" y="3582815"/>
+            <a:off x="6451306" y="3178778"/>
             <a:ext cx="908304" cy="600164"/>
           </a:xfrm>
           <a:prstGeom prst="rect">
@@ -7870,7 +7870,7 @@
         </p:blipFill>
         <p:spPr>
           <a:xfrm>
-            <a:off x="5900004" y="4403726"/>
+            <a:off x="5921270" y="3999689"/>
             <a:ext cx="540829" cy="540829"/>
           </a:xfrm>
           <a:prstGeom prst="rect">
@@ -7892,7 +7892,7 @@
         </p:nvSpPr>
         <p:spPr>
           <a:xfrm>
-            <a:off x="6363449" y="4366839"/>
+            <a:off x="6384715" y="3962802"/>
             <a:ext cx="989756" cy="769441"/>
           </a:xfrm>
           <a:prstGeom prst="rect">
@@ -7991,7 +7991,7 @@
         </p:nvCxnSpPr>
         <p:spPr>
           <a:xfrm>
-            <a:off x="4352544" y="2390190"/>
+            <a:off x="4373810" y="1986153"/>
             <a:ext cx="0" cy="2831034"/>
           </a:xfrm>
           <a:prstGeom prst="line">
@@ -8036,7 +8036,7 @@
         </p:nvCxnSpPr>
         <p:spPr>
           <a:xfrm>
-            <a:off x="5062728" y="2390190"/>
+            <a:off x="5083994" y="1986153"/>
             <a:ext cx="0" cy="2831034"/>
           </a:xfrm>
           <a:prstGeom prst="line">
@@ -8077,7 +8077,7 @@
         </p:nvSpPr>
         <p:spPr>
           <a:xfrm>
-            <a:off x="3972740" y="5221699"/>
+            <a:off x="3994006" y="4817662"/>
             <a:ext cx="823100" cy="430887"/>
           </a:xfrm>
           <a:prstGeom prst="rect">
@@ -8160,7 +8160,7 @@
         </p:nvSpPr>
         <p:spPr>
           <a:xfrm>
-            <a:off x="4797235" y="5221699"/>
+            <a:off x="4818501" y="4817662"/>
             <a:ext cx="823100" cy="430887"/>
           </a:xfrm>
           <a:prstGeom prst="rect">
@@ -8241,7 +8241,7 @@
         </p:nvCxnSpPr>
         <p:spPr>
           <a:xfrm>
-            <a:off x="3632537" y="3219094"/>
+            <a:off x="3653803" y="2815057"/>
             <a:ext cx="727797" cy="0"/>
           </a:xfrm>
           <a:prstGeom prst="line">
@@ -8287,7 +8287,7 @@
         </p:nvCxnSpPr>
         <p:spPr>
           <a:xfrm>
-            <a:off x="3624838" y="4013459"/>
+            <a:off x="3646104" y="3609422"/>
             <a:ext cx="735495" cy="0"/>
           </a:xfrm>
           <a:prstGeom prst="line">
@@ -8332,7 +8332,7 @@
         </p:nvCxnSpPr>
         <p:spPr>
           <a:xfrm>
-            <a:off x="4341234" y="3187875"/>
+            <a:off x="4362500" y="2783838"/>
             <a:ext cx="1558770" cy="0"/>
           </a:xfrm>
           <a:prstGeom prst="line">
@@ -8377,7 +8377,7 @@
         </p:nvCxnSpPr>
         <p:spPr>
           <a:xfrm>
-            <a:off x="4360333" y="3876468"/>
+            <a:off x="4381599" y="3472431"/>
             <a:ext cx="1558770" cy="0"/>
           </a:xfrm>
           <a:prstGeom prst="line">
@@ -8422,7 +8422,7 @@
         </p:nvCxnSpPr>
         <p:spPr>
           <a:xfrm>
-            <a:off x="3662341" y="4807824"/>
+            <a:off x="3683607" y="4403787"/>
             <a:ext cx="1400387" cy="0"/>
           </a:xfrm>
           <a:prstGeom prst="line">
@@ -8468,7 +8468,7 @@
         </p:nvCxnSpPr>
         <p:spPr>
           <a:xfrm>
-            <a:off x="5062728" y="4762259"/>
+            <a:off x="5083994" y="4358222"/>
             <a:ext cx="867347" cy="0"/>
           </a:xfrm>
           <a:prstGeom prst="line">
@@ -8514,7 +8514,7 @@
         </p:nvCxnSpPr>
         <p:spPr>
           <a:xfrm>
-            <a:off x="4352544" y="4633928"/>
+            <a:off x="4373810" y="4229891"/>
             <a:ext cx="1558770" cy="0"/>
           </a:xfrm>
           <a:prstGeom prst="line">
@@ -8559,7 +8559,7 @@
         </p:nvCxnSpPr>
         <p:spPr>
           <a:xfrm flipH="1">
-            <a:off x="4384290" y="3123760"/>
+            <a:off x="4405556" y="2719723"/>
             <a:ext cx="1447868" cy="0"/>
           </a:xfrm>
           <a:prstGeom prst="straightConnector1">
@@ -8604,7 +8604,7 @@
         </p:nvCxnSpPr>
         <p:spPr>
           <a:xfrm flipH="1">
-            <a:off x="3636399" y="3126475"/>
+            <a:off x="3657665" y="2722438"/>
             <a:ext cx="633849" cy="0"/>
           </a:xfrm>
           <a:prstGeom prst="straightConnector1">
@@ -8651,7 +8651,7 @@
         </p:nvCxnSpPr>
         <p:spPr>
           <a:xfrm flipH="1">
-            <a:off x="4384290" y="3945763"/>
+            <a:off x="4405556" y="3541726"/>
             <a:ext cx="1515714" cy="0"/>
           </a:xfrm>
           <a:prstGeom prst="straightConnector1">
@@ -8696,7 +8696,7 @@
         </p:nvCxnSpPr>
         <p:spPr>
           <a:xfrm flipH="1">
-            <a:off x="3658343" y="3929943"/>
+            <a:off x="3679609" y="3525906"/>
             <a:ext cx="668483" cy="0"/>
           </a:xfrm>
           <a:prstGeom prst="straightConnector1">
@@ -8741,7 +8741,7 @@
         </p:nvCxnSpPr>
         <p:spPr>
           <a:xfrm flipV="1">
-            <a:off x="4279392" y="3288922"/>
+            <a:off x="4300658" y="2884885"/>
             <a:ext cx="0" cy="641021"/>
           </a:xfrm>
           <a:prstGeom prst="straightConnector1">
@@ -8786,7 +8786,7 @@
         </p:nvCxnSpPr>
         <p:spPr>
           <a:xfrm flipH="1" flipV="1">
-            <a:off x="3657610" y="3317519"/>
+            <a:off x="3678876" y="2913482"/>
             <a:ext cx="580893" cy="0"/>
           </a:xfrm>
           <a:prstGeom prst="straightConnector1">
@@ -8831,7 +8831,7 @@
         </p:nvCxnSpPr>
         <p:spPr>
           <a:xfrm flipH="1">
-            <a:off x="5070923" y="4843273"/>
+            <a:off x="5092189" y="4439236"/>
             <a:ext cx="840864" cy="0"/>
           </a:xfrm>
           <a:prstGeom prst="straightConnector1">
@@ -8876,7 +8876,7 @@
         </p:nvCxnSpPr>
         <p:spPr>
           <a:xfrm flipH="1">
-            <a:off x="3657610" y="4871405"/>
+            <a:off x="3678876" y="4467368"/>
             <a:ext cx="1289984" cy="0"/>
           </a:xfrm>
           <a:prstGeom prst="straightConnector1">
@@ -8921,7 +8921,7 @@
         </p:nvCxnSpPr>
         <p:spPr>
           <a:xfrm flipH="1">
-            <a:off x="4374072" y="4712367"/>
+            <a:off x="4395338" y="4308330"/>
             <a:ext cx="1515714" cy="0"/>
           </a:xfrm>
           <a:prstGeom prst="straightConnector1">
@@ -8966,7 +8966,7 @@
         </p:nvCxnSpPr>
         <p:spPr>
           <a:xfrm flipV="1">
-            <a:off x="4276344" y="4083215"/>
+            <a:off x="4297610" y="3679178"/>
             <a:ext cx="0" cy="641021"/>
           </a:xfrm>
           <a:prstGeom prst="straightConnector1">
@@ -9011,7 +9011,7 @@
         </p:nvCxnSpPr>
         <p:spPr>
           <a:xfrm flipH="1">
-            <a:off x="3638498" y="4083215"/>
+            <a:off x="3659764" y="3679178"/>
             <a:ext cx="668483" cy="0"/>
           </a:xfrm>
           <a:prstGeom prst="straightConnector1">
@@ -9062,7 +9062,7 @@
         </p:blipFill>
         <p:spPr>
           <a:xfrm>
-            <a:off x="5108224" y="745743"/>
+            <a:off x="4965928" y="426766"/>
             <a:ext cx="485714" cy="538509"/>
           </a:xfrm>
           <a:prstGeom prst="rect">

--- a/doc/designDoc.pptx
+++ b/doc/designDoc.pptx
@@ -4,6 +4,9 @@
   <p:sldMasterIdLst>
     <p:sldMasterId id="2147483648" r:id="rId1"/>
   </p:sldMasterIdLst>
+  <p:notesMasterIdLst>
+    <p:notesMasterId r:id="rId5"/>
+  </p:notesMasterIdLst>
   <p:sldIdLst>
     <p:sldId id="256" r:id="rId2"/>
     <p:sldId id="257" r:id="rId3"/>
@@ -114,6 +117,440 @@
 </p:presentation>
 </file>
 
+<file path=ppt/notesMasters/notesMaster1.xml><?xml version="1.0" encoding="utf-8"?>
+<p:notesMaster xmlns:a="http://schemas.openxmlformats.org/drawingml/2006/main" xmlns:r="http://schemas.openxmlformats.org/officeDocument/2006/relationships" xmlns:p="http://schemas.openxmlformats.org/presentationml/2006/main">
+  <p:cSld>
+    <p:bg>
+      <p:bgRef idx="1001">
+        <a:schemeClr val="bg1"/>
+      </p:bgRef>
+    </p:bg>
+    <p:spTree>
+      <p:nvGrpSpPr>
+        <p:cNvPr id="1" name=""/>
+        <p:cNvGrpSpPr/>
+        <p:nvPr/>
+      </p:nvGrpSpPr>
+      <p:grpSpPr>
+        <a:xfrm>
+          <a:off x="0" y="0"/>
+          <a:ext cx="0" cy="0"/>
+          <a:chOff x="0" y="0"/>
+          <a:chExt cx="0" cy="0"/>
+        </a:xfrm>
+      </p:grpSpPr>
+      <p:sp>
+        <p:nvSpPr>
+          <p:cNvPr id="2" name="Header Placeholder 1"/>
+          <p:cNvSpPr>
+            <a:spLocks noGrp="1"/>
+          </p:cNvSpPr>
+          <p:nvPr>
+            <p:ph type="hdr" sz="quarter"/>
+          </p:nvPr>
+        </p:nvSpPr>
+        <p:spPr>
+          <a:xfrm>
+            <a:off x="0" y="0"/>
+            <a:ext cx="2971800" cy="458788"/>
+          </a:xfrm>
+          <a:prstGeom prst="rect">
+            <a:avLst/>
+          </a:prstGeom>
+        </p:spPr>
+        <p:txBody>
+          <a:bodyPr vert="horz" lIns="91440" tIns="45720" rIns="91440" bIns="45720" rtlCol="0"/>
+          <a:lstStyle>
+            <a:lvl1pPr algn="l">
+              <a:defRPr sz="1200"/>
+            </a:lvl1pPr>
+          </a:lstStyle>
+          <a:p>
+            <a:endParaRPr lang="en-SG"/>
+          </a:p>
+        </p:txBody>
+      </p:sp>
+      <p:sp>
+        <p:nvSpPr>
+          <p:cNvPr id="3" name="Date Placeholder 2"/>
+          <p:cNvSpPr>
+            <a:spLocks noGrp="1"/>
+          </p:cNvSpPr>
+          <p:nvPr>
+            <p:ph type="dt" idx="1"/>
+          </p:nvPr>
+        </p:nvSpPr>
+        <p:spPr>
+          <a:xfrm>
+            <a:off x="3884613" y="0"/>
+            <a:ext cx="2971800" cy="458788"/>
+          </a:xfrm>
+          <a:prstGeom prst="rect">
+            <a:avLst/>
+          </a:prstGeom>
+        </p:spPr>
+        <p:txBody>
+          <a:bodyPr vert="horz" lIns="91440" tIns="45720" rIns="91440" bIns="45720" rtlCol="0"/>
+          <a:lstStyle>
+            <a:lvl1pPr algn="r">
+              <a:defRPr sz="1200"/>
+            </a:lvl1pPr>
+          </a:lstStyle>
+          <a:p>
+            <a:fld id="{C711259C-07AC-49B2-B02B-76ECE0D8068C}" type="datetimeFigureOut">
+              <a:rPr lang="en-SG" smtClean="0"/>
+              <a:t>19/11/2024</a:t>
+            </a:fld>
+            <a:endParaRPr lang="en-SG"/>
+          </a:p>
+        </p:txBody>
+      </p:sp>
+      <p:sp>
+        <p:nvSpPr>
+          <p:cNvPr id="4" name="Slide Image Placeholder 3"/>
+          <p:cNvSpPr>
+            <a:spLocks noGrp="1" noRot="1" noChangeAspect="1"/>
+          </p:cNvSpPr>
+          <p:nvPr>
+            <p:ph type="sldImg" idx="2"/>
+          </p:nvPr>
+        </p:nvSpPr>
+        <p:spPr>
+          <a:xfrm>
+            <a:off x="685800" y="1143000"/>
+            <a:ext cx="5486400" cy="3086100"/>
+          </a:xfrm>
+          <a:prstGeom prst="rect">
+            <a:avLst/>
+          </a:prstGeom>
+          <a:noFill/>
+          <a:ln w="12700">
+            <a:solidFill>
+              <a:prstClr val="black"/>
+            </a:solidFill>
+          </a:ln>
+        </p:spPr>
+        <p:txBody>
+          <a:bodyPr vert="horz" lIns="91440" tIns="45720" rIns="91440" bIns="45720" rtlCol="0" anchor="ctr"/>
+          <a:lstStyle/>
+          <a:p>
+            <a:endParaRPr lang="en-SG"/>
+          </a:p>
+        </p:txBody>
+      </p:sp>
+      <p:sp>
+        <p:nvSpPr>
+          <p:cNvPr id="5" name="Notes Placeholder 4"/>
+          <p:cNvSpPr>
+            <a:spLocks noGrp="1"/>
+          </p:cNvSpPr>
+          <p:nvPr>
+            <p:ph type="body" sz="quarter" idx="3"/>
+          </p:nvPr>
+        </p:nvSpPr>
+        <p:spPr>
+          <a:xfrm>
+            <a:off x="685800" y="4400550"/>
+            <a:ext cx="5486400" cy="3600450"/>
+          </a:xfrm>
+          <a:prstGeom prst="rect">
+            <a:avLst/>
+          </a:prstGeom>
+        </p:spPr>
+        <p:txBody>
+          <a:bodyPr vert="horz" lIns="91440" tIns="45720" rIns="91440" bIns="45720" rtlCol="0"/>
+          <a:lstStyle/>
+          <a:p>
+            <a:pPr lvl="0"/>
+            <a:r>
+              <a:rPr lang="en-US"/>
+              <a:t>Click to edit Master text styles</a:t>
+            </a:r>
+          </a:p>
+          <a:p>
+            <a:pPr lvl="1"/>
+            <a:r>
+              <a:rPr lang="en-US"/>
+              <a:t>Second level</a:t>
+            </a:r>
+          </a:p>
+          <a:p>
+            <a:pPr lvl="2"/>
+            <a:r>
+              <a:rPr lang="en-US"/>
+              <a:t>Third level</a:t>
+            </a:r>
+          </a:p>
+          <a:p>
+            <a:pPr lvl="3"/>
+            <a:r>
+              <a:rPr lang="en-US"/>
+              <a:t>Fourth level</a:t>
+            </a:r>
+          </a:p>
+          <a:p>
+            <a:pPr lvl="4"/>
+            <a:r>
+              <a:rPr lang="en-US"/>
+              <a:t>Fifth level</a:t>
+            </a:r>
+            <a:endParaRPr lang="en-SG"/>
+          </a:p>
+        </p:txBody>
+      </p:sp>
+      <p:sp>
+        <p:nvSpPr>
+          <p:cNvPr id="6" name="Footer Placeholder 5"/>
+          <p:cNvSpPr>
+            <a:spLocks noGrp="1"/>
+          </p:cNvSpPr>
+          <p:nvPr>
+            <p:ph type="ftr" sz="quarter" idx="4"/>
+          </p:nvPr>
+        </p:nvSpPr>
+        <p:spPr>
+          <a:xfrm>
+            <a:off x="0" y="8685213"/>
+            <a:ext cx="2971800" cy="458787"/>
+          </a:xfrm>
+          <a:prstGeom prst="rect">
+            <a:avLst/>
+          </a:prstGeom>
+        </p:spPr>
+        <p:txBody>
+          <a:bodyPr vert="horz" lIns="91440" tIns="45720" rIns="91440" bIns="45720" rtlCol="0" anchor="b"/>
+          <a:lstStyle>
+            <a:lvl1pPr algn="l">
+              <a:defRPr sz="1200"/>
+            </a:lvl1pPr>
+          </a:lstStyle>
+          <a:p>
+            <a:endParaRPr lang="en-SG"/>
+          </a:p>
+        </p:txBody>
+      </p:sp>
+      <p:sp>
+        <p:nvSpPr>
+          <p:cNvPr id="7" name="Slide Number Placeholder 6"/>
+          <p:cNvSpPr>
+            <a:spLocks noGrp="1"/>
+          </p:cNvSpPr>
+          <p:nvPr>
+            <p:ph type="sldNum" sz="quarter" idx="5"/>
+          </p:nvPr>
+        </p:nvSpPr>
+        <p:spPr>
+          <a:xfrm>
+            <a:off x="3884613" y="8685213"/>
+            <a:ext cx="2971800" cy="458787"/>
+          </a:xfrm>
+          <a:prstGeom prst="rect">
+            <a:avLst/>
+          </a:prstGeom>
+        </p:spPr>
+        <p:txBody>
+          <a:bodyPr vert="horz" lIns="91440" tIns="45720" rIns="91440" bIns="45720" rtlCol="0" anchor="b"/>
+          <a:lstStyle>
+            <a:lvl1pPr algn="r">
+              <a:defRPr sz="1200"/>
+            </a:lvl1pPr>
+          </a:lstStyle>
+          <a:p>
+            <a:fld id="{DA8A600C-0591-4818-B89C-2181BB68EAC4}" type="slidenum">
+              <a:rPr lang="en-SG" smtClean="0"/>
+              <a:t>‹#›</a:t>
+            </a:fld>
+            <a:endParaRPr lang="en-SG"/>
+          </a:p>
+        </p:txBody>
+      </p:sp>
+    </p:spTree>
+    <p:extLst>
+      <p:ext uri="{BB962C8B-B14F-4D97-AF65-F5344CB8AC3E}">
+        <p14:creationId xmlns:p14="http://schemas.microsoft.com/office/powerpoint/2010/main" val="252440379"/>
+      </p:ext>
+    </p:extLst>
+  </p:cSld>
+  <p:clrMap bg1="lt1" tx1="dk1" bg2="lt2" tx2="dk2" accent1="accent1" accent2="accent2" accent3="accent3" accent4="accent4" accent5="accent5" accent6="accent6" hlink="hlink" folHlink="folHlink"/>
+  <p:notesStyle>
+    <a:lvl1pPr marL="0" algn="l" defTabSz="914400" rtl="0" eaLnBrk="1" latinLnBrk="0" hangingPunct="1">
+      <a:defRPr sz="1200" kern="1200">
+        <a:solidFill>
+          <a:schemeClr val="tx1"/>
+        </a:solidFill>
+        <a:latin typeface="+mn-lt"/>
+        <a:ea typeface="+mn-ea"/>
+        <a:cs typeface="+mn-cs"/>
+      </a:defRPr>
+    </a:lvl1pPr>
+    <a:lvl2pPr marL="457200" algn="l" defTabSz="914400" rtl="0" eaLnBrk="1" latinLnBrk="0" hangingPunct="1">
+      <a:defRPr sz="1200" kern="1200">
+        <a:solidFill>
+          <a:schemeClr val="tx1"/>
+        </a:solidFill>
+        <a:latin typeface="+mn-lt"/>
+        <a:ea typeface="+mn-ea"/>
+        <a:cs typeface="+mn-cs"/>
+      </a:defRPr>
+    </a:lvl2pPr>
+    <a:lvl3pPr marL="914400" algn="l" defTabSz="914400" rtl="0" eaLnBrk="1" latinLnBrk="0" hangingPunct="1">
+      <a:defRPr sz="1200" kern="1200">
+        <a:solidFill>
+          <a:schemeClr val="tx1"/>
+        </a:solidFill>
+        <a:latin typeface="+mn-lt"/>
+        <a:ea typeface="+mn-ea"/>
+        <a:cs typeface="+mn-cs"/>
+      </a:defRPr>
+    </a:lvl3pPr>
+    <a:lvl4pPr marL="1371600" algn="l" defTabSz="914400" rtl="0" eaLnBrk="1" latinLnBrk="0" hangingPunct="1">
+      <a:defRPr sz="1200" kern="1200">
+        <a:solidFill>
+          <a:schemeClr val="tx1"/>
+        </a:solidFill>
+        <a:latin typeface="+mn-lt"/>
+        <a:ea typeface="+mn-ea"/>
+        <a:cs typeface="+mn-cs"/>
+      </a:defRPr>
+    </a:lvl4pPr>
+    <a:lvl5pPr marL="1828800" algn="l" defTabSz="914400" rtl="0" eaLnBrk="1" latinLnBrk="0" hangingPunct="1">
+      <a:defRPr sz="1200" kern="1200">
+        <a:solidFill>
+          <a:schemeClr val="tx1"/>
+        </a:solidFill>
+        <a:latin typeface="+mn-lt"/>
+        <a:ea typeface="+mn-ea"/>
+        <a:cs typeface="+mn-cs"/>
+      </a:defRPr>
+    </a:lvl5pPr>
+    <a:lvl6pPr marL="2286000" algn="l" defTabSz="914400" rtl="0" eaLnBrk="1" latinLnBrk="0" hangingPunct="1">
+      <a:defRPr sz="1200" kern="1200">
+        <a:solidFill>
+          <a:schemeClr val="tx1"/>
+        </a:solidFill>
+        <a:latin typeface="+mn-lt"/>
+        <a:ea typeface="+mn-ea"/>
+        <a:cs typeface="+mn-cs"/>
+      </a:defRPr>
+    </a:lvl6pPr>
+    <a:lvl7pPr marL="2743200" algn="l" defTabSz="914400" rtl="0" eaLnBrk="1" latinLnBrk="0" hangingPunct="1">
+      <a:defRPr sz="1200" kern="1200">
+        <a:solidFill>
+          <a:schemeClr val="tx1"/>
+        </a:solidFill>
+        <a:latin typeface="+mn-lt"/>
+        <a:ea typeface="+mn-ea"/>
+        <a:cs typeface="+mn-cs"/>
+      </a:defRPr>
+    </a:lvl7pPr>
+    <a:lvl8pPr marL="3200400" algn="l" defTabSz="914400" rtl="0" eaLnBrk="1" latinLnBrk="0" hangingPunct="1">
+      <a:defRPr sz="1200" kern="1200">
+        <a:solidFill>
+          <a:schemeClr val="tx1"/>
+        </a:solidFill>
+        <a:latin typeface="+mn-lt"/>
+        <a:ea typeface="+mn-ea"/>
+        <a:cs typeface="+mn-cs"/>
+      </a:defRPr>
+    </a:lvl8pPr>
+    <a:lvl9pPr marL="3657600" algn="l" defTabSz="914400" rtl="0" eaLnBrk="1" latinLnBrk="0" hangingPunct="1">
+      <a:defRPr sz="1200" kern="1200">
+        <a:solidFill>
+          <a:schemeClr val="tx1"/>
+        </a:solidFill>
+        <a:latin typeface="+mn-lt"/>
+        <a:ea typeface="+mn-ea"/>
+        <a:cs typeface="+mn-cs"/>
+      </a:defRPr>
+    </a:lvl9pPr>
+  </p:notesStyle>
+</p:notesMaster>
+</file>
+
+<file path=ppt/notesSlides/notesSlide1.xml><?xml version="1.0" encoding="utf-8"?>
+<p:notes xmlns:a="http://schemas.openxmlformats.org/drawingml/2006/main" xmlns:r="http://schemas.openxmlformats.org/officeDocument/2006/relationships" xmlns:p="http://schemas.openxmlformats.org/presentationml/2006/main">
+  <p:cSld>
+    <p:spTree>
+      <p:nvGrpSpPr>
+        <p:cNvPr id="1" name=""/>
+        <p:cNvGrpSpPr/>
+        <p:nvPr/>
+      </p:nvGrpSpPr>
+      <p:grpSpPr>
+        <a:xfrm>
+          <a:off x="0" y="0"/>
+          <a:ext cx="0" cy="0"/>
+          <a:chOff x="0" y="0"/>
+          <a:chExt cx="0" cy="0"/>
+        </a:xfrm>
+      </p:grpSpPr>
+      <p:sp>
+        <p:nvSpPr>
+          <p:cNvPr id="2" name="Slide Image Placeholder 1"/>
+          <p:cNvSpPr>
+            <a:spLocks noGrp="1" noRot="1" noChangeAspect="1"/>
+          </p:cNvSpPr>
+          <p:nvPr>
+            <p:ph type="sldImg"/>
+          </p:nvPr>
+        </p:nvSpPr>
+        <p:spPr/>
+      </p:sp>
+      <p:sp>
+        <p:nvSpPr>
+          <p:cNvPr id="3" name="Notes Placeholder 2"/>
+          <p:cNvSpPr>
+            <a:spLocks noGrp="1"/>
+          </p:cNvSpPr>
+          <p:nvPr>
+            <p:ph type="body" idx="1"/>
+          </p:nvPr>
+        </p:nvSpPr>
+        <p:spPr/>
+        <p:txBody>
+          <a:bodyPr/>
+          <a:lstStyle/>
+          <a:p>
+            <a:endParaRPr lang="en-SG" dirty="0"/>
+          </a:p>
+        </p:txBody>
+      </p:sp>
+      <p:sp>
+        <p:nvSpPr>
+          <p:cNvPr id="4" name="Slide Number Placeholder 3"/>
+          <p:cNvSpPr>
+            <a:spLocks noGrp="1"/>
+          </p:cNvSpPr>
+          <p:nvPr>
+            <p:ph type="sldNum" sz="quarter" idx="5"/>
+          </p:nvPr>
+        </p:nvSpPr>
+        <p:spPr/>
+        <p:txBody>
+          <a:bodyPr/>
+          <a:lstStyle/>
+          <a:p>
+            <a:fld id="{DA8A600C-0591-4818-B89C-2181BB68EAC4}" type="slidenum">
+              <a:rPr lang="en-SG" smtClean="0"/>
+              <a:t>3</a:t>
+            </a:fld>
+            <a:endParaRPr lang="en-SG"/>
+          </a:p>
+        </p:txBody>
+      </p:sp>
+    </p:spTree>
+    <p:extLst>
+      <p:ext uri="{BB962C8B-B14F-4D97-AF65-F5344CB8AC3E}">
+        <p14:creationId xmlns:p14="http://schemas.microsoft.com/office/powerpoint/2010/main" val="1497889717"/>
+      </p:ext>
+    </p:extLst>
+  </p:cSld>
+  <p:clrMapOvr>
+    <a:masterClrMapping/>
+  </p:clrMapOvr>
+</p:notes>
+</file>
+
 <file path=ppt/slideLayouts/slideLayout1.xml><?xml version="1.0" encoding="utf-8"?>
 <p:sldLayout xmlns:a="http://schemas.openxmlformats.org/drawingml/2006/main" xmlns:r="http://schemas.openxmlformats.org/officeDocument/2006/relationships" xmlns:p="http://schemas.openxmlformats.org/presentationml/2006/main" type="title" preserve="1">
   <p:cSld name="Title Slide">
@@ -263,7 +700,7 @@
           <a:p>
             <a:fld id="{E7602038-B3F0-4825-ABDA-D66CE1C4CFDA}" type="datetimeFigureOut">
               <a:rPr lang="en-SG" smtClean="0"/>
-              <a:t>18/11/2024</a:t>
+              <a:t>19/11/2024</a:t>
             </a:fld>
             <a:endParaRPr lang="en-SG"/>
           </a:p>
@@ -463,7 +900,7 @@
           <a:p>
             <a:fld id="{E7602038-B3F0-4825-ABDA-D66CE1C4CFDA}" type="datetimeFigureOut">
               <a:rPr lang="en-SG" smtClean="0"/>
-              <a:t>18/11/2024</a:t>
+              <a:t>19/11/2024</a:t>
             </a:fld>
             <a:endParaRPr lang="en-SG"/>
           </a:p>
@@ -673,7 +1110,7 @@
           <a:p>
             <a:fld id="{E7602038-B3F0-4825-ABDA-D66CE1C4CFDA}" type="datetimeFigureOut">
               <a:rPr lang="en-SG" smtClean="0"/>
-              <a:t>18/11/2024</a:t>
+              <a:t>19/11/2024</a:t>
             </a:fld>
             <a:endParaRPr lang="en-SG"/>
           </a:p>
@@ -873,7 +1310,7 @@
           <a:p>
             <a:fld id="{E7602038-B3F0-4825-ABDA-D66CE1C4CFDA}" type="datetimeFigureOut">
               <a:rPr lang="en-SG" smtClean="0"/>
-              <a:t>18/11/2024</a:t>
+              <a:t>19/11/2024</a:t>
             </a:fld>
             <a:endParaRPr lang="en-SG"/>
           </a:p>
@@ -1149,7 +1586,7 @@
           <a:p>
             <a:fld id="{E7602038-B3F0-4825-ABDA-D66CE1C4CFDA}" type="datetimeFigureOut">
               <a:rPr lang="en-SG" smtClean="0"/>
-              <a:t>18/11/2024</a:t>
+              <a:t>19/11/2024</a:t>
             </a:fld>
             <a:endParaRPr lang="en-SG"/>
           </a:p>
@@ -1417,7 +1854,7 @@
           <a:p>
             <a:fld id="{E7602038-B3F0-4825-ABDA-D66CE1C4CFDA}" type="datetimeFigureOut">
               <a:rPr lang="en-SG" smtClean="0"/>
-              <a:t>18/11/2024</a:t>
+              <a:t>19/11/2024</a:t>
             </a:fld>
             <a:endParaRPr lang="en-SG"/>
           </a:p>
@@ -1832,7 +2269,7 @@
           <a:p>
             <a:fld id="{E7602038-B3F0-4825-ABDA-D66CE1C4CFDA}" type="datetimeFigureOut">
               <a:rPr lang="en-SG" smtClean="0"/>
-              <a:t>18/11/2024</a:t>
+              <a:t>19/11/2024</a:t>
             </a:fld>
             <a:endParaRPr lang="en-SG"/>
           </a:p>
@@ -1974,7 +2411,7 @@
           <a:p>
             <a:fld id="{E7602038-B3F0-4825-ABDA-D66CE1C4CFDA}" type="datetimeFigureOut">
               <a:rPr lang="en-SG" smtClean="0"/>
-              <a:t>18/11/2024</a:t>
+              <a:t>19/11/2024</a:t>
             </a:fld>
             <a:endParaRPr lang="en-SG"/>
           </a:p>
@@ -2087,7 +2524,7 @@
           <a:p>
             <a:fld id="{E7602038-B3F0-4825-ABDA-D66CE1C4CFDA}" type="datetimeFigureOut">
               <a:rPr lang="en-SG" smtClean="0"/>
-              <a:t>18/11/2024</a:t>
+              <a:t>19/11/2024</a:t>
             </a:fld>
             <a:endParaRPr lang="en-SG"/>
           </a:p>
@@ -2400,7 +2837,7 @@
           <a:p>
             <a:fld id="{E7602038-B3F0-4825-ABDA-D66CE1C4CFDA}" type="datetimeFigureOut">
               <a:rPr lang="en-SG" smtClean="0"/>
-              <a:t>18/11/2024</a:t>
+              <a:t>19/11/2024</a:t>
             </a:fld>
             <a:endParaRPr lang="en-SG"/>
           </a:p>
@@ -2689,7 +3126,7 @@
           <a:p>
             <a:fld id="{E7602038-B3F0-4825-ABDA-D66CE1C4CFDA}" type="datetimeFigureOut">
               <a:rPr lang="en-SG" smtClean="0"/>
-              <a:t>18/11/2024</a:t>
+              <a:t>19/11/2024</a:t>
             </a:fld>
             <a:endParaRPr lang="en-SG"/>
           </a:p>
@@ -2932,7 +3369,7 @@
           <a:p>
             <a:fld id="{E7602038-B3F0-4825-ABDA-D66CE1C4CFDA}" type="datetimeFigureOut">
               <a:rPr lang="en-SG" smtClean="0"/>
-              <a:t>18/11/2024</a:t>
+              <a:t>19/11/2024</a:t>
             </a:fld>
             <a:endParaRPr lang="en-SG"/>
           </a:p>
@@ -6755,6 +7192,158 @@
           <a:chExt cx="0" cy="0"/>
         </a:xfrm>
       </p:grpSpPr>
+      <p:cxnSp>
+        <p:nvCxnSpPr>
+          <p:cNvPr id="244" name="Straight Arrow Connector 243">
+            <a:extLst>
+              <a:ext uri="{FF2B5EF4-FFF2-40B4-BE49-F238E27FC236}">
+                <a16:creationId xmlns:a16="http://schemas.microsoft.com/office/drawing/2014/main" id="{A70CEA26-8CE5-EC5B-188A-5AAED4F70CB4}"/>
+              </a:ext>
+            </a:extLst>
+          </p:cNvPr>
+          <p:cNvCxnSpPr>
+            <a:cxnSpLocks/>
+            <a:stCxn id="242" idx="2"/>
+            <a:endCxn id="1026" idx="0"/>
+          </p:cNvCxnSpPr>
+          <p:nvPr/>
+        </p:nvCxnSpPr>
+        <p:spPr>
+          <a:xfrm flipH="1">
+            <a:off x="7061465" y="1611187"/>
+            <a:ext cx="0" cy="924467"/>
+          </a:xfrm>
+          <a:prstGeom prst="straightConnector1">
+            <a:avLst/>
+          </a:prstGeom>
+          <a:ln w="9525">
+            <a:solidFill>
+              <a:schemeClr val="tx1"/>
+            </a:solidFill>
+            <a:prstDash val="sysDash"/>
+            <a:tailEnd type="triangle"/>
+          </a:ln>
+        </p:spPr>
+        <p:style>
+          <a:lnRef idx="2">
+            <a:schemeClr val="accent1"/>
+          </a:lnRef>
+          <a:fillRef idx="0">
+            <a:schemeClr val="accent1"/>
+          </a:fillRef>
+          <a:effectRef idx="1">
+            <a:schemeClr val="accent1"/>
+          </a:effectRef>
+          <a:fontRef idx="minor">
+            <a:schemeClr val="tx1"/>
+          </a:fontRef>
+        </p:style>
+      </p:cxnSp>
+      <p:sp>
+        <p:nvSpPr>
+          <p:cNvPr id="215" name="Rectangle 214">
+            <a:extLst>
+              <a:ext uri="{FF2B5EF4-FFF2-40B4-BE49-F238E27FC236}">
+                <a16:creationId xmlns:a16="http://schemas.microsoft.com/office/drawing/2014/main" id="{F2DE34E6-EA72-FF15-9AAA-D66A0E1B584C}"/>
+              </a:ext>
+            </a:extLst>
+          </p:cNvPr>
+          <p:cNvSpPr/>
+          <p:nvPr/>
+        </p:nvSpPr>
+        <p:spPr>
+          <a:xfrm>
+            <a:off x="9035233" y="1731249"/>
+            <a:ext cx="2271981" cy="4388326"/>
+          </a:xfrm>
+          <a:prstGeom prst="rect">
+            <a:avLst/>
+          </a:prstGeom>
+          <a:noFill/>
+          <a:ln w="12700">
+            <a:solidFill>
+              <a:schemeClr val="tx1"/>
+            </a:solidFill>
+            <a:prstDash val="sysDash"/>
+          </a:ln>
+        </p:spPr>
+        <p:style>
+          <a:lnRef idx="2">
+            <a:schemeClr val="accent1">
+              <a:shade val="15000"/>
+            </a:schemeClr>
+          </a:lnRef>
+          <a:fillRef idx="1">
+            <a:schemeClr val="accent1"/>
+          </a:fillRef>
+          <a:effectRef idx="0">
+            <a:schemeClr val="accent1"/>
+          </a:effectRef>
+          <a:fontRef idx="minor">
+            <a:schemeClr val="lt1"/>
+          </a:fontRef>
+        </p:style>
+        <p:txBody>
+          <a:bodyPr rtlCol="0" anchor="ctr"/>
+          <a:lstStyle/>
+          <a:p>
+            <a:pPr algn="ctr"/>
+            <a:endParaRPr lang="en-SG" dirty="0"/>
+          </a:p>
+        </p:txBody>
+      </p:sp>
+      <p:sp>
+        <p:nvSpPr>
+          <p:cNvPr id="154" name="Rectangle: Rounded Corners 153">
+            <a:extLst>
+              <a:ext uri="{FF2B5EF4-FFF2-40B4-BE49-F238E27FC236}">
+                <a16:creationId xmlns:a16="http://schemas.microsoft.com/office/drawing/2014/main" id="{E10A45AF-0DA5-0C43-016C-890C430485E1}"/>
+              </a:ext>
+            </a:extLst>
+          </p:cNvPr>
+          <p:cNvSpPr/>
+          <p:nvPr/>
+        </p:nvSpPr>
+        <p:spPr>
+          <a:xfrm>
+            <a:off x="7506584" y="1945356"/>
+            <a:ext cx="1351663" cy="3288716"/>
+          </a:xfrm>
+          <a:prstGeom prst="roundRect">
+            <a:avLst/>
+          </a:prstGeom>
+          <a:solidFill>
+            <a:srgbClr val="30AFDC"/>
+          </a:solidFill>
+          <a:ln>
+            <a:noFill/>
+          </a:ln>
+        </p:spPr>
+        <p:style>
+          <a:lnRef idx="2">
+            <a:schemeClr val="accent1">
+              <a:shade val="15000"/>
+            </a:schemeClr>
+          </a:lnRef>
+          <a:fillRef idx="1">
+            <a:schemeClr val="accent1"/>
+          </a:fillRef>
+          <a:effectRef idx="0">
+            <a:schemeClr val="accent1"/>
+          </a:effectRef>
+          <a:fontRef idx="minor">
+            <a:schemeClr val="lt1"/>
+          </a:fontRef>
+        </p:style>
+        <p:txBody>
+          <a:bodyPr rtlCol="0" anchor="ctr"/>
+          <a:lstStyle/>
+          <a:p>
+            <a:pPr algn="ctr"/>
+            <a:endParaRPr lang="en-SG" dirty="0"/>
+          </a:p>
+        </p:txBody>
+      </p:sp>
       <p:sp>
         <p:nvSpPr>
           <p:cNvPr id="4" name="Rectangle: Rounded Corners 3">
@@ -6769,8 +7358,8 @@
         </p:nvSpPr>
         <p:spPr>
           <a:xfrm>
-            <a:off x="2363038" y="1508653"/>
-            <a:ext cx="1324292" cy="3427406"/>
+            <a:off x="1196115" y="1925538"/>
+            <a:ext cx="1324292" cy="3353788"/>
           </a:xfrm>
           <a:prstGeom prst="roundRect">
             <a:avLst/>
@@ -6850,8 +7439,8 @@
         </p:nvSpPr>
         <p:spPr>
           <a:xfrm>
-            <a:off x="5762433" y="1508653"/>
-            <a:ext cx="1453201" cy="3427406"/>
+            <a:off x="5218550" y="1925538"/>
+            <a:ext cx="1453201" cy="3353787"/>
           </a:xfrm>
           <a:prstGeom prst="roundRect">
             <a:avLst/>
@@ -6933,7 +7522,7 @@
         </p:nvSpPr>
         <p:spPr>
           <a:xfrm>
-            <a:off x="2419507" y="1616821"/>
+            <a:off x="1252584" y="2033706"/>
             <a:ext cx="1324292" cy="738664"/>
           </a:xfrm>
           <a:prstGeom prst="rect">
@@ -7069,7 +7658,7 @@
         </p:nvSpPr>
         <p:spPr>
           <a:xfrm>
-            <a:off x="5818902" y="1616821"/>
+            <a:off x="5275019" y="2033706"/>
             <a:ext cx="1391555" cy="738664"/>
           </a:xfrm>
           <a:prstGeom prst="rect">
@@ -7212,14 +7801,14 @@
           <p:nvPr/>
         </p:nvPicPr>
         <p:blipFill>
-          <a:blip r:embed="rId2"/>
+          <a:blip r:embed="rId3"/>
           <a:stretch>
             <a:fillRect/>
           </a:stretch>
         </p:blipFill>
         <p:spPr>
           <a:xfrm>
-            <a:off x="3081653" y="2534637"/>
+            <a:off x="1914730" y="2951522"/>
             <a:ext cx="553020" cy="560840"/>
           </a:xfrm>
           <a:prstGeom prst="rect">
@@ -7246,7 +7835,7 @@
         </p:nvSpPr>
         <p:spPr>
           <a:xfrm>
-            <a:off x="2334803" y="2524312"/>
+            <a:off x="1167880" y="2941197"/>
             <a:ext cx="800310" cy="430887"/>
           </a:xfrm>
           <a:prstGeom prst="rect">
@@ -7332,6 +7921,41 @@
           <p:nvPr/>
         </p:nvPicPr>
         <p:blipFill>
+          <a:blip r:embed="rId4"/>
+          <a:stretch>
+            <a:fillRect/>
+          </a:stretch>
+        </p:blipFill>
+        <p:spPr>
+          <a:xfrm>
+            <a:off x="1918461" y="4540252"/>
+            <a:ext cx="568419" cy="560840"/>
+          </a:xfrm>
+          <a:prstGeom prst="rect">
+            <a:avLst/>
+          </a:prstGeom>
+          <a:ln w="9525">
+            <a:solidFill>
+              <a:schemeClr val="tx1"/>
+            </a:solidFill>
+          </a:ln>
+        </p:spPr>
+      </p:pic>
+      <p:pic>
+        <p:nvPicPr>
+          <p:cNvPr id="13" name="Picture 12">
+            <a:extLst>
+              <a:ext uri="{FF2B5EF4-FFF2-40B4-BE49-F238E27FC236}">
+                <a16:creationId xmlns:a16="http://schemas.microsoft.com/office/drawing/2014/main" id="{D7D13C69-CCD4-544B-29BD-EA530DB89A3A}"/>
+              </a:ext>
+            </a:extLst>
+          </p:cNvPr>
+          <p:cNvPicPr>
+            <a:picLocks noChangeAspect="1"/>
+          </p:cNvPicPr>
+          <p:nvPr/>
+        </p:nvPicPr>
+        <p:blipFill>
           <a:blip r:embed="rId3"/>
           <a:stretch>
             <a:fillRect/>
@@ -7339,42 +7963,7 @@
         </p:blipFill>
         <p:spPr>
           <a:xfrm>
-            <a:off x="3085384" y="4123367"/>
-            <a:ext cx="568419" cy="560840"/>
-          </a:xfrm>
-          <a:prstGeom prst="rect">
-            <a:avLst/>
-          </a:prstGeom>
-          <a:ln w="9525">
-            <a:solidFill>
-              <a:schemeClr val="tx1"/>
-            </a:solidFill>
-          </a:ln>
-        </p:spPr>
-      </p:pic>
-      <p:pic>
-        <p:nvPicPr>
-          <p:cNvPr id="13" name="Picture 12">
-            <a:extLst>
-              <a:ext uri="{FF2B5EF4-FFF2-40B4-BE49-F238E27FC236}">
-                <a16:creationId xmlns:a16="http://schemas.microsoft.com/office/drawing/2014/main" id="{D7D13C69-CCD4-544B-29BD-EA530DB89A3A}"/>
-              </a:ext>
-            </a:extLst>
-          </p:cNvPr>
-          <p:cNvPicPr>
-            <a:picLocks noChangeAspect="1"/>
-          </p:cNvPicPr>
-          <p:nvPr/>
-        </p:nvPicPr>
-        <p:blipFill>
-          <a:blip r:embed="rId2"/>
-          <a:stretch>
-            <a:fillRect/>
-          </a:stretch>
-        </p:blipFill>
-        <p:spPr>
-          <a:xfrm>
-            <a:off x="3093084" y="3329002"/>
+            <a:off x="1926161" y="3745887"/>
             <a:ext cx="553020" cy="560840"/>
           </a:xfrm>
           <a:prstGeom prst="rect">
@@ -7401,7 +7990,7 @@
         </p:nvSpPr>
         <p:spPr>
           <a:xfrm>
-            <a:off x="2323554" y="3348055"/>
+            <a:off x="1156631" y="3764940"/>
             <a:ext cx="800310" cy="430887"/>
           </a:xfrm>
           <a:prstGeom prst="rect">
@@ -7486,7 +8075,7 @@
         </p:nvSpPr>
         <p:spPr>
           <a:xfrm>
-            <a:off x="2306569" y="4142057"/>
+            <a:off x="1139646" y="4558942"/>
             <a:ext cx="856779" cy="430887"/>
           </a:xfrm>
           <a:prstGeom prst="rect">
@@ -7572,13 +8161,13 @@
           <p:nvPr/>
         </p:nvPicPr>
         <p:blipFill>
-          <a:blip r:embed="rId4">
+          <a:blip r:embed="rId5">
             <a:extLst>
               <a:ext uri="{28A0092B-C50C-407E-A947-70E740481C1C}">
                 <a14:useLocalDpi xmlns:a14="http://schemas.microsoft.com/office/drawing/2010/main" val="0"/>
               </a:ext>
               <a:ext uri="{96DAC541-7B7A-43D3-8B79-37D633B846F1}">
-                <asvg:svgBlip xmlns:asvg="http://schemas.microsoft.com/office/drawing/2016/SVG/main" r:embed="rId5"/>
+                <asvg:svgBlip xmlns:asvg="http://schemas.microsoft.com/office/drawing/2016/SVG/main" r:embed="rId6"/>
               </a:ext>
             </a:extLst>
           </a:blip>
@@ -7588,7 +8177,7 @@
         </p:blipFill>
         <p:spPr>
           <a:xfrm>
-            <a:off x="5932581" y="2513424"/>
+            <a:off x="5388698" y="2930309"/>
             <a:ext cx="540829" cy="540829"/>
           </a:xfrm>
           <a:prstGeom prst="rect">
@@ -7610,7 +8199,7 @@
         </p:nvSpPr>
         <p:spPr>
           <a:xfrm>
-            <a:off x="6428162" y="2454089"/>
+            <a:off x="5872203" y="2840335"/>
             <a:ext cx="908304" cy="600164"/>
           </a:xfrm>
           <a:prstGeom prst="rect">
@@ -7718,13 +8307,13 @@
           <p:nvPr/>
         </p:nvPicPr>
         <p:blipFill>
-          <a:blip r:embed="rId4">
+          <a:blip r:embed="rId5">
             <a:extLst>
               <a:ext uri="{28A0092B-C50C-407E-A947-70E740481C1C}">
                 <a14:useLocalDpi xmlns:a14="http://schemas.microsoft.com/office/drawing/2010/main" val="0"/>
               </a:ext>
               <a:ext uri="{96DAC541-7B7A-43D3-8B79-37D633B846F1}">
-                <asvg:svgBlip xmlns:asvg="http://schemas.microsoft.com/office/drawing/2016/SVG/main" r:embed="rId5"/>
+                <asvg:svgBlip xmlns:asvg="http://schemas.microsoft.com/office/drawing/2016/SVG/main" r:embed="rId6"/>
               </a:ext>
             </a:extLst>
           </a:blip>
@@ -7734,7 +8323,7 @@
         </p:blipFill>
         <p:spPr>
           <a:xfrm>
-            <a:off x="5932580" y="3238113"/>
+            <a:off x="5388697" y="3654998"/>
             <a:ext cx="540829" cy="540829"/>
           </a:xfrm>
           <a:prstGeom prst="rect">
@@ -7756,7 +8345,7 @@
         </p:nvSpPr>
         <p:spPr>
           <a:xfrm>
-            <a:off x="6451306" y="3178778"/>
+            <a:off x="5907423" y="3595663"/>
             <a:ext cx="908304" cy="600164"/>
           </a:xfrm>
           <a:prstGeom prst="rect">
@@ -7854,13 +8443,13 @@
           <p:nvPr/>
         </p:nvPicPr>
         <p:blipFill>
-          <a:blip r:embed="rId4">
+          <a:blip r:embed="rId5">
             <a:extLst>
               <a:ext uri="{28A0092B-C50C-407E-A947-70E740481C1C}">
                 <a14:useLocalDpi xmlns:a14="http://schemas.microsoft.com/office/drawing/2010/main" val="0"/>
               </a:ext>
               <a:ext uri="{96DAC541-7B7A-43D3-8B79-37D633B846F1}">
-                <asvg:svgBlip xmlns:asvg="http://schemas.microsoft.com/office/drawing/2016/SVG/main" r:embed="rId5"/>
+                <asvg:svgBlip xmlns:asvg="http://schemas.microsoft.com/office/drawing/2016/SVG/main" r:embed="rId6"/>
               </a:ext>
             </a:extLst>
           </a:blip>
@@ -7870,7 +8459,7 @@
         </p:blipFill>
         <p:spPr>
           <a:xfrm>
-            <a:off x="5921270" y="3999689"/>
+            <a:off x="5385581" y="4493992"/>
             <a:ext cx="540829" cy="540829"/>
           </a:xfrm>
           <a:prstGeom prst="rect">
@@ -7892,7 +8481,7 @@
         </p:nvSpPr>
         <p:spPr>
           <a:xfrm>
-            <a:off x="6384715" y="3962802"/>
+            <a:off x="5884279" y="4332495"/>
             <a:ext cx="989756" cy="769441"/>
           </a:xfrm>
           <a:prstGeom prst="rect">
@@ -7991,13 +8580,13 @@
         </p:nvCxnSpPr>
         <p:spPr>
           <a:xfrm>
-            <a:off x="4373810" y="1986153"/>
+            <a:off x="3206887" y="2403038"/>
             <a:ext cx="0" cy="2831034"/>
           </a:xfrm>
           <a:prstGeom prst="line">
             <a:avLst/>
           </a:prstGeom>
-          <a:ln>
+          <a:ln w="28575">
             <a:solidFill>
               <a:schemeClr val="accent6">
                 <a:lumMod val="75000"/>
@@ -8036,13 +8625,13 @@
         </p:nvCxnSpPr>
         <p:spPr>
           <a:xfrm>
-            <a:off x="5083994" y="1986153"/>
+            <a:off x="4520277" y="2403038"/>
             <a:ext cx="0" cy="2831034"/>
           </a:xfrm>
           <a:prstGeom prst="line">
             <a:avLst/>
           </a:prstGeom>
-          <a:ln>
+          <a:ln w="28575">
             <a:solidFill>
               <a:srgbClr val="0070C0"/>
             </a:solidFill>
@@ -8077,8 +8666,8 @@
         </p:nvSpPr>
         <p:spPr>
           <a:xfrm>
-            <a:off x="3994006" y="4817662"/>
-            <a:ext cx="823100" cy="430887"/>
+            <a:off x="2486880" y="4894885"/>
+            <a:ext cx="823100" cy="461665"/>
           </a:xfrm>
           <a:prstGeom prst="rect">
             <a:avLst/>
@@ -8109,7 +8698,7 @@
               <a:defRPr/>
             </a:pPr>
             <a:r>
-              <a:rPr kumimoji="0" lang="en-US" sz="1100" b="1" i="0" u="none" strike="noStrike" kern="1200" cap="none" spc="0" normalizeH="0" baseline="0" noProof="0" dirty="0">
+              <a:rPr kumimoji="0" lang="en-US" sz="1200" b="1" i="0" u="none" strike="noStrike" kern="1200" cap="none" spc="0" normalizeH="0" baseline="0" noProof="0" dirty="0">
                 <a:ln>
                   <a:noFill/>
                 </a:ln>
@@ -8127,7 +8716,7 @@
               </a:rPr>
               <a:t>Modbus-TCP bus</a:t>
             </a:r>
-            <a:endParaRPr kumimoji="0" lang="en-SG" sz="1100" b="1" i="0" u="none" strike="noStrike" kern="1200" cap="none" spc="0" normalizeH="0" baseline="0" noProof="0" dirty="0">
+            <a:endParaRPr kumimoji="0" lang="en-SG" sz="1200" b="1" i="0" u="none" strike="noStrike" kern="1200" cap="none" spc="0" normalizeH="0" baseline="0" noProof="0" dirty="0">
               <a:ln>
                 <a:noFill/>
               </a:ln>
@@ -8160,8 +8749,8 @@
         </p:nvSpPr>
         <p:spPr>
           <a:xfrm>
-            <a:off x="4818501" y="4817662"/>
-            <a:ext cx="823100" cy="430887"/>
+            <a:off x="4515710" y="4874131"/>
+            <a:ext cx="823100" cy="461665"/>
           </a:xfrm>
           <a:prstGeom prst="rect">
             <a:avLst/>
@@ -8192,6 +8781,2327 @@
               <a:defRPr/>
             </a:pPr>
             <a:r>
+              <a:rPr kumimoji="0" lang="en-US" sz="1200" b="1" i="0" u="none" strike="noStrike" kern="1200" cap="none" spc="0" normalizeH="0" baseline="0" noProof="0" dirty="0">
+                <a:ln>
+                  <a:noFill/>
+                </a:ln>
+                <a:solidFill>
+                  <a:srgbClr val="0070C0"/>
+                </a:solidFill>
+                <a:effectLst/>
+                <a:uLnTx/>
+                <a:uFillTx/>
+                <a:latin typeface="Calibri" panose="020F0502020204030204"/>
+                <a:ea typeface="+mn-ea"/>
+                <a:cs typeface="+mn-cs"/>
+              </a:rPr>
+              <a:t>S7Comm bus</a:t>
+            </a:r>
+            <a:endParaRPr kumimoji="0" lang="en-SG" sz="1200" b="1" i="0" u="none" strike="noStrike" kern="1200" cap="none" spc="0" normalizeH="0" baseline="0" noProof="0" dirty="0">
+              <a:ln>
+                <a:noFill/>
+              </a:ln>
+              <a:solidFill>
+                <a:srgbClr val="0070C0"/>
+              </a:solidFill>
+              <a:effectLst/>
+              <a:uLnTx/>
+              <a:uFillTx/>
+              <a:latin typeface="Calibri" panose="020F0502020204030204"/>
+              <a:ea typeface="+mn-ea"/>
+              <a:cs typeface="+mn-cs"/>
+            </a:endParaRPr>
+          </a:p>
+        </p:txBody>
+      </p:sp>
+      <p:cxnSp>
+        <p:nvCxnSpPr>
+          <p:cNvPr id="46" name="Straight Connector 45">
+            <a:extLst>
+              <a:ext uri="{FF2B5EF4-FFF2-40B4-BE49-F238E27FC236}">
+                <a16:creationId xmlns:a16="http://schemas.microsoft.com/office/drawing/2014/main" id="{FB367AA7-1DD6-36E6-B128-6D4E439D7272}"/>
+              </a:ext>
+            </a:extLst>
+          </p:cNvPr>
+          <p:cNvCxnSpPr>
+            <a:cxnSpLocks/>
+          </p:cNvCxnSpPr>
+          <p:nvPr/>
+        </p:nvCxnSpPr>
+        <p:spPr>
+          <a:xfrm>
+            <a:off x="2486880" y="3279567"/>
+            <a:ext cx="727797" cy="0"/>
+          </a:xfrm>
+          <a:prstGeom prst="line">
+            <a:avLst/>
+          </a:prstGeom>
+          <a:ln>
+            <a:solidFill>
+              <a:schemeClr val="accent6">
+                <a:lumMod val="75000"/>
+              </a:schemeClr>
+            </a:solidFill>
+          </a:ln>
+        </p:spPr>
+        <p:style>
+          <a:lnRef idx="2">
+            <a:schemeClr val="accent1"/>
+          </a:lnRef>
+          <a:fillRef idx="0">
+            <a:schemeClr val="accent1"/>
+          </a:fillRef>
+          <a:effectRef idx="1">
+            <a:schemeClr val="accent1"/>
+          </a:effectRef>
+          <a:fontRef idx="minor">
+            <a:schemeClr val="tx1"/>
+          </a:fontRef>
+        </p:style>
+      </p:cxnSp>
+      <p:cxnSp>
+        <p:nvCxnSpPr>
+          <p:cNvPr id="49" name="Straight Connector 48">
+            <a:extLst>
+              <a:ext uri="{FF2B5EF4-FFF2-40B4-BE49-F238E27FC236}">
+                <a16:creationId xmlns:a16="http://schemas.microsoft.com/office/drawing/2014/main" id="{7ACA5F07-2BB4-A9CA-FC78-571883AB6DE7}"/>
+              </a:ext>
+            </a:extLst>
+          </p:cNvPr>
+          <p:cNvCxnSpPr>
+            <a:cxnSpLocks/>
+            <a:stCxn id="13" idx="3"/>
+          </p:cNvCxnSpPr>
+          <p:nvPr/>
+        </p:nvCxnSpPr>
+        <p:spPr>
+          <a:xfrm>
+            <a:off x="2479181" y="4026307"/>
+            <a:ext cx="735495" cy="0"/>
+          </a:xfrm>
+          <a:prstGeom prst="line">
+            <a:avLst/>
+          </a:prstGeom>
+          <a:ln>
+            <a:solidFill>
+              <a:schemeClr val="accent6">
+                <a:lumMod val="75000"/>
+              </a:schemeClr>
+            </a:solidFill>
+          </a:ln>
+        </p:spPr>
+        <p:style>
+          <a:lnRef idx="2">
+            <a:schemeClr val="accent1"/>
+          </a:lnRef>
+          <a:fillRef idx="0">
+            <a:schemeClr val="accent1"/>
+          </a:fillRef>
+          <a:effectRef idx="1">
+            <a:schemeClr val="accent1"/>
+          </a:effectRef>
+          <a:fontRef idx="minor">
+            <a:schemeClr val="tx1"/>
+          </a:fontRef>
+        </p:style>
+      </p:cxnSp>
+      <p:cxnSp>
+        <p:nvCxnSpPr>
+          <p:cNvPr id="51" name="Straight Connector 50">
+            <a:extLst>
+              <a:ext uri="{FF2B5EF4-FFF2-40B4-BE49-F238E27FC236}">
+                <a16:creationId xmlns:a16="http://schemas.microsoft.com/office/drawing/2014/main" id="{A58F98DB-3A4B-72A8-F6AA-395588DAF576}"/>
+              </a:ext>
+            </a:extLst>
+          </p:cNvPr>
+          <p:cNvCxnSpPr>
+            <a:cxnSpLocks/>
+          </p:cNvCxnSpPr>
+          <p:nvPr/>
+        </p:nvCxnSpPr>
+        <p:spPr>
+          <a:xfrm>
+            <a:off x="3195577" y="3219011"/>
+            <a:ext cx="2193120" cy="0"/>
+          </a:xfrm>
+          <a:prstGeom prst="line">
+            <a:avLst/>
+          </a:prstGeom>
+          <a:ln>
+            <a:solidFill>
+              <a:schemeClr val="accent6">
+                <a:lumMod val="75000"/>
+              </a:schemeClr>
+            </a:solidFill>
+          </a:ln>
+        </p:spPr>
+        <p:style>
+          <a:lnRef idx="2">
+            <a:schemeClr val="accent1"/>
+          </a:lnRef>
+          <a:fillRef idx="0">
+            <a:schemeClr val="accent1"/>
+          </a:fillRef>
+          <a:effectRef idx="1">
+            <a:schemeClr val="accent1"/>
+          </a:effectRef>
+          <a:fontRef idx="minor">
+            <a:schemeClr val="tx1"/>
+          </a:fontRef>
+        </p:style>
+      </p:cxnSp>
+      <p:cxnSp>
+        <p:nvCxnSpPr>
+          <p:cNvPr id="53" name="Straight Connector 52">
+            <a:extLst>
+              <a:ext uri="{FF2B5EF4-FFF2-40B4-BE49-F238E27FC236}">
+                <a16:creationId xmlns:a16="http://schemas.microsoft.com/office/drawing/2014/main" id="{35665F5F-3552-FACD-BEE4-FE9DC3825689}"/>
+              </a:ext>
+            </a:extLst>
+          </p:cNvPr>
+          <p:cNvCxnSpPr>
+            <a:cxnSpLocks/>
+          </p:cNvCxnSpPr>
+          <p:nvPr/>
+        </p:nvCxnSpPr>
+        <p:spPr>
+          <a:xfrm>
+            <a:off x="3214676" y="3889316"/>
+            <a:ext cx="2162711" cy="0"/>
+          </a:xfrm>
+          <a:prstGeom prst="line">
+            <a:avLst/>
+          </a:prstGeom>
+          <a:ln>
+            <a:solidFill>
+              <a:schemeClr val="accent6">
+                <a:lumMod val="75000"/>
+              </a:schemeClr>
+            </a:solidFill>
+          </a:ln>
+        </p:spPr>
+        <p:style>
+          <a:lnRef idx="2">
+            <a:schemeClr val="accent1"/>
+          </a:lnRef>
+          <a:fillRef idx="0">
+            <a:schemeClr val="accent1"/>
+          </a:fillRef>
+          <a:effectRef idx="1">
+            <a:schemeClr val="accent1"/>
+          </a:effectRef>
+          <a:fontRef idx="minor">
+            <a:schemeClr val="tx1"/>
+          </a:fontRef>
+        </p:style>
+      </p:cxnSp>
+      <p:cxnSp>
+        <p:nvCxnSpPr>
+          <p:cNvPr id="54" name="Straight Connector 53">
+            <a:extLst>
+              <a:ext uri="{FF2B5EF4-FFF2-40B4-BE49-F238E27FC236}">
+                <a16:creationId xmlns:a16="http://schemas.microsoft.com/office/drawing/2014/main" id="{62DFAFC3-6641-5ACD-5216-9674CBD81155}"/>
+              </a:ext>
+            </a:extLst>
+          </p:cNvPr>
+          <p:cNvCxnSpPr>
+            <a:cxnSpLocks/>
+          </p:cNvCxnSpPr>
+          <p:nvPr/>
+        </p:nvCxnSpPr>
+        <p:spPr>
+          <a:xfrm>
+            <a:off x="2516684" y="4820672"/>
+            <a:ext cx="2003593" cy="0"/>
+          </a:xfrm>
+          <a:prstGeom prst="line">
+            <a:avLst/>
+          </a:prstGeom>
+          <a:ln>
+            <a:solidFill>
+              <a:schemeClr val="tx2">
+                <a:lumMod val="50000"/>
+                <a:lumOff val="50000"/>
+              </a:schemeClr>
+            </a:solidFill>
+          </a:ln>
+        </p:spPr>
+        <p:style>
+          <a:lnRef idx="2">
+            <a:schemeClr val="accent1"/>
+          </a:lnRef>
+          <a:fillRef idx="0">
+            <a:schemeClr val="accent1"/>
+          </a:fillRef>
+          <a:effectRef idx="1">
+            <a:schemeClr val="accent1"/>
+          </a:effectRef>
+          <a:fontRef idx="minor">
+            <a:schemeClr val="tx1"/>
+          </a:fontRef>
+        </p:style>
+      </p:cxnSp>
+      <p:cxnSp>
+        <p:nvCxnSpPr>
+          <p:cNvPr id="56" name="Straight Connector 55">
+            <a:extLst>
+              <a:ext uri="{FF2B5EF4-FFF2-40B4-BE49-F238E27FC236}">
+                <a16:creationId xmlns:a16="http://schemas.microsoft.com/office/drawing/2014/main" id="{C3BF8C6A-1468-CF7B-7270-730298792166}"/>
+              </a:ext>
+            </a:extLst>
+          </p:cNvPr>
+          <p:cNvCxnSpPr>
+            <a:cxnSpLocks/>
+          </p:cNvCxnSpPr>
+          <p:nvPr/>
+        </p:nvCxnSpPr>
+        <p:spPr>
+          <a:xfrm>
+            <a:off x="4520277" y="4775107"/>
+            <a:ext cx="867347" cy="0"/>
+          </a:xfrm>
+          <a:prstGeom prst="line">
+            <a:avLst/>
+          </a:prstGeom>
+          <a:ln>
+            <a:solidFill>
+              <a:schemeClr val="tx2">
+                <a:lumMod val="50000"/>
+                <a:lumOff val="50000"/>
+              </a:schemeClr>
+            </a:solidFill>
+          </a:ln>
+        </p:spPr>
+        <p:style>
+          <a:lnRef idx="2">
+            <a:schemeClr val="accent1"/>
+          </a:lnRef>
+          <a:fillRef idx="0">
+            <a:schemeClr val="accent1"/>
+          </a:fillRef>
+          <a:effectRef idx="1">
+            <a:schemeClr val="accent1"/>
+          </a:effectRef>
+          <a:fontRef idx="minor">
+            <a:schemeClr val="tx1"/>
+          </a:fontRef>
+        </p:style>
+      </p:cxnSp>
+      <p:cxnSp>
+        <p:nvCxnSpPr>
+          <p:cNvPr id="58" name="Straight Connector 57">
+            <a:extLst>
+              <a:ext uri="{FF2B5EF4-FFF2-40B4-BE49-F238E27FC236}">
+                <a16:creationId xmlns:a16="http://schemas.microsoft.com/office/drawing/2014/main" id="{78F46388-C7C8-5CB0-E8AD-C494FE5415CF}"/>
+              </a:ext>
+            </a:extLst>
+          </p:cNvPr>
+          <p:cNvCxnSpPr>
+            <a:cxnSpLocks/>
+          </p:cNvCxnSpPr>
+          <p:nvPr/>
+        </p:nvCxnSpPr>
+        <p:spPr>
+          <a:xfrm>
+            <a:off x="3206887" y="4646776"/>
+            <a:ext cx="2170500" cy="0"/>
+          </a:xfrm>
+          <a:prstGeom prst="line">
+            <a:avLst/>
+          </a:prstGeom>
+          <a:ln>
+            <a:solidFill>
+              <a:schemeClr val="accent6">
+                <a:lumMod val="75000"/>
+              </a:schemeClr>
+            </a:solidFill>
+          </a:ln>
+        </p:spPr>
+        <p:style>
+          <a:lnRef idx="2">
+            <a:schemeClr val="accent1"/>
+          </a:lnRef>
+          <a:fillRef idx="0">
+            <a:schemeClr val="accent1"/>
+          </a:fillRef>
+          <a:effectRef idx="1">
+            <a:schemeClr val="accent1"/>
+          </a:effectRef>
+          <a:fontRef idx="minor">
+            <a:schemeClr val="tx1"/>
+          </a:fontRef>
+        </p:style>
+      </p:cxnSp>
+      <p:cxnSp>
+        <p:nvCxnSpPr>
+          <p:cNvPr id="60" name="Straight Arrow Connector 59">
+            <a:extLst>
+              <a:ext uri="{FF2B5EF4-FFF2-40B4-BE49-F238E27FC236}">
+                <a16:creationId xmlns:a16="http://schemas.microsoft.com/office/drawing/2014/main" id="{D3E10998-B886-BED4-FDEE-8934F21CD327}"/>
+              </a:ext>
+            </a:extLst>
+          </p:cNvPr>
+          <p:cNvCxnSpPr>
+            <a:cxnSpLocks/>
+          </p:cNvCxnSpPr>
+          <p:nvPr/>
+        </p:nvCxnSpPr>
+        <p:spPr>
+          <a:xfrm flipH="1">
+            <a:off x="3246827" y="3368467"/>
+            <a:ext cx="2138754" cy="0"/>
+          </a:xfrm>
+          <a:prstGeom prst="straightConnector1">
+            <a:avLst/>
+          </a:prstGeom>
+          <a:ln w="9525">
+            <a:solidFill>
+              <a:srgbClr val="00B050"/>
+            </a:solidFill>
+            <a:prstDash val="sysDash"/>
+            <a:tailEnd type="triangle"/>
+          </a:ln>
+        </p:spPr>
+        <p:style>
+          <a:lnRef idx="2">
+            <a:schemeClr val="accent1"/>
+          </a:lnRef>
+          <a:fillRef idx="0">
+            <a:schemeClr val="accent1"/>
+          </a:fillRef>
+          <a:effectRef idx="1">
+            <a:schemeClr val="accent1"/>
+          </a:effectRef>
+          <a:fontRef idx="minor">
+            <a:schemeClr val="tx1"/>
+          </a:fontRef>
+        </p:style>
+      </p:cxnSp>
+      <p:cxnSp>
+        <p:nvCxnSpPr>
+          <p:cNvPr id="62" name="Straight Arrow Connector 61">
+            <a:extLst>
+              <a:ext uri="{FF2B5EF4-FFF2-40B4-BE49-F238E27FC236}">
+                <a16:creationId xmlns:a16="http://schemas.microsoft.com/office/drawing/2014/main" id="{22C6B17A-A86F-0EDB-5113-FA66728F0F19}"/>
+              </a:ext>
+            </a:extLst>
+          </p:cNvPr>
+          <p:cNvCxnSpPr>
+            <a:cxnSpLocks/>
+          </p:cNvCxnSpPr>
+          <p:nvPr/>
+        </p:nvCxnSpPr>
+        <p:spPr>
+          <a:xfrm flipH="1">
+            <a:off x="2500267" y="3186948"/>
+            <a:ext cx="633849" cy="0"/>
+          </a:xfrm>
+          <a:prstGeom prst="straightConnector1">
+            <a:avLst/>
+          </a:prstGeom>
+          <a:ln w="9525">
+            <a:solidFill>
+              <a:schemeClr val="accent6">
+                <a:lumMod val="75000"/>
+              </a:schemeClr>
+            </a:solidFill>
+            <a:prstDash val="sysDash"/>
+            <a:tailEnd type="triangle"/>
+          </a:ln>
+        </p:spPr>
+        <p:style>
+          <a:lnRef idx="2">
+            <a:schemeClr val="accent1"/>
+          </a:lnRef>
+          <a:fillRef idx="0">
+            <a:schemeClr val="accent1"/>
+          </a:fillRef>
+          <a:effectRef idx="1">
+            <a:schemeClr val="accent1"/>
+          </a:effectRef>
+          <a:fontRef idx="minor">
+            <a:schemeClr val="tx1"/>
+          </a:fontRef>
+        </p:style>
+      </p:cxnSp>
+      <p:cxnSp>
+        <p:nvCxnSpPr>
+          <p:cNvPr id="64" name="Straight Arrow Connector 63">
+            <a:extLst>
+              <a:ext uri="{FF2B5EF4-FFF2-40B4-BE49-F238E27FC236}">
+                <a16:creationId xmlns:a16="http://schemas.microsoft.com/office/drawing/2014/main" id="{DF12E1C7-F180-2C87-AB89-5B131FFD4466}"/>
+              </a:ext>
+            </a:extLst>
+          </p:cNvPr>
+          <p:cNvCxnSpPr>
+            <a:cxnSpLocks/>
+          </p:cNvCxnSpPr>
+          <p:nvPr/>
+        </p:nvCxnSpPr>
+        <p:spPr>
+          <a:xfrm flipH="1">
+            <a:off x="3238633" y="3958611"/>
+            <a:ext cx="2138754" cy="0"/>
+          </a:xfrm>
+          <a:prstGeom prst="straightConnector1">
+            <a:avLst/>
+          </a:prstGeom>
+          <a:ln w="9525">
+            <a:solidFill>
+              <a:srgbClr val="00B050"/>
+            </a:solidFill>
+            <a:prstDash val="sysDash"/>
+            <a:tailEnd type="triangle"/>
+          </a:ln>
+        </p:spPr>
+        <p:style>
+          <a:lnRef idx="2">
+            <a:schemeClr val="accent1"/>
+          </a:lnRef>
+          <a:fillRef idx="0">
+            <a:schemeClr val="accent1"/>
+          </a:fillRef>
+          <a:effectRef idx="1">
+            <a:schemeClr val="accent1"/>
+          </a:effectRef>
+          <a:fontRef idx="minor">
+            <a:schemeClr val="tx1"/>
+          </a:fontRef>
+        </p:style>
+      </p:cxnSp>
+      <p:cxnSp>
+        <p:nvCxnSpPr>
+          <p:cNvPr id="65" name="Straight Arrow Connector 64">
+            <a:extLst>
+              <a:ext uri="{FF2B5EF4-FFF2-40B4-BE49-F238E27FC236}">
+                <a16:creationId xmlns:a16="http://schemas.microsoft.com/office/drawing/2014/main" id="{214D8593-287B-D844-4C63-71FB76C07FFA}"/>
+              </a:ext>
+            </a:extLst>
+          </p:cNvPr>
+          <p:cNvCxnSpPr>
+            <a:cxnSpLocks/>
+          </p:cNvCxnSpPr>
+          <p:nvPr/>
+        </p:nvCxnSpPr>
+        <p:spPr>
+          <a:xfrm flipH="1">
+            <a:off x="2512686" y="3942791"/>
+            <a:ext cx="668483" cy="0"/>
+          </a:xfrm>
+          <a:prstGeom prst="straightConnector1">
+            <a:avLst/>
+          </a:prstGeom>
+          <a:ln w="9525">
+            <a:solidFill>
+              <a:srgbClr val="00B050"/>
+            </a:solidFill>
+            <a:prstDash val="sysDash"/>
+            <a:tailEnd type="triangle"/>
+          </a:ln>
+        </p:spPr>
+        <p:style>
+          <a:lnRef idx="2">
+            <a:schemeClr val="accent1"/>
+          </a:lnRef>
+          <a:fillRef idx="0">
+            <a:schemeClr val="accent1"/>
+          </a:fillRef>
+          <a:effectRef idx="1">
+            <a:schemeClr val="accent1"/>
+          </a:effectRef>
+          <a:fontRef idx="minor">
+            <a:schemeClr val="tx1"/>
+          </a:fontRef>
+        </p:style>
+      </p:cxnSp>
+      <p:cxnSp>
+        <p:nvCxnSpPr>
+          <p:cNvPr id="67" name="Straight Arrow Connector 66">
+            <a:extLst>
+              <a:ext uri="{FF2B5EF4-FFF2-40B4-BE49-F238E27FC236}">
+                <a16:creationId xmlns:a16="http://schemas.microsoft.com/office/drawing/2014/main" id="{F1B191F2-4CC3-A343-51CD-81D05DD2421D}"/>
+              </a:ext>
+            </a:extLst>
+          </p:cNvPr>
+          <p:cNvCxnSpPr>
+            <a:cxnSpLocks/>
+          </p:cNvCxnSpPr>
+          <p:nvPr/>
+        </p:nvCxnSpPr>
+        <p:spPr>
+          <a:xfrm flipH="1" flipV="1">
+            <a:off x="3124591" y="3409950"/>
+            <a:ext cx="0" cy="532841"/>
+          </a:xfrm>
+          <a:prstGeom prst="straightConnector1">
+            <a:avLst/>
+          </a:prstGeom>
+          <a:ln w="9525">
+            <a:solidFill>
+              <a:srgbClr val="00B050"/>
+            </a:solidFill>
+            <a:prstDash val="sysDash"/>
+            <a:tailEnd type="triangle"/>
+          </a:ln>
+        </p:spPr>
+        <p:style>
+          <a:lnRef idx="2">
+            <a:schemeClr val="accent1"/>
+          </a:lnRef>
+          <a:fillRef idx="0">
+            <a:schemeClr val="accent1"/>
+          </a:fillRef>
+          <a:effectRef idx="1">
+            <a:schemeClr val="accent1"/>
+          </a:effectRef>
+          <a:fontRef idx="minor">
+            <a:schemeClr val="tx1"/>
+          </a:fontRef>
+        </p:style>
+      </p:cxnSp>
+      <p:cxnSp>
+        <p:nvCxnSpPr>
+          <p:cNvPr id="71" name="Straight Arrow Connector 70">
+            <a:extLst>
+              <a:ext uri="{FF2B5EF4-FFF2-40B4-BE49-F238E27FC236}">
+                <a16:creationId xmlns:a16="http://schemas.microsoft.com/office/drawing/2014/main" id="{332A0291-6FB8-E23D-36B3-22A00C79A572}"/>
+              </a:ext>
+            </a:extLst>
+          </p:cNvPr>
+          <p:cNvCxnSpPr>
+            <a:cxnSpLocks/>
+          </p:cNvCxnSpPr>
+          <p:nvPr/>
+        </p:nvCxnSpPr>
+        <p:spPr>
+          <a:xfrm flipH="1" flipV="1">
+            <a:off x="2511953" y="3368467"/>
+            <a:ext cx="580893" cy="0"/>
+          </a:xfrm>
+          <a:prstGeom prst="straightConnector1">
+            <a:avLst/>
+          </a:prstGeom>
+          <a:ln w="9525">
+            <a:solidFill>
+              <a:srgbClr val="00B050"/>
+            </a:solidFill>
+            <a:prstDash val="sysDash"/>
+            <a:tailEnd type="triangle"/>
+          </a:ln>
+        </p:spPr>
+        <p:style>
+          <a:lnRef idx="2">
+            <a:schemeClr val="accent1"/>
+          </a:lnRef>
+          <a:fillRef idx="0">
+            <a:schemeClr val="accent1"/>
+          </a:fillRef>
+          <a:effectRef idx="1">
+            <a:schemeClr val="accent1"/>
+          </a:effectRef>
+          <a:fontRef idx="minor">
+            <a:schemeClr val="tx1"/>
+          </a:fontRef>
+        </p:style>
+      </p:cxnSp>
+      <p:cxnSp>
+        <p:nvCxnSpPr>
+          <p:cNvPr id="77" name="Straight Arrow Connector 76">
+            <a:extLst>
+              <a:ext uri="{FF2B5EF4-FFF2-40B4-BE49-F238E27FC236}">
+                <a16:creationId xmlns:a16="http://schemas.microsoft.com/office/drawing/2014/main" id="{06CBBFD1-2A69-2BBD-2E79-D2944A95B29B}"/>
+              </a:ext>
+            </a:extLst>
+          </p:cNvPr>
+          <p:cNvCxnSpPr>
+            <a:cxnSpLocks/>
+          </p:cNvCxnSpPr>
+          <p:nvPr/>
+        </p:nvCxnSpPr>
+        <p:spPr>
+          <a:xfrm flipH="1">
+            <a:off x="4528472" y="4856121"/>
+            <a:ext cx="840864" cy="0"/>
+          </a:xfrm>
+          <a:prstGeom prst="straightConnector1">
+            <a:avLst/>
+          </a:prstGeom>
+          <a:ln w="9525">
+            <a:solidFill>
+              <a:srgbClr val="0070C0"/>
+            </a:solidFill>
+            <a:prstDash val="sysDash"/>
+            <a:tailEnd type="triangle"/>
+          </a:ln>
+        </p:spPr>
+        <p:style>
+          <a:lnRef idx="2">
+            <a:schemeClr val="accent1"/>
+          </a:lnRef>
+          <a:fillRef idx="0">
+            <a:schemeClr val="accent1"/>
+          </a:fillRef>
+          <a:effectRef idx="1">
+            <a:schemeClr val="accent1"/>
+          </a:effectRef>
+          <a:fontRef idx="minor">
+            <a:schemeClr val="tx1"/>
+          </a:fontRef>
+        </p:style>
+      </p:cxnSp>
+      <p:cxnSp>
+        <p:nvCxnSpPr>
+          <p:cNvPr id="80" name="Straight Arrow Connector 79">
+            <a:extLst>
+              <a:ext uri="{FF2B5EF4-FFF2-40B4-BE49-F238E27FC236}">
+                <a16:creationId xmlns:a16="http://schemas.microsoft.com/office/drawing/2014/main" id="{E72A199A-DF02-07C6-DF8D-F6C58493DC32}"/>
+              </a:ext>
+            </a:extLst>
+          </p:cNvPr>
+          <p:cNvCxnSpPr>
+            <a:cxnSpLocks/>
+          </p:cNvCxnSpPr>
+          <p:nvPr/>
+        </p:nvCxnSpPr>
+        <p:spPr>
+          <a:xfrm flipH="1">
+            <a:off x="2511953" y="4884253"/>
+            <a:ext cx="1962725" cy="0"/>
+          </a:xfrm>
+          <a:prstGeom prst="straightConnector1">
+            <a:avLst/>
+          </a:prstGeom>
+          <a:ln w="9525">
+            <a:solidFill>
+              <a:srgbClr val="0070C0"/>
+            </a:solidFill>
+            <a:prstDash val="sysDash"/>
+            <a:tailEnd type="triangle"/>
+          </a:ln>
+        </p:spPr>
+        <p:style>
+          <a:lnRef idx="2">
+            <a:schemeClr val="accent1"/>
+          </a:lnRef>
+          <a:fillRef idx="0">
+            <a:schemeClr val="accent1"/>
+          </a:fillRef>
+          <a:effectRef idx="1">
+            <a:schemeClr val="accent1"/>
+          </a:effectRef>
+          <a:fontRef idx="minor">
+            <a:schemeClr val="tx1"/>
+          </a:fontRef>
+        </p:style>
+      </p:cxnSp>
+      <p:cxnSp>
+        <p:nvCxnSpPr>
+          <p:cNvPr id="83" name="Straight Arrow Connector 82">
+            <a:extLst>
+              <a:ext uri="{FF2B5EF4-FFF2-40B4-BE49-F238E27FC236}">
+                <a16:creationId xmlns:a16="http://schemas.microsoft.com/office/drawing/2014/main" id="{F0E5A962-352A-0266-9ADC-50B764C28829}"/>
+              </a:ext>
+            </a:extLst>
+          </p:cNvPr>
+          <p:cNvCxnSpPr>
+            <a:cxnSpLocks/>
+          </p:cNvCxnSpPr>
+          <p:nvPr/>
+        </p:nvCxnSpPr>
+        <p:spPr>
+          <a:xfrm flipH="1">
+            <a:off x="3228415" y="4725215"/>
+            <a:ext cx="2140921" cy="0"/>
+          </a:xfrm>
+          <a:prstGeom prst="straightConnector1">
+            <a:avLst/>
+          </a:prstGeom>
+          <a:ln w="9525">
+            <a:solidFill>
+              <a:schemeClr val="tx1"/>
+            </a:solidFill>
+            <a:prstDash val="sysDash"/>
+            <a:tailEnd type="triangle"/>
+          </a:ln>
+        </p:spPr>
+        <p:style>
+          <a:lnRef idx="2">
+            <a:schemeClr val="accent1"/>
+          </a:lnRef>
+          <a:fillRef idx="0">
+            <a:schemeClr val="accent1"/>
+          </a:fillRef>
+          <a:effectRef idx="1">
+            <a:schemeClr val="accent1"/>
+          </a:effectRef>
+          <a:fontRef idx="minor">
+            <a:schemeClr val="tx1"/>
+          </a:fontRef>
+        </p:style>
+      </p:cxnSp>
+      <p:cxnSp>
+        <p:nvCxnSpPr>
+          <p:cNvPr id="84" name="Straight Arrow Connector 83">
+            <a:extLst>
+              <a:ext uri="{FF2B5EF4-FFF2-40B4-BE49-F238E27FC236}">
+                <a16:creationId xmlns:a16="http://schemas.microsoft.com/office/drawing/2014/main" id="{E39B0937-3557-E7AE-FB2D-2BC5AAB50FD7}"/>
+              </a:ext>
+            </a:extLst>
+          </p:cNvPr>
+          <p:cNvCxnSpPr>
+            <a:cxnSpLocks/>
+          </p:cNvCxnSpPr>
+          <p:nvPr/>
+        </p:nvCxnSpPr>
+        <p:spPr>
+          <a:xfrm flipV="1">
+            <a:off x="3130687" y="4096063"/>
+            <a:ext cx="0" cy="641021"/>
+          </a:xfrm>
+          <a:prstGeom prst="straightConnector1">
+            <a:avLst/>
+          </a:prstGeom>
+          <a:ln w="9525">
+            <a:solidFill>
+              <a:schemeClr val="tx1"/>
+            </a:solidFill>
+            <a:prstDash val="sysDash"/>
+            <a:tailEnd type="triangle"/>
+          </a:ln>
+        </p:spPr>
+        <p:style>
+          <a:lnRef idx="2">
+            <a:schemeClr val="accent1"/>
+          </a:lnRef>
+          <a:fillRef idx="0">
+            <a:schemeClr val="accent1"/>
+          </a:fillRef>
+          <a:effectRef idx="1">
+            <a:schemeClr val="accent1"/>
+          </a:effectRef>
+          <a:fontRef idx="minor">
+            <a:schemeClr val="tx1"/>
+          </a:fontRef>
+        </p:style>
+      </p:cxnSp>
+      <p:cxnSp>
+        <p:nvCxnSpPr>
+          <p:cNvPr id="85" name="Straight Arrow Connector 84">
+            <a:extLst>
+              <a:ext uri="{FF2B5EF4-FFF2-40B4-BE49-F238E27FC236}">
+                <a16:creationId xmlns:a16="http://schemas.microsoft.com/office/drawing/2014/main" id="{0542FAAB-109D-1BFA-672C-609374F2E666}"/>
+              </a:ext>
+            </a:extLst>
+          </p:cNvPr>
+          <p:cNvCxnSpPr>
+            <a:cxnSpLocks/>
+          </p:cNvCxnSpPr>
+          <p:nvPr/>
+        </p:nvCxnSpPr>
+        <p:spPr>
+          <a:xfrm flipH="1">
+            <a:off x="2492841" y="4096063"/>
+            <a:ext cx="668483" cy="0"/>
+          </a:xfrm>
+          <a:prstGeom prst="straightConnector1">
+            <a:avLst/>
+          </a:prstGeom>
+          <a:ln w="9525">
+            <a:solidFill>
+              <a:schemeClr val="tx1"/>
+            </a:solidFill>
+            <a:prstDash val="sysDash"/>
+            <a:tailEnd type="triangle"/>
+          </a:ln>
+        </p:spPr>
+        <p:style>
+          <a:lnRef idx="2">
+            <a:schemeClr val="accent1"/>
+          </a:lnRef>
+          <a:fillRef idx="0">
+            <a:schemeClr val="accent1"/>
+          </a:fillRef>
+          <a:effectRef idx="1">
+            <a:schemeClr val="accent1"/>
+          </a:effectRef>
+          <a:fontRef idx="minor">
+            <a:schemeClr val="tx1"/>
+          </a:fontRef>
+        </p:style>
+      </p:cxnSp>
+      <p:pic>
+        <p:nvPicPr>
+          <p:cNvPr id="88" name="Picture 87">
+            <a:extLst>
+              <a:ext uri="{FF2B5EF4-FFF2-40B4-BE49-F238E27FC236}">
+                <a16:creationId xmlns:a16="http://schemas.microsoft.com/office/drawing/2014/main" id="{9075882E-C20F-E264-DE0A-7B90DC45239F}"/>
+              </a:ext>
+            </a:extLst>
+          </p:cNvPr>
+          <p:cNvPicPr>
+            <a:picLocks noChangeAspect="1"/>
+          </p:cNvPicPr>
+          <p:nvPr/>
+        </p:nvPicPr>
+        <p:blipFill>
+          <a:blip r:embed="rId7"/>
+          <a:stretch>
+            <a:fillRect/>
+          </a:stretch>
+        </p:blipFill>
+        <p:spPr>
+          <a:xfrm>
+            <a:off x="4474678" y="882035"/>
+            <a:ext cx="595784" cy="660543"/>
+          </a:xfrm>
+          <a:prstGeom prst="rect">
+            <a:avLst/>
+          </a:prstGeom>
+          <a:ln w="9525">
+            <a:solidFill>
+              <a:schemeClr val="tx1"/>
+            </a:solidFill>
+          </a:ln>
+        </p:spPr>
+      </p:pic>
+      <p:pic>
+        <p:nvPicPr>
+          <p:cNvPr id="3" name="Picture 2">
+            <a:extLst>
+              <a:ext uri="{FF2B5EF4-FFF2-40B4-BE49-F238E27FC236}">
+                <a16:creationId xmlns:a16="http://schemas.microsoft.com/office/drawing/2014/main" id="{A334DB82-5BF7-5A30-80FF-F35ED9C8AB7A}"/>
+              </a:ext>
+            </a:extLst>
+          </p:cNvPr>
+          <p:cNvPicPr>
+            <a:picLocks noChangeAspect="1"/>
+          </p:cNvPicPr>
+          <p:nvPr/>
+        </p:nvPicPr>
+        <p:blipFill>
+          <a:blip r:embed="rId8"/>
+          <a:stretch>
+            <a:fillRect/>
+          </a:stretch>
+        </p:blipFill>
+        <p:spPr>
+          <a:xfrm>
+            <a:off x="2250830" y="703305"/>
+            <a:ext cx="1841996" cy="1031518"/>
+          </a:xfrm>
+          <a:prstGeom prst="rect">
+            <a:avLst/>
+          </a:prstGeom>
+          <a:ln w="9525">
+            <a:solidFill>
+              <a:schemeClr val="tx1"/>
+            </a:solidFill>
+          </a:ln>
+        </p:spPr>
+      </p:pic>
+      <p:cxnSp>
+        <p:nvCxnSpPr>
+          <p:cNvPr id="35" name="Straight Arrow Connector 34">
+            <a:extLst>
+              <a:ext uri="{FF2B5EF4-FFF2-40B4-BE49-F238E27FC236}">
+                <a16:creationId xmlns:a16="http://schemas.microsoft.com/office/drawing/2014/main" id="{6CF33C5E-DB80-C31B-1F88-0E0DDC309977}"/>
+              </a:ext>
+            </a:extLst>
+          </p:cNvPr>
+          <p:cNvCxnSpPr>
+            <a:cxnSpLocks/>
+            <a:stCxn id="88" idx="1"/>
+            <a:endCxn id="3" idx="3"/>
+          </p:cNvCxnSpPr>
+          <p:nvPr/>
+        </p:nvCxnSpPr>
+        <p:spPr>
+          <a:xfrm flipH="1">
+            <a:off x="4092826" y="1212307"/>
+            <a:ext cx="381852" cy="6757"/>
+          </a:xfrm>
+          <a:prstGeom prst="straightConnector1">
+            <a:avLst/>
+          </a:prstGeom>
+          <a:ln>
+            <a:solidFill>
+              <a:srgbClr val="C00000"/>
+            </a:solidFill>
+            <a:tailEnd type="triangle"/>
+          </a:ln>
+        </p:spPr>
+        <p:style>
+          <a:lnRef idx="2">
+            <a:schemeClr val="accent1"/>
+          </a:lnRef>
+          <a:fillRef idx="0">
+            <a:schemeClr val="accent1"/>
+          </a:fillRef>
+          <a:effectRef idx="1">
+            <a:schemeClr val="accent1"/>
+          </a:effectRef>
+          <a:fontRef idx="minor">
+            <a:schemeClr val="tx1"/>
+          </a:fontRef>
+        </p:style>
+      </p:cxnSp>
+      <p:cxnSp>
+        <p:nvCxnSpPr>
+          <p:cNvPr id="36" name="Straight Arrow Connector 35">
+            <a:extLst>
+              <a:ext uri="{FF2B5EF4-FFF2-40B4-BE49-F238E27FC236}">
+                <a16:creationId xmlns:a16="http://schemas.microsoft.com/office/drawing/2014/main" id="{DDB948CC-56FD-559D-5116-1428B6D6F191}"/>
+              </a:ext>
+            </a:extLst>
+          </p:cNvPr>
+          <p:cNvCxnSpPr>
+            <a:cxnSpLocks/>
+          </p:cNvCxnSpPr>
+          <p:nvPr/>
+        </p:nvCxnSpPr>
+        <p:spPr>
+          <a:xfrm>
+            <a:off x="2827082" y="1734823"/>
+            <a:ext cx="0" cy="1254110"/>
+          </a:xfrm>
+          <a:prstGeom prst="straightConnector1">
+            <a:avLst/>
+          </a:prstGeom>
+          <a:ln>
+            <a:solidFill>
+              <a:srgbClr val="C00000"/>
+            </a:solidFill>
+            <a:tailEnd type="triangle"/>
+          </a:ln>
+        </p:spPr>
+        <p:style>
+          <a:lnRef idx="2">
+            <a:schemeClr val="accent1"/>
+          </a:lnRef>
+          <a:fillRef idx="0">
+            <a:schemeClr val="accent1"/>
+          </a:fillRef>
+          <a:effectRef idx="1">
+            <a:schemeClr val="accent1"/>
+          </a:effectRef>
+          <a:fontRef idx="minor">
+            <a:schemeClr val="tx1"/>
+          </a:fontRef>
+        </p:style>
+      </p:cxnSp>
+      <p:cxnSp>
+        <p:nvCxnSpPr>
+          <p:cNvPr id="39" name="Straight Arrow Connector 38">
+            <a:extLst>
+              <a:ext uri="{FF2B5EF4-FFF2-40B4-BE49-F238E27FC236}">
+                <a16:creationId xmlns:a16="http://schemas.microsoft.com/office/drawing/2014/main" id="{A5DE50C6-E12D-1EAF-FB56-8D2584617BE3}"/>
+              </a:ext>
+            </a:extLst>
+          </p:cNvPr>
+          <p:cNvCxnSpPr>
+            <a:cxnSpLocks/>
+          </p:cNvCxnSpPr>
+          <p:nvPr/>
+        </p:nvCxnSpPr>
+        <p:spPr>
+          <a:xfrm flipH="1">
+            <a:off x="2486880" y="2988933"/>
+            <a:ext cx="340202" cy="3687"/>
+          </a:xfrm>
+          <a:prstGeom prst="straightConnector1">
+            <a:avLst/>
+          </a:prstGeom>
+          <a:ln>
+            <a:solidFill>
+              <a:srgbClr val="C00000"/>
+            </a:solidFill>
+            <a:tailEnd type="triangle"/>
+          </a:ln>
+        </p:spPr>
+        <p:style>
+          <a:lnRef idx="2">
+            <a:schemeClr val="accent1"/>
+          </a:lnRef>
+          <a:fillRef idx="0">
+            <a:schemeClr val="accent1"/>
+          </a:fillRef>
+          <a:effectRef idx="1">
+            <a:schemeClr val="accent1"/>
+          </a:effectRef>
+          <a:fontRef idx="minor">
+            <a:schemeClr val="tx1"/>
+          </a:fontRef>
+        </p:style>
+      </p:cxnSp>
+      <p:cxnSp>
+        <p:nvCxnSpPr>
+          <p:cNvPr id="47" name="Straight Arrow Connector 46">
+            <a:extLst>
+              <a:ext uri="{FF2B5EF4-FFF2-40B4-BE49-F238E27FC236}">
+                <a16:creationId xmlns:a16="http://schemas.microsoft.com/office/drawing/2014/main" id="{325D5DC2-6ACF-C63B-DD42-43E71A62A747}"/>
+              </a:ext>
+            </a:extLst>
+          </p:cNvPr>
+          <p:cNvCxnSpPr>
+            <a:cxnSpLocks/>
+          </p:cNvCxnSpPr>
+          <p:nvPr/>
+        </p:nvCxnSpPr>
+        <p:spPr>
+          <a:xfrm>
+            <a:off x="2942906" y="1734823"/>
+            <a:ext cx="0" cy="3002261"/>
+          </a:xfrm>
+          <a:prstGeom prst="straightConnector1">
+            <a:avLst/>
+          </a:prstGeom>
+          <a:ln>
+            <a:solidFill>
+              <a:srgbClr val="C00000"/>
+            </a:solidFill>
+            <a:tailEnd type="triangle"/>
+          </a:ln>
+        </p:spPr>
+        <p:style>
+          <a:lnRef idx="2">
+            <a:schemeClr val="accent1"/>
+          </a:lnRef>
+          <a:fillRef idx="0">
+            <a:schemeClr val="accent1"/>
+          </a:fillRef>
+          <a:effectRef idx="1">
+            <a:schemeClr val="accent1"/>
+          </a:effectRef>
+          <a:fontRef idx="minor">
+            <a:schemeClr val="tx1"/>
+          </a:fontRef>
+        </p:style>
+      </p:cxnSp>
+      <p:cxnSp>
+        <p:nvCxnSpPr>
+          <p:cNvPr id="50" name="Straight Arrow Connector 49">
+            <a:extLst>
+              <a:ext uri="{FF2B5EF4-FFF2-40B4-BE49-F238E27FC236}">
+                <a16:creationId xmlns:a16="http://schemas.microsoft.com/office/drawing/2014/main" id="{4F70AB1A-9813-42A8-BB54-F09200C759EF}"/>
+              </a:ext>
+            </a:extLst>
+          </p:cNvPr>
+          <p:cNvCxnSpPr>
+            <a:cxnSpLocks/>
+          </p:cNvCxnSpPr>
+          <p:nvPr/>
+        </p:nvCxnSpPr>
+        <p:spPr>
+          <a:xfrm flipH="1" flipV="1">
+            <a:off x="2502428" y="4708509"/>
+            <a:ext cx="406634" cy="0"/>
+          </a:xfrm>
+          <a:prstGeom prst="straightConnector1">
+            <a:avLst/>
+          </a:prstGeom>
+          <a:ln>
+            <a:solidFill>
+              <a:srgbClr val="C00000"/>
+            </a:solidFill>
+            <a:tailEnd type="triangle"/>
+          </a:ln>
+        </p:spPr>
+        <p:style>
+          <a:lnRef idx="2">
+            <a:schemeClr val="accent1"/>
+          </a:lnRef>
+          <a:fillRef idx="0">
+            <a:schemeClr val="accent1"/>
+          </a:fillRef>
+          <a:effectRef idx="1">
+            <a:schemeClr val="accent1"/>
+          </a:effectRef>
+          <a:fontRef idx="minor">
+            <a:schemeClr val="tx1"/>
+          </a:fontRef>
+        </p:style>
+      </p:cxnSp>
+      <p:sp>
+        <p:nvSpPr>
+          <p:cNvPr id="55" name="TextBox 54">
+            <a:extLst>
+              <a:ext uri="{FF2B5EF4-FFF2-40B4-BE49-F238E27FC236}">
+                <a16:creationId xmlns:a16="http://schemas.microsoft.com/office/drawing/2014/main" id="{39A56F48-4BB8-B15A-C2CF-1188F94AC943}"/>
+              </a:ext>
+            </a:extLst>
+          </p:cNvPr>
+          <p:cNvSpPr txBox="1"/>
+          <p:nvPr/>
+        </p:nvSpPr>
+        <p:spPr>
+          <a:xfrm>
+            <a:off x="2191240" y="1417124"/>
+            <a:ext cx="2268357" cy="276999"/>
+          </a:xfrm>
+          <a:prstGeom prst="rect">
+            <a:avLst/>
+          </a:prstGeom>
+          <a:noFill/>
+        </p:spPr>
+        <p:txBody>
+          <a:bodyPr wrap="square" rtlCol="0">
+            <a:spAutoFit/>
+          </a:bodyPr>
+          <a:lstStyle/>
+          <a:p>
+            <a:pPr marL="0" marR="0" lvl="0" indent="0" algn="l" defTabSz="914400" rtl="0" eaLnBrk="1" fontAlgn="auto" latinLnBrk="0" hangingPunct="1">
+              <a:lnSpc>
+                <a:spcPct val="100000"/>
+              </a:lnSpc>
+              <a:spcBef>
+                <a:spcPts val="0"/>
+              </a:spcBef>
+              <a:spcAft>
+                <a:spcPts val="0"/>
+              </a:spcAft>
+              <a:buClrTx/>
+              <a:buSzTx/>
+              <a:buFontTx/>
+              <a:buNone/>
+              <a:tabLst/>
+              <a:defRPr/>
+            </a:pPr>
+            <a:r>
+              <a:rPr kumimoji="0" lang="en-US" sz="1200" b="1" i="0" u="none" strike="noStrike" kern="1200" cap="none" spc="0" normalizeH="0" baseline="0" noProof="0" dirty="0">
+                <a:ln>
+                  <a:noFill/>
+                </a:ln>
+                <a:effectLst/>
+                <a:uLnTx/>
+                <a:uFillTx/>
+                <a:latin typeface="Calibri" panose="020F0502020204030204"/>
+                <a:ea typeface="+mn-ea"/>
+                <a:cs typeface="+mn-cs"/>
+              </a:rPr>
+              <a:t>PLC Configuration Interface</a:t>
+            </a:r>
+            <a:endParaRPr kumimoji="0" lang="en-SG" sz="1200" b="1" i="0" u="none" strike="noStrike" kern="1200" cap="none" spc="0" normalizeH="0" baseline="0" noProof="0" dirty="0">
+              <a:ln>
+                <a:noFill/>
+              </a:ln>
+              <a:effectLst/>
+              <a:uLnTx/>
+              <a:uFillTx/>
+              <a:latin typeface="Calibri" panose="020F0502020204030204"/>
+              <a:ea typeface="+mn-ea"/>
+              <a:cs typeface="+mn-cs"/>
+            </a:endParaRPr>
+          </a:p>
+        </p:txBody>
+      </p:sp>
+      <p:sp>
+        <p:nvSpPr>
+          <p:cNvPr id="61" name="TextBox 60">
+            <a:extLst>
+              <a:ext uri="{FF2B5EF4-FFF2-40B4-BE49-F238E27FC236}">
+                <a16:creationId xmlns:a16="http://schemas.microsoft.com/office/drawing/2014/main" id="{2AE36C2E-FFB2-393B-AC98-A6B8C3DCE9E7}"/>
+              </a:ext>
+            </a:extLst>
+          </p:cNvPr>
+          <p:cNvSpPr txBox="1"/>
+          <p:nvPr/>
+        </p:nvSpPr>
+        <p:spPr>
+          <a:xfrm>
+            <a:off x="2904411" y="1736362"/>
+            <a:ext cx="1342973" cy="600164"/>
+          </a:xfrm>
+          <a:prstGeom prst="rect">
+            <a:avLst/>
+          </a:prstGeom>
+          <a:noFill/>
+        </p:spPr>
+        <p:txBody>
+          <a:bodyPr wrap="square" rtlCol="0">
+            <a:spAutoFit/>
+          </a:bodyPr>
+          <a:lstStyle/>
+          <a:p>
+            <a:pPr marL="0" marR="0" lvl="0" indent="0" algn="l" defTabSz="914400" rtl="0" eaLnBrk="1" fontAlgn="auto" latinLnBrk="0" hangingPunct="1">
+              <a:lnSpc>
+                <a:spcPct val="100000"/>
+              </a:lnSpc>
+              <a:spcBef>
+                <a:spcPts val="0"/>
+              </a:spcBef>
+              <a:spcAft>
+                <a:spcPts val="0"/>
+              </a:spcAft>
+              <a:buClrTx/>
+              <a:buSzTx/>
+              <a:buFontTx/>
+              <a:buNone/>
+              <a:tabLst/>
+              <a:defRPr/>
+            </a:pPr>
+            <a:r>
+              <a:rPr lang="en-US" sz="1100" b="1" dirty="0">
+                <a:solidFill>
+                  <a:srgbClr val="C00000"/>
+                </a:solidFill>
+                <a:latin typeface="Calibri" panose="020F0502020204030204"/>
+              </a:rPr>
+              <a:t>U</a:t>
+            </a:r>
+            <a:r>
+              <a:rPr kumimoji="0" lang="en-US" sz="1100" b="1" i="0" u="none" strike="noStrike" kern="1200" cap="none" spc="0" normalizeH="0" baseline="0" noProof="0" dirty="0" err="1">
+                <a:ln>
+                  <a:noFill/>
+                </a:ln>
+                <a:solidFill>
+                  <a:srgbClr val="C00000"/>
+                </a:solidFill>
+                <a:effectLst/>
+                <a:uLnTx/>
+                <a:uFillTx/>
+                <a:latin typeface="Calibri" panose="020F0502020204030204"/>
+                <a:ea typeface="+mn-ea"/>
+                <a:cs typeface="+mn-cs"/>
+              </a:rPr>
+              <a:t>nauthorized</a:t>
+            </a:r>
+            <a:r>
+              <a:rPr kumimoji="0" lang="en-US" sz="1100" b="1" i="0" u="none" strike="noStrike" kern="1200" cap="none" spc="0" normalizeH="0" baseline="0" noProof="0" dirty="0">
+                <a:ln>
+                  <a:noFill/>
+                </a:ln>
+                <a:solidFill>
+                  <a:srgbClr val="C00000"/>
+                </a:solidFill>
+                <a:effectLst/>
+                <a:uLnTx/>
+                <a:uFillTx/>
+                <a:latin typeface="Calibri" panose="020F0502020204030204"/>
+                <a:ea typeface="+mn-ea"/>
+                <a:cs typeface="+mn-cs"/>
+              </a:rPr>
+              <a:t> PLC config change http(s) request</a:t>
+            </a:r>
+            <a:endParaRPr kumimoji="0" lang="en-SG" sz="1100" b="1" i="0" u="none" strike="noStrike" kern="1200" cap="none" spc="0" normalizeH="0" baseline="0" noProof="0" dirty="0">
+              <a:ln>
+                <a:noFill/>
+              </a:ln>
+              <a:solidFill>
+                <a:srgbClr val="C00000"/>
+              </a:solidFill>
+              <a:effectLst/>
+              <a:uLnTx/>
+              <a:uFillTx/>
+              <a:latin typeface="Calibri" panose="020F0502020204030204"/>
+              <a:ea typeface="+mn-ea"/>
+              <a:cs typeface="+mn-cs"/>
+            </a:endParaRPr>
+          </a:p>
+        </p:txBody>
+      </p:sp>
+      <p:pic>
+        <p:nvPicPr>
+          <p:cNvPr id="66" name="Picture 65">
+            <a:extLst>
+              <a:ext uri="{FF2B5EF4-FFF2-40B4-BE49-F238E27FC236}">
+                <a16:creationId xmlns:a16="http://schemas.microsoft.com/office/drawing/2014/main" id="{BC48F67D-8D7F-5E80-A002-8D64E9013385}"/>
+              </a:ext>
+            </a:extLst>
+          </p:cNvPr>
+          <p:cNvPicPr>
+            <a:picLocks noChangeAspect="1"/>
+          </p:cNvPicPr>
+          <p:nvPr/>
+        </p:nvPicPr>
+        <p:blipFill>
+          <a:blip r:embed="rId9"/>
+          <a:stretch>
+            <a:fillRect/>
+          </a:stretch>
+        </p:blipFill>
+        <p:spPr>
+          <a:xfrm>
+            <a:off x="4285623" y="1846070"/>
+            <a:ext cx="500639" cy="331765"/>
+          </a:xfrm>
+          <a:prstGeom prst="rect">
+            <a:avLst/>
+          </a:prstGeom>
+        </p:spPr>
+      </p:pic>
+      <p:cxnSp>
+        <p:nvCxnSpPr>
+          <p:cNvPr id="69" name="Straight Arrow Connector 68">
+            <a:extLst>
+              <a:ext uri="{FF2B5EF4-FFF2-40B4-BE49-F238E27FC236}">
+                <a16:creationId xmlns:a16="http://schemas.microsoft.com/office/drawing/2014/main" id="{3A463BA7-5D27-F8C3-0454-79C231FFD950}"/>
+              </a:ext>
+            </a:extLst>
+          </p:cNvPr>
+          <p:cNvCxnSpPr>
+            <a:cxnSpLocks/>
+          </p:cNvCxnSpPr>
+          <p:nvPr/>
+        </p:nvCxnSpPr>
+        <p:spPr>
+          <a:xfrm>
+            <a:off x="4594106" y="1534815"/>
+            <a:ext cx="0" cy="311255"/>
+          </a:xfrm>
+          <a:prstGeom prst="straightConnector1">
+            <a:avLst/>
+          </a:prstGeom>
+          <a:ln>
+            <a:solidFill>
+              <a:srgbClr val="C00000"/>
+            </a:solidFill>
+            <a:tailEnd type="triangle"/>
+          </a:ln>
+        </p:spPr>
+        <p:style>
+          <a:lnRef idx="2">
+            <a:schemeClr val="accent1"/>
+          </a:lnRef>
+          <a:fillRef idx="0">
+            <a:schemeClr val="accent1"/>
+          </a:fillRef>
+          <a:effectRef idx="1">
+            <a:schemeClr val="accent1"/>
+          </a:effectRef>
+          <a:fontRef idx="minor">
+            <a:schemeClr val="tx1"/>
+          </a:fontRef>
+        </p:style>
+      </p:cxnSp>
+      <p:sp>
+        <p:nvSpPr>
+          <p:cNvPr id="73" name="TextBox 72">
+            <a:extLst>
+              <a:ext uri="{FF2B5EF4-FFF2-40B4-BE49-F238E27FC236}">
+                <a16:creationId xmlns:a16="http://schemas.microsoft.com/office/drawing/2014/main" id="{38806AD5-FB58-E93E-0C53-51139805472C}"/>
+              </a:ext>
+            </a:extLst>
+          </p:cNvPr>
+          <p:cNvSpPr txBox="1"/>
+          <p:nvPr/>
+        </p:nvSpPr>
+        <p:spPr>
+          <a:xfrm>
+            <a:off x="4714438" y="1604440"/>
+            <a:ext cx="1110808" cy="430887"/>
+          </a:xfrm>
+          <a:prstGeom prst="rect">
+            <a:avLst/>
+          </a:prstGeom>
+          <a:noFill/>
+        </p:spPr>
+        <p:txBody>
+          <a:bodyPr wrap="square" rtlCol="0">
+            <a:spAutoFit/>
+          </a:bodyPr>
+          <a:lstStyle/>
+          <a:p>
+            <a:pPr marL="0" marR="0" lvl="0" indent="0" algn="l" defTabSz="914400" rtl="0" eaLnBrk="1" fontAlgn="auto" latinLnBrk="0" hangingPunct="1">
+              <a:lnSpc>
+                <a:spcPct val="100000"/>
+              </a:lnSpc>
+              <a:spcBef>
+                <a:spcPts val="0"/>
+              </a:spcBef>
+              <a:spcAft>
+                <a:spcPts val="0"/>
+              </a:spcAft>
+              <a:buClrTx/>
+              <a:buSzTx/>
+              <a:buFontTx/>
+              <a:buNone/>
+              <a:tabLst/>
+              <a:defRPr/>
+            </a:pPr>
+            <a:r>
+              <a:rPr kumimoji="0" lang="en-US" sz="1100" b="1" i="0" u="none" strike="noStrike" kern="1200" cap="none" spc="0" normalizeH="0" baseline="0" noProof="0" dirty="0">
+                <a:ln>
+                  <a:noFill/>
+                </a:ln>
+                <a:solidFill>
+                  <a:srgbClr val="C00000"/>
+                </a:solidFill>
+                <a:effectLst/>
+                <a:uLnTx/>
+                <a:uFillTx/>
+                <a:latin typeface="Calibri" panose="020F0502020204030204"/>
+                <a:ea typeface="+mn-ea"/>
+                <a:cs typeface="+mn-cs"/>
+              </a:rPr>
+              <a:t>OT attack Program</a:t>
+            </a:r>
+            <a:endParaRPr kumimoji="0" lang="en-SG" sz="1100" b="1" i="0" u="none" strike="noStrike" kern="1200" cap="none" spc="0" normalizeH="0" baseline="0" noProof="0" dirty="0">
+              <a:ln>
+                <a:noFill/>
+              </a:ln>
+              <a:solidFill>
+                <a:srgbClr val="C00000"/>
+              </a:solidFill>
+              <a:effectLst/>
+              <a:uLnTx/>
+              <a:uFillTx/>
+              <a:latin typeface="Calibri" panose="020F0502020204030204"/>
+              <a:ea typeface="+mn-ea"/>
+              <a:cs typeface="+mn-cs"/>
+            </a:endParaRPr>
+          </a:p>
+        </p:txBody>
+      </p:sp>
+      <p:cxnSp>
+        <p:nvCxnSpPr>
+          <p:cNvPr id="74" name="Straight Arrow Connector 73">
+            <a:extLst>
+              <a:ext uri="{FF2B5EF4-FFF2-40B4-BE49-F238E27FC236}">
+                <a16:creationId xmlns:a16="http://schemas.microsoft.com/office/drawing/2014/main" id="{EFED99D8-E31A-AC18-4552-D333FB6AC82A}"/>
+              </a:ext>
+            </a:extLst>
+          </p:cNvPr>
+          <p:cNvCxnSpPr>
+            <a:cxnSpLocks/>
+          </p:cNvCxnSpPr>
+          <p:nvPr/>
+        </p:nvCxnSpPr>
+        <p:spPr>
+          <a:xfrm>
+            <a:off x="4308010" y="2177835"/>
+            <a:ext cx="0" cy="873873"/>
+          </a:xfrm>
+          <a:prstGeom prst="straightConnector1">
+            <a:avLst/>
+          </a:prstGeom>
+          <a:ln>
+            <a:solidFill>
+              <a:srgbClr val="C00000"/>
+            </a:solidFill>
+            <a:prstDash val="sysDash"/>
+            <a:tailEnd type="triangle"/>
+          </a:ln>
+        </p:spPr>
+        <p:style>
+          <a:lnRef idx="2">
+            <a:schemeClr val="accent1"/>
+          </a:lnRef>
+          <a:fillRef idx="0">
+            <a:schemeClr val="accent1"/>
+          </a:fillRef>
+          <a:effectRef idx="1">
+            <a:schemeClr val="accent1"/>
+          </a:effectRef>
+          <a:fontRef idx="minor">
+            <a:schemeClr val="tx1"/>
+          </a:fontRef>
+        </p:style>
+      </p:cxnSp>
+      <p:cxnSp>
+        <p:nvCxnSpPr>
+          <p:cNvPr id="81" name="Straight Arrow Connector 80">
+            <a:extLst>
+              <a:ext uri="{FF2B5EF4-FFF2-40B4-BE49-F238E27FC236}">
+                <a16:creationId xmlns:a16="http://schemas.microsoft.com/office/drawing/2014/main" id="{EDEEA0AD-74C0-157B-0CCA-176DD0139AE8}"/>
+              </a:ext>
+            </a:extLst>
+          </p:cNvPr>
+          <p:cNvCxnSpPr>
+            <a:cxnSpLocks/>
+          </p:cNvCxnSpPr>
+          <p:nvPr/>
+        </p:nvCxnSpPr>
+        <p:spPr>
+          <a:xfrm flipH="1">
+            <a:off x="2511953" y="4540252"/>
+            <a:ext cx="2202485" cy="0"/>
+          </a:xfrm>
+          <a:prstGeom prst="straightConnector1">
+            <a:avLst/>
+          </a:prstGeom>
+          <a:ln>
+            <a:solidFill>
+              <a:srgbClr val="C00000"/>
+            </a:solidFill>
+            <a:prstDash val="sysDash"/>
+            <a:tailEnd type="triangle"/>
+          </a:ln>
+        </p:spPr>
+        <p:style>
+          <a:lnRef idx="2">
+            <a:schemeClr val="accent1"/>
+          </a:lnRef>
+          <a:fillRef idx="0">
+            <a:schemeClr val="accent1"/>
+          </a:fillRef>
+          <a:effectRef idx="1">
+            <a:schemeClr val="accent1"/>
+          </a:effectRef>
+          <a:fontRef idx="minor">
+            <a:schemeClr val="tx1"/>
+          </a:fontRef>
+        </p:style>
+      </p:cxnSp>
+      <p:sp>
+        <p:nvSpPr>
+          <p:cNvPr id="92" name="TextBox 91">
+            <a:extLst>
+              <a:ext uri="{FF2B5EF4-FFF2-40B4-BE49-F238E27FC236}">
+                <a16:creationId xmlns:a16="http://schemas.microsoft.com/office/drawing/2014/main" id="{7281194D-BA20-A971-91D7-4095A7D9E138}"/>
+              </a:ext>
+            </a:extLst>
+          </p:cNvPr>
+          <p:cNvSpPr txBox="1"/>
+          <p:nvPr/>
+        </p:nvSpPr>
+        <p:spPr>
+          <a:xfrm>
+            <a:off x="3204151" y="2615870"/>
+            <a:ext cx="1159965" cy="430887"/>
+          </a:xfrm>
+          <a:prstGeom prst="rect">
+            <a:avLst/>
+          </a:prstGeom>
+          <a:noFill/>
+        </p:spPr>
+        <p:txBody>
+          <a:bodyPr wrap="square" rtlCol="0">
+            <a:spAutoFit/>
+          </a:bodyPr>
+          <a:lstStyle/>
+          <a:p>
+            <a:pPr marL="0" marR="0" lvl="0" indent="0" algn="l" defTabSz="914400" rtl="0" eaLnBrk="1" fontAlgn="auto" latinLnBrk="0" hangingPunct="1">
+              <a:lnSpc>
+                <a:spcPct val="100000"/>
+              </a:lnSpc>
+              <a:spcBef>
+                <a:spcPts val="0"/>
+              </a:spcBef>
+              <a:spcAft>
+                <a:spcPts val="0"/>
+              </a:spcAft>
+              <a:buClrTx/>
+              <a:buSzTx/>
+              <a:buFontTx/>
+              <a:buNone/>
+              <a:tabLst/>
+              <a:defRPr/>
+            </a:pPr>
+            <a:r>
+              <a:rPr kumimoji="0" lang="en-US" sz="1100" b="1" i="0" u="none" strike="noStrike" kern="1200" cap="none" spc="0" normalizeH="0" baseline="0" noProof="0" dirty="0">
+                <a:ln>
+                  <a:noFill/>
+                </a:ln>
+                <a:solidFill>
+                  <a:srgbClr val="C00000"/>
+                </a:solidFill>
+                <a:effectLst/>
+                <a:uLnTx/>
+                <a:uFillTx/>
+                <a:latin typeface="Calibri" panose="020F0502020204030204"/>
+                <a:ea typeface="+mn-ea"/>
+                <a:cs typeface="+mn-cs"/>
+              </a:rPr>
+              <a:t>FCI-OT-Attack Modbus request</a:t>
+            </a:r>
+            <a:endParaRPr kumimoji="0" lang="en-SG" sz="1100" b="1" i="0" u="none" strike="noStrike" kern="1200" cap="none" spc="0" normalizeH="0" baseline="0" noProof="0" dirty="0">
+              <a:ln>
+                <a:noFill/>
+              </a:ln>
+              <a:solidFill>
+                <a:srgbClr val="C00000"/>
+              </a:solidFill>
+              <a:effectLst/>
+              <a:uLnTx/>
+              <a:uFillTx/>
+              <a:latin typeface="Calibri" panose="020F0502020204030204"/>
+              <a:ea typeface="+mn-ea"/>
+              <a:cs typeface="+mn-cs"/>
+            </a:endParaRPr>
+          </a:p>
+        </p:txBody>
+      </p:sp>
+      <p:cxnSp>
+        <p:nvCxnSpPr>
+          <p:cNvPr id="94" name="Straight Connector 93">
+            <a:extLst>
+              <a:ext uri="{FF2B5EF4-FFF2-40B4-BE49-F238E27FC236}">
+                <a16:creationId xmlns:a16="http://schemas.microsoft.com/office/drawing/2014/main" id="{43ABC448-A40A-CE94-C4A2-4043107DAD99}"/>
+              </a:ext>
+            </a:extLst>
+          </p:cNvPr>
+          <p:cNvCxnSpPr>
+            <a:cxnSpLocks/>
+          </p:cNvCxnSpPr>
+          <p:nvPr/>
+        </p:nvCxnSpPr>
+        <p:spPr>
+          <a:xfrm flipH="1">
+            <a:off x="937260" y="3409950"/>
+            <a:ext cx="977470" cy="0"/>
+          </a:xfrm>
+          <a:prstGeom prst="line">
+            <a:avLst/>
+          </a:prstGeom>
+          <a:ln>
+            <a:solidFill>
+              <a:schemeClr val="accent5">
+                <a:lumMod val="75000"/>
+              </a:schemeClr>
+            </a:solidFill>
+          </a:ln>
+        </p:spPr>
+        <p:style>
+          <a:lnRef idx="2">
+            <a:schemeClr val="accent1"/>
+          </a:lnRef>
+          <a:fillRef idx="0">
+            <a:schemeClr val="accent1"/>
+          </a:fillRef>
+          <a:effectRef idx="1">
+            <a:schemeClr val="accent1"/>
+          </a:effectRef>
+          <a:fontRef idx="minor">
+            <a:schemeClr val="tx1"/>
+          </a:fontRef>
+        </p:style>
+      </p:cxnSp>
+      <p:cxnSp>
+        <p:nvCxnSpPr>
+          <p:cNvPr id="95" name="Straight Connector 94">
+            <a:extLst>
+              <a:ext uri="{FF2B5EF4-FFF2-40B4-BE49-F238E27FC236}">
+                <a16:creationId xmlns:a16="http://schemas.microsoft.com/office/drawing/2014/main" id="{CC70FC3E-66CC-CAF9-EE0C-C0D41A440DC7}"/>
+              </a:ext>
+            </a:extLst>
+          </p:cNvPr>
+          <p:cNvCxnSpPr>
+            <a:cxnSpLocks/>
+          </p:cNvCxnSpPr>
+          <p:nvPr/>
+        </p:nvCxnSpPr>
+        <p:spPr>
+          <a:xfrm flipH="1">
+            <a:off x="937260" y="4229355"/>
+            <a:ext cx="977470" cy="0"/>
+          </a:xfrm>
+          <a:prstGeom prst="line">
+            <a:avLst/>
+          </a:prstGeom>
+          <a:ln>
+            <a:solidFill>
+              <a:schemeClr val="accent5">
+                <a:lumMod val="75000"/>
+              </a:schemeClr>
+            </a:solidFill>
+          </a:ln>
+        </p:spPr>
+        <p:style>
+          <a:lnRef idx="2">
+            <a:schemeClr val="accent1"/>
+          </a:lnRef>
+          <a:fillRef idx="0">
+            <a:schemeClr val="accent1"/>
+          </a:fillRef>
+          <a:effectRef idx="1">
+            <a:schemeClr val="accent1"/>
+          </a:effectRef>
+          <a:fontRef idx="minor">
+            <a:schemeClr val="tx1"/>
+          </a:fontRef>
+        </p:style>
+      </p:cxnSp>
+      <p:cxnSp>
+        <p:nvCxnSpPr>
+          <p:cNvPr id="96" name="Straight Connector 95">
+            <a:extLst>
+              <a:ext uri="{FF2B5EF4-FFF2-40B4-BE49-F238E27FC236}">
+                <a16:creationId xmlns:a16="http://schemas.microsoft.com/office/drawing/2014/main" id="{CC809F81-F36E-37FB-B43E-5B7366EDB928}"/>
+              </a:ext>
+            </a:extLst>
+          </p:cNvPr>
+          <p:cNvCxnSpPr>
+            <a:cxnSpLocks/>
+          </p:cNvCxnSpPr>
+          <p:nvPr/>
+        </p:nvCxnSpPr>
+        <p:spPr>
+          <a:xfrm flipH="1">
+            <a:off x="937260" y="5037362"/>
+            <a:ext cx="977470" cy="0"/>
+          </a:xfrm>
+          <a:prstGeom prst="line">
+            <a:avLst/>
+          </a:prstGeom>
+          <a:ln>
+            <a:solidFill>
+              <a:schemeClr val="accent5">
+                <a:lumMod val="75000"/>
+              </a:schemeClr>
+            </a:solidFill>
+          </a:ln>
+        </p:spPr>
+        <p:style>
+          <a:lnRef idx="2">
+            <a:schemeClr val="accent1"/>
+          </a:lnRef>
+          <a:fillRef idx="0">
+            <a:schemeClr val="accent1"/>
+          </a:fillRef>
+          <a:effectRef idx="1">
+            <a:schemeClr val="accent1"/>
+          </a:effectRef>
+          <a:fontRef idx="minor">
+            <a:schemeClr val="tx1"/>
+          </a:fontRef>
+        </p:style>
+      </p:cxnSp>
+      <p:cxnSp>
+        <p:nvCxnSpPr>
+          <p:cNvPr id="98" name="Connector: Elbow 97">
+            <a:extLst>
+              <a:ext uri="{FF2B5EF4-FFF2-40B4-BE49-F238E27FC236}">
+                <a16:creationId xmlns:a16="http://schemas.microsoft.com/office/drawing/2014/main" id="{C3307E8B-387B-5415-7971-70D14CDBDEF0}"/>
+              </a:ext>
+            </a:extLst>
+          </p:cNvPr>
+          <p:cNvCxnSpPr>
+            <a:stCxn id="16" idx="2"/>
+          </p:cNvCxnSpPr>
+          <p:nvPr/>
+        </p:nvCxnSpPr>
+        <p:spPr>
+          <a:xfrm rot="16200000" flipH="1">
+            <a:off x="6204312" y="2925939"/>
+            <a:ext cx="124525" cy="1214922"/>
+          </a:xfrm>
+          <a:prstGeom prst="bentConnector2">
+            <a:avLst/>
+          </a:prstGeom>
+          <a:ln>
+            <a:solidFill>
+              <a:schemeClr val="accent5">
+                <a:lumMod val="75000"/>
+              </a:schemeClr>
+            </a:solidFill>
+          </a:ln>
+        </p:spPr>
+        <p:style>
+          <a:lnRef idx="2">
+            <a:schemeClr val="accent1"/>
+          </a:lnRef>
+          <a:fillRef idx="0">
+            <a:schemeClr val="accent1"/>
+          </a:fillRef>
+          <a:effectRef idx="1">
+            <a:schemeClr val="accent1"/>
+          </a:effectRef>
+          <a:fontRef idx="minor">
+            <a:schemeClr val="tx1"/>
+          </a:fontRef>
+        </p:style>
+      </p:cxnSp>
+      <p:cxnSp>
+        <p:nvCxnSpPr>
+          <p:cNvPr id="99" name="Connector: Elbow 98">
+            <a:extLst>
+              <a:ext uri="{FF2B5EF4-FFF2-40B4-BE49-F238E27FC236}">
+                <a16:creationId xmlns:a16="http://schemas.microsoft.com/office/drawing/2014/main" id="{2DE72FD1-4B23-647E-5462-12E7786FD1D3}"/>
+              </a:ext>
+            </a:extLst>
+          </p:cNvPr>
+          <p:cNvCxnSpPr>
+            <a:cxnSpLocks/>
+            <a:stCxn id="20" idx="2"/>
+          </p:cNvCxnSpPr>
+          <p:nvPr/>
+        </p:nvCxnSpPr>
+        <p:spPr>
+          <a:xfrm rot="16200000" flipH="1">
+            <a:off x="6203556" y="3651383"/>
+            <a:ext cx="118942" cy="1207830"/>
+          </a:xfrm>
+          <a:prstGeom prst="bentConnector2">
+            <a:avLst/>
+          </a:prstGeom>
+          <a:ln>
+            <a:solidFill>
+              <a:schemeClr val="accent5">
+                <a:lumMod val="75000"/>
+              </a:schemeClr>
+            </a:solidFill>
+          </a:ln>
+        </p:spPr>
+        <p:style>
+          <a:lnRef idx="2">
+            <a:schemeClr val="accent1"/>
+          </a:lnRef>
+          <a:fillRef idx="0">
+            <a:schemeClr val="accent1"/>
+          </a:fillRef>
+          <a:effectRef idx="1">
+            <a:schemeClr val="accent1"/>
+          </a:effectRef>
+          <a:fontRef idx="minor">
+            <a:schemeClr val="tx1"/>
+          </a:fontRef>
+        </p:style>
+      </p:cxnSp>
+      <p:cxnSp>
+        <p:nvCxnSpPr>
+          <p:cNvPr id="101" name="Connector: Elbow 100">
+            <a:extLst>
+              <a:ext uri="{FF2B5EF4-FFF2-40B4-BE49-F238E27FC236}">
+                <a16:creationId xmlns:a16="http://schemas.microsoft.com/office/drawing/2014/main" id="{C10FA8F7-EBA7-C357-7F0A-CDA0161877DF}"/>
+              </a:ext>
+            </a:extLst>
+          </p:cNvPr>
+          <p:cNvCxnSpPr>
+            <a:cxnSpLocks/>
+            <a:stCxn id="29" idx="2"/>
+          </p:cNvCxnSpPr>
+          <p:nvPr/>
+        </p:nvCxnSpPr>
+        <p:spPr>
+          <a:xfrm rot="16200000" flipH="1">
+            <a:off x="6233029" y="4457788"/>
+            <a:ext cx="63972" cy="1218038"/>
+          </a:xfrm>
+          <a:prstGeom prst="bentConnector2">
+            <a:avLst/>
+          </a:prstGeom>
+          <a:ln>
+            <a:solidFill>
+              <a:schemeClr val="accent5">
+                <a:lumMod val="75000"/>
+              </a:schemeClr>
+            </a:solidFill>
+          </a:ln>
+        </p:spPr>
+        <p:style>
+          <a:lnRef idx="2">
+            <a:schemeClr val="accent1"/>
+          </a:lnRef>
+          <a:fillRef idx="0">
+            <a:schemeClr val="accent1"/>
+          </a:fillRef>
+          <a:effectRef idx="1">
+            <a:schemeClr val="accent1"/>
+          </a:effectRef>
+          <a:fontRef idx="minor">
+            <a:schemeClr val="tx1"/>
+          </a:fontRef>
+        </p:style>
+      </p:cxnSp>
+      <p:cxnSp>
+        <p:nvCxnSpPr>
+          <p:cNvPr id="106" name="Straight Connector 105">
+            <a:extLst>
+              <a:ext uri="{FF2B5EF4-FFF2-40B4-BE49-F238E27FC236}">
+                <a16:creationId xmlns:a16="http://schemas.microsoft.com/office/drawing/2014/main" id="{00D95110-1363-BEEC-35FE-60D505EAEA15}"/>
+              </a:ext>
+            </a:extLst>
+          </p:cNvPr>
+          <p:cNvCxnSpPr>
+            <a:cxnSpLocks/>
+          </p:cNvCxnSpPr>
+          <p:nvPr/>
+        </p:nvCxnSpPr>
+        <p:spPr>
+          <a:xfrm flipV="1">
+            <a:off x="937260" y="3409950"/>
+            <a:ext cx="0" cy="2729511"/>
+          </a:xfrm>
+          <a:prstGeom prst="line">
+            <a:avLst/>
+          </a:prstGeom>
+          <a:ln>
+            <a:solidFill>
+              <a:schemeClr val="accent5">
+                <a:lumMod val="75000"/>
+              </a:schemeClr>
+            </a:solidFill>
+          </a:ln>
+        </p:spPr>
+        <p:style>
+          <a:lnRef idx="2">
+            <a:schemeClr val="accent1"/>
+          </a:lnRef>
+          <a:fillRef idx="0">
+            <a:schemeClr val="accent1"/>
+          </a:fillRef>
+          <a:effectRef idx="1">
+            <a:schemeClr val="accent1"/>
+          </a:effectRef>
+          <a:fontRef idx="minor">
+            <a:schemeClr val="tx1"/>
+          </a:fontRef>
+        </p:style>
+      </p:cxnSp>
+      <p:cxnSp>
+        <p:nvCxnSpPr>
+          <p:cNvPr id="110" name="Straight Connector 109">
+            <a:extLst>
+              <a:ext uri="{FF2B5EF4-FFF2-40B4-BE49-F238E27FC236}">
+                <a16:creationId xmlns:a16="http://schemas.microsoft.com/office/drawing/2014/main" id="{ACF7FFED-E9C2-3553-662F-7C6BAAC1B42B}"/>
+              </a:ext>
+            </a:extLst>
+          </p:cNvPr>
+          <p:cNvCxnSpPr>
+            <a:cxnSpLocks/>
+          </p:cNvCxnSpPr>
+          <p:nvPr/>
+        </p:nvCxnSpPr>
+        <p:spPr>
+          <a:xfrm flipH="1">
+            <a:off x="937260" y="6116700"/>
+            <a:ext cx="7625715" cy="22761"/>
+          </a:xfrm>
+          <a:prstGeom prst="line">
+            <a:avLst/>
+          </a:prstGeom>
+          <a:ln>
+            <a:solidFill>
+              <a:schemeClr val="accent5">
+                <a:lumMod val="75000"/>
+              </a:schemeClr>
+            </a:solidFill>
+          </a:ln>
+        </p:spPr>
+        <p:style>
+          <a:lnRef idx="2">
+            <a:schemeClr val="accent1"/>
+          </a:lnRef>
+          <a:fillRef idx="0">
+            <a:schemeClr val="accent1"/>
+          </a:fillRef>
+          <a:effectRef idx="1">
+            <a:schemeClr val="accent1"/>
+          </a:effectRef>
+          <a:fontRef idx="minor">
+            <a:schemeClr val="tx1"/>
+          </a:fontRef>
+        </p:style>
+      </p:cxnSp>
+      <p:cxnSp>
+        <p:nvCxnSpPr>
+          <p:cNvPr id="115" name="Straight Connector 114">
+            <a:extLst>
+              <a:ext uri="{FF2B5EF4-FFF2-40B4-BE49-F238E27FC236}">
+                <a16:creationId xmlns:a16="http://schemas.microsoft.com/office/drawing/2014/main" id="{B71CE4FD-4049-41C6-938D-55D1ECA39323}"/>
+              </a:ext>
+            </a:extLst>
+          </p:cNvPr>
+          <p:cNvCxnSpPr>
+            <a:cxnSpLocks/>
+          </p:cNvCxnSpPr>
+          <p:nvPr/>
+        </p:nvCxnSpPr>
+        <p:spPr>
+          <a:xfrm flipH="1" flipV="1">
+            <a:off x="6866942" y="3589714"/>
+            <a:ext cx="7092" cy="1509079"/>
+          </a:xfrm>
+          <a:prstGeom prst="line">
+            <a:avLst/>
+          </a:prstGeom>
+          <a:ln>
+            <a:solidFill>
+              <a:schemeClr val="accent5">
+                <a:lumMod val="75000"/>
+              </a:schemeClr>
+            </a:solidFill>
+          </a:ln>
+        </p:spPr>
+        <p:style>
+          <a:lnRef idx="2">
+            <a:schemeClr val="accent1"/>
+          </a:lnRef>
+          <a:fillRef idx="0">
+            <a:schemeClr val="accent1"/>
+          </a:fillRef>
+          <a:effectRef idx="1">
+            <a:schemeClr val="accent1"/>
+          </a:effectRef>
+          <a:fontRef idx="minor">
+            <a:schemeClr val="tx1"/>
+          </a:fontRef>
+        </p:style>
+      </p:cxnSp>
+      <p:sp>
+        <p:nvSpPr>
+          <p:cNvPr id="119" name="Arrow: Down 118">
+            <a:extLst>
+              <a:ext uri="{FF2B5EF4-FFF2-40B4-BE49-F238E27FC236}">
+                <a16:creationId xmlns:a16="http://schemas.microsoft.com/office/drawing/2014/main" id="{D0EB6C2C-0CB2-9462-AF2D-200EF26390CC}"/>
+              </a:ext>
+            </a:extLst>
+          </p:cNvPr>
+          <p:cNvSpPr/>
+          <p:nvPr/>
+        </p:nvSpPr>
+        <p:spPr>
+          <a:xfrm>
+            <a:off x="1716406" y="5280493"/>
+            <a:ext cx="131394" cy="214001"/>
+          </a:xfrm>
+          <a:prstGeom prst="downArrow">
+            <a:avLst/>
+          </a:prstGeom>
+          <a:solidFill>
+            <a:srgbClr val="FFC000"/>
+          </a:solidFill>
+        </p:spPr>
+        <p:style>
+          <a:lnRef idx="2">
+            <a:schemeClr val="accent1">
+              <a:shade val="15000"/>
+            </a:schemeClr>
+          </a:lnRef>
+          <a:fillRef idx="1">
+            <a:schemeClr val="accent1"/>
+          </a:fillRef>
+          <a:effectRef idx="0">
+            <a:schemeClr val="accent1"/>
+          </a:effectRef>
+          <a:fontRef idx="minor">
+            <a:schemeClr val="lt1"/>
+          </a:fontRef>
+        </p:style>
+        <p:txBody>
+          <a:bodyPr rtlCol="0" anchor="ctr"/>
+          <a:lstStyle/>
+          <a:p>
+            <a:pPr algn="ctr"/>
+            <a:endParaRPr lang="en-SG"/>
+          </a:p>
+        </p:txBody>
+      </p:sp>
+      <p:sp>
+        <p:nvSpPr>
+          <p:cNvPr id="120" name="Right Brace 119">
+            <a:extLst>
+              <a:ext uri="{FF2B5EF4-FFF2-40B4-BE49-F238E27FC236}">
+                <a16:creationId xmlns:a16="http://schemas.microsoft.com/office/drawing/2014/main" id="{B4E61BEB-C431-909E-AD0B-265A2956F214}"/>
+              </a:ext>
+            </a:extLst>
+          </p:cNvPr>
+          <p:cNvSpPr/>
+          <p:nvPr/>
+        </p:nvSpPr>
+        <p:spPr>
+          <a:xfrm rot="5400000">
+            <a:off x="3734755" y="3972071"/>
+            <a:ext cx="228786" cy="2851734"/>
+          </a:xfrm>
+          <a:prstGeom prst="rightBrace">
+            <a:avLst/>
+          </a:prstGeom>
+          <a:ln>
+            <a:prstDash val="sysDash"/>
+          </a:ln>
+        </p:spPr>
+        <p:style>
+          <a:lnRef idx="2">
+            <a:schemeClr val="accent1"/>
+          </a:lnRef>
+          <a:fillRef idx="0">
+            <a:schemeClr val="accent1"/>
+          </a:fillRef>
+          <a:effectRef idx="1">
+            <a:schemeClr val="accent1"/>
+          </a:effectRef>
+          <a:fontRef idx="minor">
+            <a:schemeClr val="tx1"/>
+          </a:fontRef>
+        </p:style>
+        <p:txBody>
+          <a:bodyPr rtlCol="0" anchor="ctr"/>
+          <a:lstStyle/>
+          <a:p>
+            <a:pPr algn="ctr"/>
+            <a:endParaRPr lang="en-SG"/>
+          </a:p>
+        </p:txBody>
+      </p:sp>
+      <p:sp>
+        <p:nvSpPr>
+          <p:cNvPr id="121" name="Arrow: Down 120">
+            <a:extLst>
+              <a:ext uri="{FF2B5EF4-FFF2-40B4-BE49-F238E27FC236}">
+                <a16:creationId xmlns:a16="http://schemas.microsoft.com/office/drawing/2014/main" id="{E76BF0AC-FC00-05B5-89FD-D47C52205078}"/>
+              </a:ext>
+            </a:extLst>
+          </p:cNvPr>
+          <p:cNvSpPr/>
+          <p:nvPr/>
+        </p:nvSpPr>
+        <p:spPr>
+          <a:xfrm>
+            <a:off x="5887666" y="5266687"/>
+            <a:ext cx="131394" cy="214001"/>
+          </a:xfrm>
+          <a:prstGeom prst="downArrow">
+            <a:avLst/>
+          </a:prstGeom>
+          <a:solidFill>
+            <a:schemeClr val="accent2"/>
+          </a:solidFill>
+        </p:spPr>
+        <p:style>
+          <a:lnRef idx="2">
+            <a:schemeClr val="accent1">
+              <a:shade val="15000"/>
+            </a:schemeClr>
+          </a:lnRef>
+          <a:fillRef idx="1">
+            <a:schemeClr val="accent1"/>
+          </a:fillRef>
+          <a:effectRef idx="0">
+            <a:schemeClr val="accent1"/>
+          </a:effectRef>
+          <a:fontRef idx="minor">
+            <a:schemeClr val="lt1"/>
+          </a:fontRef>
+        </p:style>
+        <p:txBody>
+          <a:bodyPr rtlCol="0" anchor="ctr"/>
+          <a:lstStyle/>
+          <a:p>
+            <a:pPr algn="ctr"/>
+            <a:endParaRPr lang="en-SG"/>
+          </a:p>
+        </p:txBody>
+      </p:sp>
+      <p:sp>
+        <p:nvSpPr>
+          <p:cNvPr id="122" name="TextBox 121">
+            <a:extLst>
+              <a:ext uri="{FF2B5EF4-FFF2-40B4-BE49-F238E27FC236}">
+                <a16:creationId xmlns:a16="http://schemas.microsoft.com/office/drawing/2014/main" id="{74B4277D-40BE-EF08-3D0D-36650CEF7CE3}"/>
+              </a:ext>
+            </a:extLst>
+          </p:cNvPr>
+          <p:cNvSpPr txBox="1"/>
+          <p:nvPr/>
+        </p:nvSpPr>
+        <p:spPr>
+          <a:xfrm>
+            <a:off x="3228790" y="3376971"/>
+            <a:ext cx="1268689" cy="430887"/>
+          </a:xfrm>
+          <a:prstGeom prst="rect">
+            <a:avLst/>
+          </a:prstGeom>
+          <a:noFill/>
+        </p:spPr>
+        <p:txBody>
+          <a:bodyPr wrap="square" rtlCol="0">
+            <a:spAutoFit/>
+          </a:bodyPr>
+          <a:lstStyle/>
+          <a:p>
+            <a:pPr marL="0" marR="0" lvl="0" indent="0" algn="l" defTabSz="914400" rtl="0" eaLnBrk="1" fontAlgn="auto" latinLnBrk="0" hangingPunct="1">
+              <a:lnSpc>
+                <a:spcPct val="100000"/>
+              </a:lnSpc>
+              <a:spcBef>
+                <a:spcPts val="0"/>
+              </a:spcBef>
+              <a:spcAft>
+                <a:spcPts val="0"/>
+              </a:spcAft>
+              <a:buClrTx/>
+              <a:buSzTx/>
+              <a:buFontTx/>
+              <a:buNone/>
+              <a:tabLst/>
+              <a:defRPr/>
+            </a:pPr>
+            <a:r>
+              <a:rPr kumimoji="0" lang="en-US" sz="1100" b="1" i="0" u="none" strike="noStrike" kern="1200" cap="none" spc="0" normalizeH="0" baseline="0" noProof="0" dirty="0">
+                <a:ln>
+                  <a:noFill/>
+                </a:ln>
+                <a:solidFill>
+                  <a:schemeClr val="accent6">
+                    <a:lumMod val="75000"/>
+                  </a:schemeClr>
+                </a:solidFill>
+                <a:effectLst/>
+                <a:uLnTx/>
+                <a:uFillTx/>
+                <a:latin typeface="Calibri" panose="020F0502020204030204"/>
+                <a:ea typeface="+mn-ea"/>
+                <a:cs typeface="+mn-cs"/>
+              </a:rPr>
+              <a:t>Controller Modbus request</a:t>
+            </a:r>
+            <a:endParaRPr kumimoji="0" lang="en-SG" sz="1100" b="1" i="0" u="none" strike="noStrike" kern="1200" cap="none" spc="0" normalizeH="0" baseline="0" noProof="0" dirty="0">
+              <a:ln>
+                <a:noFill/>
+              </a:ln>
+              <a:solidFill>
+                <a:schemeClr val="accent6">
+                  <a:lumMod val="75000"/>
+                </a:schemeClr>
+              </a:solidFill>
+              <a:effectLst/>
+              <a:uLnTx/>
+              <a:uFillTx/>
+              <a:latin typeface="Calibri" panose="020F0502020204030204"/>
+              <a:ea typeface="+mn-ea"/>
+              <a:cs typeface="+mn-cs"/>
+            </a:endParaRPr>
+          </a:p>
+        </p:txBody>
+      </p:sp>
+      <p:sp>
+        <p:nvSpPr>
+          <p:cNvPr id="123" name="TextBox 122">
+            <a:extLst>
+              <a:ext uri="{FF2B5EF4-FFF2-40B4-BE49-F238E27FC236}">
+                <a16:creationId xmlns:a16="http://schemas.microsoft.com/office/drawing/2014/main" id="{F706683D-8FA7-343F-EF47-F259A065CFF3}"/>
+              </a:ext>
+            </a:extLst>
+          </p:cNvPr>
+          <p:cNvSpPr txBox="1"/>
+          <p:nvPr/>
+        </p:nvSpPr>
+        <p:spPr>
+          <a:xfrm>
+            <a:off x="3278501" y="4840779"/>
+            <a:ext cx="1268689" cy="430887"/>
+          </a:xfrm>
+          <a:prstGeom prst="rect">
+            <a:avLst/>
+          </a:prstGeom>
+          <a:noFill/>
+        </p:spPr>
+        <p:txBody>
+          <a:bodyPr wrap="square" rtlCol="0">
+            <a:spAutoFit/>
+          </a:bodyPr>
+          <a:lstStyle/>
+          <a:p>
+            <a:pPr marL="0" marR="0" lvl="0" indent="0" algn="l" defTabSz="914400" rtl="0" eaLnBrk="1" fontAlgn="auto" latinLnBrk="0" hangingPunct="1">
+              <a:lnSpc>
+                <a:spcPct val="100000"/>
+              </a:lnSpc>
+              <a:spcBef>
+                <a:spcPts val="0"/>
+              </a:spcBef>
+              <a:spcAft>
+                <a:spcPts val="0"/>
+              </a:spcAft>
+              <a:buClrTx/>
+              <a:buSzTx/>
+              <a:buFontTx/>
+              <a:buNone/>
+              <a:tabLst/>
+              <a:defRPr/>
+            </a:pPr>
+            <a:r>
               <a:rPr kumimoji="0" lang="en-US" sz="1100" b="1" i="0" u="none" strike="noStrike" kern="1200" cap="none" spc="0" normalizeH="0" baseline="0" noProof="0" dirty="0">
                 <a:ln>
                   <a:noFill/>
@@ -8206,7 +11116,7 @@
                 <a:ea typeface="+mn-ea"/>
                 <a:cs typeface="+mn-cs"/>
               </a:rPr>
-              <a:t>S7Comm bus</a:t>
+              <a:t>Controller S7comm request</a:t>
             </a:r>
             <a:endParaRPr kumimoji="0" lang="en-SG" sz="1100" b="1" i="0" u="none" strike="noStrike" kern="1200" cap="none" spc="0" normalizeH="0" baseline="0" noProof="0" dirty="0">
               <a:ln>
@@ -8225,12 +11135,558 @@
           </a:p>
         </p:txBody>
       </p:sp>
+      <p:pic>
+        <p:nvPicPr>
+          <p:cNvPr id="125" name="Graphic 124" descr="Document with solid fill">
+            <a:extLst>
+              <a:ext uri="{FF2B5EF4-FFF2-40B4-BE49-F238E27FC236}">
+                <a16:creationId xmlns:a16="http://schemas.microsoft.com/office/drawing/2014/main" id="{67B46515-751A-6DE1-DBB9-128451000180}"/>
+              </a:ext>
+            </a:extLst>
+          </p:cNvPr>
+          <p:cNvPicPr>
+            <a:picLocks noChangeAspect="1"/>
+          </p:cNvPicPr>
+          <p:nvPr/>
+        </p:nvPicPr>
+        <p:blipFill>
+          <a:blip r:embed="rId10">
+            <a:extLst>
+              <a:ext uri="{96DAC541-7B7A-43D3-8B79-37D633B846F1}">
+                <asvg:svgBlip xmlns:asvg="http://schemas.microsoft.com/office/drawing/2016/SVG/main" r:embed="rId11"/>
+              </a:ext>
+            </a:extLst>
+          </a:blip>
+          <a:stretch>
+            <a:fillRect/>
+          </a:stretch>
+        </p:blipFill>
+        <p:spPr>
+          <a:xfrm>
+            <a:off x="1623748" y="5519424"/>
+            <a:ext cx="368852" cy="368852"/>
+          </a:xfrm>
+          <a:prstGeom prst="rect">
+            <a:avLst/>
+          </a:prstGeom>
+        </p:spPr>
+      </p:pic>
+      <p:pic>
+        <p:nvPicPr>
+          <p:cNvPr id="127" name="Graphic 126" descr="Document with solid fill">
+            <a:extLst>
+              <a:ext uri="{FF2B5EF4-FFF2-40B4-BE49-F238E27FC236}">
+                <a16:creationId xmlns:a16="http://schemas.microsoft.com/office/drawing/2014/main" id="{295C2F48-455F-8715-8D49-EBFE6C9D8509}"/>
+              </a:ext>
+            </a:extLst>
+          </p:cNvPr>
+          <p:cNvPicPr>
+            <a:picLocks noChangeAspect="1"/>
+          </p:cNvPicPr>
+          <p:nvPr/>
+        </p:nvPicPr>
+        <p:blipFill>
+          <a:blip r:embed="rId12">
+            <a:extLst>
+              <a:ext uri="{96DAC541-7B7A-43D3-8B79-37D633B846F1}">
+                <asvg:svgBlip xmlns:asvg="http://schemas.microsoft.com/office/drawing/2016/SVG/main" r:embed="rId13"/>
+              </a:ext>
+            </a:extLst>
+          </a:blip>
+          <a:stretch>
+            <a:fillRect/>
+          </a:stretch>
+        </p:blipFill>
+        <p:spPr>
+          <a:xfrm>
+            <a:off x="3723974" y="5498235"/>
+            <a:ext cx="368852" cy="368852"/>
+          </a:xfrm>
+          <a:prstGeom prst="rect">
+            <a:avLst/>
+          </a:prstGeom>
+        </p:spPr>
+      </p:pic>
+      <p:pic>
+        <p:nvPicPr>
+          <p:cNvPr id="128" name="Graphic 127" descr="Document with solid fill">
+            <a:extLst>
+              <a:ext uri="{FF2B5EF4-FFF2-40B4-BE49-F238E27FC236}">
+                <a16:creationId xmlns:a16="http://schemas.microsoft.com/office/drawing/2014/main" id="{92D7526B-21C3-B8BD-06B4-A2E171551F5E}"/>
+              </a:ext>
+            </a:extLst>
+          </p:cNvPr>
+          <p:cNvPicPr>
+            <a:picLocks noChangeAspect="1"/>
+          </p:cNvPicPr>
+          <p:nvPr/>
+        </p:nvPicPr>
+        <p:blipFill>
+          <a:blip r:embed="rId14">
+            <a:extLst>
+              <a:ext uri="{96DAC541-7B7A-43D3-8B79-37D633B846F1}">
+                <asvg:svgBlip xmlns:asvg="http://schemas.microsoft.com/office/drawing/2016/SVG/main" r:embed="rId15"/>
+              </a:ext>
+            </a:extLst>
+          </a:blip>
+          <a:stretch>
+            <a:fillRect/>
+          </a:stretch>
+        </p:blipFill>
+        <p:spPr>
+          <a:xfrm>
+            <a:off x="5786370" y="5460602"/>
+            <a:ext cx="368852" cy="368852"/>
+          </a:xfrm>
+          <a:prstGeom prst="rect">
+            <a:avLst/>
+          </a:prstGeom>
+        </p:spPr>
+      </p:pic>
+      <p:sp>
+        <p:nvSpPr>
+          <p:cNvPr id="131" name="TextBox 130">
+            <a:extLst>
+              <a:ext uri="{FF2B5EF4-FFF2-40B4-BE49-F238E27FC236}">
+                <a16:creationId xmlns:a16="http://schemas.microsoft.com/office/drawing/2014/main" id="{81CA22D1-231F-06AA-AEFF-8AEBF86A11EF}"/>
+              </a:ext>
+            </a:extLst>
+          </p:cNvPr>
+          <p:cNvSpPr txBox="1"/>
+          <p:nvPr/>
+        </p:nvSpPr>
+        <p:spPr>
+          <a:xfrm>
+            <a:off x="884786" y="5545287"/>
+            <a:ext cx="880834" cy="600164"/>
+          </a:xfrm>
+          <a:prstGeom prst="rect">
+            <a:avLst/>
+          </a:prstGeom>
+          <a:noFill/>
+          <a:ln>
+            <a:noFill/>
+          </a:ln>
+        </p:spPr>
+        <p:txBody>
+          <a:bodyPr wrap="square" rtlCol="0">
+            <a:spAutoFit/>
+          </a:bodyPr>
+          <a:lstStyle/>
+          <a:p>
+            <a:pPr marL="0" marR="0" lvl="0" indent="0" algn="l" defTabSz="914400" rtl="0" eaLnBrk="1" fontAlgn="auto" latinLnBrk="0" hangingPunct="1">
+              <a:lnSpc>
+                <a:spcPct val="100000"/>
+              </a:lnSpc>
+              <a:spcBef>
+                <a:spcPts val="0"/>
+              </a:spcBef>
+              <a:spcAft>
+                <a:spcPts val="0"/>
+              </a:spcAft>
+              <a:buClrTx/>
+              <a:buSzTx/>
+              <a:buFontTx/>
+              <a:buNone/>
+              <a:tabLst/>
+              <a:defRPr/>
+            </a:pPr>
+            <a:r>
+              <a:rPr kumimoji="0" lang="en-US" sz="1100" b="1" i="0" u="none" strike="noStrike" kern="1200" cap="none" spc="0" normalizeH="0" baseline="0" noProof="0" dirty="0">
+                <a:ln>
+                  <a:noFill/>
+                </a:ln>
+                <a:solidFill>
+                  <a:schemeClr val="accent5">
+                    <a:lumMod val="75000"/>
+                  </a:schemeClr>
+                </a:solidFill>
+                <a:effectLst/>
+                <a:uLnTx/>
+                <a:uFillTx/>
+                <a:latin typeface="Calibri" panose="020F0502020204030204"/>
+                <a:ea typeface="+mn-ea"/>
+                <a:cs typeface="+mn-cs"/>
+              </a:rPr>
+              <a:t>PLC state report</a:t>
+            </a:r>
+          </a:p>
+          <a:p>
+            <a:pPr marL="0" marR="0" lvl="0" indent="0" algn="l" defTabSz="914400" rtl="0" eaLnBrk="1" fontAlgn="auto" latinLnBrk="0" hangingPunct="1">
+              <a:lnSpc>
+                <a:spcPct val="100000"/>
+              </a:lnSpc>
+              <a:spcBef>
+                <a:spcPts val="0"/>
+              </a:spcBef>
+              <a:spcAft>
+                <a:spcPts val="0"/>
+              </a:spcAft>
+              <a:buClrTx/>
+              <a:buSzTx/>
+              <a:buFontTx/>
+              <a:buNone/>
+              <a:tabLst/>
+              <a:defRPr/>
+            </a:pPr>
+            <a:r>
+              <a:rPr kumimoji="0" lang="en-US" sz="1100" b="1" i="0" u="none" strike="noStrike" kern="1200" cap="none" spc="0" normalizeH="0" baseline="0" noProof="0" dirty="0">
+                <a:ln>
+                  <a:noFill/>
+                </a:ln>
+                <a:solidFill>
+                  <a:schemeClr val="accent5">
+                    <a:lumMod val="75000"/>
+                  </a:schemeClr>
+                </a:solidFill>
+                <a:effectLst/>
+                <a:uLnTx/>
+                <a:uFillTx/>
+                <a:latin typeface="Calibri" panose="020F0502020204030204"/>
+                <a:ea typeface="+mn-ea"/>
+                <a:cs typeface="+mn-cs"/>
+              </a:rPr>
+              <a:t>(http/https)</a:t>
+            </a:r>
+            <a:endParaRPr kumimoji="0" lang="en-SG" sz="1100" b="1" i="0" u="none" strike="noStrike" kern="1200" cap="none" spc="0" normalizeH="0" baseline="0" noProof="0" dirty="0">
+              <a:ln>
+                <a:noFill/>
+              </a:ln>
+              <a:solidFill>
+                <a:schemeClr val="accent5">
+                  <a:lumMod val="75000"/>
+                </a:schemeClr>
+              </a:solidFill>
+              <a:effectLst/>
+              <a:uLnTx/>
+              <a:uFillTx/>
+              <a:latin typeface="Calibri" panose="020F0502020204030204"/>
+              <a:ea typeface="+mn-ea"/>
+              <a:cs typeface="+mn-cs"/>
+            </a:endParaRPr>
+          </a:p>
+        </p:txBody>
+      </p:sp>
+      <p:sp>
+        <p:nvSpPr>
+          <p:cNvPr id="132" name="TextBox 131">
+            <a:extLst>
+              <a:ext uri="{FF2B5EF4-FFF2-40B4-BE49-F238E27FC236}">
+                <a16:creationId xmlns:a16="http://schemas.microsoft.com/office/drawing/2014/main" id="{8153954C-21A3-0BF1-CADF-379B23C3C822}"/>
+              </a:ext>
+            </a:extLst>
+          </p:cNvPr>
+          <p:cNvSpPr txBox="1"/>
+          <p:nvPr/>
+        </p:nvSpPr>
+        <p:spPr>
+          <a:xfrm>
+            <a:off x="1880766" y="5495739"/>
+            <a:ext cx="1192862" cy="430887"/>
+          </a:xfrm>
+          <a:prstGeom prst="rect">
+            <a:avLst/>
+          </a:prstGeom>
+          <a:noFill/>
+        </p:spPr>
+        <p:txBody>
+          <a:bodyPr wrap="square" rtlCol="0">
+            <a:spAutoFit/>
+          </a:bodyPr>
+          <a:lstStyle/>
+          <a:p>
+            <a:pPr marL="0" marR="0" lvl="0" indent="0" algn="l" defTabSz="914400" rtl="0" eaLnBrk="1" fontAlgn="auto" latinLnBrk="0" hangingPunct="1">
+              <a:lnSpc>
+                <a:spcPct val="100000"/>
+              </a:lnSpc>
+              <a:spcBef>
+                <a:spcPts val="0"/>
+              </a:spcBef>
+              <a:spcAft>
+                <a:spcPts val="0"/>
+              </a:spcAft>
+              <a:buClrTx/>
+              <a:buSzTx/>
+              <a:buFontTx/>
+              <a:buNone/>
+              <a:tabLst/>
+              <a:defRPr/>
+            </a:pPr>
+            <a:r>
+              <a:rPr kumimoji="0" lang="en-US" sz="1100" b="1" i="0" u="none" strike="noStrike" kern="1200" cap="none" spc="0" normalizeH="0" baseline="0" noProof="0" dirty="0">
+                <a:ln>
+                  <a:noFill/>
+                </a:ln>
+                <a:effectLst/>
+                <a:uLnTx/>
+                <a:uFillTx/>
+                <a:latin typeface="Calibri" panose="020F0502020204030204"/>
+                <a:ea typeface="+mn-ea"/>
+                <a:cs typeface="+mn-cs"/>
+              </a:rPr>
+              <a:t>PLC VM working Log files </a:t>
+            </a:r>
+            <a:endParaRPr kumimoji="0" lang="en-SG" sz="1100" b="1" i="0" u="none" strike="noStrike" kern="1200" cap="none" spc="0" normalizeH="0" baseline="0" noProof="0" dirty="0">
+              <a:ln>
+                <a:noFill/>
+              </a:ln>
+              <a:effectLst/>
+              <a:uLnTx/>
+              <a:uFillTx/>
+              <a:latin typeface="Calibri" panose="020F0502020204030204"/>
+              <a:ea typeface="+mn-ea"/>
+              <a:cs typeface="+mn-cs"/>
+            </a:endParaRPr>
+          </a:p>
+        </p:txBody>
+      </p:sp>
+      <p:sp>
+        <p:nvSpPr>
+          <p:cNvPr id="133" name="TextBox 132">
+            <a:extLst>
+              <a:ext uri="{FF2B5EF4-FFF2-40B4-BE49-F238E27FC236}">
+                <a16:creationId xmlns:a16="http://schemas.microsoft.com/office/drawing/2014/main" id="{E00B913D-E46A-9593-A1CB-C763F2CFA1C0}"/>
+              </a:ext>
+            </a:extLst>
+          </p:cNvPr>
+          <p:cNvSpPr txBox="1"/>
+          <p:nvPr/>
+        </p:nvSpPr>
+        <p:spPr>
+          <a:xfrm>
+            <a:off x="4005216" y="5466808"/>
+            <a:ext cx="1192862" cy="430887"/>
+          </a:xfrm>
+          <a:prstGeom prst="rect">
+            <a:avLst/>
+          </a:prstGeom>
+          <a:noFill/>
+        </p:spPr>
+        <p:txBody>
+          <a:bodyPr wrap="square" rtlCol="0">
+            <a:spAutoFit/>
+          </a:bodyPr>
+          <a:lstStyle/>
+          <a:p>
+            <a:pPr marL="0" marR="0" lvl="0" indent="0" algn="l" defTabSz="914400" rtl="0" eaLnBrk="1" fontAlgn="auto" latinLnBrk="0" hangingPunct="1">
+              <a:lnSpc>
+                <a:spcPct val="100000"/>
+              </a:lnSpc>
+              <a:spcBef>
+                <a:spcPts val="0"/>
+              </a:spcBef>
+              <a:spcAft>
+                <a:spcPts val="0"/>
+              </a:spcAft>
+              <a:buClrTx/>
+              <a:buSzTx/>
+              <a:buFontTx/>
+              <a:buNone/>
+              <a:tabLst/>
+              <a:defRPr/>
+            </a:pPr>
+            <a:r>
+              <a:rPr lang="en-US" sz="1100" b="1" dirty="0">
+                <a:latin typeface="Calibri" panose="020F0502020204030204"/>
+              </a:rPr>
+              <a:t>Network traffic </a:t>
+            </a:r>
+            <a:r>
+              <a:rPr kumimoji="0" lang="en-US" sz="1100" b="1" i="0" u="none" strike="noStrike" kern="1200" cap="none" spc="0" normalizeH="0" baseline="0" noProof="0" dirty="0">
+                <a:ln>
+                  <a:noFill/>
+                </a:ln>
+                <a:effectLst/>
+                <a:uLnTx/>
+                <a:uFillTx/>
+                <a:latin typeface="Calibri" panose="020F0502020204030204"/>
+                <a:ea typeface="+mn-ea"/>
+                <a:cs typeface="+mn-cs"/>
+              </a:rPr>
+              <a:t>log files </a:t>
+            </a:r>
+            <a:endParaRPr kumimoji="0" lang="en-SG" sz="1100" b="1" i="0" u="none" strike="noStrike" kern="1200" cap="none" spc="0" normalizeH="0" baseline="0" noProof="0" dirty="0">
+              <a:ln>
+                <a:noFill/>
+              </a:ln>
+              <a:effectLst/>
+              <a:uLnTx/>
+              <a:uFillTx/>
+              <a:latin typeface="Calibri" panose="020F0502020204030204"/>
+              <a:ea typeface="+mn-ea"/>
+              <a:cs typeface="+mn-cs"/>
+            </a:endParaRPr>
+          </a:p>
+        </p:txBody>
+      </p:sp>
+      <p:sp>
+        <p:nvSpPr>
+          <p:cNvPr id="134" name="TextBox 133">
+            <a:extLst>
+              <a:ext uri="{FF2B5EF4-FFF2-40B4-BE49-F238E27FC236}">
+                <a16:creationId xmlns:a16="http://schemas.microsoft.com/office/drawing/2014/main" id="{5595A168-1866-2480-2C40-3848C1739EC1}"/>
+              </a:ext>
+            </a:extLst>
+          </p:cNvPr>
+          <p:cNvSpPr txBox="1"/>
+          <p:nvPr/>
+        </p:nvSpPr>
+        <p:spPr>
+          <a:xfrm>
+            <a:off x="6075813" y="5455613"/>
+            <a:ext cx="1218038" cy="430887"/>
+          </a:xfrm>
+          <a:prstGeom prst="rect">
+            <a:avLst/>
+          </a:prstGeom>
+          <a:noFill/>
+        </p:spPr>
+        <p:txBody>
+          <a:bodyPr wrap="square" rtlCol="0">
+            <a:spAutoFit/>
+          </a:bodyPr>
+          <a:lstStyle/>
+          <a:p>
+            <a:pPr marL="0" marR="0" lvl="0" indent="0" algn="l" defTabSz="914400" rtl="0" eaLnBrk="1" fontAlgn="auto" latinLnBrk="0" hangingPunct="1">
+              <a:lnSpc>
+                <a:spcPct val="100000"/>
+              </a:lnSpc>
+              <a:spcBef>
+                <a:spcPts val="0"/>
+              </a:spcBef>
+              <a:spcAft>
+                <a:spcPts val="0"/>
+              </a:spcAft>
+              <a:buClrTx/>
+              <a:buSzTx/>
+              <a:buFontTx/>
+              <a:buNone/>
+              <a:tabLst/>
+              <a:defRPr/>
+            </a:pPr>
+            <a:r>
+              <a:rPr lang="en-US" sz="1100" b="1" dirty="0">
+                <a:latin typeface="Calibri" panose="020F0502020204030204"/>
+              </a:rPr>
+              <a:t>Controller working Log files</a:t>
+            </a:r>
+            <a:endParaRPr kumimoji="0" lang="en-SG" sz="1100" b="1" i="0" u="none" strike="noStrike" kern="1200" cap="none" spc="0" normalizeH="0" baseline="0" noProof="0" dirty="0">
+              <a:ln>
+                <a:noFill/>
+              </a:ln>
+              <a:effectLst/>
+              <a:uLnTx/>
+              <a:uFillTx/>
+              <a:latin typeface="Calibri" panose="020F0502020204030204"/>
+              <a:ea typeface="+mn-ea"/>
+              <a:cs typeface="+mn-cs"/>
+            </a:endParaRPr>
+          </a:p>
+        </p:txBody>
+      </p:sp>
+      <p:sp>
+        <p:nvSpPr>
+          <p:cNvPr id="135" name="TextBox 134">
+            <a:extLst>
+              <a:ext uri="{FF2B5EF4-FFF2-40B4-BE49-F238E27FC236}">
+                <a16:creationId xmlns:a16="http://schemas.microsoft.com/office/drawing/2014/main" id="{5E146500-94AF-42EA-6D34-45D54CF108C7}"/>
+              </a:ext>
+            </a:extLst>
+          </p:cNvPr>
+          <p:cNvSpPr txBox="1"/>
+          <p:nvPr/>
+        </p:nvSpPr>
+        <p:spPr>
+          <a:xfrm>
+            <a:off x="6848737" y="3974487"/>
+            <a:ext cx="891215" cy="600164"/>
+          </a:xfrm>
+          <a:prstGeom prst="rect">
+            <a:avLst/>
+          </a:prstGeom>
+          <a:noFill/>
+          <a:ln>
+            <a:noFill/>
+          </a:ln>
+        </p:spPr>
+        <p:txBody>
+          <a:bodyPr wrap="square" rtlCol="0">
+            <a:spAutoFit/>
+          </a:bodyPr>
+          <a:lstStyle/>
+          <a:p>
+            <a:pPr marL="0" marR="0" lvl="0" indent="0" algn="l" defTabSz="914400" rtl="0" eaLnBrk="1" fontAlgn="auto" latinLnBrk="0" hangingPunct="1">
+              <a:lnSpc>
+                <a:spcPct val="100000"/>
+              </a:lnSpc>
+              <a:spcBef>
+                <a:spcPts val="0"/>
+              </a:spcBef>
+              <a:spcAft>
+                <a:spcPts val="0"/>
+              </a:spcAft>
+              <a:buClrTx/>
+              <a:buSzTx/>
+              <a:buFontTx/>
+              <a:buNone/>
+              <a:tabLst/>
+              <a:defRPr/>
+            </a:pPr>
+            <a:r>
+              <a:rPr lang="en-US" sz="1100" b="1" dirty="0">
+                <a:solidFill>
+                  <a:schemeClr val="accent5">
+                    <a:lumMod val="75000"/>
+                  </a:schemeClr>
+                </a:solidFill>
+                <a:latin typeface="Calibri" panose="020F0502020204030204"/>
+              </a:rPr>
+              <a:t>Controller verification </a:t>
+            </a:r>
+            <a:r>
+              <a:rPr kumimoji="0" lang="en-US" sz="1100" b="1" i="0" u="none" strike="noStrike" kern="1200" cap="none" spc="0" normalizeH="0" baseline="0" noProof="0" dirty="0">
+                <a:ln>
+                  <a:noFill/>
+                </a:ln>
+                <a:solidFill>
+                  <a:schemeClr val="accent5">
+                    <a:lumMod val="75000"/>
+                  </a:schemeClr>
+                </a:solidFill>
+                <a:effectLst/>
+                <a:uLnTx/>
+                <a:uFillTx/>
+                <a:latin typeface="Calibri" panose="020F0502020204030204"/>
+                <a:ea typeface="+mn-ea"/>
+                <a:cs typeface="+mn-cs"/>
+              </a:rPr>
+              <a:t> report </a:t>
+            </a:r>
+            <a:endParaRPr kumimoji="0" lang="en-SG" sz="1100" b="1" i="0" u="none" strike="noStrike" kern="1200" cap="none" spc="0" normalizeH="0" baseline="0" noProof="0" dirty="0">
+              <a:ln>
+                <a:noFill/>
+              </a:ln>
+              <a:solidFill>
+                <a:schemeClr val="accent5">
+                  <a:lumMod val="75000"/>
+                </a:schemeClr>
+              </a:solidFill>
+              <a:effectLst/>
+              <a:uLnTx/>
+              <a:uFillTx/>
+              <a:latin typeface="Calibri" panose="020F0502020204030204"/>
+              <a:ea typeface="+mn-ea"/>
+              <a:cs typeface="+mn-cs"/>
+            </a:endParaRPr>
+          </a:p>
+        </p:txBody>
+      </p:sp>
       <p:cxnSp>
         <p:nvCxnSpPr>
-          <p:cNvPr id="46" name="Straight Connector 45">
-            <a:extLst>
-              <a:ext uri="{FF2B5EF4-FFF2-40B4-BE49-F238E27FC236}">
-                <a16:creationId xmlns:a16="http://schemas.microsoft.com/office/drawing/2014/main" id="{FB367AA7-1DD6-36E6-B128-6D4E439D7272}"/>
+          <p:cNvPr id="137" name="Straight Connector 136">
+            <a:extLst>
+              <a:ext uri="{FF2B5EF4-FFF2-40B4-BE49-F238E27FC236}">
+                <a16:creationId xmlns:a16="http://schemas.microsoft.com/office/drawing/2014/main" id="{20222B51-C305-88A7-572F-37C40A679CDB}"/>
               </a:ext>
             </a:extLst>
           </p:cNvPr>
@@ -8241,16 +11697,17 @@
         </p:nvCxnSpPr>
         <p:spPr>
           <a:xfrm>
-            <a:off x="3653803" y="2815057"/>
-            <a:ext cx="727797" cy="0"/>
+            <a:off x="1782103" y="5859799"/>
+            <a:ext cx="0" cy="141049"/>
           </a:xfrm>
           <a:prstGeom prst="line">
             <a:avLst/>
           </a:prstGeom>
           <a:ln>
             <a:solidFill>
-              <a:schemeClr val="accent6">
-                <a:lumMod val="75000"/>
+              <a:schemeClr val="tx1">
+                <a:lumMod val="50000"/>
+                <a:lumOff val="50000"/>
               </a:schemeClr>
             </a:solidFill>
           </a:ln>
@@ -8272,31 +11729,31 @@
       </p:cxnSp>
       <p:cxnSp>
         <p:nvCxnSpPr>
-          <p:cNvPr id="49" name="Straight Connector 48">
-            <a:extLst>
-              <a:ext uri="{FF2B5EF4-FFF2-40B4-BE49-F238E27FC236}">
-                <a16:creationId xmlns:a16="http://schemas.microsoft.com/office/drawing/2014/main" id="{7ACA5F07-2BB4-A9CA-FC78-571883AB6DE7}"/>
+          <p:cNvPr id="139" name="Straight Connector 138">
+            <a:extLst>
+              <a:ext uri="{FF2B5EF4-FFF2-40B4-BE49-F238E27FC236}">
+                <a16:creationId xmlns:a16="http://schemas.microsoft.com/office/drawing/2014/main" id="{DE196FA4-D4A1-2B73-1AE3-5F6215ADA5A3}"/>
               </a:ext>
             </a:extLst>
           </p:cNvPr>
           <p:cNvCxnSpPr>
             <a:cxnSpLocks/>
-            <a:stCxn id="13" idx="3"/>
           </p:cNvCxnSpPr>
           <p:nvPr/>
         </p:nvCxnSpPr>
         <p:spPr>
-          <a:xfrm>
-            <a:off x="3646104" y="3609422"/>
-            <a:ext cx="735495" cy="0"/>
+          <a:xfrm flipH="1">
+            <a:off x="3897299" y="5838199"/>
+            <a:ext cx="0" cy="134172"/>
           </a:xfrm>
           <a:prstGeom prst="line">
             <a:avLst/>
           </a:prstGeom>
           <a:ln>
             <a:solidFill>
-              <a:schemeClr val="accent6">
-                <a:lumMod val="75000"/>
+              <a:schemeClr val="tx1">
+                <a:lumMod val="50000"/>
+                <a:lumOff val="50000"/>
               </a:schemeClr>
             </a:solidFill>
           </a:ln>
@@ -8318,10 +11775,10 @@
       </p:cxnSp>
       <p:cxnSp>
         <p:nvCxnSpPr>
-          <p:cNvPr id="51" name="Straight Connector 50">
-            <a:extLst>
-              <a:ext uri="{FF2B5EF4-FFF2-40B4-BE49-F238E27FC236}">
-                <a16:creationId xmlns:a16="http://schemas.microsoft.com/office/drawing/2014/main" id="{A58F98DB-3A4B-72A8-F6AA-395588DAF576}"/>
+          <p:cNvPr id="141" name="Straight Connector 140">
+            <a:extLst>
+              <a:ext uri="{FF2B5EF4-FFF2-40B4-BE49-F238E27FC236}">
+                <a16:creationId xmlns:a16="http://schemas.microsoft.com/office/drawing/2014/main" id="{7566C220-7EE8-82B8-457D-E64925F31579}"/>
               </a:ext>
             </a:extLst>
           </p:cNvPr>
@@ -8331,17 +11788,18 @@
           <p:nvPr/>
         </p:nvCxnSpPr>
         <p:spPr>
-          <a:xfrm>
-            <a:off x="4362500" y="2783838"/>
-            <a:ext cx="1558770" cy="0"/>
+          <a:xfrm flipV="1">
+            <a:off x="5970796" y="5813082"/>
+            <a:ext cx="0" cy="151405"/>
           </a:xfrm>
           <a:prstGeom prst="line">
             <a:avLst/>
           </a:prstGeom>
           <a:ln>
             <a:solidFill>
-              <a:schemeClr val="accent6">
-                <a:lumMod val="75000"/>
+              <a:schemeClr val="tx1">
+                <a:lumMod val="50000"/>
+                <a:lumOff val="50000"/>
               </a:schemeClr>
             </a:solidFill>
           </a:ln>
@@ -8363,10 +11821,10 @@
       </p:cxnSp>
       <p:cxnSp>
         <p:nvCxnSpPr>
-          <p:cNvPr id="53" name="Straight Connector 52">
-            <a:extLst>
-              <a:ext uri="{FF2B5EF4-FFF2-40B4-BE49-F238E27FC236}">
-                <a16:creationId xmlns:a16="http://schemas.microsoft.com/office/drawing/2014/main" id="{35665F5F-3552-FACD-BEE4-FE9DC3825689}"/>
+          <p:cNvPr id="144" name="Straight Connector 143">
+            <a:extLst>
+              <a:ext uri="{FF2B5EF4-FFF2-40B4-BE49-F238E27FC236}">
+                <a16:creationId xmlns:a16="http://schemas.microsoft.com/office/drawing/2014/main" id="{1119A850-E1BF-BB8E-D483-6D49096E10EC}"/>
               </a:ext>
             </a:extLst>
           </p:cNvPr>
@@ -8377,15 +11835,369 @@
         </p:nvCxnSpPr>
         <p:spPr>
           <a:xfrm>
-            <a:off x="4381599" y="3472431"/>
-            <a:ext cx="1558770" cy="0"/>
+            <a:off x="1772578" y="5981798"/>
+            <a:ext cx="6418922" cy="0"/>
           </a:xfrm>
           <a:prstGeom prst="line">
             <a:avLst/>
           </a:prstGeom>
           <a:ln>
             <a:solidFill>
-              <a:schemeClr val="accent6">
+              <a:schemeClr val="tx1">
+                <a:lumMod val="50000"/>
+                <a:lumOff val="50000"/>
+              </a:schemeClr>
+            </a:solidFill>
+          </a:ln>
+        </p:spPr>
+        <p:style>
+          <a:lnRef idx="2">
+            <a:schemeClr val="accent1"/>
+          </a:lnRef>
+          <a:fillRef idx="0">
+            <a:schemeClr val="accent1"/>
+          </a:fillRef>
+          <a:effectRef idx="1">
+            <a:schemeClr val="accent1"/>
+          </a:effectRef>
+          <a:fontRef idx="minor">
+            <a:schemeClr val="tx1"/>
+          </a:fontRef>
+        </p:style>
+      </p:cxnSp>
+      <p:sp>
+        <p:nvSpPr>
+          <p:cNvPr id="147" name="Cylinder 146">
+            <a:extLst>
+              <a:ext uri="{FF2B5EF4-FFF2-40B4-BE49-F238E27FC236}">
+                <a16:creationId xmlns:a16="http://schemas.microsoft.com/office/drawing/2014/main" id="{91D59CA1-CC0F-2531-ADFE-4312807069C1}"/>
+              </a:ext>
+            </a:extLst>
+          </p:cNvPr>
+          <p:cNvSpPr/>
+          <p:nvPr/>
+        </p:nvSpPr>
+        <p:spPr>
+          <a:xfrm>
+            <a:off x="7598270" y="4456818"/>
+            <a:ext cx="823458" cy="560532"/>
+          </a:xfrm>
+          <a:prstGeom prst="can">
+            <a:avLst/>
+          </a:prstGeom>
+        </p:spPr>
+        <p:style>
+          <a:lnRef idx="2">
+            <a:schemeClr val="accent1">
+              <a:shade val="15000"/>
+            </a:schemeClr>
+          </a:lnRef>
+          <a:fillRef idx="1">
+            <a:schemeClr val="accent1"/>
+          </a:fillRef>
+          <a:effectRef idx="0">
+            <a:schemeClr val="accent1"/>
+          </a:effectRef>
+          <a:fontRef idx="minor">
+            <a:schemeClr val="lt1"/>
+          </a:fontRef>
+        </p:style>
+        <p:txBody>
+          <a:bodyPr rtlCol="0" anchor="ctr"/>
+          <a:lstStyle/>
+          <a:p>
+            <a:pPr algn="ctr"/>
+            <a:endParaRPr lang="en-SG" dirty="0"/>
+          </a:p>
+        </p:txBody>
+      </p:sp>
+      <p:sp>
+        <p:nvSpPr>
+          <p:cNvPr id="150" name="TextBox 149">
+            <a:extLst>
+              <a:ext uri="{FF2B5EF4-FFF2-40B4-BE49-F238E27FC236}">
+                <a16:creationId xmlns:a16="http://schemas.microsoft.com/office/drawing/2014/main" id="{3D294A13-DC1E-4312-A7C5-5B40364BAA84}"/>
+              </a:ext>
+            </a:extLst>
+          </p:cNvPr>
+          <p:cNvSpPr txBox="1"/>
+          <p:nvPr/>
+        </p:nvSpPr>
+        <p:spPr>
+          <a:xfrm>
+            <a:off x="7577533" y="4560097"/>
+            <a:ext cx="978797" cy="461665"/>
+          </a:xfrm>
+          <a:prstGeom prst="rect">
+            <a:avLst/>
+          </a:prstGeom>
+          <a:noFill/>
+        </p:spPr>
+        <p:txBody>
+          <a:bodyPr wrap="square" rtlCol="0">
+            <a:spAutoFit/>
+          </a:bodyPr>
+          <a:lstStyle/>
+          <a:p>
+            <a:pPr marL="0" marR="0" lvl="0" indent="0" algn="l" defTabSz="914400" rtl="0" eaLnBrk="1" fontAlgn="auto" latinLnBrk="0" hangingPunct="1">
+              <a:lnSpc>
+                <a:spcPct val="100000"/>
+              </a:lnSpc>
+              <a:spcBef>
+                <a:spcPts val="0"/>
+              </a:spcBef>
+              <a:spcAft>
+                <a:spcPts val="0"/>
+              </a:spcAft>
+              <a:buClrTx/>
+              <a:buSzTx/>
+              <a:buFontTx/>
+              <a:buNone/>
+              <a:tabLst/>
+              <a:defRPr/>
+            </a:pPr>
+            <a:r>
+              <a:rPr kumimoji="0" lang="en-US" sz="1200" b="1" i="0" u="none" strike="noStrike" kern="1200" cap="none" spc="0" normalizeH="0" baseline="0" noProof="0" dirty="0">
+                <a:ln>
+                  <a:noFill/>
+                </a:ln>
+                <a:solidFill>
+                  <a:schemeClr val="bg1"/>
+                </a:solidFill>
+                <a:effectLst/>
+                <a:uLnTx/>
+                <a:uFillTx/>
+                <a:latin typeface="Calibri" panose="020F0502020204030204"/>
+                <a:ea typeface="+mn-ea"/>
+                <a:cs typeface="+mn-cs"/>
+              </a:rPr>
+              <a:t>Log Archive Server / DB</a:t>
+            </a:r>
+            <a:endParaRPr kumimoji="0" lang="en-SG" sz="1200" b="1" i="0" u="none" strike="noStrike" kern="1200" cap="none" spc="0" normalizeH="0" baseline="0" noProof="0" dirty="0">
+              <a:ln>
+                <a:noFill/>
+              </a:ln>
+              <a:solidFill>
+                <a:schemeClr val="bg1"/>
+              </a:solidFill>
+              <a:effectLst/>
+              <a:uLnTx/>
+              <a:uFillTx/>
+              <a:latin typeface="Calibri" panose="020F0502020204030204"/>
+              <a:ea typeface="+mn-ea"/>
+              <a:cs typeface="+mn-cs"/>
+            </a:endParaRPr>
+          </a:p>
+        </p:txBody>
+      </p:sp>
+      <p:cxnSp>
+        <p:nvCxnSpPr>
+          <p:cNvPr id="151" name="Straight Connector 150">
+            <a:extLst>
+              <a:ext uri="{FF2B5EF4-FFF2-40B4-BE49-F238E27FC236}">
+                <a16:creationId xmlns:a16="http://schemas.microsoft.com/office/drawing/2014/main" id="{38BD7DF6-BA3C-E043-835F-297F9AD2A9E6}"/>
+              </a:ext>
+            </a:extLst>
+          </p:cNvPr>
+          <p:cNvCxnSpPr>
+            <a:cxnSpLocks/>
+          </p:cNvCxnSpPr>
+          <p:nvPr/>
+        </p:nvCxnSpPr>
+        <p:spPr>
+          <a:xfrm>
+            <a:off x="8172838" y="5034820"/>
+            <a:ext cx="0" cy="944626"/>
+          </a:xfrm>
+          <a:prstGeom prst="line">
+            <a:avLst/>
+          </a:prstGeom>
+          <a:ln>
+            <a:solidFill>
+              <a:schemeClr val="tx1">
+                <a:lumMod val="50000"/>
+                <a:lumOff val="50000"/>
+              </a:schemeClr>
+            </a:solidFill>
+          </a:ln>
+        </p:spPr>
+        <p:style>
+          <a:lnRef idx="2">
+            <a:schemeClr val="accent1"/>
+          </a:lnRef>
+          <a:fillRef idx="0">
+            <a:schemeClr val="accent1"/>
+          </a:fillRef>
+          <a:effectRef idx="1">
+            <a:schemeClr val="accent1"/>
+          </a:effectRef>
+          <a:fontRef idx="minor">
+            <a:schemeClr val="tx1"/>
+          </a:fontRef>
+        </p:style>
+      </p:cxnSp>
+      <p:sp>
+        <p:nvSpPr>
+          <p:cNvPr id="161" name="TextBox 160">
+            <a:extLst>
+              <a:ext uri="{FF2B5EF4-FFF2-40B4-BE49-F238E27FC236}">
+                <a16:creationId xmlns:a16="http://schemas.microsoft.com/office/drawing/2014/main" id="{4CF46FE3-112F-7A68-AD1F-3BE304A44994}"/>
+              </a:ext>
+            </a:extLst>
+          </p:cNvPr>
+          <p:cNvSpPr txBox="1"/>
+          <p:nvPr/>
+        </p:nvSpPr>
+        <p:spPr>
+          <a:xfrm>
+            <a:off x="7506584" y="2011952"/>
+            <a:ext cx="1391555" cy="523220"/>
+          </a:xfrm>
+          <a:prstGeom prst="rect">
+            <a:avLst/>
+          </a:prstGeom>
+          <a:noFill/>
+        </p:spPr>
+        <p:txBody>
+          <a:bodyPr wrap="square" rtlCol="0">
+            <a:spAutoFit/>
+          </a:bodyPr>
+          <a:lstStyle/>
+          <a:p>
+            <a:pPr marL="0" marR="0" lvl="0" indent="0" algn="l" defTabSz="914400" rtl="0" eaLnBrk="1" fontAlgn="auto" latinLnBrk="0" hangingPunct="1">
+              <a:lnSpc>
+                <a:spcPct val="100000"/>
+              </a:lnSpc>
+              <a:spcBef>
+                <a:spcPts val="0"/>
+              </a:spcBef>
+              <a:spcAft>
+                <a:spcPts val="0"/>
+              </a:spcAft>
+              <a:buClrTx/>
+              <a:buSzTx/>
+              <a:buFontTx/>
+              <a:buNone/>
+              <a:tabLst/>
+              <a:defRPr/>
+            </a:pPr>
+            <a:r>
+              <a:rPr lang="en-US" sz="1400" b="1" dirty="0"/>
+              <a:t>PLC </a:t>
+            </a:r>
+            <a:r>
+              <a:rPr kumimoji="0" lang="en-US" sz="1400" b="1" i="0" u="none" strike="noStrike" kern="1200" cap="none" spc="0" normalizeH="0" baseline="0" noProof="0" dirty="0">
+                <a:ln>
+                  <a:noFill/>
+                </a:ln>
+                <a:effectLst/>
+                <a:uLnTx/>
+                <a:uFillTx/>
+                <a:ea typeface="+mn-ea"/>
+                <a:cs typeface="+mn-cs"/>
+              </a:rPr>
+              <a:t>Honey Pot Monitor LAN</a:t>
+            </a:r>
+          </a:p>
+        </p:txBody>
+      </p:sp>
+      <p:pic>
+        <p:nvPicPr>
+          <p:cNvPr id="163" name="Graphic 162" descr="Server with solid fill">
+            <a:extLst>
+              <a:ext uri="{FF2B5EF4-FFF2-40B4-BE49-F238E27FC236}">
+                <a16:creationId xmlns:a16="http://schemas.microsoft.com/office/drawing/2014/main" id="{81FCAE4C-3A2F-2A15-B51F-AB3E8AD12E5C}"/>
+              </a:ext>
+            </a:extLst>
+          </p:cNvPr>
+          <p:cNvPicPr>
+            <a:picLocks noChangeAspect="1"/>
+          </p:cNvPicPr>
+          <p:nvPr/>
+        </p:nvPicPr>
+        <p:blipFill>
+          <a:blip r:embed="rId16">
+            <a:extLst>
+              <a:ext uri="{96DAC541-7B7A-43D3-8B79-37D633B846F1}">
+                <asvg:svgBlip xmlns:asvg="http://schemas.microsoft.com/office/drawing/2016/SVG/main" r:embed="rId17"/>
+              </a:ext>
+            </a:extLst>
+          </a:blip>
+          <a:stretch>
+            <a:fillRect/>
+          </a:stretch>
+        </p:blipFill>
+        <p:spPr>
+          <a:xfrm>
+            <a:off x="7971955" y="2828852"/>
+            <a:ext cx="615511" cy="615511"/>
+          </a:xfrm>
+          <a:prstGeom prst="rect">
+            <a:avLst/>
+          </a:prstGeom>
+        </p:spPr>
+      </p:pic>
+      <p:pic>
+        <p:nvPicPr>
+          <p:cNvPr id="166" name="Graphic 165" descr="Server with solid fill">
+            <a:extLst>
+              <a:ext uri="{FF2B5EF4-FFF2-40B4-BE49-F238E27FC236}">
+                <a16:creationId xmlns:a16="http://schemas.microsoft.com/office/drawing/2014/main" id="{A49C9CAF-4234-A8DE-D173-B59E01D33F7A}"/>
+              </a:ext>
+            </a:extLst>
+          </p:cNvPr>
+          <p:cNvPicPr>
+            <a:picLocks noChangeAspect="1"/>
+          </p:cNvPicPr>
+          <p:nvPr/>
+        </p:nvPicPr>
+        <p:blipFill>
+          <a:blip r:embed="rId16">
+            <a:extLst>
+              <a:ext uri="{96DAC541-7B7A-43D3-8B79-37D633B846F1}">
+                <asvg:svgBlip xmlns:asvg="http://schemas.microsoft.com/office/drawing/2016/SVG/main" r:embed="rId17"/>
+              </a:ext>
+            </a:extLst>
+          </a:blip>
+          <a:stretch>
+            <a:fillRect/>
+          </a:stretch>
+        </p:blipFill>
+        <p:spPr>
+          <a:xfrm>
+            <a:off x="7836940" y="3818555"/>
+            <a:ext cx="535535" cy="535535"/>
+          </a:xfrm>
+          <a:prstGeom prst="rect">
+            <a:avLst/>
+          </a:prstGeom>
+        </p:spPr>
+      </p:pic>
+      <p:cxnSp>
+        <p:nvCxnSpPr>
+          <p:cNvPr id="168" name="Straight Connector 167">
+            <a:extLst>
+              <a:ext uri="{FF2B5EF4-FFF2-40B4-BE49-F238E27FC236}">
+                <a16:creationId xmlns:a16="http://schemas.microsoft.com/office/drawing/2014/main" id="{A7381011-20C3-8DE9-8C76-B0BF47B80714}"/>
+              </a:ext>
+            </a:extLst>
+          </p:cNvPr>
+          <p:cNvCxnSpPr>
+            <a:cxnSpLocks/>
+          </p:cNvCxnSpPr>
+          <p:nvPr/>
+        </p:nvCxnSpPr>
+        <p:spPr>
+          <a:xfrm flipH="1">
+            <a:off x="6874034" y="3980383"/>
+            <a:ext cx="965041" cy="0"/>
+          </a:xfrm>
+          <a:prstGeom prst="line">
+            <a:avLst/>
+          </a:prstGeom>
+          <a:ln>
+            <a:solidFill>
+              <a:schemeClr val="accent5">
                 <a:lumMod val="75000"/>
               </a:schemeClr>
             </a:solidFill>
@@ -8408,10 +12220,10 @@
       </p:cxnSp>
       <p:cxnSp>
         <p:nvCxnSpPr>
-          <p:cNvPr id="54" name="Straight Connector 53">
-            <a:extLst>
-              <a:ext uri="{FF2B5EF4-FFF2-40B4-BE49-F238E27FC236}">
-                <a16:creationId xmlns:a16="http://schemas.microsoft.com/office/drawing/2014/main" id="{62DFAFC3-6641-5ACD-5216-9674CBD81155}"/>
+          <p:cNvPr id="170" name="Straight Connector 169">
+            <a:extLst>
+              <a:ext uri="{FF2B5EF4-FFF2-40B4-BE49-F238E27FC236}">
+                <a16:creationId xmlns:a16="http://schemas.microsoft.com/office/drawing/2014/main" id="{B9178714-7D01-08D8-3666-26B00EE1C734}"/>
               </a:ext>
             </a:extLst>
           </p:cNvPr>
@@ -8421,18 +12233,17 @@
           <p:nvPr/>
         </p:nvCxnSpPr>
         <p:spPr>
-          <a:xfrm>
-            <a:off x="3683607" y="4403787"/>
-            <a:ext cx="1400387" cy="0"/>
+          <a:xfrm flipH="1" flipV="1">
+            <a:off x="8556714" y="4083924"/>
+            <a:ext cx="395" cy="2029737"/>
           </a:xfrm>
           <a:prstGeom prst="line">
             <a:avLst/>
           </a:prstGeom>
           <a:ln>
             <a:solidFill>
-              <a:schemeClr val="tx2">
-                <a:lumMod val="50000"/>
-                <a:lumOff val="50000"/>
+              <a:schemeClr val="accent5">
+                <a:lumMod val="75000"/>
               </a:schemeClr>
             </a:solidFill>
           </a:ln>
@@ -8454,10 +12265,10 @@
       </p:cxnSp>
       <p:cxnSp>
         <p:nvCxnSpPr>
-          <p:cNvPr id="56" name="Straight Connector 55">
-            <a:extLst>
-              <a:ext uri="{FF2B5EF4-FFF2-40B4-BE49-F238E27FC236}">
-                <a16:creationId xmlns:a16="http://schemas.microsoft.com/office/drawing/2014/main" id="{C3BF8C6A-1468-CF7B-7270-730298792166}"/>
+          <p:cNvPr id="176" name="Straight Connector 175">
+            <a:extLst>
+              <a:ext uri="{FF2B5EF4-FFF2-40B4-BE49-F238E27FC236}">
+                <a16:creationId xmlns:a16="http://schemas.microsoft.com/office/drawing/2014/main" id="{48F016EA-425C-5AD9-48B9-5A542B41FFB0}"/>
               </a:ext>
             </a:extLst>
           </p:cNvPr>
@@ -8468,17 +12279,16 @@
         </p:nvCxnSpPr>
         <p:spPr>
           <a:xfrm>
-            <a:off x="5083994" y="4358222"/>
-            <a:ext cx="867347" cy="0"/>
+            <a:off x="8318672" y="4105588"/>
+            <a:ext cx="244303" cy="0"/>
           </a:xfrm>
           <a:prstGeom prst="line">
             <a:avLst/>
           </a:prstGeom>
           <a:ln>
             <a:solidFill>
-              <a:schemeClr val="tx2">
-                <a:lumMod val="50000"/>
-                <a:lumOff val="50000"/>
+              <a:schemeClr val="accent5">
+                <a:lumMod val="75000"/>
               </a:schemeClr>
             </a:solidFill>
           </a:ln>
@@ -8500,10 +12310,10 @@
       </p:cxnSp>
       <p:cxnSp>
         <p:nvCxnSpPr>
-          <p:cNvPr id="58" name="Straight Connector 57">
-            <a:extLst>
-              <a:ext uri="{FF2B5EF4-FFF2-40B4-BE49-F238E27FC236}">
-                <a16:creationId xmlns:a16="http://schemas.microsoft.com/office/drawing/2014/main" id="{78F46388-C7C8-5CB0-E8AD-C494FE5415CF}"/>
+          <p:cNvPr id="179" name="Straight Connector 178">
+            <a:extLst>
+              <a:ext uri="{FF2B5EF4-FFF2-40B4-BE49-F238E27FC236}">
+                <a16:creationId xmlns:a16="http://schemas.microsoft.com/office/drawing/2014/main" id="{798289A2-B3E5-6B05-D69F-0467F3F15A5A}"/>
               </a:ext>
             </a:extLst>
           </p:cNvPr>
@@ -8514,15 +12324,15 @@
         </p:nvCxnSpPr>
         <p:spPr>
           <a:xfrm>
-            <a:off x="4373810" y="4229891"/>
-            <a:ext cx="1558770" cy="0"/>
+            <a:off x="7684376" y="4072220"/>
+            <a:ext cx="0" cy="400759"/>
           </a:xfrm>
           <a:prstGeom prst="line">
             <a:avLst/>
           </a:prstGeom>
           <a:ln>
             <a:solidFill>
-              <a:schemeClr val="accent6">
+              <a:schemeClr val="accent5">
                 <a:lumMod val="75000"/>
               </a:schemeClr>
             </a:solidFill>
@@ -8545,10 +12355,10 @@
       </p:cxnSp>
       <p:cxnSp>
         <p:nvCxnSpPr>
-          <p:cNvPr id="60" name="Straight Arrow Connector 59">
-            <a:extLst>
-              <a:ext uri="{FF2B5EF4-FFF2-40B4-BE49-F238E27FC236}">
-                <a16:creationId xmlns:a16="http://schemas.microsoft.com/office/drawing/2014/main" id="{D3E10998-B886-BED4-FDEE-8934F21CD327}"/>
+          <p:cNvPr id="181" name="Straight Connector 180">
+            <a:extLst>
+              <a:ext uri="{FF2B5EF4-FFF2-40B4-BE49-F238E27FC236}">
+                <a16:creationId xmlns:a16="http://schemas.microsoft.com/office/drawing/2014/main" id="{86E6143E-9772-22A2-C3EA-C12C9DA5CB25}"/>
               </a:ext>
             </a:extLst>
           </p:cNvPr>
@@ -8559,15 +12369,244 @@
         </p:nvCxnSpPr>
         <p:spPr>
           <a:xfrm flipH="1">
-            <a:off x="4405556" y="2719723"/>
-            <a:ext cx="1447868" cy="0"/>
+            <a:off x="7674851" y="4096063"/>
+            <a:ext cx="167084" cy="0"/>
+          </a:xfrm>
+          <a:prstGeom prst="line">
+            <a:avLst/>
+          </a:prstGeom>
+          <a:ln>
+            <a:solidFill>
+              <a:schemeClr val="accent5">
+                <a:lumMod val="75000"/>
+              </a:schemeClr>
+            </a:solidFill>
+          </a:ln>
+        </p:spPr>
+        <p:style>
+          <a:lnRef idx="2">
+            <a:schemeClr val="accent1"/>
+          </a:lnRef>
+          <a:fillRef idx="0">
+            <a:schemeClr val="accent1"/>
+          </a:fillRef>
+          <a:effectRef idx="1">
+            <a:schemeClr val="accent1"/>
+          </a:effectRef>
+          <a:fontRef idx="minor">
+            <a:schemeClr val="tx1"/>
+          </a:fontRef>
+        </p:style>
+      </p:cxnSp>
+      <p:sp>
+        <p:nvSpPr>
+          <p:cNvPr id="184" name="TextBox 183">
+            <a:extLst>
+              <a:ext uri="{FF2B5EF4-FFF2-40B4-BE49-F238E27FC236}">
+                <a16:creationId xmlns:a16="http://schemas.microsoft.com/office/drawing/2014/main" id="{297C9756-41C8-965A-BF72-C7C572387DAB}"/>
+              </a:ext>
+            </a:extLst>
+          </p:cNvPr>
+          <p:cNvSpPr txBox="1"/>
+          <p:nvPr/>
+        </p:nvSpPr>
+        <p:spPr>
+          <a:xfrm>
+            <a:off x="7582842" y="3471137"/>
+            <a:ext cx="1230831" cy="430887"/>
+          </a:xfrm>
+          <a:prstGeom prst="rect">
+            <a:avLst/>
+          </a:prstGeom>
+          <a:noFill/>
+        </p:spPr>
+        <p:txBody>
+          <a:bodyPr wrap="square" rtlCol="0">
+            <a:spAutoFit/>
+          </a:bodyPr>
+          <a:lstStyle/>
+          <a:p>
+            <a:pPr marL="0" marR="0" lvl="0" indent="0" algn="l" defTabSz="914400" rtl="0" eaLnBrk="1" fontAlgn="auto" latinLnBrk="0" hangingPunct="1">
+              <a:lnSpc>
+                <a:spcPct val="100000"/>
+              </a:lnSpc>
+              <a:spcBef>
+                <a:spcPts val="0"/>
+              </a:spcBef>
+              <a:spcAft>
+                <a:spcPts val="0"/>
+              </a:spcAft>
+              <a:buClrTx/>
+              <a:buSzTx/>
+              <a:buFontTx/>
+              <a:buNone/>
+              <a:tabLst/>
+              <a:defRPr/>
+            </a:pPr>
+            <a:r>
+              <a:rPr kumimoji="0" lang="en-US" sz="1100" b="1" i="0" u="none" strike="noStrike" kern="1200" cap="none" spc="0" normalizeH="0" baseline="0" noProof="0" dirty="0">
+                <a:ln>
+                  <a:noFill/>
+                </a:ln>
+                <a:solidFill>
+                  <a:schemeClr val="bg1"/>
+                </a:solidFill>
+                <a:effectLst/>
+                <a:uLnTx/>
+                <a:uFillTx/>
+                <a:latin typeface="Calibri" panose="020F0502020204030204"/>
+                <a:ea typeface="+mn-ea"/>
+                <a:cs typeface="+mn-cs"/>
+              </a:rPr>
+              <a:t>Monitor Data processing server </a:t>
+            </a:r>
+            <a:endParaRPr kumimoji="0" lang="en-SG" sz="1100" b="1" i="0" u="none" strike="noStrike" kern="1200" cap="none" spc="0" normalizeH="0" baseline="0" noProof="0" dirty="0">
+              <a:ln>
+                <a:noFill/>
+              </a:ln>
+              <a:solidFill>
+                <a:schemeClr val="bg1"/>
+              </a:solidFill>
+              <a:effectLst/>
+              <a:uLnTx/>
+              <a:uFillTx/>
+              <a:latin typeface="Calibri" panose="020F0502020204030204"/>
+              <a:ea typeface="+mn-ea"/>
+              <a:cs typeface="+mn-cs"/>
+            </a:endParaRPr>
+          </a:p>
+        </p:txBody>
+      </p:sp>
+      <p:sp>
+        <p:nvSpPr>
+          <p:cNvPr id="185" name="TextBox 184">
+            <a:extLst>
+              <a:ext uri="{FF2B5EF4-FFF2-40B4-BE49-F238E27FC236}">
+                <a16:creationId xmlns:a16="http://schemas.microsoft.com/office/drawing/2014/main" id="{1FAD6832-90C2-B7C1-F0CD-94C07060CE29}"/>
+              </a:ext>
+            </a:extLst>
+          </p:cNvPr>
+          <p:cNvSpPr txBox="1"/>
+          <p:nvPr/>
+        </p:nvSpPr>
+        <p:spPr>
+          <a:xfrm>
+            <a:off x="7478835" y="2614771"/>
+            <a:ext cx="1333630" cy="430887"/>
+          </a:xfrm>
+          <a:prstGeom prst="rect">
+            <a:avLst/>
+          </a:prstGeom>
+          <a:noFill/>
+        </p:spPr>
+        <p:txBody>
+          <a:bodyPr wrap="square" rtlCol="0">
+            <a:spAutoFit/>
+          </a:bodyPr>
+          <a:lstStyle/>
+          <a:p>
+            <a:pPr marL="0" marR="0" lvl="0" indent="0" algn="l" defTabSz="914400" rtl="0" eaLnBrk="1" fontAlgn="auto" latinLnBrk="0" hangingPunct="1">
+              <a:lnSpc>
+                <a:spcPct val="100000"/>
+              </a:lnSpc>
+              <a:spcBef>
+                <a:spcPts val="0"/>
+              </a:spcBef>
+              <a:spcAft>
+                <a:spcPts val="0"/>
+              </a:spcAft>
+              <a:buClrTx/>
+              <a:buSzTx/>
+              <a:buFontTx/>
+              <a:buNone/>
+              <a:tabLst/>
+              <a:defRPr/>
+            </a:pPr>
+            <a:r>
+              <a:rPr kumimoji="0" lang="en-US" sz="1100" b="1" i="0" u="none" strike="noStrike" kern="1200" cap="none" spc="0" normalizeH="0" baseline="0" noProof="0" dirty="0">
+                <a:ln>
+                  <a:noFill/>
+                </a:ln>
+                <a:solidFill>
+                  <a:schemeClr val="bg1"/>
+                </a:solidFill>
+                <a:effectLst/>
+                <a:uLnTx/>
+                <a:uFillTx/>
+                <a:latin typeface="Calibri" panose="020F0502020204030204"/>
+                <a:ea typeface="+mn-ea"/>
+                <a:cs typeface="+mn-cs"/>
+              </a:rPr>
+              <a:t>Monitor </a:t>
+            </a:r>
+            <a:r>
+              <a:rPr lang="en-US" sz="1100" b="1" dirty="0">
+                <a:solidFill>
+                  <a:schemeClr val="bg1"/>
+                </a:solidFill>
+                <a:latin typeface="Calibri" panose="020F0502020204030204"/>
+              </a:rPr>
+              <a:t>dashboard </a:t>
+            </a:r>
+            <a:r>
+              <a:rPr kumimoji="0" lang="en-US" sz="1100" b="1" i="0" u="none" strike="noStrike" kern="1200" cap="none" spc="0" normalizeH="0" baseline="0" noProof="0" dirty="0">
+                <a:ln>
+                  <a:noFill/>
+                </a:ln>
+                <a:solidFill>
+                  <a:schemeClr val="bg1"/>
+                </a:solidFill>
+                <a:effectLst/>
+                <a:uLnTx/>
+                <a:uFillTx/>
+                <a:latin typeface="Calibri" panose="020F0502020204030204"/>
+                <a:ea typeface="+mn-ea"/>
+                <a:cs typeface="+mn-cs"/>
+              </a:rPr>
+              <a:t>server </a:t>
+            </a:r>
+            <a:endParaRPr kumimoji="0" lang="en-SG" sz="1100" b="1" i="0" u="none" strike="noStrike" kern="1200" cap="none" spc="0" normalizeH="0" baseline="0" noProof="0" dirty="0">
+              <a:ln>
+                <a:noFill/>
+              </a:ln>
+              <a:solidFill>
+                <a:schemeClr val="bg1"/>
+              </a:solidFill>
+              <a:effectLst/>
+              <a:uLnTx/>
+              <a:uFillTx/>
+              <a:latin typeface="Calibri" panose="020F0502020204030204"/>
+              <a:ea typeface="+mn-ea"/>
+              <a:cs typeface="+mn-cs"/>
+            </a:endParaRPr>
+          </a:p>
+        </p:txBody>
+      </p:sp>
+      <p:cxnSp>
+        <p:nvCxnSpPr>
+          <p:cNvPr id="186" name="Straight Arrow Connector 185">
+            <a:extLst>
+              <a:ext uri="{FF2B5EF4-FFF2-40B4-BE49-F238E27FC236}">
+                <a16:creationId xmlns:a16="http://schemas.microsoft.com/office/drawing/2014/main" id="{1D216CF2-2A6B-22E6-2E1F-B03291CCE820}"/>
+              </a:ext>
+            </a:extLst>
+          </p:cNvPr>
+          <p:cNvCxnSpPr>
+            <a:cxnSpLocks/>
+          </p:cNvCxnSpPr>
+          <p:nvPr/>
+        </p:nvCxnSpPr>
+        <p:spPr>
+          <a:xfrm flipH="1">
+            <a:off x="7581900" y="3905250"/>
+            <a:ext cx="351449" cy="0"/>
           </a:xfrm>
           <a:prstGeom prst="straightConnector1">
             <a:avLst/>
           </a:prstGeom>
           <a:ln w="9525">
             <a:solidFill>
-              <a:srgbClr val="00B050"/>
+              <a:schemeClr val="tx1"/>
             </a:solidFill>
             <a:prstDash val="sysDash"/>
             <a:tailEnd type="triangle"/>
@@ -8590,10 +12629,10 @@
       </p:cxnSp>
       <p:cxnSp>
         <p:nvCxnSpPr>
-          <p:cNvPr id="62" name="Straight Arrow Connector 61">
-            <a:extLst>
-              <a:ext uri="{FF2B5EF4-FFF2-40B4-BE49-F238E27FC236}">
-                <a16:creationId xmlns:a16="http://schemas.microsoft.com/office/drawing/2014/main" id="{22C6B17A-A86F-0EDB-5113-FA66728F0F19}"/>
+          <p:cNvPr id="190" name="Straight Arrow Connector 189">
+            <a:extLst>
+              <a:ext uri="{FF2B5EF4-FFF2-40B4-BE49-F238E27FC236}">
+                <a16:creationId xmlns:a16="http://schemas.microsoft.com/office/drawing/2014/main" id="{D11A015E-BC07-8376-A84B-E4F447FEFCA9}"/>
               </a:ext>
             </a:extLst>
           </p:cNvPr>
@@ -8603,18 +12642,16 @@
           <p:nvPr/>
         </p:nvCxnSpPr>
         <p:spPr>
-          <a:xfrm flipH="1">
-            <a:off x="3657665" y="2722438"/>
-            <a:ext cx="633849" cy="0"/>
+          <a:xfrm flipV="1">
+            <a:off x="7613335" y="3216473"/>
+            <a:ext cx="0" cy="611607"/>
           </a:xfrm>
           <a:prstGeom prst="straightConnector1">
             <a:avLst/>
           </a:prstGeom>
           <a:ln w="9525">
             <a:solidFill>
-              <a:schemeClr val="accent6">
-                <a:lumMod val="75000"/>
-              </a:schemeClr>
+              <a:schemeClr val="tx1"/>
             </a:solidFill>
             <a:prstDash val="sysDash"/>
             <a:tailEnd type="triangle"/>
@@ -8637,10 +12674,10 @@
       </p:cxnSp>
       <p:cxnSp>
         <p:nvCxnSpPr>
-          <p:cNvPr id="64" name="Straight Arrow Connector 63">
-            <a:extLst>
-              <a:ext uri="{FF2B5EF4-FFF2-40B4-BE49-F238E27FC236}">
-                <a16:creationId xmlns:a16="http://schemas.microsoft.com/office/drawing/2014/main" id="{DF12E1C7-F180-2C87-AB89-5B131FFD4466}"/>
+          <p:cNvPr id="192" name="Straight Arrow Connector 191">
+            <a:extLst>
+              <a:ext uri="{FF2B5EF4-FFF2-40B4-BE49-F238E27FC236}">
+                <a16:creationId xmlns:a16="http://schemas.microsoft.com/office/drawing/2014/main" id="{E4E426DB-2B3A-9A12-4373-F86942F18E7D}"/>
               </a:ext>
             </a:extLst>
           </p:cNvPr>
@@ -8650,16 +12687,16 @@
           <p:nvPr/>
         </p:nvCxnSpPr>
         <p:spPr>
-          <a:xfrm flipH="1">
-            <a:off x="4405556" y="3541726"/>
-            <a:ext cx="1515714" cy="0"/>
+          <a:xfrm>
+            <a:off x="7627416" y="3215909"/>
+            <a:ext cx="373584" cy="0"/>
           </a:xfrm>
           <a:prstGeom prst="straightConnector1">
             <a:avLst/>
           </a:prstGeom>
           <a:ln w="9525">
             <a:solidFill>
-              <a:srgbClr val="00B050"/>
+              <a:schemeClr val="tx1"/>
             </a:solidFill>
             <a:prstDash val="sysDash"/>
             <a:tailEnd type="triangle"/>
@@ -8674,6 +12711,597 @@
           </a:fillRef>
           <a:effectRef idx="1">
             <a:schemeClr val="accent1"/>
+          </a:effectRef>
+          <a:fontRef idx="minor">
+            <a:schemeClr val="tx1"/>
+          </a:fontRef>
+        </p:style>
+      </p:cxnSp>
+      <p:pic>
+        <p:nvPicPr>
+          <p:cNvPr id="200" name="Picture 199" descr="A screenshot of a computer&#10;&#10;Description automatically generated">
+            <a:extLst>
+              <a:ext uri="{FF2B5EF4-FFF2-40B4-BE49-F238E27FC236}">
+                <a16:creationId xmlns:a16="http://schemas.microsoft.com/office/drawing/2014/main" id="{B6E8B041-5FBE-AD02-80EF-5272511817F8}"/>
+              </a:ext>
+            </a:extLst>
+          </p:cNvPr>
+          <p:cNvPicPr>
+            <a:picLocks noChangeAspect="1"/>
+          </p:cNvPicPr>
+          <p:nvPr/>
+        </p:nvPicPr>
+        <p:blipFill>
+          <a:blip r:embed="rId18">
+            <a:extLst>
+              <a:ext uri="{28A0092B-C50C-407E-A947-70E740481C1C}">
+                <a14:useLocalDpi xmlns:a14="http://schemas.microsoft.com/office/drawing/2010/main" val="0"/>
+              </a:ext>
+            </a:extLst>
+          </a:blip>
+          <a:stretch>
+            <a:fillRect/>
+          </a:stretch>
+        </p:blipFill>
+        <p:spPr>
+          <a:xfrm>
+            <a:off x="9249094" y="2058605"/>
+            <a:ext cx="1943100" cy="1142118"/>
+          </a:xfrm>
+          <a:prstGeom prst="rect">
+            <a:avLst/>
+          </a:prstGeom>
+          <a:ln w="9525">
+            <a:solidFill>
+              <a:schemeClr val="tx1"/>
+            </a:solidFill>
+          </a:ln>
+        </p:spPr>
+      </p:pic>
+      <p:pic>
+        <p:nvPicPr>
+          <p:cNvPr id="202" name="Picture 201" descr="A screenshot of a computer&#10;&#10;Description automatically generated">
+            <a:extLst>
+              <a:ext uri="{FF2B5EF4-FFF2-40B4-BE49-F238E27FC236}">
+                <a16:creationId xmlns:a16="http://schemas.microsoft.com/office/drawing/2014/main" id="{E8F4C9B5-DB9C-A61C-F0D6-FE354865AD48}"/>
+              </a:ext>
+            </a:extLst>
+          </p:cNvPr>
+          <p:cNvPicPr>
+            <a:picLocks noChangeAspect="1"/>
+          </p:cNvPicPr>
+          <p:nvPr/>
+        </p:nvPicPr>
+        <p:blipFill>
+          <a:blip r:embed="rId19">
+            <a:extLst>
+              <a:ext uri="{28A0092B-C50C-407E-A947-70E740481C1C}">
+                <a14:useLocalDpi xmlns:a14="http://schemas.microsoft.com/office/drawing/2010/main" val="0"/>
+              </a:ext>
+            </a:extLst>
+          </a:blip>
+          <a:stretch>
+            <a:fillRect/>
+          </a:stretch>
+        </p:blipFill>
+        <p:spPr>
+          <a:xfrm>
+            <a:off x="9249094" y="3494075"/>
+            <a:ext cx="1933256" cy="1080890"/>
+          </a:xfrm>
+          <a:prstGeom prst="rect">
+            <a:avLst/>
+          </a:prstGeom>
+          <a:ln w="9525">
+            <a:solidFill>
+              <a:schemeClr val="tx1"/>
+            </a:solidFill>
+          </a:ln>
+        </p:spPr>
+      </p:pic>
+      <p:pic>
+        <p:nvPicPr>
+          <p:cNvPr id="204" name="Picture 203" descr="A screenshot of a computer&#10;&#10;Description automatically generated">
+            <a:extLst>
+              <a:ext uri="{FF2B5EF4-FFF2-40B4-BE49-F238E27FC236}">
+                <a16:creationId xmlns:a16="http://schemas.microsoft.com/office/drawing/2014/main" id="{02BB5FF4-BF91-C1F2-680A-6D0ED2ED1852}"/>
+              </a:ext>
+            </a:extLst>
+          </p:cNvPr>
+          <p:cNvPicPr>
+            <a:picLocks noChangeAspect="1"/>
+          </p:cNvPicPr>
+          <p:nvPr/>
+        </p:nvPicPr>
+        <p:blipFill>
+          <a:blip r:embed="rId20">
+            <a:extLst>
+              <a:ext uri="{28A0092B-C50C-407E-A947-70E740481C1C}">
+                <a14:useLocalDpi xmlns:a14="http://schemas.microsoft.com/office/drawing/2010/main" val="0"/>
+              </a:ext>
+            </a:extLst>
+          </a:blip>
+          <a:stretch>
+            <a:fillRect/>
+          </a:stretch>
+        </p:blipFill>
+        <p:spPr>
+          <a:xfrm>
+            <a:off x="9232805" y="4879482"/>
+            <a:ext cx="1911445" cy="1167893"/>
+          </a:xfrm>
+          <a:prstGeom prst="rect">
+            <a:avLst/>
+          </a:prstGeom>
+          <a:ln w="9525">
+            <a:solidFill>
+              <a:schemeClr val="tx1"/>
+            </a:solidFill>
+          </a:ln>
+        </p:spPr>
+      </p:pic>
+      <p:sp>
+        <p:nvSpPr>
+          <p:cNvPr id="208" name="TextBox 207">
+            <a:extLst>
+              <a:ext uri="{FF2B5EF4-FFF2-40B4-BE49-F238E27FC236}">
+                <a16:creationId xmlns:a16="http://schemas.microsoft.com/office/drawing/2014/main" id="{2C0355E5-FE76-BEC7-EB36-31D8D6AF75B4}"/>
+              </a:ext>
+            </a:extLst>
+          </p:cNvPr>
+          <p:cNvSpPr txBox="1"/>
+          <p:nvPr/>
+        </p:nvSpPr>
+        <p:spPr>
+          <a:xfrm>
+            <a:off x="7350604" y="5373687"/>
+            <a:ext cx="891215" cy="600164"/>
+          </a:xfrm>
+          <a:prstGeom prst="rect">
+            <a:avLst/>
+          </a:prstGeom>
+          <a:noFill/>
+          <a:ln>
+            <a:noFill/>
+          </a:ln>
+        </p:spPr>
+        <p:txBody>
+          <a:bodyPr wrap="square" rtlCol="0">
+            <a:spAutoFit/>
+          </a:bodyPr>
+          <a:lstStyle/>
+          <a:p>
+            <a:pPr marL="0" marR="0" lvl="0" indent="0" algn="l" defTabSz="914400" rtl="0" eaLnBrk="1" fontAlgn="auto" latinLnBrk="0" hangingPunct="1">
+              <a:lnSpc>
+                <a:spcPct val="100000"/>
+              </a:lnSpc>
+              <a:spcBef>
+                <a:spcPts val="0"/>
+              </a:spcBef>
+              <a:spcAft>
+                <a:spcPts val="0"/>
+              </a:spcAft>
+              <a:buClrTx/>
+              <a:buSzTx/>
+              <a:buFontTx/>
+              <a:buNone/>
+              <a:tabLst/>
+              <a:defRPr/>
+            </a:pPr>
+            <a:r>
+              <a:rPr lang="en-US" sz="1100" b="1" dirty="0">
+                <a:solidFill>
+                  <a:schemeClr val="bg1">
+                    <a:lumMod val="50000"/>
+                  </a:schemeClr>
+                </a:solidFill>
+                <a:latin typeface="Calibri" panose="020F0502020204030204"/>
+              </a:rPr>
+              <a:t>Subsystem log report (FTP)</a:t>
+            </a:r>
+            <a:endParaRPr kumimoji="0" lang="en-SG" sz="1100" b="1" i="0" u="none" strike="noStrike" kern="1200" cap="none" spc="0" normalizeH="0" baseline="0" noProof="0" dirty="0">
+              <a:ln>
+                <a:noFill/>
+              </a:ln>
+              <a:solidFill>
+                <a:schemeClr val="bg1">
+                  <a:lumMod val="50000"/>
+                </a:schemeClr>
+              </a:solidFill>
+              <a:effectLst/>
+              <a:uLnTx/>
+              <a:uFillTx/>
+              <a:latin typeface="Calibri" panose="020F0502020204030204"/>
+              <a:ea typeface="+mn-ea"/>
+              <a:cs typeface="+mn-cs"/>
+            </a:endParaRPr>
+          </a:p>
+        </p:txBody>
+      </p:sp>
+      <p:sp>
+        <p:nvSpPr>
+          <p:cNvPr id="209" name="TextBox 208">
+            <a:extLst>
+              <a:ext uri="{FF2B5EF4-FFF2-40B4-BE49-F238E27FC236}">
+                <a16:creationId xmlns:a16="http://schemas.microsoft.com/office/drawing/2014/main" id="{6AB1E5C1-A773-E69F-1F44-51426D4F769D}"/>
+              </a:ext>
+            </a:extLst>
+          </p:cNvPr>
+          <p:cNvSpPr txBox="1"/>
+          <p:nvPr/>
+        </p:nvSpPr>
+        <p:spPr>
+          <a:xfrm>
+            <a:off x="9163046" y="1787038"/>
+            <a:ext cx="2247903" cy="276999"/>
+          </a:xfrm>
+          <a:prstGeom prst="rect">
+            <a:avLst/>
+          </a:prstGeom>
+          <a:noFill/>
+        </p:spPr>
+        <p:txBody>
+          <a:bodyPr wrap="square" rtlCol="0">
+            <a:spAutoFit/>
+          </a:bodyPr>
+          <a:lstStyle/>
+          <a:p>
+            <a:pPr marL="0" marR="0" lvl="0" indent="0" algn="l" defTabSz="914400" rtl="0" eaLnBrk="1" fontAlgn="auto" latinLnBrk="0" hangingPunct="1">
+              <a:lnSpc>
+                <a:spcPct val="100000"/>
+              </a:lnSpc>
+              <a:spcBef>
+                <a:spcPts val="0"/>
+              </a:spcBef>
+              <a:spcAft>
+                <a:spcPts val="0"/>
+              </a:spcAft>
+              <a:buClrTx/>
+              <a:buSzTx/>
+              <a:buFontTx/>
+              <a:buNone/>
+              <a:tabLst/>
+              <a:defRPr/>
+            </a:pPr>
+            <a:r>
+              <a:rPr kumimoji="0" lang="en-US" sz="1200" b="1" i="0" u="none" strike="noStrike" kern="1200" cap="none" spc="0" normalizeH="0" baseline="0" noProof="0" dirty="0">
+                <a:ln>
+                  <a:noFill/>
+                </a:ln>
+                <a:effectLst/>
+                <a:uLnTx/>
+                <a:uFillTx/>
+                <a:latin typeface="Calibri" panose="020F0502020204030204"/>
+                <a:ea typeface="+mn-ea"/>
+                <a:cs typeface="+mn-cs"/>
+              </a:rPr>
+              <a:t>Honeypot overview dashboard</a:t>
+            </a:r>
+            <a:endParaRPr kumimoji="0" lang="en-SG" sz="1200" b="1" i="0" u="none" strike="noStrike" kern="1200" cap="none" spc="0" normalizeH="0" baseline="0" noProof="0" dirty="0">
+              <a:ln>
+                <a:noFill/>
+              </a:ln>
+              <a:effectLst/>
+              <a:uLnTx/>
+              <a:uFillTx/>
+              <a:latin typeface="Calibri" panose="020F0502020204030204"/>
+              <a:ea typeface="+mn-ea"/>
+              <a:cs typeface="+mn-cs"/>
+            </a:endParaRPr>
+          </a:p>
+        </p:txBody>
+      </p:sp>
+      <p:sp>
+        <p:nvSpPr>
+          <p:cNvPr id="210" name="TextBox 209">
+            <a:extLst>
+              <a:ext uri="{FF2B5EF4-FFF2-40B4-BE49-F238E27FC236}">
+                <a16:creationId xmlns:a16="http://schemas.microsoft.com/office/drawing/2014/main" id="{CDA0F9DB-C2BA-D137-5E1E-A545D9F89548}"/>
+              </a:ext>
+            </a:extLst>
+          </p:cNvPr>
+          <p:cNvSpPr txBox="1"/>
+          <p:nvPr/>
+        </p:nvSpPr>
+        <p:spPr>
+          <a:xfrm>
+            <a:off x="9153318" y="3219011"/>
+            <a:ext cx="2247903" cy="276999"/>
+          </a:xfrm>
+          <a:prstGeom prst="rect">
+            <a:avLst/>
+          </a:prstGeom>
+          <a:noFill/>
+        </p:spPr>
+        <p:txBody>
+          <a:bodyPr wrap="square" rtlCol="0">
+            <a:spAutoFit/>
+          </a:bodyPr>
+          <a:lstStyle/>
+          <a:p>
+            <a:pPr marL="0" marR="0" lvl="0" indent="0" algn="l" defTabSz="914400" rtl="0" eaLnBrk="1" fontAlgn="auto" latinLnBrk="0" hangingPunct="1">
+              <a:lnSpc>
+                <a:spcPct val="100000"/>
+              </a:lnSpc>
+              <a:spcBef>
+                <a:spcPts val="0"/>
+              </a:spcBef>
+              <a:spcAft>
+                <a:spcPts val="0"/>
+              </a:spcAft>
+              <a:buClrTx/>
+              <a:buSzTx/>
+              <a:buFontTx/>
+              <a:buNone/>
+              <a:tabLst/>
+              <a:defRPr/>
+            </a:pPr>
+            <a:r>
+              <a:rPr lang="en-US" sz="1200" b="1" dirty="0">
+                <a:latin typeface="Calibri" panose="020F0502020204030204"/>
+              </a:rPr>
+              <a:t>Components state </a:t>
+            </a:r>
+            <a:r>
+              <a:rPr kumimoji="0" lang="en-US" sz="1200" b="1" i="0" u="none" strike="noStrike" kern="1200" cap="none" spc="0" normalizeH="0" baseline="0" noProof="0" dirty="0">
+                <a:ln>
+                  <a:noFill/>
+                </a:ln>
+                <a:effectLst/>
+                <a:uLnTx/>
+                <a:uFillTx/>
+                <a:latin typeface="Calibri" panose="020F0502020204030204"/>
+                <a:ea typeface="+mn-ea"/>
+                <a:cs typeface="+mn-cs"/>
+              </a:rPr>
+              <a:t>dashboard</a:t>
+            </a:r>
+            <a:endParaRPr kumimoji="0" lang="en-SG" sz="1200" b="1" i="0" u="none" strike="noStrike" kern="1200" cap="none" spc="0" normalizeH="0" baseline="0" noProof="0" dirty="0">
+              <a:ln>
+                <a:noFill/>
+              </a:ln>
+              <a:effectLst/>
+              <a:uLnTx/>
+              <a:uFillTx/>
+              <a:latin typeface="Calibri" panose="020F0502020204030204"/>
+              <a:ea typeface="+mn-ea"/>
+              <a:cs typeface="+mn-cs"/>
+            </a:endParaRPr>
+          </a:p>
+        </p:txBody>
+      </p:sp>
+      <p:sp>
+        <p:nvSpPr>
+          <p:cNvPr id="211" name="TextBox 210">
+            <a:extLst>
+              <a:ext uri="{FF2B5EF4-FFF2-40B4-BE49-F238E27FC236}">
+                <a16:creationId xmlns:a16="http://schemas.microsoft.com/office/drawing/2014/main" id="{9F0B6CF5-9D56-D43B-B46E-96D1230E47BE}"/>
+              </a:ext>
+            </a:extLst>
+          </p:cNvPr>
+          <p:cNvSpPr txBox="1"/>
+          <p:nvPr/>
+        </p:nvSpPr>
+        <p:spPr>
+          <a:xfrm>
+            <a:off x="9200582" y="4607254"/>
+            <a:ext cx="1943667" cy="276999"/>
+          </a:xfrm>
+          <a:prstGeom prst="rect">
+            <a:avLst/>
+          </a:prstGeom>
+          <a:noFill/>
+        </p:spPr>
+        <p:txBody>
+          <a:bodyPr wrap="square" rtlCol="0">
+            <a:spAutoFit/>
+          </a:bodyPr>
+          <a:lstStyle/>
+          <a:p>
+            <a:pPr marL="0" marR="0" lvl="0" indent="0" algn="l" defTabSz="914400" rtl="0" eaLnBrk="1" fontAlgn="auto" latinLnBrk="0" hangingPunct="1">
+              <a:lnSpc>
+                <a:spcPct val="100000"/>
+              </a:lnSpc>
+              <a:spcBef>
+                <a:spcPts val="0"/>
+              </a:spcBef>
+              <a:spcAft>
+                <a:spcPts val="0"/>
+              </a:spcAft>
+              <a:buClrTx/>
+              <a:buSzTx/>
+              <a:buFontTx/>
+              <a:buNone/>
+              <a:tabLst/>
+              <a:defRPr/>
+            </a:pPr>
+            <a:r>
+              <a:rPr kumimoji="0" lang="en-US" sz="1200" b="1" i="0" u="none" strike="noStrike" kern="1200" cap="none" spc="0" normalizeH="0" baseline="0" noProof="0" dirty="0">
+                <a:ln>
+                  <a:noFill/>
+                </a:ln>
+                <a:effectLst/>
+                <a:uLnTx/>
+                <a:uFillTx/>
+                <a:latin typeface="Calibri" panose="020F0502020204030204"/>
+                <a:ea typeface="+mn-ea"/>
+                <a:cs typeface="+mn-cs"/>
+              </a:rPr>
+              <a:t>System Log data dashboard</a:t>
+            </a:r>
+            <a:endParaRPr kumimoji="0" lang="en-SG" sz="1200" b="1" i="0" u="none" strike="noStrike" kern="1200" cap="none" spc="0" normalizeH="0" baseline="0" noProof="0" dirty="0">
+              <a:ln>
+                <a:noFill/>
+              </a:ln>
+              <a:effectLst/>
+              <a:uLnTx/>
+              <a:uFillTx/>
+              <a:latin typeface="Calibri" panose="020F0502020204030204"/>
+              <a:ea typeface="+mn-ea"/>
+              <a:cs typeface="+mn-cs"/>
+            </a:endParaRPr>
+          </a:p>
+        </p:txBody>
+      </p:sp>
+      <p:pic>
+        <p:nvPicPr>
+          <p:cNvPr id="212" name="Picture 211">
+            <a:extLst>
+              <a:ext uri="{FF2B5EF4-FFF2-40B4-BE49-F238E27FC236}">
+                <a16:creationId xmlns:a16="http://schemas.microsoft.com/office/drawing/2014/main" id="{03CCD510-A35A-CA17-4C3B-684135A2770B}"/>
+              </a:ext>
+            </a:extLst>
+          </p:cNvPr>
+          <p:cNvPicPr>
+            <a:picLocks noChangeAspect="1"/>
+          </p:cNvPicPr>
+          <p:nvPr/>
+        </p:nvPicPr>
+        <p:blipFill>
+          <a:blip r:embed="rId21"/>
+          <a:stretch>
+            <a:fillRect/>
+          </a:stretch>
+        </p:blipFill>
+        <p:spPr>
+          <a:xfrm>
+            <a:off x="8656866" y="953758"/>
+            <a:ext cx="914696" cy="581057"/>
+          </a:xfrm>
+          <a:prstGeom prst="rect">
+            <a:avLst/>
+          </a:prstGeom>
+          <a:ln w="9525">
+            <a:solidFill>
+              <a:schemeClr val="tx1"/>
+            </a:solidFill>
+          </a:ln>
+        </p:spPr>
+      </p:pic>
+      <p:sp>
+        <p:nvSpPr>
+          <p:cNvPr id="213" name="TextBox 212">
+            <a:extLst>
+              <a:ext uri="{FF2B5EF4-FFF2-40B4-BE49-F238E27FC236}">
+                <a16:creationId xmlns:a16="http://schemas.microsoft.com/office/drawing/2014/main" id="{A8D4C96E-F4F7-5B89-9542-93B907B9617E}"/>
+              </a:ext>
+            </a:extLst>
+          </p:cNvPr>
+          <p:cNvSpPr txBox="1"/>
+          <p:nvPr/>
+        </p:nvSpPr>
+        <p:spPr>
+          <a:xfrm>
+            <a:off x="8410575" y="605036"/>
+            <a:ext cx="1777554" cy="276999"/>
+          </a:xfrm>
+          <a:prstGeom prst="rect">
+            <a:avLst/>
+          </a:prstGeom>
+          <a:noFill/>
+        </p:spPr>
+        <p:txBody>
+          <a:bodyPr wrap="square">
+            <a:spAutoFit/>
+          </a:bodyPr>
+          <a:lstStyle/>
+          <a:p>
+            <a:r>
+              <a:rPr lang="en-US" sz="1200" b="1" dirty="0">
+                <a:solidFill>
+                  <a:srgbClr val="0070C0"/>
+                </a:solidFill>
+              </a:rPr>
+              <a:t>Blue Team Defender</a:t>
+            </a:r>
+            <a:endParaRPr lang="en-SG" sz="1200" b="1" dirty="0">
+              <a:solidFill>
+                <a:srgbClr val="0070C0"/>
+              </a:solidFill>
+            </a:endParaRPr>
+          </a:p>
+        </p:txBody>
+      </p:sp>
+      <p:sp>
+        <p:nvSpPr>
+          <p:cNvPr id="214" name="TextBox 213">
+            <a:extLst>
+              <a:ext uri="{FF2B5EF4-FFF2-40B4-BE49-F238E27FC236}">
+                <a16:creationId xmlns:a16="http://schemas.microsoft.com/office/drawing/2014/main" id="{1A48329C-A77C-7CCA-6D5B-373F3FA96F69}"/>
+              </a:ext>
+            </a:extLst>
+          </p:cNvPr>
+          <p:cNvSpPr txBox="1"/>
+          <p:nvPr/>
+        </p:nvSpPr>
+        <p:spPr>
+          <a:xfrm>
+            <a:off x="4200468" y="621805"/>
+            <a:ext cx="1777554" cy="276999"/>
+          </a:xfrm>
+          <a:prstGeom prst="rect">
+            <a:avLst/>
+          </a:prstGeom>
+          <a:noFill/>
+        </p:spPr>
+        <p:txBody>
+          <a:bodyPr wrap="square">
+            <a:spAutoFit/>
+          </a:bodyPr>
+          <a:lstStyle/>
+          <a:p>
+            <a:r>
+              <a:rPr lang="en-US" sz="1200" b="1" dirty="0">
+                <a:solidFill>
+                  <a:srgbClr val="C00000"/>
+                </a:solidFill>
+              </a:rPr>
+              <a:t>Red Team Attackers</a:t>
+            </a:r>
+            <a:endParaRPr lang="en-SG" sz="1200" b="1" dirty="0">
+              <a:solidFill>
+                <a:srgbClr val="C00000"/>
+              </a:solidFill>
+            </a:endParaRPr>
+          </a:p>
+        </p:txBody>
+      </p:sp>
+      <p:cxnSp>
+        <p:nvCxnSpPr>
+          <p:cNvPr id="217" name="Connector: Elbow 216">
+            <a:extLst>
+              <a:ext uri="{FF2B5EF4-FFF2-40B4-BE49-F238E27FC236}">
+                <a16:creationId xmlns:a16="http://schemas.microsoft.com/office/drawing/2014/main" id="{01E253D0-84AE-E72A-04F3-56ADF3CE3C6E}"/>
+              </a:ext>
+            </a:extLst>
+          </p:cNvPr>
+          <p:cNvCxnSpPr>
+            <a:stCxn id="163" idx="3"/>
+            <a:endCxn id="200" idx="1"/>
+          </p:cNvCxnSpPr>
+          <p:nvPr/>
+        </p:nvCxnSpPr>
+        <p:spPr>
+          <a:xfrm flipV="1">
+            <a:off x="8587466" y="2629664"/>
+            <a:ext cx="661628" cy="506944"/>
+          </a:xfrm>
+          <a:prstGeom prst="bentConnector3">
+            <a:avLst/>
+          </a:prstGeom>
+          <a:ln>
+            <a:tailEnd type="triangle"/>
+          </a:ln>
+        </p:spPr>
+        <p:style>
+          <a:lnRef idx="2">
+            <a:schemeClr val="dk1"/>
+          </a:lnRef>
+          <a:fillRef idx="0">
+            <a:schemeClr val="dk1"/>
+          </a:fillRef>
+          <a:effectRef idx="1">
+            <a:schemeClr val="dk1"/>
           </a:effectRef>
           <a:fontRef idx="minor">
             <a:schemeClr val="tx1"/>
@@ -8682,43 +13310,40 @@
       </p:cxnSp>
       <p:cxnSp>
         <p:nvCxnSpPr>
-          <p:cNvPr id="65" name="Straight Arrow Connector 64">
-            <a:extLst>
-              <a:ext uri="{FF2B5EF4-FFF2-40B4-BE49-F238E27FC236}">
-                <a16:creationId xmlns:a16="http://schemas.microsoft.com/office/drawing/2014/main" id="{214D8593-287B-D844-4C63-71FB76C07FFA}"/>
+          <p:cNvPr id="218" name="Connector: Elbow 217">
+            <a:extLst>
+              <a:ext uri="{FF2B5EF4-FFF2-40B4-BE49-F238E27FC236}">
+                <a16:creationId xmlns:a16="http://schemas.microsoft.com/office/drawing/2014/main" id="{99EB1464-2A83-6DAB-76AE-8F48350BCC70}"/>
               </a:ext>
             </a:extLst>
           </p:cNvPr>
           <p:cNvCxnSpPr>
             <a:cxnSpLocks/>
+            <a:endCxn id="202" idx="1"/>
           </p:cNvCxnSpPr>
           <p:nvPr/>
         </p:nvCxnSpPr>
         <p:spPr>
-          <a:xfrm flipH="1">
-            <a:off x="3679609" y="3525906"/>
-            <a:ext cx="668483" cy="0"/>
-          </a:xfrm>
-          <a:prstGeom prst="straightConnector1">
-            <a:avLst/>
-          </a:prstGeom>
-          <a:ln w="9525">
-            <a:solidFill>
-              <a:srgbClr val="00B050"/>
-            </a:solidFill>
-            <a:prstDash val="sysDash"/>
+          <a:xfrm rot="16200000" flipH="1">
+            <a:off x="8638056" y="3423482"/>
+            <a:ext cx="897910" cy="324166"/>
+          </a:xfrm>
+          <a:prstGeom prst="bentConnector2">
+            <a:avLst/>
+          </a:prstGeom>
+          <a:ln>
             <a:tailEnd type="triangle"/>
           </a:ln>
         </p:spPr>
         <p:style>
           <a:lnRef idx="2">
-            <a:schemeClr val="accent1"/>
+            <a:schemeClr val="dk1"/>
           </a:lnRef>
           <a:fillRef idx="0">
-            <a:schemeClr val="accent1"/>
+            <a:schemeClr val="dk1"/>
           </a:fillRef>
           <a:effectRef idx="1">
-            <a:schemeClr val="accent1"/>
+            <a:schemeClr val="dk1"/>
           </a:effectRef>
           <a:fontRef idx="minor">
             <a:schemeClr val="tx1"/>
@@ -8727,43 +13352,42 @@
       </p:cxnSp>
       <p:cxnSp>
         <p:nvCxnSpPr>
-          <p:cNvPr id="67" name="Straight Arrow Connector 66">
-            <a:extLst>
-              <a:ext uri="{FF2B5EF4-FFF2-40B4-BE49-F238E27FC236}">
-                <a16:creationId xmlns:a16="http://schemas.microsoft.com/office/drawing/2014/main" id="{F1B191F2-4CC3-A343-51CD-81D05DD2421D}"/>
+          <p:cNvPr id="223" name="Connector: Elbow 222">
+            <a:extLst>
+              <a:ext uri="{FF2B5EF4-FFF2-40B4-BE49-F238E27FC236}">
+                <a16:creationId xmlns:a16="http://schemas.microsoft.com/office/drawing/2014/main" id="{31D563A1-7B5E-17D5-3A60-9062EAF9CC35}"/>
               </a:ext>
             </a:extLst>
           </p:cNvPr>
           <p:cNvCxnSpPr>
             <a:cxnSpLocks/>
+            <a:endCxn id="204" idx="1"/>
           </p:cNvCxnSpPr>
           <p:nvPr/>
         </p:nvCxnSpPr>
         <p:spPr>
-          <a:xfrm flipV="1">
-            <a:off x="4300658" y="2884885"/>
-            <a:ext cx="0" cy="641021"/>
-          </a:xfrm>
-          <a:prstGeom prst="straightConnector1">
-            <a:avLst/>
-          </a:prstGeom>
-          <a:ln w="9525">
-            <a:solidFill>
-              <a:srgbClr val="00B050"/>
-            </a:solidFill>
-            <a:prstDash val="sysDash"/>
+          <a:xfrm>
+            <a:off x="8448485" y="4737084"/>
+            <a:ext cx="784320" cy="726345"/>
+          </a:xfrm>
+          <a:prstGeom prst="bentConnector3">
+            <a:avLst>
+              <a:gd name="adj1" fmla="val 64573"/>
+            </a:avLst>
+          </a:prstGeom>
+          <a:ln>
             <a:tailEnd type="triangle"/>
           </a:ln>
         </p:spPr>
         <p:style>
           <a:lnRef idx="2">
-            <a:schemeClr val="accent1"/>
+            <a:schemeClr val="dk1"/>
           </a:lnRef>
           <a:fillRef idx="0">
-            <a:schemeClr val="accent1"/>
+            <a:schemeClr val="dk1"/>
           </a:fillRef>
           <a:effectRef idx="1">
-            <a:schemeClr val="accent1"/>
+            <a:schemeClr val="dk1"/>
           </a:effectRef>
           <a:fontRef idx="minor">
             <a:schemeClr val="tx1"/>
@@ -8772,43 +13396,43 @@
       </p:cxnSp>
       <p:cxnSp>
         <p:nvCxnSpPr>
-          <p:cNvPr id="71" name="Straight Arrow Connector 70">
-            <a:extLst>
-              <a:ext uri="{FF2B5EF4-FFF2-40B4-BE49-F238E27FC236}">
-                <a16:creationId xmlns:a16="http://schemas.microsoft.com/office/drawing/2014/main" id="{332A0291-6FB8-E23D-36B3-22A00C79A572}"/>
+          <p:cNvPr id="229" name="Connector: Elbow 228">
+            <a:extLst>
+              <a:ext uri="{FF2B5EF4-FFF2-40B4-BE49-F238E27FC236}">
+                <a16:creationId xmlns:a16="http://schemas.microsoft.com/office/drawing/2014/main" id="{E63E0603-68FE-B818-D18C-6A8155AF1136}"/>
               </a:ext>
             </a:extLst>
           </p:cNvPr>
           <p:cNvCxnSpPr>
             <a:cxnSpLocks/>
+            <a:stCxn id="212" idx="3"/>
           </p:cNvCxnSpPr>
           <p:nvPr/>
         </p:nvCxnSpPr>
         <p:spPr>
-          <a:xfrm flipH="1" flipV="1">
-            <a:off x="3678876" y="2913482"/>
-            <a:ext cx="580893" cy="0"/>
-          </a:xfrm>
-          <a:prstGeom prst="straightConnector1">
-            <a:avLst/>
-          </a:prstGeom>
-          <a:ln w="9525">
+          <a:xfrm>
+            <a:off x="9571562" y="1244287"/>
+            <a:ext cx="296338" cy="486962"/>
+          </a:xfrm>
+          <a:prstGeom prst="bentConnector2">
+            <a:avLst/>
+          </a:prstGeom>
+          <a:ln>
             <a:solidFill>
-              <a:srgbClr val="00B050"/>
+              <a:srgbClr val="0070C0"/>
             </a:solidFill>
-            <a:prstDash val="sysDash"/>
             <a:tailEnd type="triangle"/>
           </a:ln>
         </p:spPr>
         <p:style>
           <a:lnRef idx="2">
-            <a:schemeClr val="accent1"/>
+            <a:schemeClr val="dk1"/>
           </a:lnRef>
           <a:fillRef idx="0">
-            <a:schemeClr val="accent1"/>
+            <a:schemeClr val="dk1"/>
           </a:fillRef>
           <a:effectRef idx="1">
-            <a:schemeClr val="accent1"/>
+            <a:schemeClr val="dk1"/>
           </a:effectRef>
           <a:fontRef idx="minor">
             <a:schemeClr val="tx1"/>
@@ -8817,10 +13441,361 @@
       </p:cxnSp>
       <p:cxnSp>
         <p:nvCxnSpPr>
-          <p:cNvPr id="77" name="Straight Arrow Connector 76">
-            <a:extLst>
-              <a:ext uri="{FF2B5EF4-FFF2-40B4-BE49-F238E27FC236}">
-                <a16:creationId xmlns:a16="http://schemas.microsoft.com/office/drawing/2014/main" id="{06CBBFD1-2A69-2BBD-2E79-D2944A95B29B}"/>
+          <p:cNvPr id="233" name="Connector: Elbow 232">
+            <a:extLst>
+              <a:ext uri="{FF2B5EF4-FFF2-40B4-BE49-F238E27FC236}">
+                <a16:creationId xmlns:a16="http://schemas.microsoft.com/office/drawing/2014/main" id="{799C6766-B727-8FF0-6442-BBBE8F7EC00B}"/>
+              </a:ext>
+            </a:extLst>
+          </p:cNvPr>
+          <p:cNvCxnSpPr>
+            <a:cxnSpLocks/>
+            <a:stCxn id="212" idx="1"/>
+            <a:endCxn id="154" idx="0"/>
+          </p:cNvCxnSpPr>
+          <p:nvPr/>
+        </p:nvCxnSpPr>
+        <p:spPr>
+          <a:xfrm rot="10800000" flipV="1">
+            <a:off x="8182416" y="1244286"/>
+            <a:ext cx="474450" cy="701069"/>
+          </a:xfrm>
+          <a:prstGeom prst="bentConnector2">
+            <a:avLst/>
+          </a:prstGeom>
+          <a:ln>
+            <a:solidFill>
+              <a:srgbClr val="0070C0"/>
+            </a:solidFill>
+            <a:tailEnd type="triangle"/>
+          </a:ln>
+        </p:spPr>
+        <p:style>
+          <a:lnRef idx="2">
+            <a:schemeClr val="dk1"/>
+          </a:lnRef>
+          <a:fillRef idx="0">
+            <a:schemeClr val="dk1"/>
+          </a:fillRef>
+          <a:effectRef idx="1">
+            <a:schemeClr val="dk1"/>
+          </a:effectRef>
+          <a:fontRef idx="minor">
+            <a:schemeClr val="tx1"/>
+          </a:fontRef>
+        </p:style>
+      </p:cxnSp>
+      <p:sp>
+        <p:nvSpPr>
+          <p:cNvPr id="236" name="TextBox 235">
+            <a:extLst>
+              <a:ext uri="{FF2B5EF4-FFF2-40B4-BE49-F238E27FC236}">
+                <a16:creationId xmlns:a16="http://schemas.microsoft.com/office/drawing/2014/main" id="{8F82E656-94DE-0E89-1261-59781E616FE6}"/>
+              </a:ext>
+            </a:extLst>
+          </p:cNvPr>
+          <p:cNvSpPr txBox="1"/>
+          <p:nvPr/>
+        </p:nvSpPr>
+        <p:spPr>
+          <a:xfrm>
+            <a:off x="9828323" y="1319371"/>
+            <a:ext cx="976442" cy="430887"/>
+          </a:xfrm>
+          <a:prstGeom prst="rect">
+            <a:avLst/>
+          </a:prstGeom>
+          <a:noFill/>
+        </p:spPr>
+        <p:txBody>
+          <a:bodyPr wrap="square" rtlCol="0">
+            <a:spAutoFit/>
+          </a:bodyPr>
+          <a:lstStyle/>
+          <a:p>
+            <a:pPr marL="0" marR="0" lvl="0" indent="0" algn="l" defTabSz="914400" rtl="0" eaLnBrk="1" fontAlgn="auto" latinLnBrk="0" hangingPunct="1">
+              <a:lnSpc>
+                <a:spcPct val="100000"/>
+              </a:lnSpc>
+              <a:spcBef>
+                <a:spcPts val="0"/>
+              </a:spcBef>
+              <a:spcAft>
+                <a:spcPts val="0"/>
+              </a:spcAft>
+              <a:buClrTx/>
+              <a:buSzTx/>
+              <a:buFontTx/>
+              <a:buNone/>
+              <a:tabLst/>
+              <a:defRPr/>
+            </a:pPr>
+            <a:r>
+              <a:rPr lang="en-US" sz="1100" b="1" dirty="0">
+                <a:latin typeface="Calibri" panose="020F0502020204030204"/>
+              </a:rPr>
+              <a:t>Attack detection</a:t>
+            </a:r>
+            <a:endParaRPr kumimoji="0" lang="en-SG" sz="1100" b="1" i="0" u="none" strike="noStrike" kern="1200" cap="none" spc="0" normalizeH="0" baseline="0" noProof="0" dirty="0">
+              <a:ln>
+                <a:noFill/>
+              </a:ln>
+              <a:effectLst/>
+              <a:uLnTx/>
+              <a:uFillTx/>
+              <a:latin typeface="Calibri" panose="020F0502020204030204"/>
+              <a:ea typeface="+mn-ea"/>
+              <a:cs typeface="+mn-cs"/>
+            </a:endParaRPr>
+          </a:p>
+        </p:txBody>
+      </p:sp>
+      <p:sp>
+        <p:nvSpPr>
+          <p:cNvPr id="237" name="TextBox 236">
+            <a:extLst>
+              <a:ext uri="{FF2B5EF4-FFF2-40B4-BE49-F238E27FC236}">
+                <a16:creationId xmlns:a16="http://schemas.microsoft.com/office/drawing/2014/main" id="{5BA9E198-394F-7605-31E5-4BBAB89157CC}"/>
+              </a:ext>
+            </a:extLst>
+          </p:cNvPr>
+          <p:cNvSpPr txBox="1"/>
+          <p:nvPr/>
+        </p:nvSpPr>
+        <p:spPr>
+          <a:xfrm>
+            <a:off x="8157297" y="1359568"/>
+            <a:ext cx="976442" cy="600164"/>
+          </a:xfrm>
+          <a:prstGeom prst="rect">
+            <a:avLst/>
+          </a:prstGeom>
+          <a:noFill/>
+        </p:spPr>
+        <p:txBody>
+          <a:bodyPr wrap="square" rtlCol="0">
+            <a:spAutoFit/>
+          </a:bodyPr>
+          <a:lstStyle/>
+          <a:p>
+            <a:pPr marL="0" marR="0" lvl="0" indent="0" algn="l" defTabSz="914400" rtl="0" eaLnBrk="1" fontAlgn="auto" latinLnBrk="0" hangingPunct="1">
+              <a:lnSpc>
+                <a:spcPct val="100000"/>
+              </a:lnSpc>
+              <a:spcBef>
+                <a:spcPts val="0"/>
+              </a:spcBef>
+              <a:spcAft>
+                <a:spcPts val="0"/>
+              </a:spcAft>
+              <a:buClrTx/>
+              <a:buSzTx/>
+              <a:buFontTx/>
+              <a:buNone/>
+              <a:tabLst/>
+              <a:defRPr/>
+            </a:pPr>
+            <a:r>
+              <a:rPr kumimoji="0" lang="en-US" sz="1100" b="1" i="0" u="none" strike="noStrike" kern="1200" cap="none" spc="0" normalizeH="0" baseline="0" noProof="0" dirty="0">
+                <a:ln>
+                  <a:noFill/>
+                </a:ln>
+                <a:effectLst/>
+                <a:uLnTx/>
+                <a:uFillTx/>
+                <a:latin typeface="Calibri" panose="020F0502020204030204"/>
+                <a:ea typeface="+mn-ea"/>
+                <a:cs typeface="+mn-cs"/>
+              </a:rPr>
+              <a:t>Attack path/flow analysis </a:t>
+            </a:r>
+            <a:endParaRPr kumimoji="0" lang="en-SG" sz="1100" b="1" i="0" u="none" strike="noStrike" kern="1200" cap="none" spc="0" normalizeH="0" baseline="0" noProof="0" dirty="0">
+              <a:ln>
+                <a:noFill/>
+              </a:ln>
+              <a:effectLst/>
+              <a:uLnTx/>
+              <a:uFillTx/>
+              <a:latin typeface="Calibri" panose="020F0502020204030204"/>
+              <a:ea typeface="+mn-ea"/>
+              <a:cs typeface="+mn-cs"/>
+            </a:endParaRPr>
+          </a:p>
+        </p:txBody>
+      </p:sp>
+      <p:pic>
+        <p:nvPicPr>
+          <p:cNvPr id="240" name="Picture 239" descr="A close-up of a device&#10;&#10;Description automatically generated">
+            <a:extLst>
+              <a:ext uri="{FF2B5EF4-FFF2-40B4-BE49-F238E27FC236}">
+                <a16:creationId xmlns:a16="http://schemas.microsoft.com/office/drawing/2014/main" id="{9CCA3FB1-410C-6DD9-E28A-444185D90391}"/>
+              </a:ext>
+            </a:extLst>
+          </p:cNvPr>
+          <p:cNvPicPr>
+            <a:picLocks noChangeAspect="1"/>
+          </p:cNvPicPr>
+          <p:nvPr/>
+        </p:nvPicPr>
+        <p:blipFill>
+          <a:blip r:embed="rId22">
+            <a:extLst>
+              <a:ext uri="{28A0092B-C50C-407E-A947-70E740481C1C}">
+                <a14:useLocalDpi xmlns:a14="http://schemas.microsoft.com/office/drawing/2010/main" val="0"/>
+              </a:ext>
+            </a:extLst>
+          </a:blip>
+          <a:stretch>
+            <a:fillRect/>
+          </a:stretch>
+        </p:blipFill>
+        <p:spPr>
+          <a:xfrm>
+            <a:off x="10018823" y="152640"/>
+            <a:ext cx="1171569" cy="1171569"/>
+          </a:xfrm>
+          <a:prstGeom prst="rect">
+            <a:avLst/>
+          </a:prstGeom>
+        </p:spPr>
+      </p:pic>
+      <p:pic>
+        <p:nvPicPr>
+          <p:cNvPr id="1026" name="Picture 2" descr="PLC Ladder Simulator - Apps on Google Play">
+            <a:extLst>
+              <a:ext uri="{FF2B5EF4-FFF2-40B4-BE49-F238E27FC236}">
+                <a16:creationId xmlns:a16="http://schemas.microsoft.com/office/drawing/2014/main" id="{CC0772A9-F3F1-5E9D-C14B-850CFFFB029C}"/>
+              </a:ext>
+            </a:extLst>
+          </p:cNvPr>
+          <p:cNvPicPr>
+            <a:picLocks noChangeAspect="1" noChangeArrowheads="1"/>
+          </p:cNvPicPr>
+          <p:nvPr/>
+        </p:nvPicPr>
+        <p:blipFill>
+          <a:blip r:embed="rId23">
+            <a:extLst>
+              <a:ext uri="{28A0092B-C50C-407E-A947-70E740481C1C}">
+                <a14:useLocalDpi xmlns:a14="http://schemas.microsoft.com/office/drawing/2010/main" val="0"/>
+              </a:ext>
+            </a:extLst>
+          </a:blip>
+          <a:srcRect/>
+          <a:stretch>
+            <a:fillRect/>
+          </a:stretch>
+        </p:blipFill>
+        <p:spPr bwMode="auto">
+          <a:xfrm>
+            <a:off x="6823808" y="2535654"/>
+            <a:ext cx="475314" cy="475314"/>
+          </a:xfrm>
+          <a:prstGeom prst="rect">
+            <a:avLst/>
+          </a:prstGeom>
+          <a:noFill/>
+          <a:extLst>
+            <a:ext uri="{909E8E84-426E-40DD-AFC4-6F175D3DCCD1}">
+              <a14:hiddenFill xmlns:a14="http://schemas.microsoft.com/office/drawing/2010/main">
+                <a:solidFill>
+                  <a:srgbClr val="FFFFFF"/>
+                </a:solidFill>
+              </a14:hiddenFill>
+            </a:ext>
+          </a:extLst>
+        </p:spPr>
+      </p:pic>
+      <p:pic>
+        <p:nvPicPr>
+          <p:cNvPr id="242" name="Graphic 241" descr="Construction worker male with solid fill">
+            <a:extLst>
+              <a:ext uri="{FF2B5EF4-FFF2-40B4-BE49-F238E27FC236}">
+                <a16:creationId xmlns:a16="http://schemas.microsoft.com/office/drawing/2014/main" id="{02C600C7-FC3B-1102-7DF1-329E3257B226}"/>
+              </a:ext>
+            </a:extLst>
+          </p:cNvPr>
+          <p:cNvPicPr>
+            <a:picLocks noChangeAspect="1"/>
+          </p:cNvPicPr>
+          <p:nvPr/>
+        </p:nvPicPr>
+        <p:blipFill>
+          <a:blip r:embed="rId24">
+            <a:extLst>
+              <a:ext uri="{96DAC541-7B7A-43D3-8B79-37D633B846F1}">
+                <asvg:svgBlip xmlns:asvg="http://schemas.microsoft.com/office/drawing/2016/SVG/main" r:embed="rId25"/>
+              </a:ext>
+            </a:extLst>
+          </a:blip>
+          <a:stretch>
+            <a:fillRect/>
+          </a:stretch>
+        </p:blipFill>
+        <p:spPr>
+          <a:xfrm>
+            <a:off x="6792583" y="1063912"/>
+            <a:ext cx="547275" cy="547275"/>
+          </a:xfrm>
+          <a:prstGeom prst="rect">
+            <a:avLst/>
+          </a:prstGeom>
+        </p:spPr>
+      </p:pic>
+      <p:sp>
+        <p:nvSpPr>
+          <p:cNvPr id="243" name="TextBox 242">
+            <a:extLst>
+              <a:ext uri="{FF2B5EF4-FFF2-40B4-BE49-F238E27FC236}">
+                <a16:creationId xmlns:a16="http://schemas.microsoft.com/office/drawing/2014/main" id="{8971BCE1-ADC6-432C-B1CA-83CF2547531F}"/>
+              </a:ext>
+            </a:extLst>
+          </p:cNvPr>
+          <p:cNvSpPr txBox="1"/>
+          <p:nvPr/>
+        </p:nvSpPr>
+        <p:spPr>
+          <a:xfrm>
+            <a:off x="6598074" y="640041"/>
+            <a:ext cx="908304" cy="461665"/>
+          </a:xfrm>
+          <a:prstGeom prst="rect">
+            <a:avLst/>
+          </a:prstGeom>
+          <a:noFill/>
+        </p:spPr>
+        <p:txBody>
+          <a:bodyPr wrap="square">
+            <a:spAutoFit/>
+          </a:bodyPr>
+          <a:lstStyle/>
+          <a:p>
+            <a:r>
+              <a:rPr lang="en-US" sz="1200" b="1" dirty="0">
+                <a:solidFill>
+                  <a:schemeClr val="accent6">
+                    <a:lumMod val="75000"/>
+                  </a:schemeClr>
+                </a:solidFill>
+              </a:rPr>
+              <a:t>Red Team Engineer</a:t>
+            </a:r>
+            <a:endParaRPr lang="en-SG" sz="1200" b="1" dirty="0">
+              <a:solidFill>
+                <a:schemeClr val="accent6">
+                  <a:lumMod val="75000"/>
+                </a:schemeClr>
+              </a:solidFill>
+            </a:endParaRPr>
+          </a:p>
+        </p:txBody>
+      </p:sp>
+      <p:cxnSp>
+        <p:nvCxnSpPr>
+          <p:cNvPr id="1024" name="Straight Arrow Connector 1023">
+            <a:extLst>
+              <a:ext uri="{FF2B5EF4-FFF2-40B4-BE49-F238E27FC236}">
+                <a16:creationId xmlns:a16="http://schemas.microsoft.com/office/drawing/2014/main" id="{DADCA06D-8280-E753-3621-939F00C3D2B1}"/>
               </a:ext>
             </a:extLst>
           </p:cNvPr>
@@ -8830,16 +13805,16 @@
           <p:nvPr/>
         </p:nvCxnSpPr>
         <p:spPr>
-          <a:xfrm flipH="1">
-            <a:off x="5092189" y="4439236"/>
-            <a:ext cx="840864" cy="0"/>
+          <a:xfrm>
+            <a:off x="4714438" y="2190098"/>
+            <a:ext cx="0" cy="2350154"/>
           </a:xfrm>
           <a:prstGeom prst="straightConnector1">
             <a:avLst/>
           </a:prstGeom>
-          <a:ln w="9525">
+          <a:ln>
             <a:solidFill>
-              <a:srgbClr val="0070C0"/>
+              <a:srgbClr val="C00000"/>
             </a:solidFill>
             <a:prstDash val="sysDash"/>
             <a:tailEnd type="triangle"/>
@@ -8862,10 +13837,10 @@
       </p:cxnSp>
       <p:cxnSp>
         <p:nvCxnSpPr>
-          <p:cNvPr id="80" name="Straight Arrow Connector 79">
-            <a:extLst>
-              <a:ext uri="{FF2B5EF4-FFF2-40B4-BE49-F238E27FC236}">
-                <a16:creationId xmlns:a16="http://schemas.microsoft.com/office/drawing/2014/main" id="{E72A199A-DF02-07C6-DF8D-F6C58493DC32}"/>
+          <p:cNvPr id="1027" name="Straight Arrow Connector 1026">
+            <a:extLst>
+              <a:ext uri="{FF2B5EF4-FFF2-40B4-BE49-F238E27FC236}">
+                <a16:creationId xmlns:a16="http://schemas.microsoft.com/office/drawing/2014/main" id="{2A475224-830E-B217-158C-2F3394982593}"/>
               </a:ext>
             </a:extLst>
           </p:cNvPr>
@@ -8876,15 +13851,139 @@
         </p:nvCxnSpPr>
         <p:spPr>
           <a:xfrm flipH="1">
-            <a:off x="3678876" y="4467368"/>
-            <a:ext cx="1289984" cy="0"/>
+            <a:off x="2495141" y="3063884"/>
+            <a:ext cx="1812869" cy="0"/>
+          </a:xfrm>
+          <a:prstGeom prst="straightConnector1">
+            <a:avLst/>
+          </a:prstGeom>
+          <a:ln>
+            <a:solidFill>
+              <a:srgbClr val="C00000"/>
+            </a:solidFill>
+            <a:prstDash val="sysDash"/>
+            <a:tailEnd type="triangle"/>
+          </a:ln>
+        </p:spPr>
+        <p:style>
+          <a:lnRef idx="2">
+            <a:schemeClr val="accent1"/>
+          </a:lnRef>
+          <a:fillRef idx="0">
+            <a:schemeClr val="accent1"/>
+          </a:fillRef>
+          <a:effectRef idx="1">
+            <a:schemeClr val="accent1"/>
+          </a:effectRef>
+          <a:fontRef idx="minor">
+            <a:schemeClr val="tx1"/>
+          </a:fontRef>
+        </p:style>
+      </p:cxnSp>
+      <p:sp>
+        <p:nvSpPr>
+          <p:cNvPr id="1031" name="TextBox 1030">
+            <a:extLst>
+              <a:ext uri="{FF2B5EF4-FFF2-40B4-BE49-F238E27FC236}">
+                <a16:creationId xmlns:a16="http://schemas.microsoft.com/office/drawing/2014/main" id="{AAD1B6EF-94E7-F947-18C3-4F3B114B8C30}"/>
+              </a:ext>
+            </a:extLst>
+          </p:cNvPr>
+          <p:cNvSpPr txBox="1"/>
+          <p:nvPr/>
+        </p:nvSpPr>
+        <p:spPr>
+          <a:xfrm>
+            <a:off x="3214165" y="4129148"/>
+            <a:ext cx="1284175" cy="430887"/>
+          </a:xfrm>
+          <a:prstGeom prst="rect">
+            <a:avLst/>
+          </a:prstGeom>
+          <a:noFill/>
+        </p:spPr>
+        <p:txBody>
+          <a:bodyPr wrap="square" rtlCol="0">
+            <a:spAutoFit/>
+          </a:bodyPr>
+          <a:lstStyle/>
+          <a:p>
+            <a:pPr marL="0" marR="0" lvl="0" indent="0" algn="l" defTabSz="914400" rtl="0" eaLnBrk="1" fontAlgn="auto" latinLnBrk="0" hangingPunct="1">
+              <a:lnSpc>
+                <a:spcPct val="100000"/>
+              </a:lnSpc>
+              <a:spcBef>
+                <a:spcPts val="0"/>
+              </a:spcBef>
+              <a:spcAft>
+                <a:spcPts val="0"/>
+              </a:spcAft>
+              <a:buClrTx/>
+              <a:buSzTx/>
+              <a:buFontTx/>
+              <a:buNone/>
+              <a:tabLst/>
+              <a:defRPr/>
+            </a:pPr>
+            <a:r>
+              <a:rPr kumimoji="0" lang="en-US" sz="1100" b="1" i="0" u="none" strike="noStrike" kern="1200" cap="none" spc="0" normalizeH="0" baseline="0" noProof="0" dirty="0">
+                <a:ln>
+                  <a:noFill/>
+                </a:ln>
+                <a:solidFill>
+                  <a:srgbClr val="C00000"/>
+                </a:solidFill>
+                <a:effectLst/>
+                <a:uLnTx/>
+                <a:uFillTx/>
+                <a:latin typeface="Calibri" panose="020F0502020204030204"/>
+                <a:ea typeface="+mn-ea"/>
+                <a:cs typeface="+mn-cs"/>
+              </a:rPr>
+              <a:t>FDI-OT-Attack S7comm request</a:t>
+            </a:r>
+            <a:endParaRPr kumimoji="0" lang="en-SG" sz="1100" b="1" i="0" u="none" strike="noStrike" kern="1200" cap="none" spc="0" normalizeH="0" baseline="0" noProof="0" dirty="0">
+              <a:ln>
+                <a:noFill/>
+              </a:ln>
+              <a:solidFill>
+                <a:srgbClr val="C00000"/>
+              </a:solidFill>
+              <a:effectLst/>
+              <a:uLnTx/>
+              <a:uFillTx/>
+              <a:latin typeface="Calibri" panose="020F0502020204030204"/>
+              <a:ea typeface="+mn-ea"/>
+              <a:cs typeface="+mn-cs"/>
+            </a:endParaRPr>
+          </a:p>
+        </p:txBody>
+      </p:sp>
+      <p:cxnSp>
+        <p:nvCxnSpPr>
+          <p:cNvPr id="1032" name="Straight Arrow Connector 1031">
+            <a:extLst>
+              <a:ext uri="{FF2B5EF4-FFF2-40B4-BE49-F238E27FC236}">
+                <a16:creationId xmlns:a16="http://schemas.microsoft.com/office/drawing/2014/main" id="{80F9F539-AC00-1849-A9B1-2FFC29CE4187}"/>
+              </a:ext>
+            </a:extLst>
+          </p:cNvPr>
+          <p:cNvCxnSpPr>
+            <a:cxnSpLocks/>
+          </p:cNvCxnSpPr>
+          <p:nvPr/>
+        </p:nvCxnSpPr>
+        <p:spPr>
+          <a:xfrm>
+            <a:off x="7047675" y="3036470"/>
+            <a:ext cx="0" cy="383005"/>
           </a:xfrm>
           <a:prstGeom prst="straightConnector1">
             <a:avLst/>
           </a:prstGeom>
           <a:ln w="9525">
             <a:solidFill>
-              <a:srgbClr val="0070C0"/>
+              <a:schemeClr val="tx1"/>
             </a:solidFill>
             <a:prstDash val="sysDash"/>
             <a:tailEnd type="triangle"/>
@@ -8907,10 +14006,10 @@
       </p:cxnSp>
       <p:cxnSp>
         <p:nvCxnSpPr>
-          <p:cNvPr id="83" name="Straight Arrow Connector 82">
-            <a:extLst>
-              <a:ext uri="{FF2B5EF4-FFF2-40B4-BE49-F238E27FC236}">
-                <a16:creationId xmlns:a16="http://schemas.microsoft.com/office/drawing/2014/main" id="{F0E5A962-352A-0266-9ADC-50B764C28829}"/>
+          <p:cNvPr id="1035" name="Straight Arrow Connector 1034">
+            <a:extLst>
+              <a:ext uri="{FF2B5EF4-FFF2-40B4-BE49-F238E27FC236}">
+                <a16:creationId xmlns:a16="http://schemas.microsoft.com/office/drawing/2014/main" id="{050A8335-2015-007B-E5EB-53CCE489032E}"/>
               </a:ext>
             </a:extLst>
           </p:cNvPr>
@@ -8921,8 +14020,8 @@
         </p:nvCxnSpPr>
         <p:spPr>
           <a:xfrm flipH="1">
-            <a:off x="4395338" y="4308330"/>
-            <a:ext cx="1515714" cy="0"/>
+            <a:off x="5825246" y="3419475"/>
+            <a:ext cx="1204204" cy="9525"/>
           </a:xfrm>
           <a:prstGeom prst="straightConnector1">
             <a:avLst/>
@@ -8952,10 +14051,10 @@
       </p:cxnSp>
       <p:cxnSp>
         <p:nvCxnSpPr>
-          <p:cNvPr id="84" name="Straight Arrow Connector 83">
-            <a:extLst>
-              <a:ext uri="{FF2B5EF4-FFF2-40B4-BE49-F238E27FC236}">
-                <a16:creationId xmlns:a16="http://schemas.microsoft.com/office/drawing/2014/main" id="{E39B0937-3557-E7AE-FB2D-2BC5AAB50FD7}"/>
+          <p:cNvPr id="1046" name="Straight Arrow Connector 1045">
+            <a:extLst>
+              <a:ext uri="{FF2B5EF4-FFF2-40B4-BE49-F238E27FC236}">
+                <a16:creationId xmlns:a16="http://schemas.microsoft.com/office/drawing/2014/main" id="{1A9A0549-8AD2-3A41-3D70-8C7C5F58A3FC}"/>
               </a:ext>
             </a:extLst>
           </p:cNvPr>
@@ -8965,9 +14064,403 @@
           <p:nvPr/>
         </p:nvCxnSpPr>
         <p:spPr>
-          <a:xfrm flipV="1">
-            <a:off x="4297610" y="3679178"/>
-            <a:ext cx="0" cy="641021"/>
+          <a:xfrm>
+            <a:off x="2250830" y="2831313"/>
+            <a:ext cx="0" cy="120209"/>
+          </a:xfrm>
+          <a:prstGeom prst="straightConnector1">
+            <a:avLst/>
+          </a:prstGeom>
+          <a:ln w="9525">
+            <a:solidFill>
+              <a:schemeClr val="tx1"/>
+            </a:solidFill>
+            <a:prstDash val="sysDash"/>
+            <a:tailEnd type="triangle"/>
+          </a:ln>
+        </p:spPr>
+        <p:style>
+          <a:lnRef idx="2">
+            <a:schemeClr val="accent1"/>
+          </a:lnRef>
+          <a:fillRef idx="0">
+            <a:schemeClr val="accent1"/>
+          </a:fillRef>
+          <a:effectRef idx="1">
+            <a:schemeClr val="accent1"/>
+          </a:effectRef>
+          <a:fontRef idx="minor">
+            <a:schemeClr val="tx1"/>
+          </a:fontRef>
+        </p:style>
+      </p:cxnSp>
+      <p:sp>
+        <p:nvSpPr>
+          <p:cNvPr id="1048" name="TextBox 1047">
+            <a:extLst>
+              <a:ext uri="{FF2B5EF4-FFF2-40B4-BE49-F238E27FC236}">
+                <a16:creationId xmlns:a16="http://schemas.microsoft.com/office/drawing/2014/main" id="{B942D5CB-A328-D10D-1EF7-794123216387}"/>
+              </a:ext>
+            </a:extLst>
+          </p:cNvPr>
+          <p:cNvSpPr txBox="1"/>
+          <p:nvPr/>
+        </p:nvSpPr>
+        <p:spPr>
+          <a:xfrm>
+            <a:off x="6708740" y="1837795"/>
+            <a:ext cx="976442" cy="600164"/>
+          </a:xfrm>
+          <a:prstGeom prst="rect">
+            <a:avLst/>
+          </a:prstGeom>
+          <a:noFill/>
+        </p:spPr>
+        <p:txBody>
+          <a:bodyPr wrap="square" rtlCol="0">
+            <a:spAutoFit/>
+          </a:bodyPr>
+          <a:lstStyle/>
+          <a:p>
+            <a:pPr marL="0" marR="0" lvl="0" indent="0" algn="l" defTabSz="914400" rtl="0" eaLnBrk="1" fontAlgn="auto" latinLnBrk="0" hangingPunct="1">
+              <a:lnSpc>
+                <a:spcPct val="100000"/>
+              </a:lnSpc>
+              <a:spcBef>
+                <a:spcPts val="0"/>
+              </a:spcBef>
+              <a:spcAft>
+                <a:spcPts val="0"/>
+              </a:spcAft>
+              <a:buClrTx/>
+              <a:buSzTx/>
+              <a:buFontTx/>
+              <a:buNone/>
+              <a:tabLst/>
+              <a:defRPr/>
+            </a:pPr>
+            <a:r>
+              <a:rPr kumimoji="0" lang="en-US" sz="1100" b="1" i="0" u="none" strike="noStrike" kern="1200" cap="none" spc="0" normalizeH="0" baseline="0" noProof="0" dirty="0">
+                <a:ln>
+                  <a:noFill/>
+                </a:ln>
+                <a:solidFill>
+                  <a:schemeClr val="accent6">
+                    <a:lumMod val="75000"/>
+                  </a:schemeClr>
+                </a:solidFill>
+                <a:effectLst/>
+                <a:uLnTx/>
+                <a:uFillTx/>
+                <a:latin typeface="Calibri" panose="020F0502020204030204"/>
+                <a:ea typeface="+mn-ea"/>
+                <a:cs typeface="+mn-cs"/>
+              </a:rPr>
+              <a:t>Customized Ladder logic module </a:t>
+            </a:r>
+            <a:endParaRPr kumimoji="0" lang="en-SG" sz="1100" b="1" i="0" u="none" strike="noStrike" kern="1200" cap="none" spc="0" normalizeH="0" baseline="0" noProof="0" dirty="0">
+              <a:ln>
+                <a:noFill/>
+              </a:ln>
+              <a:solidFill>
+                <a:schemeClr val="accent6">
+                  <a:lumMod val="75000"/>
+                </a:schemeClr>
+              </a:solidFill>
+              <a:effectLst/>
+              <a:uLnTx/>
+              <a:uFillTx/>
+              <a:latin typeface="Calibri" panose="020F0502020204030204"/>
+              <a:ea typeface="+mn-ea"/>
+              <a:cs typeface="+mn-cs"/>
+            </a:endParaRPr>
+          </a:p>
+        </p:txBody>
+      </p:sp>
+      <p:sp>
+        <p:nvSpPr>
+          <p:cNvPr id="1050" name="TextBox 1049">
+            <a:extLst>
+              <a:ext uri="{FF2B5EF4-FFF2-40B4-BE49-F238E27FC236}">
+                <a16:creationId xmlns:a16="http://schemas.microsoft.com/office/drawing/2014/main" id="{D9CD0017-BD79-2D78-CA08-4547E6196334}"/>
+              </a:ext>
+            </a:extLst>
+          </p:cNvPr>
+          <p:cNvSpPr txBox="1"/>
+          <p:nvPr/>
+        </p:nvSpPr>
+        <p:spPr>
+          <a:xfrm>
+            <a:off x="827050" y="206858"/>
+            <a:ext cx="8364575" cy="369332"/>
+          </a:xfrm>
+          <a:prstGeom prst="rect">
+            <a:avLst/>
+          </a:prstGeom>
+          <a:noFill/>
+          <a:ln w="12700">
+            <a:solidFill>
+              <a:schemeClr val="tx1"/>
+            </a:solidFill>
+            <a:prstDash val="sysDash"/>
+          </a:ln>
+        </p:spPr>
+        <p:txBody>
+          <a:bodyPr wrap="square">
+            <a:spAutoFit/>
+          </a:bodyPr>
+          <a:lstStyle/>
+          <a:p>
+            <a:r>
+              <a:rPr lang="en-US" b="1" dirty="0"/>
+              <a:t>Python PLC Honeypot Project : System Structure Workflow Overview Diagram </a:t>
+            </a:r>
+            <a:endParaRPr lang="en-SG" b="1" dirty="0"/>
+          </a:p>
+        </p:txBody>
+      </p:sp>
+      <p:pic>
+        <p:nvPicPr>
+          <p:cNvPr id="1053" name="Picture 2" descr="PLC Ladder Simulator - Apps on Google Play">
+            <a:extLst>
+              <a:ext uri="{FF2B5EF4-FFF2-40B4-BE49-F238E27FC236}">
+                <a16:creationId xmlns:a16="http://schemas.microsoft.com/office/drawing/2014/main" id="{D664CA84-FCDF-B6CA-C7C3-6EAA59F9CA76}"/>
+              </a:ext>
+            </a:extLst>
+          </p:cNvPr>
+          <p:cNvPicPr>
+            <a:picLocks noChangeAspect="1" noChangeArrowheads="1"/>
+          </p:cNvPicPr>
+          <p:nvPr/>
+        </p:nvPicPr>
+        <p:blipFill>
+          <a:blip r:embed="rId23">
+            <a:extLst>
+              <a:ext uri="{28A0092B-C50C-407E-A947-70E740481C1C}">
+                <a14:useLocalDpi xmlns:a14="http://schemas.microsoft.com/office/drawing/2010/main" val="0"/>
+              </a:ext>
+            </a:extLst>
+          </a:blip>
+          <a:srcRect/>
+          <a:stretch>
+            <a:fillRect/>
+          </a:stretch>
+        </p:blipFill>
+        <p:spPr bwMode="auto">
+          <a:xfrm>
+            <a:off x="901989" y="1210126"/>
+            <a:ext cx="475314" cy="475314"/>
+          </a:xfrm>
+          <a:prstGeom prst="rect">
+            <a:avLst/>
+          </a:prstGeom>
+          <a:noFill/>
+          <a:extLst>
+            <a:ext uri="{909E8E84-426E-40DD-AFC4-6F175D3DCCD1}">
+              <a14:hiddenFill xmlns:a14="http://schemas.microsoft.com/office/drawing/2010/main">
+                <a:solidFill>
+                  <a:srgbClr val="FFFFFF"/>
+                </a:solidFill>
+              </a14:hiddenFill>
+            </a:ext>
+          </a:extLst>
+        </p:spPr>
+      </p:pic>
+      <p:cxnSp>
+        <p:nvCxnSpPr>
+          <p:cNvPr id="1054" name="Straight Arrow Connector 1053">
+            <a:extLst>
+              <a:ext uri="{FF2B5EF4-FFF2-40B4-BE49-F238E27FC236}">
+                <a16:creationId xmlns:a16="http://schemas.microsoft.com/office/drawing/2014/main" id="{B4D3FE10-DBEB-E7D8-06C8-AD237F7BEF67}"/>
+              </a:ext>
+            </a:extLst>
+          </p:cNvPr>
+          <p:cNvCxnSpPr>
+            <a:cxnSpLocks/>
+          </p:cNvCxnSpPr>
+          <p:nvPr/>
+        </p:nvCxnSpPr>
+        <p:spPr>
+          <a:xfrm>
+            <a:off x="1055701" y="1694123"/>
+            <a:ext cx="0" cy="1960875"/>
+          </a:xfrm>
+          <a:prstGeom prst="straightConnector1">
+            <a:avLst/>
+          </a:prstGeom>
+          <a:ln w="12700">
+            <a:solidFill>
+              <a:schemeClr val="tx1"/>
+            </a:solidFill>
+            <a:prstDash val="sysDash"/>
+            <a:tailEnd type="triangle"/>
+          </a:ln>
+        </p:spPr>
+        <p:style>
+          <a:lnRef idx="2">
+            <a:schemeClr val="accent1"/>
+          </a:lnRef>
+          <a:fillRef idx="0">
+            <a:schemeClr val="accent1"/>
+          </a:fillRef>
+          <a:effectRef idx="1">
+            <a:schemeClr val="accent1"/>
+          </a:effectRef>
+          <a:fontRef idx="minor">
+            <a:schemeClr val="tx1"/>
+          </a:fontRef>
+        </p:style>
+      </p:cxnSp>
+      <p:sp>
+        <p:nvSpPr>
+          <p:cNvPr id="1061" name="TextBox 1060">
+            <a:extLst>
+              <a:ext uri="{FF2B5EF4-FFF2-40B4-BE49-F238E27FC236}">
+                <a16:creationId xmlns:a16="http://schemas.microsoft.com/office/drawing/2014/main" id="{93D2958A-506E-13AE-923F-92D84841194C}"/>
+              </a:ext>
+            </a:extLst>
+          </p:cNvPr>
+          <p:cNvSpPr txBox="1"/>
+          <p:nvPr/>
+        </p:nvSpPr>
+        <p:spPr>
+          <a:xfrm>
+            <a:off x="1325203" y="1142222"/>
+            <a:ext cx="906095" cy="600164"/>
+          </a:xfrm>
+          <a:prstGeom prst="rect">
+            <a:avLst/>
+          </a:prstGeom>
+          <a:noFill/>
+        </p:spPr>
+        <p:txBody>
+          <a:bodyPr wrap="square" rtlCol="0">
+            <a:spAutoFit/>
+          </a:bodyPr>
+          <a:lstStyle/>
+          <a:p>
+            <a:pPr marL="0" marR="0" lvl="0" indent="0" algn="l" defTabSz="914400" rtl="0" eaLnBrk="1" fontAlgn="auto" latinLnBrk="0" hangingPunct="1">
+              <a:lnSpc>
+                <a:spcPct val="100000"/>
+              </a:lnSpc>
+              <a:spcBef>
+                <a:spcPts val="0"/>
+              </a:spcBef>
+              <a:spcAft>
+                <a:spcPts val="0"/>
+              </a:spcAft>
+              <a:buClrTx/>
+              <a:buSzTx/>
+              <a:buFontTx/>
+              <a:buNone/>
+              <a:tabLst/>
+              <a:defRPr/>
+            </a:pPr>
+            <a:r>
+              <a:rPr kumimoji="0" lang="en-US" sz="1100" b="1" i="0" u="none" strike="noStrike" kern="1200" cap="none" spc="0" normalizeH="0" baseline="0" noProof="0" dirty="0">
+                <a:ln>
+                  <a:noFill/>
+                </a:ln>
+                <a:solidFill>
+                  <a:schemeClr val="accent6">
+                    <a:lumMod val="75000"/>
+                  </a:schemeClr>
+                </a:solidFill>
+                <a:effectLst/>
+                <a:uLnTx/>
+                <a:uFillTx/>
+                <a:latin typeface="Calibri" panose="020F0502020204030204"/>
+                <a:ea typeface="+mn-ea"/>
+                <a:cs typeface="+mn-cs"/>
+              </a:rPr>
+              <a:t>Customized Ladder Logic </a:t>
+            </a:r>
+            <a:r>
+              <a:rPr lang="en-US" sz="1100" b="1" dirty="0">
+                <a:solidFill>
+                  <a:schemeClr val="accent6">
+                    <a:lumMod val="75000"/>
+                  </a:schemeClr>
+                </a:solidFill>
+                <a:latin typeface="Calibri" panose="020F0502020204030204"/>
+              </a:rPr>
+              <a:t>M</a:t>
+            </a:r>
+            <a:r>
+              <a:rPr kumimoji="0" lang="en-US" sz="1100" b="1" i="0" u="none" strike="noStrike" kern="1200" cap="none" spc="0" normalizeH="0" baseline="0" noProof="0" dirty="0" err="1">
+                <a:ln>
+                  <a:noFill/>
+                </a:ln>
+                <a:solidFill>
+                  <a:schemeClr val="accent6">
+                    <a:lumMod val="75000"/>
+                  </a:schemeClr>
+                </a:solidFill>
+                <a:effectLst/>
+                <a:uLnTx/>
+                <a:uFillTx/>
+                <a:latin typeface="Calibri" panose="020F0502020204030204"/>
+                <a:ea typeface="+mn-ea"/>
+                <a:cs typeface="+mn-cs"/>
+              </a:rPr>
+              <a:t>odule</a:t>
+            </a:r>
+            <a:r>
+              <a:rPr kumimoji="0" lang="en-US" sz="1100" b="1" i="0" u="none" strike="noStrike" kern="1200" cap="none" spc="0" normalizeH="0" baseline="0" noProof="0" dirty="0">
+                <a:ln>
+                  <a:noFill/>
+                </a:ln>
+                <a:solidFill>
+                  <a:schemeClr val="accent6">
+                    <a:lumMod val="75000"/>
+                  </a:schemeClr>
+                </a:solidFill>
+                <a:effectLst/>
+                <a:uLnTx/>
+                <a:uFillTx/>
+                <a:latin typeface="Calibri" panose="020F0502020204030204"/>
+                <a:ea typeface="+mn-ea"/>
+                <a:cs typeface="+mn-cs"/>
+              </a:rPr>
+              <a:t> </a:t>
+            </a:r>
+            <a:endParaRPr kumimoji="0" lang="en-SG" sz="1100" b="1" i="0" u="none" strike="noStrike" kern="1200" cap="none" spc="0" normalizeH="0" baseline="0" noProof="0" dirty="0">
+              <a:ln>
+                <a:noFill/>
+              </a:ln>
+              <a:solidFill>
+                <a:schemeClr val="accent6">
+                  <a:lumMod val="75000"/>
+                </a:schemeClr>
+              </a:solidFill>
+              <a:effectLst/>
+              <a:uLnTx/>
+              <a:uFillTx/>
+              <a:latin typeface="Calibri" panose="020F0502020204030204"/>
+              <a:ea typeface="+mn-ea"/>
+              <a:cs typeface="+mn-cs"/>
+            </a:endParaRPr>
+          </a:p>
+        </p:txBody>
+      </p:sp>
+      <p:cxnSp>
+        <p:nvCxnSpPr>
+          <p:cNvPr id="1064" name="Straight Arrow Connector 1063">
+            <a:extLst>
+              <a:ext uri="{FF2B5EF4-FFF2-40B4-BE49-F238E27FC236}">
+                <a16:creationId xmlns:a16="http://schemas.microsoft.com/office/drawing/2014/main" id="{A2C3C135-808C-4B07-0D66-993A95050155}"/>
+              </a:ext>
+            </a:extLst>
+          </p:cNvPr>
+          <p:cNvCxnSpPr>
+            <a:cxnSpLocks/>
+          </p:cNvCxnSpPr>
+          <p:nvPr/>
+        </p:nvCxnSpPr>
+        <p:spPr>
+          <a:xfrm>
+            <a:off x="1053707" y="3684858"/>
+            <a:ext cx="2333" cy="793231"/>
           </a:xfrm>
           <a:prstGeom prst="straightConnector1">
             <a:avLst/>
@@ -8997,27 +14490,28 @@
       </p:cxnSp>
       <p:cxnSp>
         <p:nvCxnSpPr>
-          <p:cNvPr id="85" name="Straight Arrow Connector 84">
-            <a:extLst>
-              <a:ext uri="{FF2B5EF4-FFF2-40B4-BE49-F238E27FC236}">
-                <a16:creationId xmlns:a16="http://schemas.microsoft.com/office/drawing/2014/main" id="{0542FAAB-109D-1BFA-672C-609374F2E666}"/>
+          <p:cNvPr id="1068" name="Connector: Elbow 1067">
+            <a:extLst>
+              <a:ext uri="{FF2B5EF4-FFF2-40B4-BE49-F238E27FC236}">
+                <a16:creationId xmlns:a16="http://schemas.microsoft.com/office/drawing/2014/main" id="{D3FD1951-5D65-C002-094D-C91BFBBA4D5A}"/>
               </a:ext>
             </a:extLst>
           </p:cNvPr>
           <p:cNvCxnSpPr>
             <a:cxnSpLocks/>
+            <a:endCxn id="9" idx="2"/>
           </p:cNvCxnSpPr>
           <p:nvPr/>
         </p:nvCxnSpPr>
         <p:spPr>
-          <a:xfrm flipH="1">
-            <a:off x="3659764" y="3679178"/>
-            <a:ext cx="668483" cy="0"/>
-          </a:xfrm>
-          <a:prstGeom prst="straightConnector1">
-            <a:avLst/>
-          </a:prstGeom>
-          <a:ln w="9525">
+          <a:xfrm flipV="1">
+            <a:off x="1093422" y="3512362"/>
+            <a:ext cx="1097818" cy="146968"/>
+          </a:xfrm>
+          <a:prstGeom prst="bentConnector2">
+            <a:avLst/>
+          </a:prstGeom>
+          <a:ln w="12700">
             <a:solidFill>
               <a:schemeClr val="tx1"/>
             </a:solidFill>
@@ -9040,41 +14534,51 @@
           </a:fontRef>
         </p:style>
       </p:cxnSp>
-      <p:pic>
-        <p:nvPicPr>
-          <p:cNvPr id="88" name="Picture 87">
-            <a:extLst>
-              <a:ext uri="{FF2B5EF4-FFF2-40B4-BE49-F238E27FC236}">
-                <a16:creationId xmlns:a16="http://schemas.microsoft.com/office/drawing/2014/main" id="{9075882E-C20F-E264-DE0A-7B90DC45239F}"/>
-              </a:ext>
-            </a:extLst>
-          </p:cNvPr>
-          <p:cNvPicPr>
-            <a:picLocks noChangeAspect="1"/>
-          </p:cNvPicPr>
-          <p:nvPr/>
-        </p:nvPicPr>
-        <p:blipFill>
-          <a:blip r:embed="rId6"/>
-          <a:stretch>
-            <a:fillRect/>
-          </a:stretch>
-        </p:blipFill>
-        <p:spPr>
-          <a:xfrm>
-            <a:off x="4965928" y="426766"/>
-            <a:ext cx="485714" cy="538509"/>
-          </a:xfrm>
-          <a:prstGeom prst="rect">
-            <a:avLst/>
-          </a:prstGeom>
-          <a:ln w="9525">
+      <p:cxnSp>
+        <p:nvCxnSpPr>
+          <p:cNvPr id="1070" name="Connector: Elbow 1069">
+            <a:extLst>
+              <a:ext uri="{FF2B5EF4-FFF2-40B4-BE49-F238E27FC236}">
+                <a16:creationId xmlns:a16="http://schemas.microsoft.com/office/drawing/2014/main" id="{8F08778F-3B41-8F00-1922-6416AFF6B593}"/>
+              </a:ext>
+            </a:extLst>
+          </p:cNvPr>
+          <p:cNvCxnSpPr>
+            <a:cxnSpLocks/>
+          </p:cNvCxnSpPr>
+          <p:nvPr/>
+        </p:nvCxnSpPr>
+        <p:spPr>
+          <a:xfrm flipV="1">
+            <a:off x="1066544" y="4313050"/>
+            <a:ext cx="1097818" cy="146968"/>
+          </a:xfrm>
+          <a:prstGeom prst="bentConnector2">
+            <a:avLst/>
+          </a:prstGeom>
+          <a:ln w="12700">
             <a:solidFill>
               <a:schemeClr val="tx1"/>
             </a:solidFill>
+            <a:prstDash val="sysDash"/>
+            <a:tailEnd type="triangle"/>
           </a:ln>
         </p:spPr>
-      </p:pic>
+        <p:style>
+          <a:lnRef idx="2">
+            <a:schemeClr val="accent1"/>
+          </a:lnRef>
+          <a:fillRef idx="0">
+            <a:schemeClr val="accent1"/>
+          </a:fillRef>
+          <a:effectRef idx="1">
+            <a:schemeClr val="accent1"/>
+          </a:effectRef>
+          <a:fontRef idx="minor">
+            <a:schemeClr val="tx1"/>
+          </a:fontRef>
+        </p:style>
+      </p:cxnSp>
     </p:spTree>
     <p:extLst>
       <p:ext uri="{BB962C8B-B14F-4D97-AF65-F5344CB8AC3E}">
@@ -9401,4 +14905,319 @@
     </a:ext>
   </a:extLst>
 </a:theme>
+</file>
+
+<file path=ppt/theme/theme2.xml><?xml version="1.0" encoding="utf-8"?>
+<a:theme xmlns:a="http://schemas.openxmlformats.org/drawingml/2006/main" name="Office Theme">
+  <a:themeElements>
+    <a:clrScheme name="Office">
+      <a:dk1>
+        <a:sysClr val="windowText" lastClr="000000"/>
+      </a:dk1>
+      <a:lt1>
+        <a:sysClr val="window" lastClr="FFFFFF"/>
+      </a:lt1>
+      <a:dk2>
+        <a:srgbClr val="0E2841"/>
+      </a:dk2>
+      <a:lt2>
+        <a:srgbClr val="E8E8E8"/>
+      </a:lt2>
+      <a:accent1>
+        <a:srgbClr val="156082"/>
+      </a:accent1>
+      <a:accent2>
+        <a:srgbClr val="E97132"/>
+      </a:accent2>
+      <a:accent3>
+        <a:srgbClr val="196B24"/>
+      </a:accent3>
+      <a:accent4>
+        <a:srgbClr val="0F9ED5"/>
+      </a:accent4>
+      <a:accent5>
+        <a:srgbClr val="A02B93"/>
+      </a:accent5>
+      <a:accent6>
+        <a:srgbClr val="4EA72E"/>
+      </a:accent6>
+      <a:hlink>
+        <a:srgbClr val="467886"/>
+      </a:hlink>
+      <a:folHlink>
+        <a:srgbClr val="96607D"/>
+      </a:folHlink>
+    </a:clrScheme>
+    <a:fontScheme name="Office">
+      <a:majorFont>
+        <a:latin typeface="Aptos Display" panose="02110004020202020204"/>
+        <a:ea typeface=""/>
+        <a:cs typeface=""/>
+        <a:font script="Jpan" typeface="游ゴシック Light"/>
+        <a:font script="Hang" typeface="맑은 고딕"/>
+        <a:font script="Hans" typeface="等线 Light"/>
+        <a:font script="Hant" typeface="新細明體"/>
+        <a:font script="Arab" typeface="Times New Roman"/>
+        <a:font script="Hebr" typeface="Times New Roman"/>
+        <a:font script="Thai" typeface="Angsana New"/>
+        <a:font script="Ethi" typeface="Nyala"/>
+        <a:font script="Beng" typeface="Vrinda"/>
+        <a:font script="Gujr" typeface="Shruti"/>
+        <a:font script="Khmr" typeface="MoolBoran"/>
+        <a:font script="Knda" typeface="Tunga"/>
+        <a:font script="Guru" typeface="Raavi"/>
+        <a:font script="Cans" typeface="Euphemia"/>
+        <a:font script="Cher" typeface="Plantagenet Cherokee"/>
+        <a:font script="Yiii" typeface="Microsoft Yi Baiti"/>
+        <a:font script="Tibt" typeface="Microsoft Himalaya"/>
+        <a:font script="Thaa" typeface="MV Boli"/>
+        <a:font script="Deva" typeface="Mangal"/>
+        <a:font script="Telu" typeface="Gautami"/>
+        <a:font script="Taml" typeface="Latha"/>
+        <a:font script="Syrc" typeface="Estrangelo Edessa"/>
+        <a:font script="Orya" typeface="Kalinga"/>
+        <a:font script="Mlym" typeface="Kartika"/>
+        <a:font script="Laoo" typeface="DokChampa"/>
+        <a:font script="Sinh" typeface="Iskoola Pota"/>
+        <a:font script="Mong" typeface="Mongolian Baiti"/>
+        <a:font script="Viet" typeface="Times New Roman"/>
+        <a:font script="Uigh" typeface="Microsoft Uighur"/>
+        <a:font script="Geor" typeface="Sylfaen"/>
+        <a:font script="Armn" typeface="Arial"/>
+        <a:font script="Bugi" typeface="Leelawadee UI"/>
+        <a:font script="Bopo" typeface="Microsoft JhengHei"/>
+        <a:font script="Java" typeface="Javanese Text"/>
+        <a:font script="Lisu" typeface="Segoe UI"/>
+        <a:font script="Mymr" typeface="Myanmar Text"/>
+        <a:font script="Nkoo" typeface="Ebrima"/>
+        <a:font script="Olck" typeface="Nirmala UI"/>
+        <a:font script="Osma" typeface="Ebrima"/>
+        <a:font script="Phag" typeface="Phagspa"/>
+        <a:font script="Syrn" typeface="Estrangelo Edessa"/>
+        <a:font script="Syrj" typeface="Estrangelo Edessa"/>
+        <a:font script="Syre" typeface="Estrangelo Edessa"/>
+        <a:font script="Sora" typeface="Nirmala UI"/>
+        <a:font script="Tale" typeface="Microsoft Tai Le"/>
+        <a:font script="Talu" typeface="Microsoft New Tai Lue"/>
+        <a:font script="Tfng" typeface="Ebrima"/>
+      </a:majorFont>
+      <a:minorFont>
+        <a:latin typeface="Aptos" panose="02110004020202020204"/>
+        <a:ea typeface=""/>
+        <a:cs typeface=""/>
+        <a:font script="Jpan" typeface="游ゴシック"/>
+        <a:font script="Hang" typeface="맑은 고딕"/>
+        <a:font script="Hans" typeface="等线"/>
+        <a:font script="Hant" typeface="新細明體"/>
+        <a:font script="Arab" typeface="Arial"/>
+        <a:font script="Hebr" typeface="Arial"/>
+        <a:font script="Thai" typeface="Cordia New"/>
+        <a:font script="Ethi" typeface="Nyala"/>
+        <a:font script="Beng" typeface="Vrinda"/>
+        <a:font script="Gujr" typeface="Shruti"/>
+        <a:font script="Khmr" typeface="DaunPenh"/>
+        <a:font script="Knda" typeface="Tunga"/>
+        <a:font script="Guru" typeface="Raavi"/>
+        <a:font script="Cans" typeface="Euphemia"/>
+        <a:font script="Cher" typeface="Plantagenet Cherokee"/>
+        <a:font script="Yiii" typeface="Microsoft Yi Baiti"/>
+        <a:font script="Tibt" typeface="Microsoft Himalaya"/>
+        <a:font script="Thaa" typeface="MV Boli"/>
+        <a:font script="Deva" typeface="Mangal"/>
+        <a:font script="Telu" typeface="Gautami"/>
+        <a:font script="Taml" typeface="Latha"/>
+        <a:font script="Syrc" typeface="Estrangelo Edessa"/>
+        <a:font script="Orya" typeface="Kalinga"/>
+        <a:font script="Mlym" typeface="Kartika"/>
+        <a:font script="Laoo" typeface="DokChampa"/>
+        <a:font script="Sinh" typeface="Iskoola Pota"/>
+        <a:font script="Mong" typeface="Mongolian Baiti"/>
+        <a:font script="Viet" typeface="Arial"/>
+        <a:font script="Uigh" typeface="Microsoft Uighur"/>
+        <a:font script="Geor" typeface="Sylfaen"/>
+        <a:font script="Armn" typeface="Arial"/>
+        <a:font script="Bugi" typeface="Leelawadee UI"/>
+        <a:font script="Bopo" typeface="Microsoft JhengHei"/>
+        <a:font script="Java" typeface="Javanese Text"/>
+        <a:font script="Lisu" typeface="Segoe UI"/>
+        <a:font script="Mymr" typeface="Myanmar Text"/>
+        <a:font script="Nkoo" typeface="Ebrima"/>
+        <a:font script="Olck" typeface="Nirmala UI"/>
+        <a:font script="Osma" typeface="Ebrima"/>
+        <a:font script="Phag" typeface="Phagspa"/>
+        <a:font script="Syrn" typeface="Estrangelo Edessa"/>
+        <a:font script="Syrj" typeface="Estrangelo Edessa"/>
+        <a:font script="Syre" typeface="Estrangelo Edessa"/>
+        <a:font script="Sora" typeface="Nirmala UI"/>
+        <a:font script="Tale" typeface="Microsoft Tai Le"/>
+        <a:font script="Talu" typeface="Microsoft New Tai Lue"/>
+        <a:font script="Tfng" typeface="Ebrima"/>
+      </a:minorFont>
+    </a:fontScheme>
+    <a:fmtScheme name="Office">
+      <a:fillStyleLst>
+        <a:solidFill>
+          <a:schemeClr val="phClr"/>
+        </a:solidFill>
+        <a:gradFill rotWithShape="1">
+          <a:gsLst>
+            <a:gs pos="0">
+              <a:schemeClr val="phClr">
+                <a:lumMod val="110000"/>
+                <a:satMod val="105000"/>
+                <a:tint val="67000"/>
+              </a:schemeClr>
+            </a:gs>
+            <a:gs pos="50000">
+              <a:schemeClr val="phClr">
+                <a:lumMod val="105000"/>
+                <a:satMod val="103000"/>
+                <a:tint val="73000"/>
+              </a:schemeClr>
+            </a:gs>
+            <a:gs pos="100000">
+              <a:schemeClr val="phClr">
+                <a:lumMod val="105000"/>
+                <a:satMod val="109000"/>
+                <a:tint val="81000"/>
+              </a:schemeClr>
+            </a:gs>
+          </a:gsLst>
+          <a:lin ang="5400000" scaled="0"/>
+        </a:gradFill>
+        <a:gradFill rotWithShape="1">
+          <a:gsLst>
+            <a:gs pos="0">
+              <a:schemeClr val="phClr">
+                <a:satMod val="103000"/>
+                <a:lumMod val="102000"/>
+                <a:tint val="94000"/>
+              </a:schemeClr>
+            </a:gs>
+            <a:gs pos="50000">
+              <a:schemeClr val="phClr">
+                <a:satMod val="110000"/>
+                <a:lumMod val="100000"/>
+                <a:shade val="100000"/>
+              </a:schemeClr>
+            </a:gs>
+            <a:gs pos="100000">
+              <a:schemeClr val="phClr">
+                <a:lumMod val="99000"/>
+                <a:satMod val="120000"/>
+                <a:shade val="78000"/>
+              </a:schemeClr>
+            </a:gs>
+          </a:gsLst>
+          <a:lin ang="5400000" scaled="0"/>
+        </a:gradFill>
+      </a:fillStyleLst>
+      <a:lnStyleLst>
+        <a:ln w="12700" cap="flat" cmpd="sng" algn="ctr">
+          <a:solidFill>
+            <a:schemeClr val="phClr"/>
+          </a:solidFill>
+          <a:prstDash val="solid"/>
+          <a:miter lim="800000"/>
+        </a:ln>
+        <a:ln w="19050" cap="flat" cmpd="sng" algn="ctr">
+          <a:solidFill>
+            <a:schemeClr val="phClr"/>
+          </a:solidFill>
+          <a:prstDash val="solid"/>
+          <a:miter lim="800000"/>
+        </a:ln>
+        <a:ln w="25400" cap="flat" cmpd="sng" algn="ctr">
+          <a:solidFill>
+            <a:schemeClr val="phClr"/>
+          </a:solidFill>
+          <a:prstDash val="solid"/>
+          <a:miter lim="800000"/>
+        </a:ln>
+      </a:lnStyleLst>
+      <a:effectStyleLst>
+        <a:effectStyle>
+          <a:effectLst/>
+        </a:effectStyle>
+        <a:effectStyle>
+          <a:effectLst/>
+        </a:effectStyle>
+        <a:effectStyle>
+          <a:effectLst>
+            <a:outerShdw blurRad="57150" dist="19050" dir="5400000" algn="ctr" rotWithShape="0">
+              <a:srgbClr val="000000">
+                <a:alpha val="63000"/>
+              </a:srgbClr>
+            </a:outerShdw>
+          </a:effectLst>
+        </a:effectStyle>
+      </a:effectStyleLst>
+      <a:bgFillStyleLst>
+        <a:solidFill>
+          <a:schemeClr val="phClr"/>
+        </a:solidFill>
+        <a:solidFill>
+          <a:schemeClr val="phClr">
+            <a:tint val="95000"/>
+            <a:satMod val="170000"/>
+          </a:schemeClr>
+        </a:solidFill>
+        <a:gradFill rotWithShape="1">
+          <a:gsLst>
+            <a:gs pos="0">
+              <a:schemeClr val="phClr">
+                <a:tint val="93000"/>
+                <a:satMod val="150000"/>
+                <a:shade val="98000"/>
+                <a:lumMod val="102000"/>
+              </a:schemeClr>
+            </a:gs>
+            <a:gs pos="50000">
+              <a:schemeClr val="phClr">
+                <a:tint val="98000"/>
+                <a:satMod val="130000"/>
+                <a:shade val="90000"/>
+                <a:lumMod val="103000"/>
+              </a:schemeClr>
+            </a:gs>
+            <a:gs pos="100000">
+              <a:schemeClr val="phClr">
+                <a:shade val="63000"/>
+                <a:satMod val="120000"/>
+              </a:schemeClr>
+            </a:gs>
+          </a:gsLst>
+          <a:lin ang="5400000" scaled="0"/>
+        </a:gradFill>
+      </a:bgFillStyleLst>
+    </a:fmtScheme>
+  </a:themeElements>
+  <a:objectDefaults>
+    <a:lnDef>
+      <a:spPr/>
+      <a:bodyPr/>
+      <a:lstStyle/>
+      <a:style>
+        <a:lnRef idx="2">
+          <a:schemeClr val="accent1"/>
+        </a:lnRef>
+        <a:fillRef idx="0">
+          <a:schemeClr val="accent1"/>
+        </a:fillRef>
+        <a:effectRef idx="1">
+          <a:schemeClr val="accent1"/>
+        </a:effectRef>
+        <a:fontRef idx="minor">
+          <a:schemeClr val="tx1"/>
+        </a:fontRef>
+      </a:style>
+    </a:lnDef>
+  </a:objectDefaults>
+  <a:extraClrSchemeLst/>
+  <a:extLst>
+    <a:ext uri="{05A4C25C-085E-4340-85A3-A5531E510DB2}">
+      <thm15:themeFamily xmlns:thm15="http://schemas.microsoft.com/office/thememl/2012/main" name="Office Theme" id="{2E142A2C-CD16-42D6-873A-C26D2A0506FA}" vid="{1BDDFF52-6CD6-40A5-AB3C-68EB2F1E4D0A}"/>
+    </a:ext>
+  </a:extLst>
+</a:theme>
 </file>
--- a/doc/designDoc.pptx
+++ b/doc/designDoc.pptx
@@ -7210,7 +7210,7 @@
         </p:nvCxnSpPr>
         <p:spPr>
           <a:xfrm flipH="1">
-            <a:off x="7061465" y="1611187"/>
+            <a:off x="7061465" y="1932728"/>
             <a:ext cx="0" cy="924467"/>
           </a:xfrm>
           <a:prstGeom prst="straightConnector1">
@@ -7253,7 +7253,7 @@
         </p:nvSpPr>
         <p:spPr>
           <a:xfrm>
-            <a:off x="9035233" y="1731249"/>
+            <a:off x="9035233" y="2052790"/>
             <a:ext cx="2271981" cy="4388326"/>
           </a:xfrm>
           <a:prstGeom prst="rect">
@@ -7306,7 +7306,7 @@
         </p:nvSpPr>
         <p:spPr>
           <a:xfrm>
-            <a:off x="7506584" y="1945356"/>
+            <a:off x="7506584" y="2266897"/>
             <a:ext cx="1351663" cy="3288716"/>
           </a:xfrm>
           <a:prstGeom prst="roundRect">
@@ -7358,7 +7358,7 @@
         </p:nvSpPr>
         <p:spPr>
           <a:xfrm>
-            <a:off x="1196115" y="1925538"/>
+            <a:off x="1196115" y="2247079"/>
             <a:ext cx="1324292" cy="3353788"/>
           </a:xfrm>
           <a:prstGeom prst="roundRect">
@@ -7439,7 +7439,7 @@
         </p:nvSpPr>
         <p:spPr>
           <a:xfrm>
-            <a:off x="5218550" y="1925538"/>
+            <a:off x="5218550" y="2247079"/>
             <a:ext cx="1453201" cy="3353787"/>
           </a:xfrm>
           <a:prstGeom prst="roundRect">
@@ -7522,7 +7522,7 @@
         </p:nvSpPr>
         <p:spPr>
           <a:xfrm>
-            <a:off x="1252584" y="2033706"/>
+            <a:off x="1252584" y="2355247"/>
             <a:ext cx="1324292" cy="738664"/>
           </a:xfrm>
           <a:prstGeom prst="rect">
@@ -7658,7 +7658,7 @@
         </p:nvSpPr>
         <p:spPr>
           <a:xfrm>
-            <a:off x="5275019" y="2033706"/>
+            <a:off x="5275019" y="2355247"/>
             <a:ext cx="1391555" cy="738664"/>
           </a:xfrm>
           <a:prstGeom prst="rect">
@@ -7808,7 +7808,7 @@
         </p:blipFill>
         <p:spPr>
           <a:xfrm>
-            <a:off x="1914730" y="2951522"/>
+            <a:off x="1914730" y="3273063"/>
             <a:ext cx="553020" cy="560840"/>
           </a:xfrm>
           <a:prstGeom prst="rect">
@@ -7835,7 +7835,7 @@
         </p:nvSpPr>
         <p:spPr>
           <a:xfrm>
-            <a:off x="1167880" y="2941197"/>
+            <a:off x="1167880" y="3262738"/>
             <a:ext cx="800310" cy="430887"/>
           </a:xfrm>
           <a:prstGeom prst="rect">
@@ -7928,7 +7928,7 @@
         </p:blipFill>
         <p:spPr>
           <a:xfrm>
-            <a:off x="1918461" y="4540252"/>
+            <a:off x="1918461" y="4861793"/>
             <a:ext cx="568419" cy="560840"/>
           </a:xfrm>
           <a:prstGeom prst="rect">
@@ -7963,7 +7963,7 @@
         </p:blipFill>
         <p:spPr>
           <a:xfrm>
-            <a:off x="1926161" y="3745887"/>
+            <a:off x="1926161" y="4067428"/>
             <a:ext cx="553020" cy="560840"/>
           </a:xfrm>
           <a:prstGeom prst="rect">
@@ -7990,7 +7990,7 @@
         </p:nvSpPr>
         <p:spPr>
           <a:xfrm>
-            <a:off x="1156631" y="3764940"/>
+            <a:off x="1156631" y="4086481"/>
             <a:ext cx="800310" cy="430887"/>
           </a:xfrm>
           <a:prstGeom prst="rect">
@@ -8075,7 +8075,7 @@
         </p:nvSpPr>
         <p:spPr>
           <a:xfrm>
-            <a:off x="1139646" y="4558942"/>
+            <a:off x="1139646" y="4880483"/>
             <a:ext cx="856779" cy="430887"/>
           </a:xfrm>
           <a:prstGeom prst="rect">
@@ -8177,7 +8177,7 @@
         </p:blipFill>
         <p:spPr>
           <a:xfrm>
-            <a:off x="5388698" y="2930309"/>
+            <a:off x="5388698" y="3251850"/>
             <a:ext cx="540829" cy="540829"/>
           </a:xfrm>
           <a:prstGeom prst="rect">
@@ -8199,7 +8199,7 @@
         </p:nvSpPr>
         <p:spPr>
           <a:xfrm>
-            <a:off x="5872203" y="2840335"/>
+            <a:off x="5872203" y="3161876"/>
             <a:ext cx="908304" cy="600164"/>
           </a:xfrm>
           <a:prstGeom prst="rect">
@@ -8323,7 +8323,7 @@
         </p:blipFill>
         <p:spPr>
           <a:xfrm>
-            <a:off x="5388697" y="3654998"/>
+            <a:off x="5388697" y="3976539"/>
             <a:ext cx="540829" cy="540829"/>
           </a:xfrm>
           <a:prstGeom prst="rect">
@@ -8345,7 +8345,7 @@
         </p:nvSpPr>
         <p:spPr>
           <a:xfrm>
-            <a:off x="5907423" y="3595663"/>
+            <a:off x="5907423" y="3917204"/>
             <a:ext cx="908304" cy="600164"/>
           </a:xfrm>
           <a:prstGeom prst="rect">
@@ -8459,7 +8459,7 @@
         </p:blipFill>
         <p:spPr>
           <a:xfrm>
-            <a:off x="5385581" y="4493992"/>
+            <a:off x="5385581" y="4815533"/>
             <a:ext cx="540829" cy="540829"/>
           </a:xfrm>
           <a:prstGeom prst="rect">
@@ -8481,7 +8481,7 @@
         </p:nvSpPr>
         <p:spPr>
           <a:xfrm>
-            <a:off x="5884279" y="4332495"/>
+            <a:off x="5884279" y="4654036"/>
             <a:ext cx="989756" cy="769441"/>
           </a:xfrm>
           <a:prstGeom prst="rect">
@@ -8580,7 +8580,7 @@
         </p:nvCxnSpPr>
         <p:spPr>
           <a:xfrm>
-            <a:off x="3206887" y="2403038"/>
+            <a:off x="3206887" y="2724579"/>
             <a:ext cx="0" cy="2831034"/>
           </a:xfrm>
           <a:prstGeom prst="line">
@@ -8625,7 +8625,7 @@
         </p:nvCxnSpPr>
         <p:spPr>
           <a:xfrm>
-            <a:off x="4520277" y="2403038"/>
+            <a:off x="4520277" y="2724579"/>
             <a:ext cx="0" cy="2831034"/>
           </a:xfrm>
           <a:prstGeom prst="line">
@@ -8666,7 +8666,7 @@
         </p:nvSpPr>
         <p:spPr>
           <a:xfrm>
-            <a:off x="2486880" y="4894885"/>
+            <a:off x="2486880" y="5216426"/>
             <a:ext cx="823100" cy="461665"/>
           </a:xfrm>
           <a:prstGeom prst="rect">
@@ -8749,7 +8749,7 @@
         </p:nvSpPr>
         <p:spPr>
           <a:xfrm>
-            <a:off x="4515710" y="4874131"/>
+            <a:off x="4515710" y="5195672"/>
             <a:ext cx="823100" cy="461665"/>
           </a:xfrm>
           <a:prstGeom prst="rect">
@@ -8830,7 +8830,7 @@
         </p:nvCxnSpPr>
         <p:spPr>
           <a:xfrm>
-            <a:off x="2486880" y="3279567"/>
+            <a:off x="2486880" y="3601108"/>
             <a:ext cx="727797" cy="0"/>
           </a:xfrm>
           <a:prstGeom prst="line">
@@ -8876,7 +8876,7 @@
         </p:nvCxnSpPr>
         <p:spPr>
           <a:xfrm>
-            <a:off x="2479181" y="4026307"/>
+            <a:off x="2479181" y="4347848"/>
             <a:ext cx="735495" cy="0"/>
           </a:xfrm>
           <a:prstGeom prst="line">
@@ -8921,7 +8921,7 @@
         </p:nvCxnSpPr>
         <p:spPr>
           <a:xfrm>
-            <a:off x="3195577" y="3219011"/>
+            <a:off x="3195577" y="3540552"/>
             <a:ext cx="2193120" cy="0"/>
           </a:xfrm>
           <a:prstGeom prst="line">
@@ -8966,7 +8966,7 @@
         </p:nvCxnSpPr>
         <p:spPr>
           <a:xfrm>
-            <a:off x="3214676" y="3889316"/>
+            <a:off x="3214676" y="4210857"/>
             <a:ext cx="2162711" cy="0"/>
           </a:xfrm>
           <a:prstGeom prst="line">
@@ -9011,7 +9011,7 @@
         </p:nvCxnSpPr>
         <p:spPr>
           <a:xfrm>
-            <a:off x="2516684" y="4820672"/>
+            <a:off x="2516684" y="5142213"/>
             <a:ext cx="2003593" cy="0"/>
           </a:xfrm>
           <a:prstGeom prst="line">
@@ -9057,7 +9057,7 @@
         </p:nvCxnSpPr>
         <p:spPr>
           <a:xfrm>
-            <a:off x="4520277" y="4775107"/>
+            <a:off x="4520277" y="5096648"/>
             <a:ext cx="867347" cy="0"/>
           </a:xfrm>
           <a:prstGeom prst="line">
@@ -9103,7 +9103,7 @@
         </p:nvCxnSpPr>
         <p:spPr>
           <a:xfrm>
-            <a:off x="3206887" y="4646776"/>
+            <a:off x="3206887" y="4968317"/>
             <a:ext cx="2170500" cy="0"/>
           </a:xfrm>
           <a:prstGeom prst="line">
@@ -9148,7 +9148,7 @@
         </p:nvCxnSpPr>
         <p:spPr>
           <a:xfrm flipH="1">
-            <a:off x="3246827" y="3368467"/>
+            <a:off x="3246827" y="3690008"/>
             <a:ext cx="2138754" cy="0"/>
           </a:xfrm>
           <a:prstGeom prst="straightConnector1">
@@ -9193,7 +9193,7 @@
         </p:nvCxnSpPr>
         <p:spPr>
           <a:xfrm flipH="1">
-            <a:off x="2500267" y="3186948"/>
+            <a:off x="2500267" y="3508489"/>
             <a:ext cx="633849" cy="0"/>
           </a:xfrm>
           <a:prstGeom prst="straightConnector1">
@@ -9240,7 +9240,7 @@
         </p:nvCxnSpPr>
         <p:spPr>
           <a:xfrm flipH="1">
-            <a:off x="3238633" y="3958611"/>
+            <a:off x="3238633" y="4280152"/>
             <a:ext cx="2138754" cy="0"/>
           </a:xfrm>
           <a:prstGeom prst="straightConnector1">
@@ -9285,7 +9285,7 @@
         </p:nvCxnSpPr>
         <p:spPr>
           <a:xfrm flipH="1">
-            <a:off x="2512686" y="3942791"/>
+            <a:off x="2512686" y="4264332"/>
             <a:ext cx="668483" cy="0"/>
           </a:xfrm>
           <a:prstGeom prst="straightConnector1">
@@ -9330,7 +9330,7 @@
         </p:nvCxnSpPr>
         <p:spPr>
           <a:xfrm flipH="1" flipV="1">
-            <a:off x="3124591" y="3409950"/>
+            <a:off x="3124591" y="3731491"/>
             <a:ext cx="0" cy="532841"/>
           </a:xfrm>
           <a:prstGeom prst="straightConnector1">
@@ -9375,7 +9375,7 @@
         </p:nvCxnSpPr>
         <p:spPr>
           <a:xfrm flipH="1" flipV="1">
-            <a:off x="2511953" y="3368467"/>
+            <a:off x="2511953" y="3690008"/>
             <a:ext cx="580893" cy="0"/>
           </a:xfrm>
           <a:prstGeom prst="straightConnector1">
@@ -9420,7 +9420,7 @@
         </p:nvCxnSpPr>
         <p:spPr>
           <a:xfrm flipH="1">
-            <a:off x="4528472" y="4856121"/>
+            <a:off x="4528472" y="5177662"/>
             <a:ext cx="840864" cy="0"/>
           </a:xfrm>
           <a:prstGeom prst="straightConnector1">
@@ -9465,7 +9465,7 @@
         </p:nvCxnSpPr>
         <p:spPr>
           <a:xfrm flipH="1">
-            <a:off x="2511953" y="4884253"/>
+            <a:off x="2511953" y="5205794"/>
             <a:ext cx="1962725" cy="0"/>
           </a:xfrm>
           <a:prstGeom prst="straightConnector1">
@@ -9510,7 +9510,7 @@
         </p:nvCxnSpPr>
         <p:spPr>
           <a:xfrm flipH="1">
-            <a:off x="3228415" y="4725215"/>
+            <a:off x="3228415" y="5046756"/>
             <a:ext cx="2140921" cy="0"/>
           </a:xfrm>
           <a:prstGeom prst="straightConnector1">
@@ -9555,7 +9555,7 @@
         </p:nvCxnSpPr>
         <p:spPr>
           <a:xfrm flipV="1">
-            <a:off x="3130687" y="4096063"/>
+            <a:off x="3130687" y="4417604"/>
             <a:ext cx="0" cy="641021"/>
           </a:xfrm>
           <a:prstGeom prst="straightConnector1">
@@ -9600,7 +9600,7 @@
         </p:nvCxnSpPr>
         <p:spPr>
           <a:xfrm flipH="1">
-            <a:off x="2492841" y="4096063"/>
+            <a:off x="2492841" y="4417604"/>
             <a:ext cx="668483" cy="0"/>
           </a:xfrm>
           <a:prstGeom prst="straightConnector1">
@@ -9651,7 +9651,7 @@
         </p:blipFill>
         <p:spPr>
           <a:xfrm>
-            <a:off x="4474678" y="882035"/>
+            <a:off x="4474678" y="1203576"/>
             <a:ext cx="595784" cy="660543"/>
           </a:xfrm>
           <a:prstGeom prst="rect">
@@ -9686,7 +9686,7 @@
         </p:blipFill>
         <p:spPr>
           <a:xfrm>
-            <a:off x="2250830" y="703305"/>
+            <a:off x="2250830" y="1024846"/>
             <a:ext cx="1841996" cy="1031518"/>
           </a:xfrm>
           <a:prstGeom prst="rect">
@@ -9717,7 +9717,7 @@
         </p:nvCxnSpPr>
         <p:spPr>
           <a:xfrm flipH="1">
-            <a:off x="4092826" y="1212307"/>
+            <a:off x="4092826" y="1533848"/>
             <a:ext cx="381852" cy="6757"/>
           </a:xfrm>
           <a:prstGeom prst="straightConnector1">
@@ -9761,7 +9761,7 @@
         </p:nvCxnSpPr>
         <p:spPr>
           <a:xfrm>
-            <a:off x="2827082" y="1734823"/>
+            <a:off x="2827082" y="2056364"/>
             <a:ext cx="0" cy="1254110"/>
           </a:xfrm>
           <a:prstGeom prst="straightConnector1">
@@ -9805,7 +9805,7 @@
         </p:nvCxnSpPr>
         <p:spPr>
           <a:xfrm flipH="1">
-            <a:off x="2486880" y="2988933"/>
+            <a:off x="2486880" y="3310474"/>
             <a:ext cx="340202" cy="3687"/>
           </a:xfrm>
           <a:prstGeom prst="straightConnector1">
@@ -9849,7 +9849,7 @@
         </p:nvCxnSpPr>
         <p:spPr>
           <a:xfrm>
-            <a:off x="2942906" y="1734823"/>
+            <a:off x="2942906" y="2056364"/>
             <a:ext cx="0" cy="3002261"/>
           </a:xfrm>
           <a:prstGeom prst="straightConnector1">
@@ -9893,7 +9893,7 @@
         </p:nvCxnSpPr>
         <p:spPr>
           <a:xfrm flipH="1" flipV="1">
-            <a:off x="2502428" y="4708509"/>
+            <a:off x="2502428" y="5030050"/>
             <a:ext cx="406634" cy="0"/>
           </a:xfrm>
           <a:prstGeom prst="straightConnector1">
@@ -9935,7 +9935,7 @@
         </p:nvSpPr>
         <p:spPr>
           <a:xfrm>
-            <a:off x="2191240" y="1417124"/>
+            <a:off x="2191240" y="1738665"/>
             <a:ext cx="2268357" cy="276999"/>
           </a:xfrm>
           <a:prstGeom prst="rect">
@@ -10008,7 +10008,7 @@
         </p:nvSpPr>
         <p:spPr>
           <a:xfrm>
-            <a:off x="2904411" y="1736362"/>
+            <a:off x="2904411" y="2057903"/>
             <a:ext cx="1342973" cy="600164"/>
           </a:xfrm>
           <a:prstGeom prst="rect">
@@ -10121,7 +10121,7 @@
         </p:blipFill>
         <p:spPr>
           <a:xfrm>
-            <a:off x="4285623" y="1846070"/>
+            <a:off x="4285623" y="2167611"/>
             <a:ext cx="500639" cy="331765"/>
           </a:xfrm>
           <a:prstGeom prst="rect">
@@ -10145,7 +10145,7 @@
         </p:nvCxnSpPr>
         <p:spPr>
           <a:xfrm>
-            <a:off x="4594106" y="1534815"/>
+            <a:off x="4594106" y="1856356"/>
             <a:ext cx="0" cy="311255"/>
           </a:xfrm>
           <a:prstGeom prst="straightConnector1">
@@ -10187,7 +10187,7 @@
         </p:nvSpPr>
         <p:spPr>
           <a:xfrm>
-            <a:off x="4714438" y="1604440"/>
+            <a:off x="4714438" y="1925981"/>
             <a:ext cx="1110808" cy="430887"/>
           </a:xfrm>
           <a:prstGeom prst="rect">
@@ -10268,7 +10268,7 @@
         </p:nvCxnSpPr>
         <p:spPr>
           <a:xfrm>
-            <a:off x="4308010" y="2177835"/>
+            <a:off x="4308010" y="2499376"/>
             <a:ext cx="0" cy="873873"/>
           </a:xfrm>
           <a:prstGeom prst="straightConnector1">
@@ -10313,7 +10313,7 @@
         </p:nvCxnSpPr>
         <p:spPr>
           <a:xfrm flipH="1">
-            <a:off x="2511953" y="4540252"/>
+            <a:off x="2511953" y="4861793"/>
             <a:ext cx="2202485" cy="0"/>
           </a:xfrm>
           <a:prstGeom prst="straightConnector1">
@@ -10356,7 +10356,7 @@
         </p:nvSpPr>
         <p:spPr>
           <a:xfrm>
-            <a:off x="3204151" y="2615870"/>
+            <a:off x="3204151" y="2937411"/>
             <a:ext cx="1159965" cy="430887"/>
           </a:xfrm>
           <a:prstGeom prst="rect">
@@ -10437,7 +10437,7 @@
         </p:nvCxnSpPr>
         <p:spPr>
           <a:xfrm flipH="1">
-            <a:off x="937260" y="3409950"/>
+            <a:off x="937260" y="3731491"/>
             <a:ext cx="977470" cy="0"/>
           </a:xfrm>
           <a:prstGeom prst="line">
@@ -10482,7 +10482,7 @@
         </p:nvCxnSpPr>
         <p:spPr>
           <a:xfrm flipH="1">
-            <a:off x="937260" y="4229355"/>
+            <a:off x="937260" y="4550896"/>
             <a:ext cx="977470" cy="0"/>
           </a:xfrm>
           <a:prstGeom prst="line">
@@ -10527,7 +10527,7 @@
         </p:nvCxnSpPr>
         <p:spPr>
           <a:xfrm flipH="1">
-            <a:off x="937260" y="5037362"/>
+            <a:off x="937260" y="5358903"/>
             <a:ext cx="977470" cy="0"/>
           </a:xfrm>
           <a:prstGeom prst="line">
@@ -10572,7 +10572,7 @@
         </p:nvCxnSpPr>
         <p:spPr>
           <a:xfrm rot="16200000" flipH="1">
-            <a:off x="6204312" y="2925939"/>
+            <a:off x="6204312" y="3247480"/>
             <a:ext cx="124525" cy="1214922"/>
           </a:xfrm>
           <a:prstGeom prst="bentConnector2">
@@ -10618,7 +10618,7 @@
         </p:nvCxnSpPr>
         <p:spPr>
           <a:xfrm rot="16200000" flipH="1">
-            <a:off x="6203556" y="3651383"/>
+            <a:off x="6203556" y="3972924"/>
             <a:ext cx="118942" cy="1207830"/>
           </a:xfrm>
           <a:prstGeom prst="bentConnector2">
@@ -10664,7 +10664,7 @@
         </p:nvCxnSpPr>
         <p:spPr>
           <a:xfrm rot="16200000" flipH="1">
-            <a:off x="6233029" y="4457788"/>
+            <a:off x="6233029" y="4779329"/>
             <a:ext cx="63972" cy="1218038"/>
           </a:xfrm>
           <a:prstGeom prst="bentConnector2">
@@ -10709,7 +10709,7 @@
         </p:nvCxnSpPr>
         <p:spPr>
           <a:xfrm flipV="1">
-            <a:off x="937260" y="3409950"/>
+            <a:off x="937260" y="3731491"/>
             <a:ext cx="0" cy="2729511"/>
           </a:xfrm>
           <a:prstGeom prst="line">
@@ -10754,7 +10754,7 @@
         </p:nvCxnSpPr>
         <p:spPr>
           <a:xfrm flipH="1">
-            <a:off x="937260" y="6116700"/>
+            <a:off x="937260" y="6438241"/>
             <a:ext cx="7625715" cy="22761"/>
           </a:xfrm>
           <a:prstGeom prst="line">
@@ -10799,7 +10799,7 @@
         </p:nvCxnSpPr>
         <p:spPr>
           <a:xfrm flipH="1" flipV="1">
-            <a:off x="6866942" y="3589714"/>
+            <a:off x="6866942" y="3911255"/>
             <a:ext cx="7092" cy="1509079"/>
           </a:xfrm>
           <a:prstGeom prst="line">
@@ -10842,7 +10842,7 @@
         </p:nvSpPr>
         <p:spPr>
           <a:xfrm>
-            <a:off x="1716406" y="5280493"/>
+            <a:off x="1716406" y="5602034"/>
             <a:ext cx="131394" cy="214001"/>
           </a:xfrm>
           <a:prstGeom prst="downArrow">
@@ -10891,7 +10891,7 @@
         </p:nvSpPr>
         <p:spPr>
           <a:xfrm rot="5400000">
-            <a:off x="3734755" y="3972071"/>
+            <a:off x="3734755" y="4293612"/>
             <a:ext cx="228786" cy="2851734"/>
           </a:xfrm>
           <a:prstGeom prst="rightBrace">
@@ -10938,7 +10938,7 @@
         </p:nvSpPr>
         <p:spPr>
           <a:xfrm>
-            <a:off x="5887666" y="5266687"/>
+            <a:off x="5887666" y="5588228"/>
             <a:ext cx="131394" cy="214001"/>
           </a:xfrm>
           <a:prstGeom prst="downArrow">
@@ -10987,7 +10987,7 @@
         </p:nvSpPr>
         <p:spPr>
           <a:xfrm>
-            <a:off x="3228790" y="3376971"/>
+            <a:off x="3228790" y="3698512"/>
             <a:ext cx="1268689" cy="430887"/>
           </a:xfrm>
           <a:prstGeom prst="rect">
@@ -11070,7 +11070,7 @@
         </p:nvSpPr>
         <p:spPr>
           <a:xfrm>
-            <a:off x="3278501" y="4840779"/>
+            <a:off x="3278501" y="5162320"/>
             <a:ext cx="1268689" cy="430887"/>
           </a:xfrm>
           <a:prstGeom prst="rect">
@@ -11163,7 +11163,7 @@
         </p:blipFill>
         <p:spPr>
           <a:xfrm>
-            <a:off x="1623748" y="5519424"/>
+            <a:off x="1623748" y="5840965"/>
             <a:ext cx="368852" cy="368852"/>
           </a:xfrm>
           <a:prstGeom prst="rect">
@@ -11199,7 +11199,7 @@
         </p:blipFill>
         <p:spPr>
           <a:xfrm>
-            <a:off x="3723974" y="5498235"/>
+            <a:off x="3723974" y="5819776"/>
             <a:ext cx="368852" cy="368852"/>
           </a:xfrm>
           <a:prstGeom prst="rect">
@@ -11235,7 +11235,7 @@
         </p:blipFill>
         <p:spPr>
           <a:xfrm>
-            <a:off x="5786370" y="5460602"/>
+            <a:off x="5786370" y="5782143"/>
             <a:ext cx="368852" cy="368852"/>
           </a:xfrm>
           <a:prstGeom prst="rect">
@@ -11257,7 +11257,7 @@
         </p:nvSpPr>
         <p:spPr>
           <a:xfrm>
-            <a:off x="884786" y="5545287"/>
+            <a:off x="884786" y="5866828"/>
             <a:ext cx="880834" cy="600164"/>
           </a:xfrm>
           <a:prstGeom prst="rect">
@@ -11381,7 +11381,7 @@
         </p:nvSpPr>
         <p:spPr>
           <a:xfrm>
-            <a:off x="1880766" y="5495739"/>
+            <a:off x="1880766" y="5817280"/>
             <a:ext cx="1192862" cy="430887"/>
           </a:xfrm>
           <a:prstGeom prst="rect">
@@ -11454,7 +11454,7 @@
         </p:nvSpPr>
         <p:spPr>
           <a:xfrm>
-            <a:off x="4005216" y="5466808"/>
+            <a:off x="4005216" y="5788349"/>
             <a:ext cx="1192862" cy="430887"/>
           </a:xfrm>
           <a:prstGeom prst="rect">
@@ -11533,7 +11533,7 @@
         </p:nvSpPr>
         <p:spPr>
           <a:xfrm>
-            <a:off x="6075813" y="5455613"/>
+            <a:off x="6075813" y="5777154"/>
             <a:ext cx="1218038" cy="430887"/>
           </a:xfrm>
           <a:prstGeom prst="rect">
@@ -11598,7 +11598,7 @@
         </p:nvSpPr>
         <p:spPr>
           <a:xfrm>
-            <a:off x="6848737" y="3974487"/>
+            <a:off x="6848737" y="4296028"/>
             <a:ext cx="891215" cy="600164"/>
           </a:xfrm>
           <a:prstGeom prst="rect">
@@ -11697,7 +11697,7 @@
         </p:nvCxnSpPr>
         <p:spPr>
           <a:xfrm>
-            <a:off x="1782103" y="5859799"/>
+            <a:off x="1782103" y="6181340"/>
             <a:ext cx="0" cy="141049"/>
           </a:xfrm>
           <a:prstGeom prst="line">
@@ -11743,7 +11743,7 @@
         </p:nvCxnSpPr>
         <p:spPr>
           <a:xfrm flipH="1">
-            <a:off x="3897299" y="5838199"/>
+            <a:off x="3897299" y="6159740"/>
             <a:ext cx="0" cy="134172"/>
           </a:xfrm>
           <a:prstGeom prst="line">
@@ -11789,7 +11789,7 @@
         </p:nvCxnSpPr>
         <p:spPr>
           <a:xfrm flipV="1">
-            <a:off x="5970796" y="5813082"/>
+            <a:off x="5970796" y="6134623"/>
             <a:ext cx="0" cy="151405"/>
           </a:xfrm>
           <a:prstGeom prst="line">
@@ -11835,7 +11835,7 @@
         </p:nvCxnSpPr>
         <p:spPr>
           <a:xfrm>
-            <a:off x="1772578" y="5981798"/>
+            <a:off x="1772578" y="6303339"/>
             <a:ext cx="6418922" cy="0"/>
           </a:xfrm>
           <a:prstGeom prst="line">
@@ -11879,7 +11879,7 @@
         </p:nvSpPr>
         <p:spPr>
           <a:xfrm>
-            <a:off x="7598270" y="4456818"/>
+            <a:off x="7598270" y="4778359"/>
             <a:ext cx="823458" cy="560532"/>
           </a:xfrm>
           <a:prstGeom prst="can">
@@ -11925,7 +11925,7 @@
         </p:nvSpPr>
         <p:spPr>
           <a:xfrm>
-            <a:off x="7577533" y="4560097"/>
+            <a:off x="7577533" y="4881638"/>
             <a:ext cx="978797" cy="461665"/>
           </a:xfrm>
           <a:prstGeom prst="rect">
@@ -12006,7 +12006,7 @@
         </p:nvCxnSpPr>
         <p:spPr>
           <a:xfrm>
-            <a:off x="8172838" y="5034820"/>
+            <a:off x="8172838" y="5356361"/>
             <a:ext cx="0" cy="944626"/>
           </a:xfrm>
           <a:prstGeom prst="line">
@@ -12050,7 +12050,7 @@
         </p:nvSpPr>
         <p:spPr>
           <a:xfrm>
-            <a:off x="7506584" y="2011952"/>
+            <a:off x="7506584" y="2333493"/>
             <a:ext cx="1391555" cy="523220"/>
           </a:xfrm>
           <a:prstGeom prst="rect">
@@ -12129,7 +12129,7 @@
         </p:blipFill>
         <p:spPr>
           <a:xfrm>
-            <a:off x="7971955" y="2828852"/>
+            <a:off x="7971955" y="3150393"/>
             <a:ext cx="615511" cy="615511"/>
           </a:xfrm>
           <a:prstGeom prst="rect">
@@ -12165,7 +12165,7 @@
         </p:blipFill>
         <p:spPr>
           <a:xfrm>
-            <a:off x="7836940" y="3818555"/>
+            <a:off x="7836940" y="4140096"/>
             <a:ext cx="535535" cy="535535"/>
           </a:xfrm>
           <a:prstGeom prst="rect">
@@ -12189,7 +12189,7 @@
         </p:nvCxnSpPr>
         <p:spPr>
           <a:xfrm flipH="1">
-            <a:off x="6874034" y="3980383"/>
+            <a:off x="6874034" y="4301924"/>
             <a:ext cx="965041" cy="0"/>
           </a:xfrm>
           <a:prstGeom prst="line">
@@ -12234,7 +12234,7 @@
         </p:nvCxnSpPr>
         <p:spPr>
           <a:xfrm flipH="1" flipV="1">
-            <a:off x="8556714" y="4083924"/>
+            <a:off x="8556714" y="4405465"/>
             <a:ext cx="395" cy="2029737"/>
           </a:xfrm>
           <a:prstGeom prst="line">
@@ -12279,7 +12279,7 @@
         </p:nvCxnSpPr>
         <p:spPr>
           <a:xfrm>
-            <a:off x="8318672" y="4105588"/>
+            <a:off x="8318672" y="4427129"/>
             <a:ext cx="244303" cy="0"/>
           </a:xfrm>
           <a:prstGeom prst="line">
@@ -12324,7 +12324,7 @@
         </p:nvCxnSpPr>
         <p:spPr>
           <a:xfrm>
-            <a:off x="7684376" y="4072220"/>
+            <a:off x="7684376" y="4393761"/>
             <a:ext cx="0" cy="400759"/>
           </a:xfrm>
           <a:prstGeom prst="line">
@@ -12369,7 +12369,7 @@
         </p:nvCxnSpPr>
         <p:spPr>
           <a:xfrm flipH="1">
-            <a:off x="7674851" y="4096063"/>
+            <a:off x="7674851" y="4417604"/>
             <a:ext cx="167084" cy="0"/>
           </a:xfrm>
           <a:prstGeom prst="line">
@@ -12412,7 +12412,7 @@
         </p:nvSpPr>
         <p:spPr>
           <a:xfrm>
-            <a:off x="7582842" y="3471137"/>
+            <a:off x="7582842" y="3792678"/>
             <a:ext cx="1230831" cy="430887"/>
           </a:xfrm>
           <a:prstGeom prst="rect">
@@ -12491,7 +12491,7 @@
         </p:nvSpPr>
         <p:spPr>
           <a:xfrm>
-            <a:off x="7478835" y="2614771"/>
+            <a:off x="7478835" y="2936312"/>
             <a:ext cx="1333630" cy="430887"/>
           </a:xfrm>
           <a:prstGeom prst="rect">
@@ -12598,7 +12598,7 @@
         </p:nvCxnSpPr>
         <p:spPr>
           <a:xfrm flipH="1">
-            <a:off x="7581900" y="3905250"/>
+            <a:off x="7581900" y="4226791"/>
             <a:ext cx="351449" cy="0"/>
           </a:xfrm>
           <a:prstGeom prst="straightConnector1">
@@ -12643,7 +12643,7 @@
         </p:nvCxnSpPr>
         <p:spPr>
           <a:xfrm flipV="1">
-            <a:off x="7613335" y="3216473"/>
+            <a:off x="7613335" y="3538014"/>
             <a:ext cx="0" cy="611607"/>
           </a:xfrm>
           <a:prstGeom prst="straightConnector1">
@@ -12688,7 +12688,7 @@
         </p:nvCxnSpPr>
         <p:spPr>
           <a:xfrm>
-            <a:off x="7627416" y="3215909"/>
+            <a:off x="7627416" y="3537450"/>
             <a:ext cx="373584" cy="0"/>
           </a:xfrm>
           <a:prstGeom prst="straightConnector1">
@@ -12745,7 +12745,7 @@
         </p:blipFill>
         <p:spPr>
           <a:xfrm>
-            <a:off x="9249094" y="2058605"/>
+            <a:off x="9249094" y="2380146"/>
             <a:ext cx="1943100" cy="1142118"/>
           </a:xfrm>
           <a:prstGeom prst="rect">
@@ -12786,7 +12786,7 @@
         </p:blipFill>
         <p:spPr>
           <a:xfrm>
-            <a:off x="9249094" y="3494075"/>
+            <a:off x="9249094" y="3815616"/>
             <a:ext cx="1933256" cy="1080890"/>
           </a:xfrm>
           <a:prstGeom prst="rect">
@@ -12827,7 +12827,7 @@
         </p:blipFill>
         <p:spPr>
           <a:xfrm>
-            <a:off x="9232805" y="4879482"/>
+            <a:off x="9232805" y="5201023"/>
             <a:ext cx="1911445" cy="1167893"/>
           </a:xfrm>
           <a:prstGeom prst="rect">
@@ -12854,7 +12854,7 @@
         </p:nvSpPr>
         <p:spPr>
           <a:xfrm>
-            <a:off x="7350604" y="5373687"/>
+            <a:off x="7350604" y="5695228"/>
             <a:ext cx="891215" cy="600164"/>
           </a:xfrm>
           <a:prstGeom prst="rect">
@@ -12932,7 +12932,7 @@
         </p:nvSpPr>
         <p:spPr>
           <a:xfrm>
-            <a:off x="9163046" y="1787038"/>
+            <a:off x="9163046" y="2108579"/>
             <a:ext cx="2247903" cy="276999"/>
           </a:xfrm>
           <a:prstGeom prst="rect">
@@ -13005,7 +13005,7 @@
         </p:nvSpPr>
         <p:spPr>
           <a:xfrm>
-            <a:off x="9153318" y="3219011"/>
+            <a:off x="9153318" y="3540552"/>
             <a:ext cx="2247903" cy="276999"/>
           </a:xfrm>
           <a:prstGeom prst="rect">
@@ -13084,7 +13084,7 @@
         </p:nvSpPr>
         <p:spPr>
           <a:xfrm>
-            <a:off x="9200582" y="4607254"/>
+            <a:off x="9200582" y="4928795"/>
             <a:ext cx="1943667" cy="276999"/>
           </a:xfrm>
           <a:prstGeom prst="rect">
@@ -13165,7 +13165,7 @@
         </p:blipFill>
         <p:spPr>
           <a:xfrm>
-            <a:off x="8656866" y="953758"/>
+            <a:off x="8656866" y="1275299"/>
             <a:ext cx="914696" cy="581057"/>
           </a:xfrm>
           <a:prstGeom prst="rect">
@@ -13192,7 +13192,7 @@
         </p:nvSpPr>
         <p:spPr>
           <a:xfrm>
-            <a:off x="8410575" y="605036"/>
+            <a:off x="8410575" y="926577"/>
             <a:ext cx="1777554" cy="276999"/>
           </a:xfrm>
           <a:prstGeom prst="rect">
@@ -13236,7 +13236,7 @@
         </p:nvSpPr>
         <p:spPr>
           <a:xfrm>
-            <a:off x="4200468" y="621805"/>
+            <a:off x="4200468" y="943346"/>
             <a:ext cx="1777554" cy="276999"/>
           </a:xfrm>
           <a:prstGeom prst="rect">
@@ -13283,7 +13283,7 @@
         </p:nvCxnSpPr>
         <p:spPr>
           <a:xfrm flipV="1">
-            <a:off x="8587466" y="2629664"/>
+            <a:off x="8587466" y="2951205"/>
             <a:ext cx="661628" cy="506944"/>
           </a:xfrm>
           <a:prstGeom prst="bentConnector3">
@@ -13325,7 +13325,7 @@
         </p:nvCxnSpPr>
         <p:spPr>
           <a:xfrm rot="16200000" flipH="1">
-            <a:off x="8638056" y="3423482"/>
+            <a:off x="8638056" y="3745023"/>
             <a:ext cx="897910" cy="324166"/>
           </a:xfrm>
           <a:prstGeom prst="bentConnector2">
@@ -13367,7 +13367,7 @@
         </p:nvCxnSpPr>
         <p:spPr>
           <a:xfrm>
-            <a:off x="8448485" y="4737084"/>
+            <a:off x="8448485" y="5058625"/>
             <a:ext cx="784320" cy="726345"/>
           </a:xfrm>
           <a:prstGeom prst="bentConnector3">
@@ -13411,7 +13411,7 @@
         </p:nvCxnSpPr>
         <p:spPr>
           <a:xfrm>
-            <a:off x="9571562" y="1244287"/>
+            <a:off x="9571562" y="1565828"/>
             <a:ext cx="296338" cy="486962"/>
           </a:xfrm>
           <a:prstGeom prst="bentConnector2">
@@ -13457,7 +13457,7 @@
         </p:nvCxnSpPr>
         <p:spPr>
           <a:xfrm rot="10800000" flipV="1">
-            <a:off x="8182416" y="1244286"/>
+            <a:off x="8182416" y="1565827"/>
             <a:ext cx="474450" cy="701069"/>
           </a:xfrm>
           <a:prstGeom prst="bentConnector2">
@@ -13499,7 +13499,7 @@
         </p:nvSpPr>
         <p:spPr>
           <a:xfrm>
-            <a:off x="9828323" y="1319371"/>
+            <a:off x="9828323" y="1640912"/>
             <a:ext cx="976442" cy="430887"/>
           </a:xfrm>
           <a:prstGeom prst="rect">
@@ -13564,7 +13564,7 @@
         </p:nvSpPr>
         <p:spPr>
           <a:xfrm>
-            <a:off x="8157297" y="1359568"/>
+            <a:off x="8157297" y="1681109"/>
             <a:ext cx="976442" cy="600164"/>
           </a:xfrm>
           <a:prstGeom prst="rect">
@@ -13651,7 +13651,7 @@
         </p:blipFill>
         <p:spPr>
           <a:xfrm>
-            <a:off x="10018823" y="152640"/>
+            <a:off x="10018823" y="474181"/>
             <a:ext cx="1171569" cy="1171569"/>
           </a:xfrm>
           <a:prstGeom prst="rect">
@@ -13688,7 +13688,7 @@
         </p:blipFill>
         <p:spPr bwMode="auto">
           <a:xfrm>
-            <a:off x="6823808" y="2535654"/>
+            <a:off x="6823808" y="2857195"/>
             <a:ext cx="475314" cy="475314"/>
           </a:xfrm>
           <a:prstGeom prst="rect">
@@ -13734,7 +13734,7 @@
         </p:blipFill>
         <p:spPr>
           <a:xfrm>
-            <a:off x="6792583" y="1063912"/>
+            <a:off x="6792583" y="1385453"/>
             <a:ext cx="547275" cy="547275"/>
           </a:xfrm>
           <a:prstGeom prst="rect">
@@ -13756,7 +13756,7 @@
         </p:nvSpPr>
         <p:spPr>
           <a:xfrm>
-            <a:off x="6598074" y="640041"/>
+            <a:off x="6598074" y="961582"/>
             <a:ext cx="908304" cy="461665"/>
           </a:xfrm>
           <a:prstGeom prst="rect">
@@ -13806,7 +13806,7 @@
         </p:nvCxnSpPr>
         <p:spPr>
           <a:xfrm>
-            <a:off x="4714438" y="2190098"/>
+            <a:off x="4714438" y="2511639"/>
             <a:ext cx="0" cy="2350154"/>
           </a:xfrm>
           <a:prstGeom prst="straightConnector1">
@@ -13851,7 +13851,7 @@
         </p:nvCxnSpPr>
         <p:spPr>
           <a:xfrm flipH="1">
-            <a:off x="2495141" y="3063884"/>
+            <a:off x="2495141" y="3385425"/>
             <a:ext cx="1812869" cy="0"/>
           </a:xfrm>
           <a:prstGeom prst="straightConnector1">
@@ -13894,7 +13894,7 @@
         </p:nvSpPr>
         <p:spPr>
           <a:xfrm>
-            <a:off x="3214165" y="4129148"/>
+            <a:off x="3214165" y="4450689"/>
             <a:ext cx="1284175" cy="430887"/>
           </a:xfrm>
           <a:prstGeom prst="rect">
@@ -13975,7 +13975,7 @@
         </p:nvCxnSpPr>
         <p:spPr>
           <a:xfrm>
-            <a:off x="7047675" y="3036470"/>
+            <a:off x="7047675" y="3358011"/>
             <a:ext cx="0" cy="383005"/>
           </a:xfrm>
           <a:prstGeom prst="straightConnector1">
@@ -14020,7 +14020,7 @@
         </p:nvCxnSpPr>
         <p:spPr>
           <a:xfrm flipH="1">
-            <a:off x="5825246" y="3419475"/>
+            <a:off x="5825246" y="3741016"/>
             <a:ext cx="1204204" cy="9525"/>
           </a:xfrm>
           <a:prstGeom prst="straightConnector1">
@@ -14065,7 +14065,7 @@
         </p:nvCxnSpPr>
         <p:spPr>
           <a:xfrm>
-            <a:off x="2250830" y="2831313"/>
+            <a:off x="2250830" y="3152854"/>
             <a:ext cx="0" cy="120209"/>
           </a:xfrm>
           <a:prstGeom prst="straightConnector1">
@@ -14108,7 +14108,7 @@
         </p:nvSpPr>
         <p:spPr>
           <a:xfrm>
-            <a:off x="6708740" y="1837795"/>
+            <a:off x="6708740" y="2159336"/>
             <a:ext cx="976442" cy="600164"/>
           </a:xfrm>
           <a:prstGeom prst="rect">
@@ -14191,7 +14191,7 @@
         </p:nvSpPr>
         <p:spPr>
           <a:xfrm>
-            <a:off x="827050" y="206858"/>
+            <a:off x="827050" y="528399"/>
             <a:ext cx="8364575" cy="369332"/>
           </a:xfrm>
           <a:prstGeom prst="rect">
@@ -14248,7 +14248,7 @@
         </p:blipFill>
         <p:spPr bwMode="auto">
           <a:xfrm>
-            <a:off x="901989" y="1210126"/>
+            <a:off x="901989" y="1531667"/>
             <a:ext cx="475314" cy="475314"/>
           </a:xfrm>
           <a:prstGeom prst="rect">
@@ -14282,7 +14282,7 @@
         </p:nvCxnSpPr>
         <p:spPr>
           <a:xfrm>
-            <a:off x="1055701" y="1694123"/>
+            <a:off x="1055701" y="2015664"/>
             <a:ext cx="0" cy="1960875"/>
           </a:xfrm>
           <a:prstGeom prst="straightConnector1">
@@ -14325,7 +14325,7 @@
         </p:nvSpPr>
         <p:spPr>
           <a:xfrm>
-            <a:off x="1325203" y="1142222"/>
+            <a:off x="1325203" y="1463763"/>
             <a:ext cx="906095" cy="600164"/>
           </a:xfrm>
           <a:prstGeom prst="rect">
@@ -14459,7 +14459,7 @@
         </p:nvCxnSpPr>
         <p:spPr>
           <a:xfrm>
-            <a:off x="1053707" y="3684858"/>
+            <a:off x="1053707" y="4006399"/>
             <a:ext cx="2333" cy="793231"/>
           </a:xfrm>
           <a:prstGeom prst="straightConnector1">
@@ -14505,7 +14505,7 @@
         </p:nvCxnSpPr>
         <p:spPr>
           <a:xfrm flipV="1">
-            <a:off x="1093422" y="3512362"/>
+            <a:off x="1093422" y="3833903"/>
             <a:ext cx="1097818" cy="146968"/>
           </a:xfrm>
           <a:prstGeom prst="bentConnector2">
@@ -14550,7 +14550,7 @@
         </p:nvCxnSpPr>
         <p:spPr>
           <a:xfrm flipV="1">
-            <a:off x="1066544" y="4313050"/>
+            <a:off x="1066544" y="4634591"/>
             <a:ext cx="1097818" cy="146968"/>
           </a:xfrm>
           <a:prstGeom prst="bentConnector2">

--- a/doc/designDoc.pptx
+++ b/doc/designDoc.pptx
@@ -199,7 +199,7 @@
           <a:p>
             <a:fld id="{C711259C-07AC-49B2-B02B-76ECE0D8068C}" type="datetimeFigureOut">
               <a:rPr lang="en-SG" smtClean="0"/>
-              <a:t>19/11/2024</a:t>
+              <a:t>20/11/2024</a:t>
             </a:fld>
             <a:endParaRPr lang="en-SG"/>
           </a:p>
@@ -700,7 +700,7 @@
           <a:p>
             <a:fld id="{E7602038-B3F0-4825-ABDA-D66CE1C4CFDA}" type="datetimeFigureOut">
               <a:rPr lang="en-SG" smtClean="0"/>
-              <a:t>19/11/2024</a:t>
+              <a:t>20/11/2024</a:t>
             </a:fld>
             <a:endParaRPr lang="en-SG"/>
           </a:p>
@@ -900,7 +900,7 @@
           <a:p>
             <a:fld id="{E7602038-B3F0-4825-ABDA-D66CE1C4CFDA}" type="datetimeFigureOut">
               <a:rPr lang="en-SG" smtClean="0"/>
-              <a:t>19/11/2024</a:t>
+              <a:t>20/11/2024</a:t>
             </a:fld>
             <a:endParaRPr lang="en-SG"/>
           </a:p>
@@ -1110,7 +1110,7 @@
           <a:p>
             <a:fld id="{E7602038-B3F0-4825-ABDA-D66CE1C4CFDA}" type="datetimeFigureOut">
               <a:rPr lang="en-SG" smtClean="0"/>
-              <a:t>19/11/2024</a:t>
+              <a:t>20/11/2024</a:t>
             </a:fld>
             <a:endParaRPr lang="en-SG"/>
           </a:p>
@@ -1310,7 +1310,7 @@
           <a:p>
             <a:fld id="{E7602038-B3F0-4825-ABDA-D66CE1C4CFDA}" type="datetimeFigureOut">
               <a:rPr lang="en-SG" smtClean="0"/>
-              <a:t>19/11/2024</a:t>
+              <a:t>20/11/2024</a:t>
             </a:fld>
             <a:endParaRPr lang="en-SG"/>
           </a:p>
@@ -1586,7 +1586,7 @@
           <a:p>
             <a:fld id="{E7602038-B3F0-4825-ABDA-D66CE1C4CFDA}" type="datetimeFigureOut">
               <a:rPr lang="en-SG" smtClean="0"/>
-              <a:t>19/11/2024</a:t>
+              <a:t>20/11/2024</a:t>
             </a:fld>
             <a:endParaRPr lang="en-SG"/>
           </a:p>
@@ -1854,7 +1854,7 @@
           <a:p>
             <a:fld id="{E7602038-B3F0-4825-ABDA-D66CE1C4CFDA}" type="datetimeFigureOut">
               <a:rPr lang="en-SG" smtClean="0"/>
-              <a:t>19/11/2024</a:t>
+              <a:t>20/11/2024</a:t>
             </a:fld>
             <a:endParaRPr lang="en-SG"/>
           </a:p>
@@ -2269,7 +2269,7 @@
           <a:p>
             <a:fld id="{E7602038-B3F0-4825-ABDA-D66CE1C4CFDA}" type="datetimeFigureOut">
               <a:rPr lang="en-SG" smtClean="0"/>
-              <a:t>19/11/2024</a:t>
+              <a:t>20/11/2024</a:t>
             </a:fld>
             <a:endParaRPr lang="en-SG"/>
           </a:p>
@@ -2411,7 +2411,7 @@
           <a:p>
             <a:fld id="{E7602038-B3F0-4825-ABDA-D66CE1C4CFDA}" type="datetimeFigureOut">
               <a:rPr lang="en-SG" smtClean="0"/>
-              <a:t>19/11/2024</a:t>
+              <a:t>20/11/2024</a:t>
             </a:fld>
             <a:endParaRPr lang="en-SG"/>
           </a:p>
@@ -2524,7 +2524,7 @@
           <a:p>
             <a:fld id="{E7602038-B3F0-4825-ABDA-D66CE1C4CFDA}" type="datetimeFigureOut">
               <a:rPr lang="en-SG" smtClean="0"/>
-              <a:t>19/11/2024</a:t>
+              <a:t>20/11/2024</a:t>
             </a:fld>
             <a:endParaRPr lang="en-SG"/>
           </a:p>
@@ -2837,7 +2837,7 @@
           <a:p>
             <a:fld id="{E7602038-B3F0-4825-ABDA-D66CE1C4CFDA}" type="datetimeFigureOut">
               <a:rPr lang="en-SG" smtClean="0"/>
-              <a:t>19/11/2024</a:t>
+              <a:t>20/11/2024</a:t>
             </a:fld>
             <a:endParaRPr lang="en-SG"/>
           </a:p>
@@ -3126,7 +3126,7 @@
           <a:p>
             <a:fld id="{E7602038-B3F0-4825-ABDA-D66CE1C4CFDA}" type="datetimeFigureOut">
               <a:rPr lang="en-SG" smtClean="0"/>
-              <a:t>19/11/2024</a:t>
+              <a:t>20/11/2024</a:t>
             </a:fld>
             <a:endParaRPr lang="en-SG"/>
           </a:p>
@@ -3369,7 +3369,7 @@
           <a:p>
             <a:fld id="{E7602038-B3F0-4825-ABDA-D66CE1C4CFDA}" type="datetimeFigureOut">
               <a:rPr lang="en-SG" smtClean="0"/>
-              <a:t>19/11/2024</a:t>
+              <a:t>20/11/2024</a:t>
             </a:fld>
             <a:endParaRPr lang="en-SG"/>
           </a:p>
@@ -14192,7 +14192,7 @@
         <p:spPr>
           <a:xfrm>
             <a:off x="827050" y="528399"/>
-            <a:ext cx="8364575" cy="369332"/>
+            <a:ext cx="8731017" cy="369332"/>
           </a:xfrm>
           <a:prstGeom prst="rect">
             <a:avLst/>
@@ -14213,7 +14213,7 @@
           <a:p>
             <a:r>
               <a:rPr lang="en-US" b="1" dirty="0"/>
-              <a:t>Python PLC Honeypot Project : System Structure Workflow Overview Diagram </a:t>
+              <a:t>Python PLC Honeypot Project : System Structure and Workflow Overview Diagram </a:t>
             </a:r>
             <a:endParaRPr lang="en-SG" b="1" dirty="0"/>
           </a:p>

--- a/doc/designDoc.pptx
+++ b/doc/designDoc.pptx
@@ -5,12 +5,15 @@
     <p:sldMasterId id="2147483648" r:id="rId1"/>
   </p:sldMasterIdLst>
   <p:notesMasterIdLst>
-    <p:notesMasterId r:id="rId5"/>
+    <p:notesMasterId r:id="rId8"/>
   </p:notesMasterIdLst>
   <p:sldIdLst>
     <p:sldId id="256" r:id="rId2"/>
     <p:sldId id="257" r:id="rId3"/>
     <p:sldId id="258" r:id="rId4"/>
+    <p:sldId id="259" r:id="rId5"/>
+    <p:sldId id="260" r:id="rId6"/>
+    <p:sldId id="261" r:id="rId7"/>
   </p:sldIdLst>
   <p:sldSz cx="12192000" cy="6858000"/>
   <p:notesSz cx="6858000" cy="9144000"/>
@@ -199,7 +202,7 @@
           <a:p>
             <a:fld id="{C711259C-07AC-49B2-B02B-76ECE0D8068C}" type="datetimeFigureOut">
               <a:rPr lang="en-SG" smtClean="0"/>
-              <a:t>20/11/2024</a:t>
+              <a:t>22/11/2024</a:t>
             </a:fld>
             <a:endParaRPr lang="en-SG"/>
           </a:p>
@@ -700,7 +703,7 @@
           <a:p>
             <a:fld id="{E7602038-B3F0-4825-ABDA-D66CE1C4CFDA}" type="datetimeFigureOut">
               <a:rPr lang="en-SG" smtClean="0"/>
-              <a:t>20/11/2024</a:t>
+              <a:t>22/11/2024</a:t>
             </a:fld>
             <a:endParaRPr lang="en-SG"/>
           </a:p>
@@ -900,7 +903,7 @@
           <a:p>
             <a:fld id="{E7602038-B3F0-4825-ABDA-D66CE1C4CFDA}" type="datetimeFigureOut">
               <a:rPr lang="en-SG" smtClean="0"/>
-              <a:t>20/11/2024</a:t>
+              <a:t>22/11/2024</a:t>
             </a:fld>
             <a:endParaRPr lang="en-SG"/>
           </a:p>
@@ -1110,7 +1113,7 @@
           <a:p>
             <a:fld id="{E7602038-B3F0-4825-ABDA-D66CE1C4CFDA}" type="datetimeFigureOut">
               <a:rPr lang="en-SG" smtClean="0"/>
-              <a:t>20/11/2024</a:t>
+              <a:t>22/11/2024</a:t>
             </a:fld>
             <a:endParaRPr lang="en-SG"/>
           </a:p>
@@ -1310,7 +1313,7 @@
           <a:p>
             <a:fld id="{E7602038-B3F0-4825-ABDA-D66CE1C4CFDA}" type="datetimeFigureOut">
               <a:rPr lang="en-SG" smtClean="0"/>
-              <a:t>20/11/2024</a:t>
+              <a:t>22/11/2024</a:t>
             </a:fld>
             <a:endParaRPr lang="en-SG"/>
           </a:p>
@@ -1586,7 +1589,7 @@
           <a:p>
             <a:fld id="{E7602038-B3F0-4825-ABDA-D66CE1C4CFDA}" type="datetimeFigureOut">
               <a:rPr lang="en-SG" smtClean="0"/>
-              <a:t>20/11/2024</a:t>
+              <a:t>22/11/2024</a:t>
             </a:fld>
             <a:endParaRPr lang="en-SG"/>
           </a:p>
@@ -1854,7 +1857,7 @@
           <a:p>
             <a:fld id="{E7602038-B3F0-4825-ABDA-D66CE1C4CFDA}" type="datetimeFigureOut">
               <a:rPr lang="en-SG" smtClean="0"/>
-              <a:t>20/11/2024</a:t>
+              <a:t>22/11/2024</a:t>
             </a:fld>
             <a:endParaRPr lang="en-SG"/>
           </a:p>
@@ -2269,7 +2272,7 @@
           <a:p>
             <a:fld id="{E7602038-B3F0-4825-ABDA-D66CE1C4CFDA}" type="datetimeFigureOut">
               <a:rPr lang="en-SG" smtClean="0"/>
-              <a:t>20/11/2024</a:t>
+              <a:t>22/11/2024</a:t>
             </a:fld>
             <a:endParaRPr lang="en-SG"/>
           </a:p>
@@ -2411,7 +2414,7 @@
           <a:p>
             <a:fld id="{E7602038-B3F0-4825-ABDA-D66CE1C4CFDA}" type="datetimeFigureOut">
               <a:rPr lang="en-SG" smtClean="0"/>
-              <a:t>20/11/2024</a:t>
+              <a:t>22/11/2024</a:t>
             </a:fld>
             <a:endParaRPr lang="en-SG"/>
           </a:p>
@@ -2524,7 +2527,7 @@
           <a:p>
             <a:fld id="{E7602038-B3F0-4825-ABDA-D66CE1C4CFDA}" type="datetimeFigureOut">
               <a:rPr lang="en-SG" smtClean="0"/>
-              <a:t>20/11/2024</a:t>
+              <a:t>22/11/2024</a:t>
             </a:fld>
             <a:endParaRPr lang="en-SG"/>
           </a:p>
@@ -2837,7 +2840,7 @@
           <a:p>
             <a:fld id="{E7602038-B3F0-4825-ABDA-D66CE1C4CFDA}" type="datetimeFigureOut">
               <a:rPr lang="en-SG" smtClean="0"/>
-              <a:t>20/11/2024</a:t>
+              <a:t>22/11/2024</a:t>
             </a:fld>
             <a:endParaRPr lang="en-SG"/>
           </a:p>
@@ -3126,7 +3129,7 @@
           <a:p>
             <a:fld id="{E7602038-B3F0-4825-ABDA-D66CE1C4CFDA}" type="datetimeFigureOut">
               <a:rPr lang="en-SG" smtClean="0"/>
-              <a:t>20/11/2024</a:t>
+              <a:t>22/11/2024</a:t>
             </a:fld>
             <a:endParaRPr lang="en-SG"/>
           </a:p>
@@ -3369,7 +3372,7 @@
           <a:p>
             <a:fld id="{E7602038-B3F0-4825-ABDA-D66CE1C4CFDA}" type="datetimeFigureOut">
               <a:rPr lang="en-SG" smtClean="0"/>
-              <a:t>20/11/2024</a:t>
+              <a:t>22/11/2024</a:t>
             </a:fld>
             <a:endParaRPr lang="en-SG"/>
           </a:p>
@@ -14583,6 +14586,8708 @@
     <p:extLst>
       <p:ext uri="{BB962C8B-B14F-4D97-AF65-F5344CB8AC3E}">
         <p14:creationId xmlns:p14="http://schemas.microsoft.com/office/powerpoint/2010/main" val="3765836271"/>
+      </p:ext>
+    </p:extLst>
+  </p:cSld>
+  <p:clrMapOvr>
+    <a:masterClrMapping/>
+  </p:clrMapOvr>
+</p:sld>
+</file>
+
+<file path=ppt/slides/slide4.xml><?xml version="1.0" encoding="utf-8"?>
+<p:sld xmlns:a="http://schemas.openxmlformats.org/drawingml/2006/main" xmlns:r="http://schemas.openxmlformats.org/officeDocument/2006/relationships" xmlns:p="http://schemas.openxmlformats.org/presentationml/2006/main">
+  <p:cSld>
+    <p:spTree>
+      <p:nvGrpSpPr>
+        <p:cNvPr id="1" name=""/>
+        <p:cNvGrpSpPr/>
+        <p:nvPr/>
+      </p:nvGrpSpPr>
+      <p:grpSpPr>
+        <a:xfrm>
+          <a:off x="0" y="0"/>
+          <a:ext cx="0" cy="0"/>
+          <a:chOff x="0" y="0"/>
+          <a:chExt cx="0" cy="0"/>
+        </a:xfrm>
+      </p:grpSpPr>
+      <p:sp>
+        <p:nvSpPr>
+          <p:cNvPr id="116" name="Rectangle 115">
+            <a:extLst>
+              <a:ext uri="{FF2B5EF4-FFF2-40B4-BE49-F238E27FC236}">
+                <a16:creationId xmlns:a16="http://schemas.microsoft.com/office/drawing/2014/main" id="{9886C57D-FD56-3112-3D22-0D9B1D49429B}"/>
+              </a:ext>
+            </a:extLst>
+          </p:cNvPr>
+          <p:cNvSpPr/>
+          <p:nvPr/>
+        </p:nvSpPr>
+        <p:spPr>
+          <a:xfrm>
+            <a:off x="2167005" y="5193427"/>
+            <a:ext cx="162053" cy="181551"/>
+          </a:xfrm>
+          <a:prstGeom prst="rect">
+            <a:avLst/>
+          </a:prstGeom>
+          <a:noFill/>
+          <a:ln w="19050">
+            <a:solidFill>
+              <a:schemeClr val="tx1"/>
+            </a:solidFill>
+          </a:ln>
+        </p:spPr>
+        <p:style>
+          <a:lnRef idx="2">
+            <a:schemeClr val="accent1">
+              <a:shade val="15000"/>
+            </a:schemeClr>
+          </a:lnRef>
+          <a:fillRef idx="1">
+            <a:schemeClr val="accent1"/>
+          </a:fillRef>
+          <a:effectRef idx="0">
+            <a:schemeClr val="accent1"/>
+          </a:effectRef>
+          <a:fontRef idx="minor">
+            <a:schemeClr val="lt1"/>
+          </a:fontRef>
+        </p:style>
+        <p:txBody>
+          <a:bodyPr rtlCol="0" anchor="ctr"/>
+          <a:lstStyle/>
+          <a:p>
+            <a:pPr algn="ctr"/>
+            <a:endParaRPr lang="en-SG" dirty="0"/>
+          </a:p>
+        </p:txBody>
+      </p:sp>
+      <p:sp>
+        <p:nvSpPr>
+          <p:cNvPr id="4" name="Rectangle 3">
+            <a:extLst>
+              <a:ext uri="{FF2B5EF4-FFF2-40B4-BE49-F238E27FC236}">
+                <a16:creationId xmlns:a16="http://schemas.microsoft.com/office/drawing/2014/main" id="{99448B11-4431-5DB0-16E4-2AAAD9BD8E57}"/>
+              </a:ext>
+            </a:extLst>
+          </p:cNvPr>
+          <p:cNvSpPr/>
+          <p:nvPr/>
+        </p:nvSpPr>
+        <p:spPr>
+          <a:xfrm>
+            <a:off x="1604513" y="1641275"/>
+            <a:ext cx="5305246" cy="3238676"/>
+          </a:xfrm>
+          <a:prstGeom prst="rect">
+            <a:avLst/>
+          </a:prstGeom>
+          <a:ln>
+            <a:prstDash val="sysDash"/>
+          </a:ln>
+        </p:spPr>
+        <p:style>
+          <a:lnRef idx="2">
+            <a:schemeClr val="accent6"/>
+          </a:lnRef>
+          <a:fillRef idx="1">
+            <a:schemeClr val="lt1"/>
+          </a:fillRef>
+          <a:effectRef idx="0">
+            <a:schemeClr val="accent6"/>
+          </a:effectRef>
+          <a:fontRef idx="minor">
+            <a:schemeClr val="dk1"/>
+          </a:fontRef>
+        </p:style>
+        <p:txBody>
+          <a:bodyPr rtlCol="0" anchor="ctr"/>
+          <a:lstStyle/>
+          <a:p>
+            <a:pPr algn="ctr"/>
+            <a:endParaRPr lang="en-SG"/>
+          </a:p>
+        </p:txBody>
+      </p:sp>
+      <p:sp>
+        <p:nvSpPr>
+          <p:cNvPr id="99" name="Rectangle 98">
+            <a:extLst>
+              <a:ext uri="{FF2B5EF4-FFF2-40B4-BE49-F238E27FC236}">
+                <a16:creationId xmlns:a16="http://schemas.microsoft.com/office/drawing/2014/main" id="{4DF47E3B-8606-2AB4-7D16-764C88F7B338}"/>
+              </a:ext>
+            </a:extLst>
+          </p:cNvPr>
+          <p:cNvSpPr/>
+          <p:nvPr/>
+        </p:nvSpPr>
+        <p:spPr>
+          <a:xfrm>
+            <a:off x="2962228" y="2462792"/>
+            <a:ext cx="1159618" cy="1249003"/>
+          </a:xfrm>
+          <a:prstGeom prst="rect">
+            <a:avLst/>
+          </a:prstGeom>
+          <a:noFill/>
+          <a:ln>
+            <a:solidFill>
+              <a:schemeClr val="accent6">
+                <a:lumMod val="75000"/>
+              </a:schemeClr>
+            </a:solidFill>
+          </a:ln>
+        </p:spPr>
+        <p:style>
+          <a:lnRef idx="2">
+            <a:schemeClr val="accent1">
+              <a:shade val="15000"/>
+            </a:schemeClr>
+          </a:lnRef>
+          <a:fillRef idx="1">
+            <a:schemeClr val="accent1"/>
+          </a:fillRef>
+          <a:effectRef idx="0">
+            <a:schemeClr val="accent1"/>
+          </a:effectRef>
+          <a:fontRef idx="minor">
+            <a:schemeClr val="lt1"/>
+          </a:fontRef>
+        </p:style>
+        <p:txBody>
+          <a:bodyPr rtlCol="0" anchor="ctr"/>
+          <a:lstStyle/>
+          <a:p>
+            <a:pPr algn="ctr"/>
+            <a:endParaRPr lang="en-SG"/>
+          </a:p>
+        </p:txBody>
+      </p:sp>
+      <p:sp>
+        <p:nvSpPr>
+          <p:cNvPr id="6" name="TextBox 5">
+            <a:extLst>
+              <a:ext uri="{FF2B5EF4-FFF2-40B4-BE49-F238E27FC236}">
+                <a16:creationId xmlns:a16="http://schemas.microsoft.com/office/drawing/2014/main" id="{A065039D-C685-3F96-10F4-7FFC47BEB0FB}"/>
+              </a:ext>
+            </a:extLst>
+          </p:cNvPr>
+          <p:cNvSpPr txBox="1"/>
+          <p:nvPr/>
+        </p:nvSpPr>
+        <p:spPr>
+          <a:xfrm>
+            <a:off x="1626281" y="1684331"/>
+            <a:ext cx="2495565" cy="307777"/>
+          </a:xfrm>
+          <a:prstGeom prst="rect">
+            <a:avLst/>
+          </a:prstGeom>
+          <a:noFill/>
+        </p:spPr>
+        <p:txBody>
+          <a:bodyPr wrap="square" rtlCol="0">
+            <a:spAutoFit/>
+          </a:bodyPr>
+          <a:lstStyle/>
+          <a:p>
+            <a:r>
+              <a:rPr lang="en-SG" sz="1400" b="1" dirty="0"/>
+              <a:t>Honeypot PLC Simulator VM </a:t>
+            </a:r>
+          </a:p>
+        </p:txBody>
+      </p:sp>
+      <p:sp>
+        <p:nvSpPr>
+          <p:cNvPr id="15" name="Rectangle 14">
+            <a:extLst>
+              <a:ext uri="{FF2B5EF4-FFF2-40B4-BE49-F238E27FC236}">
+                <a16:creationId xmlns:a16="http://schemas.microsoft.com/office/drawing/2014/main" id="{3228C607-C2A8-E431-BEE1-B20BBAF5F5F4}"/>
+              </a:ext>
+            </a:extLst>
+          </p:cNvPr>
+          <p:cNvSpPr/>
+          <p:nvPr/>
+        </p:nvSpPr>
+        <p:spPr>
+          <a:xfrm>
+            <a:off x="6828731" y="2587529"/>
+            <a:ext cx="162053" cy="181551"/>
+          </a:xfrm>
+          <a:prstGeom prst="rect">
+            <a:avLst/>
+          </a:prstGeom>
+          <a:noFill/>
+          <a:ln w="19050">
+            <a:solidFill>
+              <a:schemeClr val="tx1"/>
+            </a:solidFill>
+          </a:ln>
+        </p:spPr>
+        <p:style>
+          <a:lnRef idx="2">
+            <a:schemeClr val="accent1">
+              <a:shade val="15000"/>
+            </a:schemeClr>
+          </a:lnRef>
+          <a:fillRef idx="1">
+            <a:schemeClr val="accent1"/>
+          </a:fillRef>
+          <a:effectRef idx="0">
+            <a:schemeClr val="accent1"/>
+          </a:effectRef>
+          <a:fontRef idx="minor">
+            <a:schemeClr val="lt1"/>
+          </a:fontRef>
+        </p:style>
+        <p:txBody>
+          <a:bodyPr rtlCol="0" anchor="ctr"/>
+          <a:lstStyle/>
+          <a:p>
+            <a:pPr algn="ctr"/>
+            <a:endParaRPr lang="en-SG" dirty="0"/>
+          </a:p>
+        </p:txBody>
+      </p:sp>
+      <p:sp>
+        <p:nvSpPr>
+          <p:cNvPr id="20" name="Rectangle 19">
+            <a:extLst>
+              <a:ext uri="{FF2B5EF4-FFF2-40B4-BE49-F238E27FC236}">
+                <a16:creationId xmlns:a16="http://schemas.microsoft.com/office/drawing/2014/main" id="{5B5709F2-5B69-EAAE-7670-3240BF64B213}"/>
+              </a:ext>
+            </a:extLst>
+          </p:cNvPr>
+          <p:cNvSpPr/>
+          <p:nvPr/>
+        </p:nvSpPr>
+        <p:spPr>
+          <a:xfrm>
+            <a:off x="4335146" y="1922784"/>
+            <a:ext cx="2014876" cy="274934"/>
+          </a:xfrm>
+          <a:prstGeom prst="rect">
+            <a:avLst/>
+          </a:prstGeom>
+        </p:spPr>
+        <p:style>
+          <a:lnRef idx="2">
+            <a:schemeClr val="accent1">
+              <a:shade val="50000"/>
+            </a:schemeClr>
+          </a:lnRef>
+          <a:fillRef idx="1">
+            <a:schemeClr val="accent1"/>
+          </a:fillRef>
+          <a:effectRef idx="0">
+            <a:schemeClr val="accent1"/>
+          </a:effectRef>
+          <a:fontRef idx="minor">
+            <a:schemeClr val="lt1"/>
+          </a:fontRef>
+        </p:style>
+        <p:txBody>
+          <a:bodyPr rtlCol="0" anchor="ctr"/>
+          <a:lstStyle/>
+          <a:p>
+            <a:pPr algn="ctr"/>
+            <a:r>
+              <a:rPr lang="en-US" sz="1000" b="1" dirty="0"/>
+              <a:t>PLC Emulation Program</a:t>
+            </a:r>
+            <a:endParaRPr lang="en-SG" sz="1000" b="1" dirty="0"/>
+          </a:p>
+        </p:txBody>
+      </p:sp>
+      <p:sp>
+        <p:nvSpPr>
+          <p:cNvPr id="21" name="Rectangle 20">
+            <a:extLst>
+              <a:ext uri="{FF2B5EF4-FFF2-40B4-BE49-F238E27FC236}">
+                <a16:creationId xmlns:a16="http://schemas.microsoft.com/office/drawing/2014/main" id="{AE00F3E1-B41D-5978-A095-4BE8B562A08D}"/>
+              </a:ext>
+            </a:extLst>
+          </p:cNvPr>
+          <p:cNvSpPr/>
+          <p:nvPr/>
+        </p:nvSpPr>
+        <p:spPr>
+          <a:xfrm>
+            <a:off x="5340281" y="2479224"/>
+            <a:ext cx="1235391" cy="389929"/>
+          </a:xfrm>
+          <a:prstGeom prst="rect">
+            <a:avLst/>
+          </a:prstGeom>
+        </p:spPr>
+        <p:style>
+          <a:lnRef idx="2">
+            <a:schemeClr val="accent1">
+              <a:shade val="50000"/>
+            </a:schemeClr>
+          </a:lnRef>
+          <a:fillRef idx="1">
+            <a:schemeClr val="accent1"/>
+          </a:fillRef>
+          <a:effectRef idx="0">
+            <a:schemeClr val="accent1"/>
+          </a:effectRef>
+          <a:fontRef idx="minor">
+            <a:schemeClr val="lt1"/>
+          </a:fontRef>
+        </p:style>
+        <p:txBody>
+          <a:bodyPr rtlCol="0" anchor="ctr"/>
+          <a:lstStyle/>
+          <a:p>
+            <a:pPr algn="ctr"/>
+            <a:r>
+              <a:rPr lang="en-US" sz="1000" b="1" dirty="0"/>
+              <a:t>PLC Config Web interface module </a:t>
+            </a:r>
+            <a:endParaRPr lang="en-SG" sz="1000" b="1" dirty="0"/>
+          </a:p>
+        </p:txBody>
+      </p:sp>
+      <p:sp>
+        <p:nvSpPr>
+          <p:cNvPr id="22" name="Rectangle 21">
+            <a:extLst>
+              <a:ext uri="{FF2B5EF4-FFF2-40B4-BE49-F238E27FC236}">
+                <a16:creationId xmlns:a16="http://schemas.microsoft.com/office/drawing/2014/main" id="{44DA741F-F155-585E-ED3D-518A011DF6C4}"/>
+              </a:ext>
+            </a:extLst>
+          </p:cNvPr>
+          <p:cNvSpPr/>
+          <p:nvPr/>
+        </p:nvSpPr>
+        <p:spPr>
+          <a:xfrm>
+            <a:off x="5022919" y="3134228"/>
+            <a:ext cx="1552753" cy="389929"/>
+          </a:xfrm>
+          <a:prstGeom prst="rect">
+            <a:avLst/>
+          </a:prstGeom>
+        </p:spPr>
+        <p:style>
+          <a:lnRef idx="2">
+            <a:schemeClr val="accent1">
+              <a:shade val="50000"/>
+            </a:schemeClr>
+          </a:lnRef>
+          <a:fillRef idx="1">
+            <a:schemeClr val="accent1"/>
+          </a:fillRef>
+          <a:effectRef idx="0">
+            <a:schemeClr val="accent1"/>
+          </a:effectRef>
+          <a:fontRef idx="minor">
+            <a:schemeClr val="lt1"/>
+          </a:fontRef>
+        </p:style>
+        <p:txBody>
+          <a:bodyPr rtlCol="0" anchor="ctr"/>
+          <a:lstStyle/>
+          <a:p>
+            <a:pPr algn="ctr"/>
+            <a:r>
+              <a:rPr lang="en-US" sz="1000" b="1" dirty="0"/>
+              <a:t>PLC Modbus/S7Comm Service module </a:t>
+            </a:r>
+            <a:endParaRPr lang="en-SG" sz="1000" b="1" dirty="0"/>
+          </a:p>
+        </p:txBody>
+      </p:sp>
+      <p:sp>
+        <p:nvSpPr>
+          <p:cNvPr id="23" name="Rectangle 22">
+            <a:extLst>
+              <a:ext uri="{FF2B5EF4-FFF2-40B4-BE49-F238E27FC236}">
+                <a16:creationId xmlns:a16="http://schemas.microsoft.com/office/drawing/2014/main" id="{5268A853-3564-B572-D4AB-C35AD1E18DC3}"/>
+              </a:ext>
+            </a:extLst>
+          </p:cNvPr>
+          <p:cNvSpPr/>
+          <p:nvPr/>
+        </p:nvSpPr>
+        <p:spPr>
+          <a:xfrm>
+            <a:off x="4630572" y="3789232"/>
+            <a:ext cx="1327406" cy="389929"/>
+          </a:xfrm>
+          <a:prstGeom prst="rect">
+            <a:avLst/>
+          </a:prstGeom>
+        </p:spPr>
+        <p:style>
+          <a:lnRef idx="2">
+            <a:schemeClr val="accent1">
+              <a:shade val="50000"/>
+            </a:schemeClr>
+          </a:lnRef>
+          <a:fillRef idx="1">
+            <a:schemeClr val="accent1"/>
+          </a:fillRef>
+          <a:effectRef idx="0">
+            <a:schemeClr val="accent1"/>
+          </a:effectRef>
+          <a:fontRef idx="minor">
+            <a:schemeClr val="lt1"/>
+          </a:fontRef>
+        </p:style>
+        <p:txBody>
+          <a:bodyPr rtlCol="0" anchor="ctr"/>
+          <a:lstStyle/>
+          <a:p>
+            <a:pPr algn="ctr"/>
+            <a:r>
+              <a:rPr lang="en-US" sz="1000" b="1" dirty="0"/>
+              <a:t>PLC Ladder logic execution module  </a:t>
+            </a:r>
+            <a:endParaRPr lang="en-SG" sz="1000" b="1" dirty="0"/>
+          </a:p>
+        </p:txBody>
+      </p:sp>
+      <p:sp>
+        <p:nvSpPr>
+          <p:cNvPr id="24" name="Rectangle 23">
+            <a:extLst>
+              <a:ext uri="{FF2B5EF4-FFF2-40B4-BE49-F238E27FC236}">
+                <a16:creationId xmlns:a16="http://schemas.microsoft.com/office/drawing/2014/main" id="{36EEC2BE-5D96-75FA-725B-B599473DCA96}"/>
+              </a:ext>
+            </a:extLst>
+          </p:cNvPr>
+          <p:cNvSpPr/>
+          <p:nvPr/>
+        </p:nvSpPr>
+        <p:spPr>
+          <a:xfrm>
+            <a:off x="4365795" y="4422867"/>
+            <a:ext cx="2209877" cy="274934"/>
+          </a:xfrm>
+          <a:prstGeom prst="rect">
+            <a:avLst/>
+          </a:prstGeom>
+        </p:spPr>
+        <p:style>
+          <a:lnRef idx="2">
+            <a:schemeClr val="accent1">
+              <a:shade val="50000"/>
+            </a:schemeClr>
+          </a:lnRef>
+          <a:fillRef idx="1">
+            <a:schemeClr val="accent1"/>
+          </a:fillRef>
+          <a:effectRef idx="0">
+            <a:schemeClr val="accent1"/>
+          </a:effectRef>
+          <a:fontRef idx="minor">
+            <a:schemeClr val="lt1"/>
+          </a:fontRef>
+        </p:style>
+        <p:txBody>
+          <a:bodyPr rtlCol="0" anchor="ctr"/>
+          <a:lstStyle/>
+          <a:p>
+            <a:pPr algn="ctr"/>
+            <a:r>
+              <a:rPr lang="en-US" sz="1000" b="1" dirty="0"/>
+              <a:t>Honeypot monitor report module </a:t>
+            </a:r>
+            <a:endParaRPr lang="en-SG" sz="1000" b="1" dirty="0"/>
+          </a:p>
+        </p:txBody>
+      </p:sp>
+      <p:cxnSp>
+        <p:nvCxnSpPr>
+          <p:cNvPr id="26" name="Straight Connector 25">
+            <a:extLst>
+              <a:ext uri="{FF2B5EF4-FFF2-40B4-BE49-F238E27FC236}">
+                <a16:creationId xmlns:a16="http://schemas.microsoft.com/office/drawing/2014/main" id="{ED59EB3E-D461-1459-8F2E-C005BE07D8F9}"/>
+              </a:ext>
+            </a:extLst>
+          </p:cNvPr>
+          <p:cNvCxnSpPr>
+            <a:stCxn id="21" idx="3"/>
+            <a:endCxn id="15" idx="1"/>
+          </p:cNvCxnSpPr>
+          <p:nvPr/>
+        </p:nvCxnSpPr>
+        <p:spPr>
+          <a:xfrm flipV="1">
+            <a:off x="6575672" y="2674188"/>
+            <a:ext cx="253059" cy="1"/>
+          </a:xfrm>
+          <a:prstGeom prst="line">
+            <a:avLst/>
+          </a:prstGeom>
+        </p:spPr>
+        <p:style>
+          <a:lnRef idx="2">
+            <a:schemeClr val="accent1"/>
+          </a:lnRef>
+          <a:fillRef idx="0">
+            <a:schemeClr val="accent1"/>
+          </a:fillRef>
+          <a:effectRef idx="1">
+            <a:schemeClr val="accent1"/>
+          </a:effectRef>
+          <a:fontRef idx="minor">
+            <a:schemeClr val="tx1"/>
+          </a:fontRef>
+        </p:style>
+      </p:cxnSp>
+      <p:sp>
+        <p:nvSpPr>
+          <p:cNvPr id="27" name="Rectangle 26">
+            <a:extLst>
+              <a:ext uri="{FF2B5EF4-FFF2-40B4-BE49-F238E27FC236}">
+                <a16:creationId xmlns:a16="http://schemas.microsoft.com/office/drawing/2014/main" id="{6398FE93-0B48-ADC5-744E-05C5DDD5C4FB}"/>
+              </a:ext>
+            </a:extLst>
+          </p:cNvPr>
+          <p:cNvSpPr/>
+          <p:nvPr/>
+        </p:nvSpPr>
+        <p:spPr>
+          <a:xfrm>
+            <a:off x="6835757" y="3255018"/>
+            <a:ext cx="162053" cy="181551"/>
+          </a:xfrm>
+          <a:prstGeom prst="rect">
+            <a:avLst/>
+          </a:prstGeom>
+          <a:noFill/>
+          <a:ln w="19050">
+            <a:solidFill>
+              <a:schemeClr val="tx1"/>
+            </a:solidFill>
+          </a:ln>
+        </p:spPr>
+        <p:style>
+          <a:lnRef idx="2">
+            <a:schemeClr val="accent1">
+              <a:shade val="15000"/>
+            </a:schemeClr>
+          </a:lnRef>
+          <a:fillRef idx="1">
+            <a:schemeClr val="accent1"/>
+          </a:fillRef>
+          <a:effectRef idx="0">
+            <a:schemeClr val="accent1"/>
+          </a:effectRef>
+          <a:fontRef idx="minor">
+            <a:schemeClr val="lt1"/>
+          </a:fontRef>
+        </p:style>
+        <p:txBody>
+          <a:bodyPr rtlCol="0" anchor="ctr"/>
+          <a:lstStyle/>
+          <a:p>
+            <a:pPr algn="ctr"/>
+            <a:endParaRPr lang="en-SG" dirty="0"/>
+          </a:p>
+        </p:txBody>
+      </p:sp>
+      <p:cxnSp>
+        <p:nvCxnSpPr>
+          <p:cNvPr id="28" name="Straight Connector 27">
+            <a:extLst>
+              <a:ext uri="{FF2B5EF4-FFF2-40B4-BE49-F238E27FC236}">
+                <a16:creationId xmlns:a16="http://schemas.microsoft.com/office/drawing/2014/main" id="{C2A090BF-FC4F-52D5-C604-FA7C5F1945E1}"/>
+              </a:ext>
+            </a:extLst>
+          </p:cNvPr>
+          <p:cNvCxnSpPr/>
+          <p:nvPr/>
+        </p:nvCxnSpPr>
+        <p:spPr>
+          <a:xfrm flipV="1">
+            <a:off x="6582698" y="3326809"/>
+            <a:ext cx="253059" cy="1"/>
+          </a:xfrm>
+          <a:prstGeom prst="line">
+            <a:avLst/>
+          </a:prstGeom>
+        </p:spPr>
+        <p:style>
+          <a:lnRef idx="2">
+            <a:schemeClr val="accent1"/>
+          </a:lnRef>
+          <a:fillRef idx="0">
+            <a:schemeClr val="accent1"/>
+          </a:fillRef>
+          <a:effectRef idx="1">
+            <a:schemeClr val="accent1"/>
+          </a:effectRef>
+          <a:fontRef idx="minor">
+            <a:schemeClr val="tx1"/>
+          </a:fontRef>
+        </p:style>
+      </p:cxnSp>
+      <p:sp>
+        <p:nvSpPr>
+          <p:cNvPr id="29" name="TextBox 28">
+            <a:extLst>
+              <a:ext uri="{FF2B5EF4-FFF2-40B4-BE49-F238E27FC236}">
+                <a16:creationId xmlns:a16="http://schemas.microsoft.com/office/drawing/2014/main" id="{6374528C-448C-EB1A-6E89-0EB37C602122}"/>
+              </a:ext>
+            </a:extLst>
+          </p:cNvPr>
+          <p:cNvSpPr txBox="1"/>
+          <p:nvPr/>
+        </p:nvSpPr>
+        <p:spPr>
+          <a:xfrm>
+            <a:off x="6570683" y="2348621"/>
+            <a:ext cx="1099072" cy="261610"/>
+          </a:xfrm>
+          <a:prstGeom prst="rect">
+            <a:avLst/>
+          </a:prstGeom>
+          <a:noFill/>
+        </p:spPr>
+        <p:txBody>
+          <a:bodyPr wrap="square" rtlCol="0">
+            <a:spAutoFit/>
+          </a:bodyPr>
+          <a:lstStyle/>
+          <a:p>
+            <a:r>
+              <a:rPr lang="en-US" sz="1100" b="1" dirty="0"/>
+              <a:t>Port 8080</a:t>
+            </a:r>
+          </a:p>
+        </p:txBody>
+      </p:sp>
+      <p:sp>
+        <p:nvSpPr>
+          <p:cNvPr id="30" name="TextBox 29">
+            <a:extLst>
+              <a:ext uri="{FF2B5EF4-FFF2-40B4-BE49-F238E27FC236}">
+                <a16:creationId xmlns:a16="http://schemas.microsoft.com/office/drawing/2014/main" id="{48365685-5FBA-4D33-6306-883A5CC13E5F}"/>
+              </a:ext>
+            </a:extLst>
+          </p:cNvPr>
+          <p:cNvSpPr txBox="1"/>
+          <p:nvPr/>
+        </p:nvSpPr>
+        <p:spPr>
+          <a:xfrm>
+            <a:off x="6582698" y="3009116"/>
+            <a:ext cx="1099072" cy="261610"/>
+          </a:xfrm>
+          <a:prstGeom prst="rect">
+            <a:avLst/>
+          </a:prstGeom>
+          <a:noFill/>
+        </p:spPr>
+        <p:txBody>
+          <a:bodyPr wrap="square" rtlCol="0">
+            <a:spAutoFit/>
+          </a:bodyPr>
+          <a:lstStyle/>
+          <a:p>
+            <a:r>
+              <a:rPr lang="en-US" sz="1100" b="1" dirty="0"/>
+              <a:t>Port 502/102</a:t>
+            </a:r>
+          </a:p>
+        </p:txBody>
+      </p:sp>
+      <p:cxnSp>
+        <p:nvCxnSpPr>
+          <p:cNvPr id="32" name="Straight Arrow Connector 31">
+            <a:extLst>
+              <a:ext uri="{FF2B5EF4-FFF2-40B4-BE49-F238E27FC236}">
+                <a16:creationId xmlns:a16="http://schemas.microsoft.com/office/drawing/2014/main" id="{D82B1640-FAB1-98D8-9158-D6CEAFE82C5C}"/>
+              </a:ext>
+            </a:extLst>
+          </p:cNvPr>
+          <p:cNvCxnSpPr/>
+          <p:nvPr/>
+        </p:nvCxnSpPr>
+        <p:spPr>
+          <a:xfrm>
+            <a:off x="5529532" y="2197717"/>
+            <a:ext cx="0" cy="281507"/>
+          </a:xfrm>
+          <a:prstGeom prst="straightConnector1">
+            <a:avLst/>
+          </a:prstGeom>
+          <a:ln>
+            <a:tailEnd type="triangle"/>
+          </a:ln>
+        </p:spPr>
+        <p:style>
+          <a:lnRef idx="2">
+            <a:schemeClr val="accent1"/>
+          </a:lnRef>
+          <a:fillRef idx="0">
+            <a:schemeClr val="accent1"/>
+          </a:fillRef>
+          <a:effectRef idx="1">
+            <a:schemeClr val="accent1"/>
+          </a:effectRef>
+          <a:fontRef idx="minor">
+            <a:schemeClr val="tx1"/>
+          </a:fontRef>
+        </p:style>
+      </p:cxnSp>
+      <p:sp>
+        <p:nvSpPr>
+          <p:cNvPr id="33" name="TextBox 32">
+            <a:extLst>
+              <a:ext uri="{FF2B5EF4-FFF2-40B4-BE49-F238E27FC236}">
+                <a16:creationId xmlns:a16="http://schemas.microsoft.com/office/drawing/2014/main" id="{42A899B4-8CC5-89B0-8868-718640497861}"/>
+              </a:ext>
+            </a:extLst>
+          </p:cNvPr>
+          <p:cNvSpPr txBox="1"/>
+          <p:nvPr/>
+        </p:nvSpPr>
+        <p:spPr>
+          <a:xfrm>
+            <a:off x="5529532" y="2216571"/>
+            <a:ext cx="1099072" cy="246221"/>
+          </a:xfrm>
+          <a:prstGeom prst="rect">
+            <a:avLst/>
+          </a:prstGeom>
+          <a:noFill/>
+        </p:spPr>
+        <p:txBody>
+          <a:bodyPr wrap="square" rtlCol="0">
+            <a:spAutoFit/>
+          </a:bodyPr>
+          <a:lstStyle/>
+          <a:p>
+            <a:r>
+              <a:rPr lang="en-US" sz="1000" dirty="0">
+                <a:solidFill>
+                  <a:srgbClr val="002060"/>
+                </a:solidFill>
+              </a:rPr>
+              <a:t>Flask thread</a:t>
+            </a:r>
+          </a:p>
+        </p:txBody>
+      </p:sp>
+      <p:cxnSp>
+        <p:nvCxnSpPr>
+          <p:cNvPr id="34" name="Straight Arrow Connector 33">
+            <a:extLst>
+              <a:ext uri="{FF2B5EF4-FFF2-40B4-BE49-F238E27FC236}">
+                <a16:creationId xmlns:a16="http://schemas.microsoft.com/office/drawing/2014/main" id="{C4475D9E-9125-B304-EEFB-44EDEFE75BE2}"/>
+              </a:ext>
+            </a:extLst>
+          </p:cNvPr>
+          <p:cNvCxnSpPr>
+            <a:cxnSpLocks/>
+          </p:cNvCxnSpPr>
+          <p:nvPr/>
+        </p:nvCxnSpPr>
+        <p:spPr>
+          <a:xfrm>
+            <a:off x="5138468" y="2207867"/>
+            <a:ext cx="0" cy="926361"/>
+          </a:xfrm>
+          <a:prstGeom prst="straightConnector1">
+            <a:avLst/>
+          </a:prstGeom>
+          <a:ln>
+            <a:tailEnd type="triangle"/>
+          </a:ln>
+        </p:spPr>
+        <p:style>
+          <a:lnRef idx="2">
+            <a:schemeClr val="accent1"/>
+          </a:lnRef>
+          <a:fillRef idx="0">
+            <a:schemeClr val="accent1"/>
+          </a:fillRef>
+          <a:effectRef idx="1">
+            <a:schemeClr val="accent1"/>
+          </a:effectRef>
+          <a:fontRef idx="minor">
+            <a:schemeClr val="tx1"/>
+          </a:fontRef>
+        </p:style>
+      </p:cxnSp>
+      <p:sp>
+        <p:nvSpPr>
+          <p:cNvPr id="36" name="TextBox 35">
+            <a:extLst>
+              <a:ext uri="{FF2B5EF4-FFF2-40B4-BE49-F238E27FC236}">
+                <a16:creationId xmlns:a16="http://schemas.microsoft.com/office/drawing/2014/main" id="{CD810B38-01A2-5797-595C-693D54A89E88}"/>
+              </a:ext>
+            </a:extLst>
+          </p:cNvPr>
+          <p:cNvSpPr txBox="1"/>
+          <p:nvPr/>
+        </p:nvSpPr>
+        <p:spPr>
+          <a:xfrm>
+            <a:off x="5168912" y="2886005"/>
+            <a:ext cx="1283548" cy="246221"/>
+          </a:xfrm>
+          <a:prstGeom prst="rect">
+            <a:avLst/>
+          </a:prstGeom>
+          <a:noFill/>
+        </p:spPr>
+        <p:txBody>
+          <a:bodyPr wrap="square" rtlCol="0">
+            <a:spAutoFit/>
+          </a:bodyPr>
+          <a:lstStyle/>
+          <a:p>
+            <a:r>
+              <a:rPr lang="en-US" sz="1000" dirty="0">
+                <a:solidFill>
+                  <a:srgbClr val="002060"/>
+                </a:solidFill>
+              </a:rPr>
+              <a:t>OT Comm thread</a:t>
+            </a:r>
+          </a:p>
+        </p:txBody>
+      </p:sp>
+      <p:cxnSp>
+        <p:nvCxnSpPr>
+          <p:cNvPr id="37" name="Straight Arrow Connector 36">
+            <a:extLst>
+              <a:ext uri="{FF2B5EF4-FFF2-40B4-BE49-F238E27FC236}">
+                <a16:creationId xmlns:a16="http://schemas.microsoft.com/office/drawing/2014/main" id="{5AB34091-EB94-BBDF-2EFC-1F97577E3D1D}"/>
+              </a:ext>
+            </a:extLst>
+          </p:cNvPr>
+          <p:cNvCxnSpPr>
+            <a:cxnSpLocks/>
+          </p:cNvCxnSpPr>
+          <p:nvPr/>
+        </p:nvCxnSpPr>
+        <p:spPr>
+          <a:xfrm>
+            <a:off x="4842294" y="2213560"/>
+            <a:ext cx="0" cy="1575672"/>
+          </a:xfrm>
+          <a:prstGeom prst="straightConnector1">
+            <a:avLst/>
+          </a:prstGeom>
+          <a:ln>
+            <a:tailEnd type="triangle"/>
+          </a:ln>
+        </p:spPr>
+        <p:style>
+          <a:lnRef idx="2">
+            <a:schemeClr val="accent1"/>
+          </a:lnRef>
+          <a:fillRef idx="0">
+            <a:schemeClr val="accent1"/>
+          </a:fillRef>
+          <a:effectRef idx="1">
+            <a:schemeClr val="accent1"/>
+          </a:effectRef>
+          <a:fontRef idx="minor">
+            <a:schemeClr val="tx1"/>
+          </a:fontRef>
+        </p:style>
+      </p:cxnSp>
+      <p:sp>
+        <p:nvSpPr>
+          <p:cNvPr id="39" name="TextBox 38">
+            <a:extLst>
+              <a:ext uri="{FF2B5EF4-FFF2-40B4-BE49-F238E27FC236}">
+                <a16:creationId xmlns:a16="http://schemas.microsoft.com/office/drawing/2014/main" id="{1A841985-732F-1008-98AC-9CAE477B2642}"/>
+              </a:ext>
+            </a:extLst>
+          </p:cNvPr>
+          <p:cNvSpPr txBox="1"/>
+          <p:nvPr/>
+        </p:nvSpPr>
+        <p:spPr>
+          <a:xfrm>
+            <a:off x="4817393" y="3557441"/>
+            <a:ext cx="1283548" cy="246221"/>
+          </a:xfrm>
+          <a:prstGeom prst="rect">
+            <a:avLst/>
+          </a:prstGeom>
+          <a:noFill/>
+        </p:spPr>
+        <p:txBody>
+          <a:bodyPr wrap="square" rtlCol="0">
+            <a:spAutoFit/>
+          </a:bodyPr>
+          <a:lstStyle/>
+          <a:p>
+            <a:r>
+              <a:rPr lang="en-US" sz="1000" dirty="0">
+                <a:solidFill>
+                  <a:srgbClr val="002060"/>
+                </a:solidFill>
+              </a:rPr>
+              <a:t>Function thread</a:t>
+            </a:r>
+          </a:p>
+        </p:txBody>
+      </p:sp>
+      <p:cxnSp>
+        <p:nvCxnSpPr>
+          <p:cNvPr id="40" name="Straight Arrow Connector 39">
+            <a:extLst>
+              <a:ext uri="{FF2B5EF4-FFF2-40B4-BE49-F238E27FC236}">
+                <a16:creationId xmlns:a16="http://schemas.microsoft.com/office/drawing/2014/main" id="{31722F0C-9F9A-CFAC-30C3-21A0C94E43C8}"/>
+              </a:ext>
+            </a:extLst>
+          </p:cNvPr>
+          <p:cNvCxnSpPr>
+            <a:cxnSpLocks/>
+          </p:cNvCxnSpPr>
+          <p:nvPr/>
+        </p:nvCxnSpPr>
+        <p:spPr>
+          <a:xfrm>
+            <a:off x="4442605" y="2197717"/>
+            <a:ext cx="0" cy="2225150"/>
+          </a:xfrm>
+          <a:prstGeom prst="straightConnector1">
+            <a:avLst/>
+          </a:prstGeom>
+          <a:ln>
+            <a:tailEnd type="triangle"/>
+          </a:ln>
+        </p:spPr>
+        <p:style>
+          <a:lnRef idx="2">
+            <a:schemeClr val="accent1"/>
+          </a:lnRef>
+          <a:fillRef idx="0">
+            <a:schemeClr val="accent1"/>
+          </a:fillRef>
+          <a:effectRef idx="1">
+            <a:schemeClr val="accent1"/>
+          </a:effectRef>
+          <a:fontRef idx="minor">
+            <a:schemeClr val="tx1"/>
+          </a:fontRef>
+        </p:style>
+      </p:cxnSp>
+      <p:sp>
+        <p:nvSpPr>
+          <p:cNvPr id="43" name="TextBox 42">
+            <a:extLst>
+              <a:ext uri="{FF2B5EF4-FFF2-40B4-BE49-F238E27FC236}">
+                <a16:creationId xmlns:a16="http://schemas.microsoft.com/office/drawing/2014/main" id="{187184D7-0FB4-6B89-B3A6-6356F5CFE7E6}"/>
+              </a:ext>
+            </a:extLst>
+          </p:cNvPr>
+          <p:cNvSpPr txBox="1"/>
+          <p:nvPr/>
+        </p:nvSpPr>
+        <p:spPr>
+          <a:xfrm>
+            <a:off x="4477109" y="4164731"/>
+            <a:ext cx="955201" cy="246221"/>
+          </a:xfrm>
+          <a:prstGeom prst="rect">
+            <a:avLst/>
+          </a:prstGeom>
+          <a:noFill/>
+        </p:spPr>
+        <p:txBody>
+          <a:bodyPr wrap="square" rtlCol="0">
+            <a:spAutoFit/>
+          </a:bodyPr>
+          <a:lstStyle/>
+          <a:p>
+            <a:r>
+              <a:rPr lang="en-US" sz="1000" dirty="0">
+                <a:solidFill>
+                  <a:srgbClr val="002060"/>
+                </a:solidFill>
+              </a:rPr>
+              <a:t>Report thread</a:t>
+            </a:r>
+          </a:p>
+        </p:txBody>
+      </p:sp>
+      <p:pic>
+        <p:nvPicPr>
+          <p:cNvPr id="47" name="Picture 46" descr="A diagram of a number of dna&#10;&#10;Description automatically generated with medium confidence">
+            <a:extLst>
+              <a:ext uri="{FF2B5EF4-FFF2-40B4-BE49-F238E27FC236}">
+                <a16:creationId xmlns:a16="http://schemas.microsoft.com/office/drawing/2014/main" id="{B70D6665-29EA-ECA2-4577-2FA3F73472E9}"/>
+              </a:ext>
+            </a:extLst>
+          </p:cNvPr>
+          <p:cNvPicPr>
+            <a:picLocks noChangeAspect="1"/>
+          </p:cNvPicPr>
+          <p:nvPr/>
+        </p:nvPicPr>
+        <p:blipFill>
+          <a:blip r:embed="rId2">
+            <a:extLst>
+              <a:ext uri="{28A0092B-C50C-407E-A947-70E740481C1C}">
+                <a14:useLocalDpi xmlns:a14="http://schemas.microsoft.com/office/drawing/2010/main" val="0"/>
+              </a:ext>
+            </a:extLst>
+          </a:blip>
+          <a:stretch>
+            <a:fillRect/>
+          </a:stretch>
+        </p:blipFill>
+        <p:spPr>
+          <a:xfrm>
+            <a:off x="3142863" y="3947355"/>
+            <a:ext cx="1079969" cy="720339"/>
+          </a:xfrm>
+          <a:prstGeom prst="rect">
+            <a:avLst/>
+          </a:prstGeom>
+          <a:ln w="6350">
+            <a:solidFill>
+              <a:schemeClr val="tx1"/>
+            </a:solidFill>
+          </a:ln>
+        </p:spPr>
+      </p:pic>
+      <p:sp>
+        <p:nvSpPr>
+          <p:cNvPr id="48" name="TextBox 47">
+            <a:extLst>
+              <a:ext uri="{FF2B5EF4-FFF2-40B4-BE49-F238E27FC236}">
+                <a16:creationId xmlns:a16="http://schemas.microsoft.com/office/drawing/2014/main" id="{97A35E7D-561E-2CBF-7153-8317117631E8}"/>
+              </a:ext>
+            </a:extLst>
+          </p:cNvPr>
+          <p:cNvSpPr txBox="1"/>
+          <p:nvPr/>
+        </p:nvSpPr>
+        <p:spPr>
+          <a:xfrm>
+            <a:off x="3036229" y="3711796"/>
+            <a:ext cx="1367746" cy="246221"/>
+          </a:xfrm>
+          <a:prstGeom prst="rect">
+            <a:avLst/>
+          </a:prstGeom>
+          <a:noFill/>
+        </p:spPr>
+        <p:txBody>
+          <a:bodyPr wrap="square" rtlCol="0">
+            <a:spAutoFit/>
+          </a:bodyPr>
+          <a:lstStyle/>
+          <a:p>
+            <a:r>
+              <a:rPr lang="en-US" sz="1000" dirty="0"/>
+              <a:t>Ladder logic module </a:t>
+            </a:r>
+          </a:p>
+        </p:txBody>
+      </p:sp>
+      <p:pic>
+        <p:nvPicPr>
+          <p:cNvPr id="50" name="Graphic 49" descr="Processor outline">
+            <a:extLst>
+              <a:ext uri="{FF2B5EF4-FFF2-40B4-BE49-F238E27FC236}">
+                <a16:creationId xmlns:a16="http://schemas.microsoft.com/office/drawing/2014/main" id="{ADB0D43C-2D5E-B372-B46F-DAB89DF9D44C}"/>
+              </a:ext>
+            </a:extLst>
+          </p:cNvPr>
+          <p:cNvPicPr>
+            <a:picLocks noChangeAspect="1"/>
+          </p:cNvPicPr>
+          <p:nvPr/>
+        </p:nvPicPr>
+        <p:blipFill>
+          <a:blip r:embed="rId3">
+            <a:extLst>
+              <a:ext uri="{96DAC541-7B7A-43D3-8B79-37D633B846F1}">
+                <asvg:svgBlip xmlns:asvg="http://schemas.microsoft.com/office/drawing/2016/SVG/main" r:embed="rId4"/>
+              </a:ext>
+            </a:extLst>
+          </a:blip>
+          <a:stretch>
+            <a:fillRect/>
+          </a:stretch>
+        </p:blipFill>
+        <p:spPr>
+          <a:xfrm>
+            <a:off x="6272426" y="3677860"/>
+            <a:ext cx="448945" cy="448945"/>
+          </a:xfrm>
+          <a:prstGeom prst="rect">
+            <a:avLst/>
+          </a:prstGeom>
+        </p:spPr>
+      </p:pic>
+      <p:sp>
+        <p:nvSpPr>
+          <p:cNvPr id="51" name="Arrow: Left-Right 50">
+            <a:extLst>
+              <a:ext uri="{FF2B5EF4-FFF2-40B4-BE49-F238E27FC236}">
+                <a16:creationId xmlns:a16="http://schemas.microsoft.com/office/drawing/2014/main" id="{D87E2604-16ED-C3C1-F788-34FADB1BA2D7}"/>
+              </a:ext>
+            </a:extLst>
+          </p:cNvPr>
+          <p:cNvSpPr/>
+          <p:nvPr/>
+        </p:nvSpPr>
+        <p:spPr>
+          <a:xfrm>
+            <a:off x="6014167" y="3854644"/>
+            <a:ext cx="270527" cy="111913"/>
+          </a:xfrm>
+          <a:prstGeom prst="leftRightArrow">
+            <a:avLst/>
+          </a:prstGeom>
+          <a:solidFill>
+            <a:schemeClr val="accent6">
+              <a:lumMod val="40000"/>
+              <a:lumOff val="60000"/>
+            </a:schemeClr>
+          </a:solidFill>
+        </p:spPr>
+        <p:style>
+          <a:lnRef idx="2">
+            <a:schemeClr val="accent1">
+              <a:shade val="15000"/>
+            </a:schemeClr>
+          </a:lnRef>
+          <a:fillRef idx="1">
+            <a:schemeClr val="accent1"/>
+          </a:fillRef>
+          <a:effectRef idx="0">
+            <a:schemeClr val="accent1"/>
+          </a:effectRef>
+          <a:fontRef idx="minor">
+            <a:schemeClr val="lt1"/>
+          </a:fontRef>
+        </p:style>
+        <p:txBody>
+          <a:bodyPr rtlCol="0" anchor="ctr"/>
+          <a:lstStyle/>
+          <a:p>
+            <a:pPr algn="ctr"/>
+            <a:endParaRPr lang="en-SG"/>
+          </a:p>
+        </p:txBody>
+      </p:sp>
+      <p:sp>
+        <p:nvSpPr>
+          <p:cNvPr id="52" name="TextBox 51">
+            <a:extLst>
+              <a:ext uri="{FF2B5EF4-FFF2-40B4-BE49-F238E27FC236}">
+                <a16:creationId xmlns:a16="http://schemas.microsoft.com/office/drawing/2014/main" id="{29305F45-F904-D492-C8A9-806A240A9714}"/>
+              </a:ext>
+            </a:extLst>
+          </p:cNvPr>
+          <p:cNvSpPr txBox="1"/>
+          <p:nvPr/>
+        </p:nvSpPr>
+        <p:spPr>
+          <a:xfrm>
+            <a:off x="5973349" y="4043409"/>
+            <a:ext cx="1194668" cy="400110"/>
+          </a:xfrm>
+          <a:prstGeom prst="rect">
+            <a:avLst/>
+          </a:prstGeom>
+          <a:noFill/>
+        </p:spPr>
+        <p:txBody>
+          <a:bodyPr wrap="square" rtlCol="0">
+            <a:spAutoFit/>
+          </a:bodyPr>
+          <a:lstStyle/>
+          <a:p>
+            <a:r>
+              <a:rPr lang="en-US" sz="1000" dirty="0"/>
+              <a:t>PLC Register / Coil / Memory Module</a:t>
+            </a:r>
+          </a:p>
+        </p:txBody>
+      </p:sp>
+      <p:cxnSp>
+        <p:nvCxnSpPr>
+          <p:cNvPr id="54" name="Straight Arrow Connector 53">
+            <a:extLst>
+              <a:ext uri="{FF2B5EF4-FFF2-40B4-BE49-F238E27FC236}">
+                <a16:creationId xmlns:a16="http://schemas.microsoft.com/office/drawing/2014/main" id="{851A184A-3289-7454-916C-991E66B3CCF4}"/>
+              </a:ext>
+            </a:extLst>
+          </p:cNvPr>
+          <p:cNvCxnSpPr/>
+          <p:nvPr/>
+        </p:nvCxnSpPr>
+        <p:spPr>
+          <a:xfrm>
+            <a:off x="4234223" y="4005795"/>
+            <a:ext cx="396349" cy="0"/>
+          </a:xfrm>
+          <a:prstGeom prst="straightConnector1">
+            <a:avLst/>
+          </a:prstGeom>
+          <a:ln>
+            <a:prstDash val="sysDash"/>
+            <a:tailEnd type="triangle"/>
+          </a:ln>
+        </p:spPr>
+        <p:style>
+          <a:lnRef idx="2">
+            <a:schemeClr val="accent6"/>
+          </a:lnRef>
+          <a:fillRef idx="0">
+            <a:schemeClr val="accent6"/>
+          </a:fillRef>
+          <a:effectRef idx="1">
+            <a:schemeClr val="accent6"/>
+          </a:effectRef>
+          <a:fontRef idx="minor">
+            <a:schemeClr val="tx1"/>
+          </a:fontRef>
+        </p:style>
+      </p:cxnSp>
+      <p:cxnSp>
+        <p:nvCxnSpPr>
+          <p:cNvPr id="55" name="Straight Arrow Connector 54">
+            <a:extLst>
+              <a:ext uri="{FF2B5EF4-FFF2-40B4-BE49-F238E27FC236}">
+                <a16:creationId xmlns:a16="http://schemas.microsoft.com/office/drawing/2014/main" id="{20C7AB9D-A378-FD38-A802-780B12A8A266}"/>
+              </a:ext>
+            </a:extLst>
+          </p:cNvPr>
+          <p:cNvCxnSpPr>
+            <a:cxnSpLocks/>
+          </p:cNvCxnSpPr>
+          <p:nvPr/>
+        </p:nvCxnSpPr>
+        <p:spPr>
+          <a:xfrm>
+            <a:off x="5647199" y="4182084"/>
+            <a:ext cx="0" cy="228868"/>
+          </a:xfrm>
+          <a:prstGeom prst="straightConnector1">
+            <a:avLst/>
+          </a:prstGeom>
+          <a:ln>
+            <a:prstDash val="sysDash"/>
+            <a:tailEnd type="triangle"/>
+          </a:ln>
+        </p:spPr>
+        <p:style>
+          <a:lnRef idx="2">
+            <a:schemeClr val="accent6"/>
+          </a:lnRef>
+          <a:fillRef idx="0">
+            <a:schemeClr val="accent6"/>
+          </a:fillRef>
+          <a:effectRef idx="1">
+            <a:schemeClr val="accent6"/>
+          </a:effectRef>
+          <a:fontRef idx="minor">
+            <a:schemeClr val="tx1"/>
+          </a:fontRef>
+        </p:style>
+      </p:cxnSp>
+      <p:cxnSp>
+        <p:nvCxnSpPr>
+          <p:cNvPr id="62" name="Straight Arrow Connector 61">
+            <a:extLst>
+              <a:ext uri="{FF2B5EF4-FFF2-40B4-BE49-F238E27FC236}">
+                <a16:creationId xmlns:a16="http://schemas.microsoft.com/office/drawing/2014/main" id="{FB313B91-DE01-C8D3-CAFE-8162083C1393}"/>
+              </a:ext>
+            </a:extLst>
+          </p:cNvPr>
+          <p:cNvCxnSpPr>
+            <a:cxnSpLocks/>
+          </p:cNvCxnSpPr>
+          <p:nvPr/>
+        </p:nvCxnSpPr>
+        <p:spPr>
+          <a:xfrm>
+            <a:off x="6479547" y="3524157"/>
+            <a:ext cx="0" cy="231791"/>
+          </a:xfrm>
+          <a:prstGeom prst="straightConnector1">
+            <a:avLst/>
+          </a:prstGeom>
+          <a:ln>
+            <a:prstDash val="sysDash"/>
+            <a:headEnd type="triangle"/>
+            <a:tailEnd type="triangle"/>
+          </a:ln>
+        </p:spPr>
+        <p:style>
+          <a:lnRef idx="2">
+            <a:schemeClr val="accent6"/>
+          </a:lnRef>
+          <a:fillRef idx="0">
+            <a:schemeClr val="accent6"/>
+          </a:fillRef>
+          <a:effectRef idx="1">
+            <a:schemeClr val="accent6"/>
+          </a:effectRef>
+          <a:fontRef idx="minor">
+            <a:schemeClr val="tx1"/>
+          </a:fontRef>
+        </p:style>
+      </p:cxnSp>
+      <p:pic>
+        <p:nvPicPr>
+          <p:cNvPr id="69" name="Picture 68">
+            <a:extLst>
+              <a:ext uri="{FF2B5EF4-FFF2-40B4-BE49-F238E27FC236}">
+                <a16:creationId xmlns:a16="http://schemas.microsoft.com/office/drawing/2014/main" id="{E9543612-3FDB-F391-6487-A436C8DC03ED}"/>
+              </a:ext>
+            </a:extLst>
+          </p:cNvPr>
+          <p:cNvPicPr>
+            <a:picLocks noChangeAspect="1"/>
+          </p:cNvPicPr>
+          <p:nvPr/>
+        </p:nvPicPr>
+        <p:blipFill>
+          <a:blip r:embed="rId5"/>
+          <a:stretch>
+            <a:fillRect/>
+          </a:stretch>
+        </p:blipFill>
+        <p:spPr>
+          <a:xfrm>
+            <a:off x="8140160" y="1331124"/>
+            <a:ext cx="2409945" cy="1354389"/>
+          </a:xfrm>
+          <a:prstGeom prst="rect">
+            <a:avLst/>
+          </a:prstGeom>
+          <a:ln w="6350">
+            <a:solidFill>
+              <a:schemeClr val="tx1"/>
+            </a:solidFill>
+          </a:ln>
+        </p:spPr>
+      </p:pic>
+      <p:sp>
+        <p:nvSpPr>
+          <p:cNvPr id="70" name="TextBox 69">
+            <a:extLst>
+              <a:ext uri="{FF2B5EF4-FFF2-40B4-BE49-F238E27FC236}">
+                <a16:creationId xmlns:a16="http://schemas.microsoft.com/office/drawing/2014/main" id="{CB1AA16E-B78D-14B1-6B79-0DA9FB7F56B8}"/>
+              </a:ext>
+            </a:extLst>
+          </p:cNvPr>
+          <p:cNvSpPr txBox="1"/>
+          <p:nvPr/>
+        </p:nvSpPr>
+        <p:spPr>
+          <a:xfrm>
+            <a:off x="8043335" y="1069514"/>
+            <a:ext cx="2575782" cy="261610"/>
+          </a:xfrm>
+          <a:prstGeom prst="rect">
+            <a:avLst/>
+          </a:prstGeom>
+          <a:noFill/>
+        </p:spPr>
+        <p:txBody>
+          <a:bodyPr wrap="square" rtlCol="0">
+            <a:spAutoFit/>
+          </a:bodyPr>
+          <a:lstStyle/>
+          <a:p>
+            <a:r>
+              <a:rPr lang="en-US" sz="1100" b="1" dirty="0"/>
+              <a:t>Deception </a:t>
+            </a:r>
+            <a:r>
+              <a:rPr lang="en-US" sz="1100" b="1" dirty="0" err="1"/>
+              <a:t>Ecostruxure</a:t>
+            </a:r>
+            <a:r>
+              <a:rPr lang="en-US" sz="1100" b="1" dirty="0"/>
+              <a:t> PLC Config UI </a:t>
+            </a:r>
+          </a:p>
+        </p:txBody>
+      </p:sp>
+      <p:pic>
+        <p:nvPicPr>
+          <p:cNvPr id="72" name="Picture 71">
+            <a:extLst>
+              <a:ext uri="{FF2B5EF4-FFF2-40B4-BE49-F238E27FC236}">
+                <a16:creationId xmlns:a16="http://schemas.microsoft.com/office/drawing/2014/main" id="{5FDD3407-CD54-7EF0-F3DD-A2C7DCBF6690}"/>
+              </a:ext>
+            </a:extLst>
+          </p:cNvPr>
+          <p:cNvPicPr>
+            <a:picLocks noChangeAspect="1"/>
+          </p:cNvPicPr>
+          <p:nvPr/>
+        </p:nvPicPr>
+        <p:blipFill>
+          <a:blip r:embed="rId6"/>
+          <a:stretch>
+            <a:fillRect/>
+          </a:stretch>
+        </p:blipFill>
+        <p:spPr>
+          <a:xfrm>
+            <a:off x="8128845" y="2983602"/>
+            <a:ext cx="2421260" cy="1360748"/>
+          </a:xfrm>
+          <a:prstGeom prst="rect">
+            <a:avLst/>
+          </a:prstGeom>
+          <a:ln w="3175">
+            <a:solidFill>
+              <a:schemeClr val="tx1"/>
+            </a:solidFill>
+          </a:ln>
+        </p:spPr>
+      </p:pic>
+      <p:sp>
+        <p:nvSpPr>
+          <p:cNvPr id="73" name="TextBox 72">
+            <a:extLst>
+              <a:ext uri="{FF2B5EF4-FFF2-40B4-BE49-F238E27FC236}">
+                <a16:creationId xmlns:a16="http://schemas.microsoft.com/office/drawing/2014/main" id="{65836C7E-5A8D-E59C-9218-D37E3D8639CF}"/>
+              </a:ext>
+            </a:extLst>
+          </p:cNvPr>
+          <p:cNvSpPr txBox="1"/>
+          <p:nvPr/>
+        </p:nvSpPr>
+        <p:spPr>
+          <a:xfrm>
+            <a:off x="8051584" y="2738348"/>
+            <a:ext cx="2575782" cy="261610"/>
+          </a:xfrm>
+          <a:prstGeom prst="rect">
+            <a:avLst/>
+          </a:prstGeom>
+          <a:noFill/>
+        </p:spPr>
+        <p:txBody>
+          <a:bodyPr wrap="square" rtlCol="0">
+            <a:spAutoFit/>
+          </a:bodyPr>
+          <a:lstStyle/>
+          <a:p>
+            <a:r>
+              <a:rPr lang="en-US" sz="1100" b="1" dirty="0"/>
+              <a:t>Deception SAMTIC PLC Config UI </a:t>
+            </a:r>
+          </a:p>
+        </p:txBody>
+      </p:sp>
+      <p:sp>
+        <p:nvSpPr>
+          <p:cNvPr id="74" name="Rectangle 73">
+            <a:extLst>
+              <a:ext uri="{FF2B5EF4-FFF2-40B4-BE49-F238E27FC236}">
+                <a16:creationId xmlns:a16="http://schemas.microsoft.com/office/drawing/2014/main" id="{7DE37086-2479-7102-4E55-1C922B2FEAAE}"/>
+              </a:ext>
+            </a:extLst>
+          </p:cNvPr>
+          <p:cNvSpPr/>
+          <p:nvPr/>
+        </p:nvSpPr>
+        <p:spPr>
+          <a:xfrm>
+            <a:off x="8140160" y="4605017"/>
+            <a:ext cx="1771591" cy="274934"/>
+          </a:xfrm>
+          <a:prstGeom prst="rect">
+            <a:avLst/>
+          </a:prstGeom>
+          <a:solidFill>
+            <a:schemeClr val="accent2"/>
+          </a:solidFill>
+        </p:spPr>
+        <p:style>
+          <a:lnRef idx="2">
+            <a:schemeClr val="accent1">
+              <a:shade val="50000"/>
+            </a:schemeClr>
+          </a:lnRef>
+          <a:fillRef idx="1">
+            <a:schemeClr val="accent1"/>
+          </a:fillRef>
+          <a:effectRef idx="0">
+            <a:schemeClr val="accent1"/>
+          </a:effectRef>
+          <a:fontRef idx="minor">
+            <a:schemeClr val="lt1"/>
+          </a:fontRef>
+        </p:style>
+        <p:txBody>
+          <a:bodyPr rtlCol="0" anchor="ctr"/>
+          <a:lstStyle/>
+          <a:p>
+            <a:pPr algn="ctr"/>
+            <a:r>
+              <a:rPr lang="en-US" sz="1000" b="1" dirty="0"/>
+              <a:t>PLC Remote Controller VM</a:t>
+            </a:r>
+            <a:endParaRPr lang="en-SG" sz="1000" b="1" dirty="0"/>
+          </a:p>
+        </p:txBody>
+      </p:sp>
+      <p:cxnSp>
+        <p:nvCxnSpPr>
+          <p:cNvPr id="76" name="Connector: Elbow 75">
+            <a:extLst>
+              <a:ext uri="{FF2B5EF4-FFF2-40B4-BE49-F238E27FC236}">
+                <a16:creationId xmlns:a16="http://schemas.microsoft.com/office/drawing/2014/main" id="{AE5CCC3B-8682-C8CC-BFDA-CACBFC0186E1}"/>
+              </a:ext>
+            </a:extLst>
+          </p:cNvPr>
+          <p:cNvCxnSpPr>
+            <a:cxnSpLocks/>
+            <a:stCxn id="15" idx="3"/>
+          </p:cNvCxnSpPr>
+          <p:nvPr/>
+        </p:nvCxnSpPr>
+        <p:spPr>
+          <a:xfrm flipV="1">
+            <a:off x="6990784" y="2301916"/>
+            <a:ext cx="1154366" cy="376389"/>
+          </a:xfrm>
+          <a:prstGeom prst="bentConnector3">
+            <a:avLst>
+              <a:gd name="adj1" fmla="val 64198"/>
+            </a:avLst>
+          </a:prstGeom>
+          <a:ln>
+            <a:solidFill>
+              <a:srgbClr val="00B050"/>
+            </a:solidFill>
+            <a:tailEnd type="triangle"/>
+          </a:ln>
+        </p:spPr>
+        <p:style>
+          <a:lnRef idx="2">
+            <a:schemeClr val="accent1"/>
+          </a:lnRef>
+          <a:fillRef idx="0">
+            <a:schemeClr val="accent1"/>
+          </a:fillRef>
+          <a:effectRef idx="1">
+            <a:schemeClr val="accent1"/>
+          </a:effectRef>
+          <a:fontRef idx="minor">
+            <a:schemeClr val="tx1"/>
+          </a:fontRef>
+        </p:style>
+      </p:cxnSp>
+      <p:cxnSp>
+        <p:nvCxnSpPr>
+          <p:cNvPr id="77" name="Connector: Elbow 76">
+            <a:extLst>
+              <a:ext uri="{FF2B5EF4-FFF2-40B4-BE49-F238E27FC236}">
+                <a16:creationId xmlns:a16="http://schemas.microsoft.com/office/drawing/2014/main" id="{2AE1E7BC-9DDF-51E1-7868-6F3990612E10}"/>
+              </a:ext>
+            </a:extLst>
+          </p:cNvPr>
+          <p:cNvCxnSpPr>
+            <a:cxnSpLocks/>
+            <a:endCxn id="72" idx="1"/>
+          </p:cNvCxnSpPr>
+          <p:nvPr/>
+        </p:nvCxnSpPr>
+        <p:spPr>
+          <a:xfrm>
+            <a:off x="6997810" y="2671047"/>
+            <a:ext cx="1131035" cy="992929"/>
+          </a:xfrm>
+          <a:prstGeom prst="bentConnector3">
+            <a:avLst>
+              <a:gd name="adj1" fmla="val 65254"/>
+            </a:avLst>
+          </a:prstGeom>
+          <a:ln>
+            <a:solidFill>
+              <a:srgbClr val="00B050"/>
+            </a:solidFill>
+            <a:tailEnd type="triangle"/>
+          </a:ln>
+        </p:spPr>
+        <p:style>
+          <a:lnRef idx="2">
+            <a:schemeClr val="accent1"/>
+          </a:lnRef>
+          <a:fillRef idx="0">
+            <a:schemeClr val="accent1"/>
+          </a:fillRef>
+          <a:effectRef idx="1">
+            <a:schemeClr val="accent1"/>
+          </a:effectRef>
+          <a:fontRef idx="minor">
+            <a:schemeClr val="tx1"/>
+          </a:fontRef>
+        </p:style>
+      </p:cxnSp>
+      <p:cxnSp>
+        <p:nvCxnSpPr>
+          <p:cNvPr id="83" name="Connector: Elbow 82">
+            <a:extLst>
+              <a:ext uri="{FF2B5EF4-FFF2-40B4-BE49-F238E27FC236}">
+                <a16:creationId xmlns:a16="http://schemas.microsoft.com/office/drawing/2014/main" id="{EC13DEC7-844B-8FF7-75CF-F711DA63A701}"/>
+              </a:ext>
+            </a:extLst>
+          </p:cNvPr>
+          <p:cNvCxnSpPr>
+            <a:cxnSpLocks/>
+            <a:stCxn id="74" idx="1"/>
+            <a:endCxn id="27" idx="3"/>
+          </p:cNvCxnSpPr>
+          <p:nvPr/>
+        </p:nvCxnSpPr>
+        <p:spPr>
+          <a:xfrm rot="10800000">
+            <a:off x="6997810" y="3345794"/>
+            <a:ext cx="1142350" cy="1396690"/>
+          </a:xfrm>
+          <a:prstGeom prst="bentConnector3">
+            <a:avLst>
+              <a:gd name="adj1" fmla="val 50000"/>
+            </a:avLst>
+          </a:prstGeom>
+          <a:ln>
+            <a:headEnd type="triangle"/>
+            <a:tailEnd type="triangle"/>
+          </a:ln>
+        </p:spPr>
+        <p:style>
+          <a:lnRef idx="2">
+            <a:schemeClr val="accent1"/>
+          </a:lnRef>
+          <a:fillRef idx="0">
+            <a:schemeClr val="accent1"/>
+          </a:fillRef>
+          <a:effectRef idx="1">
+            <a:schemeClr val="accent1"/>
+          </a:effectRef>
+          <a:fontRef idx="minor">
+            <a:schemeClr val="tx1"/>
+          </a:fontRef>
+        </p:style>
+      </p:cxnSp>
+      <p:sp>
+        <p:nvSpPr>
+          <p:cNvPr id="85" name="TextBox 84">
+            <a:extLst>
+              <a:ext uri="{FF2B5EF4-FFF2-40B4-BE49-F238E27FC236}">
+                <a16:creationId xmlns:a16="http://schemas.microsoft.com/office/drawing/2014/main" id="{F6EF718B-72CB-D548-96FD-909885439706}"/>
+              </a:ext>
+            </a:extLst>
+          </p:cNvPr>
+          <p:cNvSpPr txBox="1"/>
+          <p:nvPr/>
+        </p:nvSpPr>
+        <p:spPr>
+          <a:xfrm>
+            <a:off x="7221297" y="2665420"/>
+            <a:ext cx="726769" cy="246221"/>
+          </a:xfrm>
+          <a:prstGeom prst="rect">
+            <a:avLst/>
+          </a:prstGeom>
+          <a:noFill/>
+        </p:spPr>
+        <p:txBody>
+          <a:bodyPr wrap="square" rtlCol="0">
+            <a:spAutoFit/>
+          </a:bodyPr>
+          <a:lstStyle/>
+          <a:p>
+            <a:r>
+              <a:rPr lang="en-US" sz="1000" dirty="0">
+                <a:solidFill>
+                  <a:srgbClr val="002060"/>
+                </a:solidFill>
+              </a:rPr>
+              <a:t>Http(s)</a:t>
+            </a:r>
+          </a:p>
+        </p:txBody>
+      </p:sp>
+      <p:sp>
+        <p:nvSpPr>
+          <p:cNvPr id="86" name="TextBox 85">
+            <a:extLst>
+              <a:ext uri="{FF2B5EF4-FFF2-40B4-BE49-F238E27FC236}">
+                <a16:creationId xmlns:a16="http://schemas.microsoft.com/office/drawing/2014/main" id="{7AECD202-C156-9AB9-1C25-427E6DE76DFB}"/>
+              </a:ext>
+            </a:extLst>
+          </p:cNvPr>
+          <p:cNvSpPr txBox="1"/>
+          <p:nvPr/>
+        </p:nvSpPr>
+        <p:spPr>
+          <a:xfrm>
+            <a:off x="7241096" y="4150273"/>
+            <a:ext cx="897350" cy="553998"/>
+          </a:xfrm>
+          <a:prstGeom prst="rect">
+            <a:avLst/>
+          </a:prstGeom>
+          <a:noFill/>
+        </p:spPr>
+        <p:txBody>
+          <a:bodyPr wrap="square" rtlCol="0">
+            <a:spAutoFit/>
+          </a:bodyPr>
+          <a:lstStyle/>
+          <a:p>
+            <a:r>
+              <a:rPr lang="en-US" sz="1000" dirty="0" err="1">
+                <a:solidFill>
+                  <a:srgbClr val="002060"/>
+                </a:solidFill>
+              </a:rPr>
+              <a:t>ModBus</a:t>
+            </a:r>
+            <a:r>
+              <a:rPr lang="en-US" sz="1000" dirty="0">
+                <a:solidFill>
+                  <a:srgbClr val="002060"/>
+                </a:solidFill>
+              </a:rPr>
+              <a:t>-TCP</a:t>
+            </a:r>
+          </a:p>
+          <a:p>
+            <a:r>
+              <a:rPr lang="en-US" sz="1000" dirty="0">
+                <a:solidFill>
+                  <a:srgbClr val="002060"/>
+                </a:solidFill>
+              </a:rPr>
+              <a:t>Or</a:t>
+            </a:r>
+          </a:p>
+          <a:p>
+            <a:r>
+              <a:rPr lang="en-US" sz="1000" dirty="0">
+                <a:solidFill>
+                  <a:srgbClr val="002060"/>
+                </a:solidFill>
+              </a:rPr>
+              <a:t>S7Comm</a:t>
+            </a:r>
+          </a:p>
+        </p:txBody>
+      </p:sp>
+      <p:pic>
+        <p:nvPicPr>
+          <p:cNvPr id="88" name="Graphic 87" descr="Document with solid fill">
+            <a:extLst>
+              <a:ext uri="{FF2B5EF4-FFF2-40B4-BE49-F238E27FC236}">
+                <a16:creationId xmlns:a16="http://schemas.microsoft.com/office/drawing/2014/main" id="{8AFF0A31-B205-77C9-7D4D-57CF612021E5}"/>
+              </a:ext>
+            </a:extLst>
+          </p:cNvPr>
+          <p:cNvPicPr>
+            <a:picLocks noChangeAspect="1"/>
+          </p:cNvPicPr>
+          <p:nvPr/>
+        </p:nvPicPr>
+        <p:blipFill>
+          <a:blip r:embed="rId7">
+            <a:extLst>
+              <a:ext uri="{96DAC541-7B7A-43D3-8B79-37D633B846F1}">
+                <asvg:svgBlip xmlns:asvg="http://schemas.microsoft.com/office/drawing/2016/SVG/main" r:embed="rId8"/>
+              </a:ext>
+            </a:extLst>
+          </a:blip>
+          <a:stretch>
+            <a:fillRect/>
+          </a:stretch>
+        </p:blipFill>
+        <p:spPr>
+          <a:xfrm>
+            <a:off x="3730543" y="2542309"/>
+            <a:ext cx="246221" cy="246221"/>
+          </a:xfrm>
+          <a:prstGeom prst="rect">
+            <a:avLst/>
+          </a:prstGeom>
+        </p:spPr>
+      </p:pic>
+      <p:cxnSp>
+        <p:nvCxnSpPr>
+          <p:cNvPr id="90" name="Straight Arrow Connector 89">
+            <a:extLst>
+              <a:ext uri="{FF2B5EF4-FFF2-40B4-BE49-F238E27FC236}">
+                <a16:creationId xmlns:a16="http://schemas.microsoft.com/office/drawing/2014/main" id="{973C08DF-DF48-66E8-2C66-A761B88878F8}"/>
+              </a:ext>
+            </a:extLst>
+          </p:cNvPr>
+          <p:cNvCxnSpPr>
+            <a:stCxn id="21" idx="1"/>
+          </p:cNvCxnSpPr>
+          <p:nvPr/>
+        </p:nvCxnSpPr>
+        <p:spPr>
+          <a:xfrm flipH="1" flipV="1">
+            <a:off x="3971564" y="2671047"/>
+            <a:ext cx="1368717" cy="3142"/>
+          </a:xfrm>
+          <a:prstGeom prst="straightConnector1">
+            <a:avLst/>
+          </a:prstGeom>
+          <a:ln w="9525">
+            <a:solidFill>
+              <a:schemeClr val="accent2">
+                <a:lumMod val="60000"/>
+                <a:lumOff val="40000"/>
+              </a:schemeClr>
+            </a:solidFill>
+            <a:prstDash val="sysDash"/>
+            <a:tailEnd type="triangle"/>
+          </a:ln>
+        </p:spPr>
+        <p:style>
+          <a:lnRef idx="2">
+            <a:schemeClr val="accent1"/>
+          </a:lnRef>
+          <a:fillRef idx="0">
+            <a:schemeClr val="accent1"/>
+          </a:fillRef>
+          <a:effectRef idx="1">
+            <a:schemeClr val="accent1"/>
+          </a:effectRef>
+          <a:fontRef idx="minor">
+            <a:schemeClr val="tx1"/>
+          </a:fontRef>
+        </p:style>
+      </p:cxnSp>
+      <p:cxnSp>
+        <p:nvCxnSpPr>
+          <p:cNvPr id="91" name="Straight Arrow Connector 90">
+            <a:extLst>
+              <a:ext uri="{FF2B5EF4-FFF2-40B4-BE49-F238E27FC236}">
+                <a16:creationId xmlns:a16="http://schemas.microsoft.com/office/drawing/2014/main" id="{0479E617-775D-1512-F93C-2063DF11447F}"/>
+              </a:ext>
+            </a:extLst>
+          </p:cNvPr>
+          <p:cNvCxnSpPr>
+            <a:cxnSpLocks/>
+          </p:cNvCxnSpPr>
+          <p:nvPr/>
+        </p:nvCxnSpPr>
+        <p:spPr>
+          <a:xfrm flipH="1">
+            <a:off x="3971564" y="3133007"/>
+            <a:ext cx="1040040" cy="477"/>
+          </a:xfrm>
+          <a:prstGeom prst="straightConnector1">
+            <a:avLst/>
+          </a:prstGeom>
+          <a:ln w="9525">
+            <a:solidFill>
+              <a:schemeClr val="accent2">
+                <a:lumMod val="60000"/>
+                <a:lumOff val="40000"/>
+              </a:schemeClr>
+            </a:solidFill>
+            <a:prstDash val="sysDash"/>
+            <a:tailEnd type="triangle"/>
+          </a:ln>
+        </p:spPr>
+        <p:style>
+          <a:lnRef idx="2">
+            <a:schemeClr val="accent1"/>
+          </a:lnRef>
+          <a:fillRef idx="0">
+            <a:schemeClr val="accent1"/>
+          </a:fillRef>
+          <a:effectRef idx="1">
+            <a:schemeClr val="accent1"/>
+          </a:effectRef>
+          <a:fontRef idx="minor">
+            <a:schemeClr val="tx1"/>
+          </a:fontRef>
+        </p:style>
+      </p:cxnSp>
+      <p:pic>
+        <p:nvPicPr>
+          <p:cNvPr id="94" name="Graphic 93" descr="Document with solid fill">
+            <a:extLst>
+              <a:ext uri="{FF2B5EF4-FFF2-40B4-BE49-F238E27FC236}">
+                <a16:creationId xmlns:a16="http://schemas.microsoft.com/office/drawing/2014/main" id="{724E6FFA-624D-6586-935F-2254EACF0507}"/>
+              </a:ext>
+            </a:extLst>
+          </p:cNvPr>
+          <p:cNvPicPr>
+            <a:picLocks noChangeAspect="1"/>
+          </p:cNvPicPr>
+          <p:nvPr/>
+        </p:nvPicPr>
+        <p:blipFill>
+          <a:blip r:embed="rId7">
+            <a:extLst>
+              <a:ext uri="{96DAC541-7B7A-43D3-8B79-37D633B846F1}">
+                <asvg:svgBlip xmlns:asvg="http://schemas.microsoft.com/office/drawing/2016/SVG/main" r:embed="rId8"/>
+              </a:ext>
+            </a:extLst>
+          </a:blip>
+          <a:stretch>
+            <a:fillRect/>
+          </a:stretch>
+        </p:blipFill>
+        <p:spPr>
+          <a:xfrm>
+            <a:off x="3739074" y="2998195"/>
+            <a:ext cx="246221" cy="246221"/>
+          </a:xfrm>
+          <a:prstGeom prst="rect">
+            <a:avLst/>
+          </a:prstGeom>
+        </p:spPr>
+      </p:pic>
+      <p:pic>
+        <p:nvPicPr>
+          <p:cNvPr id="96" name="Graphic 95" descr="Document with solid fill">
+            <a:extLst>
+              <a:ext uri="{FF2B5EF4-FFF2-40B4-BE49-F238E27FC236}">
+                <a16:creationId xmlns:a16="http://schemas.microsoft.com/office/drawing/2014/main" id="{AE847EF5-6068-2CE2-DDA4-B95D9DA95493}"/>
+              </a:ext>
+            </a:extLst>
+          </p:cNvPr>
+          <p:cNvPicPr>
+            <a:picLocks noChangeAspect="1"/>
+          </p:cNvPicPr>
+          <p:nvPr/>
+        </p:nvPicPr>
+        <p:blipFill>
+          <a:blip r:embed="rId7">
+            <a:extLst>
+              <a:ext uri="{96DAC541-7B7A-43D3-8B79-37D633B846F1}">
+                <asvg:svgBlip xmlns:asvg="http://schemas.microsoft.com/office/drawing/2016/SVG/main" r:embed="rId8"/>
+              </a:ext>
+            </a:extLst>
+          </a:blip>
+          <a:stretch>
+            <a:fillRect/>
+          </a:stretch>
+        </p:blipFill>
+        <p:spPr>
+          <a:xfrm>
+            <a:off x="3735497" y="3380150"/>
+            <a:ext cx="246221" cy="246221"/>
+          </a:xfrm>
+          <a:prstGeom prst="rect">
+            <a:avLst/>
+          </a:prstGeom>
+        </p:spPr>
+      </p:pic>
+      <p:cxnSp>
+        <p:nvCxnSpPr>
+          <p:cNvPr id="98" name="Connector: Elbow 97">
+            <a:extLst>
+              <a:ext uri="{FF2B5EF4-FFF2-40B4-BE49-F238E27FC236}">
+                <a16:creationId xmlns:a16="http://schemas.microsoft.com/office/drawing/2014/main" id="{4169E0D1-DD4A-006E-2708-FEAC52F85CDA}"/>
+              </a:ext>
+            </a:extLst>
+          </p:cNvPr>
+          <p:cNvCxnSpPr/>
+          <p:nvPr/>
+        </p:nvCxnSpPr>
+        <p:spPr>
+          <a:xfrm rot="10800000">
+            <a:off x="3974103" y="3503260"/>
+            <a:ext cx="652698" cy="315042"/>
+          </a:xfrm>
+          <a:prstGeom prst="bentConnector3">
+            <a:avLst/>
+          </a:prstGeom>
+          <a:ln w="9525">
+            <a:solidFill>
+              <a:schemeClr val="accent2">
+                <a:lumMod val="60000"/>
+                <a:lumOff val="40000"/>
+              </a:schemeClr>
+            </a:solidFill>
+            <a:prstDash val="sysDash"/>
+            <a:tailEnd type="triangle"/>
+          </a:ln>
+        </p:spPr>
+        <p:style>
+          <a:lnRef idx="2">
+            <a:schemeClr val="accent1"/>
+          </a:lnRef>
+          <a:fillRef idx="0">
+            <a:schemeClr val="accent1"/>
+          </a:fillRef>
+          <a:effectRef idx="1">
+            <a:schemeClr val="accent1"/>
+          </a:effectRef>
+          <a:fontRef idx="minor">
+            <a:schemeClr val="tx1"/>
+          </a:fontRef>
+        </p:style>
+      </p:cxnSp>
+      <p:sp>
+        <p:nvSpPr>
+          <p:cNvPr id="100" name="TextBox 99">
+            <a:extLst>
+              <a:ext uri="{FF2B5EF4-FFF2-40B4-BE49-F238E27FC236}">
+                <a16:creationId xmlns:a16="http://schemas.microsoft.com/office/drawing/2014/main" id="{BB273252-CD45-47A0-BB29-39C3D2990945}"/>
+              </a:ext>
+            </a:extLst>
+          </p:cNvPr>
+          <p:cNvSpPr txBox="1"/>
+          <p:nvPr/>
+        </p:nvSpPr>
+        <p:spPr>
+          <a:xfrm>
+            <a:off x="2974369" y="2194202"/>
+            <a:ext cx="1255432" cy="246221"/>
+          </a:xfrm>
+          <a:prstGeom prst="rect">
+            <a:avLst/>
+          </a:prstGeom>
+          <a:noFill/>
+        </p:spPr>
+        <p:txBody>
+          <a:bodyPr wrap="square" rtlCol="0">
+            <a:spAutoFit/>
+          </a:bodyPr>
+          <a:lstStyle/>
+          <a:p>
+            <a:r>
+              <a:rPr lang="en-US" sz="1000" b="1" dirty="0">
+                <a:solidFill>
+                  <a:schemeClr val="accent6">
+                    <a:lumMod val="50000"/>
+                  </a:schemeClr>
+                </a:solidFill>
+              </a:rPr>
+              <a:t>Local log storage</a:t>
+            </a:r>
+          </a:p>
+        </p:txBody>
+      </p:sp>
+      <p:sp>
+        <p:nvSpPr>
+          <p:cNvPr id="101" name="TextBox 100">
+            <a:extLst>
+              <a:ext uri="{FF2B5EF4-FFF2-40B4-BE49-F238E27FC236}">
+                <a16:creationId xmlns:a16="http://schemas.microsoft.com/office/drawing/2014/main" id="{0BFA41BC-55EC-CAC5-BFE9-4A20F40C17E3}"/>
+              </a:ext>
+            </a:extLst>
+          </p:cNvPr>
+          <p:cNvSpPr txBox="1"/>
+          <p:nvPr/>
+        </p:nvSpPr>
+        <p:spPr>
+          <a:xfrm>
+            <a:off x="3015858" y="2514167"/>
+            <a:ext cx="778466" cy="369332"/>
+          </a:xfrm>
+          <a:prstGeom prst="rect">
+            <a:avLst/>
+          </a:prstGeom>
+          <a:noFill/>
+        </p:spPr>
+        <p:txBody>
+          <a:bodyPr wrap="square" rtlCol="0">
+            <a:spAutoFit/>
+          </a:bodyPr>
+          <a:lstStyle/>
+          <a:p>
+            <a:r>
+              <a:rPr lang="en-US" sz="900" dirty="0"/>
+              <a:t>Access and Config log</a:t>
+            </a:r>
+          </a:p>
+        </p:txBody>
+      </p:sp>
+      <p:sp>
+        <p:nvSpPr>
+          <p:cNvPr id="102" name="TextBox 101">
+            <a:extLst>
+              <a:ext uri="{FF2B5EF4-FFF2-40B4-BE49-F238E27FC236}">
+                <a16:creationId xmlns:a16="http://schemas.microsoft.com/office/drawing/2014/main" id="{0329C3A6-1B84-2990-8A5D-58AE01B3112F}"/>
+              </a:ext>
+            </a:extLst>
+          </p:cNvPr>
+          <p:cNvSpPr txBox="1"/>
+          <p:nvPr/>
+        </p:nvSpPr>
+        <p:spPr>
+          <a:xfrm>
+            <a:off x="3010337" y="2912186"/>
+            <a:ext cx="908490" cy="369332"/>
+          </a:xfrm>
+          <a:prstGeom prst="rect">
+            <a:avLst/>
+          </a:prstGeom>
+          <a:noFill/>
+        </p:spPr>
+        <p:txBody>
+          <a:bodyPr wrap="square" rtlCol="0">
+            <a:spAutoFit/>
+          </a:bodyPr>
+          <a:lstStyle/>
+          <a:p>
+            <a:r>
+              <a:rPr lang="en-US" sz="900" dirty="0"/>
+              <a:t>PLC request control  log </a:t>
+            </a:r>
+          </a:p>
+        </p:txBody>
+      </p:sp>
+      <p:sp>
+        <p:nvSpPr>
+          <p:cNvPr id="103" name="TextBox 102">
+            <a:extLst>
+              <a:ext uri="{FF2B5EF4-FFF2-40B4-BE49-F238E27FC236}">
+                <a16:creationId xmlns:a16="http://schemas.microsoft.com/office/drawing/2014/main" id="{8E1E6623-17A0-52F5-DAD2-8C9A9846585E}"/>
+              </a:ext>
+            </a:extLst>
+          </p:cNvPr>
+          <p:cNvSpPr txBox="1"/>
+          <p:nvPr/>
+        </p:nvSpPr>
+        <p:spPr>
+          <a:xfrm>
+            <a:off x="3006522" y="3322623"/>
+            <a:ext cx="908490" cy="369332"/>
+          </a:xfrm>
+          <a:prstGeom prst="rect">
+            <a:avLst/>
+          </a:prstGeom>
+          <a:noFill/>
+        </p:spPr>
+        <p:txBody>
+          <a:bodyPr wrap="square" rtlCol="0">
+            <a:spAutoFit/>
+          </a:bodyPr>
+          <a:lstStyle/>
+          <a:p>
+            <a:r>
+              <a:rPr lang="en-US" sz="900" dirty="0"/>
+              <a:t>System operation log</a:t>
+            </a:r>
+          </a:p>
+        </p:txBody>
+      </p:sp>
+      <p:sp>
+        <p:nvSpPr>
+          <p:cNvPr id="104" name="Rectangle 103">
+            <a:extLst>
+              <a:ext uri="{FF2B5EF4-FFF2-40B4-BE49-F238E27FC236}">
+                <a16:creationId xmlns:a16="http://schemas.microsoft.com/office/drawing/2014/main" id="{41A4AF6D-CD5E-F6CF-7478-2C5BAAAEBECF}"/>
+              </a:ext>
+            </a:extLst>
+          </p:cNvPr>
+          <p:cNvSpPr/>
+          <p:nvPr/>
+        </p:nvSpPr>
+        <p:spPr>
+          <a:xfrm>
+            <a:off x="1726837" y="2302734"/>
+            <a:ext cx="1042391" cy="404275"/>
+          </a:xfrm>
+          <a:prstGeom prst="rect">
+            <a:avLst/>
+          </a:prstGeom>
+          <a:solidFill>
+            <a:schemeClr val="accent6">
+              <a:lumMod val="75000"/>
+            </a:schemeClr>
+          </a:solidFill>
+        </p:spPr>
+        <p:style>
+          <a:lnRef idx="2">
+            <a:schemeClr val="accent1">
+              <a:shade val="50000"/>
+            </a:schemeClr>
+          </a:lnRef>
+          <a:fillRef idx="1">
+            <a:schemeClr val="accent1"/>
+          </a:fillRef>
+          <a:effectRef idx="0">
+            <a:schemeClr val="accent1"/>
+          </a:effectRef>
+          <a:fontRef idx="minor">
+            <a:schemeClr val="lt1"/>
+          </a:fontRef>
+        </p:style>
+        <p:txBody>
+          <a:bodyPr rtlCol="0" anchor="ctr"/>
+          <a:lstStyle/>
+          <a:p>
+            <a:pPr algn="ctr"/>
+            <a:r>
+              <a:rPr lang="en-US" sz="1000" b="1" dirty="0"/>
+              <a:t>PLC Log Archive Client </a:t>
+            </a:r>
+            <a:endParaRPr lang="en-SG" sz="1000" b="1" dirty="0"/>
+          </a:p>
+        </p:txBody>
+      </p:sp>
+      <p:sp>
+        <p:nvSpPr>
+          <p:cNvPr id="105" name="Rectangle 104">
+            <a:extLst>
+              <a:ext uri="{FF2B5EF4-FFF2-40B4-BE49-F238E27FC236}">
+                <a16:creationId xmlns:a16="http://schemas.microsoft.com/office/drawing/2014/main" id="{91EFCD06-FCE9-35AE-0BF1-667E7B5C0D6A}"/>
+              </a:ext>
+            </a:extLst>
+          </p:cNvPr>
+          <p:cNvSpPr/>
+          <p:nvPr/>
+        </p:nvSpPr>
+        <p:spPr>
+          <a:xfrm>
+            <a:off x="1928439" y="3239512"/>
+            <a:ext cx="1012964" cy="472284"/>
+          </a:xfrm>
+          <a:prstGeom prst="rect">
+            <a:avLst/>
+          </a:prstGeom>
+          <a:solidFill>
+            <a:schemeClr val="accent6">
+              <a:lumMod val="75000"/>
+            </a:schemeClr>
+          </a:solidFill>
+        </p:spPr>
+        <p:style>
+          <a:lnRef idx="2">
+            <a:schemeClr val="accent1">
+              <a:shade val="50000"/>
+            </a:schemeClr>
+          </a:lnRef>
+          <a:fillRef idx="1">
+            <a:schemeClr val="accent1"/>
+          </a:fillRef>
+          <a:effectRef idx="0">
+            <a:schemeClr val="accent1"/>
+          </a:effectRef>
+          <a:fontRef idx="minor">
+            <a:schemeClr val="lt1"/>
+          </a:fontRef>
+        </p:style>
+        <p:txBody>
+          <a:bodyPr rtlCol="0" anchor="ctr"/>
+          <a:lstStyle/>
+          <a:p>
+            <a:pPr algn="ctr"/>
+            <a:r>
+              <a:rPr lang="en-US" sz="1000" b="1" dirty="0"/>
+              <a:t>Log files management module  </a:t>
+            </a:r>
+            <a:endParaRPr lang="en-SG" sz="1000" b="1" dirty="0"/>
+          </a:p>
+        </p:txBody>
+      </p:sp>
+      <p:sp>
+        <p:nvSpPr>
+          <p:cNvPr id="106" name="Rectangle 105">
+            <a:extLst>
+              <a:ext uri="{FF2B5EF4-FFF2-40B4-BE49-F238E27FC236}">
+                <a16:creationId xmlns:a16="http://schemas.microsoft.com/office/drawing/2014/main" id="{D89AD779-28F8-24C1-31FF-39EBF9290656}"/>
+              </a:ext>
+            </a:extLst>
+          </p:cNvPr>
+          <p:cNvSpPr/>
+          <p:nvPr/>
+        </p:nvSpPr>
+        <p:spPr>
+          <a:xfrm>
+            <a:off x="1792661" y="4159483"/>
+            <a:ext cx="1042391" cy="433713"/>
+          </a:xfrm>
+          <a:prstGeom prst="rect">
+            <a:avLst/>
+          </a:prstGeom>
+          <a:solidFill>
+            <a:schemeClr val="accent6">
+              <a:lumMod val="75000"/>
+            </a:schemeClr>
+          </a:solidFill>
+        </p:spPr>
+        <p:style>
+          <a:lnRef idx="2">
+            <a:schemeClr val="accent1">
+              <a:shade val="50000"/>
+            </a:schemeClr>
+          </a:lnRef>
+          <a:fillRef idx="1">
+            <a:schemeClr val="accent1"/>
+          </a:fillRef>
+          <a:effectRef idx="0">
+            <a:schemeClr val="accent1"/>
+          </a:effectRef>
+          <a:fontRef idx="minor">
+            <a:schemeClr val="lt1"/>
+          </a:fontRef>
+        </p:style>
+        <p:txBody>
+          <a:bodyPr rtlCol="0" anchor="ctr"/>
+          <a:lstStyle/>
+          <a:p>
+            <a:pPr algn="ctr"/>
+            <a:r>
+              <a:rPr lang="en-US" sz="1000" b="1" dirty="0"/>
+              <a:t>Log data synchronize module  </a:t>
+            </a:r>
+            <a:endParaRPr lang="en-SG" sz="1000" b="1" dirty="0"/>
+          </a:p>
+        </p:txBody>
+      </p:sp>
+      <p:cxnSp>
+        <p:nvCxnSpPr>
+          <p:cNvPr id="107" name="Straight Arrow Connector 106">
+            <a:extLst>
+              <a:ext uri="{FF2B5EF4-FFF2-40B4-BE49-F238E27FC236}">
+                <a16:creationId xmlns:a16="http://schemas.microsoft.com/office/drawing/2014/main" id="{CE6E60E9-C20C-3DCD-41AC-AB26FA6BC881}"/>
+              </a:ext>
+            </a:extLst>
+          </p:cNvPr>
+          <p:cNvCxnSpPr>
+            <a:cxnSpLocks/>
+          </p:cNvCxnSpPr>
+          <p:nvPr/>
+        </p:nvCxnSpPr>
+        <p:spPr>
+          <a:xfrm>
+            <a:off x="2133600" y="2685513"/>
+            <a:ext cx="0" cy="553998"/>
+          </a:xfrm>
+          <a:prstGeom prst="straightConnector1">
+            <a:avLst/>
+          </a:prstGeom>
+          <a:ln>
+            <a:tailEnd type="triangle"/>
+          </a:ln>
+        </p:spPr>
+        <p:style>
+          <a:lnRef idx="2">
+            <a:schemeClr val="accent1"/>
+          </a:lnRef>
+          <a:fillRef idx="0">
+            <a:schemeClr val="accent1"/>
+          </a:fillRef>
+          <a:effectRef idx="1">
+            <a:schemeClr val="accent1"/>
+          </a:effectRef>
+          <a:fontRef idx="minor">
+            <a:schemeClr val="tx1"/>
+          </a:fontRef>
+        </p:style>
+      </p:cxnSp>
+      <p:sp>
+        <p:nvSpPr>
+          <p:cNvPr id="109" name="TextBox 108">
+            <a:extLst>
+              <a:ext uri="{FF2B5EF4-FFF2-40B4-BE49-F238E27FC236}">
+                <a16:creationId xmlns:a16="http://schemas.microsoft.com/office/drawing/2014/main" id="{23DA8F79-E67A-8522-EA42-5D75AA774AB8}"/>
+              </a:ext>
+            </a:extLst>
+          </p:cNvPr>
+          <p:cNvSpPr txBox="1"/>
+          <p:nvPr/>
+        </p:nvSpPr>
+        <p:spPr>
+          <a:xfrm>
+            <a:off x="2161783" y="2685513"/>
+            <a:ext cx="708993" cy="553998"/>
+          </a:xfrm>
+          <a:prstGeom prst="rect">
+            <a:avLst/>
+          </a:prstGeom>
+          <a:noFill/>
+        </p:spPr>
+        <p:txBody>
+          <a:bodyPr wrap="square" rtlCol="0">
+            <a:spAutoFit/>
+          </a:bodyPr>
+          <a:lstStyle/>
+          <a:p>
+            <a:r>
+              <a:rPr lang="en-US" sz="1000" dirty="0">
+                <a:solidFill>
+                  <a:schemeClr val="accent6">
+                    <a:lumMod val="50000"/>
+                  </a:schemeClr>
+                </a:solidFill>
+              </a:rPr>
+              <a:t>Data manager thread</a:t>
+            </a:r>
+          </a:p>
+        </p:txBody>
+      </p:sp>
+      <p:cxnSp>
+        <p:nvCxnSpPr>
+          <p:cNvPr id="112" name="Straight Arrow Connector 111">
+            <a:extLst>
+              <a:ext uri="{FF2B5EF4-FFF2-40B4-BE49-F238E27FC236}">
+                <a16:creationId xmlns:a16="http://schemas.microsoft.com/office/drawing/2014/main" id="{3E2E11ED-549B-1261-14D6-987B6CE12A12}"/>
+              </a:ext>
+            </a:extLst>
+          </p:cNvPr>
+          <p:cNvCxnSpPr>
+            <a:cxnSpLocks/>
+          </p:cNvCxnSpPr>
+          <p:nvPr/>
+        </p:nvCxnSpPr>
+        <p:spPr>
+          <a:xfrm>
+            <a:off x="1832292" y="2685513"/>
+            <a:ext cx="0" cy="1464760"/>
+          </a:xfrm>
+          <a:prstGeom prst="straightConnector1">
+            <a:avLst/>
+          </a:prstGeom>
+          <a:ln>
+            <a:tailEnd type="triangle"/>
+          </a:ln>
+        </p:spPr>
+        <p:style>
+          <a:lnRef idx="2">
+            <a:schemeClr val="accent1"/>
+          </a:lnRef>
+          <a:fillRef idx="0">
+            <a:schemeClr val="accent1"/>
+          </a:fillRef>
+          <a:effectRef idx="1">
+            <a:schemeClr val="accent1"/>
+          </a:effectRef>
+          <a:fontRef idx="minor">
+            <a:schemeClr val="tx1"/>
+          </a:fontRef>
+        </p:style>
+      </p:cxnSp>
+      <p:sp>
+        <p:nvSpPr>
+          <p:cNvPr id="114" name="TextBox 113">
+            <a:extLst>
+              <a:ext uri="{FF2B5EF4-FFF2-40B4-BE49-F238E27FC236}">
+                <a16:creationId xmlns:a16="http://schemas.microsoft.com/office/drawing/2014/main" id="{48B4FDE2-8AF9-7E60-6446-58BCAE3E2682}"/>
+              </a:ext>
+            </a:extLst>
+          </p:cNvPr>
+          <p:cNvSpPr txBox="1"/>
+          <p:nvPr/>
+        </p:nvSpPr>
+        <p:spPr>
+          <a:xfrm>
+            <a:off x="1860606" y="3750163"/>
+            <a:ext cx="1167937" cy="400110"/>
+          </a:xfrm>
+          <a:prstGeom prst="rect">
+            <a:avLst/>
+          </a:prstGeom>
+          <a:noFill/>
+        </p:spPr>
+        <p:txBody>
+          <a:bodyPr wrap="square" rtlCol="0">
+            <a:spAutoFit/>
+          </a:bodyPr>
+          <a:lstStyle/>
+          <a:p>
+            <a:r>
+              <a:rPr lang="en-US" sz="1000" dirty="0">
+                <a:solidFill>
+                  <a:schemeClr val="accent6">
+                    <a:lumMod val="50000"/>
+                  </a:schemeClr>
+                </a:solidFill>
+              </a:rPr>
+              <a:t>File transmission thread </a:t>
+            </a:r>
+          </a:p>
+        </p:txBody>
+      </p:sp>
+      <p:sp>
+        <p:nvSpPr>
+          <p:cNvPr id="115" name="Rectangle 114">
+            <a:extLst>
+              <a:ext uri="{FF2B5EF4-FFF2-40B4-BE49-F238E27FC236}">
+                <a16:creationId xmlns:a16="http://schemas.microsoft.com/office/drawing/2014/main" id="{DD476DB5-501F-9027-3765-44138727F3F6}"/>
+              </a:ext>
+            </a:extLst>
+          </p:cNvPr>
+          <p:cNvSpPr/>
+          <p:nvPr/>
+        </p:nvSpPr>
+        <p:spPr>
+          <a:xfrm>
+            <a:off x="1587209" y="5327813"/>
+            <a:ext cx="2014876" cy="274934"/>
+          </a:xfrm>
+          <a:prstGeom prst="rect">
+            <a:avLst/>
+          </a:prstGeom>
+          <a:solidFill>
+            <a:schemeClr val="accent2"/>
+          </a:solidFill>
+        </p:spPr>
+        <p:style>
+          <a:lnRef idx="2">
+            <a:schemeClr val="accent1">
+              <a:shade val="50000"/>
+            </a:schemeClr>
+          </a:lnRef>
+          <a:fillRef idx="1">
+            <a:schemeClr val="accent1"/>
+          </a:fillRef>
+          <a:effectRef idx="0">
+            <a:schemeClr val="accent1"/>
+          </a:effectRef>
+          <a:fontRef idx="minor">
+            <a:schemeClr val="lt1"/>
+          </a:fontRef>
+        </p:style>
+        <p:txBody>
+          <a:bodyPr rtlCol="0" anchor="ctr"/>
+          <a:lstStyle/>
+          <a:p>
+            <a:pPr algn="ctr"/>
+            <a:r>
+              <a:rPr lang="en-US" sz="1000" b="1" dirty="0"/>
+              <a:t>Log Data Archive VM</a:t>
+            </a:r>
+            <a:endParaRPr lang="en-SG" sz="1000" b="1" dirty="0"/>
+          </a:p>
+        </p:txBody>
+      </p:sp>
+      <p:cxnSp>
+        <p:nvCxnSpPr>
+          <p:cNvPr id="117" name="Straight Arrow Connector 116">
+            <a:extLst>
+              <a:ext uri="{FF2B5EF4-FFF2-40B4-BE49-F238E27FC236}">
+                <a16:creationId xmlns:a16="http://schemas.microsoft.com/office/drawing/2014/main" id="{27523088-1984-FF48-EA65-BD168B4007A3}"/>
+              </a:ext>
+            </a:extLst>
+          </p:cNvPr>
+          <p:cNvCxnSpPr>
+            <a:cxnSpLocks/>
+            <a:endCxn id="116" idx="0"/>
+          </p:cNvCxnSpPr>
+          <p:nvPr/>
+        </p:nvCxnSpPr>
+        <p:spPr>
+          <a:xfrm>
+            <a:off x="2248031" y="4605017"/>
+            <a:ext cx="1" cy="588410"/>
+          </a:xfrm>
+          <a:prstGeom prst="straightConnector1">
+            <a:avLst/>
+          </a:prstGeom>
+          <a:ln>
+            <a:tailEnd type="triangle"/>
+          </a:ln>
+        </p:spPr>
+        <p:style>
+          <a:lnRef idx="2">
+            <a:schemeClr val="accent1"/>
+          </a:lnRef>
+          <a:fillRef idx="0">
+            <a:schemeClr val="accent1"/>
+          </a:fillRef>
+          <a:effectRef idx="1">
+            <a:schemeClr val="accent1"/>
+          </a:effectRef>
+          <a:fontRef idx="minor">
+            <a:schemeClr val="tx1"/>
+          </a:fontRef>
+        </p:style>
+      </p:cxnSp>
+      <p:sp>
+        <p:nvSpPr>
+          <p:cNvPr id="119" name="TextBox 118">
+            <a:extLst>
+              <a:ext uri="{FF2B5EF4-FFF2-40B4-BE49-F238E27FC236}">
+                <a16:creationId xmlns:a16="http://schemas.microsoft.com/office/drawing/2014/main" id="{85188577-654F-81E9-277A-F5FD12E6C641}"/>
+              </a:ext>
+            </a:extLst>
+          </p:cNvPr>
+          <p:cNvSpPr txBox="1"/>
+          <p:nvPr/>
+        </p:nvSpPr>
+        <p:spPr>
+          <a:xfrm>
+            <a:off x="2219649" y="4889161"/>
+            <a:ext cx="430543" cy="246221"/>
+          </a:xfrm>
+          <a:prstGeom prst="rect">
+            <a:avLst/>
+          </a:prstGeom>
+          <a:noFill/>
+        </p:spPr>
+        <p:txBody>
+          <a:bodyPr wrap="square" rtlCol="0">
+            <a:spAutoFit/>
+          </a:bodyPr>
+          <a:lstStyle/>
+          <a:p>
+            <a:r>
+              <a:rPr lang="en-US" sz="1000" dirty="0">
+                <a:solidFill>
+                  <a:srgbClr val="002060"/>
+                </a:solidFill>
+              </a:rPr>
+              <a:t>FTP</a:t>
+            </a:r>
+          </a:p>
+        </p:txBody>
+      </p:sp>
+      <p:sp>
+        <p:nvSpPr>
+          <p:cNvPr id="120" name="TextBox 119">
+            <a:extLst>
+              <a:ext uri="{FF2B5EF4-FFF2-40B4-BE49-F238E27FC236}">
+                <a16:creationId xmlns:a16="http://schemas.microsoft.com/office/drawing/2014/main" id="{48B34AF2-AC80-7701-6307-97639DDA1AA3}"/>
+              </a:ext>
+            </a:extLst>
+          </p:cNvPr>
+          <p:cNvSpPr txBox="1"/>
+          <p:nvPr/>
+        </p:nvSpPr>
+        <p:spPr>
+          <a:xfrm>
+            <a:off x="2325226" y="5066203"/>
+            <a:ext cx="878248" cy="261610"/>
+          </a:xfrm>
+          <a:prstGeom prst="rect">
+            <a:avLst/>
+          </a:prstGeom>
+          <a:noFill/>
+        </p:spPr>
+        <p:txBody>
+          <a:bodyPr wrap="square" rtlCol="0">
+            <a:spAutoFit/>
+          </a:bodyPr>
+          <a:lstStyle/>
+          <a:p>
+            <a:r>
+              <a:rPr lang="en-US" sz="1100" b="1" dirty="0"/>
+              <a:t>Port 8081</a:t>
+            </a:r>
+          </a:p>
+        </p:txBody>
+      </p:sp>
+      <p:cxnSp>
+        <p:nvCxnSpPr>
+          <p:cNvPr id="122" name="Straight Arrow Connector 121">
+            <a:extLst>
+              <a:ext uri="{FF2B5EF4-FFF2-40B4-BE49-F238E27FC236}">
+                <a16:creationId xmlns:a16="http://schemas.microsoft.com/office/drawing/2014/main" id="{BC71E233-4D5E-9C8C-0A4A-DC9FB8052170}"/>
+              </a:ext>
+            </a:extLst>
+          </p:cNvPr>
+          <p:cNvCxnSpPr>
+            <a:cxnSpLocks/>
+            <a:endCxn id="129" idx="0"/>
+          </p:cNvCxnSpPr>
+          <p:nvPr/>
+        </p:nvCxnSpPr>
+        <p:spPr>
+          <a:xfrm>
+            <a:off x="5168912" y="4695792"/>
+            <a:ext cx="0" cy="503760"/>
+          </a:xfrm>
+          <a:prstGeom prst="straightConnector1">
+            <a:avLst/>
+          </a:prstGeom>
+          <a:ln>
+            <a:tailEnd type="triangle"/>
+          </a:ln>
+        </p:spPr>
+        <p:style>
+          <a:lnRef idx="2">
+            <a:schemeClr val="accent1"/>
+          </a:lnRef>
+          <a:fillRef idx="0">
+            <a:schemeClr val="accent1"/>
+          </a:fillRef>
+          <a:effectRef idx="1">
+            <a:schemeClr val="accent1"/>
+          </a:effectRef>
+          <a:fontRef idx="minor">
+            <a:schemeClr val="tx1"/>
+          </a:fontRef>
+        </p:style>
+      </p:cxnSp>
+      <p:sp>
+        <p:nvSpPr>
+          <p:cNvPr id="123" name="TextBox 122">
+            <a:extLst>
+              <a:ext uri="{FF2B5EF4-FFF2-40B4-BE49-F238E27FC236}">
+                <a16:creationId xmlns:a16="http://schemas.microsoft.com/office/drawing/2014/main" id="{93A967AE-9A52-C860-BA93-917E52F12338}"/>
+              </a:ext>
+            </a:extLst>
+          </p:cNvPr>
+          <p:cNvSpPr txBox="1"/>
+          <p:nvPr/>
+        </p:nvSpPr>
+        <p:spPr>
+          <a:xfrm>
+            <a:off x="5138468" y="4922084"/>
+            <a:ext cx="726769" cy="246221"/>
+          </a:xfrm>
+          <a:prstGeom prst="rect">
+            <a:avLst/>
+          </a:prstGeom>
+          <a:noFill/>
+        </p:spPr>
+        <p:txBody>
+          <a:bodyPr wrap="square" rtlCol="0">
+            <a:spAutoFit/>
+          </a:bodyPr>
+          <a:lstStyle/>
+          <a:p>
+            <a:r>
+              <a:rPr lang="en-US" sz="1000" dirty="0">
+                <a:solidFill>
+                  <a:srgbClr val="002060"/>
+                </a:solidFill>
+              </a:rPr>
+              <a:t>Http(s)</a:t>
+            </a:r>
+          </a:p>
+        </p:txBody>
+      </p:sp>
+      <p:sp>
+        <p:nvSpPr>
+          <p:cNvPr id="125" name="Right Brace 124">
+            <a:extLst>
+              <a:ext uri="{FF2B5EF4-FFF2-40B4-BE49-F238E27FC236}">
+                <a16:creationId xmlns:a16="http://schemas.microsoft.com/office/drawing/2014/main" id="{439F7F56-4C34-BD1F-7E20-76C6255F84E5}"/>
+              </a:ext>
+            </a:extLst>
+          </p:cNvPr>
+          <p:cNvSpPr/>
+          <p:nvPr/>
+        </p:nvSpPr>
+        <p:spPr>
+          <a:xfrm rot="5400000">
+            <a:off x="7484704" y="4447747"/>
+            <a:ext cx="219418" cy="1376088"/>
+          </a:xfrm>
+          <a:prstGeom prst="rightBrace">
+            <a:avLst/>
+          </a:prstGeom>
+          <a:ln w="9525">
+            <a:solidFill>
+              <a:schemeClr val="tx1"/>
+            </a:solidFill>
+          </a:ln>
+        </p:spPr>
+        <p:style>
+          <a:lnRef idx="2">
+            <a:schemeClr val="accent1"/>
+          </a:lnRef>
+          <a:fillRef idx="0">
+            <a:schemeClr val="accent1"/>
+          </a:fillRef>
+          <a:effectRef idx="1">
+            <a:schemeClr val="accent1"/>
+          </a:effectRef>
+          <a:fontRef idx="minor">
+            <a:schemeClr val="tx1"/>
+          </a:fontRef>
+        </p:style>
+        <p:txBody>
+          <a:bodyPr rtlCol="0" anchor="ctr"/>
+          <a:lstStyle/>
+          <a:p>
+            <a:pPr algn="ctr"/>
+            <a:endParaRPr lang="en-SG" dirty="0"/>
+          </a:p>
+        </p:txBody>
+      </p:sp>
+      <p:sp>
+        <p:nvSpPr>
+          <p:cNvPr id="126" name="TextBox 125">
+            <a:extLst>
+              <a:ext uri="{FF2B5EF4-FFF2-40B4-BE49-F238E27FC236}">
+                <a16:creationId xmlns:a16="http://schemas.microsoft.com/office/drawing/2014/main" id="{8D16C802-4876-7BD6-9DE9-CB96C03AB1D0}"/>
+              </a:ext>
+            </a:extLst>
+          </p:cNvPr>
+          <p:cNvSpPr txBox="1"/>
+          <p:nvPr/>
+        </p:nvSpPr>
+        <p:spPr>
+          <a:xfrm>
+            <a:off x="6990784" y="5284202"/>
+            <a:ext cx="1595303" cy="261610"/>
+          </a:xfrm>
+          <a:prstGeom prst="rect">
+            <a:avLst/>
+          </a:prstGeom>
+          <a:noFill/>
+        </p:spPr>
+        <p:txBody>
+          <a:bodyPr wrap="square" rtlCol="0">
+            <a:spAutoFit/>
+          </a:bodyPr>
+          <a:lstStyle/>
+          <a:p>
+            <a:r>
+              <a:rPr lang="en-US" sz="1100" b="1" dirty="0">
+                <a:solidFill>
+                  <a:schemeClr val="tx2">
+                    <a:lumMod val="50000"/>
+                    <a:lumOff val="50000"/>
+                  </a:schemeClr>
+                </a:solidFill>
+              </a:rPr>
+              <a:t>OT Honeypot Network</a:t>
+            </a:r>
+          </a:p>
+        </p:txBody>
+      </p:sp>
+      <p:sp>
+        <p:nvSpPr>
+          <p:cNvPr id="128" name="TextBox 127">
+            <a:extLst>
+              <a:ext uri="{FF2B5EF4-FFF2-40B4-BE49-F238E27FC236}">
+                <a16:creationId xmlns:a16="http://schemas.microsoft.com/office/drawing/2014/main" id="{DD9C5FEB-D438-B8AA-03EF-838EF7F309B9}"/>
+              </a:ext>
+            </a:extLst>
+          </p:cNvPr>
+          <p:cNvSpPr txBox="1"/>
+          <p:nvPr/>
+        </p:nvSpPr>
+        <p:spPr>
+          <a:xfrm>
+            <a:off x="3658726" y="4952861"/>
+            <a:ext cx="1128212" cy="430887"/>
+          </a:xfrm>
+          <a:prstGeom prst="rect">
+            <a:avLst/>
+          </a:prstGeom>
+          <a:noFill/>
+        </p:spPr>
+        <p:txBody>
+          <a:bodyPr wrap="square" rtlCol="0">
+            <a:spAutoFit/>
+          </a:bodyPr>
+          <a:lstStyle/>
+          <a:p>
+            <a:r>
+              <a:rPr lang="en-US" sz="1100" b="1" dirty="0">
+                <a:solidFill>
+                  <a:schemeClr val="tx2">
+                    <a:lumMod val="50000"/>
+                    <a:lumOff val="50000"/>
+                  </a:schemeClr>
+                </a:solidFill>
+              </a:rPr>
+              <a:t>Orchestration Network</a:t>
+            </a:r>
+          </a:p>
+        </p:txBody>
+      </p:sp>
+      <p:sp>
+        <p:nvSpPr>
+          <p:cNvPr id="129" name="Rectangle 128">
+            <a:extLst>
+              <a:ext uri="{FF2B5EF4-FFF2-40B4-BE49-F238E27FC236}">
+                <a16:creationId xmlns:a16="http://schemas.microsoft.com/office/drawing/2014/main" id="{058E517F-1D7B-23CC-E28A-B87C5BEBB22A}"/>
+              </a:ext>
+            </a:extLst>
+          </p:cNvPr>
+          <p:cNvSpPr/>
+          <p:nvPr/>
+        </p:nvSpPr>
+        <p:spPr>
+          <a:xfrm>
+            <a:off x="5087885" y="5199552"/>
+            <a:ext cx="162053" cy="181551"/>
+          </a:xfrm>
+          <a:prstGeom prst="rect">
+            <a:avLst/>
+          </a:prstGeom>
+          <a:noFill/>
+          <a:ln w="19050">
+            <a:solidFill>
+              <a:schemeClr val="tx1"/>
+            </a:solidFill>
+          </a:ln>
+        </p:spPr>
+        <p:style>
+          <a:lnRef idx="2">
+            <a:schemeClr val="accent1">
+              <a:shade val="15000"/>
+            </a:schemeClr>
+          </a:lnRef>
+          <a:fillRef idx="1">
+            <a:schemeClr val="accent1"/>
+          </a:fillRef>
+          <a:effectRef idx="0">
+            <a:schemeClr val="accent1"/>
+          </a:effectRef>
+          <a:fontRef idx="minor">
+            <a:schemeClr val="lt1"/>
+          </a:fontRef>
+        </p:style>
+        <p:txBody>
+          <a:bodyPr rtlCol="0" anchor="ctr"/>
+          <a:lstStyle/>
+          <a:p>
+            <a:pPr algn="ctr"/>
+            <a:endParaRPr lang="en-SG" dirty="0"/>
+          </a:p>
+        </p:txBody>
+      </p:sp>
+      <p:sp>
+        <p:nvSpPr>
+          <p:cNvPr id="131" name="TextBox 130">
+            <a:extLst>
+              <a:ext uri="{FF2B5EF4-FFF2-40B4-BE49-F238E27FC236}">
+                <a16:creationId xmlns:a16="http://schemas.microsoft.com/office/drawing/2014/main" id="{A296D551-3D4E-743E-8A6E-4C28689072EA}"/>
+              </a:ext>
+            </a:extLst>
+          </p:cNvPr>
+          <p:cNvSpPr txBox="1"/>
+          <p:nvPr/>
+        </p:nvSpPr>
+        <p:spPr>
+          <a:xfrm>
+            <a:off x="5222693" y="5081096"/>
+            <a:ext cx="878248" cy="261610"/>
+          </a:xfrm>
+          <a:prstGeom prst="rect">
+            <a:avLst/>
+          </a:prstGeom>
+          <a:noFill/>
+        </p:spPr>
+        <p:txBody>
+          <a:bodyPr wrap="square" rtlCol="0">
+            <a:spAutoFit/>
+          </a:bodyPr>
+          <a:lstStyle/>
+          <a:p>
+            <a:r>
+              <a:rPr lang="en-US" sz="1100" b="1" dirty="0"/>
+              <a:t>Port 5000</a:t>
+            </a:r>
+          </a:p>
+        </p:txBody>
+      </p:sp>
+      <p:sp>
+        <p:nvSpPr>
+          <p:cNvPr id="121" name="Rectangle 120">
+            <a:extLst>
+              <a:ext uri="{FF2B5EF4-FFF2-40B4-BE49-F238E27FC236}">
+                <a16:creationId xmlns:a16="http://schemas.microsoft.com/office/drawing/2014/main" id="{7616EB75-D972-9BFF-031D-1AB5A0B53009}"/>
+              </a:ext>
+            </a:extLst>
+          </p:cNvPr>
+          <p:cNvSpPr/>
+          <p:nvPr/>
+        </p:nvSpPr>
+        <p:spPr>
+          <a:xfrm>
+            <a:off x="4403975" y="5305006"/>
+            <a:ext cx="2014876" cy="274934"/>
+          </a:xfrm>
+          <a:prstGeom prst="rect">
+            <a:avLst/>
+          </a:prstGeom>
+          <a:solidFill>
+            <a:schemeClr val="accent2"/>
+          </a:solidFill>
+        </p:spPr>
+        <p:style>
+          <a:lnRef idx="2">
+            <a:schemeClr val="accent1">
+              <a:shade val="50000"/>
+            </a:schemeClr>
+          </a:lnRef>
+          <a:fillRef idx="1">
+            <a:schemeClr val="accent1"/>
+          </a:fillRef>
+          <a:effectRef idx="0">
+            <a:schemeClr val="accent1"/>
+          </a:effectRef>
+          <a:fontRef idx="minor">
+            <a:schemeClr val="lt1"/>
+          </a:fontRef>
+        </p:style>
+        <p:txBody>
+          <a:bodyPr rtlCol="0" anchor="ctr"/>
+          <a:lstStyle/>
+          <a:p>
+            <a:pPr algn="ctr"/>
+            <a:r>
+              <a:rPr lang="en-US" sz="1000" b="1" dirty="0"/>
+              <a:t>Honeypot Monitor VM</a:t>
+            </a:r>
+            <a:endParaRPr lang="en-SG" sz="1000" b="1" dirty="0"/>
+          </a:p>
+        </p:txBody>
+      </p:sp>
+      <p:pic>
+        <p:nvPicPr>
+          <p:cNvPr id="133" name="Picture 132" descr="A close-up of a device&#10;&#10;Description automatically generated">
+            <a:extLst>
+              <a:ext uri="{FF2B5EF4-FFF2-40B4-BE49-F238E27FC236}">
+                <a16:creationId xmlns:a16="http://schemas.microsoft.com/office/drawing/2014/main" id="{B8A08861-9226-DF17-4503-047234FF59CA}"/>
+              </a:ext>
+            </a:extLst>
+          </p:cNvPr>
+          <p:cNvPicPr>
+            <a:picLocks noChangeAspect="1"/>
+          </p:cNvPicPr>
+          <p:nvPr/>
+        </p:nvPicPr>
+        <p:blipFill>
+          <a:blip r:embed="rId9">
+            <a:extLst>
+              <a:ext uri="{28A0092B-C50C-407E-A947-70E740481C1C}">
+                <a14:useLocalDpi xmlns:a14="http://schemas.microsoft.com/office/drawing/2010/main" val="0"/>
+              </a:ext>
+            </a:extLst>
+          </a:blip>
+          <a:stretch>
+            <a:fillRect/>
+          </a:stretch>
+        </p:blipFill>
+        <p:spPr>
+          <a:xfrm>
+            <a:off x="7030099" y="1137570"/>
+            <a:ext cx="944223" cy="944223"/>
+          </a:xfrm>
+          <a:prstGeom prst="rect">
+            <a:avLst/>
+          </a:prstGeom>
+        </p:spPr>
+      </p:pic>
+      <p:sp>
+        <p:nvSpPr>
+          <p:cNvPr id="136" name="TextBox 135">
+            <a:extLst>
+              <a:ext uri="{FF2B5EF4-FFF2-40B4-BE49-F238E27FC236}">
+                <a16:creationId xmlns:a16="http://schemas.microsoft.com/office/drawing/2014/main" id="{AA157DD0-ABAE-1E0F-1808-643101B88229}"/>
+              </a:ext>
+            </a:extLst>
+          </p:cNvPr>
+          <p:cNvSpPr txBox="1"/>
+          <p:nvPr/>
+        </p:nvSpPr>
+        <p:spPr>
+          <a:xfrm>
+            <a:off x="1558884" y="1129889"/>
+            <a:ext cx="3803766" cy="369332"/>
+          </a:xfrm>
+          <a:prstGeom prst="rect">
+            <a:avLst/>
+          </a:prstGeom>
+          <a:noFill/>
+          <a:ln w="12700">
+            <a:solidFill>
+              <a:schemeClr val="tx1"/>
+            </a:solidFill>
+            <a:prstDash val="sysDash"/>
+          </a:ln>
+        </p:spPr>
+        <p:txBody>
+          <a:bodyPr wrap="square">
+            <a:spAutoFit/>
+          </a:bodyPr>
+          <a:lstStyle/>
+          <a:p>
+            <a:r>
+              <a:rPr lang="en-US" b="1" dirty="0"/>
+              <a:t>Design of Honeypot PLC Emulator</a:t>
+            </a:r>
+            <a:endParaRPr lang="en-SG" b="1" dirty="0"/>
+          </a:p>
+        </p:txBody>
+      </p:sp>
+    </p:spTree>
+    <p:extLst>
+      <p:ext uri="{BB962C8B-B14F-4D97-AF65-F5344CB8AC3E}">
+        <p14:creationId xmlns:p14="http://schemas.microsoft.com/office/powerpoint/2010/main" val="1535428184"/>
+      </p:ext>
+    </p:extLst>
+  </p:cSld>
+  <p:clrMapOvr>
+    <a:masterClrMapping/>
+  </p:clrMapOvr>
+</p:sld>
+</file>
+
+<file path=ppt/slides/slide5.xml><?xml version="1.0" encoding="utf-8"?>
+<p:sld xmlns:a="http://schemas.openxmlformats.org/drawingml/2006/main" xmlns:r="http://schemas.openxmlformats.org/officeDocument/2006/relationships" xmlns:p="http://schemas.openxmlformats.org/presentationml/2006/main">
+  <p:cSld>
+    <p:spTree>
+      <p:nvGrpSpPr>
+        <p:cNvPr id="1" name=""/>
+        <p:cNvGrpSpPr/>
+        <p:nvPr/>
+      </p:nvGrpSpPr>
+      <p:grpSpPr>
+        <a:xfrm>
+          <a:off x="0" y="0"/>
+          <a:ext cx="0" cy="0"/>
+          <a:chOff x="0" y="0"/>
+          <a:chExt cx="0" cy="0"/>
+        </a:xfrm>
+      </p:grpSpPr>
+      <p:sp>
+        <p:nvSpPr>
+          <p:cNvPr id="4" name="Rectangle 3">
+            <a:extLst>
+              <a:ext uri="{FF2B5EF4-FFF2-40B4-BE49-F238E27FC236}">
+                <a16:creationId xmlns:a16="http://schemas.microsoft.com/office/drawing/2014/main" id="{7B378101-8486-7A4D-F32E-956A3397F456}"/>
+              </a:ext>
+            </a:extLst>
+          </p:cNvPr>
+          <p:cNvSpPr/>
+          <p:nvPr/>
+        </p:nvSpPr>
+        <p:spPr>
+          <a:xfrm>
+            <a:off x="931651" y="650946"/>
+            <a:ext cx="2066027" cy="1350382"/>
+          </a:xfrm>
+          <a:prstGeom prst="rect">
+            <a:avLst/>
+          </a:prstGeom>
+          <a:ln>
+            <a:prstDash val="sysDash"/>
+          </a:ln>
+        </p:spPr>
+        <p:style>
+          <a:lnRef idx="2">
+            <a:schemeClr val="accent6"/>
+          </a:lnRef>
+          <a:fillRef idx="1">
+            <a:schemeClr val="lt1"/>
+          </a:fillRef>
+          <a:effectRef idx="0">
+            <a:schemeClr val="accent6"/>
+          </a:effectRef>
+          <a:fontRef idx="minor">
+            <a:schemeClr val="dk1"/>
+          </a:fontRef>
+        </p:style>
+        <p:txBody>
+          <a:bodyPr rtlCol="0" anchor="ctr"/>
+          <a:lstStyle/>
+          <a:p>
+            <a:pPr algn="ctr"/>
+            <a:endParaRPr lang="en-SG"/>
+          </a:p>
+        </p:txBody>
+      </p:sp>
+      <p:sp>
+        <p:nvSpPr>
+          <p:cNvPr id="5" name="TextBox 4">
+            <a:extLst>
+              <a:ext uri="{FF2B5EF4-FFF2-40B4-BE49-F238E27FC236}">
+                <a16:creationId xmlns:a16="http://schemas.microsoft.com/office/drawing/2014/main" id="{807CB705-FDE0-E71D-F2E5-0C260C77EC7A}"/>
+              </a:ext>
+            </a:extLst>
+          </p:cNvPr>
+          <p:cNvSpPr txBox="1"/>
+          <p:nvPr/>
+        </p:nvSpPr>
+        <p:spPr>
+          <a:xfrm>
+            <a:off x="924423" y="650946"/>
+            <a:ext cx="1742537" cy="276999"/>
+          </a:xfrm>
+          <a:prstGeom prst="rect">
+            <a:avLst/>
+          </a:prstGeom>
+          <a:noFill/>
+        </p:spPr>
+        <p:txBody>
+          <a:bodyPr wrap="square" rtlCol="0">
+            <a:spAutoFit/>
+          </a:bodyPr>
+          <a:lstStyle/>
+          <a:p>
+            <a:r>
+              <a:rPr lang="en-US" sz="1200" b="1" dirty="0"/>
+              <a:t>PLC Controller VM</a:t>
+            </a:r>
+            <a:endParaRPr lang="en-SG" sz="1200" b="1" dirty="0"/>
+          </a:p>
+        </p:txBody>
+      </p:sp>
+      <p:pic>
+        <p:nvPicPr>
+          <p:cNvPr id="7" name="Picture 2" descr="PLC Ladder Simulator - Apps on Google Play">
+            <a:extLst>
+              <a:ext uri="{FF2B5EF4-FFF2-40B4-BE49-F238E27FC236}">
+                <a16:creationId xmlns:a16="http://schemas.microsoft.com/office/drawing/2014/main" id="{0FC2C1E5-2702-ABB2-C7C0-D9C01395D363}"/>
+              </a:ext>
+            </a:extLst>
+          </p:cNvPr>
+          <p:cNvPicPr>
+            <a:picLocks noChangeAspect="1" noChangeArrowheads="1"/>
+          </p:cNvPicPr>
+          <p:nvPr/>
+        </p:nvPicPr>
+        <p:blipFill>
+          <a:blip r:embed="rId2">
+            <a:extLst>
+              <a:ext uri="{28A0092B-C50C-407E-A947-70E740481C1C}">
+                <a14:useLocalDpi xmlns:a14="http://schemas.microsoft.com/office/drawing/2010/main" val="0"/>
+              </a:ext>
+            </a:extLst>
+          </a:blip>
+          <a:srcRect/>
+          <a:stretch>
+            <a:fillRect/>
+          </a:stretch>
+        </p:blipFill>
+        <p:spPr bwMode="auto">
+          <a:xfrm>
+            <a:off x="1081653" y="878661"/>
+            <a:ext cx="384848" cy="384848"/>
+          </a:xfrm>
+          <a:prstGeom prst="rect">
+            <a:avLst/>
+          </a:prstGeom>
+          <a:noFill/>
+          <a:extLst>
+            <a:ext uri="{909E8E84-426E-40DD-AFC4-6F175D3DCCD1}">
+              <a14:hiddenFill xmlns:a14="http://schemas.microsoft.com/office/drawing/2010/main">
+                <a:solidFill>
+                  <a:srgbClr val="FFFFFF"/>
+                </a:solidFill>
+              </a14:hiddenFill>
+            </a:ext>
+          </a:extLst>
+        </p:spPr>
+      </p:pic>
+      <p:pic>
+        <p:nvPicPr>
+          <p:cNvPr id="9" name="Picture 8">
+            <a:extLst>
+              <a:ext uri="{FF2B5EF4-FFF2-40B4-BE49-F238E27FC236}">
+                <a16:creationId xmlns:a16="http://schemas.microsoft.com/office/drawing/2014/main" id="{7A017A6E-B398-C56D-E31B-D7AB1DF3C9CD}"/>
+              </a:ext>
+            </a:extLst>
+          </p:cNvPr>
+          <p:cNvPicPr>
+            <a:picLocks noChangeAspect="1"/>
+          </p:cNvPicPr>
+          <p:nvPr/>
+        </p:nvPicPr>
+        <p:blipFill>
+          <a:blip r:embed="rId3"/>
+          <a:stretch>
+            <a:fillRect/>
+          </a:stretch>
+        </p:blipFill>
+        <p:spPr>
+          <a:xfrm>
+            <a:off x="2107250" y="844701"/>
+            <a:ext cx="358792" cy="448489"/>
+          </a:xfrm>
+          <a:prstGeom prst="rect">
+            <a:avLst/>
+          </a:prstGeom>
+        </p:spPr>
+      </p:pic>
+      <p:sp>
+        <p:nvSpPr>
+          <p:cNvPr id="10" name="TextBox 9">
+            <a:extLst>
+              <a:ext uri="{FF2B5EF4-FFF2-40B4-BE49-F238E27FC236}">
+                <a16:creationId xmlns:a16="http://schemas.microsoft.com/office/drawing/2014/main" id="{C7F7D4E3-3F74-135C-A513-9C36C2C3F5E7}"/>
+              </a:ext>
+            </a:extLst>
+          </p:cNvPr>
+          <p:cNvSpPr txBox="1"/>
+          <p:nvPr/>
+        </p:nvSpPr>
+        <p:spPr>
+          <a:xfrm>
+            <a:off x="1466501" y="804112"/>
+            <a:ext cx="793497" cy="553998"/>
+          </a:xfrm>
+          <a:prstGeom prst="rect">
+            <a:avLst/>
+          </a:prstGeom>
+          <a:noFill/>
+        </p:spPr>
+        <p:txBody>
+          <a:bodyPr wrap="square" rtlCol="0">
+            <a:spAutoFit/>
+          </a:bodyPr>
+          <a:lstStyle/>
+          <a:p>
+            <a:r>
+              <a:rPr lang="en-US" sz="1000" dirty="0"/>
+              <a:t>Ladder logic module </a:t>
+            </a:r>
+          </a:p>
+        </p:txBody>
+      </p:sp>
+      <p:sp>
+        <p:nvSpPr>
+          <p:cNvPr id="11" name="TextBox 10">
+            <a:extLst>
+              <a:ext uri="{FF2B5EF4-FFF2-40B4-BE49-F238E27FC236}">
+                <a16:creationId xmlns:a16="http://schemas.microsoft.com/office/drawing/2014/main" id="{EF14A4F8-AFA6-5EF4-B720-DE887EBF15E8}"/>
+              </a:ext>
+            </a:extLst>
+          </p:cNvPr>
+          <p:cNvSpPr txBox="1"/>
+          <p:nvPr/>
+        </p:nvSpPr>
+        <p:spPr>
+          <a:xfrm>
+            <a:off x="2412588" y="801293"/>
+            <a:ext cx="585090" cy="400110"/>
+          </a:xfrm>
+          <a:prstGeom prst="rect">
+            <a:avLst/>
+          </a:prstGeom>
+          <a:noFill/>
+        </p:spPr>
+        <p:txBody>
+          <a:bodyPr wrap="square" rtlCol="0">
+            <a:spAutoFit/>
+          </a:bodyPr>
+          <a:lstStyle/>
+          <a:p>
+            <a:r>
+              <a:rPr lang="en-US" sz="1000" dirty="0"/>
+              <a:t>Config File</a:t>
+            </a:r>
+          </a:p>
+        </p:txBody>
+      </p:sp>
+      <p:sp>
+        <p:nvSpPr>
+          <p:cNvPr id="12" name="Rectangle 11">
+            <a:extLst>
+              <a:ext uri="{FF2B5EF4-FFF2-40B4-BE49-F238E27FC236}">
+                <a16:creationId xmlns:a16="http://schemas.microsoft.com/office/drawing/2014/main" id="{E005A61F-D48C-B24D-3CAE-C6742A8ED685}"/>
+              </a:ext>
+            </a:extLst>
+          </p:cNvPr>
+          <p:cNvSpPr/>
+          <p:nvPr/>
+        </p:nvSpPr>
+        <p:spPr>
+          <a:xfrm>
+            <a:off x="1081654" y="1506360"/>
+            <a:ext cx="1739175" cy="382825"/>
+          </a:xfrm>
+          <a:prstGeom prst="rect">
+            <a:avLst/>
+          </a:prstGeom>
+          <a:solidFill>
+            <a:schemeClr val="accent2"/>
+          </a:solidFill>
+        </p:spPr>
+        <p:style>
+          <a:lnRef idx="2">
+            <a:schemeClr val="accent1">
+              <a:shade val="50000"/>
+            </a:schemeClr>
+          </a:lnRef>
+          <a:fillRef idx="1">
+            <a:schemeClr val="accent1"/>
+          </a:fillRef>
+          <a:effectRef idx="0">
+            <a:schemeClr val="accent1"/>
+          </a:effectRef>
+          <a:fontRef idx="minor">
+            <a:schemeClr val="lt1"/>
+          </a:fontRef>
+        </p:style>
+        <p:txBody>
+          <a:bodyPr rtlCol="0" anchor="ctr"/>
+          <a:lstStyle/>
+          <a:p>
+            <a:pPr algn="ctr"/>
+            <a:r>
+              <a:rPr lang="en-US" sz="1050" b="1" dirty="0"/>
+              <a:t>PLC Controller Program (Modbus-TCP)</a:t>
+            </a:r>
+            <a:endParaRPr lang="en-SG" sz="1050" b="1" dirty="0"/>
+          </a:p>
+        </p:txBody>
+      </p:sp>
+      <p:cxnSp>
+        <p:nvCxnSpPr>
+          <p:cNvPr id="14" name="Straight Arrow Connector 13">
+            <a:extLst>
+              <a:ext uri="{FF2B5EF4-FFF2-40B4-BE49-F238E27FC236}">
+                <a16:creationId xmlns:a16="http://schemas.microsoft.com/office/drawing/2014/main" id="{CAA35FB4-0CD3-08E7-E3D3-703C44C1642C}"/>
+              </a:ext>
+            </a:extLst>
+          </p:cNvPr>
+          <p:cNvCxnSpPr>
+            <a:stCxn id="7" idx="2"/>
+          </p:cNvCxnSpPr>
+          <p:nvPr/>
+        </p:nvCxnSpPr>
+        <p:spPr>
+          <a:xfrm>
+            <a:off x="1274077" y="1263509"/>
+            <a:ext cx="0" cy="242852"/>
+          </a:xfrm>
+          <a:prstGeom prst="straightConnector1">
+            <a:avLst/>
+          </a:prstGeom>
+          <a:ln>
+            <a:tailEnd type="triangle"/>
+          </a:ln>
+        </p:spPr>
+        <p:style>
+          <a:lnRef idx="2">
+            <a:schemeClr val="accent1"/>
+          </a:lnRef>
+          <a:fillRef idx="0">
+            <a:schemeClr val="accent1"/>
+          </a:fillRef>
+          <a:effectRef idx="1">
+            <a:schemeClr val="accent1"/>
+          </a:effectRef>
+          <a:fontRef idx="minor">
+            <a:schemeClr val="tx1"/>
+          </a:fontRef>
+        </p:style>
+      </p:cxnSp>
+      <p:cxnSp>
+        <p:nvCxnSpPr>
+          <p:cNvPr id="16" name="Straight Arrow Connector 15">
+            <a:extLst>
+              <a:ext uri="{FF2B5EF4-FFF2-40B4-BE49-F238E27FC236}">
+                <a16:creationId xmlns:a16="http://schemas.microsoft.com/office/drawing/2014/main" id="{54D5F96B-AA76-AE9F-0027-B15D0A65EB87}"/>
+              </a:ext>
+            </a:extLst>
+          </p:cNvPr>
+          <p:cNvCxnSpPr>
+            <a:cxnSpLocks/>
+          </p:cNvCxnSpPr>
+          <p:nvPr/>
+        </p:nvCxnSpPr>
+        <p:spPr>
+          <a:xfrm flipH="1">
+            <a:off x="2305403" y="1296457"/>
+            <a:ext cx="0" cy="194208"/>
+          </a:xfrm>
+          <a:prstGeom prst="straightConnector1">
+            <a:avLst/>
+          </a:prstGeom>
+          <a:ln>
+            <a:tailEnd type="triangle"/>
+          </a:ln>
+        </p:spPr>
+        <p:style>
+          <a:lnRef idx="2">
+            <a:schemeClr val="accent1"/>
+          </a:lnRef>
+          <a:fillRef idx="0">
+            <a:schemeClr val="accent1"/>
+          </a:fillRef>
+          <a:effectRef idx="1">
+            <a:schemeClr val="accent1"/>
+          </a:effectRef>
+          <a:fontRef idx="minor">
+            <a:schemeClr val="tx1"/>
+          </a:fontRef>
+        </p:style>
+      </p:cxnSp>
+      <p:cxnSp>
+        <p:nvCxnSpPr>
+          <p:cNvPr id="20" name="Straight Arrow Connector 19">
+            <a:extLst>
+              <a:ext uri="{FF2B5EF4-FFF2-40B4-BE49-F238E27FC236}">
+                <a16:creationId xmlns:a16="http://schemas.microsoft.com/office/drawing/2014/main" id="{392C7F58-F58D-8553-6913-CD2CD20BBA2A}"/>
+              </a:ext>
+            </a:extLst>
+          </p:cNvPr>
+          <p:cNvCxnSpPr>
+            <a:cxnSpLocks/>
+            <a:stCxn id="12" idx="3"/>
+          </p:cNvCxnSpPr>
+          <p:nvPr/>
+        </p:nvCxnSpPr>
+        <p:spPr>
+          <a:xfrm>
+            <a:off x="2820829" y="1697773"/>
+            <a:ext cx="585090" cy="0"/>
+          </a:xfrm>
+          <a:prstGeom prst="straightConnector1">
+            <a:avLst/>
+          </a:prstGeom>
+          <a:ln>
+            <a:solidFill>
+              <a:srgbClr val="00B050"/>
+            </a:solidFill>
+            <a:headEnd type="triangle"/>
+            <a:tailEnd type="triangle"/>
+          </a:ln>
+        </p:spPr>
+        <p:style>
+          <a:lnRef idx="2">
+            <a:schemeClr val="accent1"/>
+          </a:lnRef>
+          <a:fillRef idx="0">
+            <a:schemeClr val="accent1"/>
+          </a:fillRef>
+          <a:effectRef idx="1">
+            <a:schemeClr val="accent1"/>
+          </a:effectRef>
+          <a:fontRef idx="minor">
+            <a:schemeClr val="tx1"/>
+          </a:fontRef>
+        </p:style>
+      </p:cxnSp>
+      <p:sp>
+        <p:nvSpPr>
+          <p:cNvPr id="22" name="Rectangle 21">
+            <a:extLst>
+              <a:ext uri="{FF2B5EF4-FFF2-40B4-BE49-F238E27FC236}">
+                <a16:creationId xmlns:a16="http://schemas.microsoft.com/office/drawing/2014/main" id="{AC9B41A8-5C55-63CB-702B-AA49C3459167}"/>
+              </a:ext>
+            </a:extLst>
+          </p:cNvPr>
+          <p:cNvSpPr/>
+          <p:nvPr/>
+        </p:nvSpPr>
+        <p:spPr>
+          <a:xfrm>
+            <a:off x="3405919" y="1560159"/>
+            <a:ext cx="1078873" cy="344574"/>
+          </a:xfrm>
+          <a:prstGeom prst="rect">
+            <a:avLst/>
+          </a:prstGeom>
+        </p:spPr>
+        <p:style>
+          <a:lnRef idx="2">
+            <a:schemeClr val="accent1">
+              <a:shade val="50000"/>
+            </a:schemeClr>
+          </a:lnRef>
+          <a:fillRef idx="1">
+            <a:schemeClr val="accent1"/>
+          </a:fillRef>
+          <a:effectRef idx="0">
+            <a:schemeClr val="accent1"/>
+          </a:effectRef>
+          <a:fontRef idx="minor">
+            <a:schemeClr val="lt1"/>
+          </a:fontRef>
+        </p:style>
+        <p:txBody>
+          <a:bodyPr rtlCol="0" anchor="ctr"/>
+          <a:lstStyle/>
+          <a:p>
+            <a:pPr algn="ctr"/>
+            <a:r>
+              <a:rPr lang="en-US" sz="1000" b="1" dirty="0"/>
+              <a:t>PLC Emulator VM</a:t>
+            </a:r>
+            <a:endParaRPr lang="en-SG" sz="1000" b="1" dirty="0"/>
+          </a:p>
+        </p:txBody>
+      </p:sp>
+      <p:sp>
+        <p:nvSpPr>
+          <p:cNvPr id="23" name="Rectangle 22">
+            <a:extLst>
+              <a:ext uri="{FF2B5EF4-FFF2-40B4-BE49-F238E27FC236}">
+                <a16:creationId xmlns:a16="http://schemas.microsoft.com/office/drawing/2014/main" id="{3D3567C8-89CC-EAB6-D306-28E651291F68}"/>
+              </a:ext>
+            </a:extLst>
+          </p:cNvPr>
+          <p:cNvSpPr/>
+          <p:nvPr/>
+        </p:nvSpPr>
+        <p:spPr>
+          <a:xfrm>
+            <a:off x="5440390" y="650946"/>
+            <a:ext cx="2066027" cy="1350382"/>
+          </a:xfrm>
+          <a:prstGeom prst="rect">
+            <a:avLst/>
+          </a:prstGeom>
+          <a:ln>
+            <a:prstDash val="sysDash"/>
+          </a:ln>
+        </p:spPr>
+        <p:style>
+          <a:lnRef idx="2">
+            <a:schemeClr val="accent6"/>
+          </a:lnRef>
+          <a:fillRef idx="1">
+            <a:schemeClr val="lt1"/>
+          </a:fillRef>
+          <a:effectRef idx="0">
+            <a:schemeClr val="accent6"/>
+          </a:effectRef>
+          <a:fontRef idx="minor">
+            <a:schemeClr val="dk1"/>
+          </a:fontRef>
+        </p:style>
+        <p:txBody>
+          <a:bodyPr rtlCol="0" anchor="ctr"/>
+          <a:lstStyle/>
+          <a:p>
+            <a:pPr algn="ctr"/>
+            <a:endParaRPr lang="en-SG"/>
+          </a:p>
+        </p:txBody>
+      </p:sp>
+      <p:sp>
+        <p:nvSpPr>
+          <p:cNvPr id="24" name="TextBox 23">
+            <a:extLst>
+              <a:ext uri="{FF2B5EF4-FFF2-40B4-BE49-F238E27FC236}">
+                <a16:creationId xmlns:a16="http://schemas.microsoft.com/office/drawing/2014/main" id="{9257CFB1-F6B0-032E-CC9A-48E292B028F4}"/>
+              </a:ext>
+            </a:extLst>
+          </p:cNvPr>
+          <p:cNvSpPr txBox="1"/>
+          <p:nvPr/>
+        </p:nvSpPr>
+        <p:spPr>
+          <a:xfrm>
+            <a:off x="5433162" y="650946"/>
+            <a:ext cx="1742537" cy="276999"/>
+          </a:xfrm>
+          <a:prstGeom prst="rect">
+            <a:avLst/>
+          </a:prstGeom>
+          <a:noFill/>
+        </p:spPr>
+        <p:txBody>
+          <a:bodyPr wrap="square" rtlCol="0">
+            <a:spAutoFit/>
+          </a:bodyPr>
+          <a:lstStyle/>
+          <a:p>
+            <a:r>
+              <a:rPr lang="en-US" sz="1200" b="1" dirty="0"/>
+              <a:t>PLC Controller VM</a:t>
+            </a:r>
+            <a:endParaRPr lang="en-SG" sz="1200" b="1" dirty="0"/>
+          </a:p>
+        </p:txBody>
+      </p:sp>
+      <p:pic>
+        <p:nvPicPr>
+          <p:cNvPr id="25" name="Picture 2" descr="PLC Ladder Simulator - Apps on Google Play">
+            <a:extLst>
+              <a:ext uri="{FF2B5EF4-FFF2-40B4-BE49-F238E27FC236}">
+                <a16:creationId xmlns:a16="http://schemas.microsoft.com/office/drawing/2014/main" id="{F1844AEE-4C57-35DD-670F-4C83DD63A6E0}"/>
+              </a:ext>
+            </a:extLst>
+          </p:cNvPr>
+          <p:cNvPicPr>
+            <a:picLocks noChangeAspect="1" noChangeArrowheads="1"/>
+          </p:cNvPicPr>
+          <p:nvPr/>
+        </p:nvPicPr>
+        <p:blipFill>
+          <a:blip r:embed="rId2">
+            <a:extLst>
+              <a:ext uri="{28A0092B-C50C-407E-A947-70E740481C1C}">
+                <a14:useLocalDpi xmlns:a14="http://schemas.microsoft.com/office/drawing/2010/main" val="0"/>
+              </a:ext>
+            </a:extLst>
+          </a:blip>
+          <a:srcRect/>
+          <a:stretch>
+            <a:fillRect/>
+          </a:stretch>
+        </p:blipFill>
+        <p:spPr bwMode="auto">
+          <a:xfrm>
+            <a:off x="5590392" y="878661"/>
+            <a:ext cx="384848" cy="384848"/>
+          </a:xfrm>
+          <a:prstGeom prst="rect">
+            <a:avLst/>
+          </a:prstGeom>
+          <a:noFill/>
+          <a:extLst>
+            <a:ext uri="{909E8E84-426E-40DD-AFC4-6F175D3DCCD1}">
+              <a14:hiddenFill xmlns:a14="http://schemas.microsoft.com/office/drawing/2010/main">
+                <a:solidFill>
+                  <a:srgbClr val="FFFFFF"/>
+                </a:solidFill>
+              </a14:hiddenFill>
+            </a:ext>
+          </a:extLst>
+        </p:spPr>
+      </p:pic>
+      <p:pic>
+        <p:nvPicPr>
+          <p:cNvPr id="26" name="Picture 25">
+            <a:extLst>
+              <a:ext uri="{FF2B5EF4-FFF2-40B4-BE49-F238E27FC236}">
+                <a16:creationId xmlns:a16="http://schemas.microsoft.com/office/drawing/2014/main" id="{03B9401C-8D0A-35E2-78CD-2BD6A32FF016}"/>
+              </a:ext>
+            </a:extLst>
+          </p:cNvPr>
+          <p:cNvPicPr>
+            <a:picLocks noChangeAspect="1"/>
+          </p:cNvPicPr>
+          <p:nvPr/>
+        </p:nvPicPr>
+        <p:blipFill>
+          <a:blip r:embed="rId3"/>
+          <a:stretch>
+            <a:fillRect/>
+          </a:stretch>
+        </p:blipFill>
+        <p:spPr>
+          <a:xfrm>
+            <a:off x="6615989" y="844701"/>
+            <a:ext cx="358792" cy="448489"/>
+          </a:xfrm>
+          <a:prstGeom prst="rect">
+            <a:avLst/>
+          </a:prstGeom>
+        </p:spPr>
+      </p:pic>
+      <p:sp>
+        <p:nvSpPr>
+          <p:cNvPr id="27" name="TextBox 26">
+            <a:extLst>
+              <a:ext uri="{FF2B5EF4-FFF2-40B4-BE49-F238E27FC236}">
+                <a16:creationId xmlns:a16="http://schemas.microsoft.com/office/drawing/2014/main" id="{C63F2DF5-86E2-9D42-3701-1150B7776FFC}"/>
+              </a:ext>
+            </a:extLst>
+          </p:cNvPr>
+          <p:cNvSpPr txBox="1"/>
+          <p:nvPr/>
+        </p:nvSpPr>
+        <p:spPr>
+          <a:xfrm>
+            <a:off x="5975240" y="804112"/>
+            <a:ext cx="793497" cy="553998"/>
+          </a:xfrm>
+          <a:prstGeom prst="rect">
+            <a:avLst/>
+          </a:prstGeom>
+          <a:noFill/>
+        </p:spPr>
+        <p:txBody>
+          <a:bodyPr wrap="square" rtlCol="0">
+            <a:spAutoFit/>
+          </a:bodyPr>
+          <a:lstStyle/>
+          <a:p>
+            <a:r>
+              <a:rPr lang="en-US" sz="1000" dirty="0"/>
+              <a:t>Ladder logic module </a:t>
+            </a:r>
+          </a:p>
+        </p:txBody>
+      </p:sp>
+      <p:sp>
+        <p:nvSpPr>
+          <p:cNvPr id="28" name="TextBox 27">
+            <a:extLst>
+              <a:ext uri="{FF2B5EF4-FFF2-40B4-BE49-F238E27FC236}">
+                <a16:creationId xmlns:a16="http://schemas.microsoft.com/office/drawing/2014/main" id="{6A2DE669-9FC4-4751-3C9C-F393265C4E31}"/>
+              </a:ext>
+            </a:extLst>
+          </p:cNvPr>
+          <p:cNvSpPr txBox="1"/>
+          <p:nvPr/>
+        </p:nvSpPr>
+        <p:spPr>
+          <a:xfrm>
+            <a:off x="6921327" y="801293"/>
+            <a:ext cx="585090" cy="400110"/>
+          </a:xfrm>
+          <a:prstGeom prst="rect">
+            <a:avLst/>
+          </a:prstGeom>
+          <a:noFill/>
+        </p:spPr>
+        <p:txBody>
+          <a:bodyPr wrap="square" rtlCol="0">
+            <a:spAutoFit/>
+          </a:bodyPr>
+          <a:lstStyle/>
+          <a:p>
+            <a:r>
+              <a:rPr lang="en-US" sz="1000" dirty="0"/>
+              <a:t>Config File</a:t>
+            </a:r>
+          </a:p>
+        </p:txBody>
+      </p:sp>
+      <p:sp>
+        <p:nvSpPr>
+          <p:cNvPr id="29" name="Rectangle 28">
+            <a:extLst>
+              <a:ext uri="{FF2B5EF4-FFF2-40B4-BE49-F238E27FC236}">
+                <a16:creationId xmlns:a16="http://schemas.microsoft.com/office/drawing/2014/main" id="{B77A862A-8072-4DC9-4695-93BB9D3EA03C}"/>
+              </a:ext>
+            </a:extLst>
+          </p:cNvPr>
+          <p:cNvSpPr/>
+          <p:nvPr/>
+        </p:nvSpPr>
+        <p:spPr>
+          <a:xfrm>
+            <a:off x="5590393" y="1506360"/>
+            <a:ext cx="1739175" cy="382825"/>
+          </a:xfrm>
+          <a:prstGeom prst="rect">
+            <a:avLst/>
+          </a:prstGeom>
+          <a:solidFill>
+            <a:schemeClr val="accent2"/>
+          </a:solidFill>
+        </p:spPr>
+        <p:style>
+          <a:lnRef idx="2">
+            <a:schemeClr val="accent1">
+              <a:shade val="50000"/>
+            </a:schemeClr>
+          </a:lnRef>
+          <a:fillRef idx="1">
+            <a:schemeClr val="accent1"/>
+          </a:fillRef>
+          <a:effectRef idx="0">
+            <a:schemeClr val="accent1"/>
+          </a:effectRef>
+          <a:fontRef idx="minor">
+            <a:schemeClr val="lt1"/>
+          </a:fontRef>
+        </p:style>
+        <p:txBody>
+          <a:bodyPr rtlCol="0" anchor="ctr"/>
+          <a:lstStyle/>
+          <a:p>
+            <a:pPr algn="ctr"/>
+            <a:r>
+              <a:rPr lang="en-US" sz="1050" b="1" dirty="0"/>
+              <a:t>PLC Controller Program (Modbus-TCP)</a:t>
+            </a:r>
+            <a:endParaRPr lang="en-SG" sz="1050" b="1" dirty="0"/>
+          </a:p>
+        </p:txBody>
+      </p:sp>
+      <p:cxnSp>
+        <p:nvCxnSpPr>
+          <p:cNvPr id="30" name="Straight Arrow Connector 29">
+            <a:extLst>
+              <a:ext uri="{FF2B5EF4-FFF2-40B4-BE49-F238E27FC236}">
+                <a16:creationId xmlns:a16="http://schemas.microsoft.com/office/drawing/2014/main" id="{4DF447C3-20D7-7DAA-0506-CB8AFBE1BC1B}"/>
+              </a:ext>
+            </a:extLst>
+          </p:cNvPr>
+          <p:cNvCxnSpPr>
+            <a:stCxn id="25" idx="2"/>
+          </p:cNvCxnSpPr>
+          <p:nvPr/>
+        </p:nvCxnSpPr>
+        <p:spPr>
+          <a:xfrm>
+            <a:off x="5782816" y="1263509"/>
+            <a:ext cx="0" cy="242852"/>
+          </a:xfrm>
+          <a:prstGeom prst="straightConnector1">
+            <a:avLst/>
+          </a:prstGeom>
+          <a:ln>
+            <a:tailEnd type="triangle"/>
+          </a:ln>
+        </p:spPr>
+        <p:style>
+          <a:lnRef idx="2">
+            <a:schemeClr val="accent1"/>
+          </a:lnRef>
+          <a:fillRef idx="0">
+            <a:schemeClr val="accent1"/>
+          </a:fillRef>
+          <a:effectRef idx="1">
+            <a:schemeClr val="accent1"/>
+          </a:effectRef>
+          <a:fontRef idx="minor">
+            <a:schemeClr val="tx1"/>
+          </a:fontRef>
+        </p:style>
+      </p:cxnSp>
+      <p:cxnSp>
+        <p:nvCxnSpPr>
+          <p:cNvPr id="31" name="Straight Arrow Connector 30">
+            <a:extLst>
+              <a:ext uri="{FF2B5EF4-FFF2-40B4-BE49-F238E27FC236}">
+                <a16:creationId xmlns:a16="http://schemas.microsoft.com/office/drawing/2014/main" id="{58E0E836-417C-B2DC-4C1C-AB001D09E5B9}"/>
+              </a:ext>
+            </a:extLst>
+          </p:cNvPr>
+          <p:cNvCxnSpPr>
+            <a:cxnSpLocks/>
+          </p:cNvCxnSpPr>
+          <p:nvPr/>
+        </p:nvCxnSpPr>
+        <p:spPr>
+          <a:xfrm flipH="1">
+            <a:off x="6814142" y="1296457"/>
+            <a:ext cx="0" cy="194208"/>
+          </a:xfrm>
+          <a:prstGeom prst="straightConnector1">
+            <a:avLst/>
+          </a:prstGeom>
+          <a:ln>
+            <a:tailEnd type="triangle"/>
+          </a:ln>
+        </p:spPr>
+        <p:style>
+          <a:lnRef idx="2">
+            <a:schemeClr val="accent1"/>
+          </a:lnRef>
+          <a:fillRef idx="0">
+            <a:schemeClr val="accent1"/>
+          </a:fillRef>
+          <a:effectRef idx="1">
+            <a:schemeClr val="accent1"/>
+          </a:effectRef>
+          <a:fontRef idx="minor">
+            <a:schemeClr val="tx1"/>
+          </a:fontRef>
+        </p:style>
+      </p:cxnSp>
+      <p:cxnSp>
+        <p:nvCxnSpPr>
+          <p:cNvPr id="32" name="Straight Arrow Connector 31">
+            <a:extLst>
+              <a:ext uri="{FF2B5EF4-FFF2-40B4-BE49-F238E27FC236}">
+                <a16:creationId xmlns:a16="http://schemas.microsoft.com/office/drawing/2014/main" id="{A399D873-F65C-FC1D-00A0-32A5687967B4}"/>
+              </a:ext>
+            </a:extLst>
+          </p:cNvPr>
+          <p:cNvCxnSpPr>
+            <a:cxnSpLocks/>
+            <a:stCxn id="29" idx="3"/>
+            <a:endCxn id="33" idx="1"/>
+          </p:cNvCxnSpPr>
+          <p:nvPr/>
+        </p:nvCxnSpPr>
+        <p:spPr>
+          <a:xfrm flipV="1">
+            <a:off x="7329568" y="812151"/>
+            <a:ext cx="733092" cy="885622"/>
+          </a:xfrm>
+          <a:prstGeom prst="straightConnector1">
+            <a:avLst/>
+          </a:prstGeom>
+          <a:ln>
+            <a:solidFill>
+              <a:srgbClr val="00B050"/>
+            </a:solidFill>
+            <a:headEnd type="triangle"/>
+            <a:tailEnd type="triangle"/>
+          </a:ln>
+        </p:spPr>
+        <p:style>
+          <a:lnRef idx="2">
+            <a:schemeClr val="accent1"/>
+          </a:lnRef>
+          <a:fillRef idx="0">
+            <a:schemeClr val="accent1"/>
+          </a:fillRef>
+          <a:effectRef idx="1">
+            <a:schemeClr val="accent1"/>
+          </a:effectRef>
+          <a:fontRef idx="minor">
+            <a:schemeClr val="tx1"/>
+          </a:fontRef>
+        </p:style>
+      </p:cxnSp>
+      <p:sp>
+        <p:nvSpPr>
+          <p:cNvPr id="33" name="Rectangle 32">
+            <a:extLst>
+              <a:ext uri="{FF2B5EF4-FFF2-40B4-BE49-F238E27FC236}">
+                <a16:creationId xmlns:a16="http://schemas.microsoft.com/office/drawing/2014/main" id="{E4B15E99-BDFC-3745-A2B0-D18CEB6B7CBE}"/>
+              </a:ext>
+            </a:extLst>
+          </p:cNvPr>
+          <p:cNvSpPr/>
+          <p:nvPr/>
+        </p:nvSpPr>
+        <p:spPr>
+          <a:xfrm>
+            <a:off x="8062660" y="639864"/>
+            <a:ext cx="1078873" cy="344574"/>
+          </a:xfrm>
+          <a:prstGeom prst="rect">
+            <a:avLst/>
+          </a:prstGeom>
+        </p:spPr>
+        <p:style>
+          <a:lnRef idx="2">
+            <a:schemeClr val="accent1">
+              <a:shade val="50000"/>
+            </a:schemeClr>
+          </a:lnRef>
+          <a:fillRef idx="1">
+            <a:schemeClr val="accent1"/>
+          </a:fillRef>
+          <a:effectRef idx="0">
+            <a:schemeClr val="accent1"/>
+          </a:effectRef>
+          <a:fontRef idx="minor">
+            <a:schemeClr val="lt1"/>
+          </a:fontRef>
+        </p:style>
+        <p:txBody>
+          <a:bodyPr rtlCol="0" anchor="ctr"/>
+          <a:lstStyle/>
+          <a:p>
+            <a:pPr algn="ctr"/>
+            <a:r>
+              <a:rPr lang="en-US" sz="1000" b="1" dirty="0"/>
+              <a:t>PLC Emulator VM-00</a:t>
+            </a:r>
+            <a:endParaRPr lang="en-SG" sz="1000" b="1" dirty="0"/>
+          </a:p>
+        </p:txBody>
+      </p:sp>
+      <p:sp>
+        <p:nvSpPr>
+          <p:cNvPr id="35" name="Rectangle 34">
+            <a:extLst>
+              <a:ext uri="{FF2B5EF4-FFF2-40B4-BE49-F238E27FC236}">
+                <a16:creationId xmlns:a16="http://schemas.microsoft.com/office/drawing/2014/main" id="{5F553832-7A45-74BE-793E-9FA95CACF81F}"/>
+              </a:ext>
+            </a:extLst>
+          </p:cNvPr>
+          <p:cNvSpPr/>
+          <p:nvPr/>
+        </p:nvSpPr>
+        <p:spPr>
+          <a:xfrm>
+            <a:off x="8096526" y="1134785"/>
+            <a:ext cx="1078873" cy="344574"/>
+          </a:xfrm>
+          <a:prstGeom prst="rect">
+            <a:avLst/>
+          </a:prstGeom>
+        </p:spPr>
+        <p:style>
+          <a:lnRef idx="2">
+            <a:schemeClr val="accent1">
+              <a:shade val="50000"/>
+            </a:schemeClr>
+          </a:lnRef>
+          <a:fillRef idx="1">
+            <a:schemeClr val="accent1"/>
+          </a:fillRef>
+          <a:effectRef idx="0">
+            <a:schemeClr val="accent1"/>
+          </a:effectRef>
+          <a:fontRef idx="minor">
+            <a:schemeClr val="lt1"/>
+          </a:fontRef>
+        </p:style>
+        <p:txBody>
+          <a:bodyPr rtlCol="0" anchor="ctr"/>
+          <a:lstStyle/>
+          <a:p>
+            <a:pPr algn="ctr"/>
+            <a:r>
+              <a:rPr lang="en-US" sz="1000" b="1" dirty="0"/>
+              <a:t>PLC Emulator VM-01</a:t>
+            </a:r>
+            <a:endParaRPr lang="en-SG" sz="1000" b="1" dirty="0"/>
+          </a:p>
+        </p:txBody>
+      </p:sp>
+      <p:cxnSp>
+        <p:nvCxnSpPr>
+          <p:cNvPr id="37" name="Straight Arrow Connector 36">
+            <a:extLst>
+              <a:ext uri="{FF2B5EF4-FFF2-40B4-BE49-F238E27FC236}">
+                <a16:creationId xmlns:a16="http://schemas.microsoft.com/office/drawing/2014/main" id="{0B4EC80B-AA59-6CBD-DCFB-066877A0B389}"/>
+              </a:ext>
+            </a:extLst>
+          </p:cNvPr>
+          <p:cNvCxnSpPr>
+            <a:cxnSpLocks/>
+            <a:stCxn id="29" idx="3"/>
+            <a:endCxn id="35" idx="1"/>
+          </p:cNvCxnSpPr>
+          <p:nvPr/>
+        </p:nvCxnSpPr>
+        <p:spPr>
+          <a:xfrm flipV="1">
+            <a:off x="7329568" y="1307072"/>
+            <a:ext cx="766958" cy="390701"/>
+          </a:xfrm>
+          <a:prstGeom prst="straightConnector1">
+            <a:avLst/>
+          </a:prstGeom>
+          <a:ln>
+            <a:solidFill>
+              <a:srgbClr val="00B050"/>
+            </a:solidFill>
+            <a:headEnd type="triangle"/>
+            <a:tailEnd type="triangle"/>
+          </a:ln>
+        </p:spPr>
+        <p:style>
+          <a:lnRef idx="2">
+            <a:schemeClr val="accent1"/>
+          </a:lnRef>
+          <a:fillRef idx="0">
+            <a:schemeClr val="accent1"/>
+          </a:fillRef>
+          <a:effectRef idx="1">
+            <a:schemeClr val="accent1"/>
+          </a:effectRef>
+          <a:fontRef idx="minor">
+            <a:schemeClr val="tx1"/>
+          </a:fontRef>
+        </p:style>
+      </p:cxnSp>
+      <p:sp>
+        <p:nvSpPr>
+          <p:cNvPr id="40" name="Rectangle 39">
+            <a:extLst>
+              <a:ext uri="{FF2B5EF4-FFF2-40B4-BE49-F238E27FC236}">
+                <a16:creationId xmlns:a16="http://schemas.microsoft.com/office/drawing/2014/main" id="{F6E24645-DB2F-E828-9CCB-3F3300261AB1}"/>
+              </a:ext>
+            </a:extLst>
+          </p:cNvPr>
+          <p:cNvSpPr/>
+          <p:nvPr/>
+        </p:nvSpPr>
+        <p:spPr>
+          <a:xfrm>
+            <a:off x="8096526" y="1629706"/>
+            <a:ext cx="1078873" cy="344574"/>
+          </a:xfrm>
+          <a:prstGeom prst="rect">
+            <a:avLst/>
+          </a:prstGeom>
+        </p:spPr>
+        <p:style>
+          <a:lnRef idx="2">
+            <a:schemeClr val="accent1">
+              <a:shade val="50000"/>
+            </a:schemeClr>
+          </a:lnRef>
+          <a:fillRef idx="1">
+            <a:schemeClr val="accent1"/>
+          </a:fillRef>
+          <a:effectRef idx="0">
+            <a:schemeClr val="accent1"/>
+          </a:effectRef>
+          <a:fontRef idx="minor">
+            <a:schemeClr val="lt1"/>
+          </a:fontRef>
+        </p:style>
+        <p:txBody>
+          <a:bodyPr rtlCol="0" anchor="ctr"/>
+          <a:lstStyle/>
+          <a:p>
+            <a:pPr algn="ctr"/>
+            <a:r>
+              <a:rPr lang="en-US" sz="1000" b="1" dirty="0"/>
+              <a:t>PLC Emulator VM-02</a:t>
+            </a:r>
+            <a:endParaRPr lang="en-SG" sz="1000" b="1" dirty="0"/>
+          </a:p>
+        </p:txBody>
+      </p:sp>
+      <p:cxnSp>
+        <p:nvCxnSpPr>
+          <p:cNvPr id="42" name="Straight Arrow Connector 41">
+            <a:extLst>
+              <a:ext uri="{FF2B5EF4-FFF2-40B4-BE49-F238E27FC236}">
+                <a16:creationId xmlns:a16="http://schemas.microsoft.com/office/drawing/2014/main" id="{6A916CDD-6736-9182-D81F-7B831540C16A}"/>
+              </a:ext>
+            </a:extLst>
+          </p:cNvPr>
+          <p:cNvCxnSpPr>
+            <a:cxnSpLocks/>
+            <a:endCxn id="40" idx="1"/>
+          </p:cNvCxnSpPr>
+          <p:nvPr/>
+        </p:nvCxnSpPr>
+        <p:spPr>
+          <a:xfrm>
+            <a:off x="7329568" y="1708631"/>
+            <a:ext cx="766958" cy="93362"/>
+          </a:xfrm>
+          <a:prstGeom prst="straightConnector1">
+            <a:avLst/>
+          </a:prstGeom>
+          <a:ln>
+            <a:solidFill>
+              <a:srgbClr val="00B050"/>
+            </a:solidFill>
+            <a:headEnd type="triangle"/>
+            <a:tailEnd type="triangle"/>
+          </a:ln>
+        </p:spPr>
+        <p:style>
+          <a:lnRef idx="2">
+            <a:schemeClr val="accent1"/>
+          </a:lnRef>
+          <a:fillRef idx="0">
+            <a:schemeClr val="accent1"/>
+          </a:fillRef>
+          <a:effectRef idx="1">
+            <a:schemeClr val="accent1"/>
+          </a:effectRef>
+          <a:fontRef idx="minor">
+            <a:schemeClr val="tx1"/>
+          </a:fontRef>
+        </p:style>
+      </p:cxnSp>
+      <p:sp>
+        <p:nvSpPr>
+          <p:cNvPr id="46" name="Rectangle 45">
+            <a:extLst>
+              <a:ext uri="{FF2B5EF4-FFF2-40B4-BE49-F238E27FC236}">
+                <a16:creationId xmlns:a16="http://schemas.microsoft.com/office/drawing/2014/main" id="{6CC95337-B7E4-EE17-2375-498F85C0CB77}"/>
+              </a:ext>
+            </a:extLst>
+          </p:cNvPr>
+          <p:cNvSpPr/>
+          <p:nvPr/>
+        </p:nvSpPr>
+        <p:spPr>
+          <a:xfrm>
+            <a:off x="870116" y="2497698"/>
+            <a:ext cx="2474268" cy="1801663"/>
+          </a:xfrm>
+          <a:prstGeom prst="rect">
+            <a:avLst/>
+          </a:prstGeom>
+          <a:ln>
+            <a:prstDash val="sysDash"/>
+          </a:ln>
+        </p:spPr>
+        <p:style>
+          <a:lnRef idx="2">
+            <a:schemeClr val="accent6"/>
+          </a:lnRef>
+          <a:fillRef idx="1">
+            <a:schemeClr val="lt1"/>
+          </a:fillRef>
+          <a:effectRef idx="0">
+            <a:schemeClr val="accent6"/>
+          </a:effectRef>
+          <a:fontRef idx="minor">
+            <a:schemeClr val="dk1"/>
+          </a:fontRef>
+        </p:style>
+        <p:txBody>
+          <a:bodyPr rtlCol="0" anchor="ctr"/>
+          <a:lstStyle/>
+          <a:p>
+            <a:pPr algn="ctr"/>
+            <a:endParaRPr lang="en-SG"/>
+          </a:p>
+        </p:txBody>
+      </p:sp>
+      <p:sp>
+        <p:nvSpPr>
+          <p:cNvPr id="47" name="TextBox 46">
+            <a:extLst>
+              <a:ext uri="{FF2B5EF4-FFF2-40B4-BE49-F238E27FC236}">
+                <a16:creationId xmlns:a16="http://schemas.microsoft.com/office/drawing/2014/main" id="{707C48FD-4A39-910A-7F9B-8C2C63ED9A41}"/>
+              </a:ext>
+            </a:extLst>
+          </p:cNvPr>
+          <p:cNvSpPr txBox="1"/>
+          <p:nvPr/>
+        </p:nvSpPr>
+        <p:spPr>
+          <a:xfrm>
+            <a:off x="880249" y="2497699"/>
+            <a:ext cx="1742537" cy="276999"/>
+          </a:xfrm>
+          <a:prstGeom prst="rect">
+            <a:avLst/>
+          </a:prstGeom>
+          <a:noFill/>
+        </p:spPr>
+        <p:txBody>
+          <a:bodyPr wrap="square" rtlCol="0">
+            <a:spAutoFit/>
+          </a:bodyPr>
+          <a:lstStyle/>
+          <a:p>
+            <a:r>
+              <a:rPr lang="en-US" sz="1200" b="1" dirty="0"/>
+              <a:t>PLC Controller VM</a:t>
+            </a:r>
+            <a:endParaRPr lang="en-SG" sz="1200" b="1" dirty="0"/>
+          </a:p>
+        </p:txBody>
+      </p:sp>
+      <p:pic>
+        <p:nvPicPr>
+          <p:cNvPr id="48" name="Picture 2" descr="PLC Ladder Simulator - Apps on Google Play">
+            <a:extLst>
+              <a:ext uri="{FF2B5EF4-FFF2-40B4-BE49-F238E27FC236}">
+                <a16:creationId xmlns:a16="http://schemas.microsoft.com/office/drawing/2014/main" id="{E139EA2D-75F1-6747-EEAB-6E4714E36612}"/>
+              </a:ext>
+            </a:extLst>
+          </p:cNvPr>
+          <p:cNvPicPr>
+            <a:picLocks noChangeAspect="1" noChangeArrowheads="1"/>
+          </p:cNvPicPr>
+          <p:nvPr/>
+        </p:nvPicPr>
+        <p:blipFill>
+          <a:blip r:embed="rId2">
+            <a:extLst>
+              <a:ext uri="{28A0092B-C50C-407E-A947-70E740481C1C}">
+                <a14:useLocalDpi xmlns:a14="http://schemas.microsoft.com/office/drawing/2010/main" val="0"/>
+              </a:ext>
+            </a:extLst>
+          </a:blip>
+          <a:srcRect/>
+          <a:stretch>
+            <a:fillRect/>
+          </a:stretch>
+        </p:blipFill>
+        <p:spPr bwMode="auto">
+          <a:xfrm>
+            <a:off x="949856" y="2823012"/>
+            <a:ext cx="384848" cy="384848"/>
+          </a:xfrm>
+          <a:prstGeom prst="rect">
+            <a:avLst/>
+          </a:prstGeom>
+          <a:noFill/>
+          <a:extLst>
+            <a:ext uri="{909E8E84-426E-40DD-AFC4-6F175D3DCCD1}">
+              <a14:hiddenFill xmlns:a14="http://schemas.microsoft.com/office/drawing/2010/main">
+                <a:solidFill>
+                  <a:srgbClr val="FFFFFF"/>
+                </a:solidFill>
+              </a14:hiddenFill>
+            </a:ext>
+          </a:extLst>
+        </p:spPr>
+      </p:pic>
+      <p:pic>
+        <p:nvPicPr>
+          <p:cNvPr id="49" name="Picture 48">
+            <a:extLst>
+              <a:ext uri="{FF2B5EF4-FFF2-40B4-BE49-F238E27FC236}">
+                <a16:creationId xmlns:a16="http://schemas.microsoft.com/office/drawing/2014/main" id="{50EA5680-13EB-91FE-56D9-32FDC9E03160}"/>
+              </a:ext>
+            </a:extLst>
+          </p:cNvPr>
+          <p:cNvPicPr>
+            <a:picLocks noChangeAspect="1"/>
+          </p:cNvPicPr>
+          <p:nvPr/>
+        </p:nvPicPr>
+        <p:blipFill>
+          <a:blip r:embed="rId3"/>
+          <a:stretch>
+            <a:fillRect/>
+          </a:stretch>
+        </p:blipFill>
+        <p:spPr>
+          <a:xfrm>
+            <a:off x="1692245" y="3279906"/>
+            <a:ext cx="307880" cy="384849"/>
+          </a:xfrm>
+          <a:prstGeom prst="rect">
+            <a:avLst/>
+          </a:prstGeom>
+        </p:spPr>
+      </p:pic>
+      <p:sp>
+        <p:nvSpPr>
+          <p:cNvPr id="52" name="Rectangle 51">
+            <a:extLst>
+              <a:ext uri="{FF2B5EF4-FFF2-40B4-BE49-F238E27FC236}">
+                <a16:creationId xmlns:a16="http://schemas.microsoft.com/office/drawing/2014/main" id="{16933301-F9FE-34A3-4A35-AE5BC2735CD1}"/>
+              </a:ext>
+            </a:extLst>
+          </p:cNvPr>
+          <p:cNvSpPr/>
+          <p:nvPr/>
+        </p:nvSpPr>
+        <p:spPr>
+          <a:xfrm>
+            <a:off x="1562078" y="2825035"/>
+            <a:ext cx="1651948" cy="382825"/>
+          </a:xfrm>
+          <a:prstGeom prst="rect">
+            <a:avLst/>
+          </a:prstGeom>
+          <a:solidFill>
+            <a:schemeClr val="accent2"/>
+          </a:solidFill>
+        </p:spPr>
+        <p:style>
+          <a:lnRef idx="2">
+            <a:schemeClr val="accent1">
+              <a:shade val="50000"/>
+            </a:schemeClr>
+          </a:lnRef>
+          <a:fillRef idx="1">
+            <a:schemeClr val="accent1"/>
+          </a:fillRef>
+          <a:effectRef idx="0">
+            <a:schemeClr val="accent1"/>
+          </a:effectRef>
+          <a:fontRef idx="minor">
+            <a:schemeClr val="lt1"/>
+          </a:fontRef>
+        </p:style>
+        <p:txBody>
+          <a:bodyPr rtlCol="0" anchor="ctr"/>
+          <a:lstStyle/>
+          <a:p>
+            <a:pPr algn="ctr"/>
+            <a:r>
+              <a:rPr lang="en-US" sz="1050" b="1" dirty="0"/>
+              <a:t>PLC Controller Program (Modbus-TCP)</a:t>
+            </a:r>
+            <a:endParaRPr lang="en-SG" sz="1050" b="1" dirty="0"/>
+          </a:p>
+        </p:txBody>
+      </p:sp>
+      <p:cxnSp>
+        <p:nvCxnSpPr>
+          <p:cNvPr id="53" name="Straight Arrow Connector 52">
+            <a:extLst>
+              <a:ext uri="{FF2B5EF4-FFF2-40B4-BE49-F238E27FC236}">
+                <a16:creationId xmlns:a16="http://schemas.microsoft.com/office/drawing/2014/main" id="{2EE85E3A-68B4-1D61-E026-112BF1096C7D}"/>
+              </a:ext>
+            </a:extLst>
+          </p:cNvPr>
+          <p:cNvCxnSpPr>
+            <a:cxnSpLocks/>
+            <a:stCxn id="48" idx="3"/>
+            <a:endCxn id="52" idx="1"/>
+          </p:cNvCxnSpPr>
+          <p:nvPr/>
+        </p:nvCxnSpPr>
+        <p:spPr>
+          <a:xfrm>
+            <a:off x="1334704" y="3015436"/>
+            <a:ext cx="227374" cy="1012"/>
+          </a:xfrm>
+          <a:prstGeom prst="straightConnector1">
+            <a:avLst/>
+          </a:prstGeom>
+          <a:ln>
+            <a:tailEnd type="triangle"/>
+          </a:ln>
+        </p:spPr>
+        <p:style>
+          <a:lnRef idx="2">
+            <a:schemeClr val="accent1"/>
+          </a:lnRef>
+          <a:fillRef idx="0">
+            <a:schemeClr val="accent1"/>
+          </a:fillRef>
+          <a:effectRef idx="1">
+            <a:schemeClr val="accent1"/>
+          </a:effectRef>
+          <a:fontRef idx="minor">
+            <a:schemeClr val="tx1"/>
+          </a:fontRef>
+        </p:style>
+      </p:cxnSp>
+      <p:cxnSp>
+        <p:nvCxnSpPr>
+          <p:cNvPr id="55" name="Straight Arrow Connector 54">
+            <a:extLst>
+              <a:ext uri="{FF2B5EF4-FFF2-40B4-BE49-F238E27FC236}">
+                <a16:creationId xmlns:a16="http://schemas.microsoft.com/office/drawing/2014/main" id="{F547549D-41F9-1638-B48B-6AA0C2D47BBB}"/>
+              </a:ext>
+            </a:extLst>
+          </p:cNvPr>
+          <p:cNvCxnSpPr>
+            <a:cxnSpLocks/>
+            <a:stCxn id="52" idx="3"/>
+          </p:cNvCxnSpPr>
+          <p:nvPr/>
+        </p:nvCxnSpPr>
+        <p:spPr>
+          <a:xfrm>
+            <a:off x="3214026" y="3016448"/>
+            <a:ext cx="585090" cy="0"/>
+          </a:xfrm>
+          <a:prstGeom prst="straightConnector1">
+            <a:avLst/>
+          </a:prstGeom>
+          <a:ln>
+            <a:solidFill>
+              <a:srgbClr val="00B050"/>
+            </a:solidFill>
+            <a:headEnd type="triangle"/>
+            <a:tailEnd type="triangle"/>
+          </a:ln>
+        </p:spPr>
+        <p:style>
+          <a:lnRef idx="2">
+            <a:schemeClr val="accent1"/>
+          </a:lnRef>
+          <a:fillRef idx="0">
+            <a:schemeClr val="accent1"/>
+          </a:fillRef>
+          <a:effectRef idx="1">
+            <a:schemeClr val="accent1"/>
+          </a:effectRef>
+          <a:fontRef idx="minor">
+            <a:schemeClr val="tx1"/>
+          </a:fontRef>
+        </p:style>
+      </p:cxnSp>
+      <p:sp>
+        <p:nvSpPr>
+          <p:cNvPr id="56" name="Rectangle 55">
+            <a:extLst>
+              <a:ext uri="{FF2B5EF4-FFF2-40B4-BE49-F238E27FC236}">
+                <a16:creationId xmlns:a16="http://schemas.microsoft.com/office/drawing/2014/main" id="{C8863AED-D5BA-09E3-A862-994D6A9E269C}"/>
+              </a:ext>
+            </a:extLst>
+          </p:cNvPr>
+          <p:cNvSpPr/>
+          <p:nvPr/>
+        </p:nvSpPr>
+        <p:spPr>
+          <a:xfrm>
+            <a:off x="3828021" y="2826129"/>
+            <a:ext cx="1078873" cy="344574"/>
+          </a:xfrm>
+          <a:prstGeom prst="rect">
+            <a:avLst/>
+          </a:prstGeom>
+        </p:spPr>
+        <p:style>
+          <a:lnRef idx="2">
+            <a:schemeClr val="accent1">
+              <a:shade val="50000"/>
+            </a:schemeClr>
+          </a:lnRef>
+          <a:fillRef idx="1">
+            <a:schemeClr val="accent1"/>
+          </a:fillRef>
+          <a:effectRef idx="0">
+            <a:schemeClr val="accent1"/>
+          </a:effectRef>
+          <a:fontRef idx="minor">
+            <a:schemeClr val="lt1"/>
+          </a:fontRef>
+        </p:style>
+        <p:txBody>
+          <a:bodyPr rtlCol="0" anchor="ctr"/>
+          <a:lstStyle/>
+          <a:p>
+            <a:pPr algn="ctr"/>
+            <a:r>
+              <a:rPr lang="en-US" sz="1000" b="1" dirty="0"/>
+              <a:t>PLC Emulator VM-00</a:t>
+            </a:r>
+            <a:endParaRPr lang="en-SG" sz="1000" b="1" dirty="0"/>
+          </a:p>
+        </p:txBody>
+      </p:sp>
+      <p:pic>
+        <p:nvPicPr>
+          <p:cNvPr id="61" name="Picture 2" descr="PLC Ladder Simulator - Apps on Google Play">
+            <a:extLst>
+              <a:ext uri="{FF2B5EF4-FFF2-40B4-BE49-F238E27FC236}">
+                <a16:creationId xmlns:a16="http://schemas.microsoft.com/office/drawing/2014/main" id="{179566C9-4DC9-8CEA-9B13-E9080D838E71}"/>
+              </a:ext>
+            </a:extLst>
+          </p:cNvPr>
+          <p:cNvPicPr>
+            <a:picLocks noChangeAspect="1" noChangeArrowheads="1"/>
+          </p:cNvPicPr>
+          <p:nvPr/>
+        </p:nvPicPr>
+        <p:blipFill>
+          <a:blip r:embed="rId2">
+            <a:extLst>
+              <a:ext uri="{28A0092B-C50C-407E-A947-70E740481C1C}">
+                <a14:useLocalDpi xmlns:a14="http://schemas.microsoft.com/office/drawing/2010/main" val="0"/>
+              </a:ext>
+            </a:extLst>
+          </a:blip>
+          <a:srcRect/>
+          <a:stretch>
+            <a:fillRect/>
+          </a:stretch>
+        </p:blipFill>
+        <p:spPr bwMode="auto">
+          <a:xfrm>
+            <a:off x="936120" y="3759022"/>
+            <a:ext cx="384848" cy="384848"/>
+          </a:xfrm>
+          <a:prstGeom prst="rect">
+            <a:avLst/>
+          </a:prstGeom>
+          <a:noFill/>
+          <a:extLst>
+            <a:ext uri="{909E8E84-426E-40DD-AFC4-6F175D3DCCD1}">
+              <a14:hiddenFill xmlns:a14="http://schemas.microsoft.com/office/drawing/2010/main">
+                <a:solidFill>
+                  <a:srgbClr val="FFFFFF"/>
+                </a:solidFill>
+              </a14:hiddenFill>
+            </a:ext>
+          </a:extLst>
+        </p:spPr>
+      </p:pic>
+      <p:sp>
+        <p:nvSpPr>
+          <p:cNvPr id="62" name="Rectangle 61">
+            <a:extLst>
+              <a:ext uri="{FF2B5EF4-FFF2-40B4-BE49-F238E27FC236}">
+                <a16:creationId xmlns:a16="http://schemas.microsoft.com/office/drawing/2014/main" id="{755510C8-36D1-EFB3-27DC-BCE362C4D059}"/>
+              </a:ext>
+            </a:extLst>
+          </p:cNvPr>
+          <p:cNvSpPr/>
+          <p:nvPr/>
+        </p:nvSpPr>
+        <p:spPr>
+          <a:xfrm>
+            <a:off x="1548342" y="3761045"/>
+            <a:ext cx="1651948" cy="382825"/>
+          </a:xfrm>
+          <a:prstGeom prst="rect">
+            <a:avLst/>
+          </a:prstGeom>
+          <a:solidFill>
+            <a:schemeClr val="accent2"/>
+          </a:solidFill>
+        </p:spPr>
+        <p:style>
+          <a:lnRef idx="2">
+            <a:schemeClr val="accent1">
+              <a:shade val="50000"/>
+            </a:schemeClr>
+          </a:lnRef>
+          <a:fillRef idx="1">
+            <a:schemeClr val="accent1"/>
+          </a:fillRef>
+          <a:effectRef idx="0">
+            <a:schemeClr val="accent1"/>
+          </a:effectRef>
+          <a:fontRef idx="minor">
+            <a:schemeClr val="lt1"/>
+          </a:fontRef>
+        </p:style>
+        <p:txBody>
+          <a:bodyPr rtlCol="0" anchor="ctr"/>
+          <a:lstStyle/>
+          <a:p>
+            <a:pPr algn="ctr"/>
+            <a:r>
+              <a:rPr lang="en-US" sz="1050" b="1" dirty="0"/>
+              <a:t>PLC Controller Program (Modbus-TCP)</a:t>
+            </a:r>
+            <a:endParaRPr lang="en-SG" sz="1050" b="1" dirty="0"/>
+          </a:p>
+        </p:txBody>
+      </p:sp>
+      <p:cxnSp>
+        <p:nvCxnSpPr>
+          <p:cNvPr id="63" name="Straight Arrow Connector 62">
+            <a:extLst>
+              <a:ext uri="{FF2B5EF4-FFF2-40B4-BE49-F238E27FC236}">
+                <a16:creationId xmlns:a16="http://schemas.microsoft.com/office/drawing/2014/main" id="{BD6F6D73-3083-6633-9F3D-38231B0905AF}"/>
+              </a:ext>
+            </a:extLst>
+          </p:cNvPr>
+          <p:cNvCxnSpPr>
+            <a:cxnSpLocks/>
+            <a:stCxn id="61" idx="3"/>
+            <a:endCxn id="62" idx="1"/>
+          </p:cNvCxnSpPr>
+          <p:nvPr/>
+        </p:nvCxnSpPr>
+        <p:spPr>
+          <a:xfrm>
+            <a:off x="1320968" y="3951446"/>
+            <a:ext cx="227374" cy="1012"/>
+          </a:xfrm>
+          <a:prstGeom prst="straightConnector1">
+            <a:avLst/>
+          </a:prstGeom>
+          <a:ln>
+            <a:tailEnd type="triangle"/>
+          </a:ln>
+        </p:spPr>
+        <p:style>
+          <a:lnRef idx="2">
+            <a:schemeClr val="accent1"/>
+          </a:lnRef>
+          <a:fillRef idx="0">
+            <a:schemeClr val="accent1"/>
+          </a:fillRef>
+          <a:effectRef idx="1">
+            <a:schemeClr val="accent1"/>
+          </a:effectRef>
+          <a:fontRef idx="minor">
+            <a:schemeClr val="tx1"/>
+          </a:fontRef>
+        </p:style>
+      </p:cxnSp>
+      <p:sp>
+        <p:nvSpPr>
+          <p:cNvPr id="64" name="Rectangle 63">
+            <a:extLst>
+              <a:ext uri="{FF2B5EF4-FFF2-40B4-BE49-F238E27FC236}">
+                <a16:creationId xmlns:a16="http://schemas.microsoft.com/office/drawing/2014/main" id="{0BD241C5-4F31-0D0C-5D13-A4031DB43631}"/>
+              </a:ext>
+            </a:extLst>
+          </p:cNvPr>
+          <p:cNvSpPr/>
+          <p:nvPr/>
+        </p:nvSpPr>
+        <p:spPr>
+          <a:xfrm>
+            <a:off x="3799116" y="3779159"/>
+            <a:ext cx="1078873" cy="344574"/>
+          </a:xfrm>
+          <a:prstGeom prst="rect">
+            <a:avLst/>
+          </a:prstGeom>
+        </p:spPr>
+        <p:style>
+          <a:lnRef idx="2">
+            <a:schemeClr val="accent1">
+              <a:shade val="50000"/>
+            </a:schemeClr>
+          </a:lnRef>
+          <a:fillRef idx="1">
+            <a:schemeClr val="accent1"/>
+          </a:fillRef>
+          <a:effectRef idx="0">
+            <a:schemeClr val="accent1"/>
+          </a:effectRef>
+          <a:fontRef idx="minor">
+            <a:schemeClr val="lt1"/>
+          </a:fontRef>
+        </p:style>
+        <p:txBody>
+          <a:bodyPr rtlCol="0" anchor="ctr"/>
+          <a:lstStyle/>
+          <a:p>
+            <a:pPr algn="ctr"/>
+            <a:r>
+              <a:rPr lang="en-US" sz="1000" b="1" dirty="0"/>
+              <a:t>PLC Emulator VM-0N</a:t>
+            </a:r>
+            <a:endParaRPr lang="en-SG" sz="1000" b="1" dirty="0"/>
+          </a:p>
+        </p:txBody>
+      </p:sp>
+      <p:cxnSp>
+        <p:nvCxnSpPr>
+          <p:cNvPr id="65" name="Straight Arrow Connector 64">
+            <a:extLst>
+              <a:ext uri="{FF2B5EF4-FFF2-40B4-BE49-F238E27FC236}">
+                <a16:creationId xmlns:a16="http://schemas.microsoft.com/office/drawing/2014/main" id="{BEE59935-DB8D-9AB7-A2D6-E41B6A45221C}"/>
+              </a:ext>
+            </a:extLst>
+          </p:cNvPr>
+          <p:cNvCxnSpPr>
+            <a:cxnSpLocks/>
+          </p:cNvCxnSpPr>
+          <p:nvPr/>
+        </p:nvCxnSpPr>
+        <p:spPr>
+          <a:xfrm>
+            <a:off x="3200290" y="3925112"/>
+            <a:ext cx="598826" cy="0"/>
+          </a:xfrm>
+          <a:prstGeom prst="straightConnector1">
+            <a:avLst/>
+          </a:prstGeom>
+          <a:ln>
+            <a:solidFill>
+              <a:srgbClr val="00B050"/>
+            </a:solidFill>
+            <a:headEnd type="triangle"/>
+            <a:tailEnd type="triangle"/>
+          </a:ln>
+        </p:spPr>
+        <p:style>
+          <a:lnRef idx="2">
+            <a:schemeClr val="accent1"/>
+          </a:lnRef>
+          <a:fillRef idx="0">
+            <a:schemeClr val="accent1"/>
+          </a:fillRef>
+          <a:effectRef idx="1">
+            <a:schemeClr val="accent1"/>
+          </a:effectRef>
+          <a:fontRef idx="minor">
+            <a:schemeClr val="tx1"/>
+          </a:fontRef>
+        </p:style>
+      </p:cxnSp>
+      <p:cxnSp>
+        <p:nvCxnSpPr>
+          <p:cNvPr id="67" name="Straight Arrow Connector 66">
+            <a:extLst>
+              <a:ext uri="{FF2B5EF4-FFF2-40B4-BE49-F238E27FC236}">
+                <a16:creationId xmlns:a16="http://schemas.microsoft.com/office/drawing/2014/main" id="{53CFCF34-CBEF-47A6-0535-4F44B790177A}"/>
+              </a:ext>
+            </a:extLst>
+          </p:cNvPr>
+          <p:cNvCxnSpPr>
+            <a:cxnSpLocks/>
+            <a:endCxn id="64" idx="1"/>
+          </p:cNvCxnSpPr>
+          <p:nvPr/>
+        </p:nvCxnSpPr>
+        <p:spPr>
+          <a:xfrm>
+            <a:off x="3214026" y="3015436"/>
+            <a:ext cx="585090" cy="936010"/>
+          </a:xfrm>
+          <a:prstGeom prst="straightConnector1">
+            <a:avLst/>
+          </a:prstGeom>
+          <a:ln>
+            <a:solidFill>
+              <a:srgbClr val="00B050"/>
+            </a:solidFill>
+            <a:headEnd type="triangle"/>
+            <a:tailEnd type="triangle"/>
+          </a:ln>
+        </p:spPr>
+        <p:style>
+          <a:lnRef idx="2">
+            <a:schemeClr val="accent1"/>
+          </a:lnRef>
+          <a:fillRef idx="0">
+            <a:schemeClr val="accent1"/>
+          </a:fillRef>
+          <a:effectRef idx="1">
+            <a:schemeClr val="accent1"/>
+          </a:effectRef>
+          <a:fontRef idx="minor">
+            <a:schemeClr val="tx1"/>
+          </a:fontRef>
+        </p:style>
+      </p:cxnSp>
+      <p:cxnSp>
+        <p:nvCxnSpPr>
+          <p:cNvPr id="71" name="Connector: Elbow 70">
+            <a:extLst>
+              <a:ext uri="{FF2B5EF4-FFF2-40B4-BE49-F238E27FC236}">
+                <a16:creationId xmlns:a16="http://schemas.microsoft.com/office/drawing/2014/main" id="{82C14F5E-5213-B180-A904-C688EC1634B9}"/>
+              </a:ext>
+            </a:extLst>
+          </p:cNvPr>
+          <p:cNvCxnSpPr>
+            <a:cxnSpLocks/>
+            <a:stCxn id="49" idx="3"/>
+            <a:endCxn id="62" idx="0"/>
+          </p:cNvCxnSpPr>
+          <p:nvPr/>
+        </p:nvCxnSpPr>
+        <p:spPr>
+          <a:xfrm>
+            <a:off x="2000125" y="3472331"/>
+            <a:ext cx="374191" cy="288714"/>
+          </a:xfrm>
+          <a:prstGeom prst="bentConnector2">
+            <a:avLst/>
+          </a:prstGeom>
+          <a:ln>
+            <a:tailEnd type="triangle"/>
+          </a:ln>
+        </p:spPr>
+        <p:style>
+          <a:lnRef idx="2">
+            <a:schemeClr val="accent1"/>
+          </a:lnRef>
+          <a:fillRef idx="0">
+            <a:schemeClr val="accent1"/>
+          </a:fillRef>
+          <a:effectRef idx="1">
+            <a:schemeClr val="accent1"/>
+          </a:effectRef>
+          <a:fontRef idx="minor">
+            <a:schemeClr val="tx1"/>
+          </a:fontRef>
+        </p:style>
+      </p:cxnSp>
+      <p:cxnSp>
+        <p:nvCxnSpPr>
+          <p:cNvPr id="72" name="Connector: Elbow 71">
+            <a:extLst>
+              <a:ext uri="{FF2B5EF4-FFF2-40B4-BE49-F238E27FC236}">
+                <a16:creationId xmlns:a16="http://schemas.microsoft.com/office/drawing/2014/main" id="{3C9DDD08-BB9C-78FB-E577-15D3838677A6}"/>
+              </a:ext>
+            </a:extLst>
+          </p:cNvPr>
+          <p:cNvCxnSpPr>
+            <a:cxnSpLocks/>
+          </p:cNvCxnSpPr>
+          <p:nvPr/>
+        </p:nvCxnSpPr>
+        <p:spPr>
+          <a:xfrm flipV="1">
+            <a:off x="1974308" y="3207859"/>
+            <a:ext cx="387927" cy="264471"/>
+          </a:xfrm>
+          <a:prstGeom prst="bentConnector2">
+            <a:avLst/>
+          </a:prstGeom>
+          <a:ln>
+            <a:tailEnd type="triangle"/>
+          </a:ln>
+        </p:spPr>
+        <p:style>
+          <a:lnRef idx="2">
+            <a:schemeClr val="accent1"/>
+          </a:lnRef>
+          <a:fillRef idx="0">
+            <a:schemeClr val="accent1"/>
+          </a:fillRef>
+          <a:effectRef idx="1">
+            <a:schemeClr val="accent1"/>
+          </a:effectRef>
+          <a:fontRef idx="minor">
+            <a:schemeClr val="tx1"/>
+          </a:fontRef>
+        </p:style>
+      </p:cxnSp>
+      <p:cxnSp>
+        <p:nvCxnSpPr>
+          <p:cNvPr id="76" name="Straight Arrow Connector 75">
+            <a:extLst>
+              <a:ext uri="{FF2B5EF4-FFF2-40B4-BE49-F238E27FC236}">
+                <a16:creationId xmlns:a16="http://schemas.microsoft.com/office/drawing/2014/main" id="{C24B7D6F-D6ED-EA9E-4B39-6A48757A93F3}"/>
+              </a:ext>
+            </a:extLst>
+          </p:cNvPr>
+          <p:cNvCxnSpPr>
+            <a:cxnSpLocks/>
+            <a:endCxn id="56" idx="1"/>
+          </p:cNvCxnSpPr>
+          <p:nvPr/>
+        </p:nvCxnSpPr>
+        <p:spPr>
+          <a:xfrm flipV="1">
+            <a:off x="3214026" y="2998416"/>
+            <a:ext cx="613995" cy="953030"/>
+          </a:xfrm>
+          <a:prstGeom prst="straightConnector1">
+            <a:avLst/>
+          </a:prstGeom>
+          <a:ln>
+            <a:solidFill>
+              <a:srgbClr val="00B050"/>
+            </a:solidFill>
+            <a:headEnd type="triangle"/>
+            <a:tailEnd type="triangle"/>
+          </a:ln>
+        </p:spPr>
+        <p:style>
+          <a:lnRef idx="2">
+            <a:schemeClr val="accent1"/>
+          </a:lnRef>
+          <a:fillRef idx="0">
+            <a:schemeClr val="accent1"/>
+          </a:fillRef>
+          <a:effectRef idx="1">
+            <a:schemeClr val="accent1"/>
+          </a:effectRef>
+          <a:fontRef idx="minor">
+            <a:schemeClr val="tx1"/>
+          </a:fontRef>
+        </p:style>
+      </p:cxnSp>
+      <p:sp>
+        <p:nvSpPr>
+          <p:cNvPr id="79" name="Rectangle 78">
+            <a:extLst>
+              <a:ext uri="{FF2B5EF4-FFF2-40B4-BE49-F238E27FC236}">
+                <a16:creationId xmlns:a16="http://schemas.microsoft.com/office/drawing/2014/main" id="{900727DB-C9CC-7985-860A-EBAEF18BB555}"/>
+              </a:ext>
+            </a:extLst>
+          </p:cNvPr>
+          <p:cNvSpPr/>
+          <p:nvPr/>
+        </p:nvSpPr>
+        <p:spPr>
+          <a:xfrm>
+            <a:off x="5414820" y="2486756"/>
+            <a:ext cx="2474268" cy="1801663"/>
+          </a:xfrm>
+          <a:prstGeom prst="rect">
+            <a:avLst/>
+          </a:prstGeom>
+          <a:ln>
+            <a:prstDash val="sysDash"/>
+          </a:ln>
+        </p:spPr>
+        <p:style>
+          <a:lnRef idx="2">
+            <a:schemeClr val="accent6"/>
+          </a:lnRef>
+          <a:fillRef idx="1">
+            <a:schemeClr val="lt1"/>
+          </a:fillRef>
+          <a:effectRef idx="0">
+            <a:schemeClr val="accent6"/>
+          </a:effectRef>
+          <a:fontRef idx="minor">
+            <a:schemeClr val="dk1"/>
+          </a:fontRef>
+        </p:style>
+        <p:txBody>
+          <a:bodyPr rtlCol="0" anchor="ctr"/>
+          <a:lstStyle/>
+          <a:p>
+            <a:pPr algn="ctr"/>
+            <a:endParaRPr lang="en-SG"/>
+          </a:p>
+        </p:txBody>
+      </p:sp>
+      <p:sp>
+        <p:nvSpPr>
+          <p:cNvPr id="80" name="TextBox 79">
+            <a:extLst>
+              <a:ext uri="{FF2B5EF4-FFF2-40B4-BE49-F238E27FC236}">
+                <a16:creationId xmlns:a16="http://schemas.microsoft.com/office/drawing/2014/main" id="{EEDB73F7-0CCE-EDD3-517D-9A0467B9EC55}"/>
+              </a:ext>
+            </a:extLst>
+          </p:cNvPr>
+          <p:cNvSpPr txBox="1"/>
+          <p:nvPr/>
+        </p:nvSpPr>
+        <p:spPr>
+          <a:xfrm>
+            <a:off x="5424953" y="2486757"/>
+            <a:ext cx="1742537" cy="276999"/>
+          </a:xfrm>
+          <a:prstGeom prst="rect">
+            <a:avLst/>
+          </a:prstGeom>
+          <a:noFill/>
+        </p:spPr>
+        <p:txBody>
+          <a:bodyPr wrap="square" rtlCol="0">
+            <a:spAutoFit/>
+          </a:bodyPr>
+          <a:lstStyle/>
+          <a:p>
+            <a:r>
+              <a:rPr lang="en-US" sz="1200" b="1" dirty="0"/>
+              <a:t>PLC Controller VM</a:t>
+            </a:r>
+            <a:endParaRPr lang="en-SG" sz="1200" b="1" dirty="0"/>
+          </a:p>
+        </p:txBody>
+      </p:sp>
+      <p:pic>
+        <p:nvPicPr>
+          <p:cNvPr id="81" name="Picture 2" descr="PLC Ladder Simulator - Apps on Google Play">
+            <a:extLst>
+              <a:ext uri="{FF2B5EF4-FFF2-40B4-BE49-F238E27FC236}">
+                <a16:creationId xmlns:a16="http://schemas.microsoft.com/office/drawing/2014/main" id="{01BD80F9-FE33-C7F1-848F-34C08DAE82F6}"/>
+              </a:ext>
+            </a:extLst>
+          </p:cNvPr>
+          <p:cNvPicPr>
+            <a:picLocks noChangeAspect="1" noChangeArrowheads="1"/>
+          </p:cNvPicPr>
+          <p:nvPr/>
+        </p:nvPicPr>
+        <p:blipFill>
+          <a:blip r:embed="rId2">
+            <a:extLst>
+              <a:ext uri="{28A0092B-C50C-407E-A947-70E740481C1C}">
+                <a14:useLocalDpi xmlns:a14="http://schemas.microsoft.com/office/drawing/2010/main" val="0"/>
+              </a:ext>
+            </a:extLst>
+          </a:blip>
+          <a:srcRect/>
+          <a:stretch>
+            <a:fillRect/>
+          </a:stretch>
+        </p:blipFill>
+        <p:spPr bwMode="auto">
+          <a:xfrm>
+            <a:off x="5494560" y="2812070"/>
+            <a:ext cx="384848" cy="384848"/>
+          </a:xfrm>
+          <a:prstGeom prst="rect">
+            <a:avLst/>
+          </a:prstGeom>
+          <a:noFill/>
+          <a:extLst>
+            <a:ext uri="{909E8E84-426E-40DD-AFC4-6F175D3DCCD1}">
+              <a14:hiddenFill xmlns:a14="http://schemas.microsoft.com/office/drawing/2010/main">
+                <a:solidFill>
+                  <a:srgbClr val="FFFFFF"/>
+                </a:solidFill>
+              </a14:hiddenFill>
+            </a:ext>
+          </a:extLst>
+        </p:spPr>
+      </p:pic>
+      <p:pic>
+        <p:nvPicPr>
+          <p:cNvPr id="82" name="Picture 81">
+            <a:extLst>
+              <a:ext uri="{FF2B5EF4-FFF2-40B4-BE49-F238E27FC236}">
+                <a16:creationId xmlns:a16="http://schemas.microsoft.com/office/drawing/2014/main" id="{D5B840B5-9C19-1B45-4CDE-830E50747920}"/>
+              </a:ext>
+            </a:extLst>
+          </p:cNvPr>
+          <p:cNvPicPr>
+            <a:picLocks noChangeAspect="1"/>
+          </p:cNvPicPr>
+          <p:nvPr/>
+        </p:nvPicPr>
+        <p:blipFill>
+          <a:blip r:embed="rId3"/>
+          <a:stretch>
+            <a:fillRect/>
+          </a:stretch>
+        </p:blipFill>
+        <p:spPr>
+          <a:xfrm>
+            <a:off x="6093046" y="3245231"/>
+            <a:ext cx="307880" cy="384849"/>
+          </a:xfrm>
+          <a:prstGeom prst="rect">
+            <a:avLst/>
+          </a:prstGeom>
+        </p:spPr>
+      </p:pic>
+      <p:sp>
+        <p:nvSpPr>
+          <p:cNvPr id="83" name="Rectangle 82">
+            <a:extLst>
+              <a:ext uri="{FF2B5EF4-FFF2-40B4-BE49-F238E27FC236}">
+                <a16:creationId xmlns:a16="http://schemas.microsoft.com/office/drawing/2014/main" id="{C82D3219-1D2D-CDA1-5022-F00FE6199E89}"/>
+              </a:ext>
+            </a:extLst>
+          </p:cNvPr>
+          <p:cNvSpPr/>
+          <p:nvPr/>
+        </p:nvSpPr>
+        <p:spPr>
+          <a:xfrm>
+            <a:off x="6106782" y="2814093"/>
+            <a:ext cx="1651948" cy="382825"/>
+          </a:xfrm>
+          <a:prstGeom prst="rect">
+            <a:avLst/>
+          </a:prstGeom>
+          <a:solidFill>
+            <a:schemeClr val="accent2"/>
+          </a:solidFill>
+        </p:spPr>
+        <p:style>
+          <a:lnRef idx="2">
+            <a:schemeClr val="accent1">
+              <a:shade val="50000"/>
+            </a:schemeClr>
+          </a:lnRef>
+          <a:fillRef idx="1">
+            <a:schemeClr val="accent1"/>
+          </a:fillRef>
+          <a:effectRef idx="0">
+            <a:schemeClr val="accent1"/>
+          </a:effectRef>
+          <a:fontRef idx="minor">
+            <a:schemeClr val="lt1"/>
+          </a:fontRef>
+        </p:style>
+        <p:txBody>
+          <a:bodyPr rtlCol="0" anchor="ctr"/>
+          <a:lstStyle/>
+          <a:p>
+            <a:pPr algn="ctr"/>
+            <a:r>
+              <a:rPr lang="en-US" sz="1050" b="1" dirty="0"/>
+              <a:t>PLC Controller Program (Modbus-TCP)</a:t>
+            </a:r>
+            <a:endParaRPr lang="en-SG" sz="1050" b="1" dirty="0"/>
+          </a:p>
+        </p:txBody>
+      </p:sp>
+      <p:cxnSp>
+        <p:nvCxnSpPr>
+          <p:cNvPr id="84" name="Straight Arrow Connector 83">
+            <a:extLst>
+              <a:ext uri="{FF2B5EF4-FFF2-40B4-BE49-F238E27FC236}">
+                <a16:creationId xmlns:a16="http://schemas.microsoft.com/office/drawing/2014/main" id="{B91CCF5F-E3FE-60CE-976D-BA1DFE9819AC}"/>
+              </a:ext>
+            </a:extLst>
+          </p:cNvPr>
+          <p:cNvCxnSpPr>
+            <a:cxnSpLocks/>
+            <a:stCxn id="81" idx="3"/>
+            <a:endCxn id="83" idx="1"/>
+          </p:cNvCxnSpPr>
+          <p:nvPr/>
+        </p:nvCxnSpPr>
+        <p:spPr>
+          <a:xfrm>
+            <a:off x="5879408" y="3004494"/>
+            <a:ext cx="227374" cy="1012"/>
+          </a:xfrm>
+          <a:prstGeom prst="straightConnector1">
+            <a:avLst/>
+          </a:prstGeom>
+          <a:ln>
+            <a:tailEnd type="triangle"/>
+          </a:ln>
+        </p:spPr>
+        <p:style>
+          <a:lnRef idx="2">
+            <a:schemeClr val="accent1"/>
+          </a:lnRef>
+          <a:fillRef idx="0">
+            <a:schemeClr val="accent1"/>
+          </a:fillRef>
+          <a:effectRef idx="1">
+            <a:schemeClr val="accent1"/>
+          </a:effectRef>
+          <a:fontRef idx="minor">
+            <a:schemeClr val="tx1"/>
+          </a:fontRef>
+        </p:style>
+      </p:cxnSp>
+      <p:cxnSp>
+        <p:nvCxnSpPr>
+          <p:cNvPr id="85" name="Straight Arrow Connector 84">
+            <a:extLst>
+              <a:ext uri="{FF2B5EF4-FFF2-40B4-BE49-F238E27FC236}">
+                <a16:creationId xmlns:a16="http://schemas.microsoft.com/office/drawing/2014/main" id="{40E35A57-722D-72AF-E10D-1900312C764C}"/>
+              </a:ext>
+            </a:extLst>
+          </p:cNvPr>
+          <p:cNvCxnSpPr>
+            <a:cxnSpLocks/>
+            <a:stCxn id="83" idx="3"/>
+          </p:cNvCxnSpPr>
+          <p:nvPr/>
+        </p:nvCxnSpPr>
+        <p:spPr>
+          <a:xfrm>
+            <a:off x="7758730" y="3005506"/>
+            <a:ext cx="585090" cy="0"/>
+          </a:xfrm>
+          <a:prstGeom prst="straightConnector1">
+            <a:avLst/>
+          </a:prstGeom>
+          <a:ln>
+            <a:solidFill>
+              <a:srgbClr val="00B050"/>
+            </a:solidFill>
+            <a:headEnd type="triangle"/>
+            <a:tailEnd type="triangle"/>
+          </a:ln>
+        </p:spPr>
+        <p:style>
+          <a:lnRef idx="2">
+            <a:schemeClr val="accent1"/>
+          </a:lnRef>
+          <a:fillRef idx="0">
+            <a:schemeClr val="accent1"/>
+          </a:fillRef>
+          <a:effectRef idx="1">
+            <a:schemeClr val="accent1"/>
+          </a:effectRef>
+          <a:fontRef idx="minor">
+            <a:schemeClr val="tx1"/>
+          </a:fontRef>
+        </p:style>
+      </p:cxnSp>
+      <p:sp>
+        <p:nvSpPr>
+          <p:cNvPr id="86" name="Rectangle 85">
+            <a:extLst>
+              <a:ext uri="{FF2B5EF4-FFF2-40B4-BE49-F238E27FC236}">
+                <a16:creationId xmlns:a16="http://schemas.microsoft.com/office/drawing/2014/main" id="{3CB40215-872C-77B0-2AE3-1E49CE8448D9}"/>
+              </a:ext>
+            </a:extLst>
+          </p:cNvPr>
+          <p:cNvSpPr/>
+          <p:nvPr/>
+        </p:nvSpPr>
+        <p:spPr>
+          <a:xfrm>
+            <a:off x="8372725" y="2815187"/>
+            <a:ext cx="1078873" cy="344574"/>
+          </a:xfrm>
+          <a:prstGeom prst="rect">
+            <a:avLst/>
+          </a:prstGeom>
+        </p:spPr>
+        <p:style>
+          <a:lnRef idx="2">
+            <a:schemeClr val="accent1">
+              <a:shade val="50000"/>
+            </a:schemeClr>
+          </a:lnRef>
+          <a:fillRef idx="1">
+            <a:schemeClr val="accent1"/>
+          </a:fillRef>
+          <a:effectRef idx="0">
+            <a:schemeClr val="accent1"/>
+          </a:effectRef>
+          <a:fontRef idx="minor">
+            <a:schemeClr val="lt1"/>
+          </a:fontRef>
+        </p:style>
+        <p:txBody>
+          <a:bodyPr rtlCol="0" anchor="ctr"/>
+          <a:lstStyle/>
+          <a:p>
+            <a:pPr algn="ctr"/>
+            <a:r>
+              <a:rPr lang="en-US" sz="1000" b="1" dirty="0"/>
+              <a:t>PLC Emulator VM-00</a:t>
+            </a:r>
+            <a:endParaRPr lang="en-SG" sz="1000" b="1" dirty="0"/>
+          </a:p>
+        </p:txBody>
+      </p:sp>
+      <p:pic>
+        <p:nvPicPr>
+          <p:cNvPr id="87" name="Picture 2" descr="PLC Ladder Simulator - Apps on Google Play">
+            <a:extLst>
+              <a:ext uri="{FF2B5EF4-FFF2-40B4-BE49-F238E27FC236}">
+                <a16:creationId xmlns:a16="http://schemas.microsoft.com/office/drawing/2014/main" id="{8C7F4617-293C-0C3A-6955-90102A48A218}"/>
+              </a:ext>
+            </a:extLst>
+          </p:cNvPr>
+          <p:cNvPicPr>
+            <a:picLocks noChangeAspect="1" noChangeArrowheads="1"/>
+          </p:cNvPicPr>
+          <p:nvPr/>
+        </p:nvPicPr>
+        <p:blipFill>
+          <a:blip r:embed="rId2">
+            <a:extLst>
+              <a:ext uri="{28A0092B-C50C-407E-A947-70E740481C1C}">
+                <a14:useLocalDpi xmlns:a14="http://schemas.microsoft.com/office/drawing/2010/main" val="0"/>
+              </a:ext>
+            </a:extLst>
+          </a:blip>
+          <a:srcRect/>
+          <a:stretch>
+            <a:fillRect/>
+          </a:stretch>
+        </p:blipFill>
+        <p:spPr bwMode="auto">
+          <a:xfrm>
+            <a:off x="5480824" y="3748080"/>
+            <a:ext cx="384848" cy="384848"/>
+          </a:xfrm>
+          <a:prstGeom prst="rect">
+            <a:avLst/>
+          </a:prstGeom>
+          <a:noFill/>
+          <a:extLst>
+            <a:ext uri="{909E8E84-426E-40DD-AFC4-6F175D3DCCD1}">
+              <a14:hiddenFill xmlns:a14="http://schemas.microsoft.com/office/drawing/2010/main">
+                <a:solidFill>
+                  <a:srgbClr val="FFFFFF"/>
+                </a:solidFill>
+              </a14:hiddenFill>
+            </a:ext>
+          </a:extLst>
+        </p:spPr>
+      </p:pic>
+      <p:sp>
+        <p:nvSpPr>
+          <p:cNvPr id="88" name="Rectangle 87">
+            <a:extLst>
+              <a:ext uri="{FF2B5EF4-FFF2-40B4-BE49-F238E27FC236}">
+                <a16:creationId xmlns:a16="http://schemas.microsoft.com/office/drawing/2014/main" id="{1EBB4996-FDE0-2E4F-C420-F9B1BCE76592}"/>
+              </a:ext>
+            </a:extLst>
+          </p:cNvPr>
+          <p:cNvSpPr/>
+          <p:nvPr/>
+        </p:nvSpPr>
+        <p:spPr>
+          <a:xfrm>
+            <a:off x="6093046" y="3750103"/>
+            <a:ext cx="1651948" cy="382825"/>
+          </a:xfrm>
+          <a:prstGeom prst="rect">
+            <a:avLst/>
+          </a:prstGeom>
+          <a:solidFill>
+            <a:schemeClr val="tx2">
+              <a:lumMod val="50000"/>
+              <a:lumOff val="50000"/>
+            </a:schemeClr>
+          </a:solidFill>
+        </p:spPr>
+        <p:style>
+          <a:lnRef idx="2">
+            <a:schemeClr val="accent1">
+              <a:shade val="50000"/>
+            </a:schemeClr>
+          </a:lnRef>
+          <a:fillRef idx="1">
+            <a:schemeClr val="accent1"/>
+          </a:fillRef>
+          <a:effectRef idx="0">
+            <a:schemeClr val="accent1"/>
+          </a:effectRef>
+          <a:fontRef idx="minor">
+            <a:schemeClr val="lt1"/>
+          </a:fontRef>
+        </p:style>
+        <p:txBody>
+          <a:bodyPr rtlCol="0" anchor="ctr"/>
+          <a:lstStyle/>
+          <a:p>
+            <a:pPr algn="ctr"/>
+            <a:r>
+              <a:rPr lang="en-US" sz="1050" b="1" dirty="0"/>
+              <a:t>PLC Controller Program (S7Comm)</a:t>
+            </a:r>
+            <a:endParaRPr lang="en-SG" sz="1050" b="1" dirty="0"/>
+          </a:p>
+        </p:txBody>
+      </p:sp>
+      <p:cxnSp>
+        <p:nvCxnSpPr>
+          <p:cNvPr id="89" name="Straight Arrow Connector 88">
+            <a:extLst>
+              <a:ext uri="{FF2B5EF4-FFF2-40B4-BE49-F238E27FC236}">
+                <a16:creationId xmlns:a16="http://schemas.microsoft.com/office/drawing/2014/main" id="{AF55D840-0586-0822-7B24-A2950B2E674C}"/>
+              </a:ext>
+            </a:extLst>
+          </p:cNvPr>
+          <p:cNvCxnSpPr>
+            <a:cxnSpLocks/>
+            <a:stCxn id="87" idx="3"/>
+            <a:endCxn id="88" idx="1"/>
+          </p:cNvCxnSpPr>
+          <p:nvPr/>
+        </p:nvCxnSpPr>
+        <p:spPr>
+          <a:xfrm>
+            <a:off x="5865672" y="3940504"/>
+            <a:ext cx="227374" cy="1012"/>
+          </a:xfrm>
+          <a:prstGeom prst="straightConnector1">
+            <a:avLst/>
+          </a:prstGeom>
+          <a:ln>
+            <a:tailEnd type="triangle"/>
+          </a:ln>
+        </p:spPr>
+        <p:style>
+          <a:lnRef idx="2">
+            <a:schemeClr val="accent1"/>
+          </a:lnRef>
+          <a:fillRef idx="0">
+            <a:schemeClr val="accent1"/>
+          </a:fillRef>
+          <a:effectRef idx="1">
+            <a:schemeClr val="accent1"/>
+          </a:effectRef>
+          <a:fontRef idx="minor">
+            <a:schemeClr val="tx1"/>
+          </a:fontRef>
+        </p:style>
+      </p:cxnSp>
+      <p:sp>
+        <p:nvSpPr>
+          <p:cNvPr id="90" name="Rectangle 89">
+            <a:extLst>
+              <a:ext uri="{FF2B5EF4-FFF2-40B4-BE49-F238E27FC236}">
+                <a16:creationId xmlns:a16="http://schemas.microsoft.com/office/drawing/2014/main" id="{41AFCB2A-9255-44D6-EC0C-2A40E07DEDD6}"/>
+              </a:ext>
+            </a:extLst>
+          </p:cNvPr>
+          <p:cNvSpPr/>
+          <p:nvPr/>
+        </p:nvSpPr>
+        <p:spPr>
+          <a:xfrm>
+            <a:off x="8343820" y="3768217"/>
+            <a:ext cx="1078873" cy="344574"/>
+          </a:xfrm>
+          <a:prstGeom prst="rect">
+            <a:avLst/>
+          </a:prstGeom>
+        </p:spPr>
+        <p:style>
+          <a:lnRef idx="2">
+            <a:schemeClr val="accent1">
+              <a:shade val="50000"/>
+            </a:schemeClr>
+          </a:lnRef>
+          <a:fillRef idx="1">
+            <a:schemeClr val="accent1"/>
+          </a:fillRef>
+          <a:effectRef idx="0">
+            <a:schemeClr val="accent1"/>
+          </a:effectRef>
+          <a:fontRef idx="minor">
+            <a:schemeClr val="lt1"/>
+          </a:fontRef>
+        </p:style>
+        <p:txBody>
+          <a:bodyPr rtlCol="0" anchor="ctr"/>
+          <a:lstStyle/>
+          <a:p>
+            <a:pPr algn="ctr"/>
+            <a:r>
+              <a:rPr lang="en-US" sz="1000" b="1" dirty="0"/>
+              <a:t>PLC Emulator VM-0N</a:t>
+            </a:r>
+            <a:endParaRPr lang="en-SG" sz="1000" b="1" dirty="0"/>
+          </a:p>
+        </p:txBody>
+      </p:sp>
+      <p:cxnSp>
+        <p:nvCxnSpPr>
+          <p:cNvPr id="91" name="Straight Arrow Connector 90">
+            <a:extLst>
+              <a:ext uri="{FF2B5EF4-FFF2-40B4-BE49-F238E27FC236}">
+                <a16:creationId xmlns:a16="http://schemas.microsoft.com/office/drawing/2014/main" id="{418EEA79-6994-E3E4-12B4-33DC1234FBB2}"/>
+              </a:ext>
+            </a:extLst>
+          </p:cNvPr>
+          <p:cNvCxnSpPr>
+            <a:cxnSpLocks/>
+          </p:cNvCxnSpPr>
+          <p:nvPr/>
+        </p:nvCxnSpPr>
+        <p:spPr>
+          <a:xfrm>
+            <a:off x="7744994" y="3914170"/>
+            <a:ext cx="598826" cy="0"/>
+          </a:xfrm>
+          <a:prstGeom prst="straightConnector1">
+            <a:avLst/>
+          </a:prstGeom>
+          <a:ln>
+            <a:headEnd type="triangle"/>
+            <a:tailEnd type="triangle"/>
+          </a:ln>
+        </p:spPr>
+        <p:style>
+          <a:lnRef idx="2">
+            <a:schemeClr val="accent1"/>
+          </a:lnRef>
+          <a:fillRef idx="0">
+            <a:schemeClr val="accent1"/>
+          </a:fillRef>
+          <a:effectRef idx="1">
+            <a:schemeClr val="accent1"/>
+          </a:effectRef>
+          <a:fontRef idx="minor">
+            <a:schemeClr val="tx1"/>
+          </a:fontRef>
+        </p:style>
+      </p:cxnSp>
+      <p:cxnSp>
+        <p:nvCxnSpPr>
+          <p:cNvPr id="93" name="Connector: Elbow 92">
+            <a:extLst>
+              <a:ext uri="{FF2B5EF4-FFF2-40B4-BE49-F238E27FC236}">
+                <a16:creationId xmlns:a16="http://schemas.microsoft.com/office/drawing/2014/main" id="{91AC769B-BD3A-EB03-8EE6-10E702C0B370}"/>
+              </a:ext>
+            </a:extLst>
+          </p:cNvPr>
+          <p:cNvCxnSpPr>
+            <a:cxnSpLocks/>
+            <a:stCxn id="82" idx="3"/>
+          </p:cNvCxnSpPr>
+          <p:nvPr/>
+        </p:nvCxnSpPr>
+        <p:spPr>
+          <a:xfrm flipV="1">
+            <a:off x="6400926" y="3196918"/>
+            <a:ext cx="178819" cy="240738"/>
+          </a:xfrm>
+          <a:prstGeom prst="bentConnector2">
+            <a:avLst/>
+          </a:prstGeom>
+          <a:ln>
+            <a:tailEnd type="triangle"/>
+          </a:ln>
+        </p:spPr>
+        <p:style>
+          <a:lnRef idx="2">
+            <a:schemeClr val="accent1"/>
+          </a:lnRef>
+          <a:fillRef idx="0">
+            <a:schemeClr val="accent1"/>
+          </a:fillRef>
+          <a:effectRef idx="1">
+            <a:schemeClr val="accent1"/>
+          </a:effectRef>
+          <a:fontRef idx="minor">
+            <a:schemeClr val="tx1"/>
+          </a:fontRef>
+        </p:style>
+      </p:cxnSp>
+      <p:pic>
+        <p:nvPicPr>
+          <p:cNvPr id="99" name="Picture 98">
+            <a:extLst>
+              <a:ext uri="{FF2B5EF4-FFF2-40B4-BE49-F238E27FC236}">
+                <a16:creationId xmlns:a16="http://schemas.microsoft.com/office/drawing/2014/main" id="{D0F8F074-17C5-97AC-FFEC-5091709818F1}"/>
+              </a:ext>
+            </a:extLst>
+          </p:cNvPr>
+          <p:cNvPicPr>
+            <a:picLocks noChangeAspect="1"/>
+          </p:cNvPicPr>
+          <p:nvPr/>
+        </p:nvPicPr>
+        <p:blipFill>
+          <a:blip r:embed="rId3"/>
+          <a:stretch>
+            <a:fillRect/>
+          </a:stretch>
+        </p:blipFill>
+        <p:spPr>
+          <a:xfrm>
+            <a:off x="6838632" y="3255351"/>
+            <a:ext cx="307880" cy="384849"/>
+          </a:xfrm>
+          <a:prstGeom prst="rect">
+            <a:avLst/>
+          </a:prstGeom>
+        </p:spPr>
+      </p:pic>
+      <p:cxnSp>
+        <p:nvCxnSpPr>
+          <p:cNvPr id="100" name="Connector: Elbow 99">
+            <a:extLst>
+              <a:ext uri="{FF2B5EF4-FFF2-40B4-BE49-F238E27FC236}">
+                <a16:creationId xmlns:a16="http://schemas.microsoft.com/office/drawing/2014/main" id="{4AD7FBC2-9517-50E8-A116-2AD3E45ABFCB}"/>
+              </a:ext>
+            </a:extLst>
+          </p:cNvPr>
+          <p:cNvCxnSpPr>
+            <a:cxnSpLocks/>
+            <a:stCxn id="99" idx="3"/>
+          </p:cNvCxnSpPr>
+          <p:nvPr/>
+        </p:nvCxnSpPr>
+        <p:spPr>
+          <a:xfrm>
+            <a:off x="7146512" y="3447776"/>
+            <a:ext cx="419339" cy="276594"/>
+          </a:xfrm>
+          <a:prstGeom prst="bentConnector3">
+            <a:avLst>
+              <a:gd name="adj1" fmla="val 99372"/>
+            </a:avLst>
+          </a:prstGeom>
+          <a:ln>
+            <a:tailEnd type="triangle"/>
+          </a:ln>
+        </p:spPr>
+        <p:style>
+          <a:lnRef idx="2">
+            <a:schemeClr val="accent1"/>
+          </a:lnRef>
+          <a:fillRef idx="0">
+            <a:schemeClr val="accent1"/>
+          </a:fillRef>
+          <a:effectRef idx="1">
+            <a:schemeClr val="accent1"/>
+          </a:effectRef>
+          <a:fontRef idx="minor">
+            <a:schemeClr val="tx1"/>
+          </a:fontRef>
+        </p:style>
+      </p:cxnSp>
+      <p:sp>
+        <p:nvSpPr>
+          <p:cNvPr id="104" name="TextBox 103">
+            <a:extLst>
+              <a:ext uri="{FF2B5EF4-FFF2-40B4-BE49-F238E27FC236}">
+                <a16:creationId xmlns:a16="http://schemas.microsoft.com/office/drawing/2014/main" id="{25F0534F-67F5-BC62-D417-D63090DE9E3D}"/>
+              </a:ext>
+            </a:extLst>
+          </p:cNvPr>
+          <p:cNvSpPr txBox="1"/>
+          <p:nvPr/>
+        </p:nvSpPr>
+        <p:spPr>
+          <a:xfrm>
+            <a:off x="3948889" y="3329973"/>
+            <a:ext cx="494572" cy="276999"/>
+          </a:xfrm>
+          <a:prstGeom prst="rect">
+            <a:avLst/>
+          </a:prstGeom>
+          <a:noFill/>
+        </p:spPr>
+        <p:txBody>
+          <a:bodyPr wrap="square" rtlCol="0">
+            <a:spAutoFit/>
+          </a:bodyPr>
+          <a:lstStyle/>
+          <a:p>
+            <a:r>
+              <a:rPr lang="en-US" sz="1200" b="1" dirty="0"/>
+              <a:t>…</a:t>
+            </a:r>
+            <a:endParaRPr lang="en-SG" sz="1200" b="1" dirty="0"/>
+          </a:p>
+        </p:txBody>
+      </p:sp>
+      <p:cxnSp>
+        <p:nvCxnSpPr>
+          <p:cNvPr id="105" name="Straight Arrow Connector 104">
+            <a:extLst>
+              <a:ext uri="{FF2B5EF4-FFF2-40B4-BE49-F238E27FC236}">
+                <a16:creationId xmlns:a16="http://schemas.microsoft.com/office/drawing/2014/main" id="{957342EF-601B-EA8A-1C66-ABDB7E6378BB}"/>
+              </a:ext>
+            </a:extLst>
+          </p:cNvPr>
+          <p:cNvCxnSpPr>
+            <a:cxnSpLocks/>
+            <a:endCxn id="104" idx="1"/>
+          </p:cNvCxnSpPr>
+          <p:nvPr/>
+        </p:nvCxnSpPr>
+        <p:spPr>
+          <a:xfrm>
+            <a:off x="3279033" y="3015436"/>
+            <a:ext cx="669856" cy="453037"/>
+          </a:xfrm>
+          <a:prstGeom prst="straightConnector1">
+            <a:avLst/>
+          </a:prstGeom>
+          <a:ln>
+            <a:solidFill>
+              <a:srgbClr val="00B050"/>
+            </a:solidFill>
+            <a:headEnd type="triangle"/>
+            <a:tailEnd type="triangle"/>
+          </a:ln>
+        </p:spPr>
+        <p:style>
+          <a:lnRef idx="2">
+            <a:schemeClr val="accent1"/>
+          </a:lnRef>
+          <a:fillRef idx="0">
+            <a:schemeClr val="accent1"/>
+          </a:fillRef>
+          <a:effectRef idx="1">
+            <a:schemeClr val="accent1"/>
+          </a:effectRef>
+          <a:fontRef idx="minor">
+            <a:schemeClr val="tx1"/>
+          </a:fontRef>
+        </p:style>
+      </p:cxnSp>
+      <p:sp>
+        <p:nvSpPr>
+          <p:cNvPr id="108" name="TextBox 107">
+            <a:extLst>
+              <a:ext uri="{FF2B5EF4-FFF2-40B4-BE49-F238E27FC236}">
+                <a16:creationId xmlns:a16="http://schemas.microsoft.com/office/drawing/2014/main" id="{AD081D39-7D30-6D32-FEEB-42FF81BFE6D4}"/>
+              </a:ext>
+            </a:extLst>
+          </p:cNvPr>
+          <p:cNvSpPr txBox="1"/>
+          <p:nvPr/>
+        </p:nvSpPr>
+        <p:spPr>
+          <a:xfrm>
+            <a:off x="806430" y="344665"/>
+            <a:ext cx="2316467" cy="276999"/>
+          </a:xfrm>
+          <a:prstGeom prst="rect">
+            <a:avLst/>
+          </a:prstGeom>
+          <a:noFill/>
+        </p:spPr>
+        <p:txBody>
+          <a:bodyPr wrap="square" rtlCol="0">
+            <a:spAutoFit/>
+          </a:bodyPr>
+          <a:lstStyle/>
+          <a:p>
+            <a:r>
+              <a:rPr lang="en-US" sz="1200" b="1" dirty="0">
+                <a:solidFill>
+                  <a:schemeClr val="tx1">
+                    <a:lumMod val="50000"/>
+                    <a:lumOff val="50000"/>
+                  </a:schemeClr>
+                </a:solidFill>
+              </a:rPr>
+              <a:t>One to One Connection </a:t>
+            </a:r>
+            <a:endParaRPr lang="en-SG" sz="1200" b="1" dirty="0">
+              <a:solidFill>
+                <a:schemeClr val="tx1">
+                  <a:lumMod val="50000"/>
+                  <a:lumOff val="50000"/>
+                </a:schemeClr>
+              </a:solidFill>
+            </a:endParaRPr>
+          </a:p>
+        </p:txBody>
+      </p:sp>
+      <p:sp>
+        <p:nvSpPr>
+          <p:cNvPr id="109" name="TextBox 108">
+            <a:extLst>
+              <a:ext uri="{FF2B5EF4-FFF2-40B4-BE49-F238E27FC236}">
+                <a16:creationId xmlns:a16="http://schemas.microsoft.com/office/drawing/2014/main" id="{FC72208F-831C-4B71-A421-5E616546E08C}"/>
+              </a:ext>
+            </a:extLst>
+          </p:cNvPr>
+          <p:cNvSpPr txBox="1"/>
+          <p:nvPr/>
+        </p:nvSpPr>
+        <p:spPr>
+          <a:xfrm>
+            <a:off x="5332101" y="342728"/>
+            <a:ext cx="2316467" cy="276999"/>
+          </a:xfrm>
+          <a:prstGeom prst="rect">
+            <a:avLst/>
+          </a:prstGeom>
+          <a:noFill/>
+        </p:spPr>
+        <p:txBody>
+          <a:bodyPr wrap="square" rtlCol="0">
+            <a:spAutoFit/>
+          </a:bodyPr>
+          <a:lstStyle/>
+          <a:p>
+            <a:r>
+              <a:rPr lang="en-US" sz="1200" b="1" dirty="0">
+                <a:solidFill>
+                  <a:schemeClr val="tx1">
+                    <a:lumMod val="50000"/>
+                    <a:lumOff val="50000"/>
+                  </a:schemeClr>
+                </a:solidFill>
+              </a:rPr>
+              <a:t>One to N Connection </a:t>
+            </a:r>
+            <a:endParaRPr lang="en-SG" sz="1200" b="1" dirty="0">
+              <a:solidFill>
+                <a:schemeClr val="tx1">
+                  <a:lumMod val="50000"/>
+                  <a:lumOff val="50000"/>
+                </a:schemeClr>
+              </a:solidFill>
+            </a:endParaRPr>
+          </a:p>
+        </p:txBody>
+      </p:sp>
+      <p:sp>
+        <p:nvSpPr>
+          <p:cNvPr id="110" name="TextBox 109">
+            <a:extLst>
+              <a:ext uri="{FF2B5EF4-FFF2-40B4-BE49-F238E27FC236}">
+                <a16:creationId xmlns:a16="http://schemas.microsoft.com/office/drawing/2014/main" id="{233CA7B7-6B1E-A6A8-227E-686EF36FEE38}"/>
+              </a:ext>
+            </a:extLst>
+          </p:cNvPr>
+          <p:cNvSpPr txBox="1"/>
+          <p:nvPr/>
+        </p:nvSpPr>
+        <p:spPr>
+          <a:xfrm>
+            <a:off x="880249" y="2177899"/>
+            <a:ext cx="1612369" cy="276999"/>
+          </a:xfrm>
+          <a:prstGeom prst="rect">
+            <a:avLst/>
+          </a:prstGeom>
+          <a:noFill/>
+        </p:spPr>
+        <p:txBody>
+          <a:bodyPr wrap="square" rtlCol="0">
+            <a:spAutoFit/>
+          </a:bodyPr>
+          <a:lstStyle/>
+          <a:p>
+            <a:r>
+              <a:rPr lang="en-US" sz="1200" b="1" dirty="0">
+                <a:solidFill>
+                  <a:schemeClr val="tx1">
+                    <a:lumMod val="50000"/>
+                    <a:lumOff val="50000"/>
+                  </a:schemeClr>
+                </a:solidFill>
+              </a:rPr>
+              <a:t>N to N Connection </a:t>
+            </a:r>
+            <a:endParaRPr lang="en-SG" sz="1200" b="1" dirty="0">
+              <a:solidFill>
+                <a:schemeClr val="tx1">
+                  <a:lumMod val="50000"/>
+                  <a:lumOff val="50000"/>
+                </a:schemeClr>
+              </a:solidFill>
+            </a:endParaRPr>
+          </a:p>
+        </p:txBody>
+      </p:sp>
+      <p:sp>
+        <p:nvSpPr>
+          <p:cNvPr id="111" name="TextBox 110">
+            <a:extLst>
+              <a:ext uri="{FF2B5EF4-FFF2-40B4-BE49-F238E27FC236}">
+                <a16:creationId xmlns:a16="http://schemas.microsoft.com/office/drawing/2014/main" id="{AAC78D4F-6435-3D1A-642F-115AC1066B8C}"/>
+              </a:ext>
+            </a:extLst>
+          </p:cNvPr>
+          <p:cNvSpPr txBox="1"/>
+          <p:nvPr/>
+        </p:nvSpPr>
+        <p:spPr>
+          <a:xfrm>
+            <a:off x="5342611" y="2164287"/>
+            <a:ext cx="2474268" cy="276999"/>
+          </a:xfrm>
+          <a:prstGeom prst="rect">
+            <a:avLst/>
+          </a:prstGeom>
+          <a:noFill/>
+        </p:spPr>
+        <p:txBody>
+          <a:bodyPr wrap="square" rtlCol="0">
+            <a:spAutoFit/>
+          </a:bodyPr>
+          <a:lstStyle/>
+          <a:p>
+            <a:r>
+              <a:rPr lang="en-US" sz="1200" b="1" dirty="0">
+                <a:solidFill>
+                  <a:schemeClr val="tx1">
+                    <a:lumMod val="50000"/>
+                    <a:lumOff val="50000"/>
+                  </a:schemeClr>
+                </a:solidFill>
+              </a:rPr>
+              <a:t>Mixed OT Protocol Connection </a:t>
+            </a:r>
+            <a:endParaRPr lang="en-SG" sz="1200" b="1" dirty="0">
+              <a:solidFill>
+                <a:schemeClr val="tx1">
+                  <a:lumMod val="50000"/>
+                  <a:lumOff val="50000"/>
+                </a:schemeClr>
+              </a:solidFill>
+            </a:endParaRPr>
+          </a:p>
+        </p:txBody>
+      </p:sp>
+    </p:spTree>
+    <p:extLst>
+      <p:ext uri="{BB962C8B-B14F-4D97-AF65-F5344CB8AC3E}">
+        <p14:creationId xmlns:p14="http://schemas.microsoft.com/office/powerpoint/2010/main" val="2363280692"/>
+      </p:ext>
+    </p:extLst>
+  </p:cSld>
+  <p:clrMapOvr>
+    <a:masterClrMapping/>
+  </p:clrMapOvr>
+</p:sld>
+</file>
+
+<file path=ppt/slides/slide6.xml><?xml version="1.0" encoding="utf-8"?>
+<p:sld xmlns:a="http://schemas.openxmlformats.org/drawingml/2006/main" xmlns:r="http://schemas.openxmlformats.org/officeDocument/2006/relationships" xmlns:p="http://schemas.openxmlformats.org/presentationml/2006/main">
+  <p:cSld>
+    <p:spTree>
+      <p:nvGrpSpPr>
+        <p:cNvPr id="1" name=""/>
+        <p:cNvGrpSpPr/>
+        <p:nvPr/>
+      </p:nvGrpSpPr>
+      <p:grpSpPr>
+        <a:xfrm>
+          <a:off x="0" y="0"/>
+          <a:ext cx="0" cy="0"/>
+          <a:chOff x="0" y="0"/>
+          <a:chExt cx="0" cy="0"/>
+        </a:xfrm>
+      </p:grpSpPr>
+      <p:sp>
+        <p:nvSpPr>
+          <p:cNvPr id="7" name="Rectangle 6">
+            <a:extLst>
+              <a:ext uri="{FF2B5EF4-FFF2-40B4-BE49-F238E27FC236}">
+                <a16:creationId xmlns:a16="http://schemas.microsoft.com/office/drawing/2014/main" id="{055526B6-4153-0310-E702-6F88A8DC3967}"/>
+              </a:ext>
+            </a:extLst>
+          </p:cNvPr>
+          <p:cNvSpPr/>
+          <p:nvPr/>
+        </p:nvSpPr>
+        <p:spPr>
+          <a:xfrm>
+            <a:off x="2167005" y="5193427"/>
+            <a:ext cx="162053" cy="181551"/>
+          </a:xfrm>
+          <a:prstGeom prst="rect">
+            <a:avLst/>
+          </a:prstGeom>
+          <a:noFill/>
+          <a:ln w="19050">
+            <a:solidFill>
+              <a:schemeClr val="tx1"/>
+            </a:solidFill>
+          </a:ln>
+        </p:spPr>
+        <p:style>
+          <a:lnRef idx="2">
+            <a:schemeClr val="accent1">
+              <a:shade val="15000"/>
+            </a:schemeClr>
+          </a:lnRef>
+          <a:fillRef idx="1">
+            <a:schemeClr val="accent1"/>
+          </a:fillRef>
+          <a:effectRef idx="0">
+            <a:schemeClr val="accent1"/>
+          </a:effectRef>
+          <a:fontRef idx="minor">
+            <a:schemeClr val="lt1"/>
+          </a:fontRef>
+        </p:style>
+        <p:txBody>
+          <a:bodyPr rtlCol="0" anchor="ctr"/>
+          <a:lstStyle/>
+          <a:p>
+            <a:pPr algn="ctr"/>
+            <a:endParaRPr lang="en-SG" dirty="0"/>
+          </a:p>
+        </p:txBody>
+      </p:sp>
+      <p:sp>
+        <p:nvSpPr>
+          <p:cNvPr id="8" name="Rectangle 7">
+            <a:extLst>
+              <a:ext uri="{FF2B5EF4-FFF2-40B4-BE49-F238E27FC236}">
+                <a16:creationId xmlns:a16="http://schemas.microsoft.com/office/drawing/2014/main" id="{8117FE69-D6F1-BAEF-2B15-928FF72CBB44}"/>
+              </a:ext>
+            </a:extLst>
+          </p:cNvPr>
+          <p:cNvSpPr/>
+          <p:nvPr/>
+        </p:nvSpPr>
+        <p:spPr>
+          <a:xfrm>
+            <a:off x="1626281" y="1642126"/>
+            <a:ext cx="5206395" cy="3238676"/>
+          </a:xfrm>
+          <a:prstGeom prst="rect">
+            <a:avLst/>
+          </a:prstGeom>
+          <a:ln>
+            <a:prstDash val="sysDash"/>
+          </a:ln>
+        </p:spPr>
+        <p:style>
+          <a:lnRef idx="2">
+            <a:schemeClr val="accent6"/>
+          </a:lnRef>
+          <a:fillRef idx="1">
+            <a:schemeClr val="lt1"/>
+          </a:fillRef>
+          <a:effectRef idx="0">
+            <a:schemeClr val="accent6"/>
+          </a:effectRef>
+          <a:fontRef idx="minor">
+            <a:schemeClr val="dk1"/>
+          </a:fontRef>
+        </p:style>
+        <p:txBody>
+          <a:bodyPr rtlCol="0" anchor="ctr"/>
+          <a:lstStyle/>
+          <a:p>
+            <a:pPr algn="ctr"/>
+            <a:endParaRPr lang="en-SG" dirty="0"/>
+          </a:p>
+        </p:txBody>
+      </p:sp>
+      <p:sp>
+        <p:nvSpPr>
+          <p:cNvPr id="9" name="Rectangle 8">
+            <a:extLst>
+              <a:ext uri="{FF2B5EF4-FFF2-40B4-BE49-F238E27FC236}">
+                <a16:creationId xmlns:a16="http://schemas.microsoft.com/office/drawing/2014/main" id="{82FBC126-4356-ABCD-3946-41178477D61F}"/>
+              </a:ext>
+            </a:extLst>
+          </p:cNvPr>
+          <p:cNvSpPr/>
+          <p:nvPr/>
+        </p:nvSpPr>
+        <p:spPr>
+          <a:xfrm>
+            <a:off x="2962228" y="2462793"/>
+            <a:ext cx="1159618" cy="966208"/>
+          </a:xfrm>
+          <a:prstGeom prst="rect">
+            <a:avLst/>
+          </a:prstGeom>
+          <a:noFill/>
+          <a:ln>
+            <a:solidFill>
+              <a:schemeClr val="accent6">
+                <a:lumMod val="75000"/>
+              </a:schemeClr>
+            </a:solidFill>
+          </a:ln>
+        </p:spPr>
+        <p:style>
+          <a:lnRef idx="2">
+            <a:schemeClr val="accent1">
+              <a:shade val="15000"/>
+            </a:schemeClr>
+          </a:lnRef>
+          <a:fillRef idx="1">
+            <a:schemeClr val="accent1"/>
+          </a:fillRef>
+          <a:effectRef idx="0">
+            <a:schemeClr val="accent1"/>
+          </a:effectRef>
+          <a:fontRef idx="minor">
+            <a:schemeClr val="lt1"/>
+          </a:fontRef>
+        </p:style>
+        <p:txBody>
+          <a:bodyPr rtlCol="0" anchor="ctr"/>
+          <a:lstStyle/>
+          <a:p>
+            <a:pPr algn="ctr"/>
+            <a:endParaRPr lang="en-SG"/>
+          </a:p>
+        </p:txBody>
+      </p:sp>
+      <p:sp>
+        <p:nvSpPr>
+          <p:cNvPr id="10" name="TextBox 9">
+            <a:extLst>
+              <a:ext uri="{FF2B5EF4-FFF2-40B4-BE49-F238E27FC236}">
+                <a16:creationId xmlns:a16="http://schemas.microsoft.com/office/drawing/2014/main" id="{D2B75037-1A0A-5B2B-4A86-678370AD8740}"/>
+              </a:ext>
+            </a:extLst>
+          </p:cNvPr>
+          <p:cNvSpPr txBox="1"/>
+          <p:nvPr/>
+        </p:nvSpPr>
+        <p:spPr>
+          <a:xfrm>
+            <a:off x="1626281" y="1684331"/>
+            <a:ext cx="2495565" cy="307777"/>
+          </a:xfrm>
+          <a:prstGeom prst="rect">
+            <a:avLst/>
+          </a:prstGeom>
+          <a:noFill/>
+        </p:spPr>
+        <p:txBody>
+          <a:bodyPr wrap="square" rtlCol="0">
+            <a:spAutoFit/>
+          </a:bodyPr>
+          <a:lstStyle/>
+          <a:p>
+            <a:r>
+              <a:rPr lang="en-SG" sz="1400" b="1" dirty="0"/>
+              <a:t>Honeypot PLC </a:t>
+            </a:r>
+            <a:r>
+              <a:rPr lang="en-US" sz="1400" b="1" dirty="0"/>
+              <a:t>Controller</a:t>
+            </a:r>
+            <a:r>
+              <a:rPr lang="en-SG" sz="1400" b="1" dirty="0"/>
+              <a:t> VM </a:t>
+            </a:r>
+          </a:p>
+        </p:txBody>
+      </p:sp>
+      <p:sp>
+        <p:nvSpPr>
+          <p:cNvPr id="11" name="Rectangle 10">
+            <a:extLst>
+              <a:ext uri="{FF2B5EF4-FFF2-40B4-BE49-F238E27FC236}">
+                <a16:creationId xmlns:a16="http://schemas.microsoft.com/office/drawing/2014/main" id="{BCAC9BED-336E-693E-A898-BC02DBFE5C99}"/>
+              </a:ext>
+            </a:extLst>
+          </p:cNvPr>
+          <p:cNvSpPr/>
+          <p:nvPr/>
+        </p:nvSpPr>
+        <p:spPr>
+          <a:xfrm>
+            <a:off x="6801336" y="2673343"/>
+            <a:ext cx="162053" cy="181551"/>
+          </a:xfrm>
+          <a:prstGeom prst="rect">
+            <a:avLst/>
+          </a:prstGeom>
+          <a:noFill/>
+          <a:ln w="19050">
+            <a:solidFill>
+              <a:schemeClr val="tx1"/>
+            </a:solidFill>
+          </a:ln>
+        </p:spPr>
+        <p:style>
+          <a:lnRef idx="2">
+            <a:schemeClr val="accent1">
+              <a:shade val="15000"/>
+            </a:schemeClr>
+          </a:lnRef>
+          <a:fillRef idx="1">
+            <a:schemeClr val="accent1"/>
+          </a:fillRef>
+          <a:effectRef idx="0">
+            <a:schemeClr val="accent1"/>
+          </a:effectRef>
+          <a:fontRef idx="minor">
+            <a:schemeClr val="lt1"/>
+          </a:fontRef>
+        </p:style>
+        <p:txBody>
+          <a:bodyPr rtlCol="0" anchor="ctr"/>
+          <a:lstStyle/>
+          <a:p>
+            <a:pPr algn="ctr"/>
+            <a:endParaRPr lang="en-SG" dirty="0"/>
+          </a:p>
+        </p:txBody>
+      </p:sp>
+      <p:sp>
+        <p:nvSpPr>
+          <p:cNvPr id="12" name="Rectangle 11">
+            <a:extLst>
+              <a:ext uri="{FF2B5EF4-FFF2-40B4-BE49-F238E27FC236}">
+                <a16:creationId xmlns:a16="http://schemas.microsoft.com/office/drawing/2014/main" id="{3C852DBB-6C0D-DA56-FEE2-FF8FEF63EE8F}"/>
+              </a:ext>
+            </a:extLst>
+          </p:cNvPr>
+          <p:cNvSpPr/>
+          <p:nvPr/>
+        </p:nvSpPr>
+        <p:spPr>
+          <a:xfrm>
+            <a:off x="4335146" y="1922784"/>
+            <a:ext cx="2014876" cy="274934"/>
+          </a:xfrm>
+          <a:prstGeom prst="rect">
+            <a:avLst/>
+          </a:prstGeom>
+        </p:spPr>
+        <p:style>
+          <a:lnRef idx="2">
+            <a:schemeClr val="accent1">
+              <a:shade val="50000"/>
+            </a:schemeClr>
+          </a:lnRef>
+          <a:fillRef idx="1">
+            <a:schemeClr val="accent1"/>
+          </a:fillRef>
+          <a:effectRef idx="0">
+            <a:schemeClr val="accent1"/>
+          </a:effectRef>
+          <a:fontRef idx="minor">
+            <a:schemeClr val="lt1"/>
+          </a:fontRef>
+        </p:style>
+        <p:txBody>
+          <a:bodyPr rtlCol="0" anchor="ctr"/>
+          <a:lstStyle/>
+          <a:p>
+            <a:pPr algn="ctr"/>
+            <a:r>
+              <a:rPr lang="en-US" sz="1000" b="1" dirty="0"/>
+              <a:t>PLC Controller Program</a:t>
+            </a:r>
+            <a:endParaRPr lang="en-SG" sz="1000" b="1" dirty="0"/>
+          </a:p>
+        </p:txBody>
+      </p:sp>
+      <p:sp>
+        <p:nvSpPr>
+          <p:cNvPr id="14" name="Rectangle 13">
+            <a:extLst>
+              <a:ext uri="{FF2B5EF4-FFF2-40B4-BE49-F238E27FC236}">
+                <a16:creationId xmlns:a16="http://schemas.microsoft.com/office/drawing/2014/main" id="{B20FBFD6-47C3-DCDF-52AB-1E893A06666F}"/>
+              </a:ext>
+            </a:extLst>
+          </p:cNvPr>
+          <p:cNvSpPr/>
+          <p:nvPr/>
+        </p:nvSpPr>
+        <p:spPr>
+          <a:xfrm>
+            <a:off x="4978654" y="2608266"/>
+            <a:ext cx="1552753" cy="389929"/>
+          </a:xfrm>
+          <a:prstGeom prst="rect">
+            <a:avLst/>
+          </a:prstGeom>
+        </p:spPr>
+        <p:style>
+          <a:lnRef idx="2">
+            <a:schemeClr val="accent1">
+              <a:shade val="50000"/>
+            </a:schemeClr>
+          </a:lnRef>
+          <a:fillRef idx="1">
+            <a:schemeClr val="accent1"/>
+          </a:fillRef>
+          <a:effectRef idx="0">
+            <a:schemeClr val="accent1"/>
+          </a:effectRef>
+          <a:fontRef idx="minor">
+            <a:schemeClr val="lt1"/>
+          </a:fontRef>
+        </p:style>
+        <p:txBody>
+          <a:bodyPr rtlCol="0" anchor="ctr"/>
+          <a:lstStyle/>
+          <a:p>
+            <a:pPr algn="ctr"/>
+            <a:r>
+              <a:rPr lang="en-US" sz="1000" b="1" dirty="0"/>
+              <a:t>PLC Modbus/S7Comm Client module </a:t>
+            </a:r>
+            <a:endParaRPr lang="en-SG" sz="1000" b="1" dirty="0"/>
+          </a:p>
+        </p:txBody>
+      </p:sp>
+      <p:sp>
+        <p:nvSpPr>
+          <p:cNvPr id="15" name="Rectangle 14">
+            <a:extLst>
+              <a:ext uri="{FF2B5EF4-FFF2-40B4-BE49-F238E27FC236}">
+                <a16:creationId xmlns:a16="http://schemas.microsoft.com/office/drawing/2014/main" id="{854CE597-CC71-ABA2-7689-2C5C3377F204}"/>
+              </a:ext>
+            </a:extLst>
+          </p:cNvPr>
+          <p:cNvSpPr/>
+          <p:nvPr/>
+        </p:nvSpPr>
+        <p:spPr>
+          <a:xfrm>
+            <a:off x="4519416" y="3377009"/>
+            <a:ext cx="1545085" cy="389929"/>
+          </a:xfrm>
+          <a:prstGeom prst="rect">
+            <a:avLst/>
+          </a:prstGeom>
+        </p:spPr>
+        <p:style>
+          <a:lnRef idx="2">
+            <a:schemeClr val="accent1">
+              <a:shade val="50000"/>
+            </a:schemeClr>
+          </a:lnRef>
+          <a:fillRef idx="1">
+            <a:schemeClr val="accent1"/>
+          </a:fillRef>
+          <a:effectRef idx="0">
+            <a:schemeClr val="accent1"/>
+          </a:effectRef>
+          <a:fontRef idx="minor">
+            <a:schemeClr val="lt1"/>
+          </a:fontRef>
+        </p:style>
+        <p:txBody>
+          <a:bodyPr rtlCol="0" anchor="ctr"/>
+          <a:lstStyle/>
+          <a:p>
+            <a:pPr algn="ctr"/>
+            <a:r>
+              <a:rPr lang="en-US" sz="1000" b="1" dirty="0"/>
+              <a:t>Controller Ladder logic execution module  </a:t>
+            </a:r>
+            <a:endParaRPr lang="en-SG" sz="1000" b="1" dirty="0"/>
+          </a:p>
+        </p:txBody>
+      </p:sp>
+      <p:sp>
+        <p:nvSpPr>
+          <p:cNvPr id="16" name="Rectangle 15">
+            <a:extLst>
+              <a:ext uri="{FF2B5EF4-FFF2-40B4-BE49-F238E27FC236}">
+                <a16:creationId xmlns:a16="http://schemas.microsoft.com/office/drawing/2014/main" id="{A4F880F0-20AC-D98A-13BF-946CADCD6151}"/>
+              </a:ext>
+            </a:extLst>
+          </p:cNvPr>
+          <p:cNvSpPr/>
+          <p:nvPr/>
+        </p:nvSpPr>
+        <p:spPr>
+          <a:xfrm>
+            <a:off x="4365795" y="4422867"/>
+            <a:ext cx="2209877" cy="274934"/>
+          </a:xfrm>
+          <a:prstGeom prst="rect">
+            <a:avLst/>
+          </a:prstGeom>
+        </p:spPr>
+        <p:style>
+          <a:lnRef idx="2">
+            <a:schemeClr val="accent1">
+              <a:shade val="50000"/>
+            </a:schemeClr>
+          </a:lnRef>
+          <a:fillRef idx="1">
+            <a:schemeClr val="accent1"/>
+          </a:fillRef>
+          <a:effectRef idx="0">
+            <a:schemeClr val="accent1"/>
+          </a:effectRef>
+          <a:fontRef idx="minor">
+            <a:schemeClr val="lt1"/>
+          </a:fontRef>
+        </p:style>
+        <p:txBody>
+          <a:bodyPr rtlCol="0" anchor="ctr"/>
+          <a:lstStyle/>
+          <a:p>
+            <a:pPr algn="ctr"/>
+            <a:r>
+              <a:rPr lang="en-US" sz="1000" b="1" dirty="0"/>
+              <a:t>Honeypot monitor report module </a:t>
+            </a:r>
+            <a:endParaRPr lang="en-SG" sz="1000" b="1" dirty="0"/>
+          </a:p>
+        </p:txBody>
+      </p:sp>
+      <p:cxnSp>
+        <p:nvCxnSpPr>
+          <p:cNvPr id="17" name="Straight Connector 16">
+            <a:extLst>
+              <a:ext uri="{FF2B5EF4-FFF2-40B4-BE49-F238E27FC236}">
+                <a16:creationId xmlns:a16="http://schemas.microsoft.com/office/drawing/2014/main" id="{A3E0995E-72FB-36DA-EEB6-512047EB6BF1}"/>
+              </a:ext>
+            </a:extLst>
+          </p:cNvPr>
+          <p:cNvCxnSpPr>
+            <a:cxnSpLocks/>
+          </p:cNvCxnSpPr>
+          <p:nvPr/>
+        </p:nvCxnSpPr>
+        <p:spPr>
+          <a:xfrm flipV="1">
+            <a:off x="6531407" y="2769079"/>
+            <a:ext cx="253059" cy="1"/>
+          </a:xfrm>
+          <a:prstGeom prst="line">
+            <a:avLst/>
+          </a:prstGeom>
+        </p:spPr>
+        <p:style>
+          <a:lnRef idx="2">
+            <a:schemeClr val="accent1"/>
+          </a:lnRef>
+          <a:fillRef idx="0">
+            <a:schemeClr val="accent1"/>
+          </a:fillRef>
+          <a:effectRef idx="1">
+            <a:schemeClr val="accent1"/>
+          </a:effectRef>
+          <a:fontRef idx="minor">
+            <a:schemeClr val="tx1"/>
+          </a:fontRef>
+        </p:style>
+      </p:cxnSp>
+      <p:cxnSp>
+        <p:nvCxnSpPr>
+          <p:cNvPr id="22" name="Straight Arrow Connector 21">
+            <a:extLst>
+              <a:ext uri="{FF2B5EF4-FFF2-40B4-BE49-F238E27FC236}">
+                <a16:creationId xmlns:a16="http://schemas.microsoft.com/office/drawing/2014/main" id="{B4D613D7-29FC-21F5-9C37-247A509B5897}"/>
+              </a:ext>
+            </a:extLst>
+          </p:cNvPr>
+          <p:cNvCxnSpPr>
+            <a:cxnSpLocks/>
+          </p:cNvCxnSpPr>
+          <p:nvPr/>
+        </p:nvCxnSpPr>
+        <p:spPr>
+          <a:xfrm>
+            <a:off x="5138468" y="2207867"/>
+            <a:ext cx="0" cy="379662"/>
+          </a:xfrm>
+          <a:prstGeom prst="straightConnector1">
+            <a:avLst/>
+          </a:prstGeom>
+          <a:ln>
+            <a:tailEnd type="triangle"/>
+          </a:ln>
+        </p:spPr>
+        <p:style>
+          <a:lnRef idx="2">
+            <a:schemeClr val="accent1"/>
+          </a:lnRef>
+          <a:fillRef idx="0">
+            <a:schemeClr val="accent1"/>
+          </a:fillRef>
+          <a:effectRef idx="1">
+            <a:schemeClr val="accent1"/>
+          </a:effectRef>
+          <a:fontRef idx="minor">
+            <a:schemeClr val="tx1"/>
+          </a:fontRef>
+        </p:style>
+      </p:cxnSp>
+      <p:sp>
+        <p:nvSpPr>
+          <p:cNvPr id="23" name="TextBox 22">
+            <a:extLst>
+              <a:ext uri="{FF2B5EF4-FFF2-40B4-BE49-F238E27FC236}">
+                <a16:creationId xmlns:a16="http://schemas.microsoft.com/office/drawing/2014/main" id="{081737E5-11F1-1D5F-3540-1390C020F3C9}"/>
+              </a:ext>
+            </a:extLst>
+          </p:cNvPr>
+          <p:cNvSpPr txBox="1"/>
+          <p:nvPr/>
+        </p:nvSpPr>
+        <p:spPr>
+          <a:xfrm>
+            <a:off x="5157133" y="2292219"/>
+            <a:ext cx="1283548" cy="246221"/>
+          </a:xfrm>
+          <a:prstGeom prst="rect">
+            <a:avLst/>
+          </a:prstGeom>
+          <a:noFill/>
+        </p:spPr>
+        <p:txBody>
+          <a:bodyPr wrap="square" rtlCol="0">
+            <a:spAutoFit/>
+          </a:bodyPr>
+          <a:lstStyle/>
+          <a:p>
+            <a:r>
+              <a:rPr lang="en-US" sz="1000" dirty="0">
+                <a:solidFill>
+                  <a:srgbClr val="002060"/>
+                </a:solidFill>
+              </a:rPr>
+              <a:t>OT Comm thread</a:t>
+            </a:r>
+          </a:p>
+        </p:txBody>
+      </p:sp>
+      <p:cxnSp>
+        <p:nvCxnSpPr>
+          <p:cNvPr id="24" name="Straight Arrow Connector 23">
+            <a:extLst>
+              <a:ext uri="{FF2B5EF4-FFF2-40B4-BE49-F238E27FC236}">
+                <a16:creationId xmlns:a16="http://schemas.microsoft.com/office/drawing/2014/main" id="{39BCDCAE-9E7B-C0D6-C8B7-1E03E7895FB6}"/>
+              </a:ext>
+            </a:extLst>
+          </p:cNvPr>
+          <p:cNvCxnSpPr>
+            <a:cxnSpLocks/>
+          </p:cNvCxnSpPr>
+          <p:nvPr/>
+        </p:nvCxnSpPr>
+        <p:spPr>
+          <a:xfrm>
+            <a:off x="4842294" y="2213560"/>
+            <a:ext cx="0" cy="1094060"/>
+          </a:xfrm>
+          <a:prstGeom prst="straightConnector1">
+            <a:avLst/>
+          </a:prstGeom>
+          <a:ln>
+            <a:tailEnd type="triangle"/>
+          </a:ln>
+        </p:spPr>
+        <p:style>
+          <a:lnRef idx="2">
+            <a:schemeClr val="accent1"/>
+          </a:lnRef>
+          <a:fillRef idx="0">
+            <a:schemeClr val="accent1"/>
+          </a:fillRef>
+          <a:effectRef idx="1">
+            <a:schemeClr val="accent1"/>
+          </a:effectRef>
+          <a:fontRef idx="minor">
+            <a:schemeClr val="tx1"/>
+          </a:fontRef>
+        </p:style>
+      </p:cxnSp>
+      <p:sp>
+        <p:nvSpPr>
+          <p:cNvPr id="25" name="TextBox 24">
+            <a:extLst>
+              <a:ext uri="{FF2B5EF4-FFF2-40B4-BE49-F238E27FC236}">
+                <a16:creationId xmlns:a16="http://schemas.microsoft.com/office/drawing/2014/main" id="{30C52CE7-0BBF-0D9A-FCD6-87F56DA01A5C}"/>
+              </a:ext>
+            </a:extLst>
+          </p:cNvPr>
+          <p:cNvSpPr txBox="1"/>
+          <p:nvPr/>
+        </p:nvSpPr>
+        <p:spPr>
+          <a:xfrm>
+            <a:off x="4903810" y="3116400"/>
+            <a:ext cx="1283548" cy="246221"/>
+          </a:xfrm>
+          <a:prstGeom prst="rect">
+            <a:avLst/>
+          </a:prstGeom>
+          <a:noFill/>
+        </p:spPr>
+        <p:txBody>
+          <a:bodyPr wrap="square" rtlCol="0">
+            <a:spAutoFit/>
+          </a:bodyPr>
+          <a:lstStyle/>
+          <a:p>
+            <a:r>
+              <a:rPr lang="en-US" sz="1000" dirty="0">
+                <a:solidFill>
+                  <a:srgbClr val="002060"/>
+                </a:solidFill>
+              </a:rPr>
+              <a:t>Function thread</a:t>
+            </a:r>
+          </a:p>
+        </p:txBody>
+      </p:sp>
+      <p:cxnSp>
+        <p:nvCxnSpPr>
+          <p:cNvPr id="26" name="Straight Arrow Connector 25">
+            <a:extLst>
+              <a:ext uri="{FF2B5EF4-FFF2-40B4-BE49-F238E27FC236}">
+                <a16:creationId xmlns:a16="http://schemas.microsoft.com/office/drawing/2014/main" id="{CF937D67-5139-D8FC-698D-8EC2FCE4CA4A}"/>
+              </a:ext>
+            </a:extLst>
+          </p:cNvPr>
+          <p:cNvCxnSpPr>
+            <a:cxnSpLocks/>
+          </p:cNvCxnSpPr>
+          <p:nvPr/>
+        </p:nvCxnSpPr>
+        <p:spPr>
+          <a:xfrm>
+            <a:off x="4442605" y="2197717"/>
+            <a:ext cx="0" cy="2225150"/>
+          </a:xfrm>
+          <a:prstGeom prst="straightConnector1">
+            <a:avLst/>
+          </a:prstGeom>
+          <a:ln>
+            <a:tailEnd type="triangle"/>
+          </a:ln>
+        </p:spPr>
+        <p:style>
+          <a:lnRef idx="2">
+            <a:schemeClr val="accent1"/>
+          </a:lnRef>
+          <a:fillRef idx="0">
+            <a:schemeClr val="accent1"/>
+          </a:fillRef>
+          <a:effectRef idx="1">
+            <a:schemeClr val="accent1"/>
+          </a:effectRef>
+          <a:fontRef idx="minor">
+            <a:schemeClr val="tx1"/>
+          </a:fontRef>
+        </p:style>
+      </p:cxnSp>
+      <p:sp>
+        <p:nvSpPr>
+          <p:cNvPr id="27" name="TextBox 26">
+            <a:extLst>
+              <a:ext uri="{FF2B5EF4-FFF2-40B4-BE49-F238E27FC236}">
+                <a16:creationId xmlns:a16="http://schemas.microsoft.com/office/drawing/2014/main" id="{001C800B-3D59-9306-6A14-017347B4FBF9}"/>
+              </a:ext>
+            </a:extLst>
+          </p:cNvPr>
+          <p:cNvSpPr txBox="1"/>
+          <p:nvPr/>
+        </p:nvSpPr>
+        <p:spPr>
+          <a:xfrm>
+            <a:off x="4477109" y="4164731"/>
+            <a:ext cx="955201" cy="246221"/>
+          </a:xfrm>
+          <a:prstGeom prst="rect">
+            <a:avLst/>
+          </a:prstGeom>
+          <a:noFill/>
+        </p:spPr>
+        <p:txBody>
+          <a:bodyPr wrap="square" rtlCol="0">
+            <a:spAutoFit/>
+          </a:bodyPr>
+          <a:lstStyle/>
+          <a:p>
+            <a:r>
+              <a:rPr lang="en-US" sz="1000" dirty="0">
+                <a:solidFill>
+                  <a:srgbClr val="002060"/>
+                </a:solidFill>
+              </a:rPr>
+              <a:t>Report thread</a:t>
+            </a:r>
+          </a:p>
+        </p:txBody>
+      </p:sp>
+      <p:pic>
+        <p:nvPicPr>
+          <p:cNvPr id="28" name="Picture 27" descr="A diagram of a number of dna&#10;&#10;Description automatically generated with medium confidence">
+            <a:extLst>
+              <a:ext uri="{FF2B5EF4-FFF2-40B4-BE49-F238E27FC236}">
+                <a16:creationId xmlns:a16="http://schemas.microsoft.com/office/drawing/2014/main" id="{F33673C9-D8B9-3E8A-1D7A-E0F02199BE51}"/>
+              </a:ext>
+            </a:extLst>
+          </p:cNvPr>
+          <p:cNvPicPr>
+            <a:picLocks noChangeAspect="1"/>
+          </p:cNvPicPr>
+          <p:nvPr/>
+        </p:nvPicPr>
+        <p:blipFill>
+          <a:blip r:embed="rId2">
+            <a:extLst>
+              <a:ext uri="{28A0092B-C50C-407E-A947-70E740481C1C}">
+                <a14:useLocalDpi xmlns:a14="http://schemas.microsoft.com/office/drawing/2010/main" val="0"/>
+              </a:ext>
+            </a:extLst>
+          </a:blip>
+          <a:stretch>
+            <a:fillRect/>
+          </a:stretch>
+        </p:blipFill>
+        <p:spPr>
+          <a:xfrm>
+            <a:off x="3081468" y="3850057"/>
+            <a:ext cx="1079969" cy="720339"/>
+          </a:xfrm>
+          <a:prstGeom prst="rect">
+            <a:avLst/>
+          </a:prstGeom>
+          <a:ln w="6350">
+            <a:solidFill>
+              <a:schemeClr val="tx1"/>
+            </a:solidFill>
+          </a:ln>
+        </p:spPr>
+      </p:pic>
+      <p:sp>
+        <p:nvSpPr>
+          <p:cNvPr id="29" name="TextBox 28">
+            <a:extLst>
+              <a:ext uri="{FF2B5EF4-FFF2-40B4-BE49-F238E27FC236}">
+                <a16:creationId xmlns:a16="http://schemas.microsoft.com/office/drawing/2014/main" id="{08E5004E-F3D4-8D56-3D6D-1ADF2A2BC142}"/>
+              </a:ext>
+            </a:extLst>
+          </p:cNvPr>
+          <p:cNvSpPr txBox="1"/>
+          <p:nvPr/>
+        </p:nvSpPr>
+        <p:spPr>
+          <a:xfrm>
+            <a:off x="2984062" y="3495677"/>
+            <a:ext cx="1367746" cy="400110"/>
+          </a:xfrm>
+          <a:prstGeom prst="rect">
+            <a:avLst/>
+          </a:prstGeom>
+          <a:noFill/>
+        </p:spPr>
+        <p:txBody>
+          <a:bodyPr wrap="square" rtlCol="0">
+            <a:spAutoFit/>
+          </a:bodyPr>
+          <a:lstStyle/>
+          <a:p>
+            <a:r>
+              <a:rPr lang="en-US" sz="1000" dirty="0"/>
+              <a:t>Same Ladder logic module as target PLC </a:t>
+            </a:r>
+          </a:p>
+        </p:txBody>
+      </p:sp>
+      <p:pic>
+        <p:nvPicPr>
+          <p:cNvPr id="30" name="Graphic 29" descr="Processor outline">
+            <a:extLst>
+              <a:ext uri="{FF2B5EF4-FFF2-40B4-BE49-F238E27FC236}">
+                <a16:creationId xmlns:a16="http://schemas.microsoft.com/office/drawing/2014/main" id="{1D8EA988-54DB-EB5C-A6D1-41CF71082ACE}"/>
+              </a:ext>
+            </a:extLst>
+          </p:cNvPr>
+          <p:cNvPicPr>
+            <a:picLocks noChangeAspect="1"/>
+          </p:cNvPicPr>
+          <p:nvPr/>
+        </p:nvPicPr>
+        <p:blipFill>
+          <a:blip r:embed="rId3">
+            <a:extLst>
+              <a:ext uri="{96DAC541-7B7A-43D3-8B79-37D633B846F1}">
+                <asvg:svgBlip xmlns:asvg="http://schemas.microsoft.com/office/drawing/2016/SVG/main" r:embed="rId4"/>
+              </a:ext>
+            </a:extLst>
+          </a:blip>
+          <a:stretch>
+            <a:fillRect/>
+          </a:stretch>
+        </p:blipFill>
+        <p:spPr>
+          <a:xfrm>
+            <a:off x="6288947" y="3323838"/>
+            <a:ext cx="448945" cy="448945"/>
+          </a:xfrm>
+          <a:prstGeom prst="rect">
+            <a:avLst/>
+          </a:prstGeom>
+        </p:spPr>
+      </p:pic>
+      <p:sp>
+        <p:nvSpPr>
+          <p:cNvPr id="31" name="Arrow: Left-Right 30">
+            <a:extLst>
+              <a:ext uri="{FF2B5EF4-FFF2-40B4-BE49-F238E27FC236}">
+                <a16:creationId xmlns:a16="http://schemas.microsoft.com/office/drawing/2014/main" id="{E7BF085F-94AD-3AFA-B9FC-595F9D20835D}"/>
+              </a:ext>
+            </a:extLst>
+          </p:cNvPr>
+          <p:cNvSpPr/>
+          <p:nvPr/>
+        </p:nvSpPr>
+        <p:spPr>
+          <a:xfrm>
+            <a:off x="6073162" y="3474213"/>
+            <a:ext cx="270527" cy="111913"/>
+          </a:xfrm>
+          <a:prstGeom prst="leftRightArrow">
+            <a:avLst/>
+          </a:prstGeom>
+          <a:solidFill>
+            <a:schemeClr val="accent6">
+              <a:lumMod val="40000"/>
+              <a:lumOff val="60000"/>
+            </a:schemeClr>
+          </a:solidFill>
+        </p:spPr>
+        <p:style>
+          <a:lnRef idx="2">
+            <a:schemeClr val="accent1">
+              <a:shade val="15000"/>
+            </a:schemeClr>
+          </a:lnRef>
+          <a:fillRef idx="1">
+            <a:schemeClr val="accent1"/>
+          </a:fillRef>
+          <a:effectRef idx="0">
+            <a:schemeClr val="accent1"/>
+          </a:effectRef>
+          <a:fontRef idx="minor">
+            <a:schemeClr val="lt1"/>
+          </a:fontRef>
+        </p:style>
+        <p:txBody>
+          <a:bodyPr rtlCol="0" anchor="ctr"/>
+          <a:lstStyle/>
+          <a:p>
+            <a:pPr algn="ctr"/>
+            <a:endParaRPr lang="en-SG"/>
+          </a:p>
+        </p:txBody>
+      </p:sp>
+      <p:sp>
+        <p:nvSpPr>
+          <p:cNvPr id="32" name="TextBox 31">
+            <a:extLst>
+              <a:ext uri="{FF2B5EF4-FFF2-40B4-BE49-F238E27FC236}">
+                <a16:creationId xmlns:a16="http://schemas.microsoft.com/office/drawing/2014/main" id="{1F756DE6-ECAF-AAB7-B531-F3EED57DCABC}"/>
+              </a:ext>
+            </a:extLst>
+          </p:cNvPr>
+          <p:cNvSpPr txBox="1"/>
+          <p:nvPr/>
+        </p:nvSpPr>
+        <p:spPr>
+          <a:xfrm>
+            <a:off x="5966421" y="3771884"/>
+            <a:ext cx="1117302" cy="553998"/>
+          </a:xfrm>
+          <a:prstGeom prst="rect">
+            <a:avLst/>
+          </a:prstGeom>
+          <a:noFill/>
+        </p:spPr>
+        <p:txBody>
+          <a:bodyPr wrap="square" rtlCol="0">
+            <a:spAutoFit/>
+          </a:bodyPr>
+          <a:lstStyle/>
+          <a:p>
+            <a:r>
+              <a:rPr lang="en-US" sz="1000" dirty="0"/>
+              <a:t>PLC Register / Coil / Memory Simulation</a:t>
+            </a:r>
+          </a:p>
+        </p:txBody>
+      </p:sp>
+      <p:cxnSp>
+        <p:nvCxnSpPr>
+          <p:cNvPr id="34" name="Straight Arrow Connector 33">
+            <a:extLst>
+              <a:ext uri="{FF2B5EF4-FFF2-40B4-BE49-F238E27FC236}">
+                <a16:creationId xmlns:a16="http://schemas.microsoft.com/office/drawing/2014/main" id="{C0F6E907-BF10-5F74-04FE-5B7326B164F7}"/>
+              </a:ext>
+            </a:extLst>
+          </p:cNvPr>
+          <p:cNvCxnSpPr>
+            <a:cxnSpLocks/>
+          </p:cNvCxnSpPr>
+          <p:nvPr/>
+        </p:nvCxnSpPr>
+        <p:spPr>
+          <a:xfrm>
+            <a:off x="5647199" y="3834906"/>
+            <a:ext cx="0" cy="576046"/>
+          </a:xfrm>
+          <a:prstGeom prst="straightConnector1">
+            <a:avLst/>
+          </a:prstGeom>
+          <a:ln>
+            <a:solidFill>
+              <a:srgbClr val="C00000"/>
+            </a:solidFill>
+            <a:prstDash val="sysDash"/>
+            <a:tailEnd type="triangle"/>
+          </a:ln>
+        </p:spPr>
+        <p:style>
+          <a:lnRef idx="2">
+            <a:schemeClr val="accent6"/>
+          </a:lnRef>
+          <a:fillRef idx="0">
+            <a:schemeClr val="accent6"/>
+          </a:fillRef>
+          <a:effectRef idx="1">
+            <a:schemeClr val="accent6"/>
+          </a:effectRef>
+          <a:fontRef idx="minor">
+            <a:schemeClr val="tx1"/>
+          </a:fontRef>
+        </p:style>
+      </p:cxnSp>
+      <p:cxnSp>
+        <p:nvCxnSpPr>
+          <p:cNvPr id="38" name="Straight Arrow Connector 37">
+            <a:extLst>
+              <a:ext uri="{FF2B5EF4-FFF2-40B4-BE49-F238E27FC236}">
+                <a16:creationId xmlns:a16="http://schemas.microsoft.com/office/drawing/2014/main" id="{57B97D3A-981D-F2CB-26D6-A8EDFDE077A6}"/>
+              </a:ext>
+            </a:extLst>
+          </p:cNvPr>
+          <p:cNvCxnSpPr>
+            <a:cxnSpLocks/>
+          </p:cNvCxnSpPr>
+          <p:nvPr/>
+        </p:nvCxnSpPr>
+        <p:spPr>
+          <a:xfrm flipH="1">
+            <a:off x="3939443" y="2707009"/>
+            <a:ext cx="1040040" cy="477"/>
+          </a:xfrm>
+          <a:prstGeom prst="straightConnector1">
+            <a:avLst/>
+          </a:prstGeom>
+          <a:ln w="9525">
+            <a:solidFill>
+              <a:schemeClr val="accent2">
+                <a:lumMod val="60000"/>
+                <a:lumOff val="40000"/>
+              </a:schemeClr>
+            </a:solidFill>
+            <a:prstDash val="sysDash"/>
+            <a:tailEnd type="triangle"/>
+          </a:ln>
+        </p:spPr>
+        <p:style>
+          <a:lnRef idx="2">
+            <a:schemeClr val="accent1"/>
+          </a:lnRef>
+          <a:fillRef idx="0">
+            <a:schemeClr val="accent1"/>
+          </a:fillRef>
+          <a:effectRef idx="1">
+            <a:schemeClr val="accent1"/>
+          </a:effectRef>
+          <a:fontRef idx="minor">
+            <a:schemeClr val="tx1"/>
+          </a:fontRef>
+        </p:style>
+      </p:cxnSp>
+      <p:pic>
+        <p:nvPicPr>
+          <p:cNvPr id="39" name="Graphic 38" descr="Document with solid fill">
+            <a:extLst>
+              <a:ext uri="{FF2B5EF4-FFF2-40B4-BE49-F238E27FC236}">
+                <a16:creationId xmlns:a16="http://schemas.microsoft.com/office/drawing/2014/main" id="{6587DDF7-379A-0100-8A53-4A652A1BD9AD}"/>
+              </a:ext>
+            </a:extLst>
+          </p:cNvPr>
+          <p:cNvPicPr>
+            <a:picLocks noChangeAspect="1"/>
+          </p:cNvPicPr>
+          <p:nvPr/>
+        </p:nvPicPr>
+        <p:blipFill>
+          <a:blip r:embed="rId5">
+            <a:extLst>
+              <a:ext uri="{96DAC541-7B7A-43D3-8B79-37D633B846F1}">
+                <asvg:svgBlip xmlns:asvg="http://schemas.microsoft.com/office/drawing/2016/SVG/main" r:embed="rId6"/>
+              </a:ext>
+            </a:extLst>
+          </a:blip>
+          <a:stretch>
+            <a:fillRect/>
+          </a:stretch>
+        </p:blipFill>
+        <p:spPr>
+          <a:xfrm>
+            <a:off x="3734685" y="2634539"/>
+            <a:ext cx="246221" cy="246221"/>
+          </a:xfrm>
+          <a:prstGeom prst="rect">
+            <a:avLst/>
+          </a:prstGeom>
+        </p:spPr>
+      </p:pic>
+      <p:pic>
+        <p:nvPicPr>
+          <p:cNvPr id="40" name="Graphic 39" descr="Document with solid fill">
+            <a:extLst>
+              <a:ext uri="{FF2B5EF4-FFF2-40B4-BE49-F238E27FC236}">
+                <a16:creationId xmlns:a16="http://schemas.microsoft.com/office/drawing/2014/main" id="{02704901-27D1-8184-D2FA-4C41F4651DDF}"/>
+              </a:ext>
+            </a:extLst>
+          </p:cNvPr>
+          <p:cNvPicPr>
+            <a:picLocks noChangeAspect="1"/>
+          </p:cNvPicPr>
+          <p:nvPr/>
+        </p:nvPicPr>
+        <p:blipFill>
+          <a:blip r:embed="rId5">
+            <a:extLst>
+              <a:ext uri="{96DAC541-7B7A-43D3-8B79-37D633B846F1}">
+                <asvg:svgBlip xmlns:asvg="http://schemas.microsoft.com/office/drawing/2016/SVG/main" r:embed="rId6"/>
+              </a:ext>
+            </a:extLst>
+          </a:blip>
+          <a:stretch>
+            <a:fillRect/>
+          </a:stretch>
+        </p:blipFill>
+        <p:spPr>
+          <a:xfrm>
+            <a:off x="3744894" y="3061399"/>
+            <a:ext cx="246221" cy="246221"/>
+          </a:xfrm>
+          <a:prstGeom prst="rect">
+            <a:avLst/>
+          </a:prstGeom>
+        </p:spPr>
+      </p:pic>
+      <p:cxnSp>
+        <p:nvCxnSpPr>
+          <p:cNvPr id="41" name="Connector: Elbow 40">
+            <a:extLst>
+              <a:ext uri="{FF2B5EF4-FFF2-40B4-BE49-F238E27FC236}">
+                <a16:creationId xmlns:a16="http://schemas.microsoft.com/office/drawing/2014/main" id="{656FC27B-3B0B-4741-3609-AA54DC6557F7}"/>
+              </a:ext>
+            </a:extLst>
+          </p:cNvPr>
+          <p:cNvCxnSpPr>
+            <a:cxnSpLocks/>
+            <a:stCxn id="15" idx="1"/>
+          </p:cNvCxnSpPr>
+          <p:nvPr/>
+        </p:nvCxnSpPr>
+        <p:spPr>
+          <a:xfrm rot="10800000">
+            <a:off x="3980908" y="3202030"/>
+            <a:ext cx="538508" cy="369944"/>
+          </a:xfrm>
+          <a:prstGeom prst="bentConnector3">
+            <a:avLst/>
+          </a:prstGeom>
+          <a:ln w="9525">
+            <a:solidFill>
+              <a:schemeClr val="accent2">
+                <a:lumMod val="60000"/>
+                <a:lumOff val="40000"/>
+              </a:schemeClr>
+            </a:solidFill>
+            <a:prstDash val="sysDash"/>
+            <a:tailEnd type="triangle"/>
+          </a:ln>
+        </p:spPr>
+        <p:style>
+          <a:lnRef idx="2">
+            <a:schemeClr val="accent1"/>
+          </a:lnRef>
+          <a:fillRef idx="0">
+            <a:schemeClr val="accent1"/>
+          </a:fillRef>
+          <a:effectRef idx="1">
+            <a:schemeClr val="accent1"/>
+          </a:effectRef>
+          <a:fontRef idx="minor">
+            <a:schemeClr val="tx1"/>
+          </a:fontRef>
+        </p:style>
+      </p:cxnSp>
+      <p:sp>
+        <p:nvSpPr>
+          <p:cNvPr id="42" name="TextBox 41">
+            <a:extLst>
+              <a:ext uri="{FF2B5EF4-FFF2-40B4-BE49-F238E27FC236}">
+                <a16:creationId xmlns:a16="http://schemas.microsoft.com/office/drawing/2014/main" id="{2D0BA147-8A39-E10C-9885-99898CD47FEF}"/>
+              </a:ext>
+            </a:extLst>
+          </p:cNvPr>
+          <p:cNvSpPr txBox="1"/>
+          <p:nvPr/>
+        </p:nvSpPr>
+        <p:spPr>
+          <a:xfrm>
+            <a:off x="2974369" y="2194202"/>
+            <a:ext cx="1255432" cy="246221"/>
+          </a:xfrm>
+          <a:prstGeom prst="rect">
+            <a:avLst/>
+          </a:prstGeom>
+          <a:noFill/>
+        </p:spPr>
+        <p:txBody>
+          <a:bodyPr wrap="square" rtlCol="0">
+            <a:spAutoFit/>
+          </a:bodyPr>
+          <a:lstStyle/>
+          <a:p>
+            <a:r>
+              <a:rPr lang="en-US" sz="1000" b="1" dirty="0">
+                <a:solidFill>
+                  <a:schemeClr val="accent6">
+                    <a:lumMod val="50000"/>
+                  </a:schemeClr>
+                </a:solidFill>
+              </a:rPr>
+              <a:t>Local log storage</a:t>
+            </a:r>
+          </a:p>
+        </p:txBody>
+      </p:sp>
+      <p:sp>
+        <p:nvSpPr>
+          <p:cNvPr id="44" name="TextBox 43">
+            <a:extLst>
+              <a:ext uri="{FF2B5EF4-FFF2-40B4-BE49-F238E27FC236}">
+                <a16:creationId xmlns:a16="http://schemas.microsoft.com/office/drawing/2014/main" id="{C9AA37F5-9BAC-9E94-49DC-A054E3DED51F}"/>
+              </a:ext>
+            </a:extLst>
+          </p:cNvPr>
+          <p:cNvSpPr txBox="1"/>
+          <p:nvPr/>
+        </p:nvSpPr>
+        <p:spPr>
+          <a:xfrm>
+            <a:off x="2965073" y="2561670"/>
+            <a:ext cx="908490" cy="369332"/>
+          </a:xfrm>
+          <a:prstGeom prst="rect">
+            <a:avLst/>
+          </a:prstGeom>
+          <a:noFill/>
+        </p:spPr>
+        <p:txBody>
+          <a:bodyPr wrap="square" rtlCol="0">
+            <a:spAutoFit/>
+          </a:bodyPr>
+          <a:lstStyle/>
+          <a:p>
+            <a:r>
+              <a:rPr lang="en-US" sz="900" dirty="0"/>
+              <a:t>PLC request control  log </a:t>
+            </a:r>
+          </a:p>
+        </p:txBody>
+      </p:sp>
+      <p:sp>
+        <p:nvSpPr>
+          <p:cNvPr id="45" name="TextBox 44">
+            <a:extLst>
+              <a:ext uri="{FF2B5EF4-FFF2-40B4-BE49-F238E27FC236}">
+                <a16:creationId xmlns:a16="http://schemas.microsoft.com/office/drawing/2014/main" id="{3AC8541F-C808-E323-BCDC-6D746C1F6A10}"/>
+              </a:ext>
+            </a:extLst>
+          </p:cNvPr>
+          <p:cNvSpPr txBox="1"/>
+          <p:nvPr/>
+        </p:nvSpPr>
+        <p:spPr>
+          <a:xfrm>
+            <a:off x="2997961" y="2960142"/>
+            <a:ext cx="908490" cy="369332"/>
+          </a:xfrm>
+          <a:prstGeom prst="rect">
+            <a:avLst/>
+          </a:prstGeom>
+          <a:noFill/>
+        </p:spPr>
+        <p:txBody>
+          <a:bodyPr wrap="square" rtlCol="0">
+            <a:spAutoFit/>
+          </a:bodyPr>
+          <a:lstStyle/>
+          <a:p>
+            <a:r>
+              <a:rPr lang="en-US" sz="900" dirty="0"/>
+              <a:t>System operation log</a:t>
+            </a:r>
+          </a:p>
+        </p:txBody>
+      </p:sp>
+      <p:sp>
+        <p:nvSpPr>
+          <p:cNvPr id="46" name="Rectangle 45">
+            <a:extLst>
+              <a:ext uri="{FF2B5EF4-FFF2-40B4-BE49-F238E27FC236}">
+                <a16:creationId xmlns:a16="http://schemas.microsoft.com/office/drawing/2014/main" id="{EF4C9AC6-769D-AA77-D3A9-72DF972E1A1E}"/>
+              </a:ext>
+            </a:extLst>
+          </p:cNvPr>
+          <p:cNvSpPr/>
+          <p:nvPr/>
+        </p:nvSpPr>
+        <p:spPr>
+          <a:xfrm>
+            <a:off x="1726837" y="2302734"/>
+            <a:ext cx="1042391" cy="404275"/>
+          </a:xfrm>
+          <a:prstGeom prst="rect">
+            <a:avLst/>
+          </a:prstGeom>
+          <a:solidFill>
+            <a:schemeClr val="accent6">
+              <a:lumMod val="75000"/>
+            </a:schemeClr>
+          </a:solidFill>
+        </p:spPr>
+        <p:style>
+          <a:lnRef idx="2">
+            <a:schemeClr val="accent1">
+              <a:shade val="50000"/>
+            </a:schemeClr>
+          </a:lnRef>
+          <a:fillRef idx="1">
+            <a:schemeClr val="accent1"/>
+          </a:fillRef>
+          <a:effectRef idx="0">
+            <a:schemeClr val="accent1"/>
+          </a:effectRef>
+          <a:fontRef idx="minor">
+            <a:schemeClr val="lt1"/>
+          </a:fontRef>
+        </p:style>
+        <p:txBody>
+          <a:bodyPr rtlCol="0" anchor="ctr"/>
+          <a:lstStyle/>
+          <a:p>
+            <a:pPr algn="ctr"/>
+            <a:r>
+              <a:rPr lang="en-US" sz="1000" b="1" dirty="0"/>
+              <a:t>PLC Log Archive Client </a:t>
+            </a:r>
+            <a:endParaRPr lang="en-SG" sz="1000" b="1" dirty="0"/>
+          </a:p>
+        </p:txBody>
+      </p:sp>
+      <p:sp>
+        <p:nvSpPr>
+          <p:cNvPr id="47" name="Rectangle 46">
+            <a:extLst>
+              <a:ext uri="{FF2B5EF4-FFF2-40B4-BE49-F238E27FC236}">
+                <a16:creationId xmlns:a16="http://schemas.microsoft.com/office/drawing/2014/main" id="{B6991E19-91C2-198E-EDF4-BCCE7765E8C3}"/>
+              </a:ext>
+            </a:extLst>
+          </p:cNvPr>
+          <p:cNvSpPr/>
+          <p:nvPr/>
+        </p:nvSpPr>
+        <p:spPr>
+          <a:xfrm>
+            <a:off x="1928439" y="3239512"/>
+            <a:ext cx="1012964" cy="472284"/>
+          </a:xfrm>
+          <a:prstGeom prst="rect">
+            <a:avLst/>
+          </a:prstGeom>
+          <a:solidFill>
+            <a:schemeClr val="accent6">
+              <a:lumMod val="75000"/>
+            </a:schemeClr>
+          </a:solidFill>
+        </p:spPr>
+        <p:style>
+          <a:lnRef idx="2">
+            <a:schemeClr val="accent1">
+              <a:shade val="50000"/>
+            </a:schemeClr>
+          </a:lnRef>
+          <a:fillRef idx="1">
+            <a:schemeClr val="accent1"/>
+          </a:fillRef>
+          <a:effectRef idx="0">
+            <a:schemeClr val="accent1"/>
+          </a:effectRef>
+          <a:fontRef idx="minor">
+            <a:schemeClr val="lt1"/>
+          </a:fontRef>
+        </p:style>
+        <p:txBody>
+          <a:bodyPr rtlCol="0" anchor="ctr"/>
+          <a:lstStyle/>
+          <a:p>
+            <a:pPr algn="ctr"/>
+            <a:r>
+              <a:rPr lang="en-US" sz="1000" b="1" dirty="0"/>
+              <a:t>Log files management module  </a:t>
+            </a:r>
+            <a:endParaRPr lang="en-SG" sz="1000" b="1" dirty="0"/>
+          </a:p>
+        </p:txBody>
+      </p:sp>
+      <p:sp>
+        <p:nvSpPr>
+          <p:cNvPr id="48" name="Rectangle 47">
+            <a:extLst>
+              <a:ext uri="{FF2B5EF4-FFF2-40B4-BE49-F238E27FC236}">
+                <a16:creationId xmlns:a16="http://schemas.microsoft.com/office/drawing/2014/main" id="{DC1708C7-634C-7B0B-4AF2-A32103FD1CE0}"/>
+              </a:ext>
+            </a:extLst>
+          </p:cNvPr>
+          <p:cNvSpPr/>
+          <p:nvPr/>
+        </p:nvSpPr>
+        <p:spPr>
+          <a:xfrm>
+            <a:off x="1792661" y="4159483"/>
+            <a:ext cx="1042391" cy="433713"/>
+          </a:xfrm>
+          <a:prstGeom prst="rect">
+            <a:avLst/>
+          </a:prstGeom>
+          <a:solidFill>
+            <a:schemeClr val="accent6">
+              <a:lumMod val="75000"/>
+            </a:schemeClr>
+          </a:solidFill>
+        </p:spPr>
+        <p:style>
+          <a:lnRef idx="2">
+            <a:schemeClr val="accent1">
+              <a:shade val="50000"/>
+            </a:schemeClr>
+          </a:lnRef>
+          <a:fillRef idx="1">
+            <a:schemeClr val="accent1"/>
+          </a:fillRef>
+          <a:effectRef idx="0">
+            <a:schemeClr val="accent1"/>
+          </a:effectRef>
+          <a:fontRef idx="minor">
+            <a:schemeClr val="lt1"/>
+          </a:fontRef>
+        </p:style>
+        <p:txBody>
+          <a:bodyPr rtlCol="0" anchor="ctr"/>
+          <a:lstStyle/>
+          <a:p>
+            <a:pPr algn="ctr"/>
+            <a:r>
+              <a:rPr lang="en-US" sz="1000" b="1" dirty="0"/>
+              <a:t>Log data synchronize module  </a:t>
+            </a:r>
+            <a:endParaRPr lang="en-SG" sz="1000" b="1" dirty="0"/>
+          </a:p>
+        </p:txBody>
+      </p:sp>
+      <p:cxnSp>
+        <p:nvCxnSpPr>
+          <p:cNvPr id="49" name="Straight Arrow Connector 48">
+            <a:extLst>
+              <a:ext uri="{FF2B5EF4-FFF2-40B4-BE49-F238E27FC236}">
+                <a16:creationId xmlns:a16="http://schemas.microsoft.com/office/drawing/2014/main" id="{6772E560-E482-9E79-2DE9-93972EA4385D}"/>
+              </a:ext>
+            </a:extLst>
+          </p:cNvPr>
+          <p:cNvCxnSpPr>
+            <a:cxnSpLocks/>
+          </p:cNvCxnSpPr>
+          <p:nvPr/>
+        </p:nvCxnSpPr>
+        <p:spPr>
+          <a:xfrm>
+            <a:off x="2133600" y="2685513"/>
+            <a:ext cx="0" cy="553998"/>
+          </a:xfrm>
+          <a:prstGeom prst="straightConnector1">
+            <a:avLst/>
+          </a:prstGeom>
+          <a:ln>
+            <a:tailEnd type="triangle"/>
+          </a:ln>
+        </p:spPr>
+        <p:style>
+          <a:lnRef idx="2">
+            <a:schemeClr val="accent1"/>
+          </a:lnRef>
+          <a:fillRef idx="0">
+            <a:schemeClr val="accent1"/>
+          </a:fillRef>
+          <a:effectRef idx="1">
+            <a:schemeClr val="accent1"/>
+          </a:effectRef>
+          <a:fontRef idx="minor">
+            <a:schemeClr val="tx1"/>
+          </a:fontRef>
+        </p:style>
+      </p:cxnSp>
+      <p:sp>
+        <p:nvSpPr>
+          <p:cNvPr id="50" name="TextBox 49">
+            <a:extLst>
+              <a:ext uri="{FF2B5EF4-FFF2-40B4-BE49-F238E27FC236}">
+                <a16:creationId xmlns:a16="http://schemas.microsoft.com/office/drawing/2014/main" id="{39B6BE21-C09C-D757-70D6-88977ED83D26}"/>
+              </a:ext>
+            </a:extLst>
+          </p:cNvPr>
+          <p:cNvSpPr txBox="1"/>
+          <p:nvPr/>
+        </p:nvSpPr>
+        <p:spPr>
+          <a:xfrm>
+            <a:off x="2161783" y="2685513"/>
+            <a:ext cx="708993" cy="553998"/>
+          </a:xfrm>
+          <a:prstGeom prst="rect">
+            <a:avLst/>
+          </a:prstGeom>
+          <a:noFill/>
+        </p:spPr>
+        <p:txBody>
+          <a:bodyPr wrap="square" rtlCol="0">
+            <a:spAutoFit/>
+          </a:bodyPr>
+          <a:lstStyle/>
+          <a:p>
+            <a:r>
+              <a:rPr lang="en-US" sz="1000" dirty="0">
+                <a:solidFill>
+                  <a:schemeClr val="accent6">
+                    <a:lumMod val="50000"/>
+                  </a:schemeClr>
+                </a:solidFill>
+              </a:rPr>
+              <a:t>Data manager thread</a:t>
+            </a:r>
+          </a:p>
+        </p:txBody>
+      </p:sp>
+      <p:cxnSp>
+        <p:nvCxnSpPr>
+          <p:cNvPr id="51" name="Straight Arrow Connector 50">
+            <a:extLst>
+              <a:ext uri="{FF2B5EF4-FFF2-40B4-BE49-F238E27FC236}">
+                <a16:creationId xmlns:a16="http://schemas.microsoft.com/office/drawing/2014/main" id="{35229070-B20B-CF16-9ED7-9BF1A975A36F}"/>
+              </a:ext>
+            </a:extLst>
+          </p:cNvPr>
+          <p:cNvCxnSpPr>
+            <a:cxnSpLocks/>
+          </p:cNvCxnSpPr>
+          <p:nvPr/>
+        </p:nvCxnSpPr>
+        <p:spPr>
+          <a:xfrm>
+            <a:off x="1832292" y="2685513"/>
+            <a:ext cx="0" cy="1464760"/>
+          </a:xfrm>
+          <a:prstGeom prst="straightConnector1">
+            <a:avLst/>
+          </a:prstGeom>
+          <a:ln>
+            <a:tailEnd type="triangle"/>
+          </a:ln>
+        </p:spPr>
+        <p:style>
+          <a:lnRef idx="2">
+            <a:schemeClr val="accent1"/>
+          </a:lnRef>
+          <a:fillRef idx="0">
+            <a:schemeClr val="accent1"/>
+          </a:fillRef>
+          <a:effectRef idx="1">
+            <a:schemeClr val="accent1"/>
+          </a:effectRef>
+          <a:fontRef idx="minor">
+            <a:schemeClr val="tx1"/>
+          </a:fontRef>
+        </p:style>
+      </p:cxnSp>
+      <p:sp>
+        <p:nvSpPr>
+          <p:cNvPr id="52" name="TextBox 51">
+            <a:extLst>
+              <a:ext uri="{FF2B5EF4-FFF2-40B4-BE49-F238E27FC236}">
+                <a16:creationId xmlns:a16="http://schemas.microsoft.com/office/drawing/2014/main" id="{9ACCFDAB-666A-7761-AD2B-0D67F486A197}"/>
+              </a:ext>
+            </a:extLst>
+          </p:cNvPr>
+          <p:cNvSpPr txBox="1"/>
+          <p:nvPr/>
+        </p:nvSpPr>
+        <p:spPr>
+          <a:xfrm>
+            <a:off x="1860606" y="3750163"/>
+            <a:ext cx="1167937" cy="400110"/>
+          </a:xfrm>
+          <a:prstGeom prst="rect">
+            <a:avLst/>
+          </a:prstGeom>
+          <a:noFill/>
+        </p:spPr>
+        <p:txBody>
+          <a:bodyPr wrap="square" rtlCol="0">
+            <a:spAutoFit/>
+          </a:bodyPr>
+          <a:lstStyle/>
+          <a:p>
+            <a:r>
+              <a:rPr lang="en-US" sz="1000" dirty="0">
+                <a:solidFill>
+                  <a:schemeClr val="accent6">
+                    <a:lumMod val="50000"/>
+                  </a:schemeClr>
+                </a:solidFill>
+              </a:rPr>
+              <a:t>File transmission thread </a:t>
+            </a:r>
+          </a:p>
+        </p:txBody>
+      </p:sp>
+      <p:sp>
+        <p:nvSpPr>
+          <p:cNvPr id="53" name="Rectangle 52">
+            <a:extLst>
+              <a:ext uri="{FF2B5EF4-FFF2-40B4-BE49-F238E27FC236}">
+                <a16:creationId xmlns:a16="http://schemas.microsoft.com/office/drawing/2014/main" id="{F065735B-A049-795B-D99F-283FC4946ECF}"/>
+              </a:ext>
+            </a:extLst>
+          </p:cNvPr>
+          <p:cNvSpPr/>
+          <p:nvPr/>
+        </p:nvSpPr>
+        <p:spPr>
+          <a:xfrm>
+            <a:off x="1587209" y="5327813"/>
+            <a:ext cx="2014876" cy="274934"/>
+          </a:xfrm>
+          <a:prstGeom prst="rect">
+            <a:avLst/>
+          </a:prstGeom>
+          <a:solidFill>
+            <a:schemeClr val="accent2"/>
+          </a:solidFill>
+        </p:spPr>
+        <p:style>
+          <a:lnRef idx="2">
+            <a:schemeClr val="accent1">
+              <a:shade val="50000"/>
+            </a:schemeClr>
+          </a:lnRef>
+          <a:fillRef idx="1">
+            <a:schemeClr val="accent1"/>
+          </a:fillRef>
+          <a:effectRef idx="0">
+            <a:schemeClr val="accent1"/>
+          </a:effectRef>
+          <a:fontRef idx="minor">
+            <a:schemeClr val="lt1"/>
+          </a:fontRef>
+        </p:style>
+        <p:txBody>
+          <a:bodyPr rtlCol="0" anchor="ctr"/>
+          <a:lstStyle/>
+          <a:p>
+            <a:pPr algn="ctr"/>
+            <a:r>
+              <a:rPr lang="en-US" sz="1000" b="1" dirty="0"/>
+              <a:t>Log Data Archive VM</a:t>
+            </a:r>
+            <a:endParaRPr lang="en-SG" sz="1000" b="1" dirty="0"/>
+          </a:p>
+        </p:txBody>
+      </p:sp>
+      <p:cxnSp>
+        <p:nvCxnSpPr>
+          <p:cNvPr id="54" name="Straight Arrow Connector 53">
+            <a:extLst>
+              <a:ext uri="{FF2B5EF4-FFF2-40B4-BE49-F238E27FC236}">
+                <a16:creationId xmlns:a16="http://schemas.microsoft.com/office/drawing/2014/main" id="{F0071C8D-3CA2-F530-93A4-FC98DC2807DF}"/>
+              </a:ext>
+            </a:extLst>
+          </p:cNvPr>
+          <p:cNvCxnSpPr>
+            <a:cxnSpLocks/>
+            <a:endCxn id="7" idx="0"/>
+          </p:cNvCxnSpPr>
+          <p:nvPr/>
+        </p:nvCxnSpPr>
+        <p:spPr>
+          <a:xfrm>
+            <a:off x="2248031" y="4605017"/>
+            <a:ext cx="1" cy="588410"/>
+          </a:xfrm>
+          <a:prstGeom prst="straightConnector1">
+            <a:avLst/>
+          </a:prstGeom>
+          <a:ln>
+            <a:tailEnd type="triangle"/>
+          </a:ln>
+        </p:spPr>
+        <p:style>
+          <a:lnRef idx="2">
+            <a:schemeClr val="accent1"/>
+          </a:lnRef>
+          <a:fillRef idx="0">
+            <a:schemeClr val="accent1"/>
+          </a:fillRef>
+          <a:effectRef idx="1">
+            <a:schemeClr val="accent1"/>
+          </a:effectRef>
+          <a:fontRef idx="minor">
+            <a:schemeClr val="tx1"/>
+          </a:fontRef>
+        </p:style>
+      </p:cxnSp>
+      <p:sp>
+        <p:nvSpPr>
+          <p:cNvPr id="55" name="TextBox 54">
+            <a:extLst>
+              <a:ext uri="{FF2B5EF4-FFF2-40B4-BE49-F238E27FC236}">
+                <a16:creationId xmlns:a16="http://schemas.microsoft.com/office/drawing/2014/main" id="{659FB024-A990-4C67-4221-CF936C6B8844}"/>
+              </a:ext>
+            </a:extLst>
+          </p:cNvPr>
+          <p:cNvSpPr txBox="1"/>
+          <p:nvPr/>
+        </p:nvSpPr>
+        <p:spPr>
+          <a:xfrm>
+            <a:off x="2219649" y="4889161"/>
+            <a:ext cx="430543" cy="246221"/>
+          </a:xfrm>
+          <a:prstGeom prst="rect">
+            <a:avLst/>
+          </a:prstGeom>
+          <a:noFill/>
+        </p:spPr>
+        <p:txBody>
+          <a:bodyPr wrap="square" rtlCol="0">
+            <a:spAutoFit/>
+          </a:bodyPr>
+          <a:lstStyle/>
+          <a:p>
+            <a:r>
+              <a:rPr lang="en-US" sz="1000" dirty="0">
+                <a:solidFill>
+                  <a:srgbClr val="002060"/>
+                </a:solidFill>
+              </a:rPr>
+              <a:t>FTP</a:t>
+            </a:r>
+          </a:p>
+        </p:txBody>
+      </p:sp>
+      <p:sp>
+        <p:nvSpPr>
+          <p:cNvPr id="56" name="TextBox 55">
+            <a:extLst>
+              <a:ext uri="{FF2B5EF4-FFF2-40B4-BE49-F238E27FC236}">
+                <a16:creationId xmlns:a16="http://schemas.microsoft.com/office/drawing/2014/main" id="{9A7FFA36-6FDD-F384-E61F-444D34B1B637}"/>
+              </a:ext>
+            </a:extLst>
+          </p:cNvPr>
+          <p:cNvSpPr txBox="1"/>
+          <p:nvPr/>
+        </p:nvSpPr>
+        <p:spPr>
+          <a:xfrm>
+            <a:off x="2325226" y="5066203"/>
+            <a:ext cx="878248" cy="261610"/>
+          </a:xfrm>
+          <a:prstGeom prst="rect">
+            <a:avLst/>
+          </a:prstGeom>
+          <a:noFill/>
+        </p:spPr>
+        <p:txBody>
+          <a:bodyPr wrap="square" rtlCol="0">
+            <a:spAutoFit/>
+          </a:bodyPr>
+          <a:lstStyle/>
+          <a:p>
+            <a:r>
+              <a:rPr lang="en-US" sz="1100" b="1" dirty="0"/>
+              <a:t>Port 8081</a:t>
+            </a:r>
+          </a:p>
+        </p:txBody>
+      </p:sp>
+      <p:cxnSp>
+        <p:nvCxnSpPr>
+          <p:cNvPr id="57" name="Straight Arrow Connector 56">
+            <a:extLst>
+              <a:ext uri="{FF2B5EF4-FFF2-40B4-BE49-F238E27FC236}">
+                <a16:creationId xmlns:a16="http://schemas.microsoft.com/office/drawing/2014/main" id="{9790D938-77AE-2FBA-7692-9EF0D0DB1FCA}"/>
+              </a:ext>
+            </a:extLst>
+          </p:cNvPr>
+          <p:cNvCxnSpPr>
+            <a:cxnSpLocks/>
+            <a:endCxn id="60" idx="0"/>
+          </p:cNvCxnSpPr>
+          <p:nvPr/>
+        </p:nvCxnSpPr>
+        <p:spPr>
+          <a:xfrm>
+            <a:off x="5168912" y="4695792"/>
+            <a:ext cx="0" cy="503760"/>
+          </a:xfrm>
+          <a:prstGeom prst="straightConnector1">
+            <a:avLst/>
+          </a:prstGeom>
+          <a:ln>
+            <a:tailEnd type="triangle"/>
+          </a:ln>
+        </p:spPr>
+        <p:style>
+          <a:lnRef idx="2">
+            <a:schemeClr val="accent1"/>
+          </a:lnRef>
+          <a:fillRef idx="0">
+            <a:schemeClr val="accent1"/>
+          </a:fillRef>
+          <a:effectRef idx="1">
+            <a:schemeClr val="accent1"/>
+          </a:effectRef>
+          <a:fontRef idx="minor">
+            <a:schemeClr val="tx1"/>
+          </a:fontRef>
+        </p:style>
+      </p:cxnSp>
+      <p:sp>
+        <p:nvSpPr>
+          <p:cNvPr id="58" name="TextBox 57">
+            <a:extLst>
+              <a:ext uri="{FF2B5EF4-FFF2-40B4-BE49-F238E27FC236}">
+                <a16:creationId xmlns:a16="http://schemas.microsoft.com/office/drawing/2014/main" id="{D57D8EA3-3211-2C53-54AD-C9E694577D56}"/>
+              </a:ext>
+            </a:extLst>
+          </p:cNvPr>
+          <p:cNvSpPr txBox="1"/>
+          <p:nvPr/>
+        </p:nvSpPr>
+        <p:spPr>
+          <a:xfrm>
+            <a:off x="5138468" y="4922084"/>
+            <a:ext cx="726769" cy="246221"/>
+          </a:xfrm>
+          <a:prstGeom prst="rect">
+            <a:avLst/>
+          </a:prstGeom>
+          <a:noFill/>
+        </p:spPr>
+        <p:txBody>
+          <a:bodyPr wrap="square" rtlCol="0">
+            <a:spAutoFit/>
+          </a:bodyPr>
+          <a:lstStyle/>
+          <a:p>
+            <a:r>
+              <a:rPr lang="en-US" sz="1000" dirty="0">
+                <a:solidFill>
+                  <a:srgbClr val="002060"/>
+                </a:solidFill>
+              </a:rPr>
+              <a:t>Http(s)</a:t>
+            </a:r>
+          </a:p>
+        </p:txBody>
+      </p:sp>
+      <p:sp>
+        <p:nvSpPr>
+          <p:cNvPr id="59" name="TextBox 58">
+            <a:extLst>
+              <a:ext uri="{FF2B5EF4-FFF2-40B4-BE49-F238E27FC236}">
+                <a16:creationId xmlns:a16="http://schemas.microsoft.com/office/drawing/2014/main" id="{29FBC89C-4B8F-1A56-70E5-F2094D927162}"/>
+              </a:ext>
+            </a:extLst>
+          </p:cNvPr>
+          <p:cNvSpPr txBox="1"/>
+          <p:nvPr/>
+        </p:nvSpPr>
+        <p:spPr>
+          <a:xfrm>
+            <a:off x="7083723" y="4907284"/>
+            <a:ext cx="1671002" cy="261610"/>
+          </a:xfrm>
+          <a:prstGeom prst="rect">
+            <a:avLst/>
+          </a:prstGeom>
+          <a:noFill/>
+        </p:spPr>
+        <p:txBody>
+          <a:bodyPr wrap="square" rtlCol="0">
+            <a:spAutoFit/>
+          </a:bodyPr>
+          <a:lstStyle/>
+          <a:p>
+            <a:r>
+              <a:rPr lang="en-US" sz="1100" b="1" dirty="0">
+                <a:solidFill>
+                  <a:schemeClr val="tx2">
+                    <a:lumMod val="50000"/>
+                    <a:lumOff val="50000"/>
+                  </a:schemeClr>
+                </a:solidFill>
+              </a:rPr>
+              <a:t>Orchestration Network</a:t>
+            </a:r>
+          </a:p>
+        </p:txBody>
+      </p:sp>
+      <p:sp>
+        <p:nvSpPr>
+          <p:cNvPr id="60" name="Rectangle 59">
+            <a:extLst>
+              <a:ext uri="{FF2B5EF4-FFF2-40B4-BE49-F238E27FC236}">
+                <a16:creationId xmlns:a16="http://schemas.microsoft.com/office/drawing/2014/main" id="{CEA11C5B-FA47-F2F7-EE06-FFDCD578CAAF}"/>
+              </a:ext>
+            </a:extLst>
+          </p:cNvPr>
+          <p:cNvSpPr/>
+          <p:nvPr/>
+        </p:nvSpPr>
+        <p:spPr>
+          <a:xfrm>
+            <a:off x="5087885" y="5199552"/>
+            <a:ext cx="162053" cy="181551"/>
+          </a:xfrm>
+          <a:prstGeom prst="rect">
+            <a:avLst/>
+          </a:prstGeom>
+          <a:noFill/>
+          <a:ln w="19050">
+            <a:solidFill>
+              <a:schemeClr val="tx1"/>
+            </a:solidFill>
+          </a:ln>
+        </p:spPr>
+        <p:style>
+          <a:lnRef idx="2">
+            <a:schemeClr val="accent1">
+              <a:shade val="15000"/>
+            </a:schemeClr>
+          </a:lnRef>
+          <a:fillRef idx="1">
+            <a:schemeClr val="accent1"/>
+          </a:fillRef>
+          <a:effectRef idx="0">
+            <a:schemeClr val="accent1"/>
+          </a:effectRef>
+          <a:fontRef idx="minor">
+            <a:schemeClr val="lt1"/>
+          </a:fontRef>
+        </p:style>
+        <p:txBody>
+          <a:bodyPr rtlCol="0" anchor="ctr"/>
+          <a:lstStyle/>
+          <a:p>
+            <a:pPr algn="ctr"/>
+            <a:endParaRPr lang="en-SG" dirty="0"/>
+          </a:p>
+        </p:txBody>
+      </p:sp>
+      <p:sp>
+        <p:nvSpPr>
+          <p:cNvPr id="61" name="TextBox 60">
+            <a:extLst>
+              <a:ext uri="{FF2B5EF4-FFF2-40B4-BE49-F238E27FC236}">
+                <a16:creationId xmlns:a16="http://schemas.microsoft.com/office/drawing/2014/main" id="{D89E280D-569B-F080-86ED-1E53F6333822}"/>
+              </a:ext>
+            </a:extLst>
+          </p:cNvPr>
+          <p:cNvSpPr txBox="1"/>
+          <p:nvPr/>
+        </p:nvSpPr>
+        <p:spPr>
+          <a:xfrm>
+            <a:off x="5222693" y="5081096"/>
+            <a:ext cx="878248" cy="261610"/>
+          </a:xfrm>
+          <a:prstGeom prst="rect">
+            <a:avLst/>
+          </a:prstGeom>
+          <a:noFill/>
+        </p:spPr>
+        <p:txBody>
+          <a:bodyPr wrap="square" rtlCol="0">
+            <a:spAutoFit/>
+          </a:bodyPr>
+          <a:lstStyle/>
+          <a:p>
+            <a:r>
+              <a:rPr lang="en-US" sz="1100" b="1" dirty="0"/>
+              <a:t>Port 5000</a:t>
+            </a:r>
+          </a:p>
+        </p:txBody>
+      </p:sp>
+      <p:sp>
+        <p:nvSpPr>
+          <p:cNvPr id="62" name="Rectangle 61">
+            <a:extLst>
+              <a:ext uri="{FF2B5EF4-FFF2-40B4-BE49-F238E27FC236}">
+                <a16:creationId xmlns:a16="http://schemas.microsoft.com/office/drawing/2014/main" id="{9E4B65B6-D645-2D51-68C3-412CC963BF53}"/>
+              </a:ext>
+            </a:extLst>
+          </p:cNvPr>
+          <p:cNvSpPr/>
+          <p:nvPr/>
+        </p:nvSpPr>
+        <p:spPr>
+          <a:xfrm>
+            <a:off x="4403975" y="5305006"/>
+            <a:ext cx="2014876" cy="274934"/>
+          </a:xfrm>
+          <a:prstGeom prst="rect">
+            <a:avLst/>
+          </a:prstGeom>
+          <a:solidFill>
+            <a:schemeClr val="accent2"/>
+          </a:solidFill>
+        </p:spPr>
+        <p:style>
+          <a:lnRef idx="2">
+            <a:schemeClr val="accent1">
+              <a:shade val="50000"/>
+            </a:schemeClr>
+          </a:lnRef>
+          <a:fillRef idx="1">
+            <a:schemeClr val="accent1"/>
+          </a:fillRef>
+          <a:effectRef idx="0">
+            <a:schemeClr val="accent1"/>
+          </a:effectRef>
+          <a:fontRef idx="minor">
+            <a:schemeClr val="lt1"/>
+          </a:fontRef>
+        </p:style>
+        <p:txBody>
+          <a:bodyPr rtlCol="0" anchor="ctr"/>
+          <a:lstStyle/>
+          <a:p>
+            <a:pPr algn="ctr"/>
+            <a:r>
+              <a:rPr lang="en-US" sz="1000" b="1" dirty="0"/>
+              <a:t>Honeypot Monitor VM</a:t>
+            </a:r>
+            <a:endParaRPr lang="en-SG" sz="1000" b="1" dirty="0"/>
+          </a:p>
+        </p:txBody>
+      </p:sp>
+      <p:sp>
+        <p:nvSpPr>
+          <p:cNvPr id="63" name="TextBox 62">
+            <a:extLst>
+              <a:ext uri="{FF2B5EF4-FFF2-40B4-BE49-F238E27FC236}">
+                <a16:creationId xmlns:a16="http://schemas.microsoft.com/office/drawing/2014/main" id="{DA63190E-7436-C616-C1E4-A441071EACC0}"/>
+              </a:ext>
+            </a:extLst>
+          </p:cNvPr>
+          <p:cNvSpPr txBox="1"/>
+          <p:nvPr/>
+        </p:nvSpPr>
+        <p:spPr>
+          <a:xfrm>
+            <a:off x="1623949" y="1129608"/>
+            <a:ext cx="4881797" cy="369332"/>
+          </a:xfrm>
+          <a:prstGeom prst="rect">
+            <a:avLst/>
+          </a:prstGeom>
+          <a:noFill/>
+          <a:ln w="12700">
+            <a:solidFill>
+              <a:schemeClr val="tx1"/>
+            </a:solidFill>
+            <a:prstDash val="sysDash"/>
+          </a:ln>
+        </p:spPr>
+        <p:txBody>
+          <a:bodyPr wrap="square">
+            <a:spAutoFit/>
+          </a:bodyPr>
+          <a:lstStyle/>
+          <a:p>
+            <a:r>
+              <a:rPr lang="en-US" b="1" dirty="0"/>
+              <a:t>Design of Honeypot PLC Remote Controller </a:t>
+            </a:r>
+            <a:endParaRPr lang="en-SG" b="1" dirty="0"/>
+          </a:p>
+        </p:txBody>
+      </p:sp>
+      <p:cxnSp>
+        <p:nvCxnSpPr>
+          <p:cNvPr id="73" name="Connector: Elbow 72">
+            <a:extLst>
+              <a:ext uri="{FF2B5EF4-FFF2-40B4-BE49-F238E27FC236}">
+                <a16:creationId xmlns:a16="http://schemas.microsoft.com/office/drawing/2014/main" id="{387AB0F6-9B24-3DC3-7183-D67C02450B90}"/>
+              </a:ext>
+            </a:extLst>
+          </p:cNvPr>
+          <p:cNvCxnSpPr>
+            <a:cxnSpLocks/>
+            <a:stCxn id="28" idx="3"/>
+          </p:cNvCxnSpPr>
+          <p:nvPr/>
+        </p:nvCxnSpPr>
+        <p:spPr>
+          <a:xfrm flipV="1">
+            <a:off x="4161437" y="3799627"/>
+            <a:ext cx="680857" cy="410600"/>
+          </a:xfrm>
+          <a:prstGeom prst="bentConnector3">
+            <a:avLst>
+              <a:gd name="adj1" fmla="val 99413"/>
+            </a:avLst>
+          </a:prstGeom>
+          <a:ln>
+            <a:prstDash val="sysDash"/>
+            <a:tailEnd type="triangle"/>
+          </a:ln>
+        </p:spPr>
+        <p:style>
+          <a:lnRef idx="2">
+            <a:schemeClr val="accent6"/>
+          </a:lnRef>
+          <a:fillRef idx="0">
+            <a:schemeClr val="accent6"/>
+          </a:fillRef>
+          <a:effectRef idx="1">
+            <a:schemeClr val="accent6"/>
+          </a:effectRef>
+          <a:fontRef idx="minor">
+            <a:schemeClr val="tx1"/>
+          </a:fontRef>
+        </p:style>
+      </p:cxnSp>
+      <p:sp>
+        <p:nvSpPr>
+          <p:cNvPr id="77" name="TextBox 76">
+            <a:extLst>
+              <a:ext uri="{FF2B5EF4-FFF2-40B4-BE49-F238E27FC236}">
+                <a16:creationId xmlns:a16="http://schemas.microsoft.com/office/drawing/2014/main" id="{DB685DDA-F4A1-8077-4AE6-AB8047C42A43}"/>
+              </a:ext>
+            </a:extLst>
+          </p:cNvPr>
+          <p:cNvSpPr txBox="1"/>
+          <p:nvPr/>
+        </p:nvSpPr>
+        <p:spPr>
+          <a:xfrm>
+            <a:off x="5141039" y="3834906"/>
+            <a:ext cx="878248" cy="400110"/>
+          </a:xfrm>
+          <a:prstGeom prst="rect">
+            <a:avLst/>
+          </a:prstGeom>
+          <a:noFill/>
+        </p:spPr>
+        <p:txBody>
+          <a:bodyPr wrap="square" rtlCol="0">
+            <a:spAutoFit/>
+          </a:bodyPr>
+          <a:lstStyle/>
+          <a:p>
+            <a:r>
+              <a:rPr lang="en-US" sz="1000" b="1" dirty="0">
+                <a:solidFill>
+                  <a:srgbClr val="C00000"/>
+                </a:solidFill>
+              </a:rPr>
+              <a:t>Verification Result </a:t>
+            </a:r>
+          </a:p>
+        </p:txBody>
+      </p:sp>
+      <p:sp>
+        <p:nvSpPr>
+          <p:cNvPr id="78" name="TextBox 77">
+            <a:extLst>
+              <a:ext uri="{FF2B5EF4-FFF2-40B4-BE49-F238E27FC236}">
+                <a16:creationId xmlns:a16="http://schemas.microsoft.com/office/drawing/2014/main" id="{A196BDB4-2E50-24A9-6E49-4C30BBABED7A}"/>
+              </a:ext>
+            </a:extLst>
+          </p:cNvPr>
+          <p:cNvSpPr txBox="1"/>
+          <p:nvPr/>
+        </p:nvSpPr>
+        <p:spPr>
+          <a:xfrm>
+            <a:off x="6613434" y="2344610"/>
+            <a:ext cx="1099072" cy="261610"/>
+          </a:xfrm>
+          <a:prstGeom prst="rect">
+            <a:avLst/>
+          </a:prstGeom>
+          <a:noFill/>
+        </p:spPr>
+        <p:txBody>
+          <a:bodyPr wrap="square" rtlCol="0">
+            <a:spAutoFit/>
+          </a:bodyPr>
+          <a:lstStyle/>
+          <a:p>
+            <a:r>
+              <a:rPr lang="en-US" sz="1100" b="1" dirty="0"/>
+              <a:t>Port 502/102</a:t>
+            </a:r>
+          </a:p>
+        </p:txBody>
+      </p:sp>
+      <p:sp>
+        <p:nvSpPr>
+          <p:cNvPr id="79" name="Rectangle 78">
+            <a:extLst>
+              <a:ext uri="{FF2B5EF4-FFF2-40B4-BE49-F238E27FC236}">
+                <a16:creationId xmlns:a16="http://schemas.microsoft.com/office/drawing/2014/main" id="{7D19FA28-F801-371E-086B-BB99C337BFA3}"/>
+              </a:ext>
+            </a:extLst>
+          </p:cNvPr>
+          <p:cNvSpPr/>
+          <p:nvPr/>
+        </p:nvSpPr>
+        <p:spPr>
+          <a:xfrm>
+            <a:off x="7653491" y="2842186"/>
+            <a:ext cx="1099072" cy="376191"/>
+          </a:xfrm>
+          <a:prstGeom prst="rect">
+            <a:avLst/>
+          </a:prstGeom>
+          <a:solidFill>
+            <a:schemeClr val="accent2"/>
+          </a:solidFill>
+        </p:spPr>
+        <p:style>
+          <a:lnRef idx="2">
+            <a:schemeClr val="accent1">
+              <a:shade val="50000"/>
+            </a:schemeClr>
+          </a:lnRef>
+          <a:fillRef idx="1">
+            <a:schemeClr val="accent1"/>
+          </a:fillRef>
+          <a:effectRef idx="0">
+            <a:schemeClr val="accent1"/>
+          </a:effectRef>
+          <a:fontRef idx="minor">
+            <a:schemeClr val="lt1"/>
+          </a:fontRef>
+        </p:style>
+        <p:txBody>
+          <a:bodyPr rtlCol="0" anchor="ctr"/>
+          <a:lstStyle/>
+          <a:p>
+            <a:pPr algn="ctr"/>
+            <a:r>
+              <a:rPr lang="en-US" sz="1000" b="1" dirty="0"/>
+              <a:t>PLC Emulator </a:t>
+            </a:r>
+          </a:p>
+          <a:p>
+            <a:pPr algn="ctr"/>
+            <a:r>
+              <a:rPr lang="en-US" sz="1000" b="1" dirty="0"/>
+              <a:t>VM-01</a:t>
+            </a:r>
+            <a:endParaRPr lang="en-SG" sz="1000" b="1" dirty="0"/>
+          </a:p>
+        </p:txBody>
+      </p:sp>
+      <p:sp>
+        <p:nvSpPr>
+          <p:cNvPr id="82" name="Rectangle 81">
+            <a:extLst>
+              <a:ext uri="{FF2B5EF4-FFF2-40B4-BE49-F238E27FC236}">
+                <a16:creationId xmlns:a16="http://schemas.microsoft.com/office/drawing/2014/main" id="{81197617-F4AE-D14A-C8BF-F7D05C324A74}"/>
+              </a:ext>
+            </a:extLst>
+          </p:cNvPr>
+          <p:cNvSpPr/>
+          <p:nvPr/>
+        </p:nvSpPr>
+        <p:spPr>
+          <a:xfrm>
+            <a:off x="7626968" y="3535145"/>
+            <a:ext cx="1099072" cy="376191"/>
+          </a:xfrm>
+          <a:prstGeom prst="rect">
+            <a:avLst/>
+          </a:prstGeom>
+          <a:solidFill>
+            <a:schemeClr val="accent2"/>
+          </a:solidFill>
+        </p:spPr>
+        <p:style>
+          <a:lnRef idx="2">
+            <a:schemeClr val="accent1">
+              <a:shade val="50000"/>
+            </a:schemeClr>
+          </a:lnRef>
+          <a:fillRef idx="1">
+            <a:schemeClr val="accent1"/>
+          </a:fillRef>
+          <a:effectRef idx="0">
+            <a:schemeClr val="accent1"/>
+          </a:effectRef>
+          <a:fontRef idx="minor">
+            <a:schemeClr val="lt1"/>
+          </a:fontRef>
+        </p:style>
+        <p:txBody>
+          <a:bodyPr rtlCol="0" anchor="ctr"/>
+          <a:lstStyle/>
+          <a:p>
+            <a:pPr algn="ctr"/>
+            <a:r>
+              <a:rPr lang="en-US" sz="1000" b="1" dirty="0"/>
+              <a:t>PLC Emulator </a:t>
+            </a:r>
+          </a:p>
+          <a:p>
+            <a:pPr algn="ctr"/>
+            <a:r>
+              <a:rPr lang="en-US" sz="1000" b="1" dirty="0"/>
+              <a:t>VM-0N</a:t>
+            </a:r>
+            <a:endParaRPr lang="en-SG" sz="1000" b="1" dirty="0"/>
+          </a:p>
+        </p:txBody>
+      </p:sp>
+      <p:cxnSp>
+        <p:nvCxnSpPr>
+          <p:cNvPr id="83" name="Connector: Elbow 82">
+            <a:extLst>
+              <a:ext uri="{FF2B5EF4-FFF2-40B4-BE49-F238E27FC236}">
+                <a16:creationId xmlns:a16="http://schemas.microsoft.com/office/drawing/2014/main" id="{A7B8F1B7-D9CB-61B9-0B1F-3A00525A9F70}"/>
+              </a:ext>
+            </a:extLst>
+          </p:cNvPr>
+          <p:cNvCxnSpPr>
+            <a:cxnSpLocks/>
+            <a:stCxn id="11" idx="3"/>
+            <a:endCxn id="79" idx="1"/>
+          </p:cNvCxnSpPr>
+          <p:nvPr/>
+        </p:nvCxnSpPr>
+        <p:spPr>
+          <a:xfrm>
+            <a:off x="6963389" y="2764119"/>
+            <a:ext cx="690102" cy="266163"/>
+          </a:xfrm>
+          <a:prstGeom prst="bentConnector3">
+            <a:avLst>
+              <a:gd name="adj1" fmla="val 50000"/>
+            </a:avLst>
+          </a:prstGeom>
+          <a:ln>
+            <a:solidFill>
+              <a:srgbClr val="00B050"/>
+            </a:solidFill>
+            <a:tailEnd type="triangle"/>
+          </a:ln>
+        </p:spPr>
+        <p:style>
+          <a:lnRef idx="2">
+            <a:schemeClr val="accent1"/>
+          </a:lnRef>
+          <a:fillRef idx="0">
+            <a:schemeClr val="accent1"/>
+          </a:fillRef>
+          <a:effectRef idx="1">
+            <a:schemeClr val="accent1"/>
+          </a:effectRef>
+          <a:fontRef idx="minor">
+            <a:schemeClr val="tx1"/>
+          </a:fontRef>
+        </p:style>
+      </p:cxnSp>
+      <p:cxnSp>
+        <p:nvCxnSpPr>
+          <p:cNvPr id="84" name="Connector: Elbow 83">
+            <a:extLst>
+              <a:ext uri="{FF2B5EF4-FFF2-40B4-BE49-F238E27FC236}">
+                <a16:creationId xmlns:a16="http://schemas.microsoft.com/office/drawing/2014/main" id="{DB33647E-CE6C-A35C-0D23-9D1B61590C22}"/>
+              </a:ext>
+            </a:extLst>
+          </p:cNvPr>
+          <p:cNvCxnSpPr>
+            <a:cxnSpLocks/>
+            <a:stCxn id="11" idx="2"/>
+            <a:endCxn id="82" idx="1"/>
+          </p:cNvCxnSpPr>
+          <p:nvPr/>
+        </p:nvCxnSpPr>
+        <p:spPr>
+          <a:xfrm rot="16200000" flipH="1">
+            <a:off x="6820492" y="2916764"/>
+            <a:ext cx="868347" cy="744605"/>
+          </a:xfrm>
+          <a:prstGeom prst="bentConnector2">
+            <a:avLst/>
+          </a:prstGeom>
+          <a:ln>
+            <a:headEnd type="triangle"/>
+            <a:tailEnd type="triangle"/>
+          </a:ln>
+        </p:spPr>
+        <p:style>
+          <a:lnRef idx="2">
+            <a:schemeClr val="accent1"/>
+          </a:lnRef>
+          <a:fillRef idx="0">
+            <a:schemeClr val="accent1"/>
+          </a:fillRef>
+          <a:effectRef idx="1">
+            <a:schemeClr val="accent1"/>
+          </a:effectRef>
+          <a:fontRef idx="minor">
+            <a:schemeClr val="tx1"/>
+          </a:fontRef>
+        </p:style>
+      </p:cxnSp>
+      <p:sp>
+        <p:nvSpPr>
+          <p:cNvPr id="92" name="Right Brace 91">
+            <a:extLst>
+              <a:ext uri="{FF2B5EF4-FFF2-40B4-BE49-F238E27FC236}">
+                <a16:creationId xmlns:a16="http://schemas.microsoft.com/office/drawing/2014/main" id="{624FFCF7-A821-4C7E-2573-3BF9907BE3AE}"/>
+              </a:ext>
+            </a:extLst>
+          </p:cNvPr>
+          <p:cNvSpPr/>
+          <p:nvPr/>
+        </p:nvSpPr>
+        <p:spPr>
+          <a:xfrm rot="5400000">
+            <a:off x="7419671" y="3619341"/>
+            <a:ext cx="219418" cy="1376088"/>
+          </a:xfrm>
+          <a:prstGeom prst="rightBrace">
+            <a:avLst/>
+          </a:prstGeom>
+          <a:ln w="9525">
+            <a:solidFill>
+              <a:schemeClr val="tx1"/>
+            </a:solidFill>
+          </a:ln>
+        </p:spPr>
+        <p:style>
+          <a:lnRef idx="2">
+            <a:schemeClr val="accent1"/>
+          </a:lnRef>
+          <a:fillRef idx="0">
+            <a:schemeClr val="accent1"/>
+          </a:fillRef>
+          <a:effectRef idx="1">
+            <a:schemeClr val="accent1"/>
+          </a:effectRef>
+          <a:fontRef idx="minor">
+            <a:schemeClr val="tx1"/>
+          </a:fontRef>
+        </p:style>
+        <p:txBody>
+          <a:bodyPr rtlCol="0" anchor="ctr"/>
+          <a:lstStyle/>
+          <a:p>
+            <a:pPr algn="ctr"/>
+            <a:endParaRPr lang="en-SG" dirty="0"/>
+          </a:p>
+        </p:txBody>
+      </p:sp>
+      <p:sp>
+        <p:nvSpPr>
+          <p:cNvPr id="93" name="TextBox 92">
+            <a:extLst>
+              <a:ext uri="{FF2B5EF4-FFF2-40B4-BE49-F238E27FC236}">
+                <a16:creationId xmlns:a16="http://schemas.microsoft.com/office/drawing/2014/main" id="{645B4779-B6E2-F347-5C57-A035C542592B}"/>
+              </a:ext>
+            </a:extLst>
+          </p:cNvPr>
+          <p:cNvSpPr txBox="1"/>
+          <p:nvPr/>
+        </p:nvSpPr>
+        <p:spPr>
+          <a:xfrm>
+            <a:off x="7100623" y="4429875"/>
+            <a:ext cx="1595303" cy="261610"/>
+          </a:xfrm>
+          <a:prstGeom prst="rect">
+            <a:avLst/>
+          </a:prstGeom>
+          <a:noFill/>
+        </p:spPr>
+        <p:txBody>
+          <a:bodyPr wrap="square" rtlCol="0">
+            <a:spAutoFit/>
+          </a:bodyPr>
+          <a:lstStyle/>
+          <a:p>
+            <a:r>
+              <a:rPr lang="en-US" sz="1100" b="1" dirty="0">
+                <a:solidFill>
+                  <a:schemeClr val="tx2">
+                    <a:lumMod val="50000"/>
+                    <a:lumOff val="50000"/>
+                  </a:schemeClr>
+                </a:solidFill>
+              </a:rPr>
+              <a:t>OT Honeypot Network</a:t>
+            </a:r>
+          </a:p>
+        </p:txBody>
+      </p:sp>
+      <p:sp>
+        <p:nvSpPr>
+          <p:cNvPr id="94" name="Right Brace 93">
+            <a:extLst>
+              <a:ext uri="{FF2B5EF4-FFF2-40B4-BE49-F238E27FC236}">
+                <a16:creationId xmlns:a16="http://schemas.microsoft.com/office/drawing/2014/main" id="{39E437BB-D76A-96C4-77FC-0AFA16D7BA98}"/>
+              </a:ext>
+            </a:extLst>
+          </p:cNvPr>
+          <p:cNvSpPr/>
+          <p:nvPr/>
+        </p:nvSpPr>
+        <p:spPr>
+          <a:xfrm>
+            <a:off x="6889899" y="4686934"/>
+            <a:ext cx="219418" cy="688044"/>
+          </a:xfrm>
+          <a:prstGeom prst="rightBrace">
+            <a:avLst/>
+          </a:prstGeom>
+          <a:ln w="9525">
+            <a:solidFill>
+              <a:schemeClr val="tx1"/>
+            </a:solidFill>
+          </a:ln>
+        </p:spPr>
+        <p:style>
+          <a:lnRef idx="2">
+            <a:schemeClr val="accent1"/>
+          </a:lnRef>
+          <a:fillRef idx="0">
+            <a:schemeClr val="accent1"/>
+          </a:fillRef>
+          <a:effectRef idx="1">
+            <a:schemeClr val="accent1"/>
+          </a:effectRef>
+          <a:fontRef idx="minor">
+            <a:schemeClr val="tx1"/>
+          </a:fontRef>
+        </p:style>
+        <p:txBody>
+          <a:bodyPr rtlCol="0" anchor="ctr"/>
+          <a:lstStyle/>
+          <a:p>
+            <a:pPr algn="ctr"/>
+            <a:endParaRPr lang="en-SG" dirty="0"/>
+          </a:p>
+        </p:txBody>
+      </p:sp>
+      <p:pic>
+        <p:nvPicPr>
+          <p:cNvPr id="95" name="Picture 94" descr="A close-up of a device&#10;&#10;Description automatically generated">
+            <a:extLst>
+              <a:ext uri="{FF2B5EF4-FFF2-40B4-BE49-F238E27FC236}">
+                <a16:creationId xmlns:a16="http://schemas.microsoft.com/office/drawing/2014/main" id="{15240E65-5805-DC3F-3A71-40E3EA3F7658}"/>
+              </a:ext>
+            </a:extLst>
+          </p:cNvPr>
+          <p:cNvPicPr>
+            <a:picLocks noChangeAspect="1"/>
+          </p:cNvPicPr>
+          <p:nvPr/>
+        </p:nvPicPr>
+        <p:blipFill>
+          <a:blip r:embed="rId7">
+            <a:extLst>
+              <a:ext uri="{28A0092B-C50C-407E-A947-70E740481C1C}">
+                <a14:useLocalDpi xmlns:a14="http://schemas.microsoft.com/office/drawing/2010/main" val="0"/>
+              </a:ext>
+            </a:extLst>
+          </a:blip>
+          <a:stretch>
+            <a:fillRect/>
+          </a:stretch>
+        </p:blipFill>
+        <p:spPr>
+          <a:xfrm>
+            <a:off x="7468457" y="1066935"/>
+            <a:ext cx="1202275" cy="1202275"/>
+          </a:xfrm>
+          <a:prstGeom prst="rect">
+            <a:avLst/>
+          </a:prstGeom>
+        </p:spPr>
+      </p:pic>
+      <p:sp>
+        <p:nvSpPr>
+          <p:cNvPr id="97" name="TextBox 96">
+            <a:extLst>
+              <a:ext uri="{FF2B5EF4-FFF2-40B4-BE49-F238E27FC236}">
+                <a16:creationId xmlns:a16="http://schemas.microsoft.com/office/drawing/2014/main" id="{C9506F38-74FD-579A-7B11-16AA214747D6}"/>
+              </a:ext>
+            </a:extLst>
+          </p:cNvPr>
+          <p:cNvSpPr txBox="1"/>
+          <p:nvPr/>
+        </p:nvSpPr>
+        <p:spPr>
+          <a:xfrm>
+            <a:off x="6969035" y="2988611"/>
+            <a:ext cx="726769" cy="400110"/>
+          </a:xfrm>
+          <a:prstGeom prst="rect">
+            <a:avLst/>
+          </a:prstGeom>
+          <a:noFill/>
+        </p:spPr>
+        <p:txBody>
+          <a:bodyPr wrap="square" rtlCol="0">
+            <a:spAutoFit/>
+          </a:bodyPr>
+          <a:lstStyle/>
+          <a:p>
+            <a:r>
+              <a:rPr lang="en-US" sz="1000" dirty="0">
+                <a:solidFill>
+                  <a:schemeClr val="accent6">
+                    <a:lumMod val="75000"/>
+                  </a:schemeClr>
+                </a:solidFill>
+              </a:rPr>
+              <a:t>Modbus-TCP</a:t>
+            </a:r>
+          </a:p>
+        </p:txBody>
+      </p:sp>
+      <p:sp>
+        <p:nvSpPr>
+          <p:cNvPr id="98" name="TextBox 97">
+            <a:extLst>
+              <a:ext uri="{FF2B5EF4-FFF2-40B4-BE49-F238E27FC236}">
+                <a16:creationId xmlns:a16="http://schemas.microsoft.com/office/drawing/2014/main" id="{C26F4D98-B476-4259-D0AA-516433493E7B}"/>
+              </a:ext>
+            </a:extLst>
+          </p:cNvPr>
+          <p:cNvSpPr txBox="1"/>
+          <p:nvPr/>
+        </p:nvSpPr>
+        <p:spPr>
+          <a:xfrm>
+            <a:off x="6889883" y="3719370"/>
+            <a:ext cx="726769" cy="246221"/>
+          </a:xfrm>
+          <a:prstGeom prst="rect">
+            <a:avLst/>
+          </a:prstGeom>
+          <a:noFill/>
+        </p:spPr>
+        <p:txBody>
+          <a:bodyPr wrap="square" rtlCol="0">
+            <a:spAutoFit/>
+          </a:bodyPr>
+          <a:lstStyle/>
+          <a:p>
+            <a:r>
+              <a:rPr lang="en-US" sz="1000" dirty="0">
+                <a:solidFill>
+                  <a:srgbClr val="002060"/>
+                </a:solidFill>
+              </a:rPr>
+              <a:t>S7Comm</a:t>
+            </a:r>
+          </a:p>
+        </p:txBody>
+      </p:sp>
+    </p:spTree>
+    <p:extLst>
+      <p:ext uri="{BB962C8B-B14F-4D97-AF65-F5344CB8AC3E}">
+        <p14:creationId xmlns:p14="http://schemas.microsoft.com/office/powerpoint/2010/main" val="883440771"/>
       </p:ext>
     </p:extLst>
   </p:cSld>

--- a/doc/designDoc.pptx
+++ b/doc/designDoc.pptx
@@ -5,7 +5,7 @@
     <p:sldMasterId id="2147483648" r:id="rId1"/>
   </p:sldMasterIdLst>
   <p:notesMasterIdLst>
-    <p:notesMasterId r:id="rId8"/>
+    <p:notesMasterId r:id="rId10"/>
   </p:notesMasterIdLst>
   <p:sldIdLst>
     <p:sldId id="256" r:id="rId2"/>
@@ -14,6 +14,8 @@
     <p:sldId id="259" r:id="rId5"/>
     <p:sldId id="260" r:id="rId6"/>
     <p:sldId id="261" r:id="rId7"/>
+    <p:sldId id="262" r:id="rId8"/>
+    <p:sldId id="263" r:id="rId9"/>
   </p:sldIdLst>
   <p:sldSz cx="12192000" cy="6858000"/>
   <p:notesSz cx="6858000" cy="9144000"/>
@@ -23288,6 +23290,506 @@
     <p:extLst>
       <p:ext uri="{BB962C8B-B14F-4D97-AF65-F5344CB8AC3E}">
         <p14:creationId xmlns:p14="http://schemas.microsoft.com/office/powerpoint/2010/main" val="883440771"/>
+      </p:ext>
+    </p:extLst>
+  </p:cSld>
+  <p:clrMapOvr>
+    <a:masterClrMapping/>
+  </p:clrMapOvr>
+</p:sld>
+</file>
+
+<file path=ppt/slides/slide7.xml><?xml version="1.0" encoding="utf-8"?>
+<p:sld xmlns:a="http://schemas.openxmlformats.org/drawingml/2006/main" xmlns:r="http://schemas.openxmlformats.org/officeDocument/2006/relationships" xmlns:p="http://schemas.openxmlformats.org/presentationml/2006/main">
+  <p:cSld>
+    <p:spTree>
+      <p:nvGrpSpPr>
+        <p:cNvPr id="1" name=""/>
+        <p:cNvGrpSpPr/>
+        <p:nvPr/>
+      </p:nvGrpSpPr>
+      <p:grpSpPr>
+        <a:xfrm>
+          <a:off x="0" y="0"/>
+          <a:ext cx="0" cy="0"/>
+          <a:chOff x="0" y="0"/>
+          <a:chExt cx="0" cy="0"/>
+        </a:xfrm>
+      </p:grpSpPr>
+      <p:pic>
+        <p:nvPicPr>
+          <p:cNvPr id="1026" name="Picture 2" descr="Machine Expert - Basic 1/10 - YouTube">
+            <a:extLst>
+              <a:ext uri="{FF2B5EF4-FFF2-40B4-BE49-F238E27FC236}">
+                <a16:creationId xmlns:a16="http://schemas.microsoft.com/office/drawing/2014/main" id="{B7B5AC75-946A-1432-12E0-7B6D19561970}"/>
+              </a:ext>
+            </a:extLst>
+          </p:cNvPr>
+          <p:cNvPicPr>
+            <a:picLocks noChangeAspect="1" noChangeArrowheads="1"/>
+          </p:cNvPicPr>
+          <p:nvPr/>
+        </p:nvPicPr>
+        <p:blipFill>
+          <a:blip r:embed="rId2">
+            <a:extLst>
+              <a:ext uri="{28A0092B-C50C-407E-A947-70E740481C1C}">
+                <a14:useLocalDpi xmlns:a14="http://schemas.microsoft.com/office/drawing/2010/main" val="0"/>
+              </a:ext>
+            </a:extLst>
+          </a:blip>
+          <a:srcRect/>
+          <a:stretch>
+            <a:fillRect/>
+          </a:stretch>
+        </p:blipFill>
+        <p:spPr bwMode="auto">
+          <a:xfrm>
+            <a:off x="853476" y="1383641"/>
+            <a:ext cx="4913691" cy="2764847"/>
+          </a:xfrm>
+          <a:prstGeom prst="rect">
+            <a:avLst/>
+          </a:prstGeom>
+          <a:noFill/>
+          <a:ln w="9525">
+            <a:solidFill>
+              <a:schemeClr val="tx1"/>
+            </a:solidFill>
+          </a:ln>
+          <a:extLst>
+            <a:ext uri="{909E8E84-426E-40DD-AFC4-6F175D3DCCD1}">
+              <a14:hiddenFill xmlns:a14="http://schemas.microsoft.com/office/drawing/2010/main">
+                <a:solidFill>
+                  <a:srgbClr val="FFFFFF"/>
+                </a:solidFill>
+              </a14:hiddenFill>
+            </a:ext>
+          </a:extLst>
+        </p:spPr>
+      </p:pic>
+      <p:pic>
+        <p:nvPicPr>
+          <p:cNvPr id="5" name="Picture 4" descr="A screenshot of a computer&#10;&#10;Description automatically generated">
+            <a:extLst>
+              <a:ext uri="{FF2B5EF4-FFF2-40B4-BE49-F238E27FC236}">
+                <a16:creationId xmlns:a16="http://schemas.microsoft.com/office/drawing/2014/main" id="{423027FC-E29B-99B5-CA3B-9D3D6215EE4E}"/>
+              </a:ext>
+            </a:extLst>
+          </p:cNvPr>
+          <p:cNvPicPr>
+            <a:picLocks noChangeAspect="1"/>
+          </p:cNvPicPr>
+          <p:nvPr/>
+        </p:nvPicPr>
+        <p:blipFill>
+          <a:blip r:embed="rId3">
+            <a:extLst>
+              <a:ext uri="{28A0092B-C50C-407E-A947-70E740481C1C}">
+                <a14:useLocalDpi xmlns:a14="http://schemas.microsoft.com/office/drawing/2010/main" val="0"/>
+              </a:ext>
+            </a:extLst>
+          </a:blip>
+          <a:stretch>
+            <a:fillRect/>
+          </a:stretch>
+        </p:blipFill>
+        <p:spPr>
+          <a:xfrm>
+            <a:off x="6035615" y="1383641"/>
+            <a:ext cx="4913691" cy="2758079"/>
+          </a:xfrm>
+          <a:prstGeom prst="rect">
+            <a:avLst/>
+          </a:prstGeom>
+          <a:ln w="9525">
+            <a:solidFill>
+              <a:schemeClr val="tx1"/>
+            </a:solidFill>
+          </a:ln>
+        </p:spPr>
+      </p:pic>
+      <p:sp>
+        <p:nvSpPr>
+          <p:cNvPr id="6" name="TextBox 5">
+            <a:extLst>
+              <a:ext uri="{FF2B5EF4-FFF2-40B4-BE49-F238E27FC236}">
+                <a16:creationId xmlns:a16="http://schemas.microsoft.com/office/drawing/2014/main" id="{9E119FF5-9C25-6BFE-1804-3C7AEFDDAF84}"/>
+              </a:ext>
+            </a:extLst>
+          </p:cNvPr>
+          <p:cNvSpPr txBox="1"/>
+          <p:nvPr/>
+        </p:nvSpPr>
+        <p:spPr>
+          <a:xfrm>
+            <a:off x="780892" y="853974"/>
+            <a:ext cx="4455342" cy="523220"/>
+          </a:xfrm>
+          <a:prstGeom prst="rect">
+            <a:avLst/>
+          </a:prstGeom>
+          <a:noFill/>
+        </p:spPr>
+        <p:txBody>
+          <a:bodyPr wrap="square" rtlCol="0">
+            <a:spAutoFit/>
+          </a:bodyPr>
+          <a:lstStyle/>
+          <a:p>
+            <a:r>
+              <a:rPr lang="en-SG" sz="1400" b="1" dirty="0"/>
+              <a:t>Schneider Electric </a:t>
+            </a:r>
+            <a:r>
+              <a:rPr lang="en-SG" sz="1400" b="1" dirty="0" err="1"/>
+              <a:t>EcoStruxure</a:t>
+            </a:r>
+            <a:r>
+              <a:rPr lang="en-SG" sz="1400" b="1" dirty="0"/>
+              <a:t> Machine Expert M22X PLC Configuration Interface</a:t>
+            </a:r>
+          </a:p>
+        </p:txBody>
+      </p:sp>
+      <p:sp>
+        <p:nvSpPr>
+          <p:cNvPr id="7" name="TextBox 6">
+            <a:extLst>
+              <a:ext uri="{FF2B5EF4-FFF2-40B4-BE49-F238E27FC236}">
+                <a16:creationId xmlns:a16="http://schemas.microsoft.com/office/drawing/2014/main" id="{E8A02EBA-6177-F921-0360-C79B304899FA}"/>
+              </a:ext>
+            </a:extLst>
+          </p:cNvPr>
+          <p:cNvSpPr txBox="1"/>
+          <p:nvPr/>
+        </p:nvSpPr>
+        <p:spPr>
+          <a:xfrm>
+            <a:off x="5989607" y="853974"/>
+            <a:ext cx="4455342" cy="523220"/>
+          </a:xfrm>
+          <a:prstGeom prst="rect">
+            <a:avLst/>
+          </a:prstGeom>
+          <a:noFill/>
+        </p:spPr>
+        <p:txBody>
+          <a:bodyPr wrap="square" rtlCol="0">
+            <a:spAutoFit/>
+          </a:bodyPr>
+          <a:lstStyle/>
+          <a:p>
+            <a:r>
+              <a:rPr lang="en-US" sz="1400" b="1" dirty="0">
+                <a:solidFill>
+                  <a:srgbClr val="C00000"/>
+                </a:solidFill>
+              </a:rPr>
+              <a:t>Honeypot Deception PLC Configuration Web Interface</a:t>
+            </a:r>
+            <a:endParaRPr lang="en-SG" sz="1400" b="1" dirty="0">
+              <a:solidFill>
+                <a:srgbClr val="C00000"/>
+              </a:solidFill>
+            </a:endParaRPr>
+          </a:p>
+        </p:txBody>
+      </p:sp>
+      <p:sp>
+        <p:nvSpPr>
+          <p:cNvPr id="8" name="Arrow: Right 7">
+            <a:extLst>
+              <a:ext uri="{FF2B5EF4-FFF2-40B4-BE49-F238E27FC236}">
+                <a16:creationId xmlns:a16="http://schemas.microsoft.com/office/drawing/2014/main" id="{958D35FA-4E1D-2C80-E3A9-CEC604233054}"/>
+              </a:ext>
+            </a:extLst>
+          </p:cNvPr>
+          <p:cNvSpPr/>
+          <p:nvPr/>
+        </p:nvSpPr>
+        <p:spPr>
+          <a:xfrm>
+            <a:off x="5767167" y="2762680"/>
+            <a:ext cx="268448" cy="204807"/>
+          </a:xfrm>
+          <a:prstGeom prst="rightArrow">
+            <a:avLst/>
+          </a:prstGeom>
+          <a:solidFill>
+            <a:srgbClr val="FF0000"/>
+          </a:solidFill>
+        </p:spPr>
+        <p:style>
+          <a:lnRef idx="2">
+            <a:schemeClr val="accent1">
+              <a:shade val="15000"/>
+            </a:schemeClr>
+          </a:lnRef>
+          <a:fillRef idx="1">
+            <a:schemeClr val="accent1"/>
+          </a:fillRef>
+          <a:effectRef idx="0">
+            <a:schemeClr val="accent1"/>
+          </a:effectRef>
+          <a:fontRef idx="minor">
+            <a:schemeClr val="lt1"/>
+          </a:fontRef>
+        </p:style>
+        <p:txBody>
+          <a:bodyPr rtlCol="0" anchor="ctr"/>
+          <a:lstStyle/>
+          <a:p>
+            <a:pPr algn="ctr"/>
+            <a:endParaRPr lang="en-SG"/>
+          </a:p>
+        </p:txBody>
+      </p:sp>
+    </p:spTree>
+    <p:extLst>
+      <p:ext uri="{BB962C8B-B14F-4D97-AF65-F5344CB8AC3E}">
+        <p14:creationId xmlns:p14="http://schemas.microsoft.com/office/powerpoint/2010/main" val="2267016856"/>
+      </p:ext>
+    </p:extLst>
+  </p:cSld>
+  <p:clrMapOvr>
+    <a:masterClrMapping/>
+  </p:clrMapOvr>
+</p:sld>
+</file>
+
+<file path=ppt/slides/slide8.xml><?xml version="1.0" encoding="utf-8"?>
+<p:sld xmlns:a="http://schemas.openxmlformats.org/drawingml/2006/main" xmlns:r="http://schemas.openxmlformats.org/officeDocument/2006/relationships" xmlns:p="http://schemas.openxmlformats.org/presentationml/2006/main">
+  <p:cSld>
+    <p:spTree>
+      <p:nvGrpSpPr>
+        <p:cNvPr id="1" name=""/>
+        <p:cNvGrpSpPr/>
+        <p:nvPr/>
+      </p:nvGrpSpPr>
+      <p:grpSpPr>
+        <a:xfrm>
+          <a:off x="0" y="0"/>
+          <a:ext cx="0" cy="0"/>
+          <a:chOff x="0" y="0"/>
+          <a:chExt cx="0" cy="0"/>
+        </a:xfrm>
+      </p:grpSpPr>
+      <p:pic>
+        <p:nvPicPr>
+          <p:cNvPr id="2050" name="Picture 2" descr="Siemens s7-1200 Web Server">
+            <a:extLst>
+              <a:ext uri="{FF2B5EF4-FFF2-40B4-BE49-F238E27FC236}">
+                <a16:creationId xmlns:a16="http://schemas.microsoft.com/office/drawing/2014/main" id="{348E36EA-A97B-D2FF-ACC9-8EC81CEC98B6}"/>
+              </a:ext>
+            </a:extLst>
+          </p:cNvPr>
+          <p:cNvPicPr>
+            <a:picLocks noChangeAspect="1" noChangeArrowheads="1"/>
+          </p:cNvPicPr>
+          <p:nvPr/>
+        </p:nvPicPr>
+        <p:blipFill>
+          <a:blip r:embed="rId2">
+            <a:extLst>
+              <a:ext uri="{28A0092B-C50C-407E-A947-70E740481C1C}">
+                <a14:useLocalDpi xmlns:a14="http://schemas.microsoft.com/office/drawing/2010/main" val="0"/>
+              </a:ext>
+            </a:extLst>
+          </a:blip>
+          <a:srcRect/>
+          <a:stretch>
+            <a:fillRect/>
+          </a:stretch>
+        </p:blipFill>
+        <p:spPr bwMode="auto">
+          <a:xfrm>
+            <a:off x="967572" y="1347537"/>
+            <a:ext cx="4685665" cy="3385528"/>
+          </a:xfrm>
+          <a:prstGeom prst="rect">
+            <a:avLst/>
+          </a:prstGeom>
+          <a:noFill/>
+          <a:extLst>
+            <a:ext uri="{909E8E84-426E-40DD-AFC4-6F175D3DCCD1}">
+              <a14:hiddenFill xmlns:a14="http://schemas.microsoft.com/office/drawing/2010/main">
+                <a:solidFill>
+                  <a:srgbClr val="FFFFFF"/>
+                </a:solidFill>
+              </a14:hiddenFill>
+            </a:ext>
+          </a:extLst>
+        </p:spPr>
+      </p:pic>
+      <p:pic>
+        <p:nvPicPr>
+          <p:cNvPr id="7" name="Picture 6">
+            <a:extLst>
+              <a:ext uri="{FF2B5EF4-FFF2-40B4-BE49-F238E27FC236}">
+                <a16:creationId xmlns:a16="http://schemas.microsoft.com/office/drawing/2014/main" id="{97B18E11-802C-E3B4-B011-C8CBDE92F670}"/>
+              </a:ext>
+            </a:extLst>
+          </p:cNvPr>
+          <p:cNvPicPr>
+            <a:picLocks noChangeAspect="1"/>
+          </p:cNvPicPr>
+          <p:nvPr/>
+        </p:nvPicPr>
+        <p:blipFill>
+          <a:blip r:embed="rId3"/>
+          <a:stretch>
+            <a:fillRect/>
+          </a:stretch>
+        </p:blipFill>
+        <p:spPr>
+          <a:xfrm>
+            <a:off x="5984694" y="1319779"/>
+            <a:ext cx="4996732" cy="3413286"/>
+          </a:xfrm>
+          <a:prstGeom prst="rect">
+            <a:avLst/>
+          </a:prstGeom>
+          <a:ln w="9525">
+            <a:solidFill>
+              <a:schemeClr val="tx1"/>
+            </a:solidFill>
+          </a:ln>
+        </p:spPr>
+      </p:pic>
+      <p:sp>
+        <p:nvSpPr>
+          <p:cNvPr id="8" name="TextBox 7">
+            <a:extLst>
+              <a:ext uri="{FF2B5EF4-FFF2-40B4-BE49-F238E27FC236}">
+                <a16:creationId xmlns:a16="http://schemas.microsoft.com/office/drawing/2014/main" id="{D341C830-735E-1349-C8A9-4A297B5037AB}"/>
+              </a:ext>
+            </a:extLst>
+          </p:cNvPr>
+          <p:cNvSpPr txBox="1"/>
+          <p:nvPr/>
+        </p:nvSpPr>
+        <p:spPr>
+          <a:xfrm>
+            <a:off x="858530" y="922985"/>
+            <a:ext cx="4455342" cy="307777"/>
+          </a:xfrm>
+          <a:prstGeom prst="rect">
+            <a:avLst/>
+          </a:prstGeom>
+          <a:noFill/>
+        </p:spPr>
+        <p:txBody>
+          <a:bodyPr wrap="square" rtlCol="0">
+            <a:spAutoFit/>
+          </a:bodyPr>
+          <a:lstStyle/>
+          <a:p>
+            <a:r>
+              <a:rPr lang="en-US" sz="1400" b="1" dirty="0"/>
+              <a:t>Siemens  SIMATIC S7-1200 / S7-1500 Web Server</a:t>
+            </a:r>
+            <a:endParaRPr lang="en-SG" sz="1400" b="1" dirty="0"/>
+          </a:p>
+        </p:txBody>
+      </p:sp>
+      <p:sp>
+        <p:nvSpPr>
+          <p:cNvPr id="9" name="TextBox 8">
+            <a:extLst>
+              <a:ext uri="{FF2B5EF4-FFF2-40B4-BE49-F238E27FC236}">
+                <a16:creationId xmlns:a16="http://schemas.microsoft.com/office/drawing/2014/main" id="{4D38BA79-7F42-966B-FEB3-2D1DD81E3B0A}"/>
+              </a:ext>
+            </a:extLst>
+          </p:cNvPr>
+          <p:cNvSpPr txBox="1"/>
+          <p:nvPr/>
+        </p:nvSpPr>
+        <p:spPr>
+          <a:xfrm>
+            <a:off x="5952261" y="922985"/>
+            <a:ext cx="4668929" cy="307777"/>
+          </a:xfrm>
+          <a:prstGeom prst="rect">
+            <a:avLst/>
+          </a:prstGeom>
+          <a:noFill/>
+        </p:spPr>
+        <p:txBody>
+          <a:bodyPr wrap="square" rtlCol="0">
+            <a:spAutoFit/>
+          </a:bodyPr>
+          <a:lstStyle/>
+          <a:p>
+            <a:r>
+              <a:rPr lang="en-US" sz="1400" b="1" dirty="0">
+                <a:solidFill>
+                  <a:srgbClr val="C00000"/>
+                </a:solidFill>
+              </a:rPr>
+              <a:t>Honeypot Deception PLC Configuration Web Interface</a:t>
+            </a:r>
+            <a:endParaRPr lang="en-SG" sz="1400" b="1" dirty="0">
+              <a:solidFill>
+                <a:srgbClr val="C00000"/>
+              </a:solidFill>
+            </a:endParaRPr>
+          </a:p>
+        </p:txBody>
+      </p:sp>
+      <p:sp>
+        <p:nvSpPr>
+          <p:cNvPr id="10" name="Arrow: Right 9">
+            <a:extLst>
+              <a:ext uri="{FF2B5EF4-FFF2-40B4-BE49-F238E27FC236}">
+                <a16:creationId xmlns:a16="http://schemas.microsoft.com/office/drawing/2014/main" id="{B6C22809-53BF-8E09-5DD9-8B66B375FF53}"/>
+              </a:ext>
+            </a:extLst>
+          </p:cNvPr>
+          <p:cNvSpPr/>
+          <p:nvPr/>
+        </p:nvSpPr>
+        <p:spPr>
+          <a:xfrm>
+            <a:off x="5696404" y="2821615"/>
+            <a:ext cx="268448" cy="204807"/>
+          </a:xfrm>
+          <a:prstGeom prst="rightArrow">
+            <a:avLst/>
+          </a:prstGeom>
+          <a:solidFill>
+            <a:srgbClr val="FF0000"/>
+          </a:solidFill>
+        </p:spPr>
+        <p:style>
+          <a:lnRef idx="2">
+            <a:schemeClr val="accent1">
+              <a:shade val="15000"/>
+            </a:schemeClr>
+          </a:lnRef>
+          <a:fillRef idx="1">
+            <a:schemeClr val="accent1"/>
+          </a:fillRef>
+          <a:effectRef idx="0">
+            <a:schemeClr val="accent1"/>
+          </a:effectRef>
+          <a:fontRef idx="minor">
+            <a:schemeClr val="lt1"/>
+          </a:fontRef>
+        </p:style>
+        <p:txBody>
+          <a:bodyPr rtlCol="0" anchor="ctr"/>
+          <a:lstStyle/>
+          <a:p>
+            <a:pPr algn="ctr"/>
+            <a:endParaRPr lang="en-SG"/>
+          </a:p>
+        </p:txBody>
+      </p:sp>
+    </p:spTree>
+    <p:extLst>
+      <p:ext uri="{BB962C8B-B14F-4D97-AF65-F5344CB8AC3E}">
+        <p14:creationId xmlns:p14="http://schemas.microsoft.com/office/powerpoint/2010/main" val="3428833704"/>
       </p:ext>
     </p:extLst>
   </p:cSld>

--- a/doc/designDoc.pptx
+++ b/doc/designDoc.pptx
@@ -5,7 +5,7 @@
     <p:sldMasterId id="2147483648" r:id="rId1"/>
   </p:sldMasterIdLst>
   <p:notesMasterIdLst>
-    <p:notesMasterId r:id="rId10"/>
+    <p:notesMasterId r:id="rId12"/>
   </p:notesMasterIdLst>
   <p:sldIdLst>
     <p:sldId id="256" r:id="rId2"/>
@@ -16,6 +16,8 @@
     <p:sldId id="261" r:id="rId7"/>
     <p:sldId id="262" r:id="rId8"/>
     <p:sldId id="263" r:id="rId9"/>
+    <p:sldId id="264" r:id="rId10"/>
+    <p:sldId id="265" r:id="rId11"/>
   </p:sldIdLst>
   <p:sldSz cx="12192000" cy="6858000"/>
   <p:notesSz cx="6858000" cy="9144000"/>
@@ -3915,6 +3917,404 @@
 </p:sld>
 </file>
 
+<file path=ppt/slides/slide10.xml><?xml version="1.0" encoding="utf-8"?>
+<p:sld xmlns:a="http://schemas.openxmlformats.org/drawingml/2006/main" xmlns:r="http://schemas.openxmlformats.org/officeDocument/2006/relationships" xmlns:p="http://schemas.openxmlformats.org/presentationml/2006/main">
+  <p:cSld>
+    <p:spTree>
+      <p:nvGrpSpPr>
+        <p:cNvPr id="1" name=""/>
+        <p:cNvGrpSpPr/>
+        <p:nvPr/>
+      </p:nvGrpSpPr>
+      <p:grpSpPr>
+        <a:xfrm>
+          <a:off x="0" y="0"/>
+          <a:ext cx="0" cy="0"/>
+          <a:chOff x="0" y="0"/>
+          <a:chExt cx="0" cy="0"/>
+        </a:xfrm>
+      </p:grpSpPr>
+      <p:pic>
+        <p:nvPicPr>
+          <p:cNvPr id="5" name="Picture 4" descr="A screenshot of a computer&#10;&#10;Description automatically generated">
+            <a:extLst>
+              <a:ext uri="{FF2B5EF4-FFF2-40B4-BE49-F238E27FC236}">
+                <a16:creationId xmlns:a16="http://schemas.microsoft.com/office/drawing/2014/main" id="{F7109775-3946-BCA6-D5D5-2173515627A7}"/>
+              </a:ext>
+            </a:extLst>
+          </p:cNvPr>
+          <p:cNvPicPr>
+            <a:picLocks noChangeAspect="1"/>
+          </p:cNvPicPr>
+          <p:nvPr/>
+        </p:nvPicPr>
+        <p:blipFill>
+          <a:blip r:embed="rId2">
+            <a:extLst>
+              <a:ext uri="{28A0092B-C50C-407E-A947-70E740481C1C}">
+                <a14:useLocalDpi xmlns:a14="http://schemas.microsoft.com/office/drawing/2010/main" val="0"/>
+              </a:ext>
+            </a:extLst>
+          </a:blip>
+          <a:stretch>
+            <a:fillRect/>
+          </a:stretch>
+        </p:blipFill>
+        <p:spPr>
+          <a:xfrm>
+            <a:off x="5435484" y="616606"/>
+            <a:ext cx="4212390" cy="2574956"/>
+          </a:xfrm>
+          <a:prstGeom prst="rect">
+            <a:avLst/>
+          </a:prstGeom>
+          <a:ln w="9525">
+            <a:solidFill>
+              <a:schemeClr val="tx1"/>
+            </a:solidFill>
+          </a:ln>
+        </p:spPr>
+      </p:pic>
+      <p:pic>
+        <p:nvPicPr>
+          <p:cNvPr id="7" name="Picture 6" descr="A screenshot of a computer&#10;&#10;Description automatically generated">
+            <a:extLst>
+              <a:ext uri="{FF2B5EF4-FFF2-40B4-BE49-F238E27FC236}">
+                <a16:creationId xmlns:a16="http://schemas.microsoft.com/office/drawing/2014/main" id="{4A7A6815-0D12-789E-F7D6-264032C91C38}"/>
+              </a:ext>
+            </a:extLst>
+          </p:cNvPr>
+          <p:cNvPicPr>
+            <a:picLocks noChangeAspect="1"/>
+          </p:cNvPicPr>
+          <p:nvPr/>
+        </p:nvPicPr>
+        <p:blipFill>
+          <a:blip r:embed="rId3">
+            <a:extLst>
+              <a:ext uri="{28A0092B-C50C-407E-A947-70E740481C1C}">
+                <a14:useLocalDpi xmlns:a14="http://schemas.microsoft.com/office/drawing/2010/main" val="0"/>
+              </a:ext>
+            </a:extLst>
+          </a:blip>
+          <a:stretch>
+            <a:fillRect/>
+          </a:stretch>
+        </p:blipFill>
+        <p:spPr>
+          <a:xfrm>
+            <a:off x="1132852" y="616606"/>
+            <a:ext cx="4084040" cy="2574957"/>
+          </a:xfrm>
+          <a:prstGeom prst="rect">
+            <a:avLst/>
+          </a:prstGeom>
+          <a:ln w="6350">
+            <a:solidFill>
+              <a:schemeClr val="tx1"/>
+            </a:solidFill>
+          </a:ln>
+        </p:spPr>
+      </p:pic>
+      <p:pic>
+        <p:nvPicPr>
+          <p:cNvPr id="9" name="Picture 8" descr="A screenshot of a computer&#10;&#10;Description automatically generated">
+            <a:extLst>
+              <a:ext uri="{FF2B5EF4-FFF2-40B4-BE49-F238E27FC236}">
+                <a16:creationId xmlns:a16="http://schemas.microsoft.com/office/drawing/2014/main" id="{62B2F1E4-44DB-1782-0BD6-46B3CEA9FD1A}"/>
+              </a:ext>
+            </a:extLst>
+          </p:cNvPr>
+          <p:cNvPicPr>
+            <a:picLocks noChangeAspect="1"/>
+          </p:cNvPicPr>
+          <p:nvPr/>
+        </p:nvPicPr>
+        <p:blipFill>
+          <a:blip r:embed="rId4">
+            <a:extLst>
+              <a:ext uri="{28A0092B-C50C-407E-A947-70E740481C1C}">
+                <a14:useLocalDpi xmlns:a14="http://schemas.microsoft.com/office/drawing/2010/main" val="0"/>
+              </a:ext>
+            </a:extLst>
+          </a:blip>
+          <a:stretch>
+            <a:fillRect/>
+          </a:stretch>
+        </p:blipFill>
+        <p:spPr>
+          <a:xfrm>
+            <a:off x="1099157" y="3429000"/>
+            <a:ext cx="4084041" cy="2475545"/>
+          </a:xfrm>
+          <a:prstGeom prst="rect">
+            <a:avLst/>
+          </a:prstGeom>
+          <a:ln w="9525">
+            <a:solidFill>
+              <a:schemeClr val="tx1"/>
+            </a:solidFill>
+          </a:ln>
+        </p:spPr>
+      </p:pic>
+      <p:pic>
+        <p:nvPicPr>
+          <p:cNvPr id="11" name="Picture 10" descr="A screenshot of a computer&#10;&#10;Description automatically generated">
+            <a:extLst>
+              <a:ext uri="{FF2B5EF4-FFF2-40B4-BE49-F238E27FC236}">
+                <a16:creationId xmlns:a16="http://schemas.microsoft.com/office/drawing/2014/main" id="{479310E4-014B-8EEE-70EE-BE0BFC23CC2C}"/>
+              </a:ext>
+            </a:extLst>
+          </p:cNvPr>
+          <p:cNvPicPr>
+            <a:picLocks noChangeAspect="1"/>
+          </p:cNvPicPr>
+          <p:nvPr/>
+        </p:nvPicPr>
+        <p:blipFill>
+          <a:blip r:embed="rId5">
+            <a:extLst>
+              <a:ext uri="{28A0092B-C50C-407E-A947-70E740481C1C}">
+                <a14:useLocalDpi xmlns:a14="http://schemas.microsoft.com/office/drawing/2010/main" val="0"/>
+              </a:ext>
+            </a:extLst>
+          </a:blip>
+          <a:stretch>
+            <a:fillRect/>
+          </a:stretch>
+        </p:blipFill>
+        <p:spPr>
+          <a:xfrm>
+            <a:off x="5435485" y="3429000"/>
+            <a:ext cx="4212389" cy="2475545"/>
+          </a:xfrm>
+          <a:prstGeom prst="rect">
+            <a:avLst/>
+          </a:prstGeom>
+          <a:ln w="12700">
+            <a:solidFill>
+              <a:schemeClr val="tx1"/>
+            </a:solidFill>
+          </a:ln>
+        </p:spPr>
+      </p:pic>
+      <p:sp>
+        <p:nvSpPr>
+          <p:cNvPr id="12" name="TextBox 11">
+            <a:extLst>
+              <a:ext uri="{FF2B5EF4-FFF2-40B4-BE49-F238E27FC236}">
+                <a16:creationId xmlns:a16="http://schemas.microsoft.com/office/drawing/2014/main" id="{8C4261D7-FE4C-CF82-A094-7D0F9402FE65}"/>
+              </a:ext>
+            </a:extLst>
+          </p:cNvPr>
+          <p:cNvSpPr txBox="1"/>
+          <p:nvPr/>
+        </p:nvSpPr>
+        <p:spPr>
+          <a:xfrm>
+            <a:off x="1241090" y="2617980"/>
+            <a:ext cx="2192224" cy="461665"/>
+          </a:xfrm>
+          <a:prstGeom prst="rect">
+            <a:avLst/>
+          </a:prstGeom>
+          <a:solidFill>
+            <a:schemeClr val="bg2"/>
+          </a:solidFill>
+          <a:ln w="19050">
+            <a:solidFill>
+              <a:schemeClr val="tx1"/>
+            </a:solidFill>
+          </a:ln>
+        </p:spPr>
+        <p:txBody>
+          <a:bodyPr wrap="square" rtlCol="0">
+            <a:spAutoFit/>
+          </a:bodyPr>
+          <a:lstStyle/>
+          <a:p>
+            <a:r>
+              <a:rPr lang="en-US" sz="1200" b="1" dirty="0">
+                <a:solidFill>
+                  <a:srgbClr val="C00000"/>
+                </a:solidFill>
+              </a:rPr>
+              <a:t>Honeypot Deception S71200 PLC Main Landing Page</a:t>
+            </a:r>
+            <a:endParaRPr lang="en-SG" sz="1200" b="1" dirty="0">
+              <a:solidFill>
+                <a:srgbClr val="C00000"/>
+              </a:solidFill>
+            </a:endParaRPr>
+          </a:p>
+        </p:txBody>
+      </p:sp>
+      <p:sp>
+        <p:nvSpPr>
+          <p:cNvPr id="13" name="TextBox 12">
+            <a:extLst>
+              <a:ext uri="{FF2B5EF4-FFF2-40B4-BE49-F238E27FC236}">
+                <a16:creationId xmlns:a16="http://schemas.microsoft.com/office/drawing/2014/main" id="{89470294-3844-0A04-9D67-1B6A77349FA0}"/>
+              </a:ext>
+            </a:extLst>
+          </p:cNvPr>
+          <p:cNvSpPr txBox="1"/>
+          <p:nvPr/>
+        </p:nvSpPr>
+        <p:spPr>
+          <a:xfrm>
+            <a:off x="1132852" y="5348760"/>
+            <a:ext cx="2847667" cy="461665"/>
+          </a:xfrm>
+          <a:prstGeom prst="rect">
+            <a:avLst/>
+          </a:prstGeom>
+          <a:solidFill>
+            <a:schemeClr val="bg2"/>
+          </a:solidFill>
+          <a:ln w="19050">
+            <a:solidFill>
+              <a:schemeClr val="tx1"/>
+            </a:solidFill>
+          </a:ln>
+        </p:spPr>
+        <p:txBody>
+          <a:bodyPr wrap="square" rtlCol="0">
+            <a:spAutoFit/>
+          </a:bodyPr>
+          <a:lstStyle/>
+          <a:p>
+            <a:r>
+              <a:rPr lang="en-US" sz="1200" b="1" dirty="0">
+                <a:solidFill>
+                  <a:srgbClr val="C00000"/>
+                </a:solidFill>
+              </a:rPr>
+              <a:t>Honeypot Deception S71200 PLC I/O state, memory  and ladder logic page</a:t>
+            </a:r>
+            <a:endParaRPr lang="en-SG" sz="1200" b="1" dirty="0">
+              <a:solidFill>
+                <a:srgbClr val="C00000"/>
+              </a:solidFill>
+            </a:endParaRPr>
+          </a:p>
+        </p:txBody>
+      </p:sp>
+      <p:sp>
+        <p:nvSpPr>
+          <p:cNvPr id="14" name="TextBox 13">
+            <a:extLst>
+              <a:ext uri="{FF2B5EF4-FFF2-40B4-BE49-F238E27FC236}">
+                <a16:creationId xmlns:a16="http://schemas.microsoft.com/office/drawing/2014/main" id="{7247D4EE-4BB8-E147-B69E-492B820011AA}"/>
+              </a:ext>
+            </a:extLst>
+          </p:cNvPr>
+          <p:cNvSpPr txBox="1"/>
+          <p:nvPr/>
+        </p:nvSpPr>
+        <p:spPr>
+          <a:xfrm>
+            <a:off x="6581004" y="2673939"/>
+            <a:ext cx="2847667" cy="461665"/>
+          </a:xfrm>
+          <a:prstGeom prst="rect">
+            <a:avLst/>
+          </a:prstGeom>
+          <a:solidFill>
+            <a:schemeClr val="bg2"/>
+          </a:solidFill>
+          <a:ln w="19050">
+            <a:solidFill>
+              <a:schemeClr val="tx1"/>
+            </a:solidFill>
+          </a:ln>
+        </p:spPr>
+        <p:txBody>
+          <a:bodyPr wrap="square" rtlCol="0">
+            <a:spAutoFit/>
+          </a:bodyPr>
+          <a:lstStyle/>
+          <a:p>
+            <a:r>
+              <a:rPr lang="en-US" sz="1200" b="1" dirty="0">
+                <a:solidFill>
+                  <a:srgbClr val="C00000"/>
+                </a:solidFill>
+              </a:rPr>
+              <a:t>Honeypot Deception S71200 PLC User Configuration page</a:t>
+            </a:r>
+            <a:endParaRPr lang="en-SG" sz="1200" b="1" dirty="0">
+              <a:solidFill>
+                <a:srgbClr val="C00000"/>
+              </a:solidFill>
+            </a:endParaRPr>
+          </a:p>
+        </p:txBody>
+      </p:sp>
+      <p:sp>
+        <p:nvSpPr>
+          <p:cNvPr id="15" name="TextBox 14">
+            <a:extLst>
+              <a:ext uri="{FF2B5EF4-FFF2-40B4-BE49-F238E27FC236}">
+                <a16:creationId xmlns:a16="http://schemas.microsoft.com/office/drawing/2014/main" id="{54D90CE1-7021-DD48-FA5B-B4BD0A2944FA}"/>
+              </a:ext>
+            </a:extLst>
+          </p:cNvPr>
+          <p:cNvSpPr txBox="1"/>
+          <p:nvPr/>
+        </p:nvSpPr>
+        <p:spPr>
+          <a:xfrm>
+            <a:off x="5499827" y="5579592"/>
+            <a:ext cx="3808074" cy="276999"/>
+          </a:xfrm>
+          <a:prstGeom prst="rect">
+            <a:avLst/>
+          </a:prstGeom>
+          <a:solidFill>
+            <a:schemeClr val="bg2"/>
+          </a:solidFill>
+          <a:ln w="19050">
+            <a:solidFill>
+              <a:schemeClr val="tx1"/>
+            </a:solidFill>
+          </a:ln>
+        </p:spPr>
+        <p:txBody>
+          <a:bodyPr wrap="square" rtlCol="0">
+            <a:spAutoFit/>
+          </a:bodyPr>
+          <a:lstStyle/>
+          <a:p>
+            <a:r>
+              <a:rPr lang="en-US" sz="1200" b="1" dirty="0">
+                <a:solidFill>
+                  <a:srgbClr val="C00000"/>
+                </a:solidFill>
+              </a:rPr>
+              <a:t>Honeypot Deception S71200 PLC Introduction Page</a:t>
+            </a:r>
+            <a:endParaRPr lang="en-SG" sz="1200" b="1" dirty="0">
+              <a:solidFill>
+                <a:srgbClr val="C00000"/>
+              </a:solidFill>
+            </a:endParaRPr>
+          </a:p>
+        </p:txBody>
+      </p:sp>
+    </p:spTree>
+    <p:extLst>
+      <p:ext uri="{BB962C8B-B14F-4D97-AF65-F5344CB8AC3E}">
+        <p14:creationId xmlns:p14="http://schemas.microsoft.com/office/powerpoint/2010/main" val="3935892349"/>
+      </p:ext>
+    </p:extLst>
+  </p:cSld>
+  <p:clrMapOvr>
+    <a:masterClrMapping/>
+  </p:clrMapOvr>
+</p:sld>
+</file>
+
 <file path=ppt/slides/slide2.xml><?xml version="1.0" encoding="utf-8"?>
 <p:sld xmlns:a="http://schemas.openxmlformats.org/drawingml/2006/main" xmlns:r="http://schemas.openxmlformats.org/officeDocument/2006/relationships" xmlns:p="http://schemas.openxmlformats.org/presentationml/2006/main">
   <p:cSld>
@@ -23790,6 +24190,404 @@
     <p:extLst>
       <p:ext uri="{BB962C8B-B14F-4D97-AF65-F5344CB8AC3E}">
         <p14:creationId xmlns:p14="http://schemas.microsoft.com/office/powerpoint/2010/main" val="3428833704"/>
+      </p:ext>
+    </p:extLst>
+  </p:cSld>
+  <p:clrMapOvr>
+    <a:masterClrMapping/>
+  </p:clrMapOvr>
+</p:sld>
+</file>
+
+<file path=ppt/slides/slide9.xml><?xml version="1.0" encoding="utf-8"?>
+<p:sld xmlns:a="http://schemas.openxmlformats.org/drawingml/2006/main" xmlns:r="http://schemas.openxmlformats.org/officeDocument/2006/relationships" xmlns:p="http://schemas.openxmlformats.org/presentationml/2006/main">
+  <p:cSld>
+    <p:spTree>
+      <p:nvGrpSpPr>
+        <p:cNvPr id="1" name=""/>
+        <p:cNvGrpSpPr/>
+        <p:nvPr/>
+      </p:nvGrpSpPr>
+      <p:grpSpPr>
+        <a:xfrm>
+          <a:off x="0" y="0"/>
+          <a:ext cx="0" cy="0"/>
+          <a:chOff x="0" y="0"/>
+          <a:chExt cx="0" cy="0"/>
+        </a:xfrm>
+      </p:grpSpPr>
+      <p:pic>
+        <p:nvPicPr>
+          <p:cNvPr id="5" name="Picture 4" descr="A screenshot of a computer&#10;&#10;Description automatically generated">
+            <a:extLst>
+              <a:ext uri="{FF2B5EF4-FFF2-40B4-BE49-F238E27FC236}">
+                <a16:creationId xmlns:a16="http://schemas.microsoft.com/office/drawing/2014/main" id="{C62E7CA1-C730-E4FB-D9F2-ED48AA3D281D}"/>
+              </a:ext>
+            </a:extLst>
+          </p:cNvPr>
+          <p:cNvPicPr>
+            <a:picLocks noChangeAspect="1"/>
+          </p:cNvPicPr>
+          <p:nvPr/>
+        </p:nvPicPr>
+        <p:blipFill>
+          <a:blip r:embed="rId2">
+            <a:extLst>
+              <a:ext uri="{28A0092B-C50C-407E-A947-70E740481C1C}">
+                <a14:useLocalDpi xmlns:a14="http://schemas.microsoft.com/office/drawing/2010/main" val="0"/>
+              </a:ext>
+            </a:extLst>
+          </a:blip>
+          <a:stretch>
+            <a:fillRect/>
+          </a:stretch>
+        </p:blipFill>
+        <p:spPr>
+          <a:xfrm>
+            <a:off x="993011" y="3429000"/>
+            <a:ext cx="4445967" cy="2658443"/>
+          </a:xfrm>
+          <a:prstGeom prst="rect">
+            <a:avLst/>
+          </a:prstGeom>
+          <a:ln w="9525">
+            <a:solidFill>
+              <a:schemeClr val="tx1"/>
+            </a:solidFill>
+          </a:ln>
+        </p:spPr>
+      </p:pic>
+      <p:pic>
+        <p:nvPicPr>
+          <p:cNvPr id="7" name="Picture 6" descr="A screenshot of a computer&#10;&#10;Description automatically generated">
+            <a:extLst>
+              <a:ext uri="{FF2B5EF4-FFF2-40B4-BE49-F238E27FC236}">
+                <a16:creationId xmlns:a16="http://schemas.microsoft.com/office/drawing/2014/main" id="{455C0BC1-1BB4-ADB6-66C0-34E9F1683B5D}"/>
+              </a:ext>
+            </a:extLst>
+          </p:cNvPr>
+          <p:cNvPicPr>
+            <a:picLocks noChangeAspect="1"/>
+          </p:cNvPicPr>
+          <p:nvPr/>
+        </p:nvPicPr>
+        <p:blipFill>
+          <a:blip r:embed="rId3">
+            <a:extLst>
+              <a:ext uri="{28A0092B-C50C-407E-A947-70E740481C1C}">
+                <a14:useLocalDpi xmlns:a14="http://schemas.microsoft.com/office/drawing/2010/main" val="0"/>
+              </a:ext>
+            </a:extLst>
+          </a:blip>
+          <a:stretch>
+            <a:fillRect/>
+          </a:stretch>
+        </p:blipFill>
+        <p:spPr>
+          <a:xfrm>
+            <a:off x="5750944" y="698663"/>
+            <a:ext cx="4212566" cy="2518882"/>
+          </a:xfrm>
+          <a:prstGeom prst="rect">
+            <a:avLst/>
+          </a:prstGeom>
+          <a:ln w="6350">
+            <a:solidFill>
+              <a:schemeClr val="tx1"/>
+            </a:solidFill>
+          </a:ln>
+        </p:spPr>
+      </p:pic>
+      <p:pic>
+        <p:nvPicPr>
+          <p:cNvPr id="8" name="Picture 7" descr="A screenshot of a computer&#10;&#10;Description automatically generated">
+            <a:extLst>
+              <a:ext uri="{FF2B5EF4-FFF2-40B4-BE49-F238E27FC236}">
+                <a16:creationId xmlns:a16="http://schemas.microsoft.com/office/drawing/2014/main" id="{D42EA2DC-597F-269C-2B03-37DC90C5164C}"/>
+              </a:ext>
+            </a:extLst>
+          </p:cNvPr>
+          <p:cNvPicPr>
+            <a:picLocks noChangeAspect="1"/>
+          </p:cNvPicPr>
+          <p:nvPr/>
+        </p:nvPicPr>
+        <p:blipFill>
+          <a:blip r:embed="rId4">
+            <a:extLst>
+              <a:ext uri="{28A0092B-C50C-407E-A947-70E740481C1C}">
+                <a14:useLocalDpi xmlns:a14="http://schemas.microsoft.com/office/drawing/2010/main" val="0"/>
+              </a:ext>
+            </a:extLst>
+          </a:blip>
+          <a:stretch>
+            <a:fillRect/>
+          </a:stretch>
+        </p:blipFill>
+        <p:spPr>
+          <a:xfrm>
+            <a:off x="993011" y="718602"/>
+            <a:ext cx="4445967" cy="2495543"/>
+          </a:xfrm>
+          <a:prstGeom prst="rect">
+            <a:avLst/>
+          </a:prstGeom>
+          <a:ln w="9525">
+            <a:solidFill>
+              <a:schemeClr val="tx1"/>
+            </a:solidFill>
+          </a:ln>
+        </p:spPr>
+      </p:pic>
+      <p:pic>
+        <p:nvPicPr>
+          <p:cNvPr id="10" name="Picture 9" descr="A screenshot of a computer&#10;&#10;Description automatically generated">
+            <a:extLst>
+              <a:ext uri="{FF2B5EF4-FFF2-40B4-BE49-F238E27FC236}">
+                <a16:creationId xmlns:a16="http://schemas.microsoft.com/office/drawing/2014/main" id="{B0B0DD49-9401-6876-2BC9-11E74B1C3D33}"/>
+              </a:ext>
+            </a:extLst>
+          </p:cNvPr>
+          <p:cNvPicPr>
+            <a:picLocks noChangeAspect="1"/>
+          </p:cNvPicPr>
+          <p:nvPr/>
+        </p:nvPicPr>
+        <p:blipFill>
+          <a:blip r:embed="rId5">
+            <a:extLst>
+              <a:ext uri="{28A0092B-C50C-407E-A947-70E740481C1C}">
+                <a14:useLocalDpi xmlns:a14="http://schemas.microsoft.com/office/drawing/2010/main" val="0"/>
+              </a:ext>
+            </a:extLst>
+          </a:blip>
+          <a:stretch>
+            <a:fillRect/>
+          </a:stretch>
+        </p:blipFill>
+        <p:spPr>
+          <a:xfrm>
+            <a:off x="5750944" y="3429000"/>
+            <a:ext cx="4281577" cy="2652041"/>
+          </a:xfrm>
+          <a:prstGeom prst="rect">
+            <a:avLst/>
+          </a:prstGeom>
+          <a:ln w="6350">
+            <a:solidFill>
+              <a:schemeClr val="tx1"/>
+            </a:solidFill>
+          </a:ln>
+        </p:spPr>
+      </p:pic>
+      <p:sp>
+        <p:nvSpPr>
+          <p:cNvPr id="11" name="TextBox 10">
+            <a:extLst>
+              <a:ext uri="{FF2B5EF4-FFF2-40B4-BE49-F238E27FC236}">
+                <a16:creationId xmlns:a16="http://schemas.microsoft.com/office/drawing/2014/main" id="{C55ECCCF-875D-D712-852C-538DEC9A922F}"/>
+              </a:ext>
+            </a:extLst>
+          </p:cNvPr>
+          <p:cNvSpPr txBox="1"/>
+          <p:nvPr/>
+        </p:nvSpPr>
+        <p:spPr>
+          <a:xfrm>
+            <a:off x="1079276" y="2884758"/>
+            <a:ext cx="3268437" cy="276999"/>
+          </a:xfrm>
+          <a:prstGeom prst="rect">
+            <a:avLst/>
+          </a:prstGeom>
+          <a:solidFill>
+            <a:schemeClr val="bg2"/>
+          </a:solidFill>
+          <a:ln w="19050">
+            <a:solidFill>
+              <a:schemeClr val="tx1"/>
+            </a:solidFill>
+          </a:ln>
+        </p:spPr>
+        <p:txBody>
+          <a:bodyPr wrap="square" rtlCol="0">
+            <a:spAutoFit/>
+          </a:bodyPr>
+          <a:lstStyle/>
+          <a:p>
+            <a:r>
+              <a:rPr lang="en-US" sz="1200" b="1" dirty="0">
+                <a:solidFill>
+                  <a:srgbClr val="C00000"/>
+                </a:solidFill>
+              </a:rPr>
+              <a:t>Honeypot Deception PLC Main Landing Page</a:t>
+            </a:r>
+            <a:endParaRPr lang="en-SG" sz="1200" b="1" dirty="0">
+              <a:solidFill>
+                <a:srgbClr val="C00000"/>
+              </a:solidFill>
+            </a:endParaRPr>
+          </a:p>
+        </p:txBody>
+      </p:sp>
+      <p:sp>
+        <p:nvSpPr>
+          <p:cNvPr id="12" name="TextBox 11">
+            <a:extLst>
+              <a:ext uri="{FF2B5EF4-FFF2-40B4-BE49-F238E27FC236}">
+                <a16:creationId xmlns:a16="http://schemas.microsoft.com/office/drawing/2014/main" id="{A9677D74-B7C6-718B-7288-8C985294D3C7}"/>
+              </a:ext>
+            </a:extLst>
+          </p:cNvPr>
+          <p:cNvSpPr txBox="1"/>
+          <p:nvPr/>
+        </p:nvSpPr>
+        <p:spPr>
+          <a:xfrm>
+            <a:off x="8254043" y="2192260"/>
+            <a:ext cx="1631829" cy="830997"/>
+          </a:xfrm>
+          <a:prstGeom prst="rect">
+            <a:avLst/>
+          </a:prstGeom>
+          <a:solidFill>
+            <a:schemeClr val="bg2"/>
+          </a:solidFill>
+          <a:ln w="19050">
+            <a:solidFill>
+              <a:schemeClr val="tx1"/>
+            </a:solidFill>
+          </a:ln>
+        </p:spPr>
+        <p:txBody>
+          <a:bodyPr wrap="square" rtlCol="0">
+            <a:spAutoFit/>
+          </a:bodyPr>
+          <a:lstStyle/>
+          <a:p>
+            <a:r>
+              <a:rPr lang="en-US" sz="1200" b="1" dirty="0">
+                <a:solidFill>
+                  <a:srgbClr val="C00000"/>
+                </a:solidFill>
+              </a:rPr>
+              <a:t>Honeypot Deception PLC Access Permission Config Page</a:t>
+            </a:r>
+            <a:endParaRPr lang="en-SG" sz="1200" b="1" dirty="0">
+              <a:solidFill>
+                <a:srgbClr val="C00000"/>
+              </a:solidFill>
+            </a:endParaRPr>
+          </a:p>
+        </p:txBody>
+      </p:sp>
+      <p:sp>
+        <p:nvSpPr>
+          <p:cNvPr id="13" name="TextBox 12">
+            <a:extLst>
+              <a:ext uri="{FF2B5EF4-FFF2-40B4-BE49-F238E27FC236}">
+                <a16:creationId xmlns:a16="http://schemas.microsoft.com/office/drawing/2014/main" id="{0208FFE0-1D2F-AE02-FD5A-5DF554F840C6}"/>
+              </a:ext>
+            </a:extLst>
+          </p:cNvPr>
+          <p:cNvSpPr txBox="1"/>
+          <p:nvPr/>
+        </p:nvSpPr>
+        <p:spPr>
+          <a:xfrm>
+            <a:off x="1079276" y="5728489"/>
+            <a:ext cx="4087947" cy="276999"/>
+          </a:xfrm>
+          <a:prstGeom prst="rect">
+            <a:avLst/>
+          </a:prstGeom>
+          <a:solidFill>
+            <a:schemeClr val="bg2"/>
+          </a:solidFill>
+          <a:ln w="19050">
+            <a:solidFill>
+              <a:schemeClr val="tx1"/>
+            </a:solidFill>
+          </a:ln>
+        </p:spPr>
+        <p:txBody>
+          <a:bodyPr wrap="square" rtlCol="0">
+            <a:spAutoFit/>
+          </a:bodyPr>
+          <a:lstStyle/>
+          <a:p>
+            <a:r>
+              <a:rPr lang="en-US" sz="1200" b="1" dirty="0">
+                <a:solidFill>
+                  <a:srgbClr val="C00000"/>
+                </a:solidFill>
+              </a:rPr>
+              <a:t>Honeypot Deception PLC I/O state and ladder logic page</a:t>
+            </a:r>
+            <a:endParaRPr lang="en-SG" sz="1200" b="1" dirty="0">
+              <a:solidFill>
+                <a:srgbClr val="C00000"/>
+              </a:solidFill>
+            </a:endParaRPr>
+          </a:p>
+        </p:txBody>
+      </p:sp>
+      <p:sp>
+        <p:nvSpPr>
+          <p:cNvPr id="14" name="TextBox 13">
+            <a:extLst>
+              <a:ext uri="{FF2B5EF4-FFF2-40B4-BE49-F238E27FC236}">
+                <a16:creationId xmlns:a16="http://schemas.microsoft.com/office/drawing/2014/main" id="{3AAEAE7B-949A-FC98-E2DA-9B9108AC500A}"/>
+              </a:ext>
+            </a:extLst>
+          </p:cNvPr>
+          <p:cNvSpPr txBox="1"/>
+          <p:nvPr/>
+        </p:nvSpPr>
+        <p:spPr>
+          <a:xfrm>
+            <a:off x="5847759" y="5451490"/>
+            <a:ext cx="3701684" cy="276999"/>
+          </a:xfrm>
+          <a:prstGeom prst="rect">
+            <a:avLst/>
+          </a:prstGeom>
+          <a:solidFill>
+            <a:schemeClr val="bg2"/>
+          </a:solidFill>
+          <a:ln w="19050">
+            <a:solidFill>
+              <a:schemeClr val="tx1"/>
+            </a:solidFill>
+          </a:ln>
+        </p:spPr>
+        <p:txBody>
+          <a:bodyPr wrap="square" rtlCol="0">
+            <a:spAutoFit/>
+          </a:bodyPr>
+          <a:lstStyle/>
+          <a:p>
+            <a:r>
+              <a:rPr lang="en-US" sz="1200" b="1" dirty="0">
+                <a:solidFill>
+                  <a:srgbClr val="C00000"/>
+                </a:solidFill>
+              </a:rPr>
+              <a:t>Honeypot Deception PLC User Configuration page</a:t>
+            </a:r>
+            <a:endParaRPr lang="en-SG" sz="1200" b="1" dirty="0">
+              <a:solidFill>
+                <a:srgbClr val="C00000"/>
+              </a:solidFill>
+            </a:endParaRPr>
+          </a:p>
+        </p:txBody>
+      </p:sp>
+    </p:spTree>
+    <p:extLst>
+      <p:ext uri="{BB962C8B-B14F-4D97-AF65-F5344CB8AC3E}">
+        <p14:creationId xmlns:p14="http://schemas.microsoft.com/office/powerpoint/2010/main" val="249112756"/>
       </p:ext>
     </p:extLst>
   </p:cSld>

--- a/doc/designDoc.pptx
+++ b/doc/designDoc.pptx
@@ -5,7 +5,7 @@
     <p:sldMasterId id="2147483648" r:id="rId1"/>
   </p:sldMasterIdLst>
   <p:notesMasterIdLst>
-    <p:notesMasterId r:id="rId12"/>
+    <p:notesMasterId r:id="rId13"/>
   </p:notesMasterIdLst>
   <p:sldIdLst>
     <p:sldId id="256" r:id="rId2"/>
@@ -18,6 +18,7 @@
     <p:sldId id="263" r:id="rId9"/>
     <p:sldId id="264" r:id="rId10"/>
     <p:sldId id="265" r:id="rId11"/>
+    <p:sldId id="266" r:id="rId12"/>
   </p:sldIdLst>
   <p:sldSz cx="12192000" cy="6858000"/>
   <p:notesSz cx="6858000" cy="9144000"/>
@@ -4306,6 +4307,190 @@
     <p:extLst>
       <p:ext uri="{BB962C8B-B14F-4D97-AF65-F5344CB8AC3E}">
         <p14:creationId xmlns:p14="http://schemas.microsoft.com/office/powerpoint/2010/main" val="3935892349"/>
+      </p:ext>
+    </p:extLst>
+  </p:cSld>
+  <p:clrMapOvr>
+    <a:masterClrMapping/>
+  </p:clrMapOvr>
+</p:sld>
+</file>
+
+<file path=ppt/slides/slide11.xml><?xml version="1.0" encoding="utf-8"?>
+<p:sld xmlns:a="http://schemas.openxmlformats.org/drawingml/2006/main" xmlns:r="http://schemas.openxmlformats.org/officeDocument/2006/relationships" xmlns:p="http://schemas.openxmlformats.org/presentationml/2006/main">
+  <p:cSld>
+    <p:spTree>
+      <p:nvGrpSpPr>
+        <p:cNvPr id="1" name=""/>
+        <p:cNvGrpSpPr/>
+        <p:nvPr/>
+      </p:nvGrpSpPr>
+      <p:grpSpPr>
+        <a:xfrm>
+          <a:off x="0" y="0"/>
+          <a:ext cx="0" cy="0"/>
+          <a:chOff x="0" y="0"/>
+          <a:chExt cx="0" cy="0"/>
+        </a:xfrm>
+      </p:grpSpPr>
+      <p:pic>
+        <p:nvPicPr>
+          <p:cNvPr id="5" name="Picture 4" descr="A screenshot of a computer&#10;&#10;Description automatically generated">
+            <a:extLst>
+              <a:ext uri="{FF2B5EF4-FFF2-40B4-BE49-F238E27FC236}">
+                <a16:creationId xmlns:a16="http://schemas.microsoft.com/office/drawing/2014/main" id="{BB017847-D560-748F-25C5-3E94E1049500}"/>
+              </a:ext>
+            </a:extLst>
+          </p:cNvPr>
+          <p:cNvPicPr>
+            <a:picLocks noChangeAspect="1"/>
+          </p:cNvPicPr>
+          <p:nvPr/>
+        </p:nvPicPr>
+        <p:blipFill>
+          <a:blip r:embed="rId2">
+            <a:extLst>
+              <a:ext uri="{28A0092B-C50C-407E-A947-70E740481C1C}">
+                <a14:useLocalDpi xmlns:a14="http://schemas.microsoft.com/office/drawing/2010/main" val="0"/>
+              </a:ext>
+            </a:extLst>
+          </a:blip>
+          <a:stretch>
+            <a:fillRect/>
+          </a:stretch>
+        </p:blipFill>
+        <p:spPr>
+          <a:xfrm>
+            <a:off x="6177689" y="1410099"/>
+            <a:ext cx="5026119" cy="3399825"/>
+          </a:xfrm>
+          <a:prstGeom prst="rect">
+            <a:avLst/>
+          </a:prstGeom>
+          <a:ln w="9525">
+            <a:solidFill>
+              <a:schemeClr val="tx1"/>
+            </a:solidFill>
+          </a:ln>
+        </p:spPr>
+      </p:pic>
+      <p:pic>
+        <p:nvPicPr>
+          <p:cNvPr id="7" name="Picture 6" descr="A screenshot of a computer&#10;&#10;Description automatically generated">
+            <a:extLst>
+              <a:ext uri="{FF2B5EF4-FFF2-40B4-BE49-F238E27FC236}">
+                <a16:creationId xmlns:a16="http://schemas.microsoft.com/office/drawing/2014/main" id="{C2EDA158-3B1E-8F2C-9681-9DEC488E6E01}"/>
+              </a:ext>
+            </a:extLst>
+          </p:cNvPr>
+          <p:cNvPicPr>
+            <a:picLocks noChangeAspect="1"/>
+          </p:cNvPicPr>
+          <p:nvPr/>
+        </p:nvPicPr>
+        <p:blipFill>
+          <a:blip r:embed="rId3">
+            <a:extLst>
+              <a:ext uri="{28A0092B-C50C-407E-A947-70E740481C1C}">
+                <a14:useLocalDpi xmlns:a14="http://schemas.microsoft.com/office/drawing/2010/main" val="0"/>
+              </a:ext>
+            </a:extLst>
+          </a:blip>
+          <a:stretch>
+            <a:fillRect/>
+          </a:stretch>
+        </p:blipFill>
+        <p:spPr>
+          <a:xfrm>
+            <a:off x="882063" y="1410100"/>
+            <a:ext cx="5026119" cy="3399824"/>
+          </a:xfrm>
+          <a:prstGeom prst="rect">
+            <a:avLst/>
+          </a:prstGeom>
+          <a:ln w="9525">
+            <a:solidFill>
+              <a:schemeClr val="tx1"/>
+            </a:solidFill>
+          </a:ln>
+        </p:spPr>
+      </p:pic>
+      <p:sp>
+        <p:nvSpPr>
+          <p:cNvPr id="8" name="TextBox 7">
+            <a:extLst>
+              <a:ext uri="{FF2B5EF4-FFF2-40B4-BE49-F238E27FC236}">
+                <a16:creationId xmlns:a16="http://schemas.microsoft.com/office/drawing/2014/main" id="{3FAEBA81-3727-E737-6127-3AAE90550387}"/>
+              </a:ext>
+            </a:extLst>
+          </p:cNvPr>
+          <p:cNvSpPr txBox="1"/>
+          <p:nvPr/>
+        </p:nvSpPr>
+        <p:spPr>
+          <a:xfrm>
+            <a:off x="806771" y="1033949"/>
+            <a:ext cx="4455342" cy="307777"/>
+          </a:xfrm>
+          <a:prstGeom prst="rect">
+            <a:avLst/>
+          </a:prstGeom>
+          <a:noFill/>
+        </p:spPr>
+        <p:txBody>
+          <a:bodyPr wrap="square" rtlCol="0">
+            <a:spAutoFit/>
+          </a:bodyPr>
+          <a:lstStyle/>
+          <a:p>
+            <a:r>
+              <a:rPr lang="en-US" sz="1400" b="1" dirty="0"/>
+              <a:t>Honeypot log archive server main page</a:t>
+            </a:r>
+            <a:endParaRPr lang="en-SG" sz="1400" b="1" dirty="0"/>
+          </a:p>
+        </p:txBody>
+      </p:sp>
+      <p:sp>
+        <p:nvSpPr>
+          <p:cNvPr id="9" name="TextBox 8">
+            <a:extLst>
+              <a:ext uri="{FF2B5EF4-FFF2-40B4-BE49-F238E27FC236}">
+                <a16:creationId xmlns:a16="http://schemas.microsoft.com/office/drawing/2014/main" id="{857652EA-9C2C-5B20-160A-B6D2C775E4D7}"/>
+              </a:ext>
+            </a:extLst>
+          </p:cNvPr>
+          <p:cNvSpPr txBox="1"/>
+          <p:nvPr/>
+        </p:nvSpPr>
+        <p:spPr>
+          <a:xfrm>
+            <a:off x="6096000" y="1033948"/>
+            <a:ext cx="4853069" cy="307777"/>
+          </a:xfrm>
+          <a:prstGeom prst="rect">
+            <a:avLst/>
+          </a:prstGeom>
+          <a:noFill/>
+        </p:spPr>
+        <p:txBody>
+          <a:bodyPr wrap="square" rtlCol="0">
+            <a:spAutoFit/>
+          </a:bodyPr>
+          <a:lstStyle/>
+          <a:p>
+            <a:r>
+              <a:rPr lang="en-US" sz="1400" b="1" dirty="0"/>
+              <a:t>Honeypot log archive server components log view page</a:t>
+            </a:r>
+            <a:endParaRPr lang="en-SG" sz="1400" b="1" dirty="0"/>
+          </a:p>
+        </p:txBody>
+      </p:sp>
+    </p:spTree>
+    <p:extLst>
+      <p:ext uri="{BB962C8B-B14F-4D97-AF65-F5344CB8AC3E}">
+        <p14:creationId xmlns:p14="http://schemas.microsoft.com/office/powerpoint/2010/main" val="1215515222"/>
       </p:ext>
     </p:extLst>
   </p:cSld>

--- a/doc/designDoc.pptx
+++ b/doc/designDoc.pptx
@@ -21389,10 +21389,10 @@
       </p:grpSpPr>
       <p:sp>
         <p:nvSpPr>
-          <p:cNvPr id="4" name="Rectangle 3">
-            <a:extLst>
-              <a:ext uri="{FF2B5EF4-FFF2-40B4-BE49-F238E27FC236}">
-                <a16:creationId xmlns:a16="http://schemas.microsoft.com/office/drawing/2014/main" id="{7B378101-8486-7A4D-F32E-956A3397F456}"/>
+          <p:cNvPr id="2" name="Rectangle 1">
+            <a:extLst>
+              <a:ext uri="{FF2B5EF4-FFF2-40B4-BE49-F238E27FC236}">
+                <a16:creationId xmlns:a16="http://schemas.microsoft.com/office/drawing/2014/main" id="{2D1D5B04-CF11-04A9-4FF4-2EB2BAFB3B2D}"/>
               </a:ext>
             </a:extLst>
           </p:cNvPr>
@@ -21401,8 +21401,8 @@
         </p:nvSpPr>
         <p:spPr>
           <a:xfrm>
-            <a:off x="931651" y="650946"/>
-            <a:ext cx="2066027" cy="1350382"/>
+            <a:off x="870116" y="3507572"/>
+            <a:ext cx="2474268" cy="780847"/>
           </a:xfrm>
           <a:prstGeom prst="rect">
             <a:avLst/>
@@ -21436,10 +21436,10 @@
       </p:sp>
       <p:sp>
         <p:nvSpPr>
-          <p:cNvPr id="5" name="TextBox 4">
-            <a:extLst>
-              <a:ext uri="{FF2B5EF4-FFF2-40B4-BE49-F238E27FC236}">
-                <a16:creationId xmlns:a16="http://schemas.microsoft.com/office/drawing/2014/main" id="{807CB705-FDE0-E71D-F2E5-0C260C77EC7A}"/>
+          <p:cNvPr id="3" name="TextBox 2">
+            <a:extLst>
+              <a:ext uri="{FF2B5EF4-FFF2-40B4-BE49-F238E27FC236}">
+                <a16:creationId xmlns:a16="http://schemas.microsoft.com/office/drawing/2014/main" id="{889ABCA5-AFBA-BCDB-993A-C26DCC8DB640}"/>
               </a:ext>
             </a:extLst>
           </p:cNvPr>
@@ -21448,7 +21448,7 @@
         </p:nvSpPr>
         <p:spPr>
           <a:xfrm>
-            <a:off x="924423" y="650946"/>
+            <a:off x="904431" y="3522584"/>
             <a:ext cx="1742537" cy="276999"/>
           </a:xfrm>
           <a:prstGeom prst="rect">
@@ -21470,159 +21470,12 @@
           </a:p>
         </p:txBody>
       </p:sp>
-      <p:pic>
-        <p:nvPicPr>
-          <p:cNvPr id="7" name="Picture 2" descr="PLC Ladder Simulator - Apps on Google Play">
-            <a:extLst>
-              <a:ext uri="{FF2B5EF4-FFF2-40B4-BE49-F238E27FC236}">
-                <a16:creationId xmlns:a16="http://schemas.microsoft.com/office/drawing/2014/main" id="{0FC2C1E5-2702-ABB2-C7C0-D9C01395D363}"/>
-              </a:ext>
-            </a:extLst>
-          </p:cNvPr>
-          <p:cNvPicPr>
-            <a:picLocks noChangeAspect="1" noChangeArrowheads="1"/>
-          </p:cNvPicPr>
-          <p:nvPr/>
-        </p:nvPicPr>
-        <p:blipFill>
-          <a:blip r:embed="rId2">
-            <a:extLst>
-              <a:ext uri="{28A0092B-C50C-407E-A947-70E740481C1C}">
-                <a14:useLocalDpi xmlns:a14="http://schemas.microsoft.com/office/drawing/2010/main" val="0"/>
-              </a:ext>
-            </a:extLst>
-          </a:blip>
-          <a:srcRect/>
-          <a:stretch>
-            <a:fillRect/>
-          </a:stretch>
-        </p:blipFill>
-        <p:spPr bwMode="auto">
-          <a:xfrm>
-            <a:off x="1081653" y="878661"/>
-            <a:ext cx="384848" cy="384848"/>
-          </a:xfrm>
-          <a:prstGeom prst="rect">
-            <a:avLst/>
-          </a:prstGeom>
-          <a:noFill/>
-          <a:extLst>
-            <a:ext uri="{909E8E84-426E-40DD-AFC4-6F175D3DCCD1}">
-              <a14:hiddenFill xmlns:a14="http://schemas.microsoft.com/office/drawing/2010/main">
-                <a:solidFill>
-                  <a:srgbClr val="FFFFFF"/>
-                </a:solidFill>
-              </a14:hiddenFill>
-            </a:ext>
-          </a:extLst>
-        </p:spPr>
-      </p:pic>
-      <p:pic>
-        <p:nvPicPr>
-          <p:cNvPr id="9" name="Picture 8">
-            <a:extLst>
-              <a:ext uri="{FF2B5EF4-FFF2-40B4-BE49-F238E27FC236}">
-                <a16:creationId xmlns:a16="http://schemas.microsoft.com/office/drawing/2014/main" id="{7A017A6E-B398-C56D-E31B-D7AB1DF3C9CD}"/>
-              </a:ext>
-            </a:extLst>
-          </p:cNvPr>
-          <p:cNvPicPr>
-            <a:picLocks noChangeAspect="1"/>
-          </p:cNvPicPr>
-          <p:nvPr/>
-        </p:nvPicPr>
-        <p:blipFill>
-          <a:blip r:embed="rId3"/>
-          <a:stretch>
-            <a:fillRect/>
-          </a:stretch>
-        </p:blipFill>
-        <p:spPr>
-          <a:xfrm>
-            <a:off x="2107250" y="844701"/>
-            <a:ext cx="358792" cy="448489"/>
-          </a:xfrm>
-          <a:prstGeom prst="rect">
-            <a:avLst/>
-          </a:prstGeom>
-        </p:spPr>
-      </p:pic>
-      <p:sp>
-        <p:nvSpPr>
-          <p:cNvPr id="10" name="TextBox 9">
-            <a:extLst>
-              <a:ext uri="{FF2B5EF4-FFF2-40B4-BE49-F238E27FC236}">
-                <a16:creationId xmlns:a16="http://schemas.microsoft.com/office/drawing/2014/main" id="{C7F7D4E3-3F74-135C-A513-9C36C2C3F5E7}"/>
-              </a:ext>
-            </a:extLst>
-          </p:cNvPr>
-          <p:cNvSpPr txBox="1"/>
-          <p:nvPr/>
-        </p:nvSpPr>
-        <p:spPr>
-          <a:xfrm>
-            <a:off x="1466501" y="804112"/>
-            <a:ext cx="793497" cy="553998"/>
-          </a:xfrm>
-          <a:prstGeom prst="rect">
-            <a:avLst/>
-          </a:prstGeom>
-          <a:noFill/>
-        </p:spPr>
-        <p:txBody>
-          <a:bodyPr wrap="square" rtlCol="0">
-            <a:spAutoFit/>
-          </a:bodyPr>
-          <a:lstStyle/>
-          <a:p>
-            <a:r>
-              <a:rPr lang="en-US" sz="1000" dirty="0"/>
-              <a:t>Ladder logic module </a:t>
-            </a:r>
-          </a:p>
-        </p:txBody>
-      </p:sp>
-      <p:sp>
-        <p:nvSpPr>
-          <p:cNvPr id="11" name="TextBox 10">
-            <a:extLst>
-              <a:ext uri="{FF2B5EF4-FFF2-40B4-BE49-F238E27FC236}">
-                <a16:creationId xmlns:a16="http://schemas.microsoft.com/office/drawing/2014/main" id="{EF14A4F8-AFA6-5EF4-B720-DE887EBF15E8}"/>
-              </a:ext>
-            </a:extLst>
-          </p:cNvPr>
-          <p:cNvSpPr txBox="1"/>
-          <p:nvPr/>
-        </p:nvSpPr>
-        <p:spPr>
-          <a:xfrm>
-            <a:off x="2412588" y="801293"/>
-            <a:ext cx="585090" cy="400110"/>
-          </a:xfrm>
-          <a:prstGeom prst="rect">
-            <a:avLst/>
-          </a:prstGeom>
-          <a:noFill/>
-        </p:spPr>
-        <p:txBody>
-          <a:bodyPr wrap="square" rtlCol="0">
-            <a:spAutoFit/>
-          </a:bodyPr>
-          <a:lstStyle/>
-          <a:p>
-            <a:r>
-              <a:rPr lang="en-US" sz="1000" dirty="0"/>
-              <a:t>Config File</a:t>
-            </a:r>
-          </a:p>
-        </p:txBody>
-      </p:sp>
-      <p:sp>
-        <p:nvSpPr>
-          <p:cNvPr id="12" name="Rectangle 11">
-            <a:extLst>
-              <a:ext uri="{FF2B5EF4-FFF2-40B4-BE49-F238E27FC236}">
-                <a16:creationId xmlns:a16="http://schemas.microsoft.com/office/drawing/2014/main" id="{E005A61F-D48C-B24D-3CAE-C6742A8ED685}"/>
+      <p:sp>
+        <p:nvSpPr>
+          <p:cNvPr id="4" name="Rectangle 3">
+            <a:extLst>
+              <a:ext uri="{FF2B5EF4-FFF2-40B4-BE49-F238E27FC236}">
+                <a16:creationId xmlns:a16="http://schemas.microsoft.com/office/drawing/2014/main" id="{7B378101-8486-7A4D-F32E-956A3397F456}"/>
               </a:ext>
             </a:extLst>
           </p:cNvPr>
@@ -21631,238 +21484,7 @@
         </p:nvSpPr>
         <p:spPr>
           <a:xfrm>
-            <a:off x="1081654" y="1506360"/>
-            <a:ext cx="1739175" cy="382825"/>
-          </a:xfrm>
-          <a:prstGeom prst="rect">
-            <a:avLst/>
-          </a:prstGeom>
-          <a:solidFill>
-            <a:schemeClr val="accent2"/>
-          </a:solidFill>
-        </p:spPr>
-        <p:style>
-          <a:lnRef idx="2">
-            <a:schemeClr val="accent1">
-              <a:shade val="50000"/>
-            </a:schemeClr>
-          </a:lnRef>
-          <a:fillRef idx="1">
-            <a:schemeClr val="accent1"/>
-          </a:fillRef>
-          <a:effectRef idx="0">
-            <a:schemeClr val="accent1"/>
-          </a:effectRef>
-          <a:fontRef idx="minor">
-            <a:schemeClr val="lt1"/>
-          </a:fontRef>
-        </p:style>
-        <p:txBody>
-          <a:bodyPr rtlCol="0" anchor="ctr"/>
-          <a:lstStyle/>
-          <a:p>
-            <a:pPr algn="ctr"/>
-            <a:r>
-              <a:rPr lang="en-US" sz="1050" b="1" dirty="0"/>
-              <a:t>PLC Controller Program (Modbus-TCP)</a:t>
-            </a:r>
-            <a:endParaRPr lang="en-SG" sz="1050" b="1" dirty="0"/>
-          </a:p>
-        </p:txBody>
-      </p:sp>
-      <p:cxnSp>
-        <p:nvCxnSpPr>
-          <p:cNvPr id="14" name="Straight Arrow Connector 13">
-            <a:extLst>
-              <a:ext uri="{FF2B5EF4-FFF2-40B4-BE49-F238E27FC236}">
-                <a16:creationId xmlns:a16="http://schemas.microsoft.com/office/drawing/2014/main" id="{CAA35FB4-0CD3-08E7-E3D3-703C44C1642C}"/>
-              </a:ext>
-            </a:extLst>
-          </p:cNvPr>
-          <p:cNvCxnSpPr>
-            <a:stCxn id="7" idx="2"/>
-          </p:cNvCxnSpPr>
-          <p:nvPr/>
-        </p:nvCxnSpPr>
-        <p:spPr>
-          <a:xfrm>
-            <a:off x="1274077" y="1263509"/>
-            <a:ext cx="0" cy="242852"/>
-          </a:xfrm>
-          <a:prstGeom prst="straightConnector1">
-            <a:avLst/>
-          </a:prstGeom>
-          <a:ln>
-            <a:tailEnd type="triangle"/>
-          </a:ln>
-        </p:spPr>
-        <p:style>
-          <a:lnRef idx="2">
-            <a:schemeClr val="accent1"/>
-          </a:lnRef>
-          <a:fillRef idx="0">
-            <a:schemeClr val="accent1"/>
-          </a:fillRef>
-          <a:effectRef idx="1">
-            <a:schemeClr val="accent1"/>
-          </a:effectRef>
-          <a:fontRef idx="minor">
-            <a:schemeClr val="tx1"/>
-          </a:fontRef>
-        </p:style>
-      </p:cxnSp>
-      <p:cxnSp>
-        <p:nvCxnSpPr>
-          <p:cNvPr id="16" name="Straight Arrow Connector 15">
-            <a:extLst>
-              <a:ext uri="{FF2B5EF4-FFF2-40B4-BE49-F238E27FC236}">
-                <a16:creationId xmlns:a16="http://schemas.microsoft.com/office/drawing/2014/main" id="{54D5F96B-AA76-AE9F-0027-B15D0A65EB87}"/>
-              </a:ext>
-            </a:extLst>
-          </p:cNvPr>
-          <p:cNvCxnSpPr>
-            <a:cxnSpLocks/>
-          </p:cNvCxnSpPr>
-          <p:nvPr/>
-        </p:nvCxnSpPr>
-        <p:spPr>
-          <a:xfrm flipH="1">
-            <a:off x="2305403" y="1296457"/>
-            <a:ext cx="0" cy="194208"/>
-          </a:xfrm>
-          <a:prstGeom prst="straightConnector1">
-            <a:avLst/>
-          </a:prstGeom>
-          <a:ln>
-            <a:tailEnd type="triangle"/>
-          </a:ln>
-        </p:spPr>
-        <p:style>
-          <a:lnRef idx="2">
-            <a:schemeClr val="accent1"/>
-          </a:lnRef>
-          <a:fillRef idx="0">
-            <a:schemeClr val="accent1"/>
-          </a:fillRef>
-          <a:effectRef idx="1">
-            <a:schemeClr val="accent1"/>
-          </a:effectRef>
-          <a:fontRef idx="minor">
-            <a:schemeClr val="tx1"/>
-          </a:fontRef>
-        </p:style>
-      </p:cxnSp>
-      <p:cxnSp>
-        <p:nvCxnSpPr>
-          <p:cNvPr id="20" name="Straight Arrow Connector 19">
-            <a:extLst>
-              <a:ext uri="{FF2B5EF4-FFF2-40B4-BE49-F238E27FC236}">
-                <a16:creationId xmlns:a16="http://schemas.microsoft.com/office/drawing/2014/main" id="{392C7F58-F58D-8553-6913-CD2CD20BBA2A}"/>
-              </a:ext>
-            </a:extLst>
-          </p:cNvPr>
-          <p:cNvCxnSpPr>
-            <a:cxnSpLocks/>
-            <a:stCxn id="12" idx="3"/>
-          </p:cNvCxnSpPr>
-          <p:nvPr/>
-        </p:nvCxnSpPr>
-        <p:spPr>
-          <a:xfrm>
-            <a:off x="2820829" y="1697773"/>
-            <a:ext cx="585090" cy="0"/>
-          </a:xfrm>
-          <a:prstGeom prst="straightConnector1">
-            <a:avLst/>
-          </a:prstGeom>
-          <a:ln>
-            <a:solidFill>
-              <a:srgbClr val="00B050"/>
-            </a:solidFill>
-            <a:headEnd type="triangle"/>
-            <a:tailEnd type="triangle"/>
-          </a:ln>
-        </p:spPr>
-        <p:style>
-          <a:lnRef idx="2">
-            <a:schemeClr val="accent1"/>
-          </a:lnRef>
-          <a:fillRef idx="0">
-            <a:schemeClr val="accent1"/>
-          </a:fillRef>
-          <a:effectRef idx="1">
-            <a:schemeClr val="accent1"/>
-          </a:effectRef>
-          <a:fontRef idx="minor">
-            <a:schemeClr val="tx1"/>
-          </a:fontRef>
-        </p:style>
-      </p:cxnSp>
-      <p:sp>
-        <p:nvSpPr>
-          <p:cNvPr id="22" name="Rectangle 21">
-            <a:extLst>
-              <a:ext uri="{FF2B5EF4-FFF2-40B4-BE49-F238E27FC236}">
-                <a16:creationId xmlns:a16="http://schemas.microsoft.com/office/drawing/2014/main" id="{AC9B41A8-5C55-63CB-702B-AA49C3459167}"/>
-              </a:ext>
-            </a:extLst>
-          </p:cNvPr>
-          <p:cNvSpPr/>
-          <p:nvPr/>
-        </p:nvSpPr>
-        <p:spPr>
-          <a:xfrm>
-            <a:off x="3405919" y="1560159"/>
-            <a:ext cx="1078873" cy="344574"/>
-          </a:xfrm>
-          <a:prstGeom prst="rect">
-            <a:avLst/>
-          </a:prstGeom>
-        </p:spPr>
-        <p:style>
-          <a:lnRef idx="2">
-            <a:schemeClr val="accent1">
-              <a:shade val="50000"/>
-            </a:schemeClr>
-          </a:lnRef>
-          <a:fillRef idx="1">
-            <a:schemeClr val="accent1"/>
-          </a:fillRef>
-          <a:effectRef idx="0">
-            <a:schemeClr val="accent1"/>
-          </a:effectRef>
-          <a:fontRef idx="minor">
-            <a:schemeClr val="lt1"/>
-          </a:fontRef>
-        </p:style>
-        <p:txBody>
-          <a:bodyPr rtlCol="0" anchor="ctr"/>
-          <a:lstStyle/>
-          <a:p>
-            <a:pPr algn="ctr"/>
-            <a:r>
-              <a:rPr lang="en-US" sz="1000" b="1" dirty="0"/>
-              <a:t>PLC Emulator VM</a:t>
-            </a:r>
-            <a:endParaRPr lang="en-SG" sz="1000" b="1" dirty="0"/>
-          </a:p>
-        </p:txBody>
-      </p:sp>
-      <p:sp>
-        <p:nvSpPr>
-          <p:cNvPr id="23" name="Rectangle 22">
-            <a:extLst>
-              <a:ext uri="{FF2B5EF4-FFF2-40B4-BE49-F238E27FC236}">
-                <a16:creationId xmlns:a16="http://schemas.microsoft.com/office/drawing/2014/main" id="{3D3567C8-89CC-EAB6-D306-28E651291F68}"/>
-              </a:ext>
-            </a:extLst>
-          </p:cNvPr>
-          <p:cNvSpPr/>
-          <p:nvPr/>
-        </p:nvSpPr>
-        <p:spPr>
-          <a:xfrm>
-            <a:off x="5440390" y="650946"/>
+            <a:off x="931651" y="650946"/>
             <a:ext cx="2066027" cy="1350382"/>
           </a:xfrm>
           <a:prstGeom prst="rect">
@@ -21897,10 +21519,10 @@
       </p:sp>
       <p:sp>
         <p:nvSpPr>
-          <p:cNvPr id="24" name="TextBox 23">
-            <a:extLst>
-              <a:ext uri="{FF2B5EF4-FFF2-40B4-BE49-F238E27FC236}">
-                <a16:creationId xmlns:a16="http://schemas.microsoft.com/office/drawing/2014/main" id="{9257CFB1-F6B0-032E-CC9A-48E292B028F4}"/>
+          <p:cNvPr id="5" name="TextBox 4">
+            <a:extLst>
+              <a:ext uri="{FF2B5EF4-FFF2-40B4-BE49-F238E27FC236}">
+                <a16:creationId xmlns:a16="http://schemas.microsoft.com/office/drawing/2014/main" id="{807CB705-FDE0-E71D-F2E5-0C260C77EC7A}"/>
               </a:ext>
             </a:extLst>
           </p:cNvPr>
@@ -21909,7 +21531,7 @@
         </p:nvSpPr>
         <p:spPr>
           <a:xfrm>
-            <a:off x="5433162" y="650946"/>
+            <a:off x="924423" y="650946"/>
             <a:ext cx="1742537" cy="276999"/>
           </a:xfrm>
           <a:prstGeom prst="rect">
@@ -21933,10 +21555,10 @@
       </p:sp>
       <p:pic>
         <p:nvPicPr>
-          <p:cNvPr id="25" name="Picture 2" descr="PLC Ladder Simulator - Apps on Google Play">
-            <a:extLst>
-              <a:ext uri="{FF2B5EF4-FFF2-40B4-BE49-F238E27FC236}">
-                <a16:creationId xmlns:a16="http://schemas.microsoft.com/office/drawing/2014/main" id="{F1844AEE-4C57-35DD-670F-4C83DD63A6E0}"/>
+          <p:cNvPr id="7" name="Picture 2" descr="PLC Ladder Simulator - Apps on Google Play">
+            <a:extLst>
+              <a:ext uri="{FF2B5EF4-FFF2-40B4-BE49-F238E27FC236}">
+                <a16:creationId xmlns:a16="http://schemas.microsoft.com/office/drawing/2014/main" id="{0FC2C1E5-2702-ABB2-C7C0-D9C01395D363}"/>
               </a:ext>
             </a:extLst>
           </p:cNvPr>
@@ -21960,7 +21582,7 @@
         </p:blipFill>
         <p:spPr bwMode="auto">
           <a:xfrm>
-            <a:off x="5590392" y="878661"/>
+            <a:off x="1081653" y="878661"/>
             <a:ext cx="384848" cy="384848"/>
           </a:xfrm>
           <a:prstGeom prst="rect">
@@ -21980,10 +21602,10 @@
       </p:pic>
       <p:pic>
         <p:nvPicPr>
-          <p:cNvPr id="26" name="Picture 25">
-            <a:extLst>
-              <a:ext uri="{FF2B5EF4-FFF2-40B4-BE49-F238E27FC236}">
-                <a16:creationId xmlns:a16="http://schemas.microsoft.com/office/drawing/2014/main" id="{03B9401C-8D0A-35E2-78CD-2BD6A32FF016}"/>
+          <p:cNvPr id="9" name="Picture 8">
+            <a:extLst>
+              <a:ext uri="{FF2B5EF4-FFF2-40B4-BE49-F238E27FC236}">
+                <a16:creationId xmlns:a16="http://schemas.microsoft.com/office/drawing/2014/main" id="{7A017A6E-B398-C56D-E31B-D7AB1DF3C9CD}"/>
               </a:ext>
             </a:extLst>
           </p:cNvPr>
@@ -22000,7 +21622,7 @@
         </p:blipFill>
         <p:spPr>
           <a:xfrm>
-            <a:off x="6615989" y="844701"/>
+            <a:off x="2107250" y="844701"/>
             <a:ext cx="358792" cy="448489"/>
           </a:xfrm>
           <a:prstGeom prst="rect">
@@ -22010,10 +21632,10 @@
       </p:pic>
       <p:sp>
         <p:nvSpPr>
-          <p:cNvPr id="27" name="TextBox 26">
-            <a:extLst>
-              <a:ext uri="{FF2B5EF4-FFF2-40B4-BE49-F238E27FC236}">
-                <a16:creationId xmlns:a16="http://schemas.microsoft.com/office/drawing/2014/main" id="{C63F2DF5-86E2-9D42-3701-1150B7776FFC}"/>
+          <p:cNvPr id="10" name="TextBox 9">
+            <a:extLst>
+              <a:ext uri="{FF2B5EF4-FFF2-40B4-BE49-F238E27FC236}">
+                <a16:creationId xmlns:a16="http://schemas.microsoft.com/office/drawing/2014/main" id="{C7F7D4E3-3F74-135C-A513-9C36C2C3F5E7}"/>
               </a:ext>
             </a:extLst>
           </p:cNvPr>
@@ -22022,7 +21644,7 @@
         </p:nvSpPr>
         <p:spPr>
           <a:xfrm>
-            <a:off x="5975240" y="804112"/>
+            <a:off x="1466501" y="804112"/>
             <a:ext cx="793497" cy="553998"/>
           </a:xfrm>
           <a:prstGeom prst="rect">
@@ -22045,10 +21667,10 @@
       </p:sp>
       <p:sp>
         <p:nvSpPr>
-          <p:cNvPr id="28" name="TextBox 27">
-            <a:extLst>
-              <a:ext uri="{FF2B5EF4-FFF2-40B4-BE49-F238E27FC236}">
-                <a16:creationId xmlns:a16="http://schemas.microsoft.com/office/drawing/2014/main" id="{6A2DE669-9FC4-4751-3C9C-F393265C4E31}"/>
+          <p:cNvPr id="11" name="TextBox 10">
+            <a:extLst>
+              <a:ext uri="{FF2B5EF4-FFF2-40B4-BE49-F238E27FC236}">
+                <a16:creationId xmlns:a16="http://schemas.microsoft.com/office/drawing/2014/main" id="{EF14A4F8-AFA6-5EF4-B720-DE887EBF15E8}"/>
               </a:ext>
             </a:extLst>
           </p:cNvPr>
@@ -22057,7 +21679,7 @@
         </p:nvSpPr>
         <p:spPr>
           <a:xfrm>
-            <a:off x="6921327" y="801293"/>
+            <a:off x="2412588" y="801293"/>
             <a:ext cx="585090" cy="400110"/>
           </a:xfrm>
           <a:prstGeom prst="rect">
@@ -22080,10 +21702,10 @@
       </p:sp>
       <p:sp>
         <p:nvSpPr>
-          <p:cNvPr id="29" name="Rectangle 28">
-            <a:extLst>
-              <a:ext uri="{FF2B5EF4-FFF2-40B4-BE49-F238E27FC236}">
-                <a16:creationId xmlns:a16="http://schemas.microsoft.com/office/drawing/2014/main" id="{B77A862A-8072-4DC9-4695-93BB9D3EA03C}"/>
+          <p:cNvPr id="12" name="Rectangle 11">
+            <a:extLst>
+              <a:ext uri="{FF2B5EF4-FFF2-40B4-BE49-F238E27FC236}">
+                <a16:creationId xmlns:a16="http://schemas.microsoft.com/office/drawing/2014/main" id="{E005A61F-D48C-B24D-3CAE-C6742A8ED685}"/>
               </a:ext>
             </a:extLst>
           </p:cNvPr>
@@ -22092,7 +21714,7 @@
         </p:nvSpPr>
         <p:spPr>
           <a:xfrm>
-            <a:off x="5590393" y="1506360"/>
+            <a:off x="1081654" y="1506360"/>
             <a:ext cx="1739175" cy="382825"/>
           </a:xfrm>
           <a:prstGeom prst="rect">
@@ -22133,21 +21755,21 @@
       </p:sp>
       <p:cxnSp>
         <p:nvCxnSpPr>
-          <p:cNvPr id="30" name="Straight Arrow Connector 29">
-            <a:extLst>
-              <a:ext uri="{FF2B5EF4-FFF2-40B4-BE49-F238E27FC236}">
-                <a16:creationId xmlns:a16="http://schemas.microsoft.com/office/drawing/2014/main" id="{4DF447C3-20D7-7DAA-0506-CB8AFBE1BC1B}"/>
+          <p:cNvPr id="14" name="Straight Arrow Connector 13">
+            <a:extLst>
+              <a:ext uri="{FF2B5EF4-FFF2-40B4-BE49-F238E27FC236}">
+                <a16:creationId xmlns:a16="http://schemas.microsoft.com/office/drawing/2014/main" id="{CAA35FB4-0CD3-08E7-E3D3-703C44C1642C}"/>
               </a:ext>
             </a:extLst>
           </p:cNvPr>
           <p:cNvCxnSpPr>
-            <a:stCxn id="25" idx="2"/>
+            <a:stCxn id="7" idx="2"/>
           </p:cNvCxnSpPr>
           <p:nvPr/>
         </p:nvCxnSpPr>
         <p:spPr>
           <a:xfrm>
-            <a:off x="5782816" y="1263509"/>
+            <a:off x="1274077" y="1263509"/>
             <a:ext cx="0" cy="242852"/>
           </a:xfrm>
           <a:prstGeom prst="straightConnector1">
@@ -22174,10 +21796,10 @@
       </p:cxnSp>
       <p:cxnSp>
         <p:nvCxnSpPr>
-          <p:cNvPr id="31" name="Straight Arrow Connector 30">
-            <a:extLst>
-              <a:ext uri="{FF2B5EF4-FFF2-40B4-BE49-F238E27FC236}">
-                <a16:creationId xmlns:a16="http://schemas.microsoft.com/office/drawing/2014/main" id="{58E0E836-417C-B2DC-4C1C-AB001D09E5B9}"/>
+          <p:cNvPr id="16" name="Straight Arrow Connector 15">
+            <a:extLst>
+              <a:ext uri="{FF2B5EF4-FFF2-40B4-BE49-F238E27FC236}">
+                <a16:creationId xmlns:a16="http://schemas.microsoft.com/office/drawing/2014/main" id="{54D5F96B-AA76-AE9F-0027-B15D0A65EB87}"/>
               </a:ext>
             </a:extLst>
           </p:cNvPr>
@@ -22188,7 +21810,7 @@
         </p:nvCxnSpPr>
         <p:spPr>
           <a:xfrm flipH="1">
-            <a:off x="6814142" y="1296457"/>
+            <a:off x="2305403" y="1296457"/>
             <a:ext cx="0" cy="194208"/>
           </a:xfrm>
           <a:prstGeom prst="straightConnector1">
@@ -22215,24 +21837,23 @@
       </p:cxnSp>
       <p:cxnSp>
         <p:nvCxnSpPr>
-          <p:cNvPr id="32" name="Straight Arrow Connector 31">
-            <a:extLst>
-              <a:ext uri="{FF2B5EF4-FFF2-40B4-BE49-F238E27FC236}">
-                <a16:creationId xmlns:a16="http://schemas.microsoft.com/office/drawing/2014/main" id="{A399D873-F65C-FC1D-00A0-32A5687967B4}"/>
+          <p:cNvPr id="20" name="Straight Arrow Connector 19">
+            <a:extLst>
+              <a:ext uri="{FF2B5EF4-FFF2-40B4-BE49-F238E27FC236}">
+                <a16:creationId xmlns:a16="http://schemas.microsoft.com/office/drawing/2014/main" id="{392C7F58-F58D-8553-6913-CD2CD20BBA2A}"/>
               </a:ext>
             </a:extLst>
           </p:cNvPr>
           <p:cNvCxnSpPr>
             <a:cxnSpLocks/>
-            <a:stCxn id="29" idx="3"/>
-            <a:endCxn id="33" idx="1"/>
+            <a:stCxn id="12" idx="3"/>
           </p:cNvCxnSpPr>
           <p:nvPr/>
         </p:nvCxnSpPr>
         <p:spPr>
-          <a:xfrm flipV="1">
-            <a:off x="7329568" y="812151"/>
-            <a:ext cx="733092" cy="885622"/>
+          <a:xfrm>
+            <a:off x="2820829" y="1697773"/>
+            <a:ext cx="585090" cy="0"/>
           </a:xfrm>
           <a:prstGeom prst="straightConnector1">
             <a:avLst/>
@@ -22262,10 +21883,10 @@
       </p:cxnSp>
       <p:sp>
         <p:nvSpPr>
-          <p:cNvPr id="33" name="Rectangle 32">
-            <a:extLst>
-              <a:ext uri="{FF2B5EF4-FFF2-40B4-BE49-F238E27FC236}">
-                <a16:creationId xmlns:a16="http://schemas.microsoft.com/office/drawing/2014/main" id="{E4B15E99-BDFC-3745-A2B0-D18CEB6B7CBE}"/>
+          <p:cNvPr id="22" name="Rectangle 21">
+            <a:extLst>
+              <a:ext uri="{FF2B5EF4-FFF2-40B4-BE49-F238E27FC236}">
+                <a16:creationId xmlns:a16="http://schemas.microsoft.com/office/drawing/2014/main" id="{AC9B41A8-5C55-63CB-702B-AA49C3459167}"/>
               </a:ext>
             </a:extLst>
           </p:cNvPr>
@@ -22274,7 +21895,7 @@
         </p:nvSpPr>
         <p:spPr>
           <a:xfrm>
-            <a:off x="8062660" y="639864"/>
+            <a:off x="3405919" y="1560159"/>
             <a:ext cx="1078873" cy="344574"/>
           </a:xfrm>
           <a:prstGeom prst="rect">
@@ -22304,7 +21925,7 @@
             <a:pPr algn="ctr"/>
             <a:r>
               <a:rPr lang="en-US" sz="1000" b="1" dirty="0"/>
-              <a:t>PLC Emulator VM-00</a:t>
+              <a:t>PLC Emulator VM</a:t>
             </a:r>
             <a:endParaRPr lang="en-SG" sz="1000" b="1" dirty="0"/>
           </a:p>
@@ -22312,10 +21933,10 @@
       </p:sp>
       <p:sp>
         <p:nvSpPr>
-          <p:cNvPr id="35" name="Rectangle 34">
-            <a:extLst>
-              <a:ext uri="{FF2B5EF4-FFF2-40B4-BE49-F238E27FC236}">
-                <a16:creationId xmlns:a16="http://schemas.microsoft.com/office/drawing/2014/main" id="{5F553832-7A45-74BE-793E-9FA95CACF81F}"/>
+          <p:cNvPr id="23" name="Rectangle 22">
+            <a:extLst>
+              <a:ext uri="{FF2B5EF4-FFF2-40B4-BE49-F238E27FC236}">
+                <a16:creationId xmlns:a16="http://schemas.microsoft.com/office/drawing/2014/main" id="{3D3567C8-89CC-EAB6-D306-28E651291F68}"/>
               </a:ext>
             </a:extLst>
           </p:cNvPr>
@@ -22324,201 +21945,8 @@
         </p:nvSpPr>
         <p:spPr>
           <a:xfrm>
-            <a:off x="8096526" y="1134785"/>
-            <a:ext cx="1078873" cy="344574"/>
-          </a:xfrm>
-          <a:prstGeom prst="rect">
-            <a:avLst/>
-          </a:prstGeom>
-        </p:spPr>
-        <p:style>
-          <a:lnRef idx="2">
-            <a:schemeClr val="accent1">
-              <a:shade val="50000"/>
-            </a:schemeClr>
-          </a:lnRef>
-          <a:fillRef idx="1">
-            <a:schemeClr val="accent1"/>
-          </a:fillRef>
-          <a:effectRef idx="0">
-            <a:schemeClr val="accent1"/>
-          </a:effectRef>
-          <a:fontRef idx="minor">
-            <a:schemeClr val="lt1"/>
-          </a:fontRef>
-        </p:style>
-        <p:txBody>
-          <a:bodyPr rtlCol="0" anchor="ctr"/>
-          <a:lstStyle/>
-          <a:p>
-            <a:pPr algn="ctr"/>
-            <a:r>
-              <a:rPr lang="en-US" sz="1000" b="1" dirty="0"/>
-              <a:t>PLC Emulator VM-01</a:t>
-            </a:r>
-            <a:endParaRPr lang="en-SG" sz="1000" b="1" dirty="0"/>
-          </a:p>
-        </p:txBody>
-      </p:sp>
-      <p:cxnSp>
-        <p:nvCxnSpPr>
-          <p:cNvPr id="37" name="Straight Arrow Connector 36">
-            <a:extLst>
-              <a:ext uri="{FF2B5EF4-FFF2-40B4-BE49-F238E27FC236}">
-                <a16:creationId xmlns:a16="http://schemas.microsoft.com/office/drawing/2014/main" id="{0B4EC80B-AA59-6CBD-DCFB-066877A0B389}"/>
-              </a:ext>
-            </a:extLst>
-          </p:cNvPr>
-          <p:cNvCxnSpPr>
-            <a:cxnSpLocks/>
-            <a:stCxn id="29" idx="3"/>
-            <a:endCxn id="35" idx="1"/>
-          </p:cNvCxnSpPr>
-          <p:nvPr/>
-        </p:nvCxnSpPr>
-        <p:spPr>
-          <a:xfrm flipV="1">
-            <a:off x="7329568" y="1307072"/>
-            <a:ext cx="766958" cy="390701"/>
-          </a:xfrm>
-          <a:prstGeom prst="straightConnector1">
-            <a:avLst/>
-          </a:prstGeom>
-          <a:ln>
-            <a:solidFill>
-              <a:srgbClr val="00B050"/>
-            </a:solidFill>
-            <a:headEnd type="triangle"/>
-            <a:tailEnd type="triangle"/>
-          </a:ln>
-        </p:spPr>
-        <p:style>
-          <a:lnRef idx="2">
-            <a:schemeClr val="accent1"/>
-          </a:lnRef>
-          <a:fillRef idx="0">
-            <a:schemeClr val="accent1"/>
-          </a:fillRef>
-          <a:effectRef idx="1">
-            <a:schemeClr val="accent1"/>
-          </a:effectRef>
-          <a:fontRef idx="minor">
-            <a:schemeClr val="tx1"/>
-          </a:fontRef>
-        </p:style>
-      </p:cxnSp>
-      <p:sp>
-        <p:nvSpPr>
-          <p:cNvPr id="40" name="Rectangle 39">
-            <a:extLst>
-              <a:ext uri="{FF2B5EF4-FFF2-40B4-BE49-F238E27FC236}">
-                <a16:creationId xmlns:a16="http://schemas.microsoft.com/office/drawing/2014/main" id="{F6E24645-DB2F-E828-9CCB-3F3300261AB1}"/>
-              </a:ext>
-            </a:extLst>
-          </p:cNvPr>
-          <p:cNvSpPr/>
-          <p:nvPr/>
-        </p:nvSpPr>
-        <p:spPr>
-          <a:xfrm>
-            <a:off x="8096526" y="1629706"/>
-            <a:ext cx="1078873" cy="344574"/>
-          </a:xfrm>
-          <a:prstGeom prst="rect">
-            <a:avLst/>
-          </a:prstGeom>
-        </p:spPr>
-        <p:style>
-          <a:lnRef idx="2">
-            <a:schemeClr val="accent1">
-              <a:shade val="50000"/>
-            </a:schemeClr>
-          </a:lnRef>
-          <a:fillRef idx="1">
-            <a:schemeClr val="accent1"/>
-          </a:fillRef>
-          <a:effectRef idx="0">
-            <a:schemeClr val="accent1"/>
-          </a:effectRef>
-          <a:fontRef idx="minor">
-            <a:schemeClr val="lt1"/>
-          </a:fontRef>
-        </p:style>
-        <p:txBody>
-          <a:bodyPr rtlCol="0" anchor="ctr"/>
-          <a:lstStyle/>
-          <a:p>
-            <a:pPr algn="ctr"/>
-            <a:r>
-              <a:rPr lang="en-US" sz="1000" b="1" dirty="0"/>
-              <a:t>PLC Emulator VM-02</a:t>
-            </a:r>
-            <a:endParaRPr lang="en-SG" sz="1000" b="1" dirty="0"/>
-          </a:p>
-        </p:txBody>
-      </p:sp>
-      <p:cxnSp>
-        <p:nvCxnSpPr>
-          <p:cNvPr id="42" name="Straight Arrow Connector 41">
-            <a:extLst>
-              <a:ext uri="{FF2B5EF4-FFF2-40B4-BE49-F238E27FC236}">
-                <a16:creationId xmlns:a16="http://schemas.microsoft.com/office/drawing/2014/main" id="{6A916CDD-6736-9182-D81F-7B831540C16A}"/>
-              </a:ext>
-            </a:extLst>
-          </p:cNvPr>
-          <p:cNvCxnSpPr>
-            <a:cxnSpLocks/>
-            <a:endCxn id="40" idx="1"/>
-          </p:cNvCxnSpPr>
-          <p:nvPr/>
-        </p:nvCxnSpPr>
-        <p:spPr>
-          <a:xfrm>
-            <a:off x="7329568" y="1708631"/>
-            <a:ext cx="766958" cy="93362"/>
-          </a:xfrm>
-          <a:prstGeom prst="straightConnector1">
-            <a:avLst/>
-          </a:prstGeom>
-          <a:ln>
-            <a:solidFill>
-              <a:srgbClr val="00B050"/>
-            </a:solidFill>
-            <a:headEnd type="triangle"/>
-            <a:tailEnd type="triangle"/>
-          </a:ln>
-        </p:spPr>
-        <p:style>
-          <a:lnRef idx="2">
-            <a:schemeClr val="accent1"/>
-          </a:lnRef>
-          <a:fillRef idx="0">
-            <a:schemeClr val="accent1"/>
-          </a:fillRef>
-          <a:effectRef idx="1">
-            <a:schemeClr val="accent1"/>
-          </a:effectRef>
-          <a:fontRef idx="minor">
-            <a:schemeClr val="tx1"/>
-          </a:fontRef>
-        </p:style>
-      </p:cxnSp>
-      <p:sp>
-        <p:nvSpPr>
-          <p:cNvPr id="46" name="Rectangle 45">
-            <a:extLst>
-              <a:ext uri="{FF2B5EF4-FFF2-40B4-BE49-F238E27FC236}">
-                <a16:creationId xmlns:a16="http://schemas.microsoft.com/office/drawing/2014/main" id="{6CC95337-B7E4-EE17-2375-498F85C0CB77}"/>
-              </a:ext>
-            </a:extLst>
-          </p:cNvPr>
-          <p:cNvSpPr/>
-          <p:nvPr/>
-        </p:nvSpPr>
-        <p:spPr>
-          <a:xfrm>
-            <a:off x="870116" y="2497698"/>
-            <a:ext cx="2474268" cy="1801663"/>
+            <a:off x="5440390" y="650946"/>
+            <a:ext cx="2066027" cy="1350382"/>
           </a:xfrm>
           <a:prstGeom prst="rect">
             <a:avLst/>
@@ -22552,10 +21980,10 @@
       </p:sp>
       <p:sp>
         <p:nvSpPr>
-          <p:cNvPr id="47" name="TextBox 46">
-            <a:extLst>
-              <a:ext uri="{FF2B5EF4-FFF2-40B4-BE49-F238E27FC236}">
-                <a16:creationId xmlns:a16="http://schemas.microsoft.com/office/drawing/2014/main" id="{707C48FD-4A39-910A-7F9B-8C2C63ED9A41}"/>
+          <p:cNvPr id="24" name="TextBox 23">
+            <a:extLst>
+              <a:ext uri="{FF2B5EF4-FFF2-40B4-BE49-F238E27FC236}">
+                <a16:creationId xmlns:a16="http://schemas.microsoft.com/office/drawing/2014/main" id="{9257CFB1-F6B0-032E-CC9A-48E292B028F4}"/>
               </a:ext>
             </a:extLst>
           </p:cNvPr>
@@ -22564,7 +21992,7 @@
         </p:nvSpPr>
         <p:spPr>
           <a:xfrm>
-            <a:off x="880249" y="2497699"/>
+            <a:off x="5433162" y="650946"/>
             <a:ext cx="1742537" cy="276999"/>
           </a:xfrm>
           <a:prstGeom prst="rect">
@@ -22588,10 +22016,10 @@
       </p:sp>
       <p:pic>
         <p:nvPicPr>
-          <p:cNvPr id="48" name="Picture 2" descr="PLC Ladder Simulator - Apps on Google Play">
-            <a:extLst>
-              <a:ext uri="{FF2B5EF4-FFF2-40B4-BE49-F238E27FC236}">
-                <a16:creationId xmlns:a16="http://schemas.microsoft.com/office/drawing/2014/main" id="{E139EA2D-75F1-6747-EEAB-6E4714E36612}"/>
+          <p:cNvPr id="25" name="Picture 2" descr="PLC Ladder Simulator - Apps on Google Play">
+            <a:extLst>
+              <a:ext uri="{FF2B5EF4-FFF2-40B4-BE49-F238E27FC236}">
+                <a16:creationId xmlns:a16="http://schemas.microsoft.com/office/drawing/2014/main" id="{F1844AEE-4C57-35DD-670F-4C83DD63A6E0}"/>
               </a:ext>
             </a:extLst>
           </p:cNvPr>
@@ -22615,7 +22043,7 @@
         </p:blipFill>
         <p:spPr bwMode="auto">
           <a:xfrm>
-            <a:off x="949856" y="2823012"/>
+            <a:off x="5590392" y="878661"/>
             <a:ext cx="384848" cy="384848"/>
           </a:xfrm>
           <a:prstGeom prst="rect">
@@ -22635,10 +22063,10 @@
       </p:pic>
       <p:pic>
         <p:nvPicPr>
-          <p:cNvPr id="49" name="Picture 48">
-            <a:extLst>
-              <a:ext uri="{FF2B5EF4-FFF2-40B4-BE49-F238E27FC236}">
-                <a16:creationId xmlns:a16="http://schemas.microsoft.com/office/drawing/2014/main" id="{50EA5680-13EB-91FE-56D9-32FDC9E03160}"/>
+          <p:cNvPr id="26" name="Picture 25">
+            <a:extLst>
+              <a:ext uri="{FF2B5EF4-FFF2-40B4-BE49-F238E27FC236}">
+                <a16:creationId xmlns:a16="http://schemas.microsoft.com/office/drawing/2014/main" id="{03B9401C-8D0A-35E2-78CD-2BD6A32FF016}"/>
               </a:ext>
             </a:extLst>
           </p:cNvPr>
@@ -22655,8 +22083,8 @@
         </p:blipFill>
         <p:spPr>
           <a:xfrm>
-            <a:off x="1692245" y="3279906"/>
-            <a:ext cx="307880" cy="384849"/>
+            <a:off x="6615989" y="844701"/>
+            <a:ext cx="358792" cy="448489"/>
           </a:xfrm>
           <a:prstGeom prst="rect">
             <a:avLst/>
@@ -22665,10 +22093,80 @@
       </p:pic>
       <p:sp>
         <p:nvSpPr>
-          <p:cNvPr id="52" name="Rectangle 51">
-            <a:extLst>
-              <a:ext uri="{FF2B5EF4-FFF2-40B4-BE49-F238E27FC236}">
-                <a16:creationId xmlns:a16="http://schemas.microsoft.com/office/drawing/2014/main" id="{16933301-F9FE-34A3-4A35-AE5BC2735CD1}"/>
+          <p:cNvPr id="27" name="TextBox 26">
+            <a:extLst>
+              <a:ext uri="{FF2B5EF4-FFF2-40B4-BE49-F238E27FC236}">
+                <a16:creationId xmlns:a16="http://schemas.microsoft.com/office/drawing/2014/main" id="{C63F2DF5-86E2-9D42-3701-1150B7776FFC}"/>
+              </a:ext>
+            </a:extLst>
+          </p:cNvPr>
+          <p:cNvSpPr txBox="1"/>
+          <p:nvPr/>
+        </p:nvSpPr>
+        <p:spPr>
+          <a:xfrm>
+            <a:off x="5975240" y="804112"/>
+            <a:ext cx="793497" cy="553998"/>
+          </a:xfrm>
+          <a:prstGeom prst="rect">
+            <a:avLst/>
+          </a:prstGeom>
+          <a:noFill/>
+        </p:spPr>
+        <p:txBody>
+          <a:bodyPr wrap="square" rtlCol="0">
+            <a:spAutoFit/>
+          </a:bodyPr>
+          <a:lstStyle/>
+          <a:p>
+            <a:r>
+              <a:rPr lang="en-US" sz="1000" dirty="0"/>
+              <a:t>Ladder logic module </a:t>
+            </a:r>
+          </a:p>
+        </p:txBody>
+      </p:sp>
+      <p:sp>
+        <p:nvSpPr>
+          <p:cNvPr id="28" name="TextBox 27">
+            <a:extLst>
+              <a:ext uri="{FF2B5EF4-FFF2-40B4-BE49-F238E27FC236}">
+                <a16:creationId xmlns:a16="http://schemas.microsoft.com/office/drawing/2014/main" id="{6A2DE669-9FC4-4751-3C9C-F393265C4E31}"/>
+              </a:ext>
+            </a:extLst>
+          </p:cNvPr>
+          <p:cNvSpPr txBox="1"/>
+          <p:nvPr/>
+        </p:nvSpPr>
+        <p:spPr>
+          <a:xfrm>
+            <a:off x="6921327" y="801293"/>
+            <a:ext cx="585090" cy="400110"/>
+          </a:xfrm>
+          <a:prstGeom prst="rect">
+            <a:avLst/>
+          </a:prstGeom>
+          <a:noFill/>
+        </p:spPr>
+        <p:txBody>
+          <a:bodyPr wrap="square" rtlCol="0">
+            <a:spAutoFit/>
+          </a:bodyPr>
+          <a:lstStyle/>
+          <a:p>
+            <a:r>
+              <a:rPr lang="en-US" sz="1000" dirty="0"/>
+              <a:t>Config File</a:t>
+            </a:r>
+          </a:p>
+        </p:txBody>
+      </p:sp>
+      <p:sp>
+        <p:nvSpPr>
+          <p:cNvPr id="29" name="Rectangle 28">
+            <a:extLst>
+              <a:ext uri="{FF2B5EF4-FFF2-40B4-BE49-F238E27FC236}">
+                <a16:creationId xmlns:a16="http://schemas.microsoft.com/office/drawing/2014/main" id="{B77A862A-8072-4DC9-4695-93BB9D3EA03C}"/>
               </a:ext>
             </a:extLst>
           </p:cNvPr>
@@ -22677,8 +22175,8 @@
         </p:nvSpPr>
         <p:spPr>
           <a:xfrm>
-            <a:off x="1562078" y="2825035"/>
-            <a:ext cx="1651948" cy="382825"/>
+            <a:off x="5590393" y="1506360"/>
+            <a:ext cx="1739175" cy="382825"/>
           </a:xfrm>
           <a:prstGeom prst="rect">
             <a:avLst/>
@@ -22718,24 +22216,22 @@
       </p:sp>
       <p:cxnSp>
         <p:nvCxnSpPr>
-          <p:cNvPr id="53" name="Straight Arrow Connector 52">
-            <a:extLst>
-              <a:ext uri="{FF2B5EF4-FFF2-40B4-BE49-F238E27FC236}">
-                <a16:creationId xmlns:a16="http://schemas.microsoft.com/office/drawing/2014/main" id="{2EE85E3A-68B4-1D61-E026-112BF1096C7D}"/>
+          <p:cNvPr id="30" name="Straight Arrow Connector 29">
+            <a:extLst>
+              <a:ext uri="{FF2B5EF4-FFF2-40B4-BE49-F238E27FC236}">
+                <a16:creationId xmlns:a16="http://schemas.microsoft.com/office/drawing/2014/main" id="{4DF447C3-20D7-7DAA-0506-CB8AFBE1BC1B}"/>
               </a:ext>
             </a:extLst>
           </p:cNvPr>
           <p:cNvCxnSpPr>
-            <a:cxnSpLocks/>
-            <a:stCxn id="48" idx="3"/>
-            <a:endCxn id="52" idx="1"/>
+            <a:stCxn id="25" idx="2"/>
           </p:cNvCxnSpPr>
           <p:nvPr/>
         </p:nvCxnSpPr>
         <p:spPr>
           <a:xfrm>
-            <a:off x="1334704" y="3015436"/>
-            <a:ext cx="227374" cy="1012"/>
+            <a:off x="5782816" y="1263509"/>
+            <a:ext cx="0" cy="242852"/>
           </a:xfrm>
           <a:prstGeom prst="straightConnector1">
             <a:avLst/>
@@ -22761,299 +22257,10 @@
       </p:cxnSp>
       <p:cxnSp>
         <p:nvCxnSpPr>
-          <p:cNvPr id="55" name="Straight Arrow Connector 54">
-            <a:extLst>
-              <a:ext uri="{FF2B5EF4-FFF2-40B4-BE49-F238E27FC236}">
-                <a16:creationId xmlns:a16="http://schemas.microsoft.com/office/drawing/2014/main" id="{F547549D-41F9-1638-B48B-6AA0C2D47BBB}"/>
-              </a:ext>
-            </a:extLst>
-          </p:cNvPr>
-          <p:cNvCxnSpPr>
-            <a:cxnSpLocks/>
-            <a:stCxn id="52" idx="3"/>
-          </p:cNvCxnSpPr>
-          <p:nvPr/>
-        </p:nvCxnSpPr>
-        <p:spPr>
-          <a:xfrm>
-            <a:off x="3214026" y="3016448"/>
-            <a:ext cx="585090" cy="0"/>
-          </a:xfrm>
-          <a:prstGeom prst="straightConnector1">
-            <a:avLst/>
-          </a:prstGeom>
-          <a:ln>
-            <a:solidFill>
-              <a:srgbClr val="00B050"/>
-            </a:solidFill>
-            <a:headEnd type="triangle"/>
-            <a:tailEnd type="triangle"/>
-          </a:ln>
-        </p:spPr>
-        <p:style>
-          <a:lnRef idx="2">
-            <a:schemeClr val="accent1"/>
-          </a:lnRef>
-          <a:fillRef idx="0">
-            <a:schemeClr val="accent1"/>
-          </a:fillRef>
-          <a:effectRef idx="1">
-            <a:schemeClr val="accent1"/>
-          </a:effectRef>
-          <a:fontRef idx="minor">
-            <a:schemeClr val="tx1"/>
-          </a:fontRef>
-        </p:style>
-      </p:cxnSp>
-      <p:sp>
-        <p:nvSpPr>
-          <p:cNvPr id="56" name="Rectangle 55">
-            <a:extLst>
-              <a:ext uri="{FF2B5EF4-FFF2-40B4-BE49-F238E27FC236}">
-                <a16:creationId xmlns:a16="http://schemas.microsoft.com/office/drawing/2014/main" id="{C8863AED-D5BA-09E3-A862-994D6A9E269C}"/>
-              </a:ext>
-            </a:extLst>
-          </p:cNvPr>
-          <p:cNvSpPr/>
-          <p:nvPr/>
-        </p:nvSpPr>
-        <p:spPr>
-          <a:xfrm>
-            <a:off x="3828021" y="2826129"/>
-            <a:ext cx="1078873" cy="344574"/>
-          </a:xfrm>
-          <a:prstGeom prst="rect">
-            <a:avLst/>
-          </a:prstGeom>
-        </p:spPr>
-        <p:style>
-          <a:lnRef idx="2">
-            <a:schemeClr val="accent1">
-              <a:shade val="50000"/>
-            </a:schemeClr>
-          </a:lnRef>
-          <a:fillRef idx="1">
-            <a:schemeClr val="accent1"/>
-          </a:fillRef>
-          <a:effectRef idx="0">
-            <a:schemeClr val="accent1"/>
-          </a:effectRef>
-          <a:fontRef idx="minor">
-            <a:schemeClr val="lt1"/>
-          </a:fontRef>
-        </p:style>
-        <p:txBody>
-          <a:bodyPr rtlCol="0" anchor="ctr"/>
-          <a:lstStyle/>
-          <a:p>
-            <a:pPr algn="ctr"/>
-            <a:r>
-              <a:rPr lang="en-US" sz="1000" b="1" dirty="0"/>
-              <a:t>PLC Emulator VM-00</a:t>
-            </a:r>
-            <a:endParaRPr lang="en-SG" sz="1000" b="1" dirty="0"/>
-          </a:p>
-        </p:txBody>
-      </p:sp>
-      <p:pic>
-        <p:nvPicPr>
-          <p:cNvPr id="61" name="Picture 2" descr="PLC Ladder Simulator - Apps on Google Play">
-            <a:extLst>
-              <a:ext uri="{FF2B5EF4-FFF2-40B4-BE49-F238E27FC236}">
-                <a16:creationId xmlns:a16="http://schemas.microsoft.com/office/drawing/2014/main" id="{179566C9-4DC9-8CEA-9B13-E9080D838E71}"/>
-              </a:ext>
-            </a:extLst>
-          </p:cNvPr>
-          <p:cNvPicPr>
-            <a:picLocks noChangeAspect="1" noChangeArrowheads="1"/>
-          </p:cNvPicPr>
-          <p:nvPr/>
-        </p:nvPicPr>
-        <p:blipFill>
-          <a:blip r:embed="rId2">
-            <a:extLst>
-              <a:ext uri="{28A0092B-C50C-407E-A947-70E740481C1C}">
-                <a14:useLocalDpi xmlns:a14="http://schemas.microsoft.com/office/drawing/2010/main" val="0"/>
-              </a:ext>
-            </a:extLst>
-          </a:blip>
-          <a:srcRect/>
-          <a:stretch>
-            <a:fillRect/>
-          </a:stretch>
-        </p:blipFill>
-        <p:spPr bwMode="auto">
-          <a:xfrm>
-            <a:off x="936120" y="3759022"/>
-            <a:ext cx="384848" cy="384848"/>
-          </a:xfrm>
-          <a:prstGeom prst="rect">
-            <a:avLst/>
-          </a:prstGeom>
-          <a:noFill/>
-          <a:extLst>
-            <a:ext uri="{909E8E84-426E-40DD-AFC4-6F175D3DCCD1}">
-              <a14:hiddenFill xmlns:a14="http://schemas.microsoft.com/office/drawing/2010/main">
-                <a:solidFill>
-                  <a:srgbClr val="FFFFFF"/>
-                </a:solidFill>
-              </a14:hiddenFill>
-            </a:ext>
-          </a:extLst>
-        </p:spPr>
-      </p:pic>
-      <p:sp>
-        <p:nvSpPr>
-          <p:cNvPr id="62" name="Rectangle 61">
-            <a:extLst>
-              <a:ext uri="{FF2B5EF4-FFF2-40B4-BE49-F238E27FC236}">
-                <a16:creationId xmlns:a16="http://schemas.microsoft.com/office/drawing/2014/main" id="{755510C8-36D1-EFB3-27DC-BCE362C4D059}"/>
-              </a:ext>
-            </a:extLst>
-          </p:cNvPr>
-          <p:cNvSpPr/>
-          <p:nvPr/>
-        </p:nvSpPr>
-        <p:spPr>
-          <a:xfrm>
-            <a:off x="1548342" y="3761045"/>
-            <a:ext cx="1651948" cy="382825"/>
-          </a:xfrm>
-          <a:prstGeom prst="rect">
-            <a:avLst/>
-          </a:prstGeom>
-          <a:solidFill>
-            <a:schemeClr val="accent2"/>
-          </a:solidFill>
-        </p:spPr>
-        <p:style>
-          <a:lnRef idx="2">
-            <a:schemeClr val="accent1">
-              <a:shade val="50000"/>
-            </a:schemeClr>
-          </a:lnRef>
-          <a:fillRef idx="1">
-            <a:schemeClr val="accent1"/>
-          </a:fillRef>
-          <a:effectRef idx="0">
-            <a:schemeClr val="accent1"/>
-          </a:effectRef>
-          <a:fontRef idx="minor">
-            <a:schemeClr val="lt1"/>
-          </a:fontRef>
-        </p:style>
-        <p:txBody>
-          <a:bodyPr rtlCol="0" anchor="ctr"/>
-          <a:lstStyle/>
-          <a:p>
-            <a:pPr algn="ctr"/>
-            <a:r>
-              <a:rPr lang="en-US" sz="1050" b="1" dirty="0"/>
-              <a:t>PLC Controller Program (Modbus-TCP)</a:t>
-            </a:r>
-            <a:endParaRPr lang="en-SG" sz="1050" b="1" dirty="0"/>
-          </a:p>
-        </p:txBody>
-      </p:sp>
-      <p:cxnSp>
-        <p:nvCxnSpPr>
-          <p:cNvPr id="63" name="Straight Arrow Connector 62">
-            <a:extLst>
-              <a:ext uri="{FF2B5EF4-FFF2-40B4-BE49-F238E27FC236}">
-                <a16:creationId xmlns:a16="http://schemas.microsoft.com/office/drawing/2014/main" id="{BD6F6D73-3083-6633-9F3D-38231B0905AF}"/>
-              </a:ext>
-            </a:extLst>
-          </p:cNvPr>
-          <p:cNvCxnSpPr>
-            <a:cxnSpLocks/>
-            <a:stCxn id="61" idx="3"/>
-            <a:endCxn id="62" idx="1"/>
-          </p:cNvCxnSpPr>
-          <p:nvPr/>
-        </p:nvCxnSpPr>
-        <p:spPr>
-          <a:xfrm>
-            <a:off x="1320968" y="3951446"/>
-            <a:ext cx="227374" cy="1012"/>
-          </a:xfrm>
-          <a:prstGeom prst="straightConnector1">
-            <a:avLst/>
-          </a:prstGeom>
-          <a:ln>
-            <a:tailEnd type="triangle"/>
-          </a:ln>
-        </p:spPr>
-        <p:style>
-          <a:lnRef idx="2">
-            <a:schemeClr val="accent1"/>
-          </a:lnRef>
-          <a:fillRef idx="0">
-            <a:schemeClr val="accent1"/>
-          </a:fillRef>
-          <a:effectRef idx="1">
-            <a:schemeClr val="accent1"/>
-          </a:effectRef>
-          <a:fontRef idx="minor">
-            <a:schemeClr val="tx1"/>
-          </a:fontRef>
-        </p:style>
-      </p:cxnSp>
-      <p:sp>
-        <p:nvSpPr>
-          <p:cNvPr id="64" name="Rectangle 63">
-            <a:extLst>
-              <a:ext uri="{FF2B5EF4-FFF2-40B4-BE49-F238E27FC236}">
-                <a16:creationId xmlns:a16="http://schemas.microsoft.com/office/drawing/2014/main" id="{0BD241C5-4F31-0D0C-5D13-A4031DB43631}"/>
-              </a:ext>
-            </a:extLst>
-          </p:cNvPr>
-          <p:cNvSpPr/>
-          <p:nvPr/>
-        </p:nvSpPr>
-        <p:spPr>
-          <a:xfrm>
-            <a:off x="3799116" y="3779159"/>
-            <a:ext cx="1078873" cy="344574"/>
-          </a:xfrm>
-          <a:prstGeom prst="rect">
-            <a:avLst/>
-          </a:prstGeom>
-        </p:spPr>
-        <p:style>
-          <a:lnRef idx="2">
-            <a:schemeClr val="accent1">
-              <a:shade val="50000"/>
-            </a:schemeClr>
-          </a:lnRef>
-          <a:fillRef idx="1">
-            <a:schemeClr val="accent1"/>
-          </a:fillRef>
-          <a:effectRef idx="0">
-            <a:schemeClr val="accent1"/>
-          </a:effectRef>
-          <a:fontRef idx="minor">
-            <a:schemeClr val="lt1"/>
-          </a:fontRef>
-        </p:style>
-        <p:txBody>
-          <a:bodyPr rtlCol="0" anchor="ctr"/>
-          <a:lstStyle/>
-          <a:p>
-            <a:pPr algn="ctr"/>
-            <a:r>
-              <a:rPr lang="en-US" sz="1000" b="1" dirty="0"/>
-              <a:t>PLC Emulator VM-0N</a:t>
-            </a:r>
-            <a:endParaRPr lang="en-SG" sz="1000" b="1" dirty="0"/>
-          </a:p>
-        </p:txBody>
-      </p:sp>
-      <p:cxnSp>
-        <p:nvCxnSpPr>
-          <p:cNvPr id="65" name="Straight Arrow Connector 64">
-            <a:extLst>
-              <a:ext uri="{FF2B5EF4-FFF2-40B4-BE49-F238E27FC236}">
-                <a16:creationId xmlns:a16="http://schemas.microsoft.com/office/drawing/2014/main" id="{BEE59935-DB8D-9AB7-A2D6-E41B6A45221C}"/>
+          <p:cNvPr id="31" name="Straight Arrow Connector 30">
+            <a:extLst>
+              <a:ext uri="{FF2B5EF4-FFF2-40B4-BE49-F238E27FC236}">
+                <a16:creationId xmlns:a16="http://schemas.microsoft.com/office/drawing/2014/main" id="{58E0E836-417C-B2DC-4C1C-AB001D09E5B9}"/>
               </a:ext>
             </a:extLst>
           </p:cNvPr>
@@ -23063,18 +22270,14 @@
           <p:nvPr/>
         </p:nvCxnSpPr>
         <p:spPr>
-          <a:xfrm>
-            <a:off x="3200290" y="3925112"/>
-            <a:ext cx="598826" cy="0"/>
+          <a:xfrm flipH="1">
+            <a:off x="6814142" y="1296457"/>
+            <a:ext cx="0" cy="194208"/>
           </a:xfrm>
           <a:prstGeom prst="straightConnector1">
             <a:avLst/>
           </a:prstGeom>
           <a:ln>
-            <a:solidFill>
-              <a:srgbClr val="00B050"/>
-            </a:solidFill>
-            <a:headEnd type="triangle"/>
             <a:tailEnd type="triangle"/>
           </a:ln>
         </p:spPr>
@@ -23095,23 +22298,24 @@
       </p:cxnSp>
       <p:cxnSp>
         <p:nvCxnSpPr>
-          <p:cNvPr id="67" name="Straight Arrow Connector 66">
-            <a:extLst>
-              <a:ext uri="{FF2B5EF4-FFF2-40B4-BE49-F238E27FC236}">
-                <a16:creationId xmlns:a16="http://schemas.microsoft.com/office/drawing/2014/main" id="{53CFCF34-CBEF-47A6-0535-4F44B790177A}"/>
+          <p:cNvPr id="32" name="Straight Arrow Connector 31">
+            <a:extLst>
+              <a:ext uri="{FF2B5EF4-FFF2-40B4-BE49-F238E27FC236}">
+                <a16:creationId xmlns:a16="http://schemas.microsoft.com/office/drawing/2014/main" id="{A399D873-F65C-FC1D-00A0-32A5687967B4}"/>
               </a:ext>
             </a:extLst>
           </p:cNvPr>
           <p:cNvCxnSpPr>
             <a:cxnSpLocks/>
-            <a:endCxn id="64" idx="1"/>
+            <a:stCxn id="29" idx="3"/>
+            <a:endCxn id="33" idx="1"/>
           </p:cNvCxnSpPr>
           <p:nvPr/>
         </p:nvCxnSpPr>
         <p:spPr>
-          <a:xfrm>
-            <a:off x="3214026" y="3015436"/>
-            <a:ext cx="585090" cy="936010"/>
+          <a:xfrm flipV="1">
+            <a:off x="7329568" y="812151"/>
+            <a:ext cx="733092" cy="885622"/>
           </a:xfrm>
           <a:prstGeom prst="straightConnector1">
             <a:avLst/>
@@ -23139,109 +22343,126 @@
           </a:fontRef>
         </p:style>
       </p:cxnSp>
+      <p:sp>
+        <p:nvSpPr>
+          <p:cNvPr id="33" name="Rectangle 32">
+            <a:extLst>
+              <a:ext uri="{FF2B5EF4-FFF2-40B4-BE49-F238E27FC236}">
+                <a16:creationId xmlns:a16="http://schemas.microsoft.com/office/drawing/2014/main" id="{E4B15E99-BDFC-3745-A2B0-D18CEB6B7CBE}"/>
+              </a:ext>
+            </a:extLst>
+          </p:cNvPr>
+          <p:cNvSpPr/>
+          <p:nvPr/>
+        </p:nvSpPr>
+        <p:spPr>
+          <a:xfrm>
+            <a:off x="8062660" y="639864"/>
+            <a:ext cx="1078873" cy="344574"/>
+          </a:xfrm>
+          <a:prstGeom prst="rect">
+            <a:avLst/>
+          </a:prstGeom>
+        </p:spPr>
+        <p:style>
+          <a:lnRef idx="2">
+            <a:schemeClr val="accent1">
+              <a:shade val="50000"/>
+            </a:schemeClr>
+          </a:lnRef>
+          <a:fillRef idx="1">
+            <a:schemeClr val="accent1"/>
+          </a:fillRef>
+          <a:effectRef idx="0">
+            <a:schemeClr val="accent1"/>
+          </a:effectRef>
+          <a:fontRef idx="minor">
+            <a:schemeClr val="lt1"/>
+          </a:fontRef>
+        </p:style>
+        <p:txBody>
+          <a:bodyPr rtlCol="0" anchor="ctr"/>
+          <a:lstStyle/>
+          <a:p>
+            <a:pPr algn="ctr"/>
+            <a:r>
+              <a:rPr lang="en-US" sz="1000" b="1" dirty="0"/>
+              <a:t>PLC Emulator VM-00</a:t>
+            </a:r>
+            <a:endParaRPr lang="en-SG" sz="1000" b="1" dirty="0"/>
+          </a:p>
+        </p:txBody>
+      </p:sp>
+      <p:sp>
+        <p:nvSpPr>
+          <p:cNvPr id="35" name="Rectangle 34">
+            <a:extLst>
+              <a:ext uri="{FF2B5EF4-FFF2-40B4-BE49-F238E27FC236}">
+                <a16:creationId xmlns:a16="http://schemas.microsoft.com/office/drawing/2014/main" id="{5F553832-7A45-74BE-793E-9FA95CACF81F}"/>
+              </a:ext>
+            </a:extLst>
+          </p:cNvPr>
+          <p:cNvSpPr/>
+          <p:nvPr/>
+        </p:nvSpPr>
+        <p:spPr>
+          <a:xfrm>
+            <a:off x="8096526" y="1134785"/>
+            <a:ext cx="1078873" cy="344574"/>
+          </a:xfrm>
+          <a:prstGeom prst="rect">
+            <a:avLst/>
+          </a:prstGeom>
+        </p:spPr>
+        <p:style>
+          <a:lnRef idx="2">
+            <a:schemeClr val="accent1">
+              <a:shade val="50000"/>
+            </a:schemeClr>
+          </a:lnRef>
+          <a:fillRef idx="1">
+            <a:schemeClr val="accent1"/>
+          </a:fillRef>
+          <a:effectRef idx="0">
+            <a:schemeClr val="accent1"/>
+          </a:effectRef>
+          <a:fontRef idx="minor">
+            <a:schemeClr val="lt1"/>
+          </a:fontRef>
+        </p:style>
+        <p:txBody>
+          <a:bodyPr rtlCol="0" anchor="ctr"/>
+          <a:lstStyle/>
+          <a:p>
+            <a:pPr algn="ctr"/>
+            <a:r>
+              <a:rPr lang="en-US" sz="1000" b="1" dirty="0"/>
+              <a:t>PLC Emulator VM-01</a:t>
+            </a:r>
+            <a:endParaRPr lang="en-SG" sz="1000" b="1" dirty="0"/>
+          </a:p>
+        </p:txBody>
+      </p:sp>
       <p:cxnSp>
         <p:nvCxnSpPr>
-          <p:cNvPr id="71" name="Connector: Elbow 70">
-            <a:extLst>
-              <a:ext uri="{FF2B5EF4-FFF2-40B4-BE49-F238E27FC236}">
-                <a16:creationId xmlns:a16="http://schemas.microsoft.com/office/drawing/2014/main" id="{82C14F5E-5213-B180-A904-C688EC1634B9}"/>
+          <p:cNvPr id="37" name="Straight Arrow Connector 36">
+            <a:extLst>
+              <a:ext uri="{FF2B5EF4-FFF2-40B4-BE49-F238E27FC236}">
+                <a16:creationId xmlns:a16="http://schemas.microsoft.com/office/drawing/2014/main" id="{0B4EC80B-AA59-6CBD-DCFB-066877A0B389}"/>
               </a:ext>
             </a:extLst>
           </p:cNvPr>
           <p:cNvCxnSpPr>
             <a:cxnSpLocks/>
-            <a:stCxn id="49" idx="3"/>
-            <a:endCxn id="62" idx="0"/>
+            <a:stCxn id="29" idx="3"/>
+            <a:endCxn id="35" idx="1"/>
           </p:cNvCxnSpPr>
           <p:nvPr/>
         </p:nvCxnSpPr>
         <p:spPr>
-          <a:xfrm>
-            <a:off x="2000125" y="3472331"/>
-            <a:ext cx="374191" cy="288714"/>
-          </a:xfrm>
-          <a:prstGeom prst="bentConnector2">
-            <a:avLst/>
-          </a:prstGeom>
-          <a:ln>
-            <a:tailEnd type="triangle"/>
-          </a:ln>
-        </p:spPr>
-        <p:style>
-          <a:lnRef idx="2">
-            <a:schemeClr val="accent1"/>
-          </a:lnRef>
-          <a:fillRef idx="0">
-            <a:schemeClr val="accent1"/>
-          </a:fillRef>
-          <a:effectRef idx="1">
-            <a:schemeClr val="accent1"/>
-          </a:effectRef>
-          <a:fontRef idx="minor">
-            <a:schemeClr val="tx1"/>
-          </a:fontRef>
-        </p:style>
-      </p:cxnSp>
-      <p:cxnSp>
-        <p:nvCxnSpPr>
-          <p:cNvPr id="72" name="Connector: Elbow 71">
-            <a:extLst>
-              <a:ext uri="{FF2B5EF4-FFF2-40B4-BE49-F238E27FC236}">
-                <a16:creationId xmlns:a16="http://schemas.microsoft.com/office/drawing/2014/main" id="{3C9DDD08-BB9C-78FB-E577-15D3838677A6}"/>
-              </a:ext>
-            </a:extLst>
-          </p:cNvPr>
-          <p:cNvCxnSpPr>
-            <a:cxnSpLocks/>
-          </p:cNvCxnSpPr>
-          <p:nvPr/>
-        </p:nvCxnSpPr>
-        <p:spPr>
           <a:xfrm flipV="1">
-            <a:off x="1974308" y="3207859"/>
-            <a:ext cx="387927" cy="264471"/>
-          </a:xfrm>
-          <a:prstGeom prst="bentConnector2">
-            <a:avLst/>
-          </a:prstGeom>
-          <a:ln>
-            <a:tailEnd type="triangle"/>
-          </a:ln>
-        </p:spPr>
-        <p:style>
-          <a:lnRef idx="2">
-            <a:schemeClr val="accent1"/>
-          </a:lnRef>
-          <a:fillRef idx="0">
-            <a:schemeClr val="accent1"/>
-          </a:fillRef>
-          <a:effectRef idx="1">
-            <a:schemeClr val="accent1"/>
-          </a:effectRef>
-          <a:fontRef idx="minor">
-            <a:schemeClr val="tx1"/>
-          </a:fontRef>
-        </p:style>
-      </p:cxnSp>
-      <p:cxnSp>
-        <p:nvCxnSpPr>
-          <p:cNvPr id="76" name="Straight Arrow Connector 75">
-            <a:extLst>
-              <a:ext uri="{FF2B5EF4-FFF2-40B4-BE49-F238E27FC236}">
-                <a16:creationId xmlns:a16="http://schemas.microsoft.com/office/drawing/2014/main" id="{C24B7D6F-D6ED-EA9E-4B39-6A48757A93F3}"/>
-              </a:ext>
-            </a:extLst>
-          </p:cNvPr>
-          <p:cNvCxnSpPr>
-            <a:cxnSpLocks/>
-            <a:endCxn id="56" idx="1"/>
-          </p:cNvCxnSpPr>
-          <p:nvPr/>
-        </p:nvCxnSpPr>
-        <p:spPr>
-          <a:xfrm flipV="1">
-            <a:off x="3214026" y="2998416"/>
-            <a:ext cx="613995" cy="953030"/>
+            <a:off x="7329568" y="1307072"/>
+            <a:ext cx="766958" cy="390701"/>
           </a:xfrm>
           <a:prstGeom prst="straightConnector1">
             <a:avLst/>
@@ -23271,10 +22492,10 @@
       </p:cxnSp>
       <p:sp>
         <p:nvSpPr>
-          <p:cNvPr id="79" name="Rectangle 78">
-            <a:extLst>
-              <a:ext uri="{FF2B5EF4-FFF2-40B4-BE49-F238E27FC236}">
-                <a16:creationId xmlns:a16="http://schemas.microsoft.com/office/drawing/2014/main" id="{900727DB-C9CC-7985-860A-EBAEF18BB555}"/>
+          <p:cNvPr id="40" name="Rectangle 39">
+            <a:extLst>
+              <a:ext uri="{FF2B5EF4-FFF2-40B4-BE49-F238E27FC236}">
+                <a16:creationId xmlns:a16="http://schemas.microsoft.com/office/drawing/2014/main" id="{F6E24645-DB2F-E828-9CCB-3F3300261AB1}"/>
               </a:ext>
             </a:extLst>
           </p:cNvPr>
@@ -23283,8 +22504,104 @@
         </p:nvSpPr>
         <p:spPr>
           <a:xfrm>
-            <a:off x="5414820" y="2486756"/>
-            <a:ext cx="2474268" cy="1801663"/>
+            <a:off x="8096526" y="1629706"/>
+            <a:ext cx="1078873" cy="344574"/>
+          </a:xfrm>
+          <a:prstGeom prst="rect">
+            <a:avLst/>
+          </a:prstGeom>
+        </p:spPr>
+        <p:style>
+          <a:lnRef idx="2">
+            <a:schemeClr val="accent1">
+              <a:shade val="50000"/>
+            </a:schemeClr>
+          </a:lnRef>
+          <a:fillRef idx="1">
+            <a:schemeClr val="accent1"/>
+          </a:fillRef>
+          <a:effectRef idx="0">
+            <a:schemeClr val="accent1"/>
+          </a:effectRef>
+          <a:fontRef idx="minor">
+            <a:schemeClr val="lt1"/>
+          </a:fontRef>
+        </p:style>
+        <p:txBody>
+          <a:bodyPr rtlCol="0" anchor="ctr"/>
+          <a:lstStyle/>
+          <a:p>
+            <a:pPr algn="ctr"/>
+            <a:r>
+              <a:rPr lang="en-US" sz="1000" b="1" dirty="0"/>
+              <a:t>PLC Emulator VM-02</a:t>
+            </a:r>
+            <a:endParaRPr lang="en-SG" sz="1000" b="1" dirty="0"/>
+          </a:p>
+        </p:txBody>
+      </p:sp>
+      <p:cxnSp>
+        <p:nvCxnSpPr>
+          <p:cNvPr id="42" name="Straight Arrow Connector 41">
+            <a:extLst>
+              <a:ext uri="{FF2B5EF4-FFF2-40B4-BE49-F238E27FC236}">
+                <a16:creationId xmlns:a16="http://schemas.microsoft.com/office/drawing/2014/main" id="{6A916CDD-6736-9182-D81F-7B831540C16A}"/>
+              </a:ext>
+            </a:extLst>
+          </p:cNvPr>
+          <p:cNvCxnSpPr>
+            <a:cxnSpLocks/>
+            <a:endCxn id="40" idx="1"/>
+          </p:cNvCxnSpPr>
+          <p:nvPr/>
+        </p:nvCxnSpPr>
+        <p:spPr>
+          <a:xfrm>
+            <a:off x="7329568" y="1708631"/>
+            <a:ext cx="766958" cy="93362"/>
+          </a:xfrm>
+          <a:prstGeom prst="straightConnector1">
+            <a:avLst/>
+          </a:prstGeom>
+          <a:ln>
+            <a:solidFill>
+              <a:srgbClr val="00B050"/>
+            </a:solidFill>
+            <a:headEnd type="triangle"/>
+            <a:tailEnd type="triangle"/>
+          </a:ln>
+        </p:spPr>
+        <p:style>
+          <a:lnRef idx="2">
+            <a:schemeClr val="accent1"/>
+          </a:lnRef>
+          <a:fillRef idx="0">
+            <a:schemeClr val="accent1"/>
+          </a:fillRef>
+          <a:effectRef idx="1">
+            <a:schemeClr val="accent1"/>
+          </a:effectRef>
+          <a:fontRef idx="minor">
+            <a:schemeClr val="tx1"/>
+          </a:fontRef>
+        </p:style>
+      </p:cxnSp>
+      <p:sp>
+        <p:nvSpPr>
+          <p:cNvPr id="46" name="Rectangle 45">
+            <a:extLst>
+              <a:ext uri="{FF2B5EF4-FFF2-40B4-BE49-F238E27FC236}">
+                <a16:creationId xmlns:a16="http://schemas.microsoft.com/office/drawing/2014/main" id="{6CC95337-B7E4-EE17-2375-498F85C0CB77}"/>
+              </a:ext>
+            </a:extLst>
+          </p:cNvPr>
+          <p:cNvSpPr/>
+          <p:nvPr/>
+        </p:nvSpPr>
+        <p:spPr>
+          <a:xfrm>
+            <a:off x="870116" y="2497698"/>
+            <a:ext cx="2474268" cy="865863"/>
           </a:xfrm>
           <a:prstGeom prst="rect">
             <a:avLst/>
@@ -23318,10 +22635,10 @@
       </p:sp>
       <p:sp>
         <p:nvSpPr>
-          <p:cNvPr id="80" name="TextBox 79">
-            <a:extLst>
-              <a:ext uri="{FF2B5EF4-FFF2-40B4-BE49-F238E27FC236}">
-                <a16:creationId xmlns:a16="http://schemas.microsoft.com/office/drawing/2014/main" id="{EEDB73F7-0CCE-EDD3-517D-9A0467B9EC55}"/>
+          <p:cNvPr id="47" name="TextBox 46">
+            <a:extLst>
+              <a:ext uri="{FF2B5EF4-FFF2-40B4-BE49-F238E27FC236}">
+                <a16:creationId xmlns:a16="http://schemas.microsoft.com/office/drawing/2014/main" id="{707C48FD-4A39-910A-7F9B-8C2C63ED9A41}"/>
               </a:ext>
             </a:extLst>
           </p:cNvPr>
@@ -23330,7 +22647,7 @@
         </p:nvSpPr>
         <p:spPr>
           <a:xfrm>
-            <a:off x="5424953" y="2486757"/>
+            <a:off x="880249" y="2497699"/>
             <a:ext cx="1742537" cy="276999"/>
           </a:xfrm>
           <a:prstGeom prst="rect">
@@ -23354,10 +22671,10 @@
       </p:sp>
       <p:pic>
         <p:nvPicPr>
-          <p:cNvPr id="81" name="Picture 2" descr="PLC Ladder Simulator - Apps on Google Play">
-            <a:extLst>
-              <a:ext uri="{FF2B5EF4-FFF2-40B4-BE49-F238E27FC236}">
-                <a16:creationId xmlns:a16="http://schemas.microsoft.com/office/drawing/2014/main" id="{01BD80F9-FE33-C7F1-848F-34C08DAE82F6}"/>
+          <p:cNvPr id="48" name="Picture 2" descr="PLC Ladder Simulator - Apps on Google Play">
+            <a:extLst>
+              <a:ext uri="{FF2B5EF4-FFF2-40B4-BE49-F238E27FC236}">
+                <a16:creationId xmlns:a16="http://schemas.microsoft.com/office/drawing/2014/main" id="{E139EA2D-75F1-6747-EEAB-6E4714E36612}"/>
               </a:ext>
             </a:extLst>
           </p:cNvPr>
@@ -23381,7 +22698,7 @@
         </p:blipFill>
         <p:spPr bwMode="auto">
           <a:xfrm>
-            <a:off x="5494560" y="2812070"/>
+            <a:off x="949856" y="2823012"/>
             <a:ext cx="384848" cy="384848"/>
           </a:xfrm>
           <a:prstGeom prst="rect">
@@ -23401,10 +22718,10 @@
       </p:pic>
       <p:pic>
         <p:nvPicPr>
-          <p:cNvPr id="82" name="Picture 81">
-            <a:extLst>
-              <a:ext uri="{FF2B5EF4-FFF2-40B4-BE49-F238E27FC236}">
-                <a16:creationId xmlns:a16="http://schemas.microsoft.com/office/drawing/2014/main" id="{D5B840B5-9C19-1B45-4CDE-830E50747920}"/>
+          <p:cNvPr id="49" name="Picture 48">
+            <a:extLst>
+              <a:ext uri="{FF2B5EF4-FFF2-40B4-BE49-F238E27FC236}">
+                <a16:creationId xmlns:a16="http://schemas.microsoft.com/office/drawing/2014/main" id="{50EA5680-13EB-91FE-56D9-32FDC9E03160}"/>
               </a:ext>
             </a:extLst>
           </p:cNvPr>
@@ -23421,7 +22738,7 @@
         </p:blipFill>
         <p:spPr>
           <a:xfrm>
-            <a:off x="6093046" y="3245231"/>
+            <a:off x="2468846" y="3255351"/>
             <a:ext cx="307880" cy="384849"/>
           </a:xfrm>
           <a:prstGeom prst="rect">
@@ -23431,10 +22748,10 @@
       </p:pic>
       <p:sp>
         <p:nvSpPr>
-          <p:cNvPr id="83" name="Rectangle 82">
-            <a:extLst>
-              <a:ext uri="{FF2B5EF4-FFF2-40B4-BE49-F238E27FC236}">
-                <a16:creationId xmlns:a16="http://schemas.microsoft.com/office/drawing/2014/main" id="{C82D3219-1D2D-CDA1-5022-F00FE6199E89}"/>
+          <p:cNvPr id="52" name="Rectangle 51">
+            <a:extLst>
+              <a:ext uri="{FF2B5EF4-FFF2-40B4-BE49-F238E27FC236}">
+                <a16:creationId xmlns:a16="http://schemas.microsoft.com/office/drawing/2014/main" id="{16933301-F9FE-34A3-4A35-AE5BC2735CD1}"/>
               </a:ext>
             </a:extLst>
           </p:cNvPr>
@@ -23443,7 +22760,7 @@
         </p:nvSpPr>
         <p:spPr>
           <a:xfrm>
-            <a:off x="6106782" y="2814093"/>
+            <a:off x="1562078" y="2825035"/>
             <a:ext cx="1651948" cy="382825"/>
           </a:xfrm>
           <a:prstGeom prst="rect">
@@ -23484,23 +22801,23 @@
       </p:sp>
       <p:cxnSp>
         <p:nvCxnSpPr>
-          <p:cNvPr id="84" name="Straight Arrow Connector 83">
-            <a:extLst>
-              <a:ext uri="{FF2B5EF4-FFF2-40B4-BE49-F238E27FC236}">
-                <a16:creationId xmlns:a16="http://schemas.microsoft.com/office/drawing/2014/main" id="{B91CCF5F-E3FE-60CE-976D-BA1DFE9819AC}"/>
+          <p:cNvPr id="53" name="Straight Arrow Connector 52">
+            <a:extLst>
+              <a:ext uri="{FF2B5EF4-FFF2-40B4-BE49-F238E27FC236}">
+                <a16:creationId xmlns:a16="http://schemas.microsoft.com/office/drawing/2014/main" id="{2EE85E3A-68B4-1D61-E026-112BF1096C7D}"/>
               </a:ext>
             </a:extLst>
           </p:cNvPr>
           <p:cNvCxnSpPr>
             <a:cxnSpLocks/>
-            <a:stCxn id="81" idx="3"/>
-            <a:endCxn id="83" idx="1"/>
+            <a:stCxn id="48" idx="3"/>
+            <a:endCxn id="52" idx="1"/>
           </p:cNvCxnSpPr>
           <p:nvPr/>
         </p:nvCxnSpPr>
         <p:spPr>
           <a:xfrm>
-            <a:off x="5879408" y="3004494"/>
+            <a:off x="1334704" y="3015436"/>
             <a:ext cx="227374" cy="1012"/>
           </a:xfrm>
           <a:prstGeom prst="straightConnector1">
@@ -23527,22 +22844,22 @@
       </p:cxnSp>
       <p:cxnSp>
         <p:nvCxnSpPr>
-          <p:cNvPr id="85" name="Straight Arrow Connector 84">
-            <a:extLst>
-              <a:ext uri="{FF2B5EF4-FFF2-40B4-BE49-F238E27FC236}">
-                <a16:creationId xmlns:a16="http://schemas.microsoft.com/office/drawing/2014/main" id="{40E35A57-722D-72AF-E10D-1900312C764C}"/>
+          <p:cNvPr id="55" name="Straight Arrow Connector 54">
+            <a:extLst>
+              <a:ext uri="{FF2B5EF4-FFF2-40B4-BE49-F238E27FC236}">
+                <a16:creationId xmlns:a16="http://schemas.microsoft.com/office/drawing/2014/main" id="{F547549D-41F9-1638-B48B-6AA0C2D47BBB}"/>
               </a:ext>
             </a:extLst>
           </p:cNvPr>
           <p:cNvCxnSpPr>
             <a:cxnSpLocks/>
-            <a:stCxn id="83" idx="3"/>
+            <a:stCxn id="52" idx="3"/>
           </p:cNvCxnSpPr>
           <p:nvPr/>
         </p:nvCxnSpPr>
         <p:spPr>
           <a:xfrm>
-            <a:off x="7758730" y="3005506"/>
+            <a:off x="3214026" y="3016448"/>
             <a:ext cx="585090" cy="0"/>
           </a:xfrm>
           <a:prstGeom prst="straightConnector1">
@@ -23573,10 +22890,10 @@
       </p:cxnSp>
       <p:sp>
         <p:nvSpPr>
-          <p:cNvPr id="86" name="Rectangle 85">
-            <a:extLst>
-              <a:ext uri="{FF2B5EF4-FFF2-40B4-BE49-F238E27FC236}">
-                <a16:creationId xmlns:a16="http://schemas.microsoft.com/office/drawing/2014/main" id="{3CB40215-872C-77B0-2AE3-1E49CE8448D9}"/>
+          <p:cNvPr id="56" name="Rectangle 55">
+            <a:extLst>
+              <a:ext uri="{FF2B5EF4-FFF2-40B4-BE49-F238E27FC236}">
+                <a16:creationId xmlns:a16="http://schemas.microsoft.com/office/drawing/2014/main" id="{C8863AED-D5BA-09E3-A862-994D6A9E269C}"/>
               </a:ext>
             </a:extLst>
           </p:cNvPr>
@@ -23585,7 +22902,7 @@
         </p:nvSpPr>
         <p:spPr>
           <a:xfrm>
-            <a:off x="8372725" y="2815187"/>
+            <a:off x="3828021" y="2826129"/>
             <a:ext cx="1078873" cy="344574"/>
           </a:xfrm>
           <a:prstGeom prst="rect">
@@ -23623,10 +22940,10 @@
       </p:sp>
       <p:pic>
         <p:nvPicPr>
-          <p:cNvPr id="87" name="Picture 2" descr="PLC Ladder Simulator - Apps on Google Play">
-            <a:extLst>
-              <a:ext uri="{FF2B5EF4-FFF2-40B4-BE49-F238E27FC236}">
-                <a16:creationId xmlns:a16="http://schemas.microsoft.com/office/drawing/2014/main" id="{8C7F4617-293C-0C3A-6955-90102A48A218}"/>
+          <p:cNvPr id="61" name="Picture 2" descr="PLC Ladder Simulator - Apps on Google Play">
+            <a:extLst>
+              <a:ext uri="{FF2B5EF4-FFF2-40B4-BE49-F238E27FC236}">
+                <a16:creationId xmlns:a16="http://schemas.microsoft.com/office/drawing/2014/main" id="{179566C9-4DC9-8CEA-9B13-E9080D838E71}"/>
               </a:ext>
             </a:extLst>
           </p:cNvPr>
@@ -23650,7 +22967,7 @@
         </p:blipFill>
         <p:spPr bwMode="auto">
           <a:xfrm>
-            <a:off x="5480824" y="3748080"/>
+            <a:off x="936120" y="3759022"/>
             <a:ext cx="384848" cy="384848"/>
           </a:xfrm>
           <a:prstGeom prst="rect">
@@ -23670,6 +22987,688 @@
       </p:pic>
       <p:sp>
         <p:nvSpPr>
+          <p:cNvPr id="62" name="Rectangle 61">
+            <a:extLst>
+              <a:ext uri="{FF2B5EF4-FFF2-40B4-BE49-F238E27FC236}">
+                <a16:creationId xmlns:a16="http://schemas.microsoft.com/office/drawing/2014/main" id="{755510C8-36D1-EFB3-27DC-BCE362C4D059}"/>
+              </a:ext>
+            </a:extLst>
+          </p:cNvPr>
+          <p:cNvSpPr/>
+          <p:nvPr/>
+        </p:nvSpPr>
+        <p:spPr>
+          <a:xfrm>
+            <a:off x="1548342" y="3761045"/>
+            <a:ext cx="1651948" cy="382825"/>
+          </a:xfrm>
+          <a:prstGeom prst="rect">
+            <a:avLst/>
+          </a:prstGeom>
+          <a:solidFill>
+            <a:schemeClr val="accent2"/>
+          </a:solidFill>
+        </p:spPr>
+        <p:style>
+          <a:lnRef idx="2">
+            <a:schemeClr val="accent1">
+              <a:shade val="50000"/>
+            </a:schemeClr>
+          </a:lnRef>
+          <a:fillRef idx="1">
+            <a:schemeClr val="accent1"/>
+          </a:fillRef>
+          <a:effectRef idx="0">
+            <a:schemeClr val="accent1"/>
+          </a:effectRef>
+          <a:fontRef idx="minor">
+            <a:schemeClr val="lt1"/>
+          </a:fontRef>
+        </p:style>
+        <p:txBody>
+          <a:bodyPr rtlCol="0" anchor="ctr"/>
+          <a:lstStyle/>
+          <a:p>
+            <a:pPr algn="ctr"/>
+            <a:r>
+              <a:rPr lang="en-US" sz="1050" b="1" dirty="0"/>
+              <a:t>PLC Controller Program (Modbus-TCP)</a:t>
+            </a:r>
+            <a:endParaRPr lang="en-SG" sz="1050" b="1" dirty="0"/>
+          </a:p>
+        </p:txBody>
+      </p:sp>
+      <p:cxnSp>
+        <p:nvCxnSpPr>
+          <p:cNvPr id="63" name="Straight Arrow Connector 62">
+            <a:extLst>
+              <a:ext uri="{FF2B5EF4-FFF2-40B4-BE49-F238E27FC236}">
+                <a16:creationId xmlns:a16="http://schemas.microsoft.com/office/drawing/2014/main" id="{BD6F6D73-3083-6633-9F3D-38231B0905AF}"/>
+              </a:ext>
+            </a:extLst>
+          </p:cNvPr>
+          <p:cNvCxnSpPr>
+            <a:cxnSpLocks/>
+            <a:stCxn id="61" idx="3"/>
+            <a:endCxn id="62" idx="1"/>
+          </p:cNvCxnSpPr>
+          <p:nvPr/>
+        </p:nvCxnSpPr>
+        <p:spPr>
+          <a:xfrm>
+            <a:off x="1320968" y="3951446"/>
+            <a:ext cx="227374" cy="1012"/>
+          </a:xfrm>
+          <a:prstGeom prst="straightConnector1">
+            <a:avLst/>
+          </a:prstGeom>
+          <a:ln>
+            <a:tailEnd type="triangle"/>
+          </a:ln>
+        </p:spPr>
+        <p:style>
+          <a:lnRef idx="2">
+            <a:schemeClr val="accent1"/>
+          </a:lnRef>
+          <a:fillRef idx="0">
+            <a:schemeClr val="accent1"/>
+          </a:fillRef>
+          <a:effectRef idx="1">
+            <a:schemeClr val="accent1"/>
+          </a:effectRef>
+          <a:fontRef idx="minor">
+            <a:schemeClr val="tx1"/>
+          </a:fontRef>
+        </p:style>
+      </p:cxnSp>
+      <p:sp>
+        <p:nvSpPr>
+          <p:cNvPr id="64" name="Rectangle 63">
+            <a:extLst>
+              <a:ext uri="{FF2B5EF4-FFF2-40B4-BE49-F238E27FC236}">
+                <a16:creationId xmlns:a16="http://schemas.microsoft.com/office/drawing/2014/main" id="{0BD241C5-4F31-0D0C-5D13-A4031DB43631}"/>
+              </a:ext>
+            </a:extLst>
+          </p:cNvPr>
+          <p:cNvSpPr/>
+          <p:nvPr/>
+        </p:nvSpPr>
+        <p:spPr>
+          <a:xfrm>
+            <a:off x="3799116" y="3779159"/>
+            <a:ext cx="1078873" cy="344574"/>
+          </a:xfrm>
+          <a:prstGeom prst="rect">
+            <a:avLst/>
+          </a:prstGeom>
+        </p:spPr>
+        <p:style>
+          <a:lnRef idx="2">
+            <a:schemeClr val="accent1">
+              <a:shade val="50000"/>
+            </a:schemeClr>
+          </a:lnRef>
+          <a:fillRef idx="1">
+            <a:schemeClr val="accent1"/>
+          </a:fillRef>
+          <a:effectRef idx="0">
+            <a:schemeClr val="accent1"/>
+          </a:effectRef>
+          <a:fontRef idx="minor">
+            <a:schemeClr val="lt1"/>
+          </a:fontRef>
+        </p:style>
+        <p:txBody>
+          <a:bodyPr rtlCol="0" anchor="ctr"/>
+          <a:lstStyle/>
+          <a:p>
+            <a:pPr algn="ctr"/>
+            <a:r>
+              <a:rPr lang="en-US" sz="1000" b="1" dirty="0"/>
+              <a:t>PLC Emulator VM-0N</a:t>
+            </a:r>
+            <a:endParaRPr lang="en-SG" sz="1000" b="1" dirty="0"/>
+          </a:p>
+        </p:txBody>
+      </p:sp>
+      <p:cxnSp>
+        <p:nvCxnSpPr>
+          <p:cNvPr id="65" name="Straight Arrow Connector 64">
+            <a:extLst>
+              <a:ext uri="{FF2B5EF4-FFF2-40B4-BE49-F238E27FC236}">
+                <a16:creationId xmlns:a16="http://schemas.microsoft.com/office/drawing/2014/main" id="{BEE59935-DB8D-9AB7-A2D6-E41B6A45221C}"/>
+              </a:ext>
+            </a:extLst>
+          </p:cNvPr>
+          <p:cNvCxnSpPr>
+            <a:cxnSpLocks/>
+          </p:cNvCxnSpPr>
+          <p:nvPr/>
+        </p:nvCxnSpPr>
+        <p:spPr>
+          <a:xfrm>
+            <a:off x="3200290" y="3925112"/>
+            <a:ext cx="598826" cy="0"/>
+          </a:xfrm>
+          <a:prstGeom prst="straightConnector1">
+            <a:avLst/>
+          </a:prstGeom>
+          <a:ln>
+            <a:solidFill>
+              <a:srgbClr val="00B050"/>
+            </a:solidFill>
+            <a:headEnd type="triangle"/>
+            <a:tailEnd type="triangle"/>
+          </a:ln>
+        </p:spPr>
+        <p:style>
+          <a:lnRef idx="2">
+            <a:schemeClr val="accent1"/>
+          </a:lnRef>
+          <a:fillRef idx="0">
+            <a:schemeClr val="accent1"/>
+          </a:fillRef>
+          <a:effectRef idx="1">
+            <a:schemeClr val="accent1"/>
+          </a:effectRef>
+          <a:fontRef idx="minor">
+            <a:schemeClr val="tx1"/>
+          </a:fontRef>
+        </p:style>
+      </p:cxnSp>
+      <p:cxnSp>
+        <p:nvCxnSpPr>
+          <p:cNvPr id="67" name="Straight Arrow Connector 66">
+            <a:extLst>
+              <a:ext uri="{FF2B5EF4-FFF2-40B4-BE49-F238E27FC236}">
+                <a16:creationId xmlns:a16="http://schemas.microsoft.com/office/drawing/2014/main" id="{53CFCF34-CBEF-47A6-0535-4F44B790177A}"/>
+              </a:ext>
+            </a:extLst>
+          </p:cNvPr>
+          <p:cNvCxnSpPr>
+            <a:cxnSpLocks/>
+            <a:endCxn id="64" idx="1"/>
+          </p:cNvCxnSpPr>
+          <p:nvPr/>
+        </p:nvCxnSpPr>
+        <p:spPr>
+          <a:xfrm>
+            <a:off x="3214026" y="3015436"/>
+            <a:ext cx="585090" cy="936010"/>
+          </a:xfrm>
+          <a:prstGeom prst="straightConnector1">
+            <a:avLst/>
+          </a:prstGeom>
+          <a:ln>
+            <a:solidFill>
+              <a:srgbClr val="00B050"/>
+            </a:solidFill>
+            <a:headEnd type="triangle"/>
+            <a:tailEnd type="triangle"/>
+          </a:ln>
+        </p:spPr>
+        <p:style>
+          <a:lnRef idx="2">
+            <a:schemeClr val="accent1"/>
+          </a:lnRef>
+          <a:fillRef idx="0">
+            <a:schemeClr val="accent1"/>
+          </a:fillRef>
+          <a:effectRef idx="1">
+            <a:schemeClr val="accent1"/>
+          </a:effectRef>
+          <a:fontRef idx="minor">
+            <a:schemeClr val="tx1"/>
+          </a:fontRef>
+        </p:style>
+      </p:cxnSp>
+      <p:cxnSp>
+        <p:nvCxnSpPr>
+          <p:cNvPr id="76" name="Straight Arrow Connector 75">
+            <a:extLst>
+              <a:ext uri="{FF2B5EF4-FFF2-40B4-BE49-F238E27FC236}">
+                <a16:creationId xmlns:a16="http://schemas.microsoft.com/office/drawing/2014/main" id="{C24B7D6F-D6ED-EA9E-4B39-6A48757A93F3}"/>
+              </a:ext>
+            </a:extLst>
+          </p:cNvPr>
+          <p:cNvCxnSpPr>
+            <a:cxnSpLocks/>
+            <a:endCxn id="56" idx="1"/>
+          </p:cNvCxnSpPr>
+          <p:nvPr/>
+        </p:nvCxnSpPr>
+        <p:spPr>
+          <a:xfrm flipV="1">
+            <a:off x="3214026" y="2998416"/>
+            <a:ext cx="613995" cy="953030"/>
+          </a:xfrm>
+          <a:prstGeom prst="straightConnector1">
+            <a:avLst/>
+          </a:prstGeom>
+          <a:ln>
+            <a:solidFill>
+              <a:srgbClr val="00B050"/>
+            </a:solidFill>
+            <a:headEnd type="triangle"/>
+            <a:tailEnd type="triangle"/>
+          </a:ln>
+        </p:spPr>
+        <p:style>
+          <a:lnRef idx="2">
+            <a:schemeClr val="accent1"/>
+          </a:lnRef>
+          <a:fillRef idx="0">
+            <a:schemeClr val="accent1"/>
+          </a:fillRef>
+          <a:effectRef idx="1">
+            <a:schemeClr val="accent1"/>
+          </a:effectRef>
+          <a:fontRef idx="minor">
+            <a:schemeClr val="tx1"/>
+          </a:fontRef>
+        </p:style>
+      </p:cxnSp>
+      <p:sp>
+        <p:nvSpPr>
+          <p:cNvPr id="79" name="Rectangle 78">
+            <a:extLst>
+              <a:ext uri="{FF2B5EF4-FFF2-40B4-BE49-F238E27FC236}">
+                <a16:creationId xmlns:a16="http://schemas.microsoft.com/office/drawing/2014/main" id="{900727DB-C9CC-7985-860A-EBAEF18BB555}"/>
+              </a:ext>
+            </a:extLst>
+          </p:cNvPr>
+          <p:cNvSpPr/>
+          <p:nvPr/>
+        </p:nvSpPr>
+        <p:spPr>
+          <a:xfrm>
+            <a:off x="5414820" y="2486756"/>
+            <a:ext cx="2474268" cy="1801663"/>
+          </a:xfrm>
+          <a:prstGeom prst="rect">
+            <a:avLst/>
+          </a:prstGeom>
+          <a:ln>
+            <a:prstDash val="sysDash"/>
+          </a:ln>
+        </p:spPr>
+        <p:style>
+          <a:lnRef idx="2">
+            <a:schemeClr val="accent6"/>
+          </a:lnRef>
+          <a:fillRef idx="1">
+            <a:schemeClr val="lt1"/>
+          </a:fillRef>
+          <a:effectRef idx="0">
+            <a:schemeClr val="accent6"/>
+          </a:effectRef>
+          <a:fontRef idx="minor">
+            <a:schemeClr val="dk1"/>
+          </a:fontRef>
+        </p:style>
+        <p:txBody>
+          <a:bodyPr rtlCol="0" anchor="ctr"/>
+          <a:lstStyle/>
+          <a:p>
+            <a:pPr algn="ctr"/>
+            <a:endParaRPr lang="en-SG"/>
+          </a:p>
+        </p:txBody>
+      </p:sp>
+      <p:sp>
+        <p:nvSpPr>
+          <p:cNvPr id="80" name="TextBox 79">
+            <a:extLst>
+              <a:ext uri="{FF2B5EF4-FFF2-40B4-BE49-F238E27FC236}">
+                <a16:creationId xmlns:a16="http://schemas.microsoft.com/office/drawing/2014/main" id="{EEDB73F7-0CCE-EDD3-517D-9A0467B9EC55}"/>
+              </a:ext>
+            </a:extLst>
+          </p:cNvPr>
+          <p:cNvSpPr txBox="1"/>
+          <p:nvPr/>
+        </p:nvSpPr>
+        <p:spPr>
+          <a:xfrm>
+            <a:off x="5424953" y="2486757"/>
+            <a:ext cx="1742537" cy="276999"/>
+          </a:xfrm>
+          <a:prstGeom prst="rect">
+            <a:avLst/>
+          </a:prstGeom>
+          <a:noFill/>
+        </p:spPr>
+        <p:txBody>
+          <a:bodyPr wrap="square" rtlCol="0">
+            <a:spAutoFit/>
+          </a:bodyPr>
+          <a:lstStyle/>
+          <a:p>
+            <a:r>
+              <a:rPr lang="en-US" sz="1200" b="1" dirty="0"/>
+              <a:t>PLC Controller VM</a:t>
+            </a:r>
+            <a:endParaRPr lang="en-SG" sz="1200" b="1" dirty="0"/>
+          </a:p>
+        </p:txBody>
+      </p:sp>
+      <p:pic>
+        <p:nvPicPr>
+          <p:cNvPr id="81" name="Picture 2" descr="PLC Ladder Simulator - Apps on Google Play">
+            <a:extLst>
+              <a:ext uri="{FF2B5EF4-FFF2-40B4-BE49-F238E27FC236}">
+                <a16:creationId xmlns:a16="http://schemas.microsoft.com/office/drawing/2014/main" id="{01BD80F9-FE33-C7F1-848F-34C08DAE82F6}"/>
+              </a:ext>
+            </a:extLst>
+          </p:cNvPr>
+          <p:cNvPicPr>
+            <a:picLocks noChangeAspect="1" noChangeArrowheads="1"/>
+          </p:cNvPicPr>
+          <p:nvPr/>
+        </p:nvPicPr>
+        <p:blipFill>
+          <a:blip r:embed="rId2">
+            <a:extLst>
+              <a:ext uri="{28A0092B-C50C-407E-A947-70E740481C1C}">
+                <a14:useLocalDpi xmlns:a14="http://schemas.microsoft.com/office/drawing/2010/main" val="0"/>
+              </a:ext>
+            </a:extLst>
+          </a:blip>
+          <a:srcRect/>
+          <a:stretch>
+            <a:fillRect/>
+          </a:stretch>
+        </p:blipFill>
+        <p:spPr bwMode="auto">
+          <a:xfrm>
+            <a:off x="5494560" y="2812070"/>
+            <a:ext cx="384848" cy="384848"/>
+          </a:xfrm>
+          <a:prstGeom prst="rect">
+            <a:avLst/>
+          </a:prstGeom>
+          <a:noFill/>
+          <a:extLst>
+            <a:ext uri="{909E8E84-426E-40DD-AFC4-6F175D3DCCD1}">
+              <a14:hiddenFill xmlns:a14="http://schemas.microsoft.com/office/drawing/2010/main">
+                <a:solidFill>
+                  <a:srgbClr val="FFFFFF"/>
+                </a:solidFill>
+              </a14:hiddenFill>
+            </a:ext>
+          </a:extLst>
+        </p:spPr>
+      </p:pic>
+      <p:pic>
+        <p:nvPicPr>
+          <p:cNvPr id="82" name="Picture 81">
+            <a:extLst>
+              <a:ext uri="{FF2B5EF4-FFF2-40B4-BE49-F238E27FC236}">
+                <a16:creationId xmlns:a16="http://schemas.microsoft.com/office/drawing/2014/main" id="{D5B840B5-9C19-1B45-4CDE-830E50747920}"/>
+              </a:ext>
+            </a:extLst>
+          </p:cNvPr>
+          <p:cNvPicPr>
+            <a:picLocks noChangeAspect="1"/>
+          </p:cNvPicPr>
+          <p:nvPr/>
+        </p:nvPicPr>
+        <p:blipFill>
+          <a:blip r:embed="rId3"/>
+          <a:stretch>
+            <a:fillRect/>
+          </a:stretch>
+        </p:blipFill>
+        <p:spPr>
+          <a:xfrm>
+            <a:off x="6093046" y="3245231"/>
+            <a:ext cx="307880" cy="384849"/>
+          </a:xfrm>
+          <a:prstGeom prst="rect">
+            <a:avLst/>
+          </a:prstGeom>
+        </p:spPr>
+      </p:pic>
+      <p:sp>
+        <p:nvSpPr>
+          <p:cNvPr id="83" name="Rectangle 82">
+            <a:extLst>
+              <a:ext uri="{FF2B5EF4-FFF2-40B4-BE49-F238E27FC236}">
+                <a16:creationId xmlns:a16="http://schemas.microsoft.com/office/drawing/2014/main" id="{C82D3219-1D2D-CDA1-5022-F00FE6199E89}"/>
+              </a:ext>
+            </a:extLst>
+          </p:cNvPr>
+          <p:cNvSpPr/>
+          <p:nvPr/>
+        </p:nvSpPr>
+        <p:spPr>
+          <a:xfrm>
+            <a:off x="6106782" y="2814093"/>
+            <a:ext cx="1651948" cy="382825"/>
+          </a:xfrm>
+          <a:prstGeom prst="rect">
+            <a:avLst/>
+          </a:prstGeom>
+          <a:solidFill>
+            <a:schemeClr val="accent2"/>
+          </a:solidFill>
+        </p:spPr>
+        <p:style>
+          <a:lnRef idx="2">
+            <a:schemeClr val="accent1">
+              <a:shade val="50000"/>
+            </a:schemeClr>
+          </a:lnRef>
+          <a:fillRef idx="1">
+            <a:schemeClr val="accent1"/>
+          </a:fillRef>
+          <a:effectRef idx="0">
+            <a:schemeClr val="accent1"/>
+          </a:effectRef>
+          <a:fontRef idx="minor">
+            <a:schemeClr val="lt1"/>
+          </a:fontRef>
+        </p:style>
+        <p:txBody>
+          <a:bodyPr rtlCol="0" anchor="ctr"/>
+          <a:lstStyle/>
+          <a:p>
+            <a:pPr algn="ctr"/>
+            <a:r>
+              <a:rPr lang="en-US" sz="1050" b="1" dirty="0"/>
+              <a:t>PLC Controller Program (Modbus-TCP)</a:t>
+            </a:r>
+            <a:endParaRPr lang="en-SG" sz="1050" b="1" dirty="0"/>
+          </a:p>
+        </p:txBody>
+      </p:sp>
+      <p:cxnSp>
+        <p:nvCxnSpPr>
+          <p:cNvPr id="84" name="Straight Arrow Connector 83">
+            <a:extLst>
+              <a:ext uri="{FF2B5EF4-FFF2-40B4-BE49-F238E27FC236}">
+                <a16:creationId xmlns:a16="http://schemas.microsoft.com/office/drawing/2014/main" id="{B91CCF5F-E3FE-60CE-976D-BA1DFE9819AC}"/>
+              </a:ext>
+            </a:extLst>
+          </p:cNvPr>
+          <p:cNvCxnSpPr>
+            <a:cxnSpLocks/>
+            <a:stCxn id="81" idx="3"/>
+            <a:endCxn id="83" idx="1"/>
+          </p:cNvCxnSpPr>
+          <p:nvPr/>
+        </p:nvCxnSpPr>
+        <p:spPr>
+          <a:xfrm>
+            <a:off x="5879408" y="3004494"/>
+            <a:ext cx="227374" cy="1012"/>
+          </a:xfrm>
+          <a:prstGeom prst="straightConnector1">
+            <a:avLst/>
+          </a:prstGeom>
+          <a:ln>
+            <a:tailEnd type="triangle"/>
+          </a:ln>
+        </p:spPr>
+        <p:style>
+          <a:lnRef idx="2">
+            <a:schemeClr val="accent1"/>
+          </a:lnRef>
+          <a:fillRef idx="0">
+            <a:schemeClr val="accent1"/>
+          </a:fillRef>
+          <a:effectRef idx="1">
+            <a:schemeClr val="accent1"/>
+          </a:effectRef>
+          <a:fontRef idx="minor">
+            <a:schemeClr val="tx1"/>
+          </a:fontRef>
+        </p:style>
+      </p:cxnSp>
+      <p:cxnSp>
+        <p:nvCxnSpPr>
+          <p:cNvPr id="85" name="Straight Arrow Connector 84">
+            <a:extLst>
+              <a:ext uri="{FF2B5EF4-FFF2-40B4-BE49-F238E27FC236}">
+                <a16:creationId xmlns:a16="http://schemas.microsoft.com/office/drawing/2014/main" id="{40E35A57-722D-72AF-E10D-1900312C764C}"/>
+              </a:ext>
+            </a:extLst>
+          </p:cNvPr>
+          <p:cNvCxnSpPr>
+            <a:cxnSpLocks/>
+            <a:stCxn id="83" idx="3"/>
+          </p:cNvCxnSpPr>
+          <p:nvPr/>
+        </p:nvCxnSpPr>
+        <p:spPr>
+          <a:xfrm>
+            <a:off x="7758730" y="3005506"/>
+            <a:ext cx="585090" cy="0"/>
+          </a:xfrm>
+          <a:prstGeom prst="straightConnector1">
+            <a:avLst/>
+          </a:prstGeom>
+          <a:ln>
+            <a:solidFill>
+              <a:srgbClr val="00B050"/>
+            </a:solidFill>
+            <a:headEnd type="triangle"/>
+            <a:tailEnd type="triangle"/>
+          </a:ln>
+        </p:spPr>
+        <p:style>
+          <a:lnRef idx="2">
+            <a:schemeClr val="accent1"/>
+          </a:lnRef>
+          <a:fillRef idx="0">
+            <a:schemeClr val="accent1"/>
+          </a:fillRef>
+          <a:effectRef idx="1">
+            <a:schemeClr val="accent1"/>
+          </a:effectRef>
+          <a:fontRef idx="minor">
+            <a:schemeClr val="tx1"/>
+          </a:fontRef>
+        </p:style>
+      </p:cxnSp>
+      <p:sp>
+        <p:nvSpPr>
+          <p:cNvPr id="86" name="Rectangle 85">
+            <a:extLst>
+              <a:ext uri="{FF2B5EF4-FFF2-40B4-BE49-F238E27FC236}">
+                <a16:creationId xmlns:a16="http://schemas.microsoft.com/office/drawing/2014/main" id="{3CB40215-872C-77B0-2AE3-1E49CE8448D9}"/>
+              </a:ext>
+            </a:extLst>
+          </p:cNvPr>
+          <p:cNvSpPr/>
+          <p:nvPr/>
+        </p:nvSpPr>
+        <p:spPr>
+          <a:xfrm>
+            <a:off x="8372725" y="2815187"/>
+            <a:ext cx="1078873" cy="344574"/>
+          </a:xfrm>
+          <a:prstGeom prst="rect">
+            <a:avLst/>
+          </a:prstGeom>
+        </p:spPr>
+        <p:style>
+          <a:lnRef idx="2">
+            <a:schemeClr val="accent1">
+              <a:shade val="50000"/>
+            </a:schemeClr>
+          </a:lnRef>
+          <a:fillRef idx="1">
+            <a:schemeClr val="accent1"/>
+          </a:fillRef>
+          <a:effectRef idx="0">
+            <a:schemeClr val="accent1"/>
+          </a:effectRef>
+          <a:fontRef idx="minor">
+            <a:schemeClr val="lt1"/>
+          </a:fontRef>
+        </p:style>
+        <p:txBody>
+          <a:bodyPr rtlCol="0" anchor="ctr"/>
+          <a:lstStyle/>
+          <a:p>
+            <a:pPr algn="ctr"/>
+            <a:r>
+              <a:rPr lang="en-US" sz="1000" b="1" dirty="0"/>
+              <a:t>PLC Emulator VM-00</a:t>
+            </a:r>
+            <a:endParaRPr lang="en-SG" sz="1000" b="1" dirty="0"/>
+          </a:p>
+        </p:txBody>
+      </p:sp>
+      <p:pic>
+        <p:nvPicPr>
+          <p:cNvPr id="87" name="Picture 2" descr="PLC Ladder Simulator - Apps on Google Play">
+            <a:extLst>
+              <a:ext uri="{FF2B5EF4-FFF2-40B4-BE49-F238E27FC236}">
+                <a16:creationId xmlns:a16="http://schemas.microsoft.com/office/drawing/2014/main" id="{8C7F4617-293C-0C3A-6955-90102A48A218}"/>
+              </a:ext>
+            </a:extLst>
+          </p:cNvPr>
+          <p:cNvPicPr>
+            <a:picLocks noChangeAspect="1" noChangeArrowheads="1"/>
+          </p:cNvPicPr>
+          <p:nvPr/>
+        </p:nvPicPr>
+        <p:blipFill>
+          <a:blip r:embed="rId2">
+            <a:extLst>
+              <a:ext uri="{28A0092B-C50C-407E-A947-70E740481C1C}">
+                <a14:useLocalDpi xmlns:a14="http://schemas.microsoft.com/office/drawing/2010/main" val="0"/>
+              </a:ext>
+            </a:extLst>
+          </a:blip>
+          <a:srcRect/>
+          <a:stretch>
+            <a:fillRect/>
+          </a:stretch>
+        </p:blipFill>
+        <p:spPr bwMode="auto">
+          <a:xfrm>
+            <a:off x="5480824" y="3748080"/>
+            <a:ext cx="384848" cy="384848"/>
+          </a:xfrm>
+          <a:prstGeom prst="rect">
+            <a:avLst/>
+          </a:prstGeom>
+          <a:noFill/>
+          <a:extLst>
+            <a:ext uri="{909E8E84-426E-40DD-AFC4-6F175D3DCCD1}">
+              <a14:hiddenFill xmlns:a14="http://schemas.microsoft.com/office/drawing/2010/main">
+                <a:solidFill>
+                  <a:srgbClr val="FFFFFF"/>
+                </a:solidFill>
+              </a14:hiddenFill>
+            </a:ext>
+          </a:extLst>
+        </p:spPr>
+      </p:pic>
+      <p:sp>
+        <p:nvSpPr>
           <p:cNvPr id="88" name="Rectangle 87">
             <a:extLst>
               <a:ext uri="{FF2B5EF4-FFF2-40B4-BE49-F238E27FC236}">
@@ -23923,7 +23922,7 @@
         </p:blipFill>
         <p:spPr>
           <a:xfrm>
-            <a:off x="6838632" y="3255351"/>
+            <a:off x="6947323" y="3255351"/>
             <a:ext cx="307880" cy="384849"/>
           </a:xfrm>
           <a:prstGeom prst="rect">
@@ -23948,12 +23947,12 @@
         </p:nvCxnSpPr>
         <p:spPr>
           <a:xfrm>
-            <a:off x="7146512" y="3447776"/>
-            <a:ext cx="419339" cy="276594"/>
+            <a:off x="7255203" y="3447776"/>
+            <a:ext cx="251214" cy="250857"/>
           </a:xfrm>
           <a:prstGeom prst="bentConnector3">
             <a:avLst>
-              <a:gd name="adj1" fmla="val 99372"/>
+              <a:gd name="adj1" fmla="val 98075"/>
             </a:avLst>
           </a:prstGeom>
           <a:ln>

--- a/doc/designDoc.pptx
+++ b/doc/designDoc.pptx
@@ -5,7 +5,7 @@
     <p:sldMasterId id="2147483648" r:id="rId1"/>
   </p:sldMasterIdLst>
   <p:notesMasterIdLst>
-    <p:notesMasterId r:id="rId14"/>
+    <p:notesMasterId r:id="rId17"/>
   </p:notesMasterIdLst>
   <p:sldIdLst>
     <p:sldId id="256" r:id="rId2"/>
@@ -19,7 +19,10 @@
     <p:sldId id="263" r:id="rId10"/>
     <p:sldId id="264" r:id="rId11"/>
     <p:sldId id="265" r:id="rId12"/>
-    <p:sldId id="266" r:id="rId13"/>
+    <p:sldId id="268" r:id="rId13"/>
+    <p:sldId id="266" r:id="rId14"/>
+    <p:sldId id="269" r:id="rId15"/>
+    <p:sldId id="270" r:id="rId16"/>
   </p:sldIdLst>
   <p:sldSz cx="12192000" cy="6858000"/>
   <p:notesSz cx="6858000" cy="9144000"/>
@@ -208,7 +211,7 @@
           <a:p>
             <a:fld id="{C711259C-07AC-49B2-B02B-76ECE0D8068C}" type="datetimeFigureOut">
               <a:rPr lang="en-SG" smtClean="0"/>
-              <a:t>23/11/2024</a:t>
+              <a:t>24/11/2024</a:t>
             </a:fld>
             <a:endParaRPr lang="en-SG"/>
           </a:p>
@@ -709,7 +712,7 @@
           <a:p>
             <a:fld id="{E7602038-B3F0-4825-ABDA-D66CE1C4CFDA}" type="datetimeFigureOut">
               <a:rPr lang="en-SG" smtClean="0"/>
-              <a:t>23/11/2024</a:t>
+              <a:t>24/11/2024</a:t>
             </a:fld>
             <a:endParaRPr lang="en-SG"/>
           </a:p>
@@ -909,7 +912,7 @@
           <a:p>
             <a:fld id="{E7602038-B3F0-4825-ABDA-D66CE1C4CFDA}" type="datetimeFigureOut">
               <a:rPr lang="en-SG" smtClean="0"/>
-              <a:t>23/11/2024</a:t>
+              <a:t>24/11/2024</a:t>
             </a:fld>
             <a:endParaRPr lang="en-SG"/>
           </a:p>
@@ -1119,7 +1122,7 @@
           <a:p>
             <a:fld id="{E7602038-B3F0-4825-ABDA-D66CE1C4CFDA}" type="datetimeFigureOut">
               <a:rPr lang="en-SG" smtClean="0"/>
-              <a:t>23/11/2024</a:t>
+              <a:t>24/11/2024</a:t>
             </a:fld>
             <a:endParaRPr lang="en-SG"/>
           </a:p>
@@ -1319,7 +1322,7 @@
           <a:p>
             <a:fld id="{E7602038-B3F0-4825-ABDA-D66CE1C4CFDA}" type="datetimeFigureOut">
               <a:rPr lang="en-SG" smtClean="0"/>
-              <a:t>23/11/2024</a:t>
+              <a:t>24/11/2024</a:t>
             </a:fld>
             <a:endParaRPr lang="en-SG"/>
           </a:p>
@@ -1595,7 +1598,7 @@
           <a:p>
             <a:fld id="{E7602038-B3F0-4825-ABDA-D66CE1C4CFDA}" type="datetimeFigureOut">
               <a:rPr lang="en-SG" smtClean="0"/>
-              <a:t>23/11/2024</a:t>
+              <a:t>24/11/2024</a:t>
             </a:fld>
             <a:endParaRPr lang="en-SG"/>
           </a:p>
@@ -1863,7 +1866,7 @@
           <a:p>
             <a:fld id="{E7602038-B3F0-4825-ABDA-D66CE1C4CFDA}" type="datetimeFigureOut">
               <a:rPr lang="en-SG" smtClean="0"/>
-              <a:t>23/11/2024</a:t>
+              <a:t>24/11/2024</a:t>
             </a:fld>
             <a:endParaRPr lang="en-SG"/>
           </a:p>
@@ -2278,7 +2281,7 @@
           <a:p>
             <a:fld id="{E7602038-B3F0-4825-ABDA-D66CE1C4CFDA}" type="datetimeFigureOut">
               <a:rPr lang="en-SG" smtClean="0"/>
-              <a:t>23/11/2024</a:t>
+              <a:t>24/11/2024</a:t>
             </a:fld>
             <a:endParaRPr lang="en-SG"/>
           </a:p>
@@ -2420,7 +2423,7 @@
           <a:p>
             <a:fld id="{E7602038-B3F0-4825-ABDA-D66CE1C4CFDA}" type="datetimeFigureOut">
               <a:rPr lang="en-SG" smtClean="0"/>
-              <a:t>23/11/2024</a:t>
+              <a:t>24/11/2024</a:t>
             </a:fld>
             <a:endParaRPr lang="en-SG"/>
           </a:p>
@@ -2533,7 +2536,7 @@
           <a:p>
             <a:fld id="{E7602038-B3F0-4825-ABDA-D66CE1C4CFDA}" type="datetimeFigureOut">
               <a:rPr lang="en-SG" smtClean="0"/>
-              <a:t>23/11/2024</a:t>
+              <a:t>24/11/2024</a:t>
             </a:fld>
             <a:endParaRPr lang="en-SG"/>
           </a:p>
@@ -2846,7 +2849,7 @@
           <a:p>
             <a:fld id="{E7602038-B3F0-4825-ABDA-D66CE1C4CFDA}" type="datetimeFigureOut">
               <a:rPr lang="en-SG" smtClean="0"/>
-              <a:t>23/11/2024</a:t>
+              <a:t>24/11/2024</a:t>
             </a:fld>
             <a:endParaRPr lang="en-SG"/>
           </a:p>
@@ -3135,7 +3138,7 @@
           <a:p>
             <a:fld id="{E7602038-B3F0-4825-ABDA-D66CE1C4CFDA}" type="datetimeFigureOut">
               <a:rPr lang="en-SG" smtClean="0"/>
-              <a:t>23/11/2024</a:t>
+              <a:t>24/11/2024</a:t>
             </a:fld>
             <a:endParaRPr lang="en-SG"/>
           </a:p>
@@ -3378,7 +3381,7 @@
           <a:p>
             <a:fld id="{E7602038-B3F0-4825-ABDA-D66CE1C4CFDA}" type="datetimeFigureOut">
               <a:rPr lang="en-SG" smtClean="0"/>
-              <a:t>23/11/2024</a:t>
+              <a:t>24/11/2024</a:t>
             </a:fld>
             <a:endParaRPr lang="en-SG"/>
           </a:p>
@@ -4732,12 +4735,220 @@
           <a:chExt cx="0" cy="0"/>
         </a:xfrm>
       </p:grpSpPr>
+      <p:sp>
+        <p:nvSpPr>
+          <p:cNvPr id="100" name="Cloud 99">
+            <a:extLst>
+              <a:ext uri="{FF2B5EF4-FFF2-40B4-BE49-F238E27FC236}">
+                <a16:creationId xmlns:a16="http://schemas.microsoft.com/office/drawing/2014/main" id="{6D2DAC49-10E2-2F14-CB5B-2931D0212CBA}"/>
+              </a:ext>
+            </a:extLst>
+          </p:cNvPr>
+          <p:cNvSpPr/>
+          <p:nvPr/>
+        </p:nvSpPr>
+        <p:spPr>
+          <a:xfrm>
+            <a:off x="6247969" y="2567379"/>
+            <a:ext cx="798601" cy="502819"/>
+          </a:xfrm>
+          <a:prstGeom prst="cloud">
+            <a:avLst/>
+          </a:prstGeom>
+          <a:solidFill>
+            <a:schemeClr val="bg1">
+              <a:lumMod val="85000"/>
+            </a:schemeClr>
+          </a:solidFill>
+        </p:spPr>
+        <p:style>
+          <a:lnRef idx="2">
+            <a:schemeClr val="accent1">
+              <a:shade val="15000"/>
+            </a:schemeClr>
+          </a:lnRef>
+          <a:fillRef idx="1">
+            <a:schemeClr val="accent1"/>
+          </a:fillRef>
+          <a:effectRef idx="0">
+            <a:schemeClr val="accent1"/>
+          </a:effectRef>
+          <a:fontRef idx="minor">
+            <a:schemeClr val="lt1"/>
+          </a:fontRef>
+        </p:style>
+        <p:txBody>
+          <a:bodyPr rtlCol="0" anchor="ctr"/>
+          <a:lstStyle/>
+          <a:p>
+            <a:pPr algn="ctr"/>
+            <a:endParaRPr lang="en-SG" sz="1050" b="1" dirty="0">
+              <a:solidFill>
+                <a:schemeClr val="tx1"/>
+              </a:solidFill>
+            </a:endParaRPr>
+          </a:p>
+        </p:txBody>
+      </p:sp>
+      <p:sp>
+        <p:nvSpPr>
+          <p:cNvPr id="68" name="Rectangle 67">
+            <a:extLst>
+              <a:ext uri="{FF2B5EF4-FFF2-40B4-BE49-F238E27FC236}">
+                <a16:creationId xmlns:a16="http://schemas.microsoft.com/office/drawing/2014/main" id="{2C58E68F-1D70-9A11-0372-844F383B7565}"/>
+              </a:ext>
+            </a:extLst>
+          </p:cNvPr>
+          <p:cNvSpPr/>
+          <p:nvPr/>
+        </p:nvSpPr>
+        <p:spPr>
+          <a:xfrm>
+            <a:off x="7729936" y="3575580"/>
+            <a:ext cx="1292611" cy="553568"/>
+          </a:xfrm>
+          <a:prstGeom prst="rect">
+            <a:avLst/>
+          </a:prstGeom>
+          <a:solidFill>
+            <a:schemeClr val="bg2"/>
+          </a:solidFill>
+        </p:spPr>
+        <p:style>
+          <a:lnRef idx="2">
+            <a:schemeClr val="accent1">
+              <a:shade val="15000"/>
+            </a:schemeClr>
+          </a:lnRef>
+          <a:fillRef idx="1">
+            <a:schemeClr val="accent1"/>
+          </a:fillRef>
+          <a:effectRef idx="0">
+            <a:schemeClr val="accent1"/>
+          </a:effectRef>
+          <a:fontRef idx="minor">
+            <a:schemeClr val="lt1"/>
+          </a:fontRef>
+        </p:style>
+        <p:txBody>
+          <a:bodyPr rtlCol="0" anchor="ctr"/>
+          <a:lstStyle/>
+          <a:p>
+            <a:pPr algn="ctr"/>
+            <a:endParaRPr lang="en-SG"/>
+          </a:p>
+        </p:txBody>
+      </p:sp>
+      <p:sp>
+        <p:nvSpPr>
+          <p:cNvPr id="4" name="Rectangle 3">
+            <a:extLst>
+              <a:ext uri="{FF2B5EF4-FFF2-40B4-BE49-F238E27FC236}">
+                <a16:creationId xmlns:a16="http://schemas.microsoft.com/office/drawing/2014/main" id="{496D88C8-BD96-6952-AA27-F68D5F71DEAB}"/>
+              </a:ext>
+            </a:extLst>
+          </p:cNvPr>
+          <p:cNvSpPr/>
+          <p:nvPr/>
+        </p:nvSpPr>
+        <p:spPr>
+          <a:xfrm>
+            <a:off x="1915545" y="1220939"/>
+            <a:ext cx="1614918" cy="545618"/>
+          </a:xfrm>
+          <a:prstGeom prst="rect">
+            <a:avLst/>
+          </a:prstGeom>
+          <a:solidFill>
+            <a:schemeClr val="tx2">
+              <a:lumMod val="75000"/>
+            </a:schemeClr>
+          </a:solidFill>
+        </p:spPr>
+        <p:style>
+          <a:lnRef idx="2">
+            <a:schemeClr val="accent1">
+              <a:shade val="50000"/>
+            </a:schemeClr>
+          </a:lnRef>
+          <a:fillRef idx="1">
+            <a:schemeClr val="accent1"/>
+          </a:fillRef>
+          <a:effectRef idx="0">
+            <a:schemeClr val="accent1"/>
+          </a:effectRef>
+          <a:fontRef idx="minor">
+            <a:schemeClr val="lt1"/>
+          </a:fontRef>
+        </p:style>
+        <p:txBody>
+          <a:bodyPr rtlCol="0" anchor="ctr"/>
+          <a:lstStyle/>
+          <a:p>
+            <a:pPr algn="ctr"/>
+            <a:r>
+              <a:rPr lang="en-US" sz="1200" dirty="0"/>
+              <a:t>PLC Emulator or Controller  programs </a:t>
+            </a:r>
+            <a:endParaRPr lang="en-SG" sz="1200" dirty="0"/>
+          </a:p>
+        </p:txBody>
+      </p:sp>
+      <p:sp>
+        <p:nvSpPr>
+          <p:cNvPr id="5" name="Rectangle 4">
+            <a:extLst>
+              <a:ext uri="{FF2B5EF4-FFF2-40B4-BE49-F238E27FC236}">
+                <a16:creationId xmlns:a16="http://schemas.microsoft.com/office/drawing/2014/main" id="{6C55582E-04FE-061A-F785-C02A766BBE90}"/>
+              </a:ext>
+            </a:extLst>
+          </p:cNvPr>
+          <p:cNvSpPr/>
+          <p:nvPr/>
+        </p:nvSpPr>
+        <p:spPr>
+          <a:xfrm>
+            <a:off x="2232558" y="2571084"/>
+            <a:ext cx="1088441" cy="408331"/>
+          </a:xfrm>
+          <a:prstGeom prst="rect">
+            <a:avLst/>
+          </a:prstGeom>
+          <a:solidFill>
+            <a:schemeClr val="bg2"/>
+          </a:solidFill>
+        </p:spPr>
+        <p:style>
+          <a:lnRef idx="2">
+            <a:schemeClr val="accent1">
+              <a:shade val="15000"/>
+            </a:schemeClr>
+          </a:lnRef>
+          <a:fillRef idx="1">
+            <a:schemeClr val="accent1"/>
+          </a:fillRef>
+          <a:effectRef idx="0">
+            <a:schemeClr val="accent1"/>
+          </a:effectRef>
+          <a:fontRef idx="minor">
+            <a:schemeClr val="lt1"/>
+          </a:fontRef>
+        </p:style>
+        <p:txBody>
+          <a:bodyPr rtlCol="0" anchor="ctr"/>
+          <a:lstStyle/>
+          <a:p>
+            <a:pPr algn="ctr"/>
+            <a:endParaRPr lang="en-SG"/>
+          </a:p>
+        </p:txBody>
+      </p:sp>
       <p:pic>
         <p:nvPicPr>
-          <p:cNvPr id="5" name="Picture 4" descr="A screenshot of a computer&#10;&#10;Description automatically generated">
-            <a:extLst>
-              <a:ext uri="{FF2B5EF4-FFF2-40B4-BE49-F238E27FC236}">
-                <a16:creationId xmlns:a16="http://schemas.microsoft.com/office/drawing/2014/main" id="{BB017847-D560-748F-25C5-3E94E1049500}"/>
+          <p:cNvPr id="6" name="Picture 5">
+            <a:extLst>
+              <a:ext uri="{FF2B5EF4-FFF2-40B4-BE49-F238E27FC236}">
+                <a16:creationId xmlns:a16="http://schemas.microsoft.com/office/drawing/2014/main" id="{1DA25188-39D5-AB9C-C956-AB6425A37745}"/>
               </a:ext>
             </a:extLst>
           </p:cNvPr>
@@ -4747,7 +4958,2712 @@
           <p:nvPr/>
         </p:nvPicPr>
         <p:blipFill>
-          <a:blip r:embed="rId2">
+          <a:blip r:embed="rId2"/>
+          <a:stretch>
+            <a:fillRect/>
+          </a:stretch>
+        </p:blipFill>
+        <p:spPr>
+          <a:xfrm>
+            <a:off x="2291633" y="2619470"/>
+            <a:ext cx="261165" cy="276835"/>
+          </a:xfrm>
+          <a:prstGeom prst="rect">
+            <a:avLst/>
+          </a:prstGeom>
+        </p:spPr>
+      </p:pic>
+      <p:pic>
+        <p:nvPicPr>
+          <p:cNvPr id="7" name="Picture 6">
+            <a:extLst>
+              <a:ext uri="{FF2B5EF4-FFF2-40B4-BE49-F238E27FC236}">
+                <a16:creationId xmlns:a16="http://schemas.microsoft.com/office/drawing/2014/main" id="{197E98A7-FB19-A178-8AE5-3973524022B1}"/>
+              </a:ext>
+            </a:extLst>
+          </p:cNvPr>
+          <p:cNvPicPr>
+            <a:picLocks noChangeAspect="1"/>
+          </p:cNvPicPr>
+          <p:nvPr/>
+        </p:nvPicPr>
+        <p:blipFill>
+          <a:blip r:embed="rId2"/>
+          <a:stretch>
+            <a:fillRect/>
+          </a:stretch>
+        </p:blipFill>
+        <p:spPr>
+          <a:xfrm>
+            <a:off x="2627540" y="2619470"/>
+            <a:ext cx="261165" cy="276835"/>
+          </a:xfrm>
+          <a:prstGeom prst="rect">
+            <a:avLst/>
+          </a:prstGeom>
+        </p:spPr>
+      </p:pic>
+      <p:pic>
+        <p:nvPicPr>
+          <p:cNvPr id="8" name="Picture 7">
+            <a:extLst>
+              <a:ext uri="{FF2B5EF4-FFF2-40B4-BE49-F238E27FC236}">
+                <a16:creationId xmlns:a16="http://schemas.microsoft.com/office/drawing/2014/main" id="{FE4E10A0-AEE1-CA69-AF29-3F1CEB5AF14E}"/>
+              </a:ext>
+            </a:extLst>
+          </p:cNvPr>
+          <p:cNvPicPr>
+            <a:picLocks noChangeAspect="1"/>
+          </p:cNvPicPr>
+          <p:nvPr/>
+        </p:nvPicPr>
+        <p:blipFill>
+          <a:blip r:embed="rId2"/>
+          <a:stretch>
+            <a:fillRect/>
+          </a:stretch>
+        </p:blipFill>
+        <p:spPr>
+          <a:xfrm>
+            <a:off x="2986741" y="2619470"/>
+            <a:ext cx="261165" cy="276835"/>
+          </a:xfrm>
+          <a:prstGeom prst="rect">
+            <a:avLst/>
+          </a:prstGeom>
+        </p:spPr>
+      </p:pic>
+      <p:sp>
+        <p:nvSpPr>
+          <p:cNvPr id="9" name="TextBox 8">
+            <a:extLst>
+              <a:ext uri="{FF2B5EF4-FFF2-40B4-BE49-F238E27FC236}">
+                <a16:creationId xmlns:a16="http://schemas.microsoft.com/office/drawing/2014/main" id="{D00B3B4F-06B8-90F9-4153-D2B91596C555}"/>
+              </a:ext>
+            </a:extLst>
+          </p:cNvPr>
+          <p:cNvSpPr txBox="1"/>
+          <p:nvPr/>
+        </p:nvSpPr>
+        <p:spPr>
+          <a:xfrm>
+            <a:off x="2146391" y="2331315"/>
+            <a:ext cx="1260772" cy="261610"/>
+          </a:xfrm>
+          <a:prstGeom prst="rect">
+            <a:avLst/>
+          </a:prstGeom>
+          <a:noFill/>
+        </p:spPr>
+        <p:txBody>
+          <a:bodyPr wrap="square" rtlCol="0">
+            <a:spAutoFit/>
+          </a:bodyPr>
+          <a:lstStyle/>
+          <a:p>
+            <a:r>
+              <a:rPr lang="en-US" sz="1050" b="1" dirty="0"/>
+              <a:t>Local log storage </a:t>
+            </a:r>
+            <a:endParaRPr lang="en-SG" sz="1050" b="1" dirty="0"/>
+          </a:p>
+        </p:txBody>
+      </p:sp>
+      <p:cxnSp>
+        <p:nvCxnSpPr>
+          <p:cNvPr id="11" name="Connector: Elbow 10">
+            <a:extLst>
+              <a:ext uri="{FF2B5EF4-FFF2-40B4-BE49-F238E27FC236}">
+                <a16:creationId xmlns:a16="http://schemas.microsoft.com/office/drawing/2014/main" id="{22E5D778-3240-E25B-D41E-524984A90173}"/>
+              </a:ext>
+            </a:extLst>
+          </p:cNvPr>
+          <p:cNvCxnSpPr>
+            <a:cxnSpLocks/>
+            <a:stCxn id="4" idx="2"/>
+            <a:endCxn id="6" idx="1"/>
+          </p:cNvCxnSpPr>
+          <p:nvPr/>
+        </p:nvCxnSpPr>
+        <p:spPr>
+          <a:xfrm rot="5400000">
+            <a:off x="2011654" y="2046537"/>
+            <a:ext cx="991331" cy="431371"/>
+          </a:xfrm>
+          <a:prstGeom prst="bentConnector4">
+            <a:avLst>
+              <a:gd name="adj1" fmla="val 43019"/>
+              <a:gd name="adj2" fmla="val 152994"/>
+            </a:avLst>
+          </a:prstGeom>
+          <a:ln>
+            <a:prstDash val="sysDash"/>
+            <a:tailEnd type="triangle"/>
+          </a:ln>
+        </p:spPr>
+        <p:style>
+          <a:lnRef idx="2">
+            <a:schemeClr val="accent1"/>
+          </a:lnRef>
+          <a:fillRef idx="0">
+            <a:schemeClr val="accent1"/>
+          </a:fillRef>
+          <a:effectRef idx="1">
+            <a:schemeClr val="accent1"/>
+          </a:effectRef>
+          <a:fontRef idx="minor">
+            <a:schemeClr val="tx1"/>
+          </a:fontRef>
+        </p:style>
+      </p:cxnSp>
+      <p:sp>
+        <p:nvSpPr>
+          <p:cNvPr id="13" name="TextBox 12">
+            <a:extLst>
+              <a:ext uri="{FF2B5EF4-FFF2-40B4-BE49-F238E27FC236}">
+                <a16:creationId xmlns:a16="http://schemas.microsoft.com/office/drawing/2014/main" id="{6C632DF0-708C-63FD-4A42-261E68062EB5}"/>
+              </a:ext>
+            </a:extLst>
+          </p:cNvPr>
+          <p:cNvSpPr txBox="1"/>
+          <p:nvPr/>
+        </p:nvSpPr>
+        <p:spPr>
+          <a:xfrm>
+            <a:off x="1923950" y="1819768"/>
+            <a:ext cx="928254" cy="415498"/>
+          </a:xfrm>
+          <a:prstGeom prst="rect">
+            <a:avLst/>
+          </a:prstGeom>
+          <a:noFill/>
+        </p:spPr>
+        <p:txBody>
+          <a:bodyPr wrap="square" rtlCol="0">
+            <a:spAutoFit/>
+          </a:bodyPr>
+          <a:lstStyle/>
+          <a:p>
+            <a:r>
+              <a:rPr lang="en-US" sz="1050" dirty="0"/>
+              <a:t>Create log files</a:t>
+            </a:r>
+            <a:endParaRPr lang="en-SG" sz="1050" dirty="0"/>
+          </a:p>
+        </p:txBody>
+      </p:sp>
+      <p:sp>
+        <p:nvSpPr>
+          <p:cNvPr id="14" name="Rectangle 13">
+            <a:extLst>
+              <a:ext uri="{FF2B5EF4-FFF2-40B4-BE49-F238E27FC236}">
+                <a16:creationId xmlns:a16="http://schemas.microsoft.com/office/drawing/2014/main" id="{62560CF6-5A8E-9887-6077-F154D0313745}"/>
+              </a:ext>
+            </a:extLst>
+          </p:cNvPr>
+          <p:cNvSpPr/>
+          <p:nvPr/>
+        </p:nvSpPr>
+        <p:spPr>
+          <a:xfrm>
+            <a:off x="3761753" y="1214053"/>
+            <a:ext cx="1614919" cy="276834"/>
+          </a:xfrm>
+          <a:prstGeom prst="rect">
+            <a:avLst/>
+          </a:prstGeom>
+          <a:solidFill>
+            <a:schemeClr val="accent2">
+              <a:lumMod val="75000"/>
+            </a:schemeClr>
+          </a:solidFill>
+        </p:spPr>
+        <p:style>
+          <a:lnRef idx="2">
+            <a:schemeClr val="accent1">
+              <a:shade val="50000"/>
+            </a:schemeClr>
+          </a:lnRef>
+          <a:fillRef idx="1">
+            <a:schemeClr val="accent1"/>
+          </a:fillRef>
+          <a:effectRef idx="0">
+            <a:schemeClr val="accent1"/>
+          </a:effectRef>
+          <a:fontRef idx="minor">
+            <a:schemeClr val="lt1"/>
+          </a:fontRef>
+        </p:style>
+        <p:txBody>
+          <a:bodyPr rtlCol="0" anchor="ctr"/>
+          <a:lstStyle/>
+          <a:p>
+            <a:pPr algn="ctr"/>
+            <a:r>
+              <a:rPr lang="en-US" sz="1200" dirty="0"/>
+              <a:t>Log Archive Agent Init </a:t>
+            </a:r>
+            <a:endParaRPr lang="en-SG" sz="1200" dirty="0"/>
+          </a:p>
+        </p:txBody>
+      </p:sp>
+      <p:pic>
+        <p:nvPicPr>
+          <p:cNvPr id="16" name="Picture 15">
+            <a:extLst>
+              <a:ext uri="{FF2B5EF4-FFF2-40B4-BE49-F238E27FC236}">
+                <a16:creationId xmlns:a16="http://schemas.microsoft.com/office/drawing/2014/main" id="{9ABF01B6-5F7F-F0FC-0810-7C7C627A0DA4}"/>
+              </a:ext>
+            </a:extLst>
+          </p:cNvPr>
+          <p:cNvPicPr>
+            <a:picLocks noChangeAspect="1"/>
+          </p:cNvPicPr>
+          <p:nvPr/>
+        </p:nvPicPr>
+        <p:blipFill>
+          <a:blip r:embed="rId3"/>
+          <a:stretch>
+            <a:fillRect/>
+          </a:stretch>
+        </p:blipFill>
+        <p:spPr>
+          <a:xfrm>
+            <a:off x="5680648" y="1092875"/>
+            <a:ext cx="391132" cy="488914"/>
+          </a:xfrm>
+          <a:prstGeom prst="rect">
+            <a:avLst/>
+          </a:prstGeom>
+        </p:spPr>
+      </p:pic>
+      <p:cxnSp>
+        <p:nvCxnSpPr>
+          <p:cNvPr id="18" name="Straight Arrow Connector 17">
+            <a:extLst>
+              <a:ext uri="{FF2B5EF4-FFF2-40B4-BE49-F238E27FC236}">
+                <a16:creationId xmlns:a16="http://schemas.microsoft.com/office/drawing/2014/main" id="{F94E17D0-8445-9BF2-4BE2-18DFC68052C3}"/>
+              </a:ext>
+            </a:extLst>
+          </p:cNvPr>
+          <p:cNvCxnSpPr>
+            <a:cxnSpLocks/>
+            <a:stCxn id="16" idx="1"/>
+          </p:cNvCxnSpPr>
+          <p:nvPr/>
+        </p:nvCxnSpPr>
+        <p:spPr>
+          <a:xfrm flipH="1">
+            <a:off x="5376672" y="1337332"/>
+            <a:ext cx="303976" cy="0"/>
+          </a:xfrm>
+          <a:prstGeom prst="straightConnector1">
+            <a:avLst/>
+          </a:prstGeom>
+          <a:ln>
+            <a:prstDash val="sysDash"/>
+            <a:tailEnd type="triangle"/>
+          </a:ln>
+        </p:spPr>
+        <p:style>
+          <a:lnRef idx="2">
+            <a:schemeClr val="accent1"/>
+          </a:lnRef>
+          <a:fillRef idx="0">
+            <a:schemeClr val="accent1"/>
+          </a:fillRef>
+          <a:effectRef idx="1">
+            <a:schemeClr val="accent1"/>
+          </a:effectRef>
+          <a:fontRef idx="minor">
+            <a:schemeClr val="tx1"/>
+          </a:fontRef>
+        </p:style>
+      </p:cxnSp>
+      <p:sp>
+        <p:nvSpPr>
+          <p:cNvPr id="19" name="TextBox 18">
+            <a:extLst>
+              <a:ext uri="{FF2B5EF4-FFF2-40B4-BE49-F238E27FC236}">
+                <a16:creationId xmlns:a16="http://schemas.microsoft.com/office/drawing/2014/main" id="{70BCD31F-3A65-DFE0-52C3-0BDE59819CF1}"/>
+              </a:ext>
+            </a:extLst>
+          </p:cNvPr>
+          <p:cNvSpPr txBox="1"/>
+          <p:nvPr/>
+        </p:nvSpPr>
+        <p:spPr>
+          <a:xfrm>
+            <a:off x="6070599" y="1102672"/>
+            <a:ext cx="813841" cy="415498"/>
+          </a:xfrm>
+          <a:prstGeom prst="rect">
+            <a:avLst/>
+          </a:prstGeom>
+          <a:noFill/>
+        </p:spPr>
+        <p:txBody>
+          <a:bodyPr wrap="square" rtlCol="0">
+            <a:spAutoFit/>
+          </a:bodyPr>
+          <a:lstStyle/>
+          <a:p>
+            <a:r>
+              <a:rPr lang="en-US" sz="1050" dirty="0"/>
+              <a:t>Agent config  file</a:t>
+            </a:r>
+            <a:endParaRPr lang="en-SG" sz="1050" dirty="0"/>
+          </a:p>
+        </p:txBody>
+      </p:sp>
+      <p:sp>
+        <p:nvSpPr>
+          <p:cNvPr id="20" name="Rectangle 19">
+            <a:extLst>
+              <a:ext uri="{FF2B5EF4-FFF2-40B4-BE49-F238E27FC236}">
+                <a16:creationId xmlns:a16="http://schemas.microsoft.com/office/drawing/2014/main" id="{B7213DE0-86D4-AD5C-94BE-501C084D4EAA}"/>
+              </a:ext>
+            </a:extLst>
+          </p:cNvPr>
+          <p:cNvSpPr/>
+          <p:nvPr/>
+        </p:nvSpPr>
+        <p:spPr>
+          <a:xfrm>
+            <a:off x="3761752" y="1876002"/>
+            <a:ext cx="1614919" cy="276834"/>
+          </a:xfrm>
+          <a:prstGeom prst="rect">
+            <a:avLst/>
+          </a:prstGeom>
+          <a:solidFill>
+            <a:schemeClr val="accent2">
+              <a:lumMod val="75000"/>
+            </a:schemeClr>
+          </a:solidFill>
+        </p:spPr>
+        <p:style>
+          <a:lnRef idx="2">
+            <a:schemeClr val="accent1">
+              <a:shade val="50000"/>
+            </a:schemeClr>
+          </a:lnRef>
+          <a:fillRef idx="1">
+            <a:schemeClr val="accent1"/>
+          </a:fillRef>
+          <a:effectRef idx="0">
+            <a:schemeClr val="accent1"/>
+          </a:effectRef>
+          <a:fontRef idx="minor">
+            <a:schemeClr val="lt1"/>
+          </a:fontRef>
+        </p:style>
+        <p:txBody>
+          <a:bodyPr rtlCol="0" anchor="ctr"/>
+          <a:lstStyle/>
+          <a:p>
+            <a:pPr algn="ctr"/>
+            <a:r>
+              <a:rPr lang="en-US" sz="1200" dirty="0"/>
+              <a:t>Record manager </a:t>
+            </a:r>
+            <a:endParaRPr lang="en-SG" sz="1200" dirty="0"/>
+          </a:p>
+        </p:txBody>
+      </p:sp>
+      <p:cxnSp>
+        <p:nvCxnSpPr>
+          <p:cNvPr id="22" name="Straight Arrow Connector 21">
+            <a:extLst>
+              <a:ext uri="{FF2B5EF4-FFF2-40B4-BE49-F238E27FC236}">
+                <a16:creationId xmlns:a16="http://schemas.microsoft.com/office/drawing/2014/main" id="{4D1BA325-B458-8E68-D9F2-5227D907CC92}"/>
+              </a:ext>
+            </a:extLst>
+          </p:cNvPr>
+          <p:cNvCxnSpPr>
+            <a:stCxn id="14" idx="2"/>
+            <a:endCxn id="20" idx="0"/>
+          </p:cNvCxnSpPr>
+          <p:nvPr/>
+        </p:nvCxnSpPr>
+        <p:spPr>
+          <a:xfrm flipH="1">
+            <a:off x="4569212" y="1490887"/>
+            <a:ext cx="1" cy="385115"/>
+          </a:xfrm>
+          <a:prstGeom prst="straightConnector1">
+            <a:avLst/>
+          </a:prstGeom>
+          <a:ln>
+            <a:tailEnd type="triangle"/>
+          </a:ln>
+        </p:spPr>
+        <p:style>
+          <a:lnRef idx="2">
+            <a:schemeClr val="dk1"/>
+          </a:lnRef>
+          <a:fillRef idx="0">
+            <a:schemeClr val="dk1"/>
+          </a:fillRef>
+          <a:effectRef idx="1">
+            <a:schemeClr val="dk1"/>
+          </a:effectRef>
+          <a:fontRef idx="minor">
+            <a:schemeClr val="tx1"/>
+          </a:fontRef>
+        </p:style>
+      </p:cxnSp>
+      <p:sp>
+        <p:nvSpPr>
+          <p:cNvPr id="23" name="TextBox 22">
+            <a:extLst>
+              <a:ext uri="{FF2B5EF4-FFF2-40B4-BE49-F238E27FC236}">
+                <a16:creationId xmlns:a16="http://schemas.microsoft.com/office/drawing/2014/main" id="{A1B5F95B-A149-1892-2605-E67E22F28CA3}"/>
+              </a:ext>
+            </a:extLst>
+          </p:cNvPr>
+          <p:cNvSpPr txBox="1"/>
+          <p:nvPr/>
+        </p:nvSpPr>
+        <p:spPr>
+          <a:xfrm>
+            <a:off x="4541040" y="1587167"/>
+            <a:ext cx="928254" cy="253916"/>
+          </a:xfrm>
+          <a:prstGeom prst="rect">
+            <a:avLst/>
+          </a:prstGeom>
+          <a:noFill/>
+        </p:spPr>
+        <p:txBody>
+          <a:bodyPr wrap="square" rtlCol="0">
+            <a:spAutoFit/>
+          </a:bodyPr>
+          <a:lstStyle/>
+          <a:p>
+            <a:r>
+              <a:rPr lang="en-US" sz="1050" b="1" dirty="0">
+                <a:solidFill>
+                  <a:schemeClr val="accent2">
+                    <a:lumMod val="75000"/>
+                  </a:schemeClr>
+                </a:solidFill>
+              </a:rPr>
+              <a:t>Main thread </a:t>
+            </a:r>
+            <a:endParaRPr lang="en-SG" sz="1050" b="1" dirty="0">
+              <a:solidFill>
+                <a:schemeClr val="accent2">
+                  <a:lumMod val="75000"/>
+                </a:schemeClr>
+              </a:solidFill>
+            </a:endParaRPr>
+          </a:p>
+        </p:txBody>
+      </p:sp>
+      <p:pic>
+        <p:nvPicPr>
+          <p:cNvPr id="24" name="Picture 23">
+            <a:extLst>
+              <a:ext uri="{FF2B5EF4-FFF2-40B4-BE49-F238E27FC236}">
+                <a16:creationId xmlns:a16="http://schemas.microsoft.com/office/drawing/2014/main" id="{95BC0253-1333-F998-53CB-116684E1A0E7}"/>
+              </a:ext>
+            </a:extLst>
+          </p:cNvPr>
+          <p:cNvPicPr>
+            <a:picLocks noChangeAspect="1"/>
+          </p:cNvPicPr>
+          <p:nvPr/>
+        </p:nvPicPr>
+        <p:blipFill>
+          <a:blip r:embed="rId4"/>
+          <a:stretch>
+            <a:fillRect/>
+          </a:stretch>
+        </p:blipFill>
+        <p:spPr>
+          <a:xfrm>
+            <a:off x="5672269" y="1716187"/>
+            <a:ext cx="391133" cy="469360"/>
+          </a:xfrm>
+          <a:prstGeom prst="rect">
+            <a:avLst/>
+          </a:prstGeom>
+        </p:spPr>
+      </p:pic>
+      <p:sp>
+        <p:nvSpPr>
+          <p:cNvPr id="25" name="TextBox 24">
+            <a:extLst>
+              <a:ext uri="{FF2B5EF4-FFF2-40B4-BE49-F238E27FC236}">
+                <a16:creationId xmlns:a16="http://schemas.microsoft.com/office/drawing/2014/main" id="{70FCC12F-FBCB-A1AF-B123-E283DC6CC99A}"/>
+              </a:ext>
+            </a:extLst>
+          </p:cNvPr>
+          <p:cNvSpPr txBox="1"/>
+          <p:nvPr/>
+        </p:nvSpPr>
+        <p:spPr>
+          <a:xfrm>
+            <a:off x="5989914" y="1685640"/>
+            <a:ext cx="738172" cy="577081"/>
+          </a:xfrm>
+          <a:prstGeom prst="rect">
+            <a:avLst/>
+          </a:prstGeom>
+          <a:noFill/>
+        </p:spPr>
+        <p:txBody>
+          <a:bodyPr wrap="square" rtlCol="0">
+            <a:spAutoFit/>
+          </a:bodyPr>
+          <a:lstStyle/>
+          <a:p>
+            <a:r>
+              <a:rPr lang="en-US" sz="1050" dirty="0"/>
+              <a:t>Log file uploaded record </a:t>
+            </a:r>
+            <a:endParaRPr lang="en-SG" sz="1050" dirty="0"/>
+          </a:p>
+        </p:txBody>
+      </p:sp>
+      <p:cxnSp>
+        <p:nvCxnSpPr>
+          <p:cNvPr id="29" name="Straight Arrow Connector 28">
+            <a:extLst>
+              <a:ext uri="{FF2B5EF4-FFF2-40B4-BE49-F238E27FC236}">
+                <a16:creationId xmlns:a16="http://schemas.microsoft.com/office/drawing/2014/main" id="{2492E826-3D95-021C-EEEC-FD254A42EAC4}"/>
+              </a:ext>
+            </a:extLst>
+          </p:cNvPr>
+          <p:cNvCxnSpPr>
+            <a:cxnSpLocks/>
+          </p:cNvCxnSpPr>
+          <p:nvPr/>
+        </p:nvCxnSpPr>
+        <p:spPr>
+          <a:xfrm flipH="1">
+            <a:off x="5376671" y="1999213"/>
+            <a:ext cx="303976" cy="0"/>
+          </a:xfrm>
+          <a:prstGeom prst="straightConnector1">
+            <a:avLst/>
+          </a:prstGeom>
+          <a:ln>
+            <a:prstDash val="sysDash"/>
+            <a:tailEnd type="triangle"/>
+          </a:ln>
+        </p:spPr>
+        <p:style>
+          <a:lnRef idx="2">
+            <a:schemeClr val="accent1"/>
+          </a:lnRef>
+          <a:fillRef idx="0">
+            <a:schemeClr val="accent1"/>
+          </a:fillRef>
+          <a:effectRef idx="1">
+            <a:schemeClr val="accent1"/>
+          </a:effectRef>
+          <a:fontRef idx="minor">
+            <a:schemeClr val="tx1"/>
+          </a:fontRef>
+        </p:style>
+      </p:cxnSp>
+      <p:sp>
+        <p:nvSpPr>
+          <p:cNvPr id="30" name="Rectangle 29">
+            <a:extLst>
+              <a:ext uri="{FF2B5EF4-FFF2-40B4-BE49-F238E27FC236}">
+                <a16:creationId xmlns:a16="http://schemas.microsoft.com/office/drawing/2014/main" id="{51D73CC6-7F4F-5922-9FA4-4B322CF3394C}"/>
+              </a:ext>
+            </a:extLst>
+          </p:cNvPr>
+          <p:cNvSpPr/>
+          <p:nvPr/>
+        </p:nvSpPr>
+        <p:spPr>
+          <a:xfrm>
+            <a:off x="3761752" y="2538442"/>
+            <a:ext cx="1317949" cy="357863"/>
+          </a:xfrm>
+          <a:prstGeom prst="rect">
+            <a:avLst/>
+          </a:prstGeom>
+          <a:solidFill>
+            <a:schemeClr val="accent2">
+              <a:lumMod val="75000"/>
+            </a:schemeClr>
+          </a:solidFill>
+        </p:spPr>
+        <p:style>
+          <a:lnRef idx="2">
+            <a:schemeClr val="accent1">
+              <a:shade val="50000"/>
+            </a:schemeClr>
+          </a:lnRef>
+          <a:fillRef idx="1">
+            <a:schemeClr val="accent1"/>
+          </a:fillRef>
+          <a:effectRef idx="0">
+            <a:schemeClr val="accent1"/>
+          </a:effectRef>
+          <a:fontRef idx="minor">
+            <a:schemeClr val="lt1"/>
+          </a:fontRef>
+        </p:style>
+        <p:txBody>
+          <a:bodyPr rtlCol="0" anchor="ctr"/>
+          <a:lstStyle/>
+          <a:p>
+            <a:pPr algn="ctr"/>
+            <a:r>
+              <a:rPr lang="en-US" sz="1200" dirty="0"/>
+              <a:t>Log directory tree generator </a:t>
+            </a:r>
+            <a:endParaRPr lang="en-SG" sz="1200" dirty="0"/>
+          </a:p>
+        </p:txBody>
+      </p:sp>
+      <p:cxnSp>
+        <p:nvCxnSpPr>
+          <p:cNvPr id="31" name="Straight Arrow Connector 30">
+            <a:extLst>
+              <a:ext uri="{FF2B5EF4-FFF2-40B4-BE49-F238E27FC236}">
+                <a16:creationId xmlns:a16="http://schemas.microsoft.com/office/drawing/2014/main" id="{CCC4D898-E624-6F4E-F398-6F1C03C84DF2}"/>
+              </a:ext>
+            </a:extLst>
+          </p:cNvPr>
+          <p:cNvCxnSpPr/>
+          <p:nvPr/>
+        </p:nvCxnSpPr>
+        <p:spPr>
+          <a:xfrm flipH="1">
+            <a:off x="4571250" y="2146831"/>
+            <a:ext cx="1" cy="385115"/>
+          </a:xfrm>
+          <a:prstGeom prst="straightConnector1">
+            <a:avLst/>
+          </a:prstGeom>
+          <a:ln>
+            <a:tailEnd type="triangle"/>
+          </a:ln>
+        </p:spPr>
+        <p:style>
+          <a:lnRef idx="2">
+            <a:schemeClr val="dk1"/>
+          </a:lnRef>
+          <a:fillRef idx="0">
+            <a:schemeClr val="dk1"/>
+          </a:fillRef>
+          <a:effectRef idx="1">
+            <a:schemeClr val="dk1"/>
+          </a:effectRef>
+          <a:fontRef idx="minor">
+            <a:schemeClr val="tx1"/>
+          </a:fontRef>
+        </p:style>
+      </p:cxnSp>
+      <p:cxnSp>
+        <p:nvCxnSpPr>
+          <p:cNvPr id="32" name="Straight Arrow Connector 31">
+            <a:extLst>
+              <a:ext uri="{FF2B5EF4-FFF2-40B4-BE49-F238E27FC236}">
+                <a16:creationId xmlns:a16="http://schemas.microsoft.com/office/drawing/2014/main" id="{AB29D6D9-05C6-3D31-DFEA-31D271D25E73}"/>
+              </a:ext>
+            </a:extLst>
+          </p:cNvPr>
+          <p:cNvCxnSpPr>
+            <a:cxnSpLocks/>
+            <a:stCxn id="30" idx="1"/>
+          </p:cNvCxnSpPr>
+          <p:nvPr/>
+        </p:nvCxnSpPr>
+        <p:spPr>
+          <a:xfrm flipH="1" flipV="1">
+            <a:off x="3320999" y="2717373"/>
+            <a:ext cx="440753" cy="1"/>
+          </a:xfrm>
+          <a:prstGeom prst="straightConnector1">
+            <a:avLst/>
+          </a:prstGeom>
+          <a:ln>
+            <a:tailEnd type="triangle"/>
+          </a:ln>
+        </p:spPr>
+        <p:style>
+          <a:lnRef idx="2">
+            <a:schemeClr val="dk1"/>
+          </a:lnRef>
+          <a:fillRef idx="0">
+            <a:schemeClr val="dk1"/>
+          </a:fillRef>
+          <a:effectRef idx="1">
+            <a:schemeClr val="dk1"/>
+          </a:effectRef>
+          <a:fontRef idx="minor">
+            <a:schemeClr val="tx1"/>
+          </a:fontRef>
+        </p:style>
+      </p:cxnSp>
+      <p:sp>
+        <p:nvSpPr>
+          <p:cNvPr id="35" name="Rectangle 34">
+            <a:extLst>
+              <a:ext uri="{FF2B5EF4-FFF2-40B4-BE49-F238E27FC236}">
+                <a16:creationId xmlns:a16="http://schemas.microsoft.com/office/drawing/2014/main" id="{BFE26ECC-5C79-100C-9923-98C6F5E0D7F5}"/>
+              </a:ext>
+            </a:extLst>
+          </p:cNvPr>
+          <p:cNvSpPr/>
+          <p:nvPr/>
+        </p:nvSpPr>
+        <p:spPr>
+          <a:xfrm>
+            <a:off x="3761751" y="3250068"/>
+            <a:ext cx="1317949" cy="357863"/>
+          </a:xfrm>
+          <a:prstGeom prst="rect">
+            <a:avLst/>
+          </a:prstGeom>
+          <a:solidFill>
+            <a:schemeClr val="accent2">
+              <a:lumMod val="75000"/>
+            </a:schemeClr>
+          </a:solidFill>
+        </p:spPr>
+        <p:style>
+          <a:lnRef idx="2">
+            <a:schemeClr val="accent1">
+              <a:shade val="50000"/>
+            </a:schemeClr>
+          </a:lnRef>
+          <a:fillRef idx="1">
+            <a:schemeClr val="accent1"/>
+          </a:fillRef>
+          <a:effectRef idx="0">
+            <a:schemeClr val="accent1"/>
+          </a:effectRef>
+          <a:fontRef idx="minor">
+            <a:schemeClr val="lt1"/>
+          </a:fontRef>
+        </p:style>
+        <p:txBody>
+          <a:bodyPr rtlCol="0" anchor="ctr"/>
+          <a:lstStyle/>
+          <a:p>
+            <a:pPr algn="ctr"/>
+            <a:r>
+              <a:rPr lang="en-US" sz="1200" dirty="0"/>
+              <a:t>New log upload queue manager </a:t>
+            </a:r>
+            <a:endParaRPr lang="en-SG" sz="1200" dirty="0"/>
+          </a:p>
+        </p:txBody>
+      </p:sp>
+      <p:cxnSp>
+        <p:nvCxnSpPr>
+          <p:cNvPr id="36" name="Connector: Elbow 35">
+            <a:extLst>
+              <a:ext uri="{FF2B5EF4-FFF2-40B4-BE49-F238E27FC236}">
+                <a16:creationId xmlns:a16="http://schemas.microsoft.com/office/drawing/2014/main" id="{00EC06A7-8EBF-3F0D-D534-6B0A1E6FE489}"/>
+              </a:ext>
+            </a:extLst>
+          </p:cNvPr>
+          <p:cNvCxnSpPr>
+            <a:cxnSpLocks/>
+            <a:stCxn id="7" idx="2"/>
+            <a:endCxn id="35" idx="1"/>
+          </p:cNvCxnSpPr>
+          <p:nvPr/>
+        </p:nvCxnSpPr>
+        <p:spPr>
+          <a:xfrm rot="16200000" flipH="1">
+            <a:off x="2993590" y="2660838"/>
+            <a:ext cx="532695" cy="1003628"/>
+          </a:xfrm>
+          <a:prstGeom prst="bentConnector2">
+            <a:avLst/>
+          </a:prstGeom>
+          <a:ln>
+            <a:prstDash val="sysDash"/>
+            <a:tailEnd type="triangle"/>
+          </a:ln>
+        </p:spPr>
+        <p:style>
+          <a:lnRef idx="2">
+            <a:schemeClr val="accent1"/>
+          </a:lnRef>
+          <a:fillRef idx="0">
+            <a:schemeClr val="accent1"/>
+          </a:fillRef>
+          <a:effectRef idx="1">
+            <a:schemeClr val="accent1"/>
+          </a:effectRef>
+          <a:fontRef idx="minor">
+            <a:schemeClr val="tx1"/>
+          </a:fontRef>
+        </p:style>
+      </p:cxnSp>
+      <p:cxnSp>
+        <p:nvCxnSpPr>
+          <p:cNvPr id="39" name="Straight Arrow Connector 38">
+            <a:extLst>
+              <a:ext uri="{FF2B5EF4-FFF2-40B4-BE49-F238E27FC236}">
+                <a16:creationId xmlns:a16="http://schemas.microsoft.com/office/drawing/2014/main" id="{C246206C-2EB8-9240-56E6-18AFA09AF31E}"/>
+              </a:ext>
+            </a:extLst>
+          </p:cNvPr>
+          <p:cNvCxnSpPr>
+            <a:cxnSpLocks/>
+          </p:cNvCxnSpPr>
+          <p:nvPr/>
+        </p:nvCxnSpPr>
+        <p:spPr>
+          <a:xfrm>
+            <a:off x="4569212" y="2902801"/>
+            <a:ext cx="0" cy="347267"/>
+          </a:xfrm>
+          <a:prstGeom prst="straightConnector1">
+            <a:avLst/>
+          </a:prstGeom>
+          <a:ln>
+            <a:tailEnd type="triangle"/>
+          </a:ln>
+        </p:spPr>
+        <p:style>
+          <a:lnRef idx="2">
+            <a:schemeClr val="dk1"/>
+          </a:lnRef>
+          <a:fillRef idx="0">
+            <a:schemeClr val="dk1"/>
+          </a:fillRef>
+          <a:effectRef idx="1">
+            <a:schemeClr val="dk1"/>
+          </a:effectRef>
+          <a:fontRef idx="minor">
+            <a:schemeClr val="tx1"/>
+          </a:fontRef>
+        </p:style>
+      </p:cxnSp>
+      <p:sp>
+        <p:nvSpPr>
+          <p:cNvPr id="41" name="Rectangle 40">
+            <a:extLst>
+              <a:ext uri="{FF2B5EF4-FFF2-40B4-BE49-F238E27FC236}">
+                <a16:creationId xmlns:a16="http://schemas.microsoft.com/office/drawing/2014/main" id="{DF178ED5-4C6A-02E9-BC97-BF2DF07276AF}"/>
+              </a:ext>
+            </a:extLst>
+          </p:cNvPr>
+          <p:cNvSpPr/>
+          <p:nvPr/>
+        </p:nvSpPr>
+        <p:spPr>
+          <a:xfrm>
+            <a:off x="4284364" y="4042733"/>
+            <a:ext cx="1092307" cy="276834"/>
+          </a:xfrm>
+          <a:prstGeom prst="rect">
+            <a:avLst/>
+          </a:prstGeom>
+          <a:solidFill>
+            <a:schemeClr val="accent2">
+              <a:lumMod val="75000"/>
+            </a:schemeClr>
+          </a:solidFill>
+        </p:spPr>
+        <p:style>
+          <a:lnRef idx="2">
+            <a:schemeClr val="accent1">
+              <a:shade val="50000"/>
+            </a:schemeClr>
+          </a:lnRef>
+          <a:fillRef idx="1">
+            <a:schemeClr val="accent1"/>
+          </a:fillRef>
+          <a:effectRef idx="0">
+            <a:schemeClr val="accent1"/>
+          </a:effectRef>
+          <a:fontRef idx="minor">
+            <a:schemeClr val="lt1"/>
+          </a:fontRef>
+        </p:style>
+        <p:txBody>
+          <a:bodyPr rtlCol="0" anchor="ctr"/>
+          <a:lstStyle/>
+          <a:p>
+            <a:pPr algn="ctr"/>
+            <a:r>
+              <a:rPr lang="en-US" sz="1200" dirty="0"/>
+              <a:t>FTP Client</a:t>
+            </a:r>
+            <a:endParaRPr lang="en-SG" sz="1200" dirty="0"/>
+          </a:p>
+        </p:txBody>
+      </p:sp>
+      <p:cxnSp>
+        <p:nvCxnSpPr>
+          <p:cNvPr id="42" name="Straight Arrow Connector 41">
+            <a:extLst>
+              <a:ext uri="{FF2B5EF4-FFF2-40B4-BE49-F238E27FC236}">
+                <a16:creationId xmlns:a16="http://schemas.microsoft.com/office/drawing/2014/main" id="{BD992CBA-34C7-8132-4F9D-6BC4BE0E0986}"/>
+              </a:ext>
+            </a:extLst>
+          </p:cNvPr>
+          <p:cNvCxnSpPr>
+            <a:cxnSpLocks/>
+          </p:cNvCxnSpPr>
+          <p:nvPr/>
+        </p:nvCxnSpPr>
+        <p:spPr>
+          <a:xfrm>
+            <a:off x="5279396" y="2157681"/>
+            <a:ext cx="0" cy="1885052"/>
+          </a:xfrm>
+          <a:prstGeom prst="straightConnector1">
+            <a:avLst/>
+          </a:prstGeom>
+          <a:ln>
+            <a:tailEnd type="triangle"/>
+          </a:ln>
+        </p:spPr>
+        <p:style>
+          <a:lnRef idx="2">
+            <a:schemeClr val="dk1"/>
+          </a:lnRef>
+          <a:fillRef idx="0">
+            <a:schemeClr val="dk1"/>
+          </a:fillRef>
+          <a:effectRef idx="1">
+            <a:schemeClr val="dk1"/>
+          </a:effectRef>
+          <a:fontRef idx="minor">
+            <a:schemeClr val="tx1"/>
+          </a:fontRef>
+        </p:style>
+      </p:cxnSp>
+      <p:cxnSp>
+        <p:nvCxnSpPr>
+          <p:cNvPr id="44" name="Straight Arrow Connector 43">
+            <a:extLst>
+              <a:ext uri="{FF2B5EF4-FFF2-40B4-BE49-F238E27FC236}">
+                <a16:creationId xmlns:a16="http://schemas.microsoft.com/office/drawing/2014/main" id="{5ADFE0B6-1732-88F1-7159-5C61D01E925C}"/>
+              </a:ext>
+            </a:extLst>
+          </p:cNvPr>
+          <p:cNvCxnSpPr>
+            <a:cxnSpLocks/>
+          </p:cNvCxnSpPr>
+          <p:nvPr/>
+        </p:nvCxnSpPr>
+        <p:spPr>
+          <a:xfrm>
+            <a:off x="4672020" y="3607931"/>
+            <a:ext cx="0" cy="419287"/>
+          </a:xfrm>
+          <a:prstGeom prst="straightConnector1">
+            <a:avLst/>
+          </a:prstGeom>
+          <a:ln>
+            <a:prstDash val="sysDash"/>
+            <a:tailEnd type="triangle"/>
+          </a:ln>
+        </p:spPr>
+        <p:style>
+          <a:lnRef idx="2">
+            <a:schemeClr val="accent1"/>
+          </a:lnRef>
+          <a:fillRef idx="0">
+            <a:schemeClr val="accent1"/>
+          </a:fillRef>
+          <a:effectRef idx="1">
+            <a:schemeClr val="accent1"/>
+          </a:effectRef>
+          <a:fontRef idx="minor">
+            <a:schemeClr val="tx1"/>
+          </a:fontRef>
+        </p:style>
+      </p:cxnSp>
+      <p:pic>
+        <p:nvPicPr>
+          <p:cNvPr id="46" name="Picture 45">
+            <a:extLst>
+              <a:ext uri="{FF2B5EF4-FFF2-40B4-BE49-F238E27FC236}">
+                <a16:creationId xmlns:a16="http://schemas.microsoft.com/office/drawing/2014/main" id="{CB4E1298-B556-1BDC-5640-FEBCF558393F}"/>
+              </a:ext>
+            </a:extLst>
+          </p:cNvPr>
+          <p:cNvPicPr>
+            <a:picLocks noChangeAspect="1"/>
+          </p:cNvPicPr>
+          <p:nvPr/>
+        </p:nvPicPr>
+        <p:blipFill>
+          <a:blip r:embed="rId2"/>
+          <a:stretch>
+            <a:fillRect/>
+          </a:stretch>
+        </p:blipFill>
+        <p:spPr>
+          <a:xfrm>
+            <a:off x="4539003" y="3648533"/>
+            <a:ext cx="261165" cy="276835"/>
+          </a:xfrm>
+          <a:prstGeom prst="rect">
+            <a:avLst/>
+          </a:prstGeom>
+        </p:spPr>
+      </p:pic>
+      <p:sp>
+        <p:nvSpPr>
+          <p:cNvPr id="47" name="TextBox 46">
+            <a:extLst>
+              <a:ext uri="{FF2B5EF4-FFF2-40B4-BE49-F238E27FC236}">
+                <a16:creationId xmlns:a16="http://schemas.microsoft.com/office/drawing/2014/main" id="{BE63C44E-155B-9BA1-8771-2FEDE300E438}"/>
+              </a:ext>
+            </a:extLst>
+          </p:cNvPr>
+          <p:cNvSpPr txBox="1"/>
+          <p:nvPr/>
+        </p:nvSpPr>
+        <p:spPr>
+          <a:xfrm>
+            <a:off x="4912544" y="2937470"/>
+            <a:ext cx="928254" cy="253916"/>
+          </a:xfrm>
+          <a:prstGeom prst="rect">
+            <a:avLst/>
+          </a:prstGeom>
+          <a:noFill/>
+        </p:spPr>
+        <p:txBody>
+          <a:bodyPr wrap="square" rtlCol="0">
+            <a:spAutoFit/>
+          </a:bodyPr>
+          <a:lstStyle/>
+          <a:p>
+            <a:r>
+              <a:rPr lang="en-US" sz="1050" b="1" dirty="0">
+                <a:solidFill>
+                  <a:schemeClr val="accent2">
+                    <a:lumMod val="75000"/>
+                  </a:schemeClr>
+                </a:solidFill>
+              </a:rPr>
+              <a:t>Sub-thread </a:t>
+            </a:r>
+            <a:endParaRPr lang="en-SG" sz="1050" b="1" dirty="0">
+              <a:solidFill>
+                <a:schemeClr val="accent2">
+                  <a:lumMod val="75000"/>
+                </a:schemeClr>
+              </a:solidFill>
+            </a:endParaRPr>
+          </a:p>
+        </p:txBody>
+      </p:sp>
+      <p:sp>
+        <p:nvSpPr>
+          <p:cNvPr id="48" name="TextBox 47">
+            <a:extLst>
+              <a:ext uri="{FF2B5EF4-FFF2-40B4-BE49-F238E27FC236}">
+                <a16:creationId xmlns:a16="http://schemas.microsoft.com/office/drawing/2014/main" id="{82664086-C091-9FDE-117B-C903F07DE3CB}"/>
+              </a:ext>
+            </a:extLst>
+          </p:cNvPr>
+          <p:cNvSpPr txBox="1"/>
+          <p:nvPr/>
+        </p:nvSpPr>
+        <p:spPr>
+          <a:xfrm>
+            <a:off x="3297627" y="2866413"/>
+            <a:ext cx="928254" cy="415498"/>
+          </a:xfrm>
+          <a:prstGeom prst="rect">
+            <a:avLst/>
+          </a:prstGeom>
+          <a:noFill/>
+        </p:spPr>
+        <p:txBody>
+          <a:bodyPr wrap="square" rtlCol="0">
+            <a:spAutoFit/>
+          </a:bodyPr>
+          <a:lstStyle/>
+          <a:p>
+            <a:r>
+              <a:rPr lang="en-US" sz="1050" b="1" dirty="0">
+                <a:solidFill>
+                  <a:schemeClr val="accent2">
+                    <a:lumMod val="75000"/>
+                  </a:schemeClr>
+                </a:solidFill>
+              </a:rPr>
+              <a:t>New log check loop </a:t>
+            </a:r>
+            <a:endParaRPr lang="en-SG" sz="1050" b="1" dirty="0">
+              <a:solidFill>
+                <a:schemeClr val="accent2">
+                  <a:lumMod val="75000"/>
+                </a:schemeClr>
+              </a:solidFill>
+            </a:endParaRPr>
+          </a:p>
+        </p:txBody>
+      </p:sp>
+      <p:sp>
+        <p:nvSpPr>
+          <p:cNvPr id="49" name="Rectangle 48">
+            <a:extLst>
+              <a:ext uri="{FF2B5EF4-FFF2-40B4-BE49-F238E27FC236}">
+                <a16:creationId xmlns:a16="http://schemas.microsoft.com/office/drawing/2014/main" id="{AD703DAB-FC70-C486-045C-B9F88EAB410D}"/>
+              </a:ext>
+            </a:extLst>
+          </p:cNvPr>
+          <p:cNvSpPr/>
+          <p:nvPr/>
+        </p:nvSpPr>
+        <p:spPr>
+          <a:xfrm>
+            <a:off x="7877962" y="1188429"/>
+            <a:ext cx="1292611" cy="336935"/>
+          </a:xfrm>
+          <a:prstGeom prst="rect">
+            <a:avLst/>
+          </a:prstGeom>
+          <a:solidFill>
+            <a:schemeClr val="accent6">
+              <a:lumMod val="75000"/>
+            </a:schemeClr>
+          </a:solidFill>
+        </p:spPr>
+        <p:style>
+          <a:lnRef idx="2">
+            <a:schemeClr val="accent1">
+              <a:shade val="50000"/>
+            </a:schemeClr>
+          </a:lnRef>
+          <a:fillRef idx="1">
+            <a:schemeClr val="accent1"/>
+          </a:fillRef>
+          <a:effectRef idx="0">
+            <a:schemeClr val="accent1"/>
+          </a:effectRef>
+          <a:fontRef idx="minor">
+            <a:schemeClr val="lt1"/>
+          </a:fontRef>
+        </p:style>
+        <p:txBody>
+          <a:bodyPr rtlCol="0" anchor="ctr"/>
+          <a:lstStyle/>
+          <a:p>
+            <a:pPr algn="ctr"/>
+            <a:r>
+              <a:rPr lang="en-US" sz="1200" dirty="0"/>
+              <a:t>Log Archive Service Init </a:t>
+            </a:r>
+            <a:endParaRPr lang="en-SG" sz="1200" dirty="0"/>
+          </a:p>
+        </p:txBody>
+      </p:sp>
+      <p:cxnSp>
+        <p:nvCxnSpPr>
+          <p:cNvPr id="50" name="Straight Arrow Connector 49">
+            <a:extLst>
+              <a:ext uri="{FF2B5EF4-FFF2-40B4-BE49-F238E27FC236}">
+                <a16:creationId xmlns:a16="http://schemas.microsoft.com/office/drawing/2014/main" id="{4C03E642-0F87-45E5-DADA-A9E439332D23}"/>
+              </a:ext>
+            </a:extLst>
+          </p:cNvPr>
+          <p:cNvCxnSpPr/>
+          <p:nvPr/>
+        </p:nvCxnSpPr>
+        <p:spPr>
+          <a:xfrm flipH="1">
+            <a:off x="8524266" y="1514292"/>
+            <a:ext cx="1" cy="385115"/>
+          </a:xfrm>
+          <a:prstGeom prst="straightConnector1">
+            <a:avLst/>
+          </a:prstGeom>
+          <a:ln>
+            <a:tailEnd type="triangle"/>
+          </a:ln>
+        </p:spPr>
+        <p:style>
+          <a:lnRef idx="2">
+            <a:schemeClr val="dk1"/>
+          </a:lnRef>
+          <a:fillRef idx="0">
+            <a:schemeClr val="dk1"/>
+          </a:fillRef>
+          <a:effectRef idx="1">
+            <a:schemeClr val="dk1"/>
+          </a:effectRef>
+          <a:fontRef idx="minor">
+            <a:schemeClr val="tx1"/>
+          </a:fontRef>
+        </p:style>
+      </p:cxnSp>
+      <p:pic>
+        <p:nvPicPr>
+          <p:cNvPr id="51" name="Picture 50">
+            <a:extLst>
+              <a:ext uri="{FF2B5EF4-FFF2-40B4-BE49-F238E27FC236}">
+                <a16:creationId xmlns:a16="http://schemas.microsoft.com/office/drawing/2014/main" id="{7603F518-6FD8-17CD-53B1-DD5A2470106F}"/>
+              </a:ext>
+            </a:extLst>
+          </p:cNvPr>
+          <p:cNvPicPr>
+            <a:picLocks noChangeAspect="1"/>
+          </p:cNvPicPr>
+          <p:nvPr/>
+        </p:nvPicPr>
+        <p:blipFill>
+          <a:blip r:embed="rId3"/>
+          <a:stretch>
+            <a:fillRect/>
+          </a:stretch>
+        </p:blipFill>
+        <p:spPr>
+          <a:xfrm>
+            <a:off x="9481504" y="1102672"/>
+            <a:ext cx="391132" cy="488914"/>
+          </a:xfrm>
+          <a:prstGeom prst="rect">
+            <a:avLst/>
+          </a:prstGeom>
+        </p:spPr>
+      </p:pic>
+      <p:cxnSp>
+        <p:nvCxnSpPr>
+          <p:cNvPr id="52" name="Straight Arrow Connector 51">
+            <a:extLst>
+              <a:ext uri="{FF2B5EF4-FFF2-40B4-BE49-F238E27FC236}">
+                <a16:creationId xmlns:a16="http://schemas.microsoft.com/office/drawing/2014/main" id="{3FD550CB-D37B-FF2D-FB55-6F002C66346A}"/>
+              </a:ext>
+            </a:extLst>
+          </p:cNvPr>
+          <p:cNvCxnSpPr>
+            <a:cxnSpLocks/>
+            <a:stCxn id="51" idx="1"/>
+          </p:cNvCxnSpPr>
+          <p:nvPr/>
+        </p:nvCxnSpPr>
+        <p:spPr>
+          <a:xfrm flipH="1">
+            <a:off x="9177528" y="1347129"/>
+            <a:ext cx="303976" cy="0"/>
+          </a:xfrm>
+          <a:prstGeom prst="straightConnector1">
+            <a:avLst/>
+          </a:prstGeom>
+          <a:ln>
+            <a:prstDash val="sysDash"/>
+            <a:tailEnd type="triangle"/>
+          </a:ln>
+        </p:spPr>
+        <p:style>
+          <a:lnRef idx="2">
+            <a:schemeClr val="accent1"/>
+          </a:lnRef>
+          <a:fillRef idx="0">
+            <a:schemeClr val="accent1"/>
+          </a:fillRef>
+          <a:effectRef idx="1">
+            <a:schemeClr val="accent1"/>
+          </a:effectRef>
+          <a:fontRef idx="minor">
+            <a:schemeClr val="tx1"/>
+          </a:fontRef>
+        </p:style>
+      </p:cxnSp>
+      <p:sp>
+        <p:nvSpPr>
+          <p:cNvPr id="53" name="TextBox 52">
+            <a:extLst>
+              <a:ext uri="{FF2B5EF4-FFF2-40B4-BE49-F238E27FC236}">
+                <a16:creationId xmlns:a16="http://schemas.microsoft.com/office/drawing/2014/main" id="{8D75903C-9BC8-4322-9031-F3A1DD077D5E}"/>
+              </a:ext>
+            </a:extLst>
+          </p:cNvPr>
+          <p:cNvSpPr txBox="1"/>
+          <p:nvPr/>
+        </p:nvSpPr>
+        <p:spPr>
+          <a:xfrm>
+            <a:off x="9871455" y="1112469"/>
+            <a:ext cx="813841" cy="415498"/>
+          </a:xfrm>
+          <a:prstGeom prst="rect">
+            <a:avLst/>
+          </a:prstGeom>
+          <a:noFill/>
+        </p:spPr>
+        <p:txBody>
+          <a:bodyPr wrap="square" rtlCol="0">
+            <a:spAutoFit/>
+          </a:bodyPr>
+          <a:lstStyle/>
+          <a:p>
+            <a:r>
+              <a:rPr lang="en-US" sz="1050" dirty="0"/>
+              <a:t>Server config  file</a:t>
+            </a:r>
+            <a:endParaRPr lang="en-SG" sz="1050" dirty="0"/>
+          </a:p>
+        </p:txBody>
+      </p:sp>
+      <p:sp>
+        <p:nvSpPr>
+          <p:cNvPr id="54" name="Rectangle 53">
+            <a:extLst>
+              <a:ext uri="{FF2B5EF4-FFF2-40B4-BE49-F238E27FC236}">
+                <a16:creationId xmlns:a16="http://schemas.microsoft.com/office/drawing/2014/main" id="{202118A9-72D9-CCC0-655D-02982240C2E6}"/>
+              </a:ext>
+            </a:extLst>
+          </p:cNvPr>
+          <p:cNvSpPr/>
+          <p:nvPr/>
+        </p:nvSpPr>
+        <p:spPr>
+          <a:xfrm>
+            <a:off x="7892152" y="1888334"/>
+            <a:ext cx="1292611" cy="270829"/>
+          </a:xfrm>
+          <a:prstGeom prst="rect">
+            <a:avLst/>
+          </a:prstGeom>
+          <a:solidFill>
+            <a:schemeClr val="accent6">
+              <a:lumMod val="75000"/>
+            </a:schemeClr>
+          </a:solidFill>
+        </p:spPr>
+        <p:style>
+          <a:lnRef idx="2">
+            <a:schemeClr val="accent1">
+              <a:shade val="50000"/>
+            </a:schemeClr>
+          </a:lnRef>
+          <a:fillRef idx="1">
+            <a:schemeClr val="accent1"/>
+          </a:fillRef>
+          <a:effectRef idx="0">
+            <a:schemeClr val="accent1"/>
+          </a:effectRef>
+          <a:fontRef idx="minor">
+            <a:schemeClr val="lt1"/>
+          </a:fontRef>
+        </p:style>
+        <p:txBody>
+          <a:bodyPr rtlCol="0" anchor="ctr"/>
+          <a:lstStyle/>
+          <a:p>
+            <a:pPr algn="ctr"/>
+            <a:r>
+              <a:rPr lang="en-US" sz="1200" dirty="0"/>
+              <a:t>Agent manager </a:t>
+            </a:r>
+            <a:endParaRPr lang="en-SG" sz="1200" dirty="0"/>
+          </a:p>
+        </p:txBody>
+      </p:sp>
+      <p:sp>
+        <p:nvSpPr>
+          <p:cNvPr id="55" name="TextBox 54">
+            <a:extLst>
+              <a:ext uri="{FF2B5EF4-FFF2-40B4-BE49-F238E27FC236}">
+                <a16:creationId xmlns:a16="http://schemas.microsoft.com/office/drawing/2014/main" id="{D4C72711-9726-C359-30A3-FAD7FE352882}"/>
+              </a:ext>
+            </a:extLst>
+          </p:cNvPr>
+          <p:cNvSpPr txBox="1"/>
+          <p:nvPr/>
+        </p:nvSpPr>
+        <p:spPr>
+          <a:xfrm>
+            <a:off x="8524266" y="1622086"/>
+            <a:ext cx="928254" cy="253916"/>
+          </a:xfrm>
+          <a:prstGeom prst="rect">
+            <a:avLst/>
+          </a:prstGeom>
+          <a:noFill/>
+        </p:spPr>
+        <p:txBody>
+          <a:bodyPr wrap="square" rtlCol="0">
+            <a:spAutoFit/>
+          </a:bodyPr>
+          <a:lstStyle/>
+          <a:p>
+            <a:r>
+              <a:rPr lang="en-US" sz="1050" b="1" dirty="0">
+                <a:solidFill>
+                  <a:schemeClr val="accent6">
+                    <a:lumMod val="75000"/>
+                  </a:schemeClr>
+                </a:solidFill>
+              </a:rPr>
+              <a:t>Main thread </a:t>
+            </a:r>
+            <a:endParaRPr lang="en-SG" sz="1050" b="1" dirty="0">
+              <a:solidFill>
+                <a:schemeClr val="accent6">
+                  <a:lumMod val="75000"/>
+                </a:schemeClr>
+              </a:solidFill>
+            </a:endParaRPr>
+          </a:p>
+        </p:txBody>
+      </p:sp>
+      <p:cxnSp>
+        <p:nvCxnSpPr>
+          <p:cNvPr id="56" name="Straight Arrow Connector 55">
+            <a:extLst>
+              <a:ext uri="{FF2B5EF4-FFF2-40B4-BE49-F238E27FC236}">
+                <a16:creationId xmlns:a16="http://schemas.microsoft.com/office/drawing/2014/main" id="{E73567CA-D82B-6523-9B48-B12D02E3086E}"/>
+              </a:ext>
+            </a:extLst>
+          </p:cNvPr>
+          <p:cNvCxnSpPr>
+            <a:cxnSpLocks/>
+          </p:cNvCxnSpPr>
+          <p:nvPr/>
+        </p:nvCxnSpPr>
+        <p:spPr>
+          <a:xfrm flipH="1">
+            <a:off x="9184763" y="2023748"/>
+            <a:ext cx="303976" cy="0"/>
+          </a:xfrm>
+          <a:prstGeom prst="straightConnector1">
+            <a:avLst/>
+          </a:prstGeom>
+          <a:ln>
+            <a:prstDash val="sysDash"/>
+            <a:tailEnd type="triangle"/>
+          </a:ln>
+        </p:spPr>
+        <p:style>
+          <a:lnRef idx="2">
+            <a:schemeClr val="accent1"/>
+          </a:lnRef>
+          <a:fillRef idx="0">
+            <a:schemeClr val="accent1"/>
+          </a:fillRef>
+          <a:effectRef idx="1">
+            <a:schemeClr val="accent1"/>
+          </a:effectRef>
+          <a:fontRef idx="minor">
+            <a:schemeClr val="tx1"/>
+          </a:fontRef>
+        </p:style>
+      </p:cxnSp>
+      <p:pic>
+        <p:nvPicPr>
+          <p:cNvPr id="57" name="Picture 56">
+            <a:extLst>
+              <a:ext uri="{FF2B5EF4-FFF2-40B4-BE49-F238E27FC236}">
+                <a16:creationId xmlns:a16="http://schemas.microsoft.com/office/drawing/2014/main" id="{B8DFA6F9-A8DB-4D66-B1D2-E128427B5016}"/>
+              </a:ext>
+            </a:extLst>
+          </p:cNvPr>
+          <p:cNvPicPr>
+            <a:picLocks noChangeAspect="1"/>
+          </p:cNvPicPr>
+          <p:nvPr/>
+        </p:nvPicPr>
+        <p:blipFill>
+          <a:blip r:embed="rId3"/>
+          <a:stretch>
+            <a:fillRect/>
+          </a:stretch>
+        </p:blipFill>
+        <p:spPr>
+          <a:xfrm>
+            <a:off x="9488739" y="1746352"/>
+            <a:ext cx="391132" cy="488914"/>
+          </a:xfrm>
+          <a:prstGeom prst="rect">
+            <a:avLst/>
+          </a:prstGeom>
+        </p:spPr>
+      </p:pic>
+      <p:sp>
+        <p:nvSpPr>
+          <p:cNvPr id="58" name="TextBox 57">
+            <a:extLst>
+              <a:ext uri="{FF2B5EF4-FFF2-40B4-BE49-F238E27FC236}">
+                <a16:creationId xmlns:a16="http://schemas.microsoft.com/office/drawing/2014/main" id="{112DE8E2-D0C2-67D2-8ACC-6D157CE14A59}"/>
+              </a:ext>
+            </a:extLst>
+          </p:cNvPr>
+          <p:cNvSpPr txBox="1"/>
+          <p:nvPr/>
+        </p:nvSpPr>
+        <p:spPr>
+          <a:xfrm>
+            <a:off x="9863116" y="1827365"/>
+            <a:ext cx="813841" cy="415498"/>
+          </a:xfrm>
+          <a:prstGeom prst="rect">
+            <a:avLst/>
+          </a:prstGeom>
+          <a:noFill/>
+        </p:spPr>
+        <p:txBody>
+          <a:bodyPr wrap="square" rtlCol="0">
+            <a:spAutoFit/>
+          </a:bodyPr>
+          <a:lstStyle/>
+          <a:p>
+            <a:r>
+              <a:rPr lang="en-US" sz="1050" dirty="0"/>
+              <a:t>User Config file </a:t>
+            </a:r>
+            <a:endParaRPr lang="en-SG" sz="1050" dirty="0"/>
+          </a:p>
+        </p:txBody>
+      </p:sp>
+      <p:sp>
+        <p:nvSpPr>
+          <p:cNvPr id="59" name="Rectangle 58">
+            <a:extLst>
+              <a:ext uri="{FF2B5EF4-FFF2-40B4-BE49-F238E27FC236}">
+                <a16:creationId xmlns:a16="http://schemas.microsoft.com/office/drawing/2014/main" id="{E5D11581-6B52-B8F0-E935-8FB8EA6139D0}"/>
+              </a:ext>
+            </a:extLst>
+          </p:cNvPr>
+          <p:cNvSpPr/>
+          <p:nvPr/>
+        </p:nvSpPr>
+        <p:spPr>
+          <a:xfrm>
+            <a:off x="7877962" y="2595584"/>
+            <a:ext cx="1000864" cy="270829"/>
+          </a:xfrm>
+          <a:prstGeom prst="rect">
+            <a:avLst/>
+          </a:prstGeom>
+          <a:solidFill>
+            <a:schemeClr val="accent6">
+              <a:lumMod val="75000"/>
+            </a:schemeClr>
+          </a:solidFill>
+        </p:spPr>
+        <p:style>
+          <a:lnRef idx="2">
+            <a:schemeClr val="accent1">
+              <a:shade val="50000"/>
+            </a:schemeClr>
+          </a:lnRef>
+          <a:fillRef idx="1">
+            <a:schemeClr val="accent1"/>
+          </a:fillRef>
+          <a:effectRef idx="0">
+            <a:schemeClr val="accent1"/>
+          </a:effectRef>
+          <a:fontRef idx="minor">
+            <a:schemeClr val="lt1"/>
+          </a:fontRef>
+        </p:style>
+        <p:txBody>
+          <a:bodyPr rtlCol="0" anchor="ctr"/>
+          <a:lstStyle/>
+          <a:p>
+            <a:pPr algn="ctr"/>
+            <a:r>
+              <a:rPr lang="en-US" sz="1200" dirty="0"/>
+              <a:t>FTP Server </a:t>
+            </a:r>
+            <a:endParaRPr lang="en-SG" sz="1200" dirty="0"/>
+          </a:p>
+        </p:txBody>
+      </p:sp>
+      <p:cxnSp>
+        <p:nvCxnSpPr>
+          <p:cNvPr id="60" name="Straight Arrow Connector 59">
+            <a:extLst>
+              <a:ext uri="{FF2B5EF4-FFF2-40B4-BE49-F238E27FC236}">
+                <a16:creationId xmlns:a16="http://schemas.microsoft.com/office/drawing/2014/main" id="{A02EB35C-3168-7CA7-65E4-1865AE3CDBF3}"/>
+              </a:ext>
+            </a:extLst>
+          </p:cNvPr>
+          <p:cNvCxnSpPr>
+            <a:cxnSpLocks/>
+            <a:endCxn id="59" idx="0"/>
+          </p:cNvCxnSpPr>
+          <p:nvPr/>
+        </p:nvCxnSpPr>
+        <p:spPr>
+          <a:xfrm flipH="1">
+            <a:off x="8378394" y="2153327"/>
+            <a:ext cx="1" cy="442257"/>
+          </a:xfrm>
+          <a:prstGeom prst="straightConnector1">
+            <a:avLst/>
+          </a:prstGeom>
+          <a:ln>
+            <a:tailEnd type="triangle"/>
+          </a:ln>
+        </p:spPr>
+        <p:style>
+          <a:lnRef idx="2">
+            <a:schemeClr val="dk1"/>
+          </a:lnRef>
+          <a:fillRef idx="0">
+            <a:schemeClr val="dk1"/>
+          </a:fillRef>
+          <a:effectRef idx="1">
+            <a:schemeClr val="dk1"/>
+          </a:effectRef>
+          <a:fontRef idx="minor">
+            <a:schemeClr val="tx1"/>
+          </a:fontRef>
+        </p:style>
+      </p:cxnSp>
+      <p:cxnSp>
+        <p:nvCxnSpPr>
+          <p:cNvPr id="63" name="Connector: Elbow 62">
+            <a:extLst>
+              <a:ext uri="{FF2B5EF4-FFF2-40B4-BE49-F238E27FC236}">
+                <a16:creationId xmlns:a16="http://schemas.microsoft.com/office/drawing/2014/main" id="{3A40EE42-642D-7A91-BD2D-208876400D37}"/>
+              </a:ext>
+            </a:extLst>
+          </p:cNvPr>
+          <p:cNvCxnSpPr>
+            <a:stCxn id="41" idx="3"/>
+            <a:endCxn id="59" idx="1"/>
+          </p:cNvCxnSpPr>
+          <p:nvPr/>
+        </p:nvCxnSpPr>
+        <p:spPr>
+          <a:xfrm flipV="1">
+            <a:off x="5376671" y="2730999"/>
+            <a:ext cx="2501291" cy="1450151"/>
+          </a:xfrm>
+          <a:prstGeom prst="bentConnector3">
+            <a:avLst/>
+          </a:prstGeom>
+          <a:ln>
+            <a:prstDash val="sysDash"/>
+            <a:tailEnd type="triangle"/>
+          </a:ln>
+        </p:spPr>
+        <p:style>
+          <a:lnRef idx="2">
+            <a:schemeClr val="accent1"/>
+          </a:lnRef>
+          <a:fillRef idx="0">
+            <a:schemeClr val="accent1"/>
+          </a:fillRef>
+          <a:effectRef idx="1">
+            <a:schemeClr val="accent1"/>
+          </a:effectRef>
+          <a:fontRef idx="minor">
+            <a:schemeClr val="tx1"/>
+          </a:fontRef>
+        </p:style>
+      </p:cxnSp>
+      <p:pic>
+        <p:nvPicPr>
+          <p:cNvPr id="64" name="Picture 63">
+            <a:extLst>
+              <a:ext uri="{FF2B5EF4-FFF2-40B4-BE49-F238E27FC236}">
+                <a16:creationId xmlns:a16="http://schemas.microsoft.com/office/drawing/2014/main" id="{0C39788A-A20D-F1B5-3FFD-CA89543F23B6}"/>
+              </a:ext>
+            </a:extLst>
+          </p:cNvPr>
+          <p:cNvPicPr>
+            <a:picLocks noChangeAspect="1"/>
+          </p:cNvPicPr>
+          <p:nvPr/>
+        </p:nvPicPr>
+        <p:blipFill>
+          <a:blip r:embed="rId2"/>
+          <a:stretch>
+            <a:fillRect/>
+          </a:stretch>
+        </p:blipFill>
+        <p:spPr>
+          <a:xfrm>
+            <a:off x="6477519" y="3179239"/>
+            <a:ext cx="261165" cy="276835"/>
+          </a:xfrm>
+          <a:prstGeom prst="rect">
+            <a:avLst/>
+          </a:prstGeom>
+        </p:spPr>
+      </p:pic>
+      <p:sp>
+        <p:nvSpPr>
+          <p:cNvPr id="65" name="Rectangle 64">
+            <a:extLst>
+              <a:ext uri="{FF2B5EF4-FFF2-40B4-BE49-F238E27FC236}">
+                <a16:creationId xmlns:a16="http://schemas.microsoft.com/office/drawing/2014/main" id="{4F815B60-82AC-DF5D-4ED9-C9B8B3FD490E}"/>
+              </a:ext>
+            </a:extLst>
+          </p:cNvPr>
+          <p:cNvSpPr/>
+          <p:nvPr/>
+        </p:nvSpPr>
+        <p:spPr>
+          <a:xfrm>
+            <a:off x="7773724" y="3642583"/>
+            <a:ext cx="482420" cy="408331"/>
+          </a:xfrm>
+          <a:prstGeom prst="rect">
+            <a:avLst/>
+          </a:prstGeom>
+          <a:solidFill>
+            <a:schemeClr val="bg2"/>
+          </a:solidFill>
+        </p:spPr>
+        <p:style>
+          <a:lnRef idx="2">
+            <a:schemeClr val="accent1">
+              <a:shade val="15000"/>
+            </a:schemeClr>
+          </a:lnRef>
+          <a:fillRef idx="1">
+            <a:schemeClr val="accent1"/>
+          </a:fillRef>
+          <a:effectRef idx="0">
+            <a:schemeClr val="accent1"/>
+          </a:effectRef>
+          <a:fontRef idx="minor">
+            <a:schemeClr val="lt1"/>
+          </a:fontRef>
+        </p:style>
+        <p:txBody>
+          <a:bodyPr rtlCol="0" anchor="ctr"/>
+          <a:lstStyle/>
+          <a:p>
+            <a:pPr algn="ctr"/>
+            <a:endParaRPr lang="en-SG"/>
+          </a:p>
+        </p:txBody>
+      </p:sp>
+      <p:pic>
+        <p:nvPicPr>
+          <p:cNvPr id="66" name="Picture 65">
+            <a:extLst>
+              <a:ext uri="{FF2B5EF4-FFF2-40B4-BE49-F238E27FC236}">
+                <a16:creationId xmlns:a16="http://schemas.microsoft.com/office/drawing/2014/main" id="{6FF5BB39-AA4A-48DB-44A5-066129EBCFEA}"/>
+              </a:ext>
+            </a:extLst>
+          </p:cNvPr>
+          <p:cNvPicPr>
+            <a:picLocks noChangeAspect="1"/>
+          </p:cNvPicPr>
+          <p:nvPr/>
+        </p:nvPicPr>
+        <p:blipFill>
+          <a:blip r:embed="rId2"/>
+          <a:stretch>
+            <a:fillRect/>
+          </a:stretch>
+        </p:blipFill>
+        <p:spPr>
+          <a:xfrm>
+            <a:off x="7921886" y="3690969"/>
+            <a:ext cx="261165" cy="276835"/>
+          </a:xfrm>
+          <a:prstGeom prst="rect">
+            <a:avLst/>
+          </a:prstGeom>
+        </p:spPr>
+      </p:pic>
+      <p:pic>
+        <p:nvPicPr>
+          <p:cNvPr id="67" name="Picture 66">
+            <a:extLst>
+              <a:ext uri="{FF2B5EF4-FFF2-40B4-BE49-F238E27FC236}">
+                <a16:creationId xmlns:a16="http://schemas.microsoft.com/office/drawing/2014/main" id="{C11D0E90-FDD4-9C31-60B4-4B2A434C0A2B}"/>
+              </a:ext>
+            </a:extLst>
+          </p:cNvPr>
+          <p:cNvPicPr>
+            <a:picLocks noChangeAspect="1"/>
+          </p:cNvPicPr>
+          <p:nvPr/>
+        </p:nvPicPr>
+        <p:blipFill>
+          <a:blip r:embed="rId2"/>
+          <a:stretch>
+            <a:fillRect/>
+          </a:stretch>
+        </p:blipFill>
+        <p:spPr>
+          <a:xfrm>
+            <a:off x="7827850" y="3739355"/>
+            <a:ext cx="261165" cy="276835"/>
+          </a:xfrm>
+          <a:prstGeom prst="rect">
+            <a:avLst/>
+          </a:prstGeom>
+        </p:spPr>
+      </p:pic>
+      <p:sp>
+        <p:nvSpPr>
+          <p:cNvPr id="70" name="Rectangle 69">
+            <a:extLst>
+              <a:ext uri="{FF2B5EF4-FFF2-40B4-BE49-F238E27FC236}">
+                <a16:creationId xmlns:a16="http://schemas.microsoft.com/office/drawing/2014/main" id="{5B16D855-F035-CB10-6E86-DCE0037C7398}"/>
+              </a:ext>
+            </a:extLst>
+          </p:cNvPr>
+          <p:cNvSpPr/>
+          <p:nvPr/>
+        </p:nvSpPr>
+        <p:spPr>
+          <a:xfrm>
+            <a:off x="8398443" y="3637117"/>
+            <a:ext cx="482420" cy="408331"/>
+          </a:xfrm>
+          <a:prstGeom prst="rect">
+            <a:avLst/>
+          </a:prstGeom>
+          <a:solidFill>
+            <a:schemeClr val="bg2"/>
+          </a:solidFill>
+        </p:spPr>
+        <p:style>
+          <a:lnRef idx="2">
+            <a:schemeClr val="accent1">
+              <a:shade val="15000"/>
+            </a:schemeClr>
+          </a:lnRef>
+          <a:fillRef idx="1">
+            <a:schemeClr val="accent1"/>
+          </a:fillRef>
+          <a:effectRef idx="0">
+            <a:schemeClr val="accent1"/>
+          </a:effectRef>
+          <a:fontRef idx="minor">
+            <a:schemeClr val="lt1"/>
+          </a:fontRef>
+        </p:style>
+        <p:txBody>
+          <a:bodyPr rtlCol="0" anchor="ctr"/>
+          <a:lstStyle/>
+          <a:p>
+            <a:pPr algn="ctr"/>
+            <a:endParaRPr lang="en-SG"/>
+          </a:p>
+        </p:txBody>
+      </p:sp>
+      <p:pic>
+        <p:nvPicPr>
+          <p:cNvPr id="71" name="Picture 70">
+            <a:extLst>
+              <a:ext uri="{FF2B5EF4-FFF2-40B4-BE49-F238E27FC236}">
+                <a16:creationId xmlns:a16="http://schemas.microsoft.com/office/drawing/2014/main" id="{681AE601-4EED-53A3-E4D4-4FF8EE7BF324}"/>
+              </a:ext>
+            </a:extLst>
+          </p:cNvPr>
+          <p:cNvPicPr>
+            <a:picLocks noChangeAspect="1"/>
+          </p:cNvPicPr>
+          <p:nvPr/>
+        </p:nvPicPr>
+        <p:blipFill>
+          <a:blip r:embed="rId2"/>
+          <a:stretch>
+            <a:fillRect/>
+          </a:stretch>
+        </p:blipFill>
+        <p:spPr>
+          <a:xfrm>
+            <a:off x="8546605" y="3685503"/>
+            <a:ext cx="261165" cy="276835"/>
+          </a:xfrm>
+          <a:prstGeom prst="rect">
+            <a:avLst/>
+          </a:prstGeom>
+        </p:spPr>
+      </p:pic>
+      <p:pic>
+        <p:nvPicPr>
+          <p:cNvPr id="72" name="Picture 71">
+            <a:extLst>
+              <a:ext uri="{FF2B5EF4-FFF2-40B4-BE49-F238E27FC236}">
+                <a16:creationId xmlns:a16="http://schemas.microsoft.com/office/drawing/2014/main" id="{6C18E292-4DAB-6FE4-0F42-A6D8EBAC988A}"/>
+              </a:ext>
+            </a:extLst>
+          </p:cNvPr>
+          <p:cNvPicPr>
+            <a:picLocks noChangeAspect="1"/>
+          </p:cNvPicPr>
+          <p:nvPr/>
+        </p:nvPicPr>
+        <p:blipFill>
+          <a:blip r:embed="rId2"/>
+          <a:stretch>
+            <a:fillRect/>
+          </a:stretch>
+        </p:blipFill>
+        <p:spPr>
+          <a:xfrm>
+            <a:off x="8452569" y="3733889"/>
+            <a:ext cx="261165" cy="276835"/>
+          </a:xfrm>
+          <a:prstGeom prst="rect">
+            <a:avLst/>
+          </a:prstGeom>
+        </p:spPr>
+      </p:pic>
+      <p:sp>
+        <p:nvSpPr>
+          <p:cNvPr id="73" name="TextBox 72">
+            <a:extLst>
+              <a:ext uri="{FF2B5EF4-FFF2-40B4-BE49-F238E27FC236}">
+                <a16:creationId xmlns:a16="http://schemas.microsoft.com/office/drawing/2014/main" id="{02758C61-C566-91E2-D87F-CF9D86CE6017}"/>
+              </a:ext>
+            </a:extLst>
+          </p:cNvPr>
+          <p:cNvSpPr txBox="1"/>
+          <p:nvPr/>
+        </p:nvSpPr>
+        <p:spPr>
+          <a:xfrm>
+            <a:off x="7692242" y="4157745"/>
+            <a:ext cx="1558640" cy="253916"/>
+          </a:xfrm>
+          <a:prstGeom prst="rect">
+            <a:avLst/>
+          </a:prstGeom>
+          <a:noFill/>
+        </p:spPr>
+        <p:txBody>
+          <a:bodyPr wrap="square" rtlCol="0">
+            <a:spAutoFit/>
+          </a:bodyPr>
+          <a:lstStyle/>
+          <a:p>
+            <a:r>
+              <a:rPr lang="en-US" sz="1050" b="1" dirty="0"/>
+              <a:t>Server log storage </a:t>
+            </a:r>
+            <a:endParaRPr lang="en-SG" sz="1050" b="1" dirty="0"/>
+          </a:p>
+        </p:txBody>
+      </p:sp>
+      <p:cxnSp>
+        <p:nvCxnSpPr>
+          <p:cNvPr id="74" name="Straight Arrow Connector 73">
+            <a:extLst>
+              <a:ext uri="{FF2B5EF4-FFF2-40B4-BE49-F238E27FC236}">
+                <a16:creationId xmlns:a16="http://schemas.microsoft.com/office/drawing/2014/main" id="{FDDD5643-1B95-8200-53D9-758470965901}"/>
+              </a:ext>
+            </a:extLst>
+          </p:cNvPr>
+          <p:cNvCxnSpPr>
+            <a:cxnSpLocks/>
+          </p:cNvCxnSpPr>
+          <p:nvPr/>
+        </p:nvCxnSpPr>
+        <p:spPr>
+          <a:xfrm>
+            <a:off x="8089015" y="2884408"/>
+            <a:ext cx="0" cy="723523"/>
+          </a:xfrm>
+          <a:prstGeom prst="straightConnector1">
+            <a:avLst/>
+          </a:prstGeom>
+          <a:ln>
+            <a:prstDash val="sysDash"/>
+            <a:tailEnd type="triangle"/>
+          </a:ln>
+        </p:spPr>
+        <p:style>
+          <a:lnRef idx="2">
+            <a:schemeClr val="accent1"/>
+          </a:lnRef>
+          <a:fillRef idx="0">
+            <a:schemeClr val="accent1"/>
+          </a:fillRef>
+          <a:effectRef idx="1">
+            <a:schemeClr val="accent1"/>
+          </a:effectRef>
+          <a:fontRef idx="minor">
+            <a:schemeClr val="tx1"/>
+          </a:fontRef>
+        </p:style>
+      </p:cxnSp>
+      <p:pic>
+        <p:nvPicPr>
+          <p:cNvPr id="76" name="Picture 75">
+            <a:extLst>
+              <a:ext uri="{FF2B5EF4-FFF2-40B4-BE49-F238E27FC236}">
+                <a16:creationId xmlns:a16="http://schemas.microsoft.com/office/drawing/2014/main" id="{189F491F-C939-985A-50EB-EDAB2E5180E2}"/>
+              </a:ext>
+            </a:extLst>
+          </p:cNvPr>
+          <p:cNvPicPr>
+            <a:picLocks noChangeAspect="1"/>
+          </p:cNvPicPr>
+          <p:nvPr/>
+        </p:nvPicPr>
+        <p:blipFill>
+          <a:blip r:embed="rId2"/>
+          <a:stretch>
+            <a:fillRect/>
+          </a:stretch>
+        </p:blipFill>
+        <p:spPr>
+          <a:xfrm>
+            <a:off x="7936470" y="3040821"/>
+            <a:ext cx="261165" cy="276835"/>
+          </a:xfrm>
+          <a:prstGeom prst="rect">
+            <a:avLst/>
+          </a:prstGeom>
+        </p:spPr>
+      </p:pic>
+      <p:sp>
+        <p:nvSpPr>
+          <p:cNvPr id="78" name="Rectangle 77">
+            <a:extLst>
+              <a:ext uri="{FF2B5EF4-FFF2-40B4-BE49-F238E27FC236}">
+                <a16:creationId xmlns:a16="http://schemas.microsoft.com/office/drawing/2014/main" id="{7397C8B8-401A-84F1-0356-6873DD9071E4}"/>
+              </a:ext>
+            </a:extLst>
+          </p:cNvPr>
+          <p:cNvSpPr/>
+          <p:nvPr/>
+        </p:nvSpPr>
+        <p:spPr>
+          <a:xfrm>
+            <a:off x="9029027" y="3107226"/>
+            <a:ext cx="1350223" cy="391043"/>
+          </a:xfrm>
+          <a:prstGeom prst="rect">
+            <a:avLst/>
+          </a:prstGeom>
+          <a:solidFill>
+            <a:schemeClr val="accent6">
+              <a:lumMod val="75000"/>
+            </a:schemeClr>
+          </a:solidFill>
+        </p:spPr>
+        <p:style>
+          <a:lnRef idx="2">
+            <a:schemeClr val="accent1">
+              <a:shade val="50000"/>
+            </a:schemeClr>
+          </a:lnRef>
+          <a:fillRef idx="1">
+            <a:schemeClr val="accent1"/>
+          </a:fillRef>
+          <a:effectRef idx="0">
+            <a:schemeClr val="accent1"/>
+          </a:effectRef>
+          <a:fontRef idx="minor">
+            <a:schemeClr val="lt1"/>
+          </a:fontRef>
+        </p:style>
+        <p:txBody>
+          <a:bodyPr rtlCol="0" anchor="ctr"/>
+          <a:lstStyle/>
+          <a:p>
+            <a:pPr algn="ctr"/>
+            <a:r>
+              <a:rPr lang="en-US" sz="1200" dirty="0"/>
+              <a:t>Log directory tree generator</a:t>
+            </a:r>
+            <a:endParaRPr lang="en-SG" sz="1200" dirty="0"/>
+          </a:p>
+        </p:txBody>
+      </p:sp>
+      <p:cxnSp>
+        <p:nvCxnSpPr>
+          <p:cNvPr id="79" name="Straight Arrow Connector 78">
+            <a:extLst>
+              <a:ext uri="{FF2B5EF4-FFF2-40B4-BE49-F238E27FC236}">
+                <a16:creationId xmlns:a16="http://schemas.microsoft.com/office/drawing/2014/main" id="{5E80CB5E-9709-1031-652F-4E8A8735F026}"/>
+              </a:ext>
+            </a:extLst>
+          </p:cNvPr>
+          <p:cNvCxnSpPr>
+            <a:cxnSpLocks/>
+          </p:cNvCxnSpPr>
+          <p:nvPr/>
+        </p:nvCxnSpPr>
+        <p:spPr>
+          <a:xfrm>
+            <a:off x="9082501" y="2177213"/>
+            <a:ext cx="0" cy="385515"/>
+          </a:xfrm>
+          <a:prstGeom prst="straightConnector1">
+            <a:avLst/>
+          </a:prstGeom>
+          <a:ln>
+            <a:tailEnd type="triangle"/>
+          </a:ln>
+        </p:spPr>
+        <p:style>
+          <a:lnRef idx="2">
+            <a:schemeClr val="dk1"/>
+          </a:lnRef>
+          <a:fillRef idx="0">
+            <a:schemeClr val="dk1"/>
+          </a:fillRef>
+          <a:effectRef idx="1">
+            <a:schemeClr val="dk1"/>
+          </a:effectRef>
+          <a:fontRef idx="minor">
+            <a:schemeClr val="tx1"/>
+          </a:fontRef>
+        </p:style>
+      </p:cxnSp>
+      <p:sp>
+        <p:nvSpPr>
+          <p:cNvPr id="81" name="TextBox 80">
+            <a:extLst>
+              <a:ext uri="{FF2B5EF4-FFF2-40B4-BE49-F238E27FC236}">
+                <a16:creationId xmlns:a16="http://schemas.microsoft.com/office/drawing/2014/main" id="{1DBE606A-644C-2C60-E31C-6AEC76A55D69}"/>
+              </a:ext>
+            </a:extLst>
+          </p:cNvPr>
+          <p:cNvSpPr txBox="1"/>
+          <p:nvPr/>
+        </p:nvSpPr>
+        <p:spPr>
+          <a:xfrm>
+            <a:off x="9058853" y="2284917"/>
+            <a:ext cx="928254" cy="253916"/>
+          </a:xfrm>
+          <a:prstGeom prst="rect">
+            <a:avLst/>
+          </a:prstGeom>
+          <a:noFill/>
+        </p:spPr>
+        <p:txBody>
+          <a:bodyPr wrap="square" rtlCol="0">
+            <a:spAutoFit/>
+          </a:bodyPr>
+          <a:lstStyle/>
+          <a:p>
+            <a:r>
+              <a:rPr lang="en-US" sz="1050" b="1" dirty="0">
+                <a:solidFill>
+                  <a:schemeClr val="accent6">
+                    <a:lumMod val="75000"/>
+                  </a:schemeClr>
+                </a:solidFill>
+              </a:rPr>
+              <a:t>Sub-thread</a:t>
+            </a:r>
+            <a:r>
+              <a:rPr lang="en-US" sz="1050" b="1" dirty="0">
+                <a:solidFill>
+                  <a:schemeClr val="accent2">
+                    <a:lumMod val="75000"/>
+                  </a:schemeClr>
+                </a:solidFill>
+              </a:rPr>
+              <a:t> </a:t>
+            </a:r>
+            <a:endParaRPr lang="en-SG" sz="1050" b="1" dirty="0">
+              <a:solidFill>
+                <a:schemeClr val="accent2">
+                  <a:lumMod val="75000"/>
+                </a:schemeClr>
+              </a:solidFill>
+            </a:endParaRPr>
+          </a:p>
+        </p:txBody>
+      </p:sp>
+      <p:sp>
+        <p:nvSpPr>
+          <p:cNvPr id="82" name="Rectangle 81">
+            <a:extLst>
+              <a:ext uri="{FF2B5EF4-FFF2-40B4-BE49-F238E27FC236}">
+                <a16:creationId xmlns:a16="http://schemas.microsoft.com/office/drawing/2014/main" id="{906EE6A2-D084-EECE-CE24-29E19EB65D6A}"/>
+              </a:ext>
+            </a:extLst>
+          </p:cNvPr>
+          <p:cNvSpPr/>
+          <p:nvPr/>
+        </p:nvSpPr>
+        <p:spPr>
+          <a:xfrm>
+            <a:off x="9022547" y="2592039"/>
+            <a:ext cx="1356705" cy="270829"/>
+          </a:xfrm>
+          <a:prstGeom prst="rect">
+            <a:avLst/>
+          </a:prstGeom>
+          <a:solidFill>
+            <a:schemeClr val="accent6">
+              <a:lumMod val="75000"/>
+            </a:schemeClr>
+          </a:solidFill>
+        </p:spPr>
+        <p:style>
+          <a:lnRef idx="2">
+            <a:schemeClr val="accent1">
+              <a:shade val="50000"/>
+            </a:schemeClr>
+          </a:lnRef>
+          <a:fillRef idx="1">
+            <a:schemeClr val="accent1"/>
+          </a:fillRef>
+          <a:effectRef idx="0">
+            <a:schemeClr val="accent1"/>
+          </a:effectRef>
+          <a:fontRef idx="minor">
+            <a:schemeClr val="lt1"/>
+          </a:fontRef>
+        </p:style>
+        <p:txBody>
+          <a:bodyPr rtlCol="0" anchor="ctr"/>
+          <a:lstStyle/>
+          <a:p>
+            <a:pPr algn="ctr"/>
+            <a:r>
+              <a:rPr lang="en-US" sz="1200" dirty="0"/>
+              <a:t>Web host module </a:t>
+            </a:r>
+            <a:endParaRPr lang="en-SG" sz="1200" dirty="0"/>
+          </a:p>
+        </p:txBody>
+      </p:sp>
+      <p:cxnSp>
+        <p:nvCxnSpPr>
+          <p:cNvPr id="84" name="Connector: Elbow 83">
+            <a:extLst>
+              <a:ext uri="{FF2B5EF4-FFF2-40B4-BE49-F238E27FC236}">
+                <a16:creationId xmlns:a16="http://schemas.microsoft.com/office/drawing/2014/main" id="{624110EF-0E05-0F1F-C594-46D8E7C8A911}"/>
+              </a:ext>
+            </a:extLst>
+          </p:cNvPr>
+          <p:cNvCxnSpPr>
+            <a:cxnSpLocks/>
+            <a:stCxn id="68" idx="0"/>
+            <a:endCxn id="78" idx="1"/>
+          </p:cNvCxnSpPr>
+          <p:nvPr/>
+        </p:nvCxnSpPr>
+        <p:spPr>
+          <a:xfrm rot="5400000" flipH="1" flipV="1">
+            <a:off x="8566218" y="3112772"/>
+            <a:ext cx="272832" cy="652785"/>
+          </a:xfrm>
+          <a:prstGeom prst="bentConnector2">
+            <a:avLst/>
+          </a:prstGeom>
+          <a:ln>
+            <a:prstDash val="sysDash"/>
+            <a:tailEnd type="triangle"/>
+          </a:ln>
+        </p:spPr>
+        <p:style>
+          <a:lnRef idx="2">
+            <a:schemeClr val="accent1"/>
+          </a:lnRef>
+          <a:fillRef idx="0">
+            <a:schemeClr val="accent1"/>
+          </a:fillRef>
+          <a:effectRef idx="1">
+            <a:schemeClr val="accent1"/>
+          </a:effectRef>
+          <a:fontRef idx="minor">
+            <a:schemeClr val="tx1"/>
+          </a:fontRef>
+        </p:style>
+      </p:cxnSp>
+      <p:cxnSp>
+        <p:nvCxnSpPr>
+          <p:cNvPr id="88" name="Straight Arrow Connector 87">
+            <a:extLst>
+              <a:ext uri="{FF2B5EF4-FFF2-40B4-BE49-F238E27FC236}">
+                <a16:creationId xmlns:a16="http://schemas.microsoft.com/office/drawing/2014/main" id="{F28445BB-6C1D-D028-44EB-426FA869EA73}"/>
+              </a:ext>
+            </a:extLst>
+          </p:cNvPr>
+          <p:cNvCxnSpPr>
+            <a:cxnSpLocks/>
+          </p:cNvCxnSpPr>
+          <p:nvPr/>
+        </p:nvCxnSpPr>
+        <p:spPr>
+          <a:xfrm>
+            <a:off x="9704137" y="3516740"/>
+            <a:ext cx="1" cy="434298"/>
+          </a:xfrm>
+          <a:prstGeom prst="straightConnector1">
+            <a:avLst/>
+          </a:prstGeom>
+          <a:ln>
+            <a:prstDash val="sysDash"/>
+            <a:tailEnd type="triangle"/>
+          </a:ln>
+        </p:spPr>
+        <p:style>
+          <a:lnRef idx="2">
+            <a:schemeClr val="accent1"/>
+          </a:lnRef>
+          <a:fillRef idx="0">
+            <a:schemeClr val="accent1"/>
+          </a:fillRef>
+          <a:effectRef idx="1">
+            <a:schemeClr val="accent1"/>
+          </a:effectRef>
+          <a:fontRef idx="minor">
+            <a:schemeClr val="tx1"/>
+          </a:fontRef>
+        </p:style>
+      </p:cxnSp>
+      <p:cxnSp>
+        <p:nvCxnSpPr>
+          <p:cNvPr id="90" name="Straight Arrow Connector 89">
+            <a:extLst>
+              <a:ext uri="{FF2B5EF4-FFF2-40B4-BE49-F238E27FC236}">
+                <a16:creationId xmlns:a16="http://schemas.microsoft.com/office/drawing/2014/main" id="{7DEF8381-AF4A-1C8D-CA4F-5EC6E25AE0D1}"/>
+              </a:ext>
+            </a:extLst>
+          </p:cNvPr>
+          <p:cNvCxnSpPr>
+            <a:cxnSpLocks/>
+            <a:stCxn id="82" idx="2"/>
+            <a:endCxn id="78" idx="0"/>
+          </p:cNvCxnSpPr>
+          <p:nvPr/>
+        </p:nvCxnSpPr>
+        <p:spPr>
+          <a:xfrm>
+            <a:off x="9700900" y="2862868"/>
+            <a:ext cx="0" cy="244358"/>
+          </a:xfrm>
+          <a:prstGeom prst="straightConnector1">
+            <a:avLst/>
+          </a:prstGeom>
+          <a:ln>
+            <a:tailEnd type="triangle"/>
+          </a:ln>
+        </p:spPr>
+        <p:style>
+          <a:lnRef idx="2">
+            <a:schemeClr val="dk1"/>
+          </a:lnRef>
+          <a:fillRef idx="0">
+            <a:schemeClr val="dk1"/>
+          </a:fillRef>
+          <a:effectRef idx="1">
+            <a:schemeClr val="dk1"/>
+          </a:effectRef>
+          <a:fontRef idx="minor">
+            <a:schemeClr val="tx1"/>
+          </a:fontRef>
+        </p:style>
+      </p:cxnSp>
+      <p:sp>
+        <p:nvSpPr>
+          <p:cNvPr id="95" name="TextBox 94">
+            <a:extLst>
+              <a:ext uri="{FF2B5EF4-FFF2-40B4-BE49-F238E27FC236}">
+                <a16:creationId xmlns:a16="http://schemas.microsoft.com/office/drawing/2014/main" id="{090A86F7-DD3C-69A4-9535-EC02D3958741}"/>
+              </a:ext>
+            </a:extLst>
+          </p:cNvPr>
+          <p:cNvSpPr txBox="1"/>
+          <p:nvPr/>
+        </p:nvSpPr>
+        <p:spPr>
+          <a:xfrm>
+            <a:off x="9216814" y="3991641"/>
+            <a:ext cx="1292603" cy="276999"/>
+          </a:xfrm>
+          <a:prstGeom prst="rect">
+            <a:avLst/>
+          </a:prstGeom>
+        </p:spPr>
+        <p:style>
+          <a:lnRef idx="2">
+            <a:schemeClr val="dk1"/>
+          </a:lnRef>
+          <a:fillRef idx="1">
+            <a:schemeClr val="lt1"/>
+          </a:fillRef>
+          <a:effectRef idx="0">
+            <a:schemeClr val="dk1"/>
+          </a:effectRef>
+          <a:fontRef idx="minor">
+            <a:schemeClr val="dk1"/>
+          </a:fontRef>
+        </p:style>
+        <p:txBody>
+          <a:bodyPr wrap="square" rtlCol="0">
+            <a:spAutoFit/>
+          </a:bodyPr>
+          <a:lstStyle/>
+          <a:p>
+            <a:r>
+              <a:rPr lang="en-US" altLang="zh-CN" sz="1200" b="1" dirty="0"/>
+              <a:t>Web-Browser </a:t>
+            </a:r>
+            <a:endParaRPr lang="zh-CN" altLang="en-US" sz="1200" dirty="0"/>
+          </a:p>
+        </p:txBody>
+      </p:sp>
+      <p:pic>
+        <p:nvPicPr>
+          <p:cNvPr id="97" name="Picture 96">
+            <a:extLst>
+              <a:ext uri="{FF2B5EF4-FFF2-40B4-BE49-F238E27FC236}">
+                <a16:creationId xmlns:a16="http://schemas.microsoft.com/office/drawing/2014/main" id="{D1F7042D-354F-3908-E764-0312869F52A9}"/>
+              </a:ext>
+            </a:extLst>
+          </p:cNvPr>
+          <p:cNvPicPr>
+            <a:picLocks noChangeAspect="1"/>
+          </p:cNvPicPr>
+          <p:nvPr/>
+        </p:nvPicPr>
+        <p:blipFill>
+          <a:blip r:embed="rId2"/>
+          <a:stretch>
+            <a:fillRect/>
+          </a:stretch>
+        </p:blipFill>
+        <p:spPr>
+          <a:xfrm>
+            <a:off x="9567323" y="3575580"/>
+            <a:ext cx="261165" cy="276835"/>
+          </a:xfrm>
+          <a:prstGeom prst="rect">
+            <a:avLst/>
+          </a:prstGeom>
+        </p:spPr>
+      </p:pic>
+      <p:pic>
+        <p:nvPicPr>
+          <p:cNvPr id="98" name="Picture 97">
+            <a:extLst>
+              <a:ext uri="{FF2B5EF4-FFF2-40B4-BE49-F238E27FC236}">
+                <a16:creationId xmlns:a16="http://schemas.microsoft.com/office/drawing/2014/main" id="{ED944A51-E086-C35D-6158-74C913C5FDC7}"/>
+              </a:ext>
+            </a:extLst>
+          </p:cNvPr>
+          <p:cNvPicPr>
+            <a:picLocks noChangeAspect="1"/>
+          </p:cNvPicPr>
+          <p:nvPr/>
+        </p:nvPicPr>
+        <p:blipFill>
+          <a:blip r:embed="rId5"/>
+          <a:stretch>
+            <a:fillRect/>
+          </a:stretch>
+        </p:blipFill>
+        <p:spPr>
+          <a:xfrm>
+            <a:off x="10278375" y="4057257"/>
+            <a:ext cx="176680" cy="175361"/>
+          </a:xfrm>
+          <a:prstGeom prst="rect">
+            <a:avLst/>
+          </a:prstGeom>
+        </p:spPr>
+      </p:pic>
+      <p:sp>
+        <p:nvSpPr>
+          <p:cNvPr id="101" name="TextBox 100">
+            <a:extLst>
+              <a:ext uri="{FF2B5EF4-FFF2-40B4-BE49-F238E27FC236}">
+                <a16:creationId xmlns:a16="http://schemas.microsoft.com/office/drawing/2014/main" id="{36A592AB-AE90-FACA-BCD5-C242C6E8F792}"/>
+              </a:ext>
+            </a:extLst>
+          </p:cNvPr>
+          <p:cNvSpPr txBox="1"/>
+          <p:nvPr/>
+        </p:nvSpPr>
+        <p:spPr>
+          <a:xfrm>
+            <a:off x="5878506" y="2270481"/>
+            <a:ext cx="2381970" cy="307777"/>
+          </a:xfrm>
+          <a:prstGeom prst="rect">
+            <a:avLst/>
+          </a:prstGeom>
+          <a:noFill/>
+        </p:spPr>
+        <p:txBody>
+          <a:bodyPr wrap="square" rtlCol="0">
+            <a:spAutoFit/>
+          </a:bodyPr>
+          <a:lstStyle/>
+          <a:p>
+            <a:r>
+              <a:rPr lang="en-US" sz="1400" b="1" dirty="0">
+                <a:solidFill>
+                  <a:srgbClr val="0070C0"/>
+                </a:solidFill>
+              </a:rPr>
+              <a:t>Orchestration Network </a:t>
+            </a:r>
+            <a:endParaRPr lang="en-SG" sz="1400" b="1" dirty="0">
+              <a:solidFill>
+                <a:srgbClr val="0070C0"/>
+              </a:solidFill>
+            </a:endParaRPr>
+          </a:p>
+        </p:txBody>
+      </p:sp>
+      <p:sp>
+        <p:nvSpPr>
+          <p:cNvPr id="104" name="TextBox 103">
+            <a:extLst>
+              <a:ext uri="{FF2B5EF4-FFF2-40B4-BE49-F238E27FC236}">
+                <a16:creationId xmlns:a16="http://schemas.microsoft.com/office/drawing/2014/main" id="{36069048-C737-E667-7FA4-544F357FD4D9}"/>
+              </a:ext>
+            </a:extLst>
+          </p:cNvPr>
+          <p:cNvSpPr txBox="1"/>
+          <p:nvPr/>
+        </p:nvSpPr>
+        <p:spPr>
+          <a:xfrm>
+            <a:off x="3000068" y="4461399"/>
+            <a:ext cx="3728018" cy="307777"/>
+          </a:xfrm>
+          <a:prstGeom prst="rect">
+            <a:avLst/>
+          </a:prstGeom>
+          <a:noFill/>
+        </p:spPr>
+        <p:txBody>
+          <a:bodyPr wrap="square" rtlCol="0">
+            <a:spAutoFit/>
+          </a:bodyPr>
+          <a:lstStyle/>
+          <a:p>
+            <a:r>
+              <a:rPr lang="en-US" sz="1400" b="1" dirty="0">
+                <a:solidFill>
+                  <a:schemeClr val="accent2">
+                    <a:lumMod val="75000"/>
+                  </a:schemeClr>
+                </a:solidFill>
+              </a:rPr>
+              <a:t>Honeypot PLC Emulator or Controller  Node</a:t>
+            </a:r>
+            <a:endParaRPr lang="en-SG" sz="1400" b="1" dirty="0">
+              <a:solidFill>
+                <a:schemeClr val="accent2">
+                  <a:lumMod val="75000"/>
+                </a:schemeClr>
+              </a:solidFill>
+            </a:endParaRPr>
+          </a:p>
+        </p:txBody>
+      </p:sp>
+      <p:sp>
+        <p:nvSpPr>
+          <p:cNvPr id="105" name="TextBox 104">
+            <a:extLst>
+              <a:ext uri="{FF2B5EF4-FFF2-40B4-BE49-F238E27FC236}">
+                <a16:creationId xmlns:a16="http://schemas.microsoft.com/office/drawing/2014/main" id="{0F09C422-F843-3FE8-8A20-6FE006A683FC}"/>
+              </a:ext>
+            </a:extLst>
+          </p:cNvPr>
+          <p:cNvSpPr txBox="1"/>
+          <p:nvPr/>
+        </p:nvSpPr>
+        <p:spPr>
+          <a:xfrm>
+            <a:off x="7187093" y="4446592"/>
+            <a:ext cx="2721658" cy="307777"/>
+          </a:xfrm>
+          <a:prstGeom prst="rect">
+            <a:avLst/>
+          </a:prstGeom>
+          <a:noFill/>
+        </p:spPr>
+        <p:txBody>
+          <a:bodyPr wrap="square" rtlCol="0">
+            <a:spAutoFit/>
+          </a:bodyPr>
+          <a:lstStyle/>
+          <a:p>
+            <a:r>
+              <a:rPr lang="en-US" sz="1400" b="1" dirty="0">
+                <a:solidFill>
+                  <a:schemeClr val="accent6">
+                    <a:lumMod val="75000"/>
+                  </a:schemeClr>
+                </a:solidFill>
+              </a:rPr>
+              <a:t>Honeypot Log Archive Server</a:t>
+            </a:r>
+            <a:endParaRPr lang="en-SG" sz="1400" b="1" dirty="0">
+              <a:solidFill>
+                <a:schemeClr val="accent6">
+                  <a:lumMod val="75000"/>
+                </a:schemeClr>
+              </a:solidFill>
+            </a:endParaRPr>
+          </a:p>
+        </p:txBody>
+      </p:sp>
+      <p:sp>
+        <p:nvSpPr>
+          <p:cNvPr id="15" name="TextBox 14">
+            <a:extLst>
+              <a:ext uri="{FF2B5EF4-FFF2-40B4-BE49-F238E27FC236}">
+                <a16:creationId xmlns:a16="http://schemas.microsoft.com/office/drawing/2014/main" id="{D6AE0089-DFFB-5686-5AB2-DE843763FB12}"/>
+              </a:ext>
+            </a:extLst>
+          </p:cNvPr>
+          <p:cNvSpPr txBox="1"/>
+          <p:nvPr/>
+        </p:nvSpPr>
+        <p:spPr>
+          <a:xfrm>
+            <a:off x="1859141" y="642776"/>
+            <a:ext cx="5327952" cy="369332"/>
+          </a:xfrm>
+          <a:prstGeom prst="rect">
+            <a:avLst/>
+          </a:prstGeom>
+          <a:noFill/>
+          <a:ln w="12700">
+            <a:solidFill>
+              <a:schemeClr val="tx1"/>
+            </a:solidFill>
+            <a:prstDash val="sysDash"/>
+          </a:ln>
+        </p:spPr>
+        <p:txBody>
+          <a:bodyPr wrap="square">
+            <a:spAutoFit/>
+          </a:bodyPr>
+          <a:lstStyle/>
+          <a:p>
+            <a:r>
+              <a:rPr lang="en-US" b="1" dirty="0"/>
+              <a:t>PLC Honeypot Log Archive System Workflow</a:t>
+            </a:r>
+            <a:endParaRPr lang="en-SG" b="1" dirty="0"/>
+          </a:p>
+        </p:txBody>
+      </p:sp>
+      <p:pic>
+        <p:nvPicPr>
+          <p:cNvPr id="21" name="Picture 20" descr="A close-up of a device&#10;&#10;Description automatically generated">
+            <a:extLst>
+              <a:ext uri="{FF2B5EF4-FFF2-40B4-BE49-F238E27FC236}">
+                <a16:creationId xmlns:a16="http://schemas.microsoft.com/office/drawing/2014/main" id="{9418027E-B621-502F-0849-EB0D0D487C3B}"/>
+              </a:ext>
+            </a:extLst>
+          </p:cNvPr>
+          <p:cNvPicPr>
+            <a:picLocks noChangeAspect="1"/>
+          </p:cNvPicPr>
+          <p:nvPr/>
+        </p:nvPicPr>
+        <p:blipFill>
+          <a:blip r:embed="rId6">
             <a:extLst>
               <a:ext uri="{28A0092B-C50C-407E-A947-70E740481C1C}">
                 <a14:useLocalDpi xmlns:a14="http://schemas.microsoft.com/office/drawing/2010/main" val="0"/>
@@ -4760,6 +7676,72 @@
         </p:blipFill>
         <p:spPr>
           <a:xfrm>
+            <a:off x="1869507" y="3570832"/>
+            <a:ext cx="1171569" cy="1171569"/>
+          </a:xfrm>
+          <a:prstGeom prst="rect">
+            <a:avLst/>
+          </a:prstGeom>
+        </p:spPr>
+      </p:pic>
+    </p:spTree>
+    <p:extLst>
+      <p:ext uri="{BB962C8B-B14F-4D97-AF65-F5344CB8AC3E}">
+        <p14:creationId xmlns:p14="http://schemas.microsoft.com/office/powerpoint/2010/main" val="2627749273"/>
+      </p:ext>
+    </p:extLst>
+  </p:cSld>
+  <p:clrMapOvr>
+    <a:masterClrMapping/>
+  </p:clrMapOvr>
+</p:sld>
+</file>
+
+<file path=ppt/slides/slide13.xml><?xml version="1.0" encoding="utf-8"?>
+<p:sld xmlns:a="http://schemas.openxmlformats.org/drawingml/2006/main" xmlns:r="http://schemas.openxmlformats.org/officeDocument/2006/relationships" xmlns:p="http://schemas.openxmlformats.org/presentationml/2006/main">
+  <p:cSld>
+    <p:spTree>
+      <p:nvGrpSpPr>
+        <p:cNvPr id="1" name=""/>
+        <p:cNvGrpSpPr/>
+        <p:nvPr/>
+      </p:nvGrpSpPr>
+      <p:grpSpPr>
+        <a:xfrm>
+          <a:off x="0" y="0"/>
+          <a:ext cx="0" cy="0"/>
+          <a:chOff x="0" y="0"/>
+          <a:chExt cx="0" cy="0"/>
+        </a:xfrm>
+      </p:grpSpPr>
+      <p:pic>
+        <p:nvPicPr>
+          <p:cNvPr id="5" name="Picture 4" descr="A screenshot of a computer&#10;&#10;Description automatically generated">
+            <a:extLst>
+              <a:ext uri="{FF2B5EF4-FFF2-40B4-BE49-F238E27FC236}">
+                <a16:creationId xmlns:a16="http://schemas.microsoft.com/office/drawing/2014/main" id="{BB017847-D560-748F-25C5-3E94E1049500}"/>
+              </a:ext>
+            </a:extLst>
+          </p:cNvPr>
+          <p:cNvPicPr>
+            <a:picLocks noChangeAspect="1"/>
+          </p:cNvPicPr>
+          <p:nvPr/>
+        </p:nvPicPr>
+        <p:blipFill>
+          <a:blip r:embed="rId2">
+            <a:extLst>
+              <a:ext uri="{28A0092B-C50C-407E-A947-70E740481C1C}">
+                <a14:useLocalDpi xmlns:a14="http://schemas.microsoft.com/office/drawing/2010/main" val="0"/>
+              </a:ext>
+            </a:extLst>
+          </a:blip>
+          <a:stretch>
+            <a:fillRect/>
+          </a:stretch>
+        </p:blipFill>
+        <p:spPr>
+          <a:xfrm>
             <a:off x="6177689" y="1410099"/>
             <a:ext cx="5026119" cy="3399825"/>
           </a:xfrm>
@@ -4890,6 +7872,386 @@
     <p:extLst>
       <p:ext uri="{BB962C8B-B14F-4D97-AF65-F5344CB8AC3E}">
         <p14:creationId xmlns:p14="http://schemas.microsoft.com/office/powerpoint/2010/main" val="1215515222"/>
+      </p:ext>
+    </p:extLst>
+  </p:cSld>
+  <p:clrMapOvr>
+    <a:masterClrMapping/>
+  </p:clrMapOvr>
+</p:sld>
+</file>
+
+<file path=ppt/slides/slide14.xml><?xml version="1.0" encoding="utf-8"?>
+<p:sld xmlns:a="http://schemas.openxmlformats.org/drawingml/2006/main" xmlns:r="http://schemas.openxmlformats.org/officeDocument/2006/relationships" xmlns:p="http://schemas.openxmlformats.org/presentationml/2006/main">
+  <p:cSld>
+    <p:spTree>
+      <p:nvGrpSpPr>
+        <p:cNvPr id="1" name=""/>
+        <p:cNvGrpSpPr/>
+        <p:nvPr/>
+      </p:nvGrpSpPr>
+      <p:grpSpPr>
+        <a:xfrm>
+          <a:off x="0" y="0"/>
+          <a:ext cx="0" cy="0"/>
+          <a:chOff x="0" y="0"/>
+          <a:chExt cx="0" cy="0"/>
+        </a:xfrm>
+      </p:grpSpPr>
+      <p:pic>
+        <p:nvPicPr>
+          <p:cNvPr id="5" name="Picture 4" descr="A screenshot of a computer&#10;&#10;Description automatically generated">
+            <a:extLst>
+              <a:ext uri="{FF2B5EF4-FFF2-40B4-BE49-F238E27FC236}">
+                <a16:creationId xmlns:a16="http://schemas.microsoft.com/office/drawing/2014/main" id="{F90B9404-6229-B514-C888-9496E8D82BE7}"/>
+              </a:ext>
+            </a:extLst>
+          </p:cNvPr>
+          <p:cNvPicPr>
+            <a:picLocks noChangeAspect="1"/>
+          </p:cNvPicPr>
+          <p:nvPr/>
+        </p:nvPicPr>
+        <p:blipFill>
+          <a:blip r:embed="rId2">
+            <a:extLst>
+              <a:ext uri="{28A0092B-C50C-407E-A947-70E740481C1C}">
+                <a14:useLocalDpi xmlns:a14="http://schemas.microsoft.com/office/drawing/2010/main" val="0"/>
+              </a:ext>
+            </a:extLst>
+          </a:blip>
+          <a:stretch>
+            <a:fillRect/>
+          </a:stretch>
+        </p:blipFill>
+        <p:spPr>
+          <a:xfrm>
+            <a:off x="5990122" y="603767"/>
+            <a:ext cx="5132668" cy="3327847"/>
+          </a:xfrm>
+          <a:prstGeom prst="rect">
+            <a:avLst/>
+          </a:prstGeom>
+        </p:spPr>
+      </p:pic>
+      <p:pic>
+        <p:nvPicPr>
+          <p:cNvPr id="10" name="Picture 9" descr="A screenshot of a computer&#10;&#10;Description automatically generated">
+            <a:extLst>
+              <a:ext uri="{FF2B5EF4-FFF2-40B4-BE49-F238E27FC236}">
+                <a16:creationId xmlns:a16="http://schemas.microsoft.com/office/drawing/2014/main" id="{3D133DA9-B3D2-F0DD-AEFF-4059F336116C}"/>
+              </a:ext>
+            </a:extLst>
+          </p:cNvPr>
+          <p:cNvPicPr>
+            <a:picLocks noChangeAspect="1"/>
+          </p:cNvPicPr>
+          <p:nvPr/>
+        </p:nvPicPr>
+        <p:blipFill>
+          <a:blip r:embed="rId3">
+            <a:extLst>
+              <a:ext uri="{28A0092B-C50C-407E-A947-70E740481C1C}">
+                <a14:useLocalDpi xmlns:a14="http://schemas.microsoft.com/office/drawing/2010/main" val="0"/>
+              </a:ext>
+            </a:extLst>
+          </a:blip>
+          <a:stretch>
+            <a:fillRect/>
+          </a:stretch>
+        </p:blipFill>
+        <p:spPr>
+          <a:xfrm>
+            <a:off x="679819" y="603766"/>
+            <a:ext cx="5132668" cy="3327847"/>
+          </a:xfrm>
+          <a:prstGeom prst="rect">
+            <a:avLst/>
+          </a:prstGeom>
+        </p:spPr>
+      </p:pic>
+      <p:sp>
+        <p:nvSpPr>
+          <p:cNvPr id="8" name="TextBox 7">
+            <a:extLst>
+              <a:ext uri="{FF2B5EF4-FFF2-40B4-BE49-F238E27FC236}">
+                <a16:creationId xmlns:a16="http://schemas.microsoft.com/office/drawing/2014/main" id="{40B841C6-A7CA-D048-19DF-B27B02CC3E5F}"/>
+              </a:ext>
+            </a:extLst>
+          </p:cNvPr>
+          <p:cNvSpPr txBox="1"/>
+          <p:nvPr/>
+        </p:nvSpPr>
+        <p:spPr>
+          <a:xfrm>
+            <a:off x="761497" y="3544236"/>
+            <a:ext cx="3845009" cy="307777"/>
+          </a:xfrm>
+          <a:prstGeom prst="rect">
+            <a:avLst/>
+          </a:prstGeom>
+          <a:noFill/>
+        </p:spPr>
+        <p:txBody>
+          <a:bodyPr wrap="square" rtlCol="0">
+            <a:spAutoFit/>
+          </a:bodyPr>
+          <a:lstStyle/>
+          <a:p>
+            <a:r>
+              <a:rPr lang="en-US" sz="1400" b="1" dirty="0">
+                <a:solidFill>
+                  <a:schemeClr val="bg1"/>
+                </a:solidFill>
+              </a:rPr>
+              <a:t>Honeypot All PLC Emulators Overview Page </a:t>
+            </a:r>
+            <a:endParaRPr lang="en-SG" sz="1400" b="1" dirty="0">
+              <a:solidFill>
+                <a:schemeClr val="bg1"/>
+              </a:solidFill>
+            </a:endParaRPr>
+          </a:p>
+        </p:txBody>
+      </p:sp>
+      <p:sp>
+        <p:nvSpPr>
+          <p:cNvPr id="11" name="TextBox 10">
+            <a:extLst>
+              <a:ext uri="{FF2B5EF4-FFF2-40B4-BE49-F238E27FC236}">
+                <a16:creationId xmlns:a16="http://schemas.microsoft.com/office/drawing/2014/main" id="{7F53C18B-FA87-CB6B-BA38-3E210FB0803E}"/>
+              </a:ext>
+            </a:extLst>
+          </p:cNvPr>
+          <p:cNvSpPr txBox="1"/>
+          <p:nvPr/>
+        </p:nvSpPr>
+        <p:spPr>
+          <a:xfrm>
+            <a:off x="6167384" y="3533002"/>
+            <a:ext cx="4063544" cy="307777"/>
+          </a:xfrm>
+          <a:prstGeom prst="rect">
+            <a:avLst/>
+          </a:prstGeom>
+          <a:noFill/>
+        </p:spPr>
+        <p:txBody>
+          <a:bodyPr wrap="square" rtlCol="0">
+            <a:spAutoFit/>
+          </a:bodyPr>
+          <a:lstStyle/>
+          <a:p>
+            <a:r>
+              <a:rPr lang="en-US" sz="1400" b="1" dirty="0">
+                <a:solidFill>
+                  <a:schemeClr val="bg1"/>
+                </a:solidFill>
+              </a:rPr>
+              <a:t>Honeypot All PLC Emulator Detailed State Page </a:t>
+            </a:r>
+            <a:endParaRPr lang="en-SG" sz="1400" b="1" dirty="0">
+              <a:solidFill>
+                <a:schemeClr val="bg1"/>
+              </a:solidFill>
+            </a:endParaRPr>
+          </a:p>
+        </p:txBody>
+      </p:sp>
+    </p:spTree>
+    <p:extLst>
+      <p:ext uri="{BB962C8B-B14F-4D97-AF65-F5344CB8AC3E}">
+        <p14:creationId xmlns:p14="http://schemas.microsoft.com/office/powerpoint/2010/main" val="3498106395"/>
+      </p:ext>
+    </p:extLst>
+  </p:cSld>
+  <p:clrMapOvr>
+    <a:masterClrMapping/>
+  </p:clrMapOvr>
+</p:sld>
+</file>
+
+<file path=ppt/slides/slide15.xml><?xml version="1.0" encoding="utf-8"?>
+<p:sld xmlns:a="http://schemas.openxmlformats.org/drawingml/2006/main" xmlns:r="http://schemas.openxmlformats.org/officeDocument/2006/relationships" xmlns:p="http://schemas.openxmlformats.org/presentationml/2006/main">
+  <p:cSld>
+    <p:spTree>
+      <p:nvGrpSpPr>
+        <p:cNvPr id="1" name=""/>
+        <p:cNvGrpSpPr/>
+        <p:nvPr/>
+      </p:nvGrpSpPr>
+      <p:grpSpPr>
+        <a:xfrm>
+          <a:off x="0" y="0"/>
+          <a:ext cx="0" cy="0"/>
+          <a:chOff x="0" y="0"/>
+          <a:chExt cx="0" cy="0"/>
+        </a:xfrm>
+      </p:grpSpPr>
+      <p:pic>
+        <p:nvPicPr>
+          <p:cNvPr id="5" name="Picture 4" descr="A screenshot of a computer&#10;&#10;Description automatically generated">
+            <a:extLst>
+              <a:ext uri="{FF2B5EF4-FFF2-40B4-BE49-F238E27FC236}">
+                <a16:creationId xmlns:a16="http://schemas.microsoft.com/office/drawing/2014/main" id="{E969B081-D194-62DE-FB67-9D6CD3B7CFA5}"/>
+              </a:ext>
+            </a:extLst>
+          </p:cNvPr>
+          <p:cNvPicPr>
+            <a:picLocks noChangeAspect="1"/>
+          </p:cNvPicPr>
+          <p:nvPr/>
+        </p:nvPicPr>
+        <p:blipFill>
+          <a:blip r:embed="rId2">
+            <a:extLst>
+              <a:ext uri="{28A0092B-C50C-407E-A947-70E740481C1C}">
+                <a14:useLocalDpi xmlns:a14="http://schemas.microsoft.com/office/drawing/2010/main" val="0"/>
+              </a:ext>
+            </a:extLst>
+          </a:blip>
+          <a:stretch>
+            <a:fillRect/>
+          </a:stretch>
+        </p:blipFill>
+        <p:spPr>
+          <a:xfrm>
+            <a:off x="6096000" y="943277"/>
+            <a:ext cx="5237344" cy="3395716"/>
+          </a:xfrm>
+          <a:prstGeom prst="rect">
+            <a:avLst/>
+          </a:prstGeom>
+        </p:spPr>
+      </p:pic>
+      <p:pic>
+        <p:nvPicPr>
+          <p:cNvPr id="7" name="Picture 6" descr="A screenshot of a computer&#10;&#10;Description automatically generated">
+            <a:extLst>
+              <a:ext uri="{FF2B5EF4-FFF2-40B4-BE49-F238E27FC236}">
+                <a16:creationId xmlns:a16="http://schemas.microsoft.com/office/drawing/2014/main" id="{26504F4D-5CE9-95EA-F1FE-880AE73EFD6E}"/>
+              </a:ext>
+            </a:extLst>
+          </p:cNvPr>
+          <p:cNvPicPr>
+            <a:picLocks noChangeAspect="1"/>
+          </p:cNvPicPr>
+          <p:nvPr/>
+        </p:nvPicPr>
+        <p:blipFill>
+          <a:blip r:embed="rId3">
+            <a:extLst>
+              <a:ext uri="{28A0092B-C50C-407E-A947-70E740481C1C}">
+                <a14:useLocalDpi xmlns:a14="http://schemas.microsoft.com/office/drawing/2010/main" val="0"/>
+              </a:ext>
+            </a:extLst>
+          </a:blip>
+          <a:stretch>
+            <a:fillRect/>
+          </a:stretch>
+        </p:blipFill>
+        <p:spPr>
+          <a:xfrm>
+            <a:off x="590588" y="943277"/>
+            <a:ext cx="5237344" cy="3395716"/>
+          </a:xfrm>
+          <a:prstGeom prst="rect">
+            <a:avLst/>
+          </a:prstGeom>
+        </p:spPr>
+      </p:pic>
+      <p:sp>
+        <p:nvSpPr>
+          <p:cNvPr id="8" name="TextBox 7">
+            <a:extLst>
+              <a:ext uri="{FF2B5EF4-FFF2-40B4-BE49-F238E27FC236}">
+                <a16:creationId xmlns:a16="http://schemas.microsoft.com/office/drawing/2014/main" id="{5909CDA7-C311-0E75-6A5F-055EA3C5A82C}"/>
+              </a:ext>
+            </a:extLst>
+          </p:cNvPr>
+          <p:cNvSpPr txBox="1"/>
+          <p:nvPr/>
+        </p:nvSpPr>
+        <p:spPr>
+          <a:xfrm>
+            <a:off x="713371" y="3958124"/>
+            <a:ext cx="3845009" cy="307777"/>
+          </a:xfrm>
+          <a:prstGeom prst="rect">
+            <a:avLst/>
+          </a:prstGeom>
+          <a:noFill/>
+        </p:spPr>
+        <p:txBody>
+          <a:bodyPr wrap="square" rtlCol="0">
+            <a:spAutoFit/>
+          </a:bodyPr>
+          <a:lstStyle/>
+          <a:p>
+            <a:r>
+              <a:rPr lang="en-US" sz="1400" b="1" dirty="0">
+                <a:solidFill>
+                  <a:schemeClr val="bg1"/>
+                </a:solidFill>
+              </a:rPr>
+              <a:t>Honeypot All PLC Controller Overview Page </a:t>
+            </a:r>
+            <a:endParaRPr lang="en-SG" sz="1400" b="1" dirty="0">
+              <a:solidFill>
+                <a:schemeClr val="bg1"/>
+              </a:solidFill>
+            </a:endParaRPr>
+          </a:p>
+        </p:txBody>
+      </p:sp>
+      <p:sp>
+        <p:nvSpPr>
+          <p:cNvPr id="9" name="TextBox 8">
+            <a:extLst>
+              <a:ext uri="{FF2B5EF4-FFF2-40B4-BE49-F238E27FC236}">
+                <a16:creationId xmlns:a16="http://schemas.microsoft.com/office/drawing/2014/main" id="{2E052D89-B166-AA3F-4D3E-14F9B2FA3864}"/>
+              </a:ext>
+            </a:extLst>
+          </p:cNvPr>
+          <p:cNvSpPr txBox="1"/>
+          <p:nvPr/>
+        </p:nvSpPr>
+        <p:spPr>
+          <a:xfrm>
+            <a:off x="6167384" y="3958123"/>
+            <a:ext cx="4063544" cy="307777"/>
+          </a:xfrm>
+          <a:prstGeom prst="rect">
+            <a:avLst/>
+          </a:prstGeom>
+          <a:noFill/>
+        </p:spPr>
+        <p:txBody>
+          <a:bodyPr wrap="square" rtlCol="0">
+            <a:spAutoFit/>
+          </a:bodyPr>
+          <a:lstStyle/>
+          <a:p>
+            <a:r>
+              <a:rPr lang="en-US" sz="1400" b="1" dirty="0">
+                <a:solidFill>
+                  <a:schemeClr val="bg1"/>
+                </a:solidFill>
+              </a:rPr>
+              <a:t>Honeypot All PLC Controller Detailed State Page </a:t>
+            </a:r>
+            <a:endParaRPr lang="en-SG" sz="1400" b="1" dirty="0">
+              <a:solidFill>
+                <a:schemeClr val="bg1"/>
+              </a:solidFill>
+            </a:endParaRPr>
+          </a:p>
+        </p:txBody>
+      </p:sp>
+    </p:spTree>
+    <p:extLst>
+      <p:ext uri="{BB962C8B-B14F-4D97-AF65-F5344CB8AC3E}">
+        <p14:creationId xmlns:p14="http://schemas.microsoft.com/office/powerpoint/2010/main" val="2305504984"/>
       </p:ext>
     </p:extLst>
   </p:cSld>

--- a/doc/designDoc.pptx
+++ b/doc/designDoc.pptx
@@ -5,7 +5,7 @@
     <p:sldMasterId id="2147483648" r:id="rId1"/>
   </p:sldMasterIdLst>
   <p:notesMasterIdLst>
-    <p:notesMasterId r:id="rId17"/>
+    <p:notesMasterId r:id="rId19"/>
   </p:notesMasterIdLst>
   <p:sldIdLst>
     <p:sldId id="256" r:id="rId2"/>
@@ -23,6 +23,8 @@
     <p:sldId id="266" r:id="rId14"/>
     <p:sldId id="269" r:id="rId15"/>
     <p:sldId id="270" r:id="rId16"/>
+    <p:sldId id="271" r:id="rId17"/>
+    <p:sldId id="272" r:id="rId18"/>
   </p:sldIdLst>
   <p:sldSz cx="12192000" cy="6858000"/>
   <p:notesSz cx="6858000" cy="9144000"/>
@@ -211,7 +213,7 @@
           <a:p>
             <a:fld id="{C711259C-07AC-49B2-B02B-76ECE0D8068C}" type="datetimeFigureOut">
               <a:rPr lang="en-SG" smtClean="0"/>
-              <a:t>24/11/2024</a:t>
+              <a:t>26/11/2024</a:t>
             </a:fld>
             <a:endParaRPr lang="en-SG"/>
           </a:p>
@@ -712,7 +714,7 @@
           <a:p>
             <a:fld id="{E7602038-B3F0-4825-ABDA-D66CE1C4CFDA}" type="datetimeFigureOut">
               <a:rPr lang="en-SG" smtClean="0"/>
-              <a:t>24/11/2024</a:t>
+              <a:t>26/11/2024</a:t>
             </a:fld>
             <a:endParaRPr lang="en-SG"/>
           </a:p>
@@ -912,7 +914,7 @@
           <a:p>
             <a:fld id="{E7602038-B3F0-4825-ABDA-D66CE1C4CFDA}" type="datetimeFigureOut">
               <a:rPr lang="en-SG" smtClean="0"/>
-              <a:t>24/11/2024</a:t>
+              <a:t>26/11/2024</a:t>
             </a:fld>
             <a:endParaRPr lang="en-SG"/>
           </a:p>
@@ -1122,7 +1124,7 @@
           <a:p>
             <a:fld id="{E7602038-B3F0-4825-ABDA-D66CE1C4CFDA}" type="datetimeFigureOut">
               <a:rPr lang="en-SG" smtClean="0"/>
-              <a:t>24/11/2024</a:t>
+              <a:t>26/11/2024</a:t>
             </a:fld>
             <a:endParaRPr lang="en-SG"/>
           </a:p>
@@ -1322,7 +1324,7 @@
           <a:p>
             <a:fld id="{E7602038-B3F0-4825-ABDA-D66CE1C4CFDA}" type="datetimeFigureOut">
               <a:rPr lang="en-SG" smtClean="0"/>
-              <a:t>24/11/2024</a:t>
+              <a:t>26/11/2024</a:t>
             </a:fld>
             <a:endParaRPr lang="en-SG"/>
           </a:p>
@@ -1598,7 +1600,7 @@
           <a:p>
             <a:fld id="{E7602038-B3F0-4825-ABDA-D66CE1C4CFDA}" type="datetimeFigureOut">
               <a:rPr lang="en-SG" smtClean="0"/>
-              <a:t>24/11/2024</a:t>
+              <a:t>26/11/2024</a:t>
             </a:fld>
             <a:endParaRPr lang="en-SG"/>
           </a:p>
@@ -1866,7 +1868,7 @@
           <a:p>
             <a:fld id="{E7602038-B3F0-4825-ABDA-D66CE1C4CFDA}" type="datetimeFigureOut">
               <a:rPr lang="en-SG" smtClean="0"/>
-              <a:t>24/11/2024</a:t>
+              <a:t>26/11/2024</a:t>
             </a:fld>
             <a:endParaRPr lang="en-SG"/>
           </a:p>
@@ -2281,7 +2283,7 @@
           <a:p>
             <a:fld id="{E7602038-B3F0-4825-ABDA-D66CE1C4CFDA}" type="datetimeFigureOut">
               <a:rPr lang="en-SG" smtClean="0"/>
-              <a:t>24/11/2024</a:t>
+              <a:t>26/11/2024</a:t>
             </a:fld>
             <a:endParaRPr lang="en-SG"/>
           </a:p>
@@ -2423,7 +2425,7 @@
           <a:p>
             <a:fld id="{E7602038-B3F0-4825-ABDA-D66CE1C4CFDA}" type="datetimeFigureOut">
               <a:rPr lang="en-SG" smtClean="0"/>
-              <a:t>24/11/2024</a:t>
+              <a:t>26/11/2024</a:t>
             </a:fld>
             <a:endParaRPr lang="en-SG"/>
           </a:p>
@@ -2536,7 +2538,7 @@
           <a:p>
             <a:fld id="{E7602038-B3F0-4825-ABDA-D66CE1C4CFDA}" type="datetimeFigureOut">
               <a:rPr lang="en-SG" smtClean="0"/>
-              <a:t>24/11/2024</a:t>
+              <a:t>26/11/2024</a:t>
             </a:fld>
             <a:endParaRPr lang="en-SG"/>
           </a:p>
@@ -2849,7 +2851,7 @@
           <a:p>
             <a:fld id="{E7602038-B3F0-4825-ABDA-D66CE1C4CFDA}" type="datetimeFigureOut">
               <a:rPr lang="en-SG" smtClean="0"/>
-              <a:t>24/11/2024</a:t>
+              <a:t>26/11/2024</a:t>
             </a:fld>
             <a:endParaRPr lang="en-SG"/>
           </a:p>
@@ -3138,7 +3140,7 @@
           <a:p>
             <a:fld id="{E7602038-B3F0-4825-ABDA-D66CE1C4CFDA}" type="datetimeFigureOut">
               <a:rPr lang="en-SG" smtClean="0"/>
-              <a:t>24/11/2024</a:t>
+              <a:t>26/11/2024</a:t>
             </a:fld>
             <a:endParaRPr lang="en-SG"/>
           </a:p>
@@ -3381,7 +3383,7 @@
           <a:p>
             <a:fld id="{E7602038-B3F0-4825-ABDA-D66CE1C4CFDA}" type="datetimeFigureOut">
               <a:rPr lang="en-SG" smtClean="0"/>
-              <a:t>24/11/2024</a:t>
+              <a:t>26/11/2024</a:t>
             </a:fld>
             <a:endParaRPr lang="en-SG"/>
           </a:p>
@@ -8116,7 +8118,7 @@
         </p:blipFill>
         <p:spPr>
           <a:xfrm>
-            <a:off x="6096000" y="943277"/>
+            <a:off x="6015613" y="259989"/>
             <a:ext cx="5237344" cy="3395716"/>
           </a:xfrm>
           <a:prstGeom prst="rect">
@@ -8152,7 +8154,7 @@
         </p:blipFill>
         <p:spPr>
           <a:xfrm>
-            <a:off x="590588" y="943277"/>
+            <a:off x="510201" y="259989"/>
             <a:ext cx="5237344" cy="3395716"/>
           </a:xfrm>
           <a:prstGeom prst="rect">
@@ -8174,7 +8176,7 @@
         </p:nvSpPr>
         <p:spPr>
           <a:xfrm>
-            <a:off x="713371" y="3958124"/>
+            <a:off x="632984" y="3274836"/>
             <a:ext cx="3845009" cy="307777"/>
           </a:xfrm>
           <a:prstGeom prst="rect">
@@ -8218,7 +8220,7 @@
         </p:nvSpPr>
         <p:spPr>
           <a:xfrm>
-            <a:off x="6167384" y="3958123"/>
+            <a:off x="6086997" y="3274835"/>
             <a:ext cx="4063544" cy="307777"/>
           </a:xfrm>
           <a:prstGeom prst="rect">
@@ -8252,6 +8254,700 @@
     <p:extLst>
       <p:ext uri="{BB962C8B-B14F-4D97-AF65-F5344CB8AC3E}">
         <p14:creationId xmlns:p14="http://schemas.microsoft.com/office/powerpoint/2010/main" val="2305504984"/>
+      </p:ext>
+    </p:extLst>
+  </p:cSld>
+  <p:clrMapOvr>
+    <a:masterClrMapping/>
+  </p:clrMapOvr>
+</p:sld>
+</file>
+
+<file path=ppt/slides/slide16.xml><?xml version="1.0" encoding="utf-8"?>
+<p:sld xmlns:a="http://schemas.openxmlformats.org/drawingml/2006/main" xmlns:r="http://schemas.openxmlformats.org/officeDocument/2006/relationships" xmlns:p="http://schemas.openxmlformats.org/presentationml/2006/main">
+  <p:cSld>
+    <p:spTree>
+      <p:nvGrpSpPr>
+        <p:cNvPr id="1" name=""/>
+        <p:cNvGrpSpPr/>
+        <p:nvPr/>
+      </p:nvGrpSpPr>
+      <p:grpSpPr>
+        <a:xfrm>
+          <a:off x="0" y="0"/>
+          <a:ext cx="0" cy="0"/>
+          <a:chOff x="0" y="0"/>
+          <a:chExt cx="0" cy="0"/>
+        </a:xfrm>
+      </p:grpSpPr>
+      <p:pic>
+        <p:nvPicPr>
+          <p:cNvPr id="5" name="Picture 4" descr="A screenshot of a computer screen&#10;&#10;Description automatically generated">
+            <a:extLst>
+              <a:ext uri="{FF2B5EF4-FFF2-40B4-BE49-F238E27FC236}">
+                <a16:creationId xmlns:a16="http://schemas.microsoft.com/office/drawing/2014/main" id="{352A9041-9E9B-A942-D1F7-BD75AA59B7A0}"/>
+              </a:ext>
+            </a:extLst>
+          </p:cNvPr>
+          <p:cNvPicPr>
+            <a:picLocks noChangeAspect="1"/>
+          </p:cNvPicPr>
+          <p:nvPr/>
+        </p:nvPicPr>
+        <p:blipFill>
+          <a:blip r:embed="rId2">
+            <a:extLst>
+              <a:ext uri="{28A0092B-C50C-407E-A947-70E740481C1C}">
+                <a14:useLocalDpi xmlns:a14="http://schemas.microsoft.com/office/drawing/2010/main" val="0"/>
+              </a:ext>
+            </a:extLst>
+          </a:blip>
+          <a:stretch>
+            <a:fillRect/>
+          </a:stretch>
+        </p:blipFill>
+        <p:spPr>
+          <a:xfrm>
+            <a:off x="741054" y="1123778"/>
+            <a:ext cx="9847619" cy="1390476"/>
+          </a:xfrm>
+          <a:prstGeom prst="rect">
+            <a:avLst/>
+          </a:prstGeom>
+        </p:spPr>
+      </p:pic>
+      <p:pic>
+        <p:nvPicPr>
+          <p:cNvPr id="7" name="Picture 6" descr="A screen shot of a computer&#10;&#10;Description automatically generated">
+            <a:extLst>
+              <a:ext uri="{FF2B5EF4-FFF2-40B4-BE49-F238E27FC236}">
+                <a16:creationId xmlns:a16="http://schemas.microsoft.com/office/drawing/2014/main" id="{0F91B437-09AD-E87A-F39C-486B6B33109F}"/>
+              </a:ext>
+            </a:extLst>
+          </p:cNvPr>
+          <p:cNvPicPr>
+            <a:picLocks noChangeAspect="1"/>
+          </p:cNvPicPr>
+          <p:nvPr/>
+        </p:nvPicPr>
+        <p:blipFill>
+          <a:blip r:embed="rId3">
+            <a:extLst>
+              <a:ext uri="{28A0092B-C50C-407E-A947-70E740481C1C}">
+                <a14:useLocalDpi xmlns:a14="http://schemas.microsoft.com/office/drawing/2010/main" val="0"/>
+              </a:ext>
+            </a:extLst>
+          </a:blip>
+          <a:stretch>
+            <a:fillRect/>
+          </a:stretch>
+        </p:blipFill>
+        <p:spPr>
+          <a:xfrm>
+            <a:off x="779149" y="3253434"/>
+            <a:ext cx="9885714" cy="1457143"/>
+          </a:xfrm>
+          <a:prstGeom prst="rect">
+            <a:avLst/>
+          </a:prstGeom>
+        </p:spPr>
+      </p:pic>
+      <p:sp>
+        <p:nvSpPr>
+          <p:cNvPr id="8" name="TextBox 7">
+            <a:extLst>
+              <a:ext uri="{FF2B5EF4-FFF2-40B4-BE49-F238E27FC236}">
+                <a16:creationId xmlns:a16="http://schemas.microsoft.com/office/drawing/2014/main" id="{CC47F56D-EEF8-E929-C081-B5BB1C2152D6}"/>
+              </a:ext>
+            </a:extLst>
+          </p:cNvPr>
+          <p:cNvSpPr txBox="1"/>
+          <p:nvPr/>
+        </p:nvSpPr>
+        <p:spPr>
+          <a:xfrm>
+            <a:off x="702959" y="705469"/>
+            <a:ext cx="4455342" cy="307777"/>
+          </a:xfrm>
+          <a:prstGeom prst="rect">
+            <a:avLst/>
+          </a:prstGeom>
+          <a:noFill/>
+        </p:spPr>
+        <p:txBody>
+          <a:bodyPr wrap="square" rtlCol="0">
+            <a:spAutoFit/>
+          </a:bodyPr>
+          <a:lstStyle/>
+          <a:p>
+            <a:r>
+              <a:rPr lang="en-US" sz="1400" b="1" dirty="0"/>
+              <a:t>Honeypot Monitor Hub: Before PLC Report Alert</a:t>
+            </a:r>
+            <a:endParaRPr lang="en-SG" sz="1400" b="1" dirty="0"/>
+          </a:p>
+        </p:txBody>
+      </p:sp>
+      <p:sp>
+        <p:nvSpPr>
+          <p:cNvPr id="9" name="TextBox 8">
+            <a:extLst>
+              <a:ext uri="{FF2B5EF4-FFF2-40B4-BE49-F238E27FC236}">
+                <a16:creationId xmlns:a16="http://schemas.microsoft.com/office/drawing/2014/main" id="{D9007676-167B-11AA-8732-D45D7D1ED81E}"/>
+              </a:ext>
+            </a:extLst>
+          </p:cNvPr>
+          <p:cNvSpPr txBox="1"/>
+          <p:nvPr/>
+        </p:nvSpPr>
+        <p:spPr>
+          <a:xfrm>
+            <a:off x="741054" y="2945657"/>
+            <a:ext cx="4455342" cy="307777"/>
+          </a:xfrm>
+          <a:prstGeom prst="rect">
+            <a:avLst/>
+          </a:prstGeom>
+          <a:noFill/>
+        </p:spPr>
+        <p:txBody>
+          <a:bodyPr wrap="square" rtlCol="0">
+            <a:spAutoFit/>
+          </a:bodyPr>
+          <a:lstStyle/>
+          <a:p>
+            <a:r>
+              <a:rPr lang="en-US" sz="1400" b="1" dirty="0">
+                <a:solidFill>
+                  <a:srgbClr val="C00000"/>
+                </a:solidFill>
+              </a:rPr>
+              <a:t>Honeypot Monitor Hub: After PLC Report Alert</a:t>
+            </a:r>
+            <a:endParaRPr lang="en-SG" sz="1400" b="1" dirty="0">
+              <a:solidFill>
+                <a:srgbClr val="C00000"/>
+              </a:solidFill>
+            </a:endParaRPr>
+          </a:p>
+        </p:txBody>
+      </p:sp>
+      <p:sp>
+        <p:nvSpPr>
+          <p:cNvPr id="10" name="Arrow: Down 9">
+            <a:extLst>
+              <a:ext uri="{FF2B5EF4-FFF2-40B4-BE49-F238E27FC236}">
+                <a16:creationId xmlns:a16="http://schemas.microsoft.com/office/drawing/2014/main" id="{E58B61E5-D9C3-5712-1705-A3D007D0121D}"/>
+              </a:ext>
+            </a:extLst>
+          </p:cNvPr>
+          <p:cNvSpPr/>
+          <p:nvPr/>
+        </p:nvSpPr>
+        <p:spPr>
+          <a:xfrm>
+            <a:off x="5293074" y="2641161"/>
+            <a:ext cx="371789" cy="401934"/>
+          </a:xfrm>
+          <a:prstGeom prst="downArrow">
+            <a:avLst/>
+          </a:prstGeom>
+        </p:spPr>
+        <p:style>
+          <a:lnRef idx="2">
+            <a:schemeClr val="accent1">
+              <a:shade val="15000"/>
+            </a:schemeClr>
+          </a:lnRef>
+          <a:fillRef idx="1">
+            <a:schemeClr val="accent1"/>
+          </a:fillRef>
+          <a:effectRef idx="0">
+            <a:schemeClr val="accent1"/>
+          </a:effectRef>
+          <a:fontRef idx="minor">
+            <a:schemeClr val="lt1"/>
+          </a:fontRef>
+        </p:style>
+        <p:txBody>
+          <a:bodyPr rtlCol="0" anchor="ctr"/>
+          <a:lstStyle/>
+          <a:p>
+            <a:pPr algn="ctr"/>
+            <a:endParaRPr lang="en-SG"/>
+          </a:p>
+        </p:txBody>
+      </p:sp>
+      <p:sp>
+        <p:nvSpPr>
+          <p:cNvPr id="11" name="Rectangle 10">
+            <a:extLst>
+              <a:ext uri="{FF2B5EF4-FFF2-40B4-BE49-F238E27FC236}">
+                <a16:creationId xmlns:a16="http://schemas.microsoft.com/office/drawing/2014/main" id="{8D17A57C-B2B2-3A4D-57A8-F9F78FEA1D4F}"/>
+              </a:ext>
+            </a:extLst>
+          </p:cNvPr>
+          <p:cNvSpPr/>
+          <p:nvPr/>
+        </p:nvSpPr>
+        <p:spPr>
+          <a:xfrm>
+            <a:off x="8219552" y="1517301"/>
+            <a:ext cx="1215850" cy="803868"/>
+          </a:xfrm>
+          <a:prstGeom prst="rect">
+            <a:avLst/>
+          </a:prstGeom>
+          <a:noFill/>
+          <a:ln w="28575">
+            <a:solidFill>
+              <a:srgbClr val="00B050"/>
+            </a:solidFill>
+            <a:prstDash val="sysDash"/>
+          </a:ln>
+        </p:spPr>
+        <p:style>
+          <a:lnRef idx="2">
+            <a:schemeClr val="accent1">
+              <a:shade val="15000"/>
+            </a:schemeClr>
+          </a:lnRef>
+          <a:fillRef idx="1">
+            <a:schemeClr val="accent1"/>
+          </a:fillRef>
+          <a:effectRef idx="0">
+            <a:schemeClr val="accent1"/>
+          </a:effectRef>
+          <a:fontRef idx="minor">
+            <a:schemeClr val="lt1"/>
+          </a:fontRef>
+        </p:style>
+        <p:txBody>
+          <a:bodyPr rtlCol="0" anchor="ctr"/>
+          <a:lstStyle/>
+          <a:p>
+            <a:pPr algn="ctr"/>
+            <a:endParaRPr lang="en-SG" dirty="0"/>
+          </a:p>
+        </p:txBody>
+      </p:sp>
+      <p:sp>
+        <p:nvSpPr>
+          <p:cNvPr id="12" name="Rectangle 11">
+            <a:extLst>
+              <a:ext uri="{FF2B5EF4-FFF2-40B4-BE49-F238E27FC236}">
+                <a16:creationId xmlns:a16="http://schemas.microsoft.com/office/drawing/2014/main" id="{1B48D5DA-0634-17C3-21E5-098B6F99644D}"/>
+              </a:ext>
+            </a:extLst>
+          </p:cNvPr>
+          <p:cNvSpPr/>
+          <p:nvPr/>
+        </p:nvSpPr>
+        <p:spPr>
+          <a:xfrm>
+            <a:off x="8219552" y="3709516"/>
+            <a:ext cx="1215850" cy="803868"/>
+          </a:xfrm>
+          <a:prstGeom prst="rect">
+            <a:avLst/>
+          </a:prstGeom>
+          <a:noFill/>
+          <a:ln w="28575">
+            <a:solidFill>
+              <a:srgbClr val="FF0000"/>
+            </a:solidFill>
+            <a:prstDash val="sysDash"/>
+          </a:ln>
+        </p:spPr>
+        <p:style>
+          <a:lnRef idx="2">
+            <a:schemeClr val="accent1">
+              <a:shade val="15000"/>
+            </a:schemeClr>
+          </a:lnRef>
+          <a:fillRef idx="1">
+            <a:schemeClr val="accent1"/>
+          </a:fillRef>
+          <a:effectRef idx="0">
+            <a:schemeClr val="accent1"/>
+          </a:effectRef>
+          <a:fontRef idx="minor">
+            <a:schemeClr val="lt1"/>
+          </a:fontRef>
+        </p:style>
+        <p:txBody>
+          <a:bodyPr rtlCol="0" anchor="ctr"/>
+          <a:lstStyle/>
+          <a:p>
+            <a:pPr algn="ctr"/>
+            <a:endParaRPr lang="en-SG" dirty="0"/>
+          </a:p>
+        </p:txBody>
+      </p:sp>
+      <p:cxnSp>
+        <p:nvCxnSpPr>
+          <p:cNvPr id="14" name="Straight Arrow Connector 13">
+            <a:extLst>
+              <a:ext uri="{FF2B5EF4-FFF2-40B4-BE49-F238E27FC236}">
+                <a16:creationId xmlns:a16="http://schemas.microsoft.com/office/drawing/2014/main" id="{819D74D9-AC4F-7F2A-2C43-96A45BC3C660}"/>
+              </a:ext>
+            </a:extLst>
+          </p:cNvPr>
+          <p:cNvCxnSpPr>
+            <a:cxnSpLocks/>
+          </p:cNvCxnSpPr>
+          <p:nvPr/>
+        </p:nvCxnSpPr>
+        <p:spPr>
+          <a:xfrm>
+            <a:off x="8857622" y="2321169"/>
+            <a:ext cx="0" cy="1388347"/>
+          </a:xfrm>
+          <a:prstGeom prst="straightConnector1">
+            <a:avLst/>
+          </a:prstGeom>
+          <a:ln>
+            <a:solidFill>
+              <a:srgbClr val="FF0000"/>
+            </a:solidFill>
+            <a:tailEnd type="triangle"/>
+          </a:ln>
+        </p:spPr>
+        <p:style>
+          <a:lnRef idx="2">
+            <a:schemeClr val="accent1"/>
+          </a:lnRef>
+          <a:fillRef idx="0">
+            <a:schemeClr val="accent1"/>
+          </a:fillRef>
+          <a:effectRef idx="1">
+            <a:schemeClr val="accent1"/>
+          </a:effectRef>
+          <a:fontRef idx="minor">
+            <a:schemeClr val="tx1"/>
+          </a:fontRef>
+        </p:style>
+      </p:cxnSp>
+    </p:spTree>
+    <p:extLst>
+      <p:ext uri="{BB962C8B-B14F-4D97-AF65-F5344CB8AC3E}">
+        <p14:creationId xmlns:p14="http://schemas.microsoft.com/office/powerpoint/2010/main" val="2735021815"/>
+      </p:ext>
+    </p:extLst>
+  </p:cSld>
+  <p:clrMapOvr>
+    <a:masterClrMapping/>
+  </p:clrMapOvr>
+</p:sld>
+</file>
+
+<file path=ppt/slides/slide17.xml><?xml version="1.0" encoding="utf-8"?>
+<p:sld xmlns:a="http://schemas.openxmlformats.org/drawingml/2006/main" xmlns:r="http://schemas.openxmlformats.org/officeDocument/2006/relationships" xmlns:p="http://schemas.openxmlformats.org/presentationml/2006/main">
+  <p:cSld>
+    <p:spTree>
+      <p:nvGrpSpPr>
+        <p:cNvPr id="1" name=""/>
+        <p:cNvGrpSpPr/>
+        <p:nvPr/>
+      </p:nvGrpSpPr>
+      <p:grpSpPr>
+        <a:xfrm>
+          <a:off x="0" y="0"/>
+          <a:ext cx="0" cy="0"/>
+          <a:chOff x="0" y="0"/>
+          <a:chExt cx="0" cy="0"/>
+        </a:xfrm>
+      </p:grpSpPr>
+      <p:pic>
+        <p:nvPicPr>
+          <p:cNvPr id="5" name="Picture 4" descr="A screenshot of a computer&#10;&#10;Description automatically generated">
+            <a:extLst>
+              <a:ext uri="{FF2B5EF4-FFF2-40B4-BE49-F238E27FC236}">
+                <a16:creationId xmlns:a16="http://schemas.microsoft.com/office/drawing/2014/main" id="{DE282D43-D5B3-5D3E-8684-B8FD6476F2C4}"/>
+              </a:ext>
+            </a:extLst>
+          </p:cNvPr>
+          <p:cNvPicPr>
+            <a:picLocks noChangeAspect="1"/>
+          </p:cNvPicPr>
+          <p:nvPr/>
+        </p:nvPicPr>
+        <p:blipFill>
+          <a:blip r:embed="rId2">
+            <a:extLst>
+              <a:ext uri="{28A0092B-C50C-407E-A947-70E740481C1C}">
+                <a14:useLocalDpi xmlns:a14="http://schemas.microsoft.com/office/drawing/2010/main" val="0"/>
+              </a:ext>
+            </a:extLst>
+          </a:blip>
+          <a:stretch>
+            <a:fillRect/>
+          </a:stretch>
+        </p:blipFill>
+        <p:spPr>
+          <a:xfrm>
+            <a:off x="168443" y="340328"/>
+            <a:ext cx="11155128" cy="3369188"/>
+          </a:xfrm>
+          <a:prstGeom prst="rect">
+            <a:avLst/>
+          </a:prstGeom>
+        </p:spPr>
+      </p:pic>
+      <p:sp>
+        <p:nvSpPr>
+          <p:cNvPr id="6" name="Rectangle 5">
+            <a:extLst>
+              <a:ext uri="{FF2B5EF4-FFF2-40B4-BE49-F238E27FC236}">
+                <a16:creationId xmlns:a16="http://schemas.microsoft.com/office/drawing/2014/main" id="{4B92A9C7-8A73-1F59-AE31-EE1051BE199F}"/>
+              </a:ext>
+            </a:extLst>
+          </p:cNvPr>
+          <p:cNvSpPr/>
+          <p:nvPr/>
+        </p:nvSpPr>
+        <p:spPr>
+          <a:xfrm>
+            <a:off x="7100614" y="2490536"/>
+            <a:ext cx="4040627" cy="565485"/>
+          </a:xfrm>
+          <a:prstGeom prst="rect">
+            <a:avLst/>
+          </a:prstGeom>
+          <a:noFill/>
+          <a:ln w="28575">
+            <a:solidFill>
+              <a:srgbClr val="FF0000"/>
+            </a:solidFill>
+            <a:prstDash val="sysDash"/>
+          </a:ln>
+        </p:spPr>
+        <p:style>
+          <a:lnRef idx="2">
+            <a:schemeClr val="accent1">
+              <a:shade val="15000"/>
+            </a:schemeClr>
+          </a:lnRef>
+          <a:fillRef idx="1">
+            <a:schemeClr val="accent1"/>
+          </a:fillRef>
+          <a:effectRef idx="0">
+            <a:schemeClr val="accent1"/>
+          </a:effectRef>
+          <a:fontRef idx="minor">
+            <a:schemeClr val="lt1"/>
+          </a:fontRef>
+        </p:style>
+        <p:txBody>
+          <a:bodyPr rtlCol="0" anchor="ctr"/>
+          <a:lstStyle/>
+          <a:p>
+            <a:pPr algn="ctr"/>
+            <a:endParaRPr lang="en-SG" dirty="0"/>
+          </a:p>
+        </p:txBody>
+      </p:sp>
+      <p:sp>
+        <p:nvSpPr>
+          <p:cNvPr id="7" name="Rectangle 6">
+            <a:extLst>
+              <a:ext uri="{FF2B5EF4-FFF2-40B4-BE49-F238E27FC236}">
+                <a16:creationId xmlns:a16="http://schemas.microsoft.com/office/drawing/2014/main" id="{C3217513-9A28-0F53-3F9D-54DB3B762560}"/>
+              </a:ext>
+            </a:extLst>
+          </p:cNvPr>
+          <p:cNvSpPr/>
+          <p:nvPr/>
+        </p:nvSpPr>
+        <p:spPr>
+          <a:xfrm>
+            <a:off x="3125037" y="2944387"/>
+            <a:ext cx="3793247" cy="565485"/>
+          </a:xfrm>
+          <a:prstGeom prst="rect">
+            <a:avLst/>
+          </a:prstGeom>
+          <a:noFill/>
+          <a:ln w="28575">
+            <a:solidFill>
+              <a:srgbClr val="FF0000"/>
+            </a:solidFill>
+            <a:prstDash val="sysDash"/>
+          </a:ln>
+        </p:spPr>
+        <p:style>
+          <a:lnRef idx="2">
+            <a:schemeClr val="accent1">
+              <a:shade val="15000"/>
+            </a:schemeClr>
+          </a:lnRef>
+          <a:fillRef idx="1">
+            <a:schemeClr val="accent1"/>
+          </a:fillRef>
+          <a:effectRef idx="0">
+            <a:schemeClr val="accent1"/>
+          </a:effectRef>
+          <a:fontRef idx="minor">
+            <a:schemeClr val="lt1"/>
+          </a:fontRef>
+        </p:style>
+        <p:txBody>
+          <a:bodyPr rtlCol="0" anchor="ctr"/>
+          <a:lstStyle/>
+          <a:p>
+            <a:pPr algn="ctr"/>
+            <a:endParaRPr lang="en-SG" dirty="0"/>
+          </a:p>
+        </p:txBody>
+      </p:sp>
+      <p:cxnSp>
+        <p:nvCxnSpPr>
+          <p:cNvPr id="8" name="Straight Arrow Connector 7">
+            <a:extLst>
+              <a:ext uri="{FF2B5EF4-FFF2-40B4-BE49-F238E27FC236}">
+                <a16:creationId xmlns:a16="http://schemas.microsoft.com/office/drawing/2014/main" id="{1BA035D1-EFDF-2FF0-71E7-113E5A86965E}"/>
+              </a:ext>
+            </a:extLst>
+          </p:cNvPr>
+          <p:cNvCxnSpPr>
+            <a:cxnSpLocks/>
+          </p:cNvCxnSpPr>
+          <p:nvPr/>
+        </p:nvCxnSpPr>
+        <p:spPr>
+          <a:xfrm flipH="1" flipV="1">
+            <a:off x="6998677" y="3492111"/>
+            <a:ext cx="758651" cy="0"/>
+          </a:xfrm>
+          <a:prstGeom prst="straightConnector1">
+            <a:avLst/>
+          </a:prstGeom>
+          <a:ln>
+            <a:solidFill>
+              <a:srgbClr val="FF0000"/>
+            </a:solidFill>
+            <a:tailEnd type="triangle"/>
+          </a:ln>
+        </p:spPr>
+        <p:style>
+          <a:lnRef idx="2">
+            <a:schemeClr val="accent1"/>
+          </a:lnRef>
+          <a:fillRef idx="0">
+            <a:schemeClr val="accent1"/>
+          </a:fillRef>
+          <a:effectRef idx="1">
+            <a:schemeClr val="accent1"/>
+          </a:effectRef>
+          <a:fontRef idx="minor">
+            <a:schemeClr val="tx1"/>
+          </a:fontRef>
+        </p:style>
+      </p:cxnSp>
+      <p:cxnSp>
+        <p:nvCxnSpPr>
+          <p:cNvPr id="11" name="Straight Arrow Connector 10">
+            <a:extLst>
+              <a:ext uri="{FF2B5EF4-FFF2-40B4-BE49-F238E27FC236}">
+                <a16:creationId xmlns:a16="http://schemas.microsoft.com/office/drawing/2014/main" id="{0A604918-06C7-3826-EC50-E29F1D5F18C2}"/>
+              </a:ext>
+            </a:extLst>
+          </p:cNvPr>
+          <p:cNvCxnSpPr>
+            <a:cxnSpLocks/>
+          </p:cNvCxnSpPr>
+          <p:nvPr/>
+        </p:nvCxnSpPr>
+        <p:spPr>
+          <a:xfrm flipV="1">
+            <a:off x="9266255" y="3056021"/>
+            <a:ext cx="0" cy="225074"/>
+          </a:xfrm>
+          <a:prstGeom prst="straightConnector1">
+            <a:avLst/>
+          </a:prstGeom>
+          <a:ln>
+            <a:solidFill>
+              <a:srgbClr val="FF0000"/>
+            </a:solidFill>
+            <a:tailEnd type="triangle"/>
+          </a:ln>
+        </p:spPr>
+        <p:style>
+          <a:lnRef idx="2">
+            <a:schemeClr val="accent1"/>
+          </a:lnRef>
+          <a:fillRef idx="0">
+            <a:schemeClr val="accent1"/>
+          </a:fillRef>
+          <a:effectRef idx="1">
+            <a:schemeClr val="accent1"/>
+          </a:effectRef>
+          <a:fontRef idx="minor">
+            <a:schemeClr val="tx1"/>
+          </a:fontRef>
+        </p:style>
+      </p:cxnSp>
+      <p:sp>
+        <p:nvSpPr>
+          <p:cNvPr id="13" name="TextBox 12">
+            <a:extLst>
+              <a:ext uri="{FF2B5EF4-FFF2-40B4-BE49-F238E27FC236}">
+                <a16:creationId xmlns:a16="http://schemas.microsoft.com/office/drawing/2014/main" id="{AAE9B18F-ED8F-912D-DC7B-46214CF3A669}"/>
+              </a:ext>
+            </a:extLst>
+          </p:cNvPr>
+          <p:cNvSpPr txBox="1"/>
+          <p:nvPr/>
+        </p:nvSpPr>
+        <p:spPr>
+          <a:xfrm>
+            <a:off x="7853659" y="3313729"/>
+            <a:ext cx="3095932" cy="307777"/>
+          </a:xfrm>
+          <a:prstGeom prst="rect">
+            <a:avLst/>
+          </a:prstGeom>
+          <a:noFill/>
+        </p:spPr>
+        <p:txBody>
+          <a:bodyPr wrap="square" rtlCol="0">
+            <a:spAutoFit/>
+          </a:bodyPr>
+          <a:lstStyle/>
+          <a:p>
+            <a:r>
+              <a:rPr lang="en-US" sz="1400" b="1" dirty="0">
+                <a:solidFill>
+                  <a:srgbClr val="FF0000"/>
+                </a:solidFill>
+              </a:rPr>
+              <a:t>PLC alert report detail information</a:t>
+            </a:r>
+            <a:r>
+              <a:rPr lang="en-US" sz="1400" b="1" dirty="0">
+                <a:solidFill>
+                  <a:schemeClr val="accent2">
+                    <a:lumMod val="75000"/>
+                  </a:schemeClr>
+                </a:solidFill>
+              </a:rPr>
+              <a:t>.</a:t>
+            </a:r>
+            <a:endParaRPr lang="en-SG" sz="1400" b="1" dirty="0">
+              <a:solidFill>
+                <a:schemeClr val="accent2">
+                  <a:lumMod val="75000"/>
+                </a:schemeClr>
+              </a:solidFill>
+            </a:endParaRPr>
+          </a:p>
+        </p:txBody>
+      </p:sp>
+    </p:spTree>
+    <p:extLst>
+      <p:ext uri="{BB962C8B-B14F-4D97-AF65-F5344CB8AC3E}">
+        <p14:creationId xmlns:p14="http://schemas.microsoft.com/office/powerpoint/2010/main" val="211169707"/>
       </p:ext>
     </p:extLst>
   </p:cSld>

--- a/doc/designDoc.pptx
+++ b/doc/designDoc.pptx
@@ -214,7 +214,7 @@
           <a:p>
             <a:fld id="{C711259C-07AC-49B2-B02B-76ECE0D8068C}" type="datetimeFigureOut">
               <a:rPr lang="en-SG" smtClean="0"/>
-              <a:t>27/11/2024</a:t>
+              <a:t>28/11/2024</a:t>
             </a:fld>
             <a:endParaRPr lang="en-SG"/>
           </a:p>
@@ -715,7 +715,7 @@
           <a:p>
             <a:fld id="{E7602038-B3F0-4825-ABDA-D66CE1C4CFDA}" type="datetimeFigureOut">
               <a:rPr lang="en-SG" smtClean="0"/>
-              <a:t>27/11/2024</a:t>
+              <a:t>28/11/2024</a:t>
             </a:fld>
             <a:endParaRPr lang="en-SG"/>
           </a:p>
@@ -915,7 +915,7 @@
           <a:p>
             <a:fld id="{E7602038-B3F0-4825-ABDA-D66CE1C4CFDA}" type="datetimeFigureOut">
               <a:rPr lang="en-SG" smtClean="0"/>
-              <a:t>27/11/2024</a:t>
+              <a:t>28/11/2024</a:t>
             </a:fld>
             <a:endParaRPr lang="en-SG"/>
           </a:p>
@@ -1125,7 +1125,7 @@
           <a:p>
             <a:fld id="{E7602038-B3F0-4825-ABDA-D66CE1C4CFDA}" type="datetimeFigureOut">
               <a:rPr lang="en-SG" smtClean="0"/>
-              <a:t>27/11/2024</a:t>
+              <a:t>28/11/2024</a:t>
             </a:fld>
             <a:endParaRPr lang="en-SG"/>
           </a:p>
@@ -1325,7 +1325,7 @@
           <a:p>
             <a:fld id="{E7602038-B3F0-4825-ABDA-D66CE1C4CFDA}" type="datetimeFigureOut">
               <a:rPr lang="en-SG" smtClean="0"/>
-              <a:t>27/11/2024</a:t>
+              <a:t>28/11/2024</a:t>
             </a:fld>
             <a:endParaRPr lang="en-SG"/>
           </a:p>
@@ -1601,7 +1601,7 @@
           <a:p>
             <a:fld id="{E7602038-B3F0-4825-ABDA-D66CE1C4CFDA}" type="datetimeFigureOut">
               <a:rPr lang="en-SG" smtClean="0"/>
-              <a:t>27/11/2024</a:t>
+              <a:t>28/11/2024</a:t>
             </a:fld>
             <a:endParaRPr lang="en-SG"/>
           </a:p>
@@ -1869,7 +1869,7 @@
           <a:p>
             <a:fld id="{E7602038-B3F0-4825-ABDA-D66CE1C4CFDA}" type="datetimeFigureOut">
               <a:rPr lang="en-SG" smtClean="0"/>
-              <a:t>27/11/2024</a:t>
+              <a:t>28/11/2024</a:t>
             </a:fld>
             <a:endParaRPr lang="en-SG"/>
           </a:p>
@@ -2284,7 +2284,7 @@
           <a:p>
             <a:fld id="{E7602038-B3F0-4825-ABDA-D66CE1C4CFDA}" type="datetimeFigureOut">
               <a:rPr lang="en-SG" smtClean="0"/>
-              <a:t>27/11/2024</a:t>
+              <a:t>28/11/2024</a:t>
             </a:fld>
             <a:endParaRPr lang="en-SG"/>
           </a:p>
@@ -2426,7 +2426,7 @@
           <a:p>
             <a:fld id="{E7602038-B3F0-4825-ABDA-D66CE1C4CFDA}" type="datetimeFigureOut">
               <a:rPr lang="en-SG" smtClean="0"/>
-              <a:t>27/11/2024</a:t>
+              <a:t>28/11/2024</a:t>
             </a:fld>
             <a:endParaRPr lang="en-SG"/>
           </a:p>
@@ -2539,7 +2539,7 @@
           <a:p>
             <a:fld id="{E7602038-B3F0-4825-ABDA-D66CE1C4CFDA}" type="datetimeFigureOut">
               <a:rPr lang="en-SG" smtClean="0"/>
-              <a:t>27/11/2024</a:t>
+              <a:t>28/11/2024</a:t>
             </a:fld>
             <a:endParaRPr lang="en-SG"/>
           </a:p>
@@ -2852,7 +2852,7 @@
           <a:p>
             <a:fld id="{E7602038-B3F0-4825-ABDA-D66CE1C4CFDA}" type="datetimeFigureOut">
               <a:rPr lang="en-SG" smtClean="0"/>
-              <a:t>27/11/2024</a:t>
+              <a:t>28/11/2024</a:t>
             </a:fld>
             <a:endParaRPr lang="en-SG"/>
           </a:p>
@@ -3141,7 +3141,7 @@
           <a:p>
             <a:fld id="{E7602038-B3F0-4825-ABDA-D66CE1C4CFDA}" type="datetimeFigureOut">
               <a:rPr lang="en-SG" smtClean="0"/>
-              <a:t>27/11/2024</a:t>
+              <a:t>28/11/2024</a:t>
             </a:fld>
             <a:endParaRPr lang="en-SG"/>
           </a:p>
@@ -3384,7 +3384,7 @@
           <a:p>
             <a:fld id="{E7602038-B3F0-4825-ABDA-D66CE1C4CFDA}" type="datetimeFigureOut">
               <a:rPr lang="en-SG" smtClean="0"/>
-              <a:t>27/11/2024</a:t>
+              <a:t>28/11/2024</a:t>
             </a:fld>
             <a:endParaRPr lang="en-SG"/>
           </a:p>
@@ -23643,7 +23643,7 @@
           <a:p>
             <a:r>
               <a:rPr lang="en-US" sz="900" b="1" dirty="0"/>
-              <a:t>ID:Controller01</a:t>
+              <a:t>ID:Controller02</a:t>
             </a:r>
           </a:p>
         </p:txBody>
@@ -23965,7 +23965,7 @@
           <a:p>
             <a:r>
               <a:rPr lang="en-US" sz="900" b="1" dirty="0"/>
-              <a:t>ID:Controller00</a:t>
+              <a:t>ID:Controller01</a:t>
             </a:r>
           </a:p>
         </p:txBody>
@@ -25019,6 +25019,76 @@
           </a:p>
         </p:txBody>
       </p:sp>
+      <p:pic>
+        <p:nvPicPr>
+          <p:cNvPr id="2" name="Picture 1">
+            <a:extLst>
+              <a:ext uri="{FF2B5EF4-FFF2-40B4-BE49-F238E27FC236}">
+                <a16:creationId xmlns:a16="http://schemas.microsoft.com/office/drawing/2014/main" id="{05507C8C-8361-71BD-E110-CC00C5B411A2}"/>
+              </a:ext>
+            </a:extLst>
+          </p:cNvPr>
+          <p:cNvPicPr>
+            <a:picLocks noChangeAspect="1"/>
+          </p:cNvPicPr>
+          <p:nvPr/>
+        </p:nvPicPr>
+        <p:blipFill>
+          <a:blip r:embed="rId8"/>
+          <a:stretch>
+            <a:fillRect/>
+          </a:stretch>
+        </p:blipFill>
+        <p:spPr>
+          <a:xfrm>
+            <a:off x="1268739" y="4911716"/>
+            <a:ext cx="516027" cy="572116"/>
+          </a:xfrm>
+          <a:prstGeom prst="rect">
+            <a:avLst/>
+          </a:prstGeom>
+          <a:ln w="9525">
+            <a:solidFill>
+              <a:schemeClr val="tx1"/>
+            </a:solidFill>
+          </a:ln>
+        </p:spPr>
+      </p:pic>
+      <p:pic>
+        <p:nvPicPr>
+          <p:cNvPr id="3" name="Picture 2">
+            <a:extLst>
+              <a:ext uri="{FF2B5EF4-FFF2-40B4-BE49-F238E27FC236}">
+                <a16:creationId xmlns:a16="http://schemas.microsoft.com/office/drawing/2014/main" id="{644B92E1-04B2-0040-6133-9DEE94759551}"/>
+              </a:ext>
+            </a:extLst>
+          </p:cNvPr>
+          <p:cNvPicPr>
+            <a:picLocks noChangeAspect="1"/>
+          </p:cNvPicPr>
+          <p:nvPr/>
+        </p:nvPicPr>
+        <p:blipFill>
+          <a:blip r:embed="rId9"/>
+          <a:stretch>
+            <a:fillRect/>
+          </a:stretch>
+        </p:blipFill>
+        <p:spPr>
+          <a:xfrm>
+            <a:off x="8383972" y="5043246"/>
+            <a:ext cx="750246" cy="476591"/>
+          </a:xfrm>
+          <a:prstGeom prst="rect">
+            <a:avLst/>
+          </a:prstGeom>
+          <a:ln w="9525">
+            <a:solidFill>
+              <a:schemeClr val="tx1"/>
+            </a:solidFill>
+          </a:ln>
+        </p:spPr>
+      </p:pic>
     </p:spTree>
     <p:extLst>
       <p:ext uri="{BB962C8B-B14F-4D97-AF65-F5344CB8AC3E}">

--- a/doc/designDoc.pptx
+++ b/doc/designDoc.pptx
@@ -25843,6 +25843,58 @@
       </p:grpSpPr>
       <p:sp>
         <p:nvSpPr>
+          <p:cNvPr id="146" name="Rectangle 145">
+            <a:extLst>
+              <a:ext uri="{FF2B5EF4-FFF2-40B4-BE49-F238E27FC236}">
+                <a16:creationId xmlns:a16="http://schemas.microsoft.com/office/drawing/2014/main" id="{6B2F8EB0-5FAB-D44A-2D43-9CCDBADD8367}"/>
+              </a:ext>
+            </a:extLst>
+          </p:cNvPr>
+          <p:cNvSpPr/>
+          <p:nvPr/>
+        </p:nvSpPr>
+        <p:spPr>
+          <a:xfrm>
+            <a:off x="1173192" y="566191"/>
+            <a:ext cx="10006642" cy="5903628"/>
+          </a:xfrm>
+          <a:prstGeom prst="rect">
+            <a:avLst/>
+          </a:prstGeom>
+          <a:solidFill>
+            <a:schemeClr val="bg1"/>
+          </a:solidFill>
+          <a:ln>
+            <a:prstDash val="sysDash"/>
+          </a:ln>
+        </p:spPr>
+        <p:style>
+          <a:lnRef idx="2">
+            <a:schemeClr val="accent1">
+              <a:shade val="15000"/>
+            </a:schemeClr>
+          </a:lnRef>
+          <a:fillRef idx="1">
+            <a:schemeClr val="accent1"/>
+          </a:fillRef>
+          <a:effectRef idx="0">
+            <a:schemeClr val="accent1"/>
+          </a:effectRef>
+          <a:fontRef idx="minor">
+            <a:schemeClr val="lt1"/>
+          </a:fontRef>
+        </p:style>
+        <p:txBody>
+          <a:bodyPr rtlCol="0" anchor="ctr"/>
+          <a:lstStyle/>
+          <a:p>
+            <a:pPr algn="ctr"/>
+            <a:endParaRPr lang="en-SG"/>
+          </a:p>
+        </p:txBody>
+      </p:sp>
+      <p:sp>
+        <p:nvSpPr>
           <p:cNvPr id="100" name="Rectangle 99">
             <a:extLst>
               <a:ext uri="{FF2B5EF4-FFF2-40B4-BE49-F238E27FC236}">
@@ -25855,7 +25907,7 @@
         </p:nvSpPr>
         <p:spPr>
           <a:xfrm>
-            <a:off x="5816543" y="518830"/>
+            <a:off x="6360007" y="1407358"/>
             <a:ext cx="3854626" cy="4649787"/>
           </a:xfrm>
           <a:prstGeom prst="rect">
@@ -25911,7 +25963,7 @@
         </p:nvSpPr>
         <p:spPr>
           <a:xfrm>
-            <a:off x="1608610" y="518831"/>
+            <a:off x="2152074" y="1407359"/>
             <a:ext cx="3676757" cy="4667022"/>
           </a:xfrm>
           <a:prstGeom prst="rect">
@@ -25967,7 +26019,7 @@
         </p:nvSpPr>
         <p:spPr>
           <a:xfrm>
-            <a:off x="5029635" y="796222"/>
+            <a:off x="5573099" y="1684750"/>
             <a:ext cx="1136720" cy="772932"/>
           </a:xfrm>
           <a:prstGeom prst="rect">
@@ -26016,7 +26068,7 @@
         </p:nvSpPr>
         <p:spPr>
           <a:xfrm>
-            <a:off x="4724834" y="518831"/>
+            <a:off x="5268298" y="1407359"/>
             <a:ext cx="2037899" cy="261610"/>
           </a:xfrm>
           <a:prstGeom prst="rect">
@@ -26059,7 +26111,7 @@
         </p:blipFill>
         <p:spPr>
           <a:xfrm>
-            <a:off x="5372099" y="876406"/>
+            <a:off x="5915563" y="1764934"/>
             <a:ext cx="531176" cy="467941"/>
           </a:xfrm>
           <a:prstGeom prst="rect">
@@ -26089,7 +26141,7 @@
         </p:blipFill>
         <p:spPr>
           <a:xfrm>
-            <a:off x="5230963" y="991415"/>
+            <a:off x="5774427" y="1879943"/>
             <a:ext cx="297869" cy="175743"/>
           </a:xfrm>
           <a:prstGeom prst="rect">
@@ -26119,7 +26171,7 @@
         </p:nvSpPr>
         <p:spPr>
           <a:xfrm>
-            <a:off x="5069325" y="1362351"/>
+            <a:off x="5612789" y="2250879"/>
             <a:ext cx="1136720" cy="230832"/>
           </a:xfrm>
           <a:prstGeom prst="rect">
@@ -26162,7 +26214,7 @@
         </p:blipFill>
         <p:spPr>
           <a:xfrm>
-            <a:off x="4859947" y="1055939"/>
+            <a:off x="5403411" y="1944467"/>
             <a:ext cx="259996" cy="253497"/>
           </a:xfrm>
           <a:prstGeom prst="rect">
@@ -26192,7 +26244,7 @@
         </p:blipFill>
         <p:spPr>
           <a:xfrm>
-            <a:off x="6075226" y="1055938"/>
+            <a:off x="6618690" y="1944466"/>
             <a:ext cx="259996" cy="253497"/>
           </a:xfrm>
           <a:prstGeom prst="rect">
@@ -26214,7 +26266,7 @@
         </p:nvSpPr>
         <p:spPr>
           <a:xfrm>
-            <a:off x="3978597" y="737958"/>
+            <a:off x="4522061" y="1626486"/>
             <a:ext cx="1129950" cy="246221"/>
           </a:xfrm>
           <a:prstGeom prst="rect">
@@ -26249,7 +26301,7 @@
         </p:nvSpPr>
         <p:spPr>
           <a:xfrm>
-            <a:off x="6127679" y="838415"/>
+            <a:off x="6671143" y="1726943"/>
             <a:ext cx="939854" cy="246221"/>
           </a:xfrm>
           <a:prstGeom prst="rect">
@@ -26292,7 +26344,7 @@
         </p:blipFill>
         <p:spPr>
           <a:xfrm>
-            <a:off x="2836263" y="2584091"/>
+            <a:off x="3379727" y="3472619"/>
             <a:ext cx="830711" cy="473120"/>
           </a:xfrm>
           <a:prstGeom prst="rect">
@@ -26322,7 +26374,7 @@
         </p:nvCxnSpPr>
         <p:spPr>
           <a:xfrm rot="10800000" flipV="1">
-            <a:off x="3251619" y="1182687"/>
+            <a:off x="3795083" y="2071215"/>
             <a:ext cx="1608328" cy="1401403"/>
           </a:xfrm>
           <a:prstGeom prst="bentConnector2">
@@ -26365,7 +26417,7 @@
         </p:nvSpPr>
         <p:spPr>
           <a:xfrm>
-            <a:off x="2186444" y="2376516"/>
+            <a:off x="2729908" y="3265044"/>
             <a:ext cx="1129950" cy="246221"/>
           </a:xfrm>
           <a:prstGeom prst="rect">
@@ -26400,7 +26452,7 @@
         </p:nvSpPr>
         <p:spPr>
           <a:xfrm>
-            <a:off x="2836263" y="2795600"/>
+            <a:off x="3379727" y="3684128"/>
             <a:ext cx="805181" cy="261610"/>
           </a:xfrm>
           <a:prstGeom prst="rect">
@@ -26439,7 +26491,7 @@
         </p:nvSpPr>
         <p:spPr>
           <a:xfrm>
-            <a:off x="5029635" y="1924608"/>
+            <a:off x="5573099" y="2813136"/>
             <a:ext cx="1136720" cy="772932"/>
           </a:xfrm>
           <a:prstGeom prst="rect">
@@ -26488,7 +26540,7 @@
         </p:nvSpPr>
         <p:spPr>
           <a:xfrm>
-            <a:off x="4724834" y="1672147"/>
+            <a:off x="5268298" y="2560675"/>
             <a:ext cx="2299592" cy="261610"/>
           </a:xfrm>
           <a:prstGeom prst="rect">
@@ -26531,7 +26583,7 @@
         </p:blipFill>
         <p:spPr>
           <a:xfrm>
-            <a:off x="5372099" y="2004792"/>
+            <a:off x="5915563" y="2893320"/>
             <a:ext cx="531176" cy="467941"/>
           </a:xfrm>
           <a:prstGeom prst="rect">
@@ -26561,7 +26613,7 @@
         </p:blipFill>
         <p:spPr>
           <a:xfrm>
-            <a:off x="5230963" y="2119801"/>
+            <a:off x="5774427" y="3008329"/>
             <a:ext cx="297869" cy="175743"/>
           </a:xfrm>
           <a:prstGeom prst="rect">
@@ -26591,7 +26643,7 @@
         </p:nvSpPr>
         <p:spPr>
           <a:xfrm>
-            <a:off x="5069325" y="2490737"/>
+            <a:off x="5612789" y="3379265"/>
             <a:ext cx="1136720" cy="230832"/>
           </a:xfrm>
           <a:prstGeom prst="rect">
@@ -26634,7 +26686,7 @@
         </p:blipFill>
         <p:spPr>
           <a:xfrm>
-            <a:off x="4859947" y="2184325"/>
+            <a:off x="5403411" y="3072853"/>
             <a:ext cx="259996" cy="253497"/>
           </a:xfrm>
           <a:prstGeom prst="rect">
@@ -26664,7 +26716,7 @@
         </p:blipFill>
         <p:spPr>
           <a:xfrm>
-            <a:off x="6075226" y="2184324"/>
+            <a:off x="6618690" y="3072852"/>
             <a:ext cx="259996" cy="253497"/>
           </a:xfrm>
           <a:prstGeom prst="rect">
@@ -26686,7 +26738,7 @@
         </p:nvSpPr>
         <p:spPr>
           <a:xfrm>
-            <a:off x="4000349" y="1987557"/>
+            <a:off x="4543813" y="2876085"/>
             <a:ext cx="1129950" cy="246221"/>
           </a:xfrm>
           <a:prstGeom prst="rect">
@@ -26721,7 +26773,7 @@
         </p:nvSpPr>
         <p:spPr>
           <a:xfrm>
-            <a:off x="6155431" y="1964267"/>
+            <a:off x="6698895" y="2852795"/>
             <a:ext cx="939854" cy="246221"/>
           </a:xfrm>
           <a:prstGeom prst="rect">
@@ -26756,7 +26808,7 @@
         </p:nvCxnSpPr>
         <p:spPr>
           <a:xfrm flipH="1">
-            <a:off x="3251619" y="2295544"/>
+            <a:off x="3795083" y="3184072"/>
             <a:ext cx="1608328" cy="0"/>
           </a:xfrm>
           <a:prstGeom prst="line">
@@ -26799,7 +26851,7 @@
         </p:nvSpPr>
         <p:spPr>
           <a:xfrm>
-            <a:off x="5029635" y="3198501"/>
+            <a:off x="5573099" y="4087029"/>
             <a:ext cx="1136720" cy="772932"/>
           </a:xfrm>
           <a:prstGeom prst="rect">
@@ -26848,7 +26900,7 @@
         </p:nvSpPr>
         <p:spPr>
           <a:xfrm>
-            <a:off x="4724834" y="2946040"/>
+            <a:off x="5268298" y="3834568"/>
             <a:ext cx="2299592" cy="261610"/>
           </a:xfrm>
           <a:prstGeom prst="rect">
@@ -26891,7 +26943,7 @@
         </p:blipFill>
         <p:spPr>
           <a:xfrm>
-            <a:off x="5372099" y="3278685"/>
+            <a:off x="5915563" y="4167213"/>
             <a:ext cx="531176" cy="467941"/>
           </a:xfrm>
           <a:prstGeom prst="rect">
@@ -26913,7 +26965,7 @@
         </p:nvSpPr>
         <p:spPr>
           <a:xfrm>
-            <a:off x="5069325" y="3764630"/>
+            <a:off x="5612789" y="4653158"/>
             <a:ext cx="1136720" cy="230832"/>
           </a:xfrm>
           <a:prstGeom prst="rect">
@@ -26956,7 +27008,7 @@
         </p:blipFill>
         <p:spPr>
           <a:xfrm>
-            <a:off x="4859947" y="3458218"/>
+            <a:off x="5403411" y="4346746"/>
             <a:ext cx="259996" cy="253497"/>
           </a:xfrm>
           <a:prstGeom prst="rect">
@@ -26986,7 +27038,7 @@
         </p:blipFill>
         <p:spPr>
           <a:xfrm>
-            <a:off x="6075226" y="3458217"/>
+            <a:off x="6618690" y="4346745"/>
             <a:ext cx="259996" cy="253497"/>
           </a:xfrm>
           <a:prstGeom prst="rect">
@@ -27008,7 +27060,7 @@
         </p:nvSpPr>
         <p:spPr>
           <a:xfrm>
-            <a:off x="4000349" y="3261450"/>
+            <a:off x="4543813" y="4149978"/>
             <a:ext cx="1129950" cy="246221"/>
           </a:xfrm>
           <a:prstGeom prst="rect">
@@ -27043,7 +27095,7 @@
         </p:nvSpPr>
         <p:spPr>
           <a:xfrm>
-            <a:off x="6127679" y="3240694"/>
+            <a:off x="6671143" y="4129222"/>
             <a:ext cx="939854" cy="246221"/>
           </a:xfrm>
           <a:prstGeom prst="rect">
@@ -27078,7 +27130,7 @@
         </p:nvCxnSpPr>
         <p:spPr>
           <a:xfrm flipH="1">
-            <a:off x="3251619" y="3569437"/>
+            <a:off x="3795083" y="4457965"/>
             <a:ext cx="1608328" cy="0"/>
           </a:xfrm>
           <a:prstGeom prst="line">
@@ -27121,7 +27173,7 @@
         </p:nvSpPr>
         <p:spPr>
           <a:xfrm>
-            <a:off x="5034044" y="4311202"/>
+            <a:off x="5577508" y="5199730"/>
             <a:ext cx="1136720" cy="772932"/>
           </a:xfrm>
           <a:prstGeom prst="rect">
@@ -27170,7 +27222,7 @@
         </p:nvSpPr>
         <p:spPr>
           <a:xfrm>
-            <a:off x="4729243" y="4058741"/>
+            <a:off x="5272707" y="4947269"/>
             <a:ext cx="2299592" cy="261610"/>
           </a:xfrm>
           <a:prstGeom prst="rect">
@@ -27213,7 +27265,7 @@
         </p:blipFill>
         <p:spPr>
           <a:xfrm>
-            <a:off x="5376508" y="4391386"/>
+            <a:off x="5919972" y="5279914"/>
             <a:ext cx="531176" cy="467941"/>
           </a:xfrm>
           <a:prstGeom prst="rect">
@@ -27235,7 +27287,7 @@
         </p:nvSpPr>
         <p:spPr>
           <a:xfrm>
-            <a:off x="5073734" y="4877331"/>
+            <a:off x="5617198" y="5765859"/>
             <a:ext cx="1136720" cy="230832"/>
           </a:xfrm>
           <a:prstGeom prst="rect">
@@ -27278,7 +27330,7 @@
         </p:blipFill>
         <p:spPr>
           <a:xfrm>
-            <a:off x="4864356" y="4570919"/>
+            <a:off x="5407820" y="5459447"/>
             <a:ext cx="259996" cy="253497"/>
           </a:xfrm>
           <a:prstGeom prst="rect">
@@ -27308,7 +27360,7 @@
         </p:blipFill>
         <p:spPr>
           <a:xfrm>
-            <a:off x="6079635" y="4570918"/>
+            <a:off x="6623099" y="5459446"/>
             <a:ext cx="259996" cy="253497"/>
           </a:xfrm>
           <a:prstGeom prst="rect">
@@ -27330,7 +27382,7 @@
         </p:nvSpPr>
         <p:spPr>
           <a:xfrm>
-            <a:off x="4004758" y="4374151"/>
+            <a:off x="4548222" y="5262679"/>
             <a:ext cx="1129950" cy="246221"/>
           </a:xfrm>
           <a:prstGeom prst="rect">
@@ -27365,7 +27417,7 @@
         </p:nvSpPr>
         <p:spPr>
           <a:xfrm>
-            <a:off x="6132088" y="4353395"/>
+            <a:off x="6675552" y="5241923"/>
             <a:ext cx="939854" cy="246221"/>
           </a:xfrm>
           <a:prstGeom prst="rect">
@@ -27404,7 +27456,7 @@
         </p:nvCxnSpPr>
         <p:spPr>
           <a:xfrm rot="10800000">
-            <a:off x="3238854" y="3057210"/>
+            <a:off x="3782318" y="3945738"/>
             <a:ext cx="1625502" cy="1640458"/>
           </a:xfrm>
           <a:prstGeom prst="bentConnector2">
@@ -27455,7 +27507,7 @@
         </p:blipFill>
         <p:spPr>
           <a:xfrm>
-            <a:off x="2057101" y="1477767"/>
+            <a:off x="2600565" y="2366295"/>
             <a:ext cx="531176" cy="467941"/>
           </a:xfrm>
           <a:prstGeom prst="rect">
@@ -27482,7 +27534,7 @@
         </p:nvSpPr>
         <p:spPr>
           <a:xfrm>
-            <a:off x="1877039" y="1055938"/>
+            <a:off x="2420503" y="1944466"/>
             <a:ext cx="1284538" cy="430887"/>
           </a:xfrm>
           <a:prstGeom prst="rect">
@@ -27531,7 +27583,7 @@
         </p:blipFill>
         <p:spPr>
           <a:xfrm>
-            <a:off x="5216558" y="3285206"/>
+            <a:off x="5760022" y="4173734"/>
             <a:ext cx="341887" cy="341887"/>
           </a:xfrm>
           <a:prstGeom prst="rect">
@@ -27567,7 +27619,7 @@
         </p:blipFill>
         <p:spPr>
           <a:xfrm>
-            <a:off x="5188168" y="4401433"/>
+            <a:off x="5731632" y="5289961"/>
             <a:ext cx="341887" cy="341887"/>
           </a:xfrm>
           <a:prstGeom prst="rect">
@@ -27592,7 +27644,7 @@
         </p:nvCxnSpPr>
         <p:spPr>
           <a:xfrm rot="10800000">
-            <a:off x="2322690" y="1945708"/>
+            <a:off x="2866154" y="2834236"/>
             <a:ext cx="928929" cy="384280"/>
           </a:xfrm>
           <a:prstGeom prst="bentConnector2">
@@ -27635,7 +27687,7 @@
         </p:nvSpPr>
         <p:spPr>
           <a:xfrm>
-            <a:off x="2256845" y="1916320"/>
+            <a:off x="2800309" y="2804848"/>
             <a:ext cx="1129950" cy="246221"/>
           </a:xfrm>
           <a:prstGeom prst="rect">
@@ -27678,7 +27730,7 @@
         </p:blipFill>
         <p:spPr>
           <a:xfrm>
-            <a:off x="7556376" y="2584091"/>
+            <a:off x="8099840" y="3472619"/>
             <a:ext cx="830711" cy="473120"/>
           </a:xfrm>
           <a:prstGeom prst="rect">
@@ -27705,7 +27757,7 @@
         </p:nvSpPr>
         <p:spPr>
           <a:xfrm>
-            <a:off x="7556376" y="2795600"/>
+            <a:off x="8099840" y="3684128"/>
             <a:ext cx="805181" cy="261610"/>
           </a:xfrm>
           <a:prstGeom prst="rect">
@@ -27748,7 +27800,7 @@
         </p:nvCxnSpPr>
         <p:spPr>
           <a:xfrm>
-            <a:off x="6335222" y="1182687"/>
+            <a:off x="6878686" y="2071215"/>
             <a:ext cx="1636510" cy="1401404"/>
           </a:xfrm>
           <a:prstGeom prst="bentConnector2">
@@ -27787,7 +27839,7 @@
         </p:nvCxnSpPr>
         <p:spPr>
           <a:xfrm flipH="1" flipV="1">
-            <a:off x="6335222" y="2311073"/>
+            <a:off x="6878686" y="3199601"/>
             <a:ext cx="1636509" cy="4050"/>
           </a:xfrm>
           <a:prstGeom prst="line">
@@ -27827,7 +27879,7 @@
         </p:nvCxnSpPr>
         <p:spPr>
           <a:xfrm flipV="1">
-            <a:off x="6339631" y="3057211"/>
+            <a:off x="6883095" y="3945739"/>
             <a:ext cx="1632101" cy="1640456"/>
           </a:xfrm>
           <a:prstGeom prst="bentConnector2">
@@ -27866,7 +27918,7 @@
         </p:nvCxnSpPr>
         <p:spPr>
           <a:xfrm flipH="1" flipV="1">
-            <a:off x="6335222" y="3584966"/>
+            <a:off x="6878686" y="4473494"/>
             <a:ext cx="1623744" cy="0"/>
           </a:xfrm>
           <a:prstGeom prst="line">
@@ -27902,7 +27954,7 @@
         </p:nvSpPr>
         <p:spPr>
           <a:xfrm>
-            <a:off x="6695224" y="2683608"/>
+            <a:off x="8447873" y="3976604"/>
             <a:ext cx="1129950" cy="246221"/>
           </a:xfrm>
           <a:prstGeom prst="rect">
@@ -27945,7 +27997,7 @@
         </p:blipFill>
         <p:spPr>
           <a:xfrm>
-            <a:off x="8570560" y="1765837"/>
+            <a:off x="9114024" y="2654365"/>
             <a:ext cx="531176" cy="467941"/>
           </a:xfrm>
           <a:prstGeom prst="rect">
@@ -27972,7 +28024,7 @@
         </p:nvSpPr>
         <p:spPr>
           <a:xfrm>
-            <a:off x="8287089" y="1254186"/>
+            <a:off x="8830553" y="2142714"/>
             <a:ext cx="1212835" cy="430887"/>
           </a:xfrm>
           <a:prstGeom prst="rect">
@@ -28010,7 +28062,7 @@
         </p:nvCxnSpPr>
         <p:spPr>
           <a:xfrm flipH="1" flipV="1">
-            <a:off x="7965349" y="1987557"/>
+            <a:off x="8508813" y="2876085"/>
             <a:ext cx="605211" cy="0"/>
           </a:xfrm>
           <a:prstGeom prst="line">
@@ -28046,7 +28098,7 @@
         </p:nvSpPr>
         <p:spPr>
           <a:xfrm>
-            <a:off x="8409220" y="2258958"/>
+            <a:off x="8952684" y="3147486"/>
             <a:ext cx="939854" cy="246221"/>
           </a:xfrm>
           <a:prstGeom prst="rect">
@@ -28089,7 +28141,7 @@
         </p:blipFill>
         <p:spPr>
           <a:xfrm>
-            <a:off x="8597345" y="4129282"/>
+            <a:off x="9140809" y="5017810"/>
             <a:ext cx="531176" cy="467941"/>
           </a:xfrm>
           <a:prstGeom prst="rect">
@@ -28116,7 +28168,7 @@
         </p:nvSpPr>
         <p:spPr>
           <a:xfrm>
-            <a:off x="8035003" y="3754913"/>
+            <a:off x="8578467" y="4643441"/>
             <a:ext cx="1212835" cy="430887"/>
           </a:xfrm>
           <a:prstGeom prst="rect">
@@ -28153,7 +28205,7 @@
         </p:nvCxnSpPr>
         <p:spPr>
           <a:xfrm flipH="1" flipV="1">
-            <a:off x="7971731" y="4311202"/>
+            <a:off x="8515195" y="5199730"/>
             <a:ext cx="605211" cy="0"/>
           </a:xfrm>
           <a:prstGeom prst="line">
@@ -28189,7 +28241,7 @@
         </p:nvSpPr>
         <p:spPr>
           <a:xfrm>
-            <a:off x="8100633" y="4620209"/>
+            <a:off x="8644097" y="5508737"/>
             <a:ext cx="939854" cy="246221"/>
           </a:xfrm>
           <a:prstGeom prst="rect">
@@ -28224,7 +28276,7 @@
         </p:nvSpPr>
         <p:spPr>
           <a:xfrm>
-            <a:off x="1683166" y="619164"/>
+            <a:off x="2226630" y="1507692"/>
             <a:ext cx="2261583" cy="276999"/>
           </a:xfrm>
           <a:prstGeom prst="rect">
@@ -28268,7 +28320,7 @@
         </p:nvSpPr>
         <p:spPr>
           <a:xfrm>
-            <a:off x="7693651" y="582173"/>
+            <a:off x="8086282" y="1556709"/>
             <a:ext cx="2370991" cy="276999"/>
           </a:xfrm>
           <a:prstGeom prst="rect">
@@ -28326,7 +28378,7 @@
         </p:blipFill>
         <p:spPr>
           <a:xfrm>
-            <a:off x="786262" y="2854197"/>
+            <a:off x="1329726" y="3742725"/>
             <a:ext cx="516027" cy="572116"/>
           </a:xfrm>
           <a:prstGeom prst="rect">
@@ -28361,7 +28413,7 @@
         </p:blipFill>
         <p:spPr>
           <a:xfrm>
-            <a:off x="9311847" y="4221166"/>
+            <a:off x="9855311" y="5109694"/>
             <a:ext cx="926885" cy="588800"/>
           </a:xfrm>
           <a:prstGeom prst="rect">
@@ -28388,7 +28440,7 @@
         </p:nvSpPr>
         <p:spPr>
           <a:xfrm>
-            <a:off x="694491" y="2594923"/>
+            <a:off x="1237955" y="3483451"/>
             <a:ext cx="1129950" cy="246221"/>
           </a:xfrm>
           <a:prstGeom prst="rect">
@@ -28429,7 +28481,7 @@
         </p:nvCxnSpPr>
         <p:spPr>
           <a:xfrm flipV="1">
-            <a:off x="3161577" y="1079286"/>
+            <a:off x="3705041" y="1967814"/>
             <a:ext cx="0" cy="1446363"/>
           </a:xfrm>
           <a:prstGeom prst="straightConnector1">
@@ -28474,7 +28526,7 @@
         </p:nvCxnSpPr>
         <p:spPr>
           <a:xfrm>
-            <a:off x="3251618" y="1079286"/>
+            <a:off x="3795082" y="1967814"/>
             <a:ext cx="1608329" cy="0"/>
           </a:xfrm>
           <a:prstGeom prst="straightConnector1">
@@ -28519,7 +28571,7 @@
         </p:nvCxnSpPr>
         <p:spPr>
           <a:xfrm>
-            <a:off x="1357125" y="2902736"/>
+            <a:off x="1900589" y="3791264"/>
             <a:ext cx="1411144" cy="0"/>
           </a:xfrm>
           <a:prstGeom prst="straightConnector1">
@@ -28562,7 +28614,7 @@
         </p:nvSpPr>
         <p:spPr>
           <a:xfrm>
-            <a:off x="1970538" y="2811645"/>
+            <a:off x="2514002" y="3700173"/>
             <a:ext cx="198642" cy="214127"/>
           </a:xfrm>
           <a:prstGeom prst="ellipse">
@@ -28618,7 +28670,7 @@
         </p:nvSpPr>
         <p:spPr>
           <a:xfrm>
-            <a:off x="3032721" y="1517530"/>
+            <a:off x="3576185" y="2406058"/>
             <a:ext cx="198642" cy="214127"/>
           </a:xfrm>
           <a:prstGeom prst="ellipse">
@@ -28674,7 +28726,7 @@
         </p:nvSpPr>
         <p:spPr>
           <a:xfrm>
-            <a:off x="3880511" y="915758"/>
+            <a:off x="4423975" y="1804286"/>
             <a:ext cx="198642" cy="214127"/>
           </a:xfrm>
           <a:prstGeom prst="ellipse">
@@ -28744,7 +28796,7 @@
         </p:blipFill>
         <p:spPr>
           <a:xfrm>
-            <a:off x="1316416" y="4145470"/>
+            <a:off x="1859880" y="5033998"/>
             <a:ext cx="1526510" cy="912769"/>
           </a:xfrm>
           <a:prstGeom prst="rect">
@@ -28773,7 +28825,7 @@
         </p:nvCxnSpPr>
         <p:spPr>
           <a:xfrm flipH="1">
-            <a:off x="3436066" y="1301757"/>
+            <a:off x="3979530" y="2190285"/>
             <a:ext cx="1357237" cy="7678"/>
           </a:xfrm>
           <a:prstGeom prst="straightConnector1">
@@ -28818,7 +28870,7 @@
         </p:nvCxnSpPr>
         <p:spPr>
           <a:xfrm>
-            <a:off x="3375844" y="1340163"/>
+            <a:off x="3919308" y="2228691"/>
             <a:ext cx="0" cy="1150574"/>
           </a:xfrm>
           <a:prstGeom prst="straightConnector1">
@@ -28863,7 +28915,7 @@
         </p:nvCxnSpPr>
         <p:spPr>
           <a:xfrm>
-            <a:off x="3132042" y="3140255"/>
+            <a:off x="3675506" y="4028783"/>
             <a:ext cx="0" cy="1150574"/>
           </a:xfrm>
           <a:prstGeom prst="straightConnector1">
@@ -28908,7 +28960,7 @@
         </p:nvCxnSpPr>
         <p:spPr>
           <a:xfrm flipH="1">
-            <a:off x="2842926" y="4353395"/>
+            <a:off x="3386390" y="5241923"/>
             <a:ext cx="286488" cy="0"/>
           </a:xfrm>
           <a:prstGeom prst="straightConnector1">
@@ -28955,7 +29007,7 @@
         </p:nvCxnSpPr>
         <p:spPr>
           <a:xfrm rot="16200000" flipH="1">
-            <a:off x="592575" y="3878014"/>
+            <a:off x="1136039" y="4766542"/>
             <a:ext cx="1175542" cy="272140"/>
           </a:xfrm>
           <a:prstGeom prst="bentConnector2">
@@ -28998,7 +29050,7 @@
         </p:nvSpPr>
         <p:spPr>
           <a:xfrm>
-            <a:off x="4161798" y="1217001"/>
+            <a:off x="4705262" y="2105529"/>
             <a:ext cx="198642" cy="214127"/>
           </a:xfrm>
           <a:prstGeom prst="ellipse">
@@ -29059,7 +29111,7 @@
         </p:nvSpPr>
         <p:spPr>
           <a:xfrm>
-            <a:off x="3320223" y="1892743"/>
+            <a:off x="3863687" y="2781271"/>
             <a:ext cx="198642" cy="214127"/>
           </a:xfrm>
           <a:prstGeom prst="ellipse">
@@ -29120,7 +29172,7 @@
         </p:nvSpPr>
         <p:spPr>
           <a:xfrm>
-            <a:off x="3014281" y="3640690"/>
+            <a:off x="3557745" y="4529218"/>
             <a:ext cx="198642" cy="214127"/>
           </a:xfrm>
           <a:prstGeom prst="ellipse">
@@ -29181,7 +29233,7 @@
         </p:nvSpPr>
         <p:spPr>
           <a:xfrm>
-            <a:off x="928686" y="3781335"/>
+            <a:off x="1472150" y="4669863"/>
             <a:ext cx="198642" cy="214127"/>
           </a:xfrm>
           <a:prstGeom prst="ellipse">
@@ -29250,7 +29302,7 @@
         </p:blipFill>
         <p:spPr>
           <a:xfrm>
-            <a:off x="1765695" y="3195926"/>
+            <a:off x="2309159" y="4084454"/>
             <a:ext cx="608709" cy="403381"/>
           </a:xfrm>
           <a:prstGeom prst="rect">
@@ -29274,7 +29326,7 @@
         </p:nvCxnSpPr>
         <p:spPr>
           <a:xfrm>
-            <a:off x="1310652" y="3384560"/>
+            <a:off x="1854116" y="4273088"/>
             <a:ext cx="465091" cy="13057"/>
           </a:xfrm>
           <a:prstGeom prst="straightConnector1">
@@ -29319,7 +29371,7 @@
         </p:nvCxnSpPr>
         <p:spPr>
           <a:xfrm flipV="1">
-            <a:off x="3448803" y="1469629"/>
+            <a:off x="3992267" y="2358157"/>
             <a:ext cx="1411144" cy="990241"/>
           </a:xfrm>
           <a:prstGeom prst="straightConnector1">
@@ -29365,7 +29417,7 @@
         </p:nvCxnSpPr>
         <p:spPr>
           <a:xfrm flipV="1">
-            <a:off x="2374404" y="3114621"/>
+            <a:off x="2917868" y="4003149"/>
             <a:ext cx="586296" cy="282996"/>
           </a:xfrm>
           <a:prstGeom prst="bentConnector3">
@@ -29410,7 +29462,7 @@
         </p:nvSpPr>
         <p:spPr>
           <a:xfrm>
-            <a:off x="2557665" y="3319249"/>
+            <a:off x="3101129" y="4207777"/>
             <a:ext cx="198642" cy="214127"/>
           </a:xfrm>
           <a:prstGeom prst="ellipse">
@@ -29471,7 +29523,7 @@
         </p:nvSpPr>
         <p:spPr>
           <a:xfrm>
-            <a:off x="4206496" y="1714597"/>
+            <a:off x="4749960" y="2603125"/>
             <a:ext cx="198642" cy="214127"/>
           </a:xfrm>
           <a:prstGeom prst="ellipse">
@@ -29534,7 +29586,7 @@
         </p:nvCxnSpPr>
         <p:spPr>
           <a:xfrm>
-            <a:off x="6362044" y="1326226"/>
+            <a:off x="6905508" y="2214754"/>
             <a:ext cx="1466481" cy="0"/>
           </a:xfrm>
           <a:prstGeom prst="straightConnector1">
@@ -29579,7 +29631,7 @@
         </p:nvSpPr>
         <p:spPr>
           <a:xfrm>
-            <a:off x="2132204" y="4364034"/>
+            <a:off x="2675668" y="5252562"/>
             <a:ext cx="1269740" cy="646331"/>
           </a:xfrm>
           <a:prstGeom prst="rect">
@@ -29618,7 +29670,7 @@
         </p:nvSpPr>
         <p:spPr>
           <a:xfrm>
-            <a:off x="1170336" y="3554566"/>
+            <a:off x="1713800" y="4443094"/>
             <a:ext cx="2089664" cy="461665"/>
           </a:xfrm>
           <a:prstGeom prst="rect">
@@ -29657,7 +29709,7 @@
         </p:nvSpPr>
         <p:spPr>
           <a:xfrm>
-            <a:off x="1613539" y="2547951"/>
+            <a:off x="2157003" y="3436479"/>
             <a:ext cx="1111282" cy="276999"/>
           </a:xfrm>
           <a:prstGeom prst="rect">
@@ -29698,7 +29750,7 @@
         </p:nvCxnSpPr>
         <p:spPr>
           <a:xfrm>
-            <a:off x="6420235" y="4824415"/>
+            <a:off x="6963699" y="5712943"/>
             <a:ext cx="1466481" cy="0"/>
           </a:xfrm>
           <a:prstGeom prst="straightConnector1">
@@ -29745,7 +29797,7 @@
         </p:nvCxnSpPr>
         <p:spPr>
           <a:xfrm flipV="1">
-            <a:off x="7878579" y="3127945"/>
+            <a:off x="8422043" y="4016473"/>
             <a:ext cx="0" cy="1615375"/>
           </a:xfrm>
           <a:prstGeom prst="straightConnector1">
@@ -29792,7 +29844,7 @@
         </p:nvCxnSpPr>
         <p:spPr>
           <a:xfrm>
-            <a:off x="7839787" y="1362351"/>
+            <a:off x="8383251" y="2250879"/>
             <a:ext cx="0" cy="495885"/>
           </a:xfrm>
           <a:prstGeom prst="straightConnector1">
@@ -29839,7 +29891,7 @@
         </p:nvCxnSpPr>
         <p:spPr>
           <a:xfrm>
-            <a:off x="7902093" y="1892134"/>
+            <a:off x="8445557" y="2780662"/>
             <a:ext cx="588318" cy="0"/>
           </a:xfrm>
           <a:prstGeom prst="straightConnector1">
@@ -29886,7 +29938,7 @@
         </p:nvCxnSpPr>
         <p:spPr>
           <a:xfrm flipV="1">
-            <a:off x="7846686" y="2130256"/>
+            <a:off x="8390150" y="3018784"/>
             <a:ext cx="0" cy="395393"/>
           </a:xfrm>
           <a:prstGeom prst="straightConnector1">
@@ -29933,7 +29985,7 @@
         </p:nvCxnSpPr>
         <p:spPr>
           <a:xfrm flipV="1">
-            <a:off x="7884211" y="2121740"/>
+            <a:off x="8427675" y="3010268"/>
             <a:ext cx="618697" cy="0"/>
           </a:xfrm>
           <a:prstGeom prst="straightConnector1">
@@ -29992,7 +30044,7 @@
         </p:blipFill>
         <p:spPr>
           <a:xfrm>
-            <a:off x="8662158" y="2560058"/>
+            <a:off x="9205622" y="3448586"/>
             <a:ext cx="1860941" cy="1206571"/>
           </a:xfrm>
           <a:prstGeom prst="rect">
@@ -30022,7 +30074,7 @@
         </p:nvCxnSpPr>
         <p:spPr>
           <a:xfrm>
-            <a:off x="9101736" y="1999808"/>
+            <a:off x="9645200" y="2888336"/>
             <a:ext cx="490893" cy="560250"/>
           </a:xfrm>
           <a:prstGeom prst="bentConnector2">
@@ -30069,7 +30121,7 @@
         </p:nvCxnSpPr>
         <p:spPr>
           <a:xfrm>
-            <a:off x="9818469" y="3801913"/>
+            <a:off x="10361933" y="4690441"/>
             <a:ext cx="0" cy="383887"/>
           </a:xfrm>
           <a:prstGeom prst="straightConnector1">
@@ -30114,7 +30166,7 @@
         </p:nvSpPr>
         <p:spPr>
           <a:xfrm>
-            <a:off x="7010876" y="1254722"/>
+            <a:off x="7554340" y="2143250"/>
             <a:ext cx="198642" cy="214127"/>
           </a:xfrm>
           <a:prstGeom prst="ellipse">
@@ -30170,7 +30222,7 @@
         </p:nvSpPr>
         <p:spPr>
           <a:xfrm>
-            <a:off x="8140599" y="1708059"/>
+            <a:off x="8684063" y="2596587"/>
             <a:ext cx="198642" cy="214127"/>
           </a:xfrm>
           <a:prstGeom prst="ellipse">
@@ -30226,7 +30278,7 @@
         </p:nvSpPr>
         <p:spPr>
           <a:xfrm>
-            <a:off x="7110832" y="4738666"/>
+            <a:off x="7654296" y="5627194"/>
             <a:ext cx="198642" cy="214127"/>
           </a:xfrm>
           <a:prstGeom prst="ellipse">
@@ -30287,7 +30339,7 @@
         </p:nvSpPr>
         <p:spPr>
           <a:xfrm>
-            <a:off x="7718609" y="3255535"/>
+            <a:off x="8262073" y="4144063"/>
             <a:ext cx="198642" cy="214127"/>
           </a:xfrm>
           <a:prstGeom prst="ellipse">
@@ -30350,7 +30402,7 @@
         </p:nvCxnSpPr>
         <p:spPr>
           <a:xfrm flipH="1">
-            <a:off x="864158" y="5329294"/>
+            <a:off x="1407622" y="6217822"/>
             <a:ext cx="8911776" cy="0"/>
           </a:xfrm>
           <a:prstGeom prst="straightConnector1">
@@ -30397,7 +30449,7 @@
         </p:nvCxnSpPr>
         <p:spPr>
           <a:xfrm>
-            <a:off x="9808338" y="4866430"/>
+            <a:off x="10351802" y="5754958"/>
             <a:ext cx="0" cy="442011"/>
           </a:xfrm>
           <a:prstGeom prst="straightConnector1">
@@ -30442,7 +30494,7 @@
         </p:nvSpPr>
         <p:spPr>
           <a:xfrm>
-            <a:off x="5429511" y="5229531"/>
+            <a:off x="5972975" y="6118059"/>
             <a:ext cx="198642" cy="214127"/>
           </a:xfrm>
           <a:prstGeom prst="ellipse">
@@ -30503,7 +30555,7 @@
         </p:nvSpPr>
         <p:spPr>
           <a:xfrm>
-            <a:off x="9701040" y="4877331"/>
+            <a:off x="10244504" y="5765859"/>
             <a:ext cx="198642" cy="214127"/>
           </a:xfrm>
           <a:prstGeom prst="ellipse">
@@ -30566,7 +30618,7 @@
         </p:nvCxnSpPr>
         <p:spPr>
           <a:xfrm flipV="1">
-            <a:off x="870813" y="3526220"/>
+            <a:off x="1414277" y="4414748"/>
             <a:ext cx="0" cy="1730331"/>
           </a:xfrm>
           <a:prstGeom prst="straightConnector1">
@@ -30611,7 +30663,7 @@
         </p:nvSpPr>
         <p:spPr>
           <a:xfrm>
-            <a:off x="796084" y="4702902"/>
+            <a:off x="1339548" y="5591430"/>
             <a:ext cx="198642" cy="214127"/>
           </a:xfrm>
           <a:prstGeom prst="ellipse">
@@ -30658,6 +30710,1234 @@
           </a:p>
         </p:txBody>
       </p:sp>
+      <p:pic>
+        <p:nvPicPr>
+          <p:cNvPr id="4" name="Graphic 3" descr="Construction worker male with solid fill">
+            <a:extLst>
+              <a:ext uri="{FF2B5EF4-FFF2-40B4-BE49-F238E27FC236}">
+                <a16:creationId xmlns:a16="http://schemas.microsoft.com/office/drawing/2014/main" id="{F8E704A3-01D6-D99D-A78B-D02A752E06A4}"/>
+              </a:ext>
+            </a:extLst>
+          </p:cNvPr>
+          <p:cNvPicPr>
+            <a:picLocks noChangeAspect="1"/>
+          </p:cNvPicPr>
+          <p:nvPr/>
+        </p:nvPicPr>
+        <p:blipFill>
+          <a:blip r:embed="rId13">
+            <a:extLst>
+              <a:ext uri="{96DAC541-7B7A-43D3-8B79-37D633B846F1}">
+                <asvg:svgBlip xmlns:asvg="http://schemas.microsoft.com/office/drawing/2016/SVG/main" r:embed="rId14"/>
+              </a:ext>
+            </a:extLst>
+          </a:blip>
+          <a:stretch>
+            <a:fillRect/>
+          </a:stretch>
+        </p:blipFill>
+        <p:spPr>
+          <a:xfrm>
+            <a:off x="7740045" y="801792"/>
+            <a:ext cx="547275" cy="547275"/>
+          </a:xfrm>
+          <a:prstGeom prst="rect">
+            <a:avLst/>
+          </a:prstGeom>
+        </p:spPr>
+      </p:pic>
+      <p:sp>
+        <p:nvSpPr>
+          <p:cNvPr id="6" name="TextBox 5">
+            <a:extLst>
+              <a:ext uri="{FF2B5EF4-FFF2-40B4-BE49-F238E27FC236}">
+                <a16:creationId xmlns:a16="http://schemas.microsoft.com/office/drawing/2014/main" id="{2A28A767-6D0F-02DB-D0DE-11A781E89460}"/>
+              </a:ext>
+            </a:extLst>
+          </p:cNvPr>
+          <p:cNvSpPr txBox="1"/>
+          <p:nvPr/>
+        </p:nvSpPr>
+        <p:spPr>
+          <a:xfrm>
+            <a:off x="8259526" y="896816"/>
+            <a:ext cx="1783862" cy="276999"/>
+          </a:xfrm>
+          <a:prstGeom prst="rect">
+            <a:avLst/>
+          </a:prstGeom>
+          <a:noFill/>
+        </p:spPr>
+        <p:txBody>
+          <a:bodyPr wrap="square">
+            <a:spAutoFit/>
+          </a:bodyPr>
+          <a:lstStyle/>
+          <a:p>
+            <a:r>
+              <a:rPr lang="en-US" sz="1200" b="1" dirty="0">
+                <a:solidFill>
+                  <a:schemeClr val="accent6">
+                    <a:lumMod val="75000"/>
+                  </a:schemeClr>
+                </a:solidFill>
+              </a:rPr>
+              <a:t>Red Team Engineer</a:t>
+            </a:r>
+            <a:endParaRPr lang="en-SG" sz="1200" b="1" dirty="0">
+              <a:solidFill>
+                <a:schemeClr val="accent6">
+                  <a:lumMod val="75000"/>
+                </a:schemeClr>
+              </a:solidFill>
+            </a:endParaRPr>
+          </a:p>
+        </p:txBody>
+      </p:sp>
+      <p:sp>
+        <p:nvSpPr>
+          <p:cNvPr id="19" name="TextBox 18">
+            <a:extLst>
+              <a:ext uri="{FF2B5EF4-FFF2-40B4-BE49-F238E27FC236}">
+                <a16:creationId xmlns:a16="http://schemas.microsoft.com/office/drawing/2014/main" id="{C6D00F98-3CBF-FB5B-548A-5080D0B085F2}"/>
+              </a:ext>
+            </a:extLst>
+          </p:cNvPr>
+          <p:cNvSpPr txBox="1"/>
+          <p:nvPr/>
+        </p:nvSpPr>
+        <p:spPr>
+          <a:xfrm>
+            <a:off x="1763547" y="3810030"/>
+            <a:ext cx="990567" cy="276999"/>
+          </a:xfrm>
+          <a:prstGeom prst="rect">
+            <a:avLst/>
+          </a:prstGeom>
+          <a:noFill/>
+        </p:spPr>
+        <p:txBody>
+          <a:bodyPr wrap="square" rtlCol="0">
+            <a:spAutoFit/>
+          </a:bodyPr>
+          <a:lstStyle/>
+          <a:p>
+            <a:pPr marL="0" marR="0" lvl="0" indent="0" algn="l" defTabSz="914400" rtl="0" eaLnBrk="1" fontAlgn="auto" latinLnBrk="0" hangingPunct="1">
+              <a:lnSpc>
+                <a:spcPct val="100000"/>
+              </a:lnSpc>
+              <a:spcBef>
+                <a:spcPts val="0"/>
+              </a:spcBef>
+              <a:spcAft>
+                <a:spcPts val="0"/>
+              </a:spcAft>
+              <a:buClrTx/>
+              <a:buSzTx/>
+              <a:buFontTx/>
+              <a:buNone/>
+              <a:tabLst/>
+              <a:defRPr/>
+            </a:pPr>
+            <a:r>
+              <a:rPr kumimoji="0" lang="en-US" sz="1200" b="1" i="0" u="none" strike="noStrike" kern="1200" cap="none" spc="0" normalizeH="0" baseline="0" noProof="0" dirty="0">
+                <a:ln>
+                  <a:noFill/>
+                </a:ln>
+                <a:solidFill>
+                  <a:srgbClr val="C00000"/>
+                </a:solidFill>
+                <a:effectLst/>
+                <a:uLnTx/>
+                <a:uFillTx/>
+                <a:latin typeface="Calibri" panose="020F0502020204030204"/>
+                <a:ea typeface="+mn-ea"/>
+                <a:cs typeface="+mn-cs"/>
+              </a:rPr>
+              <a:t>Attacker</a:t>
+            </a:r>
+            <a:endParaRPr kumimoji="0" lang="en-SG" sz="1200" b="1" i="0" u="none" strike="noStrike" kern="1200" cap="none" spc="0" normalizeH="0" baseline="0" noProof="0" dirty="0">
+              <a:ln>
+                <a:noFill/>
+              </a:ln>
+              <a:solidFill>
+                <a:srgbClr val="C00000"/>
+              </a:solidFill>
+              <a:effectLst/>
+              <a:uLnTx/>
+              <a:uFillTx/>
+              <a:latin typeface="Calibri" panose="020F0502020204030204"/>
+              <a:ea typeface="+mn-ea"/>
+              <a:cs typeface="+mn-cs"/>
+            </a:endParaRPr>
+          </a:p>
+        </p:txBody>
+      </p:sp>
+      <p:sp>
+        <p:nvSpPr>
+          <p:cNvPr id="23" name="TextBox 22">
+            <a:extLst>
+              <a:ext uri="{FF2B5EF4-FFF2-40B4-BE49-F238E27FC236}">
+                <a16:creationId xmlns:a16="http://schemas.microsoft.com/office/drawing/2014/main" id="{2B5C1694-D098-A96A-570D-1EAA6FF98B70}"/>
+              </a:ext>
+            </a:extLst>
+          </p:cNvPr>
+          <p:cNvSpPr txBox="1"/>
+          <p:nvPr/>
+        </p:nvSpPr>
+        <p:spPr>
+          <a:xfrm>
+            <a:off x="9495426" y="5682029"/>
+            <a:ext cx="990567" cy="276999"/>
+          </a:xfrm>
+          <a:prstGeom prst="rect">
+            <a:avLst/>
+          </a:prstGeom>
+          <a:noFill/>
+        </p:spPr>
+        <p:txBody>
+          <a:bodyPr wrap="square" rtlCol="0">
+            <a:spAutoFit/>
+          </a:bodyPr>
+          <a:lstStyle/>
+          <a:p>
+            <a:pPr marL="0" marR="0" lvl="0" indent="0" algn="l" defTabSz="914400" rtl="0" eaLnBrk="1" fontAlgn="auto" latinLnBrk="0" hangingPunct="1">
+              <a:lnSpc>
+                <a:spcPct val="100000"/>
+              </a:lnSpc>
+              <a:spcBef>
+                <a:spcPts val="0"/>
+              </a:spcBef>
+              <a:spcAft>
+                <a:spcPts val="0"/>
+              </a:spcAft>
+              <a:buClrTx/>
+              <a:buSzTx/>
+              <a:buFontTx/>
+              <a:buNone/>
+              <a:tabLst/>
+              <a:defRPr/>
+            </a:pPr>
+            <a:r>
+              <a:rPr kumimoji="0" lang="en-US" sz="1200" b="1" i="0" u="none" strike="noStrike" kern="1200" cap="none" spc="0" normalizeH="0" baseline="0" noProof="0" dirty="0">
+                <a:ln>
+                  <a:noFill/>
+                </a:ln>
+                <a:solidFill>
+                  <a:srgbClr val="0070C0"/>
+                </a:solidFill>
+                <a:effectLst/>
+                <a:uLnTx/>
+                <a:uFillTx/>
+                <a:latin typeface="Calibri" panose="020F0502020204030204"/>
+                <a:ea typeface="+mn-ea"/>
+                <a:cs typeface="+mn-cs"/>
+              </a:rPr>
+              <a:t>Defender</a:t>
+            </a:r>
+            <a:r>
+              <a:rPr kumimoji="0" lang="en-US" sz="1200" b="1" i="0" u="none" strike="noStrike" kern="1200" cap="none" spc="0" normalizeH="0" baseline="0" noProof="0" dirty="0">
+                <a:ln>
+                  <a:noFill/>
+                </a:ln>
+                <a:solidFill>
+                  <a:srgbClr val="C00000"/>
+                </a:solidFill>
+                <a:effectLst/>
+                <a:uLnTx/>
+                <a:uFillTx/>
+                <a:latin typeface="Calibri" panose="020F0502020204030204"/>
+                <a:ea typeface="+mn-ea"/>
+                <a:cs typeface="+mn-cs"/>
+              </a:rPr>
+              <a:t> </a:t>
+            </a:r>
+            <a:endParaRPr kumimoji="0" lang="en-SG" sz="1200" b="1" i="0" u="none" strike="noStrike" kern="1200" cap="none" spc="0" normalizeH="0" baseline="0" noProof="0" dirty="0">
+              <a:ln>
+                <a:noFill/>
+              </a:ln>
+              <a:solidFill>
+                <a:srgbClr val="C00000"/>
+              </a:solidFill>
+              <a:effectLst/>
+              <a:uLnTx/>
+              <a:uFillTx/>
+              <a:latin typeface="Calibri" panose="020F0502020204030204"/>
+              <a:ea typeface="+mn-ea"/>
+              <a:cs typeface="+mn-cs"/>
+            </a:endParaRPr>
+          </a:p>
+        </p:txBody>
+      </p:sp>
+      <p:cxnSp>
+        <p:nvCxnSpPr>
+          <p:cNvPr id="57" name="Straight Connector 56">
+            <a:extLst>
+              <a:ext uri="{FF2B5EF4-FFF2-40B4-BE49-F238E27FC236}">
+                <a16:creationId xmlns:a16="http://schemas.microsoft.com/office/drawing/2014/main" id="{6B446FA8-A176-154B-DF1C-EFF2380EDC45}"/>
+              </a:ext>
+            </a:extLst>
+          </p:cNvPr>
+          <p:cNvCxnSpPr>
+            <a:cxnSpLocks/>
+            <a:stCxn id="4" idx="2"/>
+          </p:cNvCxnSpPr>
+          <p:nvPr/>
+        </p:nvCxnSpPr>
+        <p:spPr>
+          <a:xfrm>
+            <a:off x="8013683" y="1349067"/>
+            <a:ext cx="0" cy="3850663"/>
+          </a:xfrm>
+          <a:prstGeom prst="line">
+            <a:avLst/>
+          </a:prstGeom>
+          <a:ln w="19050">
+            <a:solidFill>
+              <a:schemeClr val="tx1">
+                <a:lumMod val="50000"/>
+                <a:lumOff val="50000"/>
+              </a:schemeClr>
+            </a:solidFill>
+            <a:prstDash val="sysDash"/>
+          </a:ln>
+        </p:spPr>
+        <p:style>
+          <a:lnRef idx="2">
+            <a:schemeClr val="accent1"/>
+          </a:lnRef>
+          <a:fillRef idx="0">
+            <a:schemeClr val="accent1"/>
+          </a:fillRef>
+          <a:effectRef idx="1">
+            <a:schemeClr val="accent1"/>
+          </a:effectRef>
+          <a:fontRef idx="minor">
+            <a:schemeClr val="tx1"/>
+          </a:fontRef>
+        </p:style>
+      </p:cxnSp>
+      <p:cxnSp>
+        <p:nvCxnSpPr>
+          <p:cNvPr id="72" name="Straight Arrow Connector 71">
+            <a:extLst>
+              <a:ext uri="{FF2B5EF4-FFF2-40B4-BE49-F238E27FC236}">
+                <a16:creationId xmlns:a16="http://schemas.microsoft.com/office/drawing/2014/main" id="{1CE5C074-B569-F1DE-CAB6-32201BF0D1D5}"/>
+              </a:ext>
+            </a:extLst>
+          </p:cNvPr>
+          <p:cNvCxnSpPr>
+            <a:cxnSpLocks/>
+          </p:cNvCxnSpPr>
+          <p:nvPr/>
+        </p:nvCxnSpPr>
+        <p:spPr>
+          <a:xfrm flipH="1" flipV="1">
+            <a:off x="6748688" y="5241923"/>
+            <a:ext cx="1271261" cy="0"/>
+          </a:xfrm>
+          <a:prstGeom prst="straightConnector1">
+            <a:avLst/>
+          </a:prstGeom>
+          <a:ln>
+            <a:solidFill>
+              <a:schemeClr val="tx1">
+                <a:lumMod val="50000"/>
+                <a:lumOff val="50000"/>
+              </a:schemeClr>
+            </a:solidFill>
+            <a:prstDash val="sysDash"/>
+            <a:tailEnd type="triangle"/>
+          </a:ln>
+        </p:spPr>
+        <p:style>
+          <a:lnRef idx="2">
+            <a:schemeClr val="accent1"/>
+          </a:lnRef>
+          <a:fillRef idx="0">
+            <a:schemeClr val="accent1"/>
+          </a:fillRef>
+          <a:effectRef idx="1">
+            <a:schemeClr val="accent1"/>
+          </a:effectRef>
+          <a:fontRef idx="minor">
+            <a:schemeClr val="tx1"/>
+          </a:fontRef>
+        </p:style>
+      </p:cxnSp>
+      <p:cxnSp>
+        <p:nvCxnSpPr>
+          <p:cNvPr id="78" name="Straight Arrow Connector 77">
+            <a:extLst>
+              <a:ext uri="{FF2B5EF4-FFF2-40B4-BE49-F238E27FC236}">
+                <a16:creationId xmlns:a16="http://schemas.microsoft.com/office/drawing/2014/main" id="{5FD78574-DD72-9734-E6F4-5ECD8E6512D8}"/>
+              </a:ext>
+            </a:extLst>
+          </p:cNvPr>
+          <p:cNvCxnSpPr>
+            <a:cxnSpLocks/>
+          </p:cNvCxnSpPr>
+          <p:nvPr/>
+        </p:nvCxnSpPr>
+        <p:spPr>
+          <a:xfrm flipH="1" flipV="1">
+            <a:off x="6698895" y="4717015"/>
+            <a:ext cx="1271261" cy="0"/>
+          </a:xfrm>
+          <a:prstGeom prst="straightConnector1">
+            <a:avLst/>
+          </a:prstGeom>
+          <a:ln>
+            <a:solidFill>
+              <a:schemeClr val="tx1">
+                <a:lumMod val="50000"/>
+                <a:lumOff val="50000"/>
+              </a:schemeClr>
+            </a:solidFill>
+            <a:prstDash val="sysDash"/>
+            <a:tailEnd type="triangle"/>
+          </a:ln>
+        </p:spPr>
+        <p:style>
+          <a:lnRef idx="2">
+            <a:schemeClr val="accent1"/>
+          </a:lnRef>
+          <a:fillRef idx="0">
+            <a:schemeClr val="accent1"/>
+          </a:fillRef>
+          <a:effectRef idx="1">
+            <a:schemeClr val="accent1"/>
+          </a:effectRef>
+          <a:fontRef idx="minor">
+            <a:schemeClr val="tx1"/>
+          </a:fontRef>
+        </p:style>
+      </p:cxnSp>
+      <p:cxnSp>
+        <p:nvCxnSpPr>
+          <p:cNvPr id="80" name="Straight Arrow Connector 79">
+            <a:extLst>
+              <a:ext uri="{FF2B5EF4-FFF2-40B4-BE49-F238E27FC236}">
+                <a16:creationId xmlns:a16="http://schemas.microsoft.com/office/drawing/2014/main" id="{75B5371E-D578-7902-E019-DC8A0600AC8B}"/>
+              </a:ext>
+            </a:extLst>
+          </p:cNvPr>
+          <p:cNvCxnSpPr>
+            <a:cxnSpLocks/>
+          </p:cNvCxnSpPr>
+          <p:nvPr/>
+        </p:nvCxnSpPr>
+        <p:spPr>
+          <a:xfrm flipH="1" flipV="1">
+            <a:off x="6748688" y="3414177"/>
+            <a:ext cx="1271261" cy="0"/>
+          </a:xfrm>
+          <a:prstGeom prst="straightConnector1">
+            <a:avLst/>
+          </a:prstGeom>
+          <a:ln>
+            <a:solidFill>
+              <a:schemeClr val="tx1">
+                <a:lumMod val="50000"/>
+                <a:lumOff val="50000"/>
+              </a:schemeClr>
+            </a:solidFill>
+            <a:prstDash val="sysDash"/>
+            <a:tailEnd type="triangle"/>
+          </a:ln>
+        </p:spPr>
+        <p:style>
+          <a:lnRef idx="2">
+            <a:schemeClr val="accent1"/>
+          </a:lnRef>
+          <a:fillRef idx="0">
+            <a:schemeClr val="accent1"/>
+          </a:fillRef>
+          <a:effectRef idx="1">
+            <a:schemeClr val="accent1"/>
+          </a:effectRef>
+          <a:fontRef idx="minor">
+            <a:schemeClr val="tx1"/>
+          </a:fontRef>
+        </p:style>
+      </p:cxnSp>
+      <p:cxnSp>
+        <p:nvCxnSpPr>
+          <p:cNvPr id="83" name="Straight Arrow Connector 82">
+            <a:extLst>
+              <a:ext uri="{FF2B5EF4-FFF2-40B4-BE49-F238E27FC236}">
+                <a16:creationId xmlns:a16="http://schemas.microsoft.com/office/drawing/2014/main" id="{B335D6D1-E2EE-7023-C729-31501697B164}"/>
+              </a:ext>
+            </a:extLst>
+          </p:cNvPr>
+          <p:cNvCxnSpPr>
+            <a:cxnSpLocks/>
+          </p:cNvCxnSpPr>
+          <p:nvPr/>
+        </p:nvCxnSpPr>
+        <p:spPr>
+          <a:xfrm flipH="1" flipV="1">
+            <a:off x="6721522" y="1714739"/>
+            <a:ext cx="1271261" cy="0"/>
+          </a:xfrm>
+          <a:prstGeom prst="straightConnector1">
+            <a:avLst/>
+          </a:prstGeom>
+          <a:ln>
+            <a:solidFill>
+              <a:schemeClr val="tx1">
+                <a:lumMod val="50000"/>
+                <a:lumOff val="50000"/>
+              </a:schemeClr>
+            </a:solidFill>
+            <a:prstDash val="sysDash"/>
+            <a:tailEnd type="triangle"/>
+          </a:ln>
+        </p:spPr>
+        <p:style>
+          <a:lnRef idx="2">
+            <a:schemeClr val="accent1"/>
+          </a:lnRef>
+          <a:fillRef idx="0">
+            <a:schemeClr val="accent1"/>
+          </a:fillRef>
+          <a:effectRef idx="1">
+            <a:schemeClr val="accent1"/>
+          </a:effectRef>
+          <a:fontRef idx="minor">
+            <a:schemeClr val="tx1"/>
+          </a:fontRef>
+        </p:style>
+      </p:cxnSp>
+      <p:cxnSp>
+        <p:nvCxnSpPr>
+          <p:cNvPr id="84" name="Straight Arrow Connector 83">
+            <a:extLst>
+              <a:ext uri="{FF2B5EF4-FFF2-40B4-BE49-F238E27FC236}">
+                <a16:creationId xmlns:a16="http://schemas.microsoft.com/office/drawing/2014/main" id="{980756B7-2225-EA88-155B-18C6F874145D}"/>
+              </a:ext>
+            </a:extLst>
+          </p:cNvPr>
+          <p:cNvCxnSpPr>
+            <a:cxnSpLocks/>
+          </p:cNvCxnSpPr>
+          <p:nvPr/>
+        </p:nvCxnSpPr>
+        <p:spPr>
+          <a:xfrm flipV="1">
+            <a:off x="8015572" y="3093172"/>
+            <a:ext cx="1058038" cy="8044"/>
+          </a:xfrm>
+          <a:prstGeom prst="straightConnector1">
+            <a:avLst/>
+          </a:prstGeom>
+          <a:ln>
+            <a:solidFill>
+              <a:schemeClr val="tx1">
+                <a:lumMod val="50000"/>
+                <a:lumOff val="50000"/>
+              </a:schemeClr>
+            </a:solidFill>
+            <a:prstDash val="sysDash"/>
+            <a:tailEnd type="triangle"/>
+          </a:ln>
+        </p:spPr>
+        <p:style>
+          <a:lnRef idx="2">
+            <a:schemeClr val="accent1"/>
+          </a:lnRef>
+          <a:fillRef idx="0">
+            <a:schemeClr val="accent1"/>
+          </a:fillRef>
+          <a:effectRef idx="1">
+            <a:schemeClr val="accent1"/>
+          </a:effectRef>
+          <a:fontRef idx="minor">
+            <a:schemeClr val="tx1"/>
+          </a:fontRef>
+        </p:style>
+      </p:cxnSp>
+      <p:cxnSp>
+        <p:nvCxnSpPr>
+          <p:cNvPr id="103" name="Straight Arrow Connector 102">
+            <a:extLst>
+              <a:ext uri="{FF2B5EF4-FFF2-40B4-BE49-F238E27FC236}">
+                <a16:creationId xmlns:a16="http://schemas.microsoft.com/office/drawing/2014/main" id="{5C4D2C37-F16D-F589-5D54-FA023F5B25BE}"/>
+              </a:ext>
+            </a:extLst>
+          </p:cNvPr>
+          <p:cNvCxnSpPr>
+            <a:cxnSpLocks/>
+          </p:cNvCxnSpPr>
+          <p:nvPr/>
+        </p:nvCxnSpPr>
+        <p:spPr>
+          <a:xfrm flipV="1">
+            <a:off x="8039732" y="5101578"/>
+            <a:ext cx="1058038" cy="8044"/>
+          </a:xfrm>
+          <a:prstGeom prst="straightConnector1">
+            <a:avLst/>
+          </a:prstGeom>
+          <a:ln>
+            <a:solidFill>
+              <a:schemeClr val="tx1">
+                <a:lumMod val="50000"/>
+                <a:lumOff val="50000"/>
+              </a:schemeClr>
+            </a:solidFill>
+            <a:prstDash val="sysDash"/>
+            <a:tailEnd type="triangle"/>
+          </a:ln>
+        </p:spPr>
+        <p:style>
+          <a:lnRef idx="2">
+            <a:schemeClr val="accent1"/>
+          </a:lnRef>
+          <a:fillRef idx="0">
+            <a:schemeClr val="accent1"/>
+          </a:fillRef>
+          <a:effectRef idx="1">
+            <a:schemeClr val="accent1"/>
+          </a:effectRef>
+          <a:fontRef idx="minor">
+            <a:schemeClr val="tx1"/>
+          </a:fontRef>
+        </p:style>
+      </p:cxnSp>
+      <p:cxnSp>
+        <p:nvCxnSpPr>
+          <p:cNvPr id="104" name="Straight Arrow Connector 103">
+            <a:extLst>
+              <a:ext uri="{FF2B5EF4-FFF2-40B4-BE49-F238E27FC236}">
+                <a16:creationId xmlns:a16="http://schemas.microsoft.com/office/drawing/2014/main" id="{B9EE26F0-0B5E-7E43-8E9C-A24FCF26E0D3}"/>
+              </a:ext>
+            </a:extLst>
+          </p:cNvPr>
+          <p:cNvCxnSpPr>
+            <a:cxnSpLocks/>
+          </p:cNvCxnSpPr>
+          <p:nvPr/>
+        </p:nvCxnSpPr>
+        <p:spPr>
+          <a:xfrm flipH="1">
+            <a:off x="4217283" y="3822417"/>
+            <a:ext cx="3789811" cy="0"/>
+          </a:xfrm>
+          <a:prstGeom prst="straightConnector1">
+            <a:avLst/>
+          </a:prstGeom>
+          <a:ln>
+            <a:solidFill>
+              <a:schemeClr val="tx1">
+                <a:lumMod val="50000"/>
+                <a:lumOff val="50000"/>
+              </a:schemeClr>
+            </a:solidFill>
+            <a:prstDash val="sysDash"/>
+            <a:tailEnd type="triangle"/>
+          </a:ln>
+        </p:spPr>
+        <p:style>
+          <a:lnRef idx="2">
+            <a:schemeClr val="accent1"/>
+          </a:lnRef>
+          <a:fillRef idx="0">
+            <a:schemeClr val="accent1"/>
+          </a:fillRef>
+          <a:effectRef idx="1">
+            <a:schemeClr val="accent1"/>
+          </a:effectRef>
+          <a:fontRef idx="minor">
+            <a:schemeClr val="tx1"/>
+          </a:fontRef>
+        </p:style>
+      </p:cxnSp>
+      <p:cxnSp>
+        <p:nvCxnSpPr>
+          <p:cNvPr id="110" name="Straight Arrow Connector 109">
+            <a:extLst>
+              <a:ext uri="{FF2B5EF4-FFF2-40B4-BE49-F238E27FC236}">
+                <a16:creationId xmlns:a16="http://schemas.microsoft.com/office/drawing/2014/main" id="{F69792D0-55D0-BDF2-5D0A-CD4AFB37BB71}"/>
+              </a:ext>
+            </a:extLst>
+          </p:cNvPr>
+          <p:cNvCxnSpPr>
+            <a:cxnSpLocks/>
+          </p:cNvCxnSpPr>
+          <p:nvPr/>
+        </p:nvCxnSpPr>
+        <p:spPr>
+          <a:xfrm>
+            <a:off x="8237115" y="3119687"/>
+            <a:ext cx="0" cy="352932"/>
+          </a:xfrm>
+          <a:prstGeom prst="straightConnector1">
+            <a:avLst/>
+          </a:prstGeom>
+          <a:ln>
+            <a:solidFill>
+              <a:schemeClr val="tx1">
+                <a:lumMod val="50000"/>
+                <a:lumOff val="50000"/>
+              </a:schemeClr>
+            </a:solidFill>
+            <a:prstDash val="sysDash"/>
+            <a:tailEnd type="triangle"/>
+          </a:ln>
+        </p:spPr>
+        <p:style>
+          <a:lnRef idx="2">
+            <a:schemeClr val="accent1"/>
+          </a:lnRef>
+          <a:fillRef idx="0">
+            <a:schemeClr val="accent1"/>
+          </a:fillRef>
+          <a:effectRef idx="1">
+            <a:schemeClr val="accent1"/>
+          </a:effectRef>
+          <a:fontRef idx="minor">
+            <a:schemeClr val="tx1"/>
+          </a:fontRef>
+        </p:style>
+      </p:cxnSp>
+      <p:cxnSp>
+        <p:nvCxnSpPr>
+          <p:cNvPr id="120" name="Straight Arrow Connector 119">
+            <a:extLst>
+              <a:ext uri="{FF2B5EF4-FFF2-40B4-BE49-F238E27FC236}">
+                <a16:creationId xmlns:a16="http://schemas.microsoft.com/office/drawing/2014/main" id="{C73707A3-582B-374A-E509-A0E372952FAD}"/>
+              </a:ext>
+            </a:extLst>
+          </p:cNvPr>
+          <p:cNvCxnSpPr>
+            <a:cxnSpLocks/>
+          </p:cNvCxnSpPr>
+          <p:nvPr/>
+        </p:nvCxnSpPr>
+        <p:spPr>
+          <a:xfrm flipV="1">
+            <a:off x="10369622" y="1669659"/>
+            <a:ext cx="0" cy="350906"/>
+          </a:xfrm>
+          <a:prstGeom prst="straightConnector1">
+            <a:avLst/>
+          </a:prstGeom>
+          <a:ln>
+            <a:solidFill>
+              <a:srgbClr val="C00000"/>
+            </a:solidFill>
+            <a:prstDash val="sysDash"/>
+            <a:tailEnd type="triangle"/>
+          </a:ln>
+        </p:spPr>
+        <p:style>
+          <a:lnRef idx="2">
+            <a:schemeClr val="accent1"/>
+          </a:lnRef>
+          <a:fillRef idx="0">
+            <a:schemeClr val="accent1"/>
+          </a:fillRef>
+          <a:effectRef idx="1">
+            <a:schemeClr val="accent1"/>
+          </a:effectRef>
+          <a:fontRef idx="minor">
+            <a:schemeClr val="tx1"/>
+          </a:fontRef>
+        </p:style>
+      </p:cxnSp>
+      <p:sp>
+        <p:nvSpPr>
+          <p:cNvPr id="122" name="TextBox 121">
+            <a:extLst>
+              <a:ext uri="{FF2B5EF4-FFF2-40B4-BE49-F238E27FC236}">
+                <a16:creationId xmlns:a16="http://schemas.microsoft.com/office/drawing/2014/main" id="{85FEEBF6-2DE7-9548-41EC-F7F5A30D0CBE}"/>
+              </a:ext>
+            </a:extLst>
+          </p:cNvPr>
+          <p:cNvSpPr txBox="1"/>
+          <p:nvPr/>
+        </p:nvSpPr>
+        <p:spPr>
+          <a:xfrm>
+            <a:off x="10372638" y="1600953"/>
+            <a:ext cx="800084" cy="461665"/>
+          </a:xfrm>
+          <a:prstGeom prst="rect">
+            <a:avLst/>
+          </a:prstGeom>
+          <a:noFill/>
+        </p:spPr>
+        <p:txBody>
+          <a:bodyPr wrap="square" rtlCol="0">
+            <a:spAutoFit/>
+          </a:bodyPr>
+          <a:lstStyle/>
+          <a:p>
+            <a:pPr marL="0" marR="0" lvl="0" indent="0" algn="l" defTabSz="914400" rtl="0" eaLnBrk="1" fontAlgn="auto" latinLnBrk="0" hangingPunct="1">
+              <a:lnSpc>
+                <a:spcPct val="100000"/>
+              </a:lnSpc>
+              <a:spcBef>
+                <a:spcPts val="0"/>
+              </a:spcBef>
+              <a:spcAft>
+                <a:spcPts val="0"/>
+              </a:spcAft>
+              <a:buClrTx/>
+              <a:buSzTx/>
+              <a:buFontTx/>
+              <a:buNone/>
+              <a:tabLst/>
+              <a:defRPr/>
+            </a:pPr>
+            <a:r>
+              <a:rPr kumimoji="0" lang="en-US" sz="1200" b="1" i="0" u="none" strike="noStrike" kern="1200" cap="none" spc="0" normalizeH="0" baseline="0" noProof="0" dirty="0">
+                <a:ln>
+                  <a:noFill/>
+                </a:ln>
+                <a:solidFill>
+                  <a:srgbClr val="C00000"/>
+                </a:solidFill>
+                <a:effectLst/>
+                <a:uLnTx/>
+                <a:uFillTx/>
+                <a:latin typeface="Calibri" panose="020F0502020204030204"/>
+                <a:ea typeface="+mn-ea"/>
+                <a:cs typeface="+mn-cs"/>
+              </a:rPr>
+              <a:t>Attack Path</a:t>
+            </a:r>
+            <a:endParaRPr kumimoji="0" lang="en-SG" sz="1200" b="1" i="0" u="none" strike="noStrike" kern="1200" cap="none" spc="0" normalizeH="0" baseline="0" noProof="0" dirty="0">
+              <a:ln>
+                <a:noFill/>
+              </a:ln>
+              <a:solidFill>
+                <a:srgbClr val="C00000"/>
+              </a:solidFill>
+              <a:effectLst/>
+              <a:uLnTx/>
+              <a:uFillTx/>
+              <a:latin typeface="Calibri" panose="020F0502020204030204"/>
+              <a:ea typeface="+mn-ea"/>
+              <a:cs typeface="+mn-cs"/>
+            </a:endParaRPr>
+          </a:p>
+        </p:txBody>
+      </p:sp>
+      <p:cxnSp>
+        <p:nvCxnSpPr>
+          <p:cNvPr id="126" name="Straight Arrow Connector 125">
+            <a:extLst>
+              <a:ext uri="{FF2B5EF4-FFF2-40B4-BE49-F238E27FC236}">
+                <a16:creationId xmlns:a16="http://schemas.microsoft.com/office/drawing/2014/main" id="{D4077EAB-7291-F3EE-703B-E446919A9BCF}"/>
+              </a:ext>
+            </a:extLst>
+          </p:cNvPr>
+          <p:cNvCxnSpPr>
+            <a:cxnSpLocks/>
+          </p:cNvCxnSpPr>
+          <p:nvPr/>
+        </p:nvCxnSpPr>
+        <p:spPr>
+          <a:xfrm flipH="1" flipV="1">
+            <a:off x="10385136" y="2260604"/>
+            <a:ext cx="0" cy="391175"/>
+          </a:xfrm>
+          <a:prstGeom prst="straightConnector1">
+            <a:avLst/>
+          </a:prstGeom>
+          <a:ln>
+            <a:solidFill>
+              <a:schemeClr val="tx1">
+                <a:lumMod val="50000"/>
+                <a:lumOff val="50000"/>
+              </a:schemeClr>
+            </a:solidFill>
+            <a:prstDash val="sysDash"/>
+            <a:tailEnd type="triangle"/>
+          </a:ln>
+        </p:spPr>
+        <p:style>
+          <a:lnRef idx="2">
+            <a:schemeClr val="accent1"/>
+          </a:lnRef>
+          <a:fillRef idx="0">
+            <a:schemeClr val="accent1"/>
+          </a:fillRef>
+          <a:effectRef idx="1">
+            <a:schemeClr val="accent1"/>
+          </a:effectRef>
+          <a:fontRef idx="minor">
+            <a:schemeClr val="tx1"/>
+          </a:fontRef>
+        </p:style>
+      </p:cxnSp>
+      <p:sp>
+        <p:nvSpPr>
+          <p:cNvPr id="137" name="TextBox 136">
+            <a:extLst>
+              <a:ext uri="{FF2B5EF4-FFF2-40B4-BE49-F238E27FC236}">
+                <a16:creationId xmlns:a16="http://schemas.microsoft.com/office/drawing/2014/main" id="{4E2E316E-2F4D-1023-73FD-12D71105B867}"/>
+              </a:ext>
+            </a:extLst>
+          </p:cNvPr>
+          <p:cNvSpPr txBox="1"/>
+          <p:nvPr/>
+        </p:nvSpPr>
+        <p:spPr>
+          <a:xfrm>
+            <a:off x="10373984" y="2194530"/>
+            <a:ext cx="1008216" cy="461665"/>
+          </a:xfrm>
+          <a:prstGeom prst="rect">
+            <a:avLst/>
+          </a:prstGeom>
+          <a:noFill/>
+        </p:spPr>
+        <p:txBody>
+          <a:bodyPr wrap="square" rtlCol="0">
+            <a:spAutoFit/>
+          </a:bodyPr>
+          <a:lstStyle/>
+          <a:p>
+            <a:pPr marL="0" marR="0" lvl="0" indent="0" algn="l" defTabSz="914400" rtl="0" eaLnBrk="1" fontAlgn="auto" latinLnBrk="0" hangingPunct="1">
+              <a:lnSpc>
+                <a:spcPct val="100000"/>
+              </a:lnSpc>
+              <a:spcBef>
+                <a:spcPts val="0"/>
+              </a:spcBef>
+              <a:spcAft>
+                <a:spcPts val="0"/>
+              </a:spcAft>
+              <a:buClrTx/>
+              <a:buSzTx/>
+              <a:buFontTx/>
+              <a:buNone/>
+              <a:tabLst/>
+              <a:defRPr/>
+            </a:pPr>
+            <a:r>
+              <a:rPr kumimoji="0" lang="en-US" sz="1200" b="1" i="0" u="none" strike="noStrike" kern="1200" cap="none" spc="0" normalizeH="0" baseline="0" noProof="0" dirty="0">
+                <a:ln>
+                  <a:noFill/>
+                </a:ln>
+                <a:solidFill>
+                  <a:schemeClr val="accent6">
+                    <a:lumMod val="50000"/>
+                  </a:schemeClr>
+                </a:solidFill>
+                <a:effectLst/>
+                <a:uLnTx/>
+                <a:uFillTx/>
+                <a:latin typeface="Calibri" panose="020F0502020204030204"/>
+                <a:ea typeface="+mn-ea"/>
+                <a:cs typeface="+mn-cs"/>
+              </a:rPr>
+              <a:t>Deploy</a:t>
+            </a:r>
+          </a:p>
+          <a:p>
+            <a:pPr marL="0" marR="0" lvl="0" indent="0" algn="l" defTabSz="914400" rtl="0" eaLnBrk="1" fontAlgn="auto" latinLnBrk="0" hangingPunct="1">
+              <a:lnSpc>
+                <a:spcPct val="100000"/>
+              </a:lnSpc>
+              <a:spcBef>
+                <a:spcPts val="0"/>
+              </a:spcBef>
+              <a:spcAft>
+                <a:spcPts val="0"/>
+              </a:spcAft>
+              <a:buClrTx/>
+              <a:buSzTx/>
+              <a:buFontTx/>
+              <a:buNone/>
+              <a:tabLst/>
+              <a:defRPr/>
+            </a:pPr>
+            <a:r>
+              <a:rPr kumimoji="0" lang="en-US" sz="1200" b="1" i="0" u="none" strike="noStrike" kern="1200" cap="none" spc="0" normalizeH="0" baseline="0" noProof="0" dirty="0">
+                <a:ln>
+                  <a:noFill/>
+                </a:ln>
+                <a:solidFill>
+                  <a:schemeClr val="accent6">
+                    <a:lumMod val="50000"/>
+                  </a:schemeClr>
+                </a:solidFill>
+                <a:effectLst/>
+                <a:uLnTx/>
+                <a:uFillTx/>
+                <a:latin typeface="Calibri" panose="020F0502020204030204"/>
+                <a:ea typeface="+mn-ea"/>
+                <a:cs typeface="+mn-cs"/>
+              </a:rPr>
+              <a:t>Path</a:t>
+            </a:r>
+            <a:endParaRPr kumimoji="0" lang="en-SG" sz="1200" b="1" i="0" u="none" strike="noStrike" kern="1200" cap="none" spc="0" normalizeH="0" baseline="0" noProof="0" dirty="0">
+              <a:ln>
+                <a:noFill/>
+              </a:ln>
+              <a:solidFill>
+                <a:schemeClr val="accent6">
+                  <a:lumMod val="50000"/>
+                </a:schemeClr>
+              </a:solidFill>
+              <a:effectLst/>
+              <a:uLnTx/>
+              <a:uFillTx/>
+              <a:latin typeface="Calibri" panose="020F0502020204030204"/>
+              <a:ea typeface="+mn-ea"/>
+              <a:cs typeface="+mn-cs"/>
+            </a:endParaRPr>
+          </a:p>
+        </p:txBody>
+      </p:sp>
+      <p:cxnSp>
+        <p:nvCxnSpPr>
+          <p:cNvPr id="138" name="Straight Arrow Connector 137">
+            <a:extLst>
+              <a:ext uri="{FF2B5EF4-FFF2-40B4-BE49-F238E27FC236}">
+                <a16:creationId xmlns:a16="http://schemas.microsoft.com/office/drawing/2014/main" id="{67952242-1E58-91EE-15C2-8E70C8E83AB8}"/>
+              </a:ext>
+            </a:extLst>
+          </p:cNvPr>
+          <p:cNvCxnSpPr>
+            <a:cxnSpLocks/>
+          </p:cNvCxnSpPr>
+          <p:nvPr/>
+        </p:nvCxnSpPr>
+        <p:spPr>
+          <a:xfrm flipV="1">
+            <a:off x="10391556" y="2899793"/>
+            <a:ext cx="0" cy="360074"/>
+          </a:xfrm>
+          <a:prstGeom prst="straightConnector1">
+            <a:avLst/>
+          </a:prstGeom>
+          <a:ln>
+            <a:solidFill>
+              <a:schemeClr val="accent5">
+                <a:lumMod val="75000"/>
+              </a:schemeClr>
+            </a:solidFill>
+            <a:prstDash val="sysDash"/>
+            <a:tailEnd type="triangle"/>
+          </a:ln>
+        </p:spPr>
+        <p:style>
+          <a:lnRef idx="2">
+            <a:schemeClr val="accent1"/>
+          </a:lnRef>
+          <a:fillRef idx="0">
+            <a:schemeClr val="accent1"/>
+          </a:fillRef>
+          <a:effectRef idx="1">
+            <a:schemeClr val="accent1"/>
+          </a:effectRef>
+          <a:fontRef idx="minor">
+            <a:schemeClr val="tx1"/>
+          </a:fontRef>
+        </p:style>
+      </p:cxnSp>
+      <p:sp>
+        <p:nvSpPr>
+          <p:cNvPr id="142" name="TextBox 141">
+            <a:extLst>
+              <a:ext uri="{FF2B5EF4-FFF2-40B4-BE49-F238E27FC236}">
+                <a16:creationId xmlns:a16="http://schemas.microsoft.com/office/drawing/2014/main" id="{B73434AD-2E39-6CE8-4BE1-ED6D38B54914}"/>
+              </a:ext>
+            </a:extLst>
+          </p:cNvPr>
+          <p:cNvSpPr txBox="1"/>
+          <p:nvPr/>
+        </p:nvSpPr>
+        <p:spPr>
+          <a:xfrm>
+            <a:off x="10457273" y="2810689"/>
+            <a:ext cx="1008216" cy="461665"/>
+          </a:xfrm>
+          <a:prstGeom prst="rect">
+            <a:avLst/>
+          </a:prstGeom>
+          <a:noFill/>
+        </p:spPr>
+        <p:txBody>
+          <a:bodyPr wrap="square" rtlCol="0">
+            <a:spAutoFit/>
+          </a:bodyPr>
+          <a:lstStyle/>
+          <a:p>
+            <a:pPr marL="0" marR="0" lvl="0" indent="0" algn="l" defTabSz="914400" rtl="0" eaLnBrk="1" fontAlgn="auto" latinLnBrk="0" hangingPunct="1">
+              <a:lnSpc>
+                <a:spcPct val="100000"/>
+              </a:lnSpc>
+              <a:spcBef>
+                <a:spcPts val="0"/>
+              </a:spcBef>
+              <a:spcAft>
+                <a:spcPts val="0"/>
+              </a:spcAft>
+              <a:buClrTx/>
+              <a:buSzTx/>
+              <a:buFontTx/>
+              <a:buNone/>
+              <a:tabLst/>
+              <a:defRPr/>
+            </a:pPr>
+            <a:r>
+              <a:rPr kumimoji="0" lang="en-US" sz="1200" b="1" i="0" u="none" strike="noStrike" kern="1200" cap="none" spc="0" normalizeH="0" baseline="0" noProof="0" dirty="0">
+                <a:ln>
+                  <a:noFill/>
+                </a:ln>
+                <a:solidFill>
+                  <a:srgbClr val="7030A0"/>
+                </a:solidFill>
+                <a:effectLst/>
+                <a:uLnTx/>
+                <a:uFillTx/>
+                <a:latin typeface="Calibri" panose="020F0502020204030204"/>
+                <a:ea typeface="+mn-ea"/>
+                <a:cs typeface="+mn-cs"/>
+              </a:rPr>
+              <a:t>Detect </a:t>
+            </a:r>
+          </a:p>
+          <a:p>
+            <a:pPr marL="0" marR="0" lvl="0" indent="0" algn="l" defTabSz="914400" rtl="0" eaLnBrk="1" fontAlgn="auto" latinLnBrk="0" hangingPunct="1">
+              <a:lnSpc>
+                <a:spcPct val="100000"/>
+              </a:lnSpc>
+              <a:spcBef>
+                <a:spcPts val="0"/>
+              </a:spcBef>
+              <a:spcAft>
+                <a:spcPts val="0"/>
+              </a:spcAft>
+              <a:buClrTx/>
+              <a:buSzTx/>
+              <a:buFontTx/>
+              <a:buNone/>
+              <a:tabLst/>
+              <a:defRPr/>
+            </a:pPr>
+            <a:r>
+              <a:rPr kumimoji="0" lang="en-US" sz="1200" b="1" i="0" u="none" strike="noStrike" kern="1200" cap="none" spc="0" normalizeH="0" baseline="0" noProof="0" dirty="0">
+                <a:ln>
+                  <a:noFill/>
+                </a:ln>
+                <a:solidFill>
+                  <a:srgbClr val="7030A0"/>
+                </a:solidFill>
+                <a:effectLst/>
+                <a:uLnTx/>
+                <a:uFillTx/>
+                <a:latin typeface="Calibri" panose="020F0502020204030204"/>
+                <a:ea typeface="+mn-ea"/>
+                <a:cs typeface="+mn-cs"/>
+              </a:rPr>
+              <a:t>Path</a:t>
+            </a:r>
+            <a:endParaRPr kumimoji="0" lang="en-SG" sz="1200" b="1" i="0" u="none" strike="noStrike" kern="1200" cap="none" spc="0" normalizeH="0" baseline="0" noProof="0" dirty="0">
+              <a:ln>
+                <a:noFill/>
+              </a:ln>
+              <a:solidFill>
+                <a:srgbClr val="7030A0"/>
+              </a:solidFill>
+              <a:effectLst/>
+              <a:uLnTx/>
+              <a:uFillTx/>
+              <a:latin typeface="Calibri" panose="020F0502020204030204"/>
+              <a:ea typeface="+mn-ea"/>
+              <a:cs typeface="+mn-cs"/>
+            </a:endParaRPr>
+          </a:p>
+        </p:txBody>
+      </p:sp>
+      <p:sp>
+        <p:nvSpPr>
+          <p:cNvPr id="143" name="TextBox 142">
+            <a:extLst>
+              <a:ext uri="{FF2B5EF4-FFF2-40B4-BE49-F238E27FC236}">
+                <a16:creationId xmlns:a16="http://schemas.microsoft.com/office/drawing/2014/main" id="{EACD2CC3-D41D-83A4-6BC2-FC40656AF77F}"/>
+              </a:ext>
+            </a:extLst>
+          </p:cNvPr>
+          <p:cNvSpPr txBox="1"/>
+          <p:nvPr/>
+        </p:nvSpPr>
+        <p:spPr>
+          <a:xfrm>
+            <a:off x="1369909" y="670659"/>
+            <a:ext cx="5508777" cy="646331"/>
+          </a:xfrm>
+          <a:prstGeom prst="rect">
+            <a:avLst/>
+          </a:prstGeom>
+          <a:noFill/>
+          <a:ln w="12700">
+            <a:noFill/>
+            <a:prstDash val="sysDash"/>
+          </a:ln>
+        </p:spPr>
+        <p:txBody>
+          <a:bodyPr wrap="square">
+            <a:spAutoFit/>
+          </a:bodyPr>
+          <a:lstStyle/>
+          <a:p>
+            <a:r>
+              <a:rPr lang="en-US" b="1" dirty="0"/>
+              <a:t>Python PLC Honeypot : </a:t>
+            </a:r>
+          </a:p>
+          <a:p>
+            <a:r>
+              <a:rPr lang="en-US" b="1" dirty="0"/>
+              <a:t>Environment Deployment and Attack Detection </a:t>
+            </a:r>
+            <a:endParaRPr lang="en-SG" b="1" dirty="0"/>
+          </a:p>
+        </p:txBody>
+      </p:sp>
+      <p:pic>
+        <p:nvPicPr>
+          <p:cNvPr id="144" name="Picture 143" descr="A close-up of a device&#10;&#10;Description automatically generated">
+            <a:extLst>
+              <a:ext uri="{FF2B5EF4-FFF2-40B4-BE49-F238E27FC236}">
+                <a16:creationId xmlns:a16="http://schemas.microsoft.com/office/drawing/2014/main" id="{5CC65E38-664A-77D5-4AD6-543BAC3B6E01}"/>
+              </a:ext>
+            </a:extLst>
+          </p:cNvPr>
+          <p:cNvPicPr>
+            <a:picLocks noChangeAspect="1"/>
+          </p:cNvPicPr>
+          <p:nvPr/>
+        </p:nvPicPr>
+        <p:blipFill>
+          <a:blip r:embed="rId15">
+            <a:extLst>
+              <a:ext uri="{28A0092B-C50C-407E-A947-70E740481C1C}">
+                <a14:useLocalDpi xmlns:a14="http://schemas.microsoft.com/office/drawing/2010/main" val="0"/>
+              </a:ext>
+            </a:extLst>
+          </a:blip>
+          <a:stretch>
+            <a:fillRect/>
+          </a:stretch>
+        </p:blipFill>
+        <p:spPr>
+          <a:xfrm>
+            <a:off x="10160549" y="651165"/>
+            <a:ext cx="824581" cy="824581"/>
+          </a:xfrm>
+          <a:prstGeom prst="rect">
+            <a:avLst/>
+          </a:prstGeom>
+        </p:spPr>
+      </p:pic>
     </p:spTree>
     <p:extLst>
       <p:ext uri="{BB962C8B-B14F-4D97-AF65-F5344CB8AC3E}">
